--- a/presentation/Attribute Learning System Presentation.pptx
+++ b/presentation/Attribute Learning System Presentation.pptx
@@ -11,15 +11,13 @@
     <p:sldId id="271" r:id="rId5"/>
     <p:sldId id="268" r:id="rId6"/>
     <p:sldId id="269" r:id="rId7"/>
-    <p:sldId id="263" r:id="rId8"/>
-    <p:sldId id="260" r:id="rId9"/>
-    <p:sldId id="259" r:id="rId10"/>
-    <p:sldId id="261" r:id="rId11"/>
-    <p:sldId id="264" r:id="rId12"/>
-    <p:sldId id="262" r:id="rId13"/>
-    <p:sldId id="270" r:id="rId14"/>
-    <p:sldId id="257" r:id="rId15"/>
-    <p:sldId id="258" r:id="rId16"/>
+    <p:sldId id="260" r:id="rId8"/>
+    <p:sldId id="261" r:id="rId9"/>
+    <p:sldId id="264" r:id="rId10"/>
+    <p:sldId id="262" r:id="rId11"/>
+    <p:sldId id="270" r:id="rId12"/>
+    <p:sldId id="257" r:id="rId13"/>
+    <p:sldId id="258" r:id="rId14"/>
   </p:sldIdLst>
   <p:sldSz cx="12192000" cy="6858000"/>
   <p:notesSz cx="6858000" cy="9144000"/>
@@ -120,7 +118,7 @@
   </p:defaultTextStyle>
   <p:extLst>
     <p:ext uri="{EFAFB233-063F-42B5-8137-9DF3F51BA10A}">
-      <p15:sldGuideLst xmlns:p15="http://schemas.microsoft.com/office/powerpoint/2012/main"/>
+      <p15:sldGuideLst xmlns:p15="http://schemas.microsoft.com/office/powerpoint/2012/main" xmlns=""/>
     </p:ext>
   </p:extLst>
 </p:presentation>
@@ -3996,6 +3994,13 @@
         </dgm:presLayoutVars>
       </dgm:prSet>
       <dgm:spPr/>
+      <dgm:t>
+        <a:bodyPr/>
+        <a:lstStyle/>
+        <a:p>
+          <a:endParaRPr lang="en-US"/>
+        </a:p>
+      </dgm:t>
     </dgm:pt>
     <dgm:pt modelId="{D6D52250-772E-4773-AEF1-DE89F18F723E}" type="pres">
       <dgm:prSet presAssocID="{297E3E90-9118-46D8-AFBD-823CAADAFE92}" presName="composite" presStyleCnt="0"/>
@@ -4046,6 +4051,13 @@
     <dgm:pt modelId="{C9C648E9-2AAF-42B8-84EB-0AB73F73F7D3}" type="pres">
       <dgm:prSet presAssocID="{87C99127-AF20-49AE-9B4B-FC9B692B521D}" presName="Accent1Text" presStyleLbl="node1" presStyleIdx="1" presStyleCnt="6" custAng="464211" custLinFactNeighborX="-32667" custLinFactNeighborY="5422"/>
       <dgm:spPr/>
+      <dgm:t>
+        <a:bodyPr/>
+        <a:lstStyle/>
+        <a:p>
+          <a:endParaRPr lang="en-US"/>
+        </a:p>
+      </dgm:t>
     </dgm:pt>
     <dgm:pt modelId="{636ACE84-079A-4AA9-9DC7-AF09BE5C668C}" type="pres">
       <dgm:prSet presAssocID="{87C99127-AF20-49AE-9B4B-FC9B692B521D}" presName="spaceBetweenRectangles" presStyleCnt="0"/>
@@ -4100,6 +4112,13 @@
     <dgm:pt modelId="{D34335B2-30BB-401C-B9C7-9827A269CD74}" type="pres">
       <dgm:prSet presAssocID="{FA460287-38FC-4AFD-A9CF-0A38D6E3A03E}" presName="Accent1Text" presStyleLbl="node1" presStyleIdx="3" presStyleCnt="6" custLinFactNeighborX="44517" custLinFactNeighborY="1850"/>
       <dgm:spPr/>
+      <dgm:t>
+        <a:bodyPr/>
+        <a:lstStyle/>
+        <a:p>
+          <a:endParaRPr lang="en-US"/>
+        </a:p>
+      </dgm:t>
     </dgm:pt>
     <dgm:pt modelId="{E1586217-BF6E-4F9D-B1DF-3F44110B4A2F}" type="pres">
       <dgm:prSet presAssocID="{FA460287-38FC-4AFD-A9CF-0A38D6E3A03E}" presName="spaceBetweenRectangles" presStyleCnt="0"/>
@@ -4154,6 +4173,13 @@
     <dgm:pt modelId="{D39EA7A9-F8EC-4C04-8A75-79F7D89D0699}" type="pres">
       <dgm:prSet presAssocID="{ACC98A97-CACE-4AA0-9C54-FC7006A67E85}" presName="Accent1Text" presStyleLbl="node1" presStyleIdx="5" presStyleCnt="6" custLinFactNeighborX="-19737" custLinFactNeighborY="-609"/>
       <dgm:spPr/>
+      <dgm:t>
+        <a:bodyPr/>
+        <a:lstStyle/>
+        <a:p>
+          <a:endParaRPr lang="en-US"/>
+        </a:p>
+      </dgm:t>
     </dgm:pt>
   </dgm:ptLst>
   <dgm:cxnLst>
@@ -4164,8 +4190,8 @@
     <dgm:cxn modelId="{ABE7D397-3799-4131-95CB-F240099BC297}" type="presOf" srcId="{FA460287-38FC-4AFD-A9CF-0A38D6E3A03E}" destId="{D34335B2-30BB-401C-B9C7-9827A269CD74}" srcOrd="0" destOrd="0" presId="urn:microsoft.com/office/officeart/2008/layout/AlternatingHexagons"/>
     <dgm:cxn modelId="{7556F2F2-C197-4DE4-BFAE-370984655A6E}" type="presOf" srcId="{297E3E90-9118-46D8-AFBD-823CAADAFE92}" destId="{373433D2-0F2B-41F5-BA94-67BE2B93662B}" srcOrd="0" destOrd="0" presId="urn:microsoft.com/office/officeart/2008/layout/AlternatingHexagons"/>
     <dgm:cxn modelId="{925B4DAA-96B9-48F3-B919-DF735C185345}" type="presOf" srcId="{ACC98A97-CACE-4AA0-9C54-FC7006A67E85}" destId="{D39EA7A9-F8EC-4C04-8A75-79F7D89D0699}" srcOrd="0" destOrd="0" presId="urn:microsoft.com/office/officeart/2008/layout/AlternatingHexagons"/>
+    <dgm:cxn modelId="{D5185CC0-D711-4868-9C86-D0AC317A4163}" type="presOf" srcId="{FBE0F82D-F3B0-47B8-84F4-039C87376656}" destId="{41E7AD60-532D-4159-901A-DA72FF241A90}" srcOrd="0" destOrd="0" presId="urn:microsoft.com/office/officeart/2008/layout/AlternatingHexagons"/>
     <dgm:cxn modelId="{8053E6C5-FE0E-4184-BDAC-2349EABB520E}" srcId="{0013736B-B955-4F3E-96EE-8A125299FFE9}" destId="{297E3E90-9118-46D8-AFBD-823CAADAFE92}" srcOrd="0" destOrd="0" parTransId="{95FB31FE-898E-47E0-A0FA-DBF9BB124552}" sibTransId="{87C99127-AF20-49AE-9B4B-FC9B692B521D}"/>
-    <dgm:cxn modelId="{D5185CC0-D711-4868-9C86-D0AC317A4163}" type="presOf" srcId="{FBE0F82D-F3B0-47B8-84F4-039C87376656}" destId="{41E7AD60-532D-4159-901A-DA72FF241A90}" srcOrd="0" destOrd="0" presId="urn:microsoft.com/office/officeart/2008/layout/AlternatingHexagons"/>
     <dgm:cxn modelId="{7743A919-CD7A-4E67-9FFA-961941C23A0D}" srcId="{0013736B-B955-4F3E-96EE-8A125299FFE9}" destId="{FBE0F82D-F3B0-47B8-84F4-039C87376656}" srcOrd="1" destOrd="0" parTransId="{3A98CA01-A125-4570-9775-879CCA1CC7CE}" sibTransId="{FA460287-38FC-4AFD-A9CF-0A38D6E3A03E}"/>
     <dgm:cxn modelId="{1ECA7BAA-B79A-4E72-BA6F-DCB90BF73101}" type="presParOf" srcId="{D5D6F422-1EBA-402A-8A86-685B047ED0D2}" destId="{D6D52250-772E-4773-AEF1-DE89F18F723E}" srcOrd="0" destOrd="0" presId="urn:microsoft.com/office/officeart/2008/layout/AlternatingHexagons"/>
     <dgm:cxn modelId="{B4CE13A3-AFCE-49DE-AB3E-20D97E3A0BDF}" type="presParOf" srcId="{D6D52250-772E-4773-AEF1-DE89F18F723E}" destId="{373433D2-0F2B-41F5-BA94-67BE2B93662B}" srcOrd="0" destOrd="0" presId="urn:microsoft.com/office/officeart/2008/layout/AlternatingHexagons"/>
@@ -4372,6 +4398,13 @@
         </dgm:presLayoutVars>
       </dgm:prSet>
       <dgm:spPr/>
+      <dgm:t>
+        <a:bodyPr/>
+        <a:lstStyle/>
+        <a:p>
+          <a:endParaRPr lang="en-US"/>
+        </a:p>
+      </dgm:t>
     </dgm:pt>
     <dgm:pt modelId="{7C5CB609-8E61-4A01-A759-61672585F9CA}" type="pres">
       <dgm:prSet presAssocID="{2A65FF3B-4FF7-4872-B0CE-AA57A0BB35D5}" presName="composite" presStyleCnt="0"/>
@@ -4426,6 +4459,13 @@
         </dgm:presLayoutVars>
       </dgm:prSet>
       <dgm:spPr/>
+      <dgm:t>
+        <a:bodyPr/>
+        <a:lstStyle/>
+        <a:p>
+          <a:endParaRPr lang="en-US"/>
+        </a:p>
+      </dgm:t>
     </dgm:pt>
     <dgm:pt modelId="{BA04B3C2-BC85-4C18-8859-97E74203571E}" type="pres">
       <dgm:prSet presAssocID="{73908983-8F35-421E-AE8A-018EE79C52A9}" presName="Child1Accent1" presStyleLbl="alignNode1" presStyleIdx="11" presStyleCnt="34"/>
@@ -4472,6 +4512,13 @@
         </dgm:presLayoutVars>
       </dgm:prSet>
       <dgm:spPr/>
+      <dgm:t>
+        <a:bodyPr/>
+        <a:lstStyle/>
+        <a:p>
+          <a:endParaRPr lang="en-US"/>
+        </a:p>
+      </dgm:t>
     </dgm:pt>
     <dgm:pt modelId="{E4D0B879-4DE3-476A-B474-9326D267A06D}" type="pres">
       <dgm:prSet presAssocID="{DD043312-6F4A-4152-AA74-E7CB3F0AB42E}" presName="Child2Accent1" presStyleLbl="alignNode1" presStyleIdx="20" presStyleCnt="34"/>
@@ -4510,6 +4557,13 @@
         </dgm:presLayoutVars>
       </dgm:prSet>
       <dgm:spPr/>
+      <dgm:t>
+        <a:bodyPr/>
+        <a:lstStyle/>
+        <a:p>
+          <a:endParaRPr lang="en-US"/>
+        </a:p>
+      </dgm:t>
     </dgm:pt>
     <dgm:pt modelId="{65621B3F-6623-46FF-9BD3-F988DD8B48AF}" type="pres">
       <dgm:prSet presAssocID="{EAC9FF6D-93A0-49A0-8221-6D8DA415626E}" presName="Child3Accent1" presStyleLbl="alignNode1" presStyleIdx="27" presStyleCnt="34"/>
@@ -4765,6 +4819,13 @@
     <dgm:pt modelId="{7AD642EC-3D62-4196-AA52-56855C27D084}" type="pres">
       <dgm:prSet presAssocID="{8A3ACE52-6E3C-4EF2-A6A3-C65F89AA3F2E}" presName="sibTrans" presStyleLbl="sibTrans2D1" presStyleIdx="0" presStyleCnt="2"/>
       <dgm:spPr/>
+      <dgm:t>
+        <a:bodyPr/>
+        <a:lstStyle/>
+        <a:p>
+          <a:endParaRPr lang="en-US"/>
+        </a:p>
+      </dgm:t>
     </dgm:pt>
     <dgm:pt modelId="{FA7FE93E-B6F3-4F3C-8171-452F77AE0BA0}" type="pres">
       <dgm:prSet presAssocID="{8A3ACE52-6E3C-4EF2-A6A3-C65F89AA3F2E}" presName="spacerR" presStyleCnt="0"/>
@@ -4777,6 +4838,13 @@
         </dgm:presLayoutVars>
       </dgm:prSet>
       <dgm:spPr/>
+      <dgm:t>
+        <a:bodyPr/>
+        <a:lstStyle/>
+        <a:p>
+          <a:endParaRPr lang="en-US"/>
+        </a:p>
+      </dgm:t>
     </dgm:pt>
     <dgm:pt modelId="{45E4D974-98B1-4DC5-B675-D8B99E3718FD}" type="pres">
       <dgm:prSet presAssocID="{FD65B6AF-1B9D-4E48-961E-18FB79AAB921}" presName="spacerL" presStyleCnt="0"/>
@@ -4785,6 +4853,13 @@
     <dgm:pt modelId="{71154503-70E1-4183-9AC2-F924E3127283}" type="pres">
       <dgm:prSet presAssocID="{FD65B6AF-1B9D-4E48-961E-18FB79AAB921}" presName="sibTrans" presStyleLbl="sibTrans2D1" presStyleIdx="1" presStyleCnt="2"/>
       <dgm:spPr/>
+      <dgm:t>
+        <a:bodyPr/>
+        <a:lstStyle/>
+        <a:p>
+          <a:endParaRPr lang="en-US"/>
+        </a:p>
+      </dgm:t>
     </dgm:pt>
     <dgm:pt modelId="{1EF06100-984B-408A-8D55-38E0AADAA6E5}" type="pres">
       <dgm:prSet presAssocID="{FD65B6AF-1B9D-4E48-961E-18FB79AAB921}" presName="spacerR" presStyleCnt="0"/>
@@ -4797,6 +4872,13 @@
         </dgm:presLayoutVars>
       </dgm:prSet>
       <dgm:spPr/>
+      <dgm:t>
+        <a:bodyPr/>
+        <a:lstStyle/>
+        <a:p>
+          <a:endParaRPr lang="en-US"/>
+        </a:p>
+      </dgm:t>
     </dgm:pt>
   </dgm:ptLst>
   <dgm:cxnLst>
@@ -4967,6 +5049,13 @@
         </dgm:presLayoutVars>
       </dgm:prSet>
       <dgm:spPr/>
+      <dgm:t>
+        <a:bodyPr/>
+        <a:lstStyle/>
+        <a:p>
+          <a:endParaRPr lang="en-US"/>
+        </a:p>
+      </dgm:t>
     </dgm:pt>
     <dgm:pt modelId="{5D96605F-62C0-4CFE-9B79-F7B02E6979AE}" type="pres">
       <dgm:prSet presAssocID="{02526F7E-5D76-4209-B807-3B1B39315844}" presName="spacerT" presStyleCnt="0"/>
@@ -4975,6 +5064,13 @@
     <dgm:pt modelId="{FBE3BFA0-3B92-4DE5-8E02-EAC1AF4AC9F6}" type="pres">
       <dgm:prSet presAssocID="{02526F7E-5D76-4209-B807-3B1B39315844}" presName="sibTrans" presStyleLbl="sibTrans2D1" presStyleIdx="0" presStyleCnt="2"/>
       <dgm:spPr/>
+      <dgm:t>
+        <a:bodyPr/>
+        <a:lstStyle/>
+        <a:p>
+          <a:endParaRPr lang="en-US"/>
+        </a:p>
+      </dgm:t>
     </dgm:pt>
     <dgm:pt modelId="{297E5215-68A6-45CA-9E5A-5063E53A0153}" type="pres">
       <dgm:prSet presAssocID="{02526F7E-5D76-4209-B807-3B1B39315844}" presName="spacerB" presStyleCnt="0"/>
@@ -4987,14 +5083,35 @@
         </dgm:presLayoutVars>
       </dgm:prSet>
       <dgm:spPr/>
+      <dgm:t>
+        <a:bodyPr/>
+        <a:lstStyle/>
+        <a:p>
+          <a:endParaRPr lang="en-US"/>
+        </a:p>
+      </dgm:t>
     </dgm:pt>
     <dgm:pt modelId="{C1ADA0F0-265D-419D-A249-F9FA2F8A0141}" type="pres">
       <dgm:prSet presAssocID="{8A303A92-A358-4254-9537-8514B391899B}" presName="sibTransLast" presStyleLbl="sibTrans2D1" presStyleIdx="1" presStyleCnt="2"/>
       <dgm:spPr/>
+      <dgm:t>
+        <a:bodyPr/>
+        <a:lstStyle/>
+        <a:p>
+          <a:endParaRPr lang="en-US"/>
+        </a:p>
+      </dgm:t>
     </dgm:pt>
     <dgm:pt modelId="{3ABE7F5A-ABF6-4034-801F-98A20B36A7C7}" type="pres">
       <dgm:prSet presAssocID="{8A303A92-A358-4254-9537-8514B391899B}" presName="connectorText" presStyleLbl="sibTrans2D1" presStyleIdx="1" presStyleCnt="2"/>
       <dgm:spPr/>
+      <dgm:t>
+        <a:bodyPr/>
+        <a:lstStyle/>
+        <a:p>
+          <a:endParaRPr lang="en-US"/>
+        </a:p>
+      </dgm:t>
     </dgm:pt>
     <dgm:pt modelId="{66E7A999-9302-4587-A714-674A545BF007}" type="pres">
       <dgm:prSet presAssocID="{8A303A92-A358-4254-9537-8514B391899B}" presName="lastNode" presStyleLbl="node1" presStyleIdx="2" presStyleCnt="3">
@@ -5003,6 +5120,13 @@
         </dgm:presLayoutVars>
       </dgm:prSet>
       <dgm:spPr/>
+      <dgm:t>
+        <a:bodyPr/>
+        <a:lstStyle/>
+        <a:p>
+          <a:endParaRPr lang="en-US"/>
+        </a:p>
+      </dgm:t>
     </dgm:pt>
   </dgm:ptLst>
   <dgm:cxnLst>
@@ -5207,6 +5331,13 @@
         </dgm:presLayoutVars>
       </dgm:prSet>
       <dgm:spPr/>
+      <dgm:t>
+        <a:bodyPr/>
+        <a:lstStyle/>
+        <a:p>
+          <a:endParaRPr lang="en-US"/>
+        </a:p>
+      </dgm:t>
     </dgm:pt>
     <dgm:pt modelId="{1C89778A-5C29-4166-A481-6BE43907D2F5}" type="pres">
       <dgm:prSet presAssocID="{1A20207D-4689-428F-BE4B-7E473FBF100A}" presName="linNode" presStyleCnt="0"/>
@@ -5220,6 +5351,13 @@
         </dgm:presLayoutVars>
       </dgm:prSet>
       <dgm:spPr/>
+      <dgm:t>
+        <a:bodyPr/>
+        <a:lstStyle/>
+        <a:p>
+          <a:endParaRPr lang="en-US"/>
+        </a:p>
+      </dgm:t>
     </dgm:pt>
     <dgm:pt modelId="{E7CC602C-43BA-453F-BCB7-72DCCACF75EB}" type="pres">
       <dgm:prSet presAssocID="{1A20207D-4689-428F-BE4B-7E473FBF100A}" presName="bracket" presStyleLbl="parChTrans1D1" presStyleIdx="0" presStyleCnt="2"/>
@@ -5236,6 +5374,13 @@
         </dgm:presLayoutVars>
       </dgm:prSet>
       <dgm:spPr/>
+      <dgm:t>
+        <a:bodyPr/>
+        <a:lstStyle/>
+        <a:p>
+          <a:endParaRPr lang="en-US"/>
+        </a:p>
+      </dgm:t>
     </dgm:pt>
     <dgm:pt modelId="{D68FB32E-3A0C-41DD-9F96-A894A71BD787}" type="pres">
       <dgm:prSet presAssocID="{A0302818-15BF-4117-9660-DC507BCD210C}" presName="spV" presStyleCnt="0"/>
@@ -5253,6 +5398,13 @@
         </dgm:presLayoutVars>
       </dgm:prSet>
       <dgm:spPr/>
+      <dgm:t>
+        <a:bodyPr/>
+        <a:lstStyle/>
+        <a:p>
+          <a:endParaRPr lang="en-US"/>
+        </a:p>
+      </dgm:t>
     </dgm:pt>
     <dgm:pt modelId="{8E9D926B-ED3C-40FA-9DFF-C91923AD4676}" type="pres">
       <dgm:prSet presAssocID="{18878E32-0B9B-45F4-8EDE-A4A4CB46A1D6}" presName="bracket" presStyleLbl="parChTrans1D1" presStyleIdx="1" presStyleCnt="2"/>
@@ -5269,6 +5421,13 @@
         </dgm:presLayoutVars>
       </dgm:prSet>
       <dgm:spPr/>
+      <dgm:t>
+        <a:bodyPr/>
+        <a:lstStyle/>
+        <a:p>
+          <a:endParaRPr lang="en-US"/>
+        </a:p>
+      </dgm:t>
     </dgm:pt>
   </dgm:ptLst>
   <dgm:cxnLst>
@@ -17336,8 +17495,8 @@
           </a:prstGeom>
           <a:noFill/>
           <a:extLst>
-            <a:ext uri="{909E8E84-426E-40dd-AFC4-6F175D3DCCD1}">
-              <a14:hiddenFill xmlns="" xmlns:a14="http://schemas.microsoft.com/office/drawing/2010/main">
+            <a:ext uri="{909E8E84-426E-40DD-AFC4-6F175D3DCCD1}">
+              <a14:hiddenFill xmlns:a14="http://schemas.microsoft.com/office/drawing/2010/main">
                 <a:solidFill>
                   <a:srgbClr val="FFFFFF"/>
                 </a:solidFill>
@@ -17395,8 +17554,8 @@
               <a:noFill/>
             </a:ln>
             <a:extLst>
-              <a:ext uri="{91240B29-F687-4f45-9708-019B960494DF}">
-                <a14:hiddenLine xmlns="" xmlns:a14="http://schemas.microsoft.com/office/drawing/2010/main" w="9525">
+              <a:ext uri="{91240B29-F687-4F45-9708-019B960494DF}">
+                <a14:hiddenLine xmlns:a14="http://schemas.microsoft.com/office/drawing/2010/main" w="9525">
                   <a:solidFill>
                     <a:srgbClr val="000000"/>
                   </a:solidFill>
@@ -17485,8 +17644,8 @@
               <a:noFill/>
             </a:ln>
             <a:extLst>
-              <a:ext uri="{91240B29-F687-4f45-9708-019B960494DF}">
-                <a14:hiddenLine xmlns="" xmlns:a14="http://schemas.microsoft.com/office/drawing/2010/main" w="9525">
+              <a:ext uri="{91240B29-F687-4F45-9708-019B960494DF}">
+                <a14:hiddenLine xmlns:a14="http://schemas.microsoft.com/office/drawing/2010/main" w="9525">
                   <a:solidFill>
                     <a:srgbClr val="000000"/>
                   </a:solidFill>
@@ -17575,8 +17734,8 @@
               <a:noFill/>
             </a:ln>
             <a:extLst>
-              <a:ext uri="{91240B29-F687-4f45-9708-019B960494DF}">
-                <a14:hiddenLine xmlns="" xmlns:a14="http://schemas.microsoft.com/office/drawing/2010/main" w="9525">
+              <a:ext uri="{91240B29-F687-4F45-9708-019B960494DF}">
+                <a14:hiddenLine xmlns:a14="http://schemas.microsoft.com/office/drawing/2010/main" w="9525">
                   <a:solidFill>
                     <a:srgbClr val="000000"/>
                   </a:solidFill>
@@ -17609,8 +17768,8 @@
               <a:noFill/>
             </a:ln>
             <a:extLst>
-              <a:ext uri="{91240B29-F687-4f45-9708-019B960494DF}">
-                <a14:hiddenLine xmlns="" xmlns:a14="http://schemas.microsoft.com/office/drawing/2010/main" w="9525">
+              <a:ext uri="{91240B29-F687-4F45-9708-019B960494DF}">
+                <a14:hiddenLine xmlns:a14="http://schemas.microsoft.com/office/drawing/2010/main" w="9525">
                   <a:solidFill>
                     <a:srgbClr val="000000"/>
                   </a:solidFill>
@@ -17699,8 +17858,8 @@
               <a:noFill/>
             </a:ln>
             <a:extLst>
-              <a:ext uri="{91240B29-F687-4f45-9708-019B960494DF}">
-                <a14:hiddenLine xmlns="" xmlns:a14="http://schemas.microsoft.com/office/drawing/2010/main" w="9525">
+              <a:ext uri="{91240B29-F687-4F45-9708-019B960494DF}">
+                <a14:hiddenLine xmlns:a14="http://schemas.microsoft.com/office/drawing/2010/main" w="9525">
                   <a:solidFill>
                     <a:srgbClr val="000000"/>
                   </a:solidFill>
@@ -17761,8 +17920,8 @@
               <a:noFill/>
             </a:ln>
             <a:extLst>
-              <a:ext uri="{91240B29-F687-4f45-9708-019B960494DF}">
-                <a14:hiddenLine xmlns="" xmlns:a14="http://schemas.microsoft.com/office/drawing/2010/main" w="9525">
+              <a:ext uri="{91240B29-F687-4F45-9708-019B960494DF}">
+                <a14:hiddenLine xmlns:a14="http://schemas.microsoft.com/office/drawing/2010/main" w="9525">
                   <a:solidFill>
                     <a:srgbClr val="000000"/>
                   </a:solidFill>
@@ -17823,8 +17982,8 @@
               <a:noFill/>
             </a:ln>
             <a:extLst>
-              <a:ext uri="{91240B29-F687-4f45-9708-019B960494DF}">
-                <a14:hiddenLine xmlns="" xmlns:a14="http://schemas.microsoft.com/office/drawing/2010/main" w="9525">
+              <a:ext uri="{91240B29-F687-4F45-9708-019B960494DF}">
+                <a14:hiddenLine xmlns:a14="http://schemas.microsoft.com/office/drawing/2010/main" w="9525">
                   <a:solidFill>
                     <a:srgbClr val="000000"/>
                   </a:solidFill>
@@ -17913,8 +18072,8 @@
               <a:noFill/>
             </a:ln>
             <a:extLst>
-              <a:ext uri="{91240B29-F687-4f45-9708-019B960494DF}">
-                <a14:hiddenLine xmlns="" xmlns:a14="http://schemas.microsoft.com/office/drawing/2010/main" w="9525">
+              <a:ext uri="{91240B29-F687-4F45-9708-019B960494DF}">
+                <a14:hiddenLine xmlns:a14="http://schemas.microsoft.com/office/drawing/2010/main" w="9525">
                   <a:solidFill>
                     <a:srgbClr val="000000"/>
                   </a:solidFill>
@@ -17975,8 +18134,8 @@
               <a:noFill/>
             </a:ln>
             <a:extLst>
-              <a:ext uri="{91240B29-F687-4f45-9708-019B960494DF}">
-                <a14:hiddenLine xmlns="" xmlns:a14="http://schemas.microsoft.com/office/drawing/2010/main" w="9525">
+              <a:ext uri="{91240B29-F687-4F45-9708-019B960494DF}">
+                <a14:hiddenLine xmlns:a14="http://schemas.microsoft.com/office/drawing/2010/main" w="9525">
                   <a:solidFill>
                     <a:srgbClr val="000000"/>
                   </a:solidFill>
@@ -18037,8 +18196,8 @@
               <a:noFill/>
             </a:ln>
             <a:extLst>
-              <a:ext uri="{91240B29-F687-4f45-9708-019B960494DF}">
-                <a14:hiddenLine xmlns="" xmlns:a14="http://schemas.microsoft.com/office/drawing/2010/main" w="9525">
+              <a:ext uri="{91240B29-F687-4F45-9708-019B960494DF}">
+                <a14:hiddenLine xmlns:a14="http://schemas.microsoft.com/office/drawing/2010/main" w="9525">
                   <a:solidFill>
                     <a:srgbClr val="000000"/>
                   </a:solidFill>
@@ -18127,8 +18286,8 @@
               <a:noFill/>
             </a:ln>
             <a:extLst>
-              <a:ext uri="{91240B29-F687-4f45-9708-019B960494DF}">
-                <a14:hiddenLine xmlns="" xmlns:a14="http://schemas.microsoft.com/office/drawing/2010/main" w="9525">
+              <a:ext uri="{91240B29-F687-4F45-9708-019B960494DF}">
+                <a14:hiddenLine xmlns:a14="http://schemas.microsoft.com/office/drawing/2010/main" w="9525">
                   <a:solidFill>
                     <a:srgbClr val="000000"/>
                   </a:solidFill>
@@ -18217,8 +18376,8 @@
               <a:noFill/>
             </a:ln>
             <a:extLst>
-              <a:ext uri="{91240B29-F687-4f45-9708-019B960494DF}">
-                <a14:hiddenLine xmlns="" xmlns:a14="http://schemas.microsoft.com/office/drawing/2010/main" w="9525">
+              <a:ext uri="{91240B29-F687-4F45-9708-019B960494DF}">
+                <a14:hiddenLine xmlns:a14="http://schemas.microsoft.com/office/drawing/2010/main" w="9525">
                   <a:solidFill>
                     <a:srgbClr val="000000"/>
                   </a:solidFill>
@@ -18279,8 +18438,8 @@
               <a:noFill/>
             </a:ln>
             <a:extLst>
-              <a:ext uri="{91240B29-F687-4f45-9708-019B960494DF}">
-                <a14:hiddenLine xmlns="" xmlns:a14="http://schemas.microsoft.com/office/drawing/2010/main" w="9525">
+              <a:ext uri="{91240B29-F687-4F45-9708-019B960494DF}">
+                <a14:hiddenLine xmlns:a14="http://schemas.microsoft.com/office/drawing/2010/main" w="9525">
                   <a:solidFill>
                     <a:srgbClr val="000000"/>
                   </a:solidFill>
@@ -18389,8 +18548,8 @@
               <a:noFill/>
             </a:ln>
             <a:extLst>
-              <a:ext uri="{91240B29-F687-4f45-9708-019B960494DF}">
-                <a14:hiddenLine xmlns="" xmlns:a14="http://schemas.microsoft.com/office/drawing/2010/main" w="9525">
+              <a:ext uri="{91240B29-F687-4F45-9708-019B960494DF}">
+                <a14:hiddenLine xmlns:a14="http://schemas.microsoft.com/office/drawing/2010/main" w="9525">
                   <a:solidFill>
                     <a:srgbClr val="000000"/>
                   </a:solidFill>
@@ -18451,8 +18610,8 @@
               <a:noFill/>
             </a:ln>
             <a:extLst>
-              <a:ext uri="{91240B29-F687-4f45-9708-019B960494DF}">
-                <a14:hiddenLine xmlns="" xmlns:a14="http://schemas.microsoft.com/office/drawing/2010/main" w="9525">
+              <a:ext uri="{91240B29-F687-4F45-9708-019B960494DF}">
+                <a14:hiddenLine xmlns:a14="http://schemas.microsoft.com/office/drawing/2010/main" w="9525">
                   <a:solidFill>
                     <a:srgbClr val="000000"/>
                   </a:solidFill>
@@ -18541,8 +18700,8 @@
               <a:noFill/>
             </a:ln>
             <a:extLst>
-              <a:ext uri="{91240B29-F687-4f45-9708-019B960494DF}">
-                <a14:hiddenLine xmlns="" xmlns:a14="http://schemas.microsoft.com/office/drawing/2010/main" w="9525">
+              <a:ext uri="{91240B29-F687-4F45-9708-019B960494DF}">
+                <a14:hiddenLine xmlns:a14="http://schemas.microsoft.com/office/drawing/2010/main" w="9525">
                   <a:solidFill>
                     <a:srgbClr val="000000"/>
                   </a:solidFill>
@@ -18631,8 +18790,8 @@
               <a:noFill/>
             </a:ln>
             <a:extLst>
-              <a:ext uri="{91240B29-F687-4f45-9708-019B960494DF}">
-                <a14:hiddenLine xmlns="" xmlns:a14="http://schemas.microsoft.com/office/drawing/2010/main" w="9525">
+              <a:ext uri="{91240B29-F687-4F45-9708-019B960494DF}">
+                <a14:hiddenLine xmlns:a14="http://schemas.microsoft.com/office/drawing/2010/main" w="9525">
                   <a:solidFill>
                     <a:srgbClr val="000000"/>
                   </a:solidFill>
@@ -18693,8 +18852,8 @@
               <a:noFill/>
             </a:ln>
             <a:extLst>
-              <a:ext uri="{91240B29-F687-4f45-9708-019B960494DF}">
-                <a14:hiddenLine xmlns="" xmlns:a14="http://schemas.microsoft.com/office/drawing/2010/main" w="9525">
+              <a:ext uri="{91240B29-F687-4F45-9708-019B960494DF}">
+                <a14:hiddenLine xmlns:a14="http://schemas.microsoft.com/office/drawing/2010/main" w="9525">
                   <a:solidFill>
                     <a:srgbClr val="000000"/>
                   </a:solidFill>
@@ -18783,8 +18942,8 @@
               <a:noFill/>
             </a:ln>
             <a:extLst>
-              <a:ext uri="{91240B29-F687-4f45-9708-019B960494DF}">
-                <a14:hiddenLine xmlns="" xmlns:a14="http://schemas.microsoft.com/office/drawing/2010/main" w="9525">
+              <a:ext uri="{91240B29-F687-4F45-9708-019B960494DF}">
+                <a14:hiddenLine xmlns:a14="http://schemas.microsoft.com/office/drawing/2010/main" w="9525">
                   <a:solidFill>
                     <a:srgbClr val="000000"/>
                   </a:solidFill>
@@ -18873,8 +19032,8 @@
               <a:noFill/>
             </a:ln>
             <a:extLst>
-              <a:ext uri="{91240B29-F687-4f45-9708-019B960494DF}">
-                <a14:hiddenLine xmlns="" xmlns:a14="http://schemas.microsoft.com/office/drawing/2010/main" w="9525">
+              <a:ext uri="{91240B29-F687-4F45-9708-019B960494DF}">
+                <a14:hiddenLine xmlns:a14="http://schemas.microsoft.com/office/drawing/2010/main" w="9525">
                   <a:solidFill>
                     <a:srgbClr val="000000"/>
                   </a:solidFill>
@@ -18929,8 +19088,8 @@
               <a:noFill/>
             </a:ln>
             <a:extLst>
-              <a:ext uri="{91240B29-F687-4f45-9708-019B960494DF}">
-                <a14:hiddenLine xmlns="" xmlns:a14="http://schemas.microsoft.com/office/drawing/2010/main" w="9525">
+              <a:ext uri="{91240B29-F687-4F45-9708-019B960494DF}">
+                <a14:hiddenLine xmlns:a14="http://schemas.microsoft.com/office/drawing/2010/main" w="9525">
                   <a:solidFill>
                     <a:srgbClr val="000000"/>
                   </a:solidFill>
@@ -19019,8 +19178,8 @@
               <a:noFill/>
             </a:ln>
             <a:extLst>
-              <a:ext uri="{91240B29-F687-4f45-9708-019B960494DF}">
-                <a14:hiddenLine xmlns="" xmlns:a14="http://schemas.microsoft.com/office/drawing/2010/main" w="9525">
+              <a:ext uri="{91240B29-F687-4F45-9708-019B960494DF}">
+                <a14:hiddenLine xmlns:a14="http://schemas.microsoft.com/office/drawing/2010/main" w="9525">
                   <a:solidFill>
                     <a:srgbClr val="000000"/>
                   </a:solidFill>
@@ -19075,8 +19234,8 @@
               <a:noFill/>
             </a:ln>
             <a:extLst>
-              <a:ext uri="{91240B29-F687-4f45-9708-019B960494DF}">
-                <a14:hiddenLine xmlns="" xmlns:a14="http://schemas.microsoft.com/office/drawing/2010/main" w="9525">
+              <a:ext uri="{91240B29-F687-4F45-9708-019B960494DF}">
+                <a14:hiddenLine xmlns:a14="http://schemas.microsoft.com/office/drawing/2010/main" w="9525">
                   <a:solidFill>
                     <a:srgbClr val="000000"/>
                   </a:solidFill>
@@ -19165,8 +19324,8 @@
               <a:noFill/>
             </a:ln>
             <a:extLst>
-              <a:ext uri="{91240B29-F687-4f45-9708-019B960494DF}">
-                <a14:hiddenLine xmlns="" xmlns:a14="http://schemas.microsoft.com/office/drawing/2010/main" w="9525">
+              <a:ext uri="{91240B29-F687-4F45-9708-019B960494DF}">
+                <a14:hiddenLine xmlns:a14="http://schemas.microsoft.com/office/drawing/2010/main" w="9525">
                   <a:solidFill>
                     <a:srgbClr val="000000"/>
                   </a:solidFill>
@@ -19233,8 +19392,8 @@
               <a:noFill/>
             </a:ln>
             <a:extLst>
-              <a:ext uri="{91240B29-F687-4f45-9708-019B960494DF}">
-                <a14:hiddenLine xmlns="" xmlns:a14="http://schemas.microsoft.com/office/drawing/2010/main" w="9525">
+              <a:ext uri="{91240B29-F687-4F45-9708-019B960494DF}">
+                <a14:hiddenLine xmlns:a14="http://schemas.microsoft.com/office/drawing/2010/main" w="9525">
                   <a:solidFill>
                     <a:srgbClr val="000000"/>
                   </a:solidFill>
@@ -19323,8 +19482,8 @@
               <a:noFill/>
             </a:ln>
             <a:extLst>
-              <a:ext uri="{91240B29-F687-4f45-9708-019B960494DF}">
-                <a14:hiddenLine xmlns="" xmlns:a14="http://schemas.microsoft.com/office/drawing/2010/main" w="9525">
+              <a:ext uri="{91240B29-F687-4F45-9708-019B960494DF}">
+                <a14:hiddenLine xmlns:a14="http://schemas.microsoft.com/office/drawing/2010/main" w="9525">
                   <a:solidFill>
                     <a:srgbClr val="000000"/>
                   </a:solidFill>
@@ -19391,8 +19550,8 @@
               <a:noFill/>
             </a:ln>
             <a:extLst>
-              <a:ext uri="{91240B29-F687-4f45-9708-019B960494DF}">
-                <a14:hiddenLine xmlns="" xmlns:a14="http://schemas.microsoft.com/office/drawing/2010/main" w="9525">
+              <a:ext uri="{91240B29-F687-4F45-9708-019B960494DF}">
+                <a14:hiddenLine xmlns:a14="http://schemas.microsoft.com/office/drawing/2010/main" w="9525">
                   <a:solidFill>
                     <a:srgbClr val="000000"/>
                   </a:solidFill>
@@ -19481,8 +19640,8 @@
               <a:noFill/>
             </a:ln>
             <a:extLst>
-              <a:ext uri="{91240B29-F687-4f45-9708-019B960494DF}">
-                <a14:hiddenLine xmlns="" xmlns:a14="http://schemas.microsoft.com/office/drawing/2010/main" w="9525">
+              <a:ext uri="{91240B29-F687-4F45-9708-019B960494DF}">
+                <a14:hiddenLine xmlns:a14="http://schemas.microsoft.com/office/drawing/2010/main" w="9525">
                   <a:solidFill>
                     <a:srgbClr val="000000"/>
                   </a:solidFill>
@@ -19515,8 +19674,8 @@
               <a:noFill/>
             </a:ln>
             <a:extLst>
-              <a:ext uri="{91240B29-F687-4f45-9708-019B960494DF}">
-                <a14:hiddenLine xmlns="" xmlns:a14="http://schemas.microsoft.com/office/drawing/2010/main" w="9525">
+              <a:ext uri="{91240B29-F687-4F45-9708-019B960494DF}">
+                <a14:hiddenLine xmlns:a14="http://schemas.microsoft.com/office/drawing/2010/main" w="9525">
                   <a:solidFill>
                     <a:srgbClr val="000000"/>
                   </a:solidFill>
@@ -19605,8 +19764,8 @@
               <a:noFill/>
             </a:ln>
             <a:extLst>
-              <a:ext uri="{91240B29-F687-4f45-9708-019B960494DF}">
-                <a14:hiddenLine xmlns="" xmlns:a14="http://schemas.microsoft.com/office/drawing/2010/main" w="9525">
+              <a:ext uri="{91240B29-F687-4F45-9708-019B960494DF}">
+                <a14:hiddenLine xmlns:a14="http://schemas.microsoft.com/office/drawing/2010/main" w="9525">
                   <a:solidFill>
                     <a:srgbClr val="000000"/>
                   </a:solidFill>
@@ -19667,8 +19826,8 @@
               <a:noFill/>
             </a:ln>
             <a:extLst>
-              <a:ext uri="{91240B29-F687-4f45-9708-019B960494DF}">
-                <a14:hiddenLine xmlns="" xmlns:a14="http://schemas.microsoft.com/office/drawing/2010/main" w="9525">
+              <a:ext uri="{91240B29-F687-4F45-9708-019B960494DF}">
+                <a14:hiddenLine xmlns:a14="http://schemas.microsoft.com/office/drawing/2010/main" w="9525">
                   <a:solidFill>
                     <a:srgbClr val="000000"/>
                   </a:solidFill>
@@ -19729,8 +19888,8 @@
               <a:noFill/>
             </a:ln>
             <a:extLst>
-              <a:ext uri="{91240B29-F687-4f45-9708-019B960494DF}">
-                <a14:hiddenLine xmlns="" xmlns:a14="http://schemas.microsoft.com/office/drawing/2010/main" w="9525">
+              <a:ext uri="{91240B29-F687-4F45-9708-019B960494DF}">
+                <a14:hiddenLine xmlns:a14="http://schemas.microsoft.com/office/drawing/2010/main" w="9525">
                   <a:solidFill>
                     <a:srgbClr val="000000"/>
                   </a:solidFill>
@@ -19819,8 +19978,8 @@
               <a:noFill/>
             </a:ln>
             <a:extLst>
-              <a:ext uri="{91240B29-F687-4f45-9708-019B960494DF}">
-                <a14:hiddenLine xmlns="" xmlns:a14="http://schemas.microsoft.com/office/drawing/2010/main" w="9525">
+              <a:ext uri="{91240B29-F687-4F45-9708-019B960494DF}">
+                <a14:hiddenLine xmlns:a14="http://schemas.microsoft.com/office/drawing/2010/main" w="9525">
                   <a:solidFill>
                     <a:srgbClr val="000000"/>
                   </a:solidFill>
@@ -19887,8 +20046,8 @@
               <a:noFill/>
             </a:ln>
             <a:extLst>
-              <a:ext uri="{91240B29-F687-4f45-9708-019B960494DF}">
-                <a14:hiddenLine xmlns="" xmlns:a14="http://schemas.microsoft.com/office/drawing/2010/main" w="9525">
+              <a:ext uri="{91240B29-F687-4F45-9708-019B960494DF}">
+                <a14:hiddenLine xmlns:a14="http://schemas.microsoft.com/office/drawing/2010/main" w="9525">
                   <a:solidFill>
                     <a:srgbClr val="000000"/>
                   </a:solidFill>
@@ -19949,8 +20108,8 @@
               <a:noFill/>
             </a:ln>
             <a:extLst>
-              <a:ext uri="{91240B29-F687-4f45-9708-019B960494DF}">
-                <a14:hiddenLine xmlns="" xmlns:a14="http://schemas.microsoft.com/office/drawing/2010/main" w="9525">
+              <a:ext uri="{91240B29-F687-4F45-9708-019B960494DF}">
+                <a14:hiddenLine xmlns:a14="http://schemas.microsoft.com/office/drawing/2010/main" w="9525">
                   <a:solidFill>
                     <a:srgbClr val="000000"/>
                   </a:solidFill>
@@ -20039,8 +20198,8 @@
               <a:noFill/>
             </a:ln>
             <a:extLst>
-              <a:ext uri="{91240B29-F687-4f45-9708-019B960494DF}">
-                <a14:hiddenLine xmlns="" xmlns:a14="http://schemas.microsoft.com/office/drawing/2010/main" w="9525">
+              <a:ext uri="{91240B29-F687-4F45-9708-019B960494DF}">
+                <a14:hiddenLine xmlns:a14="http://schemas.microsoft.com/office/drawing/2010/main" w="9525">
                   <a:solidFill>
                     <a:srgbClr val="000000"/>
                   </a:solidFill>
@@ -20101,8 +20260,8 @@
               <a:noFill/>
             </a:ln>
             <a:extLst>
-              <a:ext uri="{91240B29-F687-4f45-9708-019B960494DF}">
-                <a14:hiddenLine xmlns="" xmlns:a14="http://schemas.microsoft.com/office/drawing/2010/main" w="9525">
+              <a:ext uri="{91240B29-F687-4F45-9708-019B960494DF}">
+                <a14:hiddenLine xmlns:a14="http://schemas.microsoft.com/office/drawing/2010/main" w="9525">
                   <a:solidFill>
                     <a:srgbClr val="000000"/>
                   </a:solidFill>
@@ -20191,8 +20350,8 @@
               <a:noFill/>
             </a:ln>
             <a:extLst>
-              <a:ext uri="{91240B29-F687-4f45-9708-019B960494DF}">
-                <a14:hiddenLine xmlns="" xmlns:a14="http://schemas.microsoft.com/office/drawing/2010/main" w="9525">
+              <a:ext uri="{91240B29-F687-4F45-9708-019B960494DF}">
+                <a14:hiddenLine xmlns:a14="http://schemas.microsoft.com/office/drawing/2010/main" w="9525">
                   <a:solidFill>
                     <a:srgbClr val="000000"/>
                   </a:solidFill>
@@ -20253,8 +20412,8 @@
               <a:noFill/>
             </a:ln>
             <a:extLst>
-              <a:ext uri="{91240B29-F687-4f45-9708-019B960494DF}">
-                <a14:hiddenLine xmlns="" xmlns:a14="http://schemas.microsoft.com/office/drawing/2010/main" w="9525">
+              <a:ext uri="{91240B29-F687-4F45-9708-019B960494DF}">
+                <a14:hiddenLine xmlns:a14="http://schemas.microsoft.com/office/drawing/2010/main" w="9525">
                   <a:solidFill>
                     <a:srgbClr val="000000"/>
                   </a:solidFill>
@@ -20343,8 +20502,8 @@
               <a:noFill/>
             </a:ln>
             <a:extLst>
-              <a:ext uri="{91240B29-F687-4f45-9708-019B960494DF}">
-                <a14:hiddenLine xmlns="" xmlns:a14="http://schemas.microsoft.com/office/drawing/2010/main" w="9525">
+              <a:ext uri="{91240B29-F687-4F45-9708-019B960494DF}">
+                <a14:hiddenLine xmlns:a14="http://schemas.microsoft.com/office/drawing/2010/main" w="9525">
                   <a:solidFill>
                     <a:srgbClr val="000000"/>
                   </a:solidFill>
@@ -20377,8 +20536,8 @@
               <a:noFill/>
             </a:ln>
             <a:extLst>
-              <a:ext uri="{91240B29-F687-4f45-9708-019B960494DF}">
-                <a14:hiddenLine xmlns="" xmlns:a14="http://schemas.microsoft.com/office/drawing/2010/main" w="9525">
+              <a:ext uri="{91240B29-F687-4F45-9708-019B960494DF}">
+                <a14:hiddenLine xmlns:a14="http://schemas.microsoft.com/office/drawing/2010/main" w="9525">
                   <a:solidFill>
                     <a:srgbClr val="000000"/>
                   </a:solidFill>
@@ -20442,8 +20601,8 @@
               <a:noFill/>
             </a:ln>
             <a:extLst>
-              <a:ext uri="{91240B29-F687-4f45-9708-019B960494DF}">
-                <a14:hiddenLine xmlns="" xmlns:a14="http://schemas.microsoft.com/office/drawing/2010/main" w="9525">
+              <a:ext uri="{91240B29-F687-4F45-9708-019B960494DF}">
+                <a14:hiddenLine xmlns:a14="http://schemas.microsoft.com/office/drawing/2010/main" w="9525">
                   <a:solidFill>
                     <a:srgbClr val="000000"/>
                   </a:solidFill>
@@ -20532,8 +20691,8 @@
               <a:noFill/>
             </a:ln>
             <a:extLst>
-              <a:ext uri="{91240B29-F687-4f45-9708-019B960494DF}">
-                <a14:hiddenLine xmlns="" xmlns:a14="http://schemas.microsoft.com/office/drawing/2010/main" w="9525">
+              <a:ext uri="{91240B29-F687-4F45-9708-019B960494DF}">
+                <a14:hiddenLine xmlns:a14="http://schemas.microsoft.com/office/drawing/2010/main" w="9525">
                   <a:solidFill>
                     <a:srgbClr val="000000"/>
                   </a:solidFill>
@@ -20594,8 +20753,8 @@
               <a:noFill/>
             </a:ln>
             <a:extLst>
-              <a:ext uri="{91240B29-F687-4f45-9708-019B960494DF}">
-                <a14:hiddenLine xmlns="" xmlns:a14="http://schemas.microsoft.com/office/drawing/2010/main" w="9525">
+              <a:ext uri="{91240B29-F687-4F45-9708-019B960494DF}">
+                <a14:hiddenLine xmlns:a14="http://schemas.microsoft.com/office/drawing/2010/main" w="9525">
                   <a:solidFill>
                     <a:srgbClr val="000000"/>
                   </a:solidFill>
@@ -20684,8 +20843,8 @@
               <a:noFill/>
             </a:ln>
             <a:extLst>
-              <a:ext uri="{91240B29-F687-4f45-9708-019B960494DF}">
-                <a14:hiddenLine xmlns="" xmlns:a14="http://schemas.microsoft.com/office/drawing/2010/main" w="9525">
+              <a:ext uri="{91240B29-F687-4F45-9708-019B960494DF}">
+                <a14:hiddenLine xmlns:a14="http://schemas.microsoft.com/office/drawing/2010/main" w="9525">
                   <a:solidFill>
                     <a:srgbClr val="000000"/>
                   </a:solidFill>
@@ -20774,8 +20933,8 @@
               <a:noFill/>
             </a:ln>
             <a:extLst>
-              <a:ext uri="{91240B29-F687-4f45-9708-019B960494DF}">
-                <a14:hiddenLine xmlns="" xmlns:a14="http://schemas.microsoft.com/office/drawing/2010/main" w="9525">
+              <a:ext uri="{91240B29-F687-4F45-9708-019B960494DF}">
+                <a14:hiddenLine xmlns:a14="http://schemas.microsoft.com/office/drawing/2010/main" w="9525">
                   <a:solidFill>
                     <a:srgbClr val="000000"/>
                   </a:solidFill>
@@ -20839,8 +20998,8 @@
               <a:noFill/>
             </a:ln>
             <a:extLst>
-              <a:ext uri="{91240B29-F687-4f45-9708-019B960494DF}">
-                <a14:hiddenLine xmlns="" xmlns:a14="http://schemas.microsoft.com/office/drawing/2010/main" w="9525">
+              <a:ext uri="{91240B29-F687-4F45-9708-019B960494DF}">
+                <a14:hiddenLine xmlns:a14="http://schemas.microsoft.com/office/drawing/2010/main" w="9525">
                   <a:solidFill>
                     <a:srgbClr val="000000"/>
                   </a:solidFill>
@@ -20901,8 +21060,8 @@
               <a:noFill/>
             </a:ln>
             <a:extLst>
-              <a:ext uri="{91240B29-F687-4f45-9708-019B960494DF}">
-                <a14:hiddenLine xmlns="" xmlns:a14="http://schemas.microsoft.com/office/drawing/2010/main" w="9525">
+              <a:ext uri="{91240B29-F687-4F45-9708-019B960494DF}">
+                <a14:hiddenLine xmlns:a14="http://schemas.microsoft.com/office/drawing/2010/main" w="9525">
                   <a:solidFill>
                     <a:srgbClr val="000000"/>
                   </a:solidFill>
@@ -20991,8 +21150,8 @@
               <a:noFill/>
             </a:ln>
             <a:extLst>
-              <a:ext uri="{91240B29-F687-4f45-9708-019B960494DF}">
-                <a14:hiddenLine xmlns="" xmlns:a14="http://schemas.microsoft.com/office/drawing/2010/main" w="9525">
+              <a:ext uri="{91240B29-F687-4F45-9708-019B960494DF}">
+                <a14:hiddenLine xmlns:a14="http://schemas.microsoft.com/office/drawing/2010/main" w="9525">
                   <a:solidFill>
                     <a:srgbClr val="000000"/>
                   </a:solidFill>
@@ -21081,8 +21240,8 @@
               <a:noFill/>
             </a:ln>
             <a:extLst>
-              <a:ext uri="{91240B29-F687-4f45-9708-019B960494DF}">
-                <a14:hiddenLine xmlns="" xmlns:a14="http://schemas.microsoft.com/office/drawing/2010/main" w="9525">
+              <a:ext uri="{91240B29-F687-4F45-9708-019B960494DF}">
+                <a14:hiddenLine xmlns:a14="http://schemas.microsoft.com/office/drawing/2010/main" w="9525">
                   <a:solidFill>
                     <a:srgbClr val="000000"/>
                   </a:solidFill>
@@ -21143,8 +21302,8 @@
               <a:noFill/>
             </a:ln>
             <a:extLst>
-              <a:ext uri="{91240B29-F687-4f45-9708-019B960494DF}">
-                <a14:hiddenLine xmlns="" xmlns:a14="http://schemas.microsoft.com/office/drawing/2010/main" w="9525">
+              <a:ext uri="{91240B29-F687-4F45-9708-019B960494DF}">
+                <a14:hiddenLine xmlns:a14="http://schemas.microsoft.com/office/drawing/2010/main" w="9525">
                   <a:solidFill>
                     <a:srgbClr val="000000"/>
                   </a:solidFill>
@@ -21263,8 +21422,8 @@
               <a:noFill/>
             </a:ln>
             <a:extLst>
-              <a:ext uri="{91240B29-F687-4f45-9708-019B960494DF}">
-                <a14:hiddenLine xmlns="" xmlns:a14="http://schemas.microsoft.com/office/drawing/2010/main" w="9525">
+              <a:ext uri="{91240B29-F687-4F45-9708-019B960494DF}">
+                <a14:hiddenLine xmlns:a14="http://schemas.microsoft.com/office/drawing/2010/main" w="9525">
                   <a:solidFill>
                     <a:srgbClr val="000000"/>
                   </a:solidFill>
@@ -21331,8 +21490,8 @@
               <a:noFill/>
             </a:ln>
             <a:extLst>
-              <a:ext uri="{91240B29-F687-4f45-9708-019B960494DF}">
-                <a14:hiddenLine xmlns="" xmlns:a14="http://schemas.microsoft.com/office/drawing/2010/main" w="9525">
+              <a:ext uri="{91240B29-F687-4F45-9708-019B960494DF}">
+                <a14:hiddenLine xmlns:a14="http://schemas.microsoft.com/office/drawing/2010/main" w="9525">
                   <a:solidFill>
                     <a:srgbClr val="000000"/>
                   </a:solidFill>
@@ -21421,8 +21580,8 @@
               <a:noFill/>
             </a:ln>
             <a:extLst>
-              <a:ext uri="{91240B29-F687-4f45-9708-019B960494DF}">
-                <a14:hiddenLine xmlns="" xmlns:a14="http://schemas.microsoft.com/office/drawing/2010/main" w="9525">
+              <a:ext uri="{91240B29-F687-4F45-9708-019B960494DF}">
+                <a14:hiddenLine xmlns:a14="http://schemas.microsoft.com/office/drawing/2010/main" w="9525">
                   <a:solidFill>
                     <a:srgbClr val="000000"/>
                   </a:solidFill>
@@ -21562,7 +21721,7 @@
           <a:p>
             <a:fld id="{48A87A34-81AB-432B-8DAE-1953F412C126}" type="datetimeFigureOut">
               <a:rPr lang="en-US" smtClean="0"/>
-              <a:t>5/3/2013</a:t>
+              <a:t>5/6/2013</a:t>
             </a:fld>
             <a:endParaRPr lang="en-US" dirty="0"/>
           </a:p>
@@ -21829,7 +21988,7 @@
           <a:p>
             <a:fld id="{48A87A34-81AB-432B-8DAE-1953F412C126}" type="datetimeFigureOut">
               <a:rPr lang="en-US" smtClean="0"/>
-              <a:t>5/3/2013</a:t>
+              <a:t>5/6/2013</a:t>
             </a:fld>
             <a:endParaRPr lang="en-US" dirty="0"/>
           </a:p>
@@ -22025,7 +22184,7 @@
           <a:p>
             <a:fld id="{48A87A34-81AB-432B-8DAE-1953F412C126}" type="datetimeFigureOut">
               <a:rPr lang="en-US" smtClean="0"/>
-              <a:t>5/3/2013</a:t>
+              <a:t>5/6/2013</a:t>
             </a:fld>
             <a:endParaRPr lang="en-US" dirty="0"/>
           </a:p>
@@ -22288,7 +22447,7 @@
           <a:p>
             <a:fld id="{48A87A34-81AB-432B-8DAE-1953F412C126}" type="datetimeFigureOut">
               <a:rPr lang="en-US" smtClean="0"/>
-              <a:t>5/3/2013</a:t>
+              <a:t>5/6/2013</a:t>
             </a:fld>
             <a:endParaRPr lang="en-US" dirty="0"/>
           </a:p>
@@ -22722,7 +22881,7 @@
           <a:p>
             <a:fld id="{48A87A34-81AB-432B-8DAE-1953F412C126}" type="datetimeFigureOut">
               <a:rPr lang="en-US" smtClean="0"/>
-              <a:t>5/3/2013</a:t>
+              <a:t>5/6/2013</a:t>
             </a:fld>
             <a:endParaRPr lang="en-US" dirty="0"/>
           </a:p>
@@ -23268,7 +23427,7 @@
           <a:p>
             <a:fld id="{48A87A34-81AB-432B-8DAE-1953F412C126}" type="datetimeFigureOut">
               <a:rPr lang="en-US" smtClean="0"/>
-              <a:t>5/3/2013</a:t>
+              <a:t>5/6/2013</a:t>
             </a:fld>
             <a:endParaRPr lang="en-US" dirty="0"/>
           </a:p>
@@ -23988,7 +24147,7 @@
           <a:p>
             <a:fld id="{48A87A34-81AB-432B-8DAE-1953F412C126}" type="datetimeFigureOut">
               <a:rPr lang="en-US" smtClean="0"/>
-              <a:t>5/3/2013</a:t>
+              <a:t>5/6/2013</a:t>
             </a:fld>
             <a:endParaRPr lang="en-US" dirty="0"/>
           </a:p>
@@ -24158,7 +24317,7 @@
           <a:p>
             <a:fld id="{48A87A34-81AB-432B-8DAE-1953F412C126}" type="datetimeFigureOut">
               <a:rPr lang="en-US" smtClean="0"/>
-              <a:t>5/3/2013</a:t>
+              <a:t>5/6/2013</a:t>
             </a:fld>
             <a:endParaRPr lang="en-US" dirty="0"/>
           </a:p>
@@ -24338,7 +24497,7 @@
           <a:p>
             <a:fld id="{48A87A34-81AB-432B-8DAE-1953F412C126}" type="datetimeFigureOut">
               <a:rPr lang="en-US" smtClean="0"/>
-              <a:t>5/3/2013</a:t>
+              <a:t>5/6/2013</a:t>
             </a:fld>
             <a:endParaRPr lang="en-US" dirty="0"/>
           </a:p>
@@ -24508,7 +24667,7 @@
           <a:p>
             <a:fld id="{48A87A34-81AB-432B-8DAE-1953F412C126}" type="datetimeFigureOut">
               <a:rPr lang="en-US" smtClean="0"/>
-              <a:t>5/3/2013</a:t>
+              <a:t>5/6/2013</a:t>
             </a:fld>
             <a:endParaRPr lang="en-US" dirty="0"/>
           </a:p>
@@ -24758,7 +24917,7 @@
           <a:p>
             <a:fld id="{48A87A34-81AB-432B-8DAE-1953F412C126}" type="datetimeFigureOut">
               <a:rPr lang="en-US" smtClean="0"/>
-              <a:t>5/3/2013</a:t>
+              <a:t>5/6/2013</a:t>
             </a:fld>
             <a:endParaRPr lang="en-US" dirty="0"/>
           </a:p>
@@ -24990,7 +25149,7 @@
           <a:p>
             <a:fld id="{48A87A34-81AB-432B-8DAE-1953F412C126}" type="datetimeFigureOut">
               <a:rPr lang="en-US" smtClean="0"/>
-              <a:t>5/3/2013</a:t>
+              <a:t>5/6/2013</a:t>
             </a:fld>
             <a:endParaRPr lang="en-US" dirty="0"/>
           </a:p>
@@ -25371,7 +25530,7 @@
           <a:p>
             <a:fld id="{48A87A34-81AB-432B-8DAE-1953F412C126}" type="datetimeFigureOut">
               <a:rPr lang="en-US" smtClean="0"/>
-              <a:t>5/3/2013</a:t>
+              <a:t>5/6/2013</a:t>
             </a:fld>
             <a:endParaRPr lang="en-US" dirty="0"/>
           </a:p>
@@ -25489,7 +25648,7 @@
           <a:p>
             <a:fld id="{48A87A34-81AB-432B-8DAE-1953F412C126}" type="datetimeFigureOut">
               <a:rPr lang="en-US" smtClean="0"/>
-              <a:t>5/3/2013</a:t>
+              <a:t>5/6/2013</a:t>
             </a:fld>
             <a:endParaRPr lang="en-US" dirty="0"/>
           </a:p>
@@ -25584,7 +25743,7 @@
           <a:p>
             <a:fld id="{48A87A34-81AB-432B-8DAE-1953F412C126}" type="datetimeFigureOut">
               <a:rPr lang="en-US" smtClean="0"/>
-              <a:t>5/3/2013</a:t>
+              <a:t>5/6/2013</a:t>
             </a:fld>
             <a:endParaRPr lang="en-US" dirty="0"/>
           </a:p>
@@ -25833,7 +25992,7 @@
           <a:p>
             <a:fld id="{48A87A34-81AB-432B-8DAE-1953F412C126}" type="datetimeFigureOut">
               <a:rPr lang="en-US" smtClean="0"/>
-              <a:t>5/3/2013</a:t>
+              <a:t>5/6/2013</a:t>
             </a:fld>
             <a:endParaRPr lang="en-US" dirty="0"/>
           </a:p>
@@ -26113,7 +26272,7 @@
           <a:p>
             <a:fld id="{48A87A34-81AB-432B-8DAE-1953F412C126}" type="datetimeFigureOut">
               <a:rPr lang="en-US" smtClean="0"/>
-              <a:t>5/3/2013</a:t>
+              <a:t>5/6/2013</a:t>
             </a:fld>
             <a:endParaRPr lang="en-US" dirty="0"/>
           </a:p>
@@ -26235,8 +26394,8 @@
           </a:prstGeom>
           <a:noFill/>
           <a:extLst>
-            <a:ext uri="{909E8E84-426E-40dd-AFC4-6F175D3DCCD1}">
-              <a14:hiddenFill xmlns="" xmlns:a14="http://schemas.microsoft.com/office/drawing/2010/main">
+            <a:ext uri="{909E8E84-426E-40DD-AFC4-6F175D3DCCD1}">
+              <a14:hiddenFill xmlns:a14="http://schemas.microsoft.com/office/drawing/2010/main">
                 <a:solidFill>
                   <a:srgbClr val="FFFFFF"/>
                 </a:solidFill>
@@ -26309,8 +26468,8 @@
                 <a:noFill/>
               </a:ln>
               <a:extLst>
-                <a:ext uri="{91240B29-F687-4f45-9708-019B960494DF}">
-                  <a14:hiddenLine xmlns="" xmlns:a14="http://schemas.microsoft.com/office/drawing/2010/main" w="9525">
+                <a:ext uri="{91240B29-F687-4F45-9708-019B960494DF}">
+                  <a14:hiddenLine xmlns:a14="http://schemas.microsoft.com/office/drawing/2010/main" w="9525">
                     <a:solidFill>
                       <a:srgbClr val="000000"/>
                     </a:solidFill>
@@ -26399,8 +26558,8 @@
                 <a:noFill/>
               </a:ln>
               <a:extLst>
-                <a:ext uri="{91240B29-F687-4f45-9708-019B960494DF}">
-                  <a14:hiddenLine xmlns="" xmlns:a14="http://schemas.microsoft.com/office/drawing/2010/main" w="9525">
+                <a:ext uri="{91240B29-F687-4F45-9708-019B960494DF}">
+                  <a14:hiddenLine xmlns:a14="http://schemas.microsoft.com/office/drawing/2010/main" w="9525">
                     <a:solidFill>
                       <a:srgbClr val="000000"/>
                     </a:solidFill>
@@ -26489,8 +26648,8 @@
                 <a:noFill/>
               </a:ln>
               <a:extLst>
-                <a:ext uri="{91240B29-F687-4f45-9708-019B960494DF}">
-                  <a14:hiddenLine xmlns="" xmlns:a14="http://schemas.microsoft.com/office/drawing/2010/main" w="9525">
+                <a:ext uri="{91240B29-F687-4F45-9708-019B960494DF}">
+                  <a14:hiddenLine xmlns:a14="http://schemas.microsoft.com/office/drawing/2010/main" w="9525">
                     <a:solidFill>
                       <a:srgbClr val="000000"/>
                     </a:solidFill>
@@ -26551,8 +26710,8 @@
                 <a:noFill/>
               </a:ln>
               <a:extLst>
-                <a:ext uri="{91240B29-F687-4f45-9708-019B960494DF}">
-                  <a14:hiddenLine xmlns="" xmlns:a14="http://schemas.microsoft.com/office/drawing/2010/main" w="9525">
+                <a:ext uri="{91240B29-F687-4F45-9708-019B960494DF}">
+                  <a14:hiddenLine xmlns:a14="http://schemas.microsoft.com/office/drawing/2010/main" w="9525">
                     <a:solidFill>
                       <a:srgbClr val="000000"/>
                     </a:solidFill>
@@ -26641,8 +26800,8 @@
                 <a:noFill/>
               </a:ln>
               <a:extLst>
-                <a:ext uri="{91240B29-F687-4f45-9708-019B960494DF}">
-                  <a14:hiddenLine xmlns="" xmlns:a14="http://schemas.microsoft.com/office/drawing/2010/main" w="9525">
+                <a:ext uri="{91240B29-F687-4F45-9708-019B960494DF}">
+                  <a14:hiddenLine xmlns:a14="http://schemas.microsoft.com/office/drawing/2010/main" w="9525">
                     <a:solidFill>
                       <a:srgbClr val="000000"/>
                     </a:solidFill>
@@ -26703,8 +26862,8 @@
                 <a:noFill/>
               </a:ln>
               <a:extLst>
-                <a:ext uri="{91240B29-F687-4f45-9708-019B960494DF}">
-                  <a14:hiddenLine xmlns="" xmlns:a14="http://schemas.microsoft.com/office/drawing/2010/main" w="9525">
+                <a:ext uri="{91240B29-F687-4F45-9708-019B960494DF}">
+                  <a14:hiddenLine xmlns:a14="http://schemas.microsoft.com/office/drawing/2010/main" w="9525">
                     <a:solidFill>
                       <a:srgbClr val="000000"/>
                     </a:solidFill>
@@ -26765,8 +26924,8 @@
                 <a:noFill/>
               </a:ln>
               <a:extLst>
-                <a:ext uri="{91240B29-F687-4f45-9708-019B960494DF}">
-                  <a14:hiddenLine xmlns="" xmlns:a14="http://schemas.microsoft.com/office/drawing/2010/main" w="9525">
+                <a:ext uri="{91240B29-F687-4F45-9708-019B960494DF}">
+                  <a14:hiddenLine xmlns:a14="http://schemas.microsoft.com/office/drawing/2010/main" w="9525">
                     <a:solidFill>
                       <a:srgbClr val="000000"/>
                     </a:solidFill>
@@ -26855,8 +27014,8 @@
                 <a:noFill/>
               </a:ln>
               <a:extLst>
-                <a:ext uri="{91240B29-F687-4f45-9708-019B960494DF}">
-                  <a14:hiddenLine xmlns="" xmlns:a14="http://schemas.microsoft.com/office/drawing/2010/main" w="9525">
+                <a:ext uri="{91240B29-F687-4F45-9708-019B960494DF}">
+                  <a14:hiddenLine xmlns:a14="http://schemas.microsoft.com/office/drawing/2010/main" w="9525">
                     <a:solidFill>
                       <a:srgbClr val="000000"/>
                     </a:solidFill>
@@ -26945,8 +27104,8 @@
                 <a:noFill/>
               </a:ln>
               <a:extLst>
-                <a:ext uri="{91240B29-F687-4f45-9708-019B960494DF}">
-                  <a14:hiddenLine xmlns="" xmlns:a14="http://schemas.microsoft.com/office/drawing/2010/main" w="9525">
+                <a:ext uri="{91240B29-F687-4F45-9708-019B960494DF}">
+                  <a14:hiddenLine xmlns:a14="http://schemas.microsoft.com/office/drawing/2010/main" w="9525">
                     <a:solidFill>
                       <a:srgbClr val="000000"/>
                     </a:solidFill>
@@ -27007,8 +27166,8 @@
                 <a:noFill/>
               </a:ln>
               <a:extLst>
-                <a:ext uri="{91240B29-F687-4f45-9708-019B960494DF}">
-                  <a14:hiddenLine xmlns="" xmlns:a14="http://schemas.microsoft.com/office/drawing/2010/main" w="9525">
+                <a:ext uri="{91240B29-F687-4F45-9708-019B960494DF}">
+                  <a14:hiddenLine xmlns:a14="http://schemas.microsoft.com/office/drawing/2010/main" w="9525">
                     <a:solidFill>
                       <a:srgbClr val="000000"/>
                     </a:solidFill>
@@ -27117,8 +27276,8 @@
                 <a:noFill/>
               </a:ln>
               <a:extLst>
-                <a:ext uri="{91240B29-F687-4f45-9708-019B960494DF}">
-                  <a14:hiddenLine xmlns="" xmlns:a14="http://schemas.microsoft.com/office/drawing/2010/main" w="9525">
+                <a:ext uri="{91240B29-F687-4F45-9708-019B960494DF}">
+                  <a14:hiddenLine xmlns:a14="http://schemas.microsoft.com/office/drawing/2010/main" w="9525">
                     <a:solidFill>
                       <a:srgbClr val="000000"/>
                     </a:solidFill>
@@ -27201,8 +27360,8 @@
                 <a:noFill/>
               </a:ln>
               <a:extLst>
-                <a:ext uri="{91240B29-F687-4f45-9708-019B960494DF}">
-                  <a14:hiddenLine xmlns="" xmlns:a14="http://schemas.microsoft.com/office/drawing/2010/main" w="9525">
+                <a:ext uri="{91240B29-F687-4F45-9708-019B960494DF}">
+                  <a14:hiddenLine xmlns:a14="http://schemas.microsoft.com/office/drawing/2010/main" w="9525">
                     <a:solidFill>
                       <a:srgbClr val="000000"/>
                     </a:solidFill>
@@ -27263,8 +27422,8 @@
                 <a:noFill/>
               </a:ln>
               <a:extLst>
-                <a:ext uri="{91240B29-F687-4f45-9708-019B960494DF}">
-                  <a14:hiddenLine xmlns="" xmlns:a14="http://schemas.microsoft.com/office/drawing/2010/main" w="9525">
+                <a:ext uri="{91240B29-F687-4F45-9708-019B960494DF}">
+                  <a14:hiddenLine xmlns:a14="http://schemas.microsoft.com/office/drawing/2010/main" w="9525">
                     <a:solidFill>
                       <a:srgbClr val="000000"/>
                     </a:solidFill>
@@ -27325,8 +27484,8 @@
                 <a:noFill/>
               </a:ln>
               <a:extLst>
-                <a:ext uri="{91240B29-F687-4f45-9708-019B960494DF}">
-                  <a14:hiddenLine xmlns="" xmlns:a14="http://schemas.microsoft.com/office/drawing/2010/main" w="9525">
+                <a:ext uri="{91240B29-F687-4F45-9708-019B960494DF}">
+                  <a14:hiddenLine xmlns:a14="http://schemas.microsoft.com/office/drawing/2010/main" w="9525">
                     <a:solidFill>
                       <a:srgbClr val="000000"/>
                     </a:solidFill>
@@ -27415,8 +27574,8 @@
                 <a:noFill/>
               </a:ln>
               <a:extLst>
-                <a:ext uri="{91240B29-F687-4f45-9708-019B960494DF}">
-                  <a14:hiddenLine xmlns="" xmlns:a14="http://schemas.microsoft.com/office/drawing/2010/main" w="9525">
+                <a:ext uri="{91240B29-F687-4F45-9708-019B960494DF}">
+                  <a14:hiddenLine xmlns:a14="http://schemas.microsoft.com/office/drawing/2010/main" w="9525">
                     <a:solidFill>
                       <a:srgbClr val="000000"/>
                     </a:solidFill>
@@ -27449,8 +27608,8 @@
                 <a:noFill/>
               </a:ln>
               <a:extLst>
-                <a:ext uri="{91240B29-F687-4f45-9708-019B960494DF}">
-                  <a14:hiddenLine xmlns="" xmlns:a14="http://schemas.microsoft.com/office/drawing/2010/main" w="9525">
+                <a:ext uri="{91240B29-F687-4F45-9708-019B960494DF}">
+                  <a14:hiddenLine xmlns:a14="http://schemas.microsoft.com/office/drawing/2010/main" w="9525">
                     <a:solidFill>
                       <a:srgbClr val="000000"/>
                     </a:solidFill>
@@ -27514,8 +27673,8 @@
                 <a:noFill/>
               </a:ln>
               <a:extLst>
-                <a:ext uri="{91240B29-F687-4f45-9708-019B960494DF}">
-                  <a14:hiddenLine xmlns="" xmlns:a14="http://schemas.microsoft.com/office/drawing/2010/main" w="9525">
+                <a:ext uri="{91240B29-F687-4F45-9708-019B960494DF}">
+                  <a14:hiddenLine xmlns:a14="http://schemas.microsoft.com/office/drawing/2010/main" w="9525">
                     <a:solidFill>
                       <a:srgbClr val="000000"/>
                     </a:solidFill>
@@ -27604,8 +27763,8 @@
                 <a:noFill/>
               </a:ln>
               <a:extLst>
-                <a:ext uri="{91240B29-F687-4f45-9708-019B960494DF}">
-                  <a14:hiddenLine xmlns="" xmlns:a14="http://schemas.microsoft.com/office/drawing/2010/main" w="9525">
+                <a:ext uri="{91240B29-F687-4F45-9708-019B960494DF}">
+                  <a14:hiddenLine xmlns:a14="http://schemas.microsoft.com/office/drawing/2010/main" w="9525">
                     <a:solidFill>
                       <a:srgbClr val="000000"/>
                     </a:solidFill>
@@ -27666,8 +27825,8 @@
                 <a:noFill/>
               </a:ln>
               <a:extLst>
-                <a:ext uri="{91240B29-F687-4f45-9708-019B960494DF}">
-                  <a14:hiddenLine xmlns="" xmlns:a14="http://schemas.microsoft.com/office/drawing/2010/main" w="9525">
+                <a:ext uri="{91240B29-F687-4F45-9708-019B960494DF}">
+                  <a14:hiddenLine xmlns:a14="http://schemas.microsoft.com/office/drawing/2010/main" w="9525">
                     <a:solidFill>
                       <a:srgbClr val="000000"/>
                     </a:solidFill>
@@ -27756,8 +27915,8 @@
                 <a:noFill/>
               </a:ln>
               <a:extLst>
-                <a:ext uri="{91240B29-F687-4f45-9708-019B960494DF}">
-                  <a14:hiddenLine xmlns="" xmlns:a14="http://schemas.microsoft.com/office/drawing/2010/main" w="9525">
+                <a:ext uri="{91240B29-F687-4F45-9708-019B960494DF}">
+                  <a14:hiddenLine xmlns:a14="http://schemas.microsoft.com/office/drawing/2010/main" w="9525">
                     <a:solidFill>
                       <a:srgbClr val="000000"/>
                     </a:solidFill>
@@ -27821,8 +27980,8 @@
                 <a:noFill/>
               </a:ln>
               <a:extLst>
-                <a:ext uri="{91240B29-F687-4f45-9708-019B960494DF}">
-                  <a14:hiddenLine xmlns="" xmlns:a14="http://schemas.microsoft.com/office/drawing/2010/main" w="9525">
+                <a:ext uri="{91240B29-F687-4F45-9708-019B960494DF}">
+                  <a14:hiddenLine xmlns:a14="http://schemas.microsoft.com/office/drawing/2010/main" w="9525">
                     <a:solidFill>
                       <a:srgbClr val="000000"/>
                     </a:solidFill>
@@ -27883,8 +28042,8 @@
                 <a:noFill/>
               </a:ln>
               <a:extLst>
-                <a:ext uri="{91240B29-F687-4f45-9708-019B960494DF}">
-                  <a14:hiddenLine xmlns="" xmlns:a14="http://schemas.microsoft.com/office/drawing/2010/main" w="9525">
+                <a:ext uri="{91240B29-F687-4F45-9708-019B960494DF}">
+                  <a14:hiddenLine xmlns:a14="http://schemas.microsoft.com/office/drawing/2010/main" w="9525">
                     <a:solidFill>
                       <a:srgbClr val="000000"/>
                     </a:solidFill>
@@ -27973,8 +28132,8 @@
                 <a:noFill/>
               </a:ln>
               <a:extLst>
-                <a:ext uri="{91240B29-F687-4f45-9708-019B960494DF}">
-                  <a14:hiddenLine xmlns="" xmlns:a14="http://schemas.microsoft.com/office/drawing/2010/main" w="9525">
+                <a:ext uri="{91240B29-F687-4F45-9708-019B960494DF}">
+                  <a14:hiddenLine xmlns:a14="http://schemas.microsoft.com/office/drawing/2010/main" w="9525">
                     <a:solidFill>
                       <a:srgbClr val="000000"/>
                     </a:solidFill>
@@ -28063,8 +28222,8 @@
                 <a:noFill/>
               </a:ln>
               <a:extLst>
-                <a:ext uri="{91240B29-F687-4f45-9708-019B960494DF}">
-                  <a14:hiddenLine xmlns="" xmlns:a14="http://schemas.microsoft.com/office/drawing/2010/main" w="9525">
+                <a:ext uri="{91240B29-F687-4F45-9708-019B960494DF}">
+                  <a14:hiddenLine xmlns:a14="http://schemas.microsoft.com/office/drawing/2010/main" w="9525">
                     <a:solidFill>
                       <a:srgbClr val="000000"/>
                     </a:solidFill>
@@ -28128,8 +28287,8 @@
                 <a:noFill/>
               </a:ln>
               <a:extLst>
-                <a:ext uri="{91240B29-F687-4f45-9708-019B960494DF}">
-                  <a14:hiddenLine xmlns="" xmlns:a14="http://schemas.microsoft.com/office/drawing/2010/main" w="9525">
+                <a:ext uri="{91240B29-F687-4F45-9708-019B960494DF}">
+                  <a14:hiddenLine xmlns:a14="http://schemas.microsoft.com/office/drawing/2010/main" w="9525">
                     <a:solidFill>
                       <a:srgbClr val="000000"/>
                     </a:solidFill>
@@ -28248,8 +28407,8 @@
                 <a:noFill/>
               </a:ln>
               <a:extLst>
-                <a:ext uri="{91240B29-F687-4f45-9708-019B960494DF}">
-                  <a14:hiddenLine xmlns="" xmlns:a14="http://schemas.microsoft.com/office/drawing/2010/main" w="9525">
+                <a:ext uri="{91240B29-F687-4F45-9708-019B960494DF}">
+                  <a14:hiddenLine xmlns:a14="http://schemas.microsoft.com/office/drawing/2010/main" w="9525">
                     <a:solidFill>
                       <a:srgbClr val="000000"/>
                     </a:solidFill>
@@ -28329,8 +28488,8 @@
                 <a:noFill/>
               </a:ln>
               <a:extLst>
-                <a:ext uri="{91240B29-F687-4f45-9708-019B960494DF}">
-                  <a14:hiddenLine xmlns="" xmlns:a14="http://schemas.microsoft.com/office/drawing/2010/main" w="9525">
+                <a:ext uri="{91240B29-F687-4F45-9708-019B960494DF}">
+                  <a14:hiddenLine xmlns:a14="http://schemas.microsoft.com/office/drawing/2010/main" w="9525">
                     <a:solidFill>
                       <a:srgbClr val="000000"/>
                     </a:solidFill>
@@ -28444,8 +28603,8 @@
                 <a:noFill/>
               </a:ln>
               <a:extLst>
-                <a:ext uri="{91240B29-F687-4f45-9708-019B960494DF}">
-                  <a14:hiddenLine xmlns="" xmlns:a14="http://schemas.microsoft.com/office/drawing/2010/main" w="9525">
+                <a:ext uri="{91240B29-F687-4F45-9708-019B960494DF}">
+                  <a14:hiddenLine xmlns:a14="http://schemas.microsoft.com/office/drawing/2010/main" w="9525">
                     <a:solidFill>
                       <a:srgbClr val="000000"/>
                     </a:solidFill>
@@ -28534,8 +28693,8 @@
                 <a:noFill/>
               </a:ln>
               <a:extLst>
-                <a:ext uri="{91240B29-F687-4f45-9708-019B960494DF}">
-                  <a14:hiddenLine xmlns="" xmlns:a14="http://schemas.microsoft.com/office/drawing/2010/main" w="9525">
+                <a:ext uri="{91240B29-F687-4F45-9708-019B960494DF}">
+                  <a14:hiddenLine xmlns:a14="http://schemas.microsoft.com/office/drawing/2010/main" w="9525">
                     <a:solidFill>
                       <a:srgbClr val="000000"/>
                     </a:solidFill>
@@ -28599,8 +28758,8 @@
                 <a:noFill/>
               </a:ln>
               <a:extLst>
-                <a:ext uri="{91240B29-F687-4f45-9708-019B960494DF}">
-                  <a14:hiddenLine xmlns="" xmlns:a14="http://schemas.microsoft.com/office/drawing/2010/main" w="9525">
+                <a:ext uri="{91240B29-F687-4F45-9708-019B960494DF}">
+                  <a14:hiddenLine xmlns:a14="http://schemas.microsoft.com/office/drawing/2010/main" w="9525">
                     <a:solidFill>
                       <a:srgbClr val="000000"/>
                     </a:solidFill>
@@ -28689,8 +28848,8 @@
                 <a:noFill/>
               </a:ln>
               <a:extLst>
-                <a:ext uri="{91240B29-F687-4f45-9708-019B960494DF}">
-                  <a14:hiddenLine xmlns="" xmlns:a14="http://schemas.microsoft.com/office/drawing/2010/main" w="9525">
+                <a:ext uri="{91240B29-F687-4F45-9708-019B960494DF}">
+                  <a14:hiddenLine xmlns:a14="http://schemas.microsoft.com/office/drawing/2010/main" w="9525">
                     <a:solidFill>
                       <a:srgbClr val="000000"/>
                     </a:solidFill>
@@ -28757,8 +28916,8 @@
                 <a:noFill/>
               </a:ln>
               <a:extLst>
-                <a:ext uri="{91240B29-F687-4f45-9708-019B960494DF}">
-                  <a14:hiddenLine xmlns="" xmlns:a14="http://schemas.microsoft.com/office/drawing/2010/main" w="9525">
+                <a:ext uri="{91240B29-F687-4F45-9708-019B960494DF}">
+                  <a14:hiddenLine xmlns:a14="http://schemas.microsoft.com/office/drawing/2010/main" w="9525">
                     <a:solidFill>
                       <a:srgbClr val="000000"/>
                     </a:solidFill>
@@ -28847,8 +29006,8 @@
                 <a:noFill/>
               </a:ln>
               <a:extLst>
-                <a:ext uri="{91240B29-F687-4f45-9708-019B960494DF}">
-                  <a14:hiddenLine xmlns="" xmlns:a14="http://schemas.microsoft.com/office/drawing/2010/main" w="9525">
+                <a:ext uri="{91240B29-F687-4F45-9708-019B960494DF}">
+                  <a14:hiddenLine xmlns:a14="http://schemas.microsoft.com/office/drawing/2010/main" w="9525">
                     <a:solidFill>
                       <a:srgbClr val="000000"/>
                     </a:solidFill>
@@ -28915,8 +29074,8 @@
                 <a:noFill/>
               </a:ln>
               <a:extLst>
-                <a:ext uri="{91240B29-F687-4f45-9708-019B960494DF}">
-                  <a14:hiddenLine xmlns="" xmlns:a14="http://schemas.microsoft.com/office/drawing/2010/main" w="9525">
+                <a:ext uri="{91240B29-F687-4F45-9708-019B960494DF}">
+                  <a14:hiddenLine xmlns:a14="http://schemas.microsoft.com/office/drawing/2010/main" w="9525">
                     <a:solidFill>
                       <a:srgbClr val="000000"/>
                     </a:solidFill>
@@ -29005,8 +29164,8 @@
                 <a:noFill/>
               </a:ln>
               <a:extLst>
-                <a:ext uri="{91240B29-F687-4f45-9708-019B960494DF}">
-                  <a14:hiddenLine xmlns="" xmlns:a14="http://schemas.microsoft.com/office/drawing/2010/main" w="9525">
+                <a:ext uri="{91240B29-F687-4F45-9708-019B960494DF}">
+                  <a14:hiddenLine xmlns:a14="http://schemas.microsoft.com/office/drawing/2010/main" w="9525">
                     <a:solidFill>
                       <a:srgbClr val="000000"/>
                     </a:solidFill>
@@ -29039,8 +29198,8 @@
                 <a:noFill/>
               </a:ln>
               <a:extLst>
-                <a:ext uri="{91240B29-F687-4f45-9708-019B960494DF}">
-                  <a14:hiddenLine xmlns="" xmlns:a14="http://schemas.microsoft.com/office/drawing/2010/main" w="9525">
+                <a:ext uri="{91240B29-F687-4F45-9708-019B960494DF}">
+                  <a14:hiddenLine xmlns:a14="http://schemas.microsoft.com/office/drawing/2010/main" w="9525">
                     <a:solidFill>
                       <a:srgbClr val="000000"/>
                     </a:solidFill>
@@ -29181,7 +29340,7 @@
             <a:fld id="{48A87A34-81AB-432B-8DAE-1953F412C126}" type="datetimeFigureOut">
               <a:rPr lang="en-US" smtClean="0"/>
               <a:pPr/>
-              <a:t>5/3/2013</a:t>
+              <a:t>5/6/2013</a:t>
             </a:fld>
             <a:endParaRPr lang="en-US" dirty="0"/>
           </a:p>
@@ -29704,186 +29863,6 @@
           <a:p>
             <a:r>
               <a:rPr lang="en-US" dirty="0" smtClean="0"/>
-              <a:t>Method 2 - Linear Transformations</a:t>
-            </a:r>
-            <a:endParaRPr lang="en-US" dirty="0"/>
-          </a:p>
-        </p:txBody>
-      </p:sp>
-      <p:sp>
-        <p:nvSpPr>
-          <p:cNvPr id="3" name="Content Placeholder 2"/>
-          <p:cNvSpPr>
-            <a:spLocks noGrp="1"/>
-          </p:cNvSpPr>
-          <p:nvPr>
-            <p:ph idx="1"/>
-          </p:nvPr>
-        </p:nvSpPr>
-        <p:spPr/>
-        <p:txBody>
-          <a:bodyPr/>
-          <a:lstStyle/>
-          <a:p>
-            <a:r>
-              <a:rPr lang="en-US" dirty="0" smtClean="0"/>
-              <a:t>VECTOR.MUTATION</a:t>
-            </a:r>
-          </a:p>
-          <a:p>
-            <a:pPr lvl="1"/>
-            <a:r>
-              <a:rPr lang="en-US" dirty="0" smtClean="0"/>
-              <a:t>Change the coefficient of a given attribute by some small amount</a:t>
-            </a:r>
-          </a:p>
-          <a:p>
-            <a:pPr lvl="1"/>
-            <a:r>
-              <a:rPr lang="en-US" dirty="0" smtClean="0"/>
-              <a:t>Allows for finer tuning and changes</a:t>
-            </a:r>
-            <a:endParaRPr lang="en-US" dirty="0" smtClean="0"/>
-          </a:p>
-          <a:p>
-            <a:r>
-              <a:rPr lang="en-US" dirty="0" smtClean="0"/>
-              <a:t>VECTOR.CROSS_OVER</a:t>
-            </a:r>
-          </a:p>
-          <a:p>
-            <a:pPr lvl="1"/>
-            <a:r>
-              <a:rPr lang="en-US" dirty="0" smtClean="0"/>
-              <a:t>Find the average of a coefficient given a shared modifier</a:t>
-            </a:r>
-            <a:endParaRPr lang="en-US" dirty="0" smtClean="0"/>
-          </a:p>
-          <a:p>
-            <a:pPr lvl="1"/>
-            <a:endParaRPr lang="en-US" dirty="0"/>
-          </a:p>
-        </p:txBody>
-      </p:sp>
-    </p:spTree>
-    <p:extLst>
-      <p:ext uri="{BB962C8B-B14F-4D97-AF65-F5344CB8AC3E}">
-        <p14:creationId xmlns:p14="http://schemas.microsoft.com/office/powerpoint/2010/main" val="2480964042"/>
-      </p:ext>
-    </p:extLst>
-  </p:cSld>
-  <p:clrMapOvr>
-    <a:masterClrMapping/>
-  </p:clrMapOvr>
-</p:sld>
-</file>
-
-<file path=ppt/slides/slide11.xml><?xml version="1.0" encoding="utf-8"?>
-<p:sld xmlns:a="http://schemas.openxmlformats.org/drawingml/2006/main" xmlns:r="http://schemas.openxmlformats.org/officeDocument/2006/relationships" xmlns:p="http://schemas.openxmlformats.org/presentationml/2006/main">
-  <p:cSld>
-    <p:spTree>
-      <p:nvGrpSpPr>
-        <p:cNvPr id="1" name=""/>
-        <p:cNvGrpSpPr/>
-        <p:nvPr/>
-      </p:nvGrpSpPr>
-      <p:grpSpPr>
-        <a:xfrm>
-          <a:off x="0" y="0"/>
-          <a:ext cx="0" cy="0"/>
-          <a:chOff x="0" y="0"/>
-          <a:chExt cx="0" cy="0"/>
-        </a:xfrm>
-      </p:grpSpPr>
-      <p:sp>
-        <p:nvSpPr>
-          <p:cNvPr id="2" name="Title 1"/>
-          <p:cNvSpPr>
-            <a:spLocks noGrp="1"/>
-          </p:cNvSpPr>
-          <p:nvPr>
-            <p:ph type="title"/>
-          </p:nvPr>
-        </p:nvSpPr>
-        <p:spPr/>
-        <p:txBody>
-          <a:bodyPr/>
-          <a:lstStyle/>
-          <a:p>
-            <a:r>
-              <a:rPr lang="en-US" dirty="0" smtClean="0"/>
-              <a:t>Final Discussion</a:t>
-            </a:r>
-            <a:endParaRPr lang="en-US" dirty="0"/>
-          </a:p>
-        </p:txBody>
-      </p:sp>
-      <p:sp>
-        <p:nvSpPr>
-          <p:cNvPr id="3" name="Content Placeholder 2"/>
-          <p:cNvSpPr>
-            <a:spLocks noGrp="1"/>
-          </p:cNvSpPr>
-          <p:nvPr>
-            <p:ph idx="1"/>
-          </p:nvPr>
-        </p:nvSpPr>
-        <p:spPr/>
-        <p:txBody>
-          <a:bodyPr/>
-          <a:lstStyle/>
-          <a:p>
-            <a:endParaRPr lang="en-US" dirty="0"/>
-          </a:p>
-        </p:txBody>
-      </p:sp>
-    </p:spTree>
-    <p:extLst>
-      <p:ext uri="{BB962C8B-B14F-4D97-AF65-F5344CB8AC3E}">
-        <p14:creationId xmlns:p14="http://schemas.microsoft.com/office/powerpoint/2010/main" val="4289662780"/>
-      </p:ext>
-    </p:extLst>
-  </p:cSld>
-  <p:clrMapOvr>
-    <a:masterClrMapping/>
-  </p:clrMapOvr>
-</p:sld>
-</file>
-
-<file path=ppt/slides/slide12.xml><?xml version="1.0" encoding="utf-8"?>
-<p:sld xmlns:a="http://schemas.openxmlformats.org/drawingml/2006/main" xmlns:r="http://schemas.openxmlformats.org/officeDocument/2006/relationships" xmlns:p="http://schemas.openxmlformats.org/presentationml/2006/main">
-  <p:cSld>
-    <p:spTree>
-      <p:nvGrpSpPr>
-        <p:cNvPr id="1" name=""/>
-        <p:cNvGrpSpPr/>
-        <p:nvPr/>
-      </p:nvGrpSpPr>
-      <p:grpSpPr>
-        <a:xfrm>
-          <a:off x="0" y="0"/>
-          <a:ext cx="0" cy="0"/>
-          <a:chOff x="0" y="0"/>
-          <a:chExt cx="0" cy="0"/>
-        </a:xfrm>
-      </p:grpSpPr>
-      <p:sp>
-        <p:nvSpPr>
-          <p:cNvPr id="2" name="Title 1"/>
-          <p:cNvSpPr>
-            <a:spLocks noGrp="1"/>
-          </p:cNvSpPr>
-          <p:nvPr>
-            <p:ph type="title"/>
-          </p:nvPr>
-        </p:nvSpPr>
-        <p:spPr/>
-        <p:txBody>
-          <a:bodyPr/>
-          <a:lstStyle/>
-          <a:p>
-            <a:r>
-              <a:rPr lang="en-US" dirty="0" smtClean="0"/>
               <a:t>Things That Did Not Work</a:t>
             </a:r>
             <a:endParaRPr lang="en-US" dirty="0"/>
@@ -29922,7 +29901,7 @@
 </p:sld>
 </file>
 
-<file path=ppt/slides/slide13.xml><?xml version="1.0" encoding="utf-8"?>
+<file path=ppt/slides/slide11.xml><?xml version="1.0" encoding="utf-8"?>
 <p:sld xmlns:a="http://schemas.openxmlformats.org/drawingml/2006/main" xmlns:r="http://schemas.openxmlformats.org/officeDocument/2006/relationships" xmlns:p="http://schemas.openxmlformats.org/presentationml/2006/main">
   <p:cSld>
     <p:spTree>
@@ -29980,7 +29959,7 @@
 </p:sld>
 </file>
 
-<file path=ppt/slides/slide14.xml><?xml version="1.0" encoding="utf-8"?>
+<file path=ppt/slides/slide12.xml><?xml version="1.0" encoding="utf-8"?>
 <p:sld xmlns:a="http://schemas.openxmlformats.org/drawingml/2006/main" xmlns:r="http://schemas.openxmlformats.org/officeDocument/2006/relationships" xmlns:p="http://schemas.openxmlformats.org/presentationml/2006/main">
   <p:cSld>
     <p:spTree>
@@ -30092,7 +30071,7 @@
 </p:sld>
 </file>
 
-<file path=ppt/slides/slide15.xml><?xml version="1.0" encoding="utf-8"?>
+<file path=ppt/slides/slide13.xml><?xml version="1.0" encoding="utf-8"?>
 <p:sld xmlns:a="http://schemas.openxmlformats.org/drawingml/2006/main" xmlns:r="http://schemas.openxmlformats.org/officeDocument/2006/relationships" xmlns:p="http://schemas.openxmlformats.org/presentationml/2006/main">
   <p:cSld>
     <p:spTree>
@@ -30640,22 +30619,103 @@
             <p:ph type="title"/>
           </p:nvPr>
         </p:nvSpPr>
-        <p:spPr/>
+        <p:spPr>
+          <a:xfrm>
+            <a:off x="1141413" y="443707"/>
+            <a:ext cx="9905998" cy="1478570"/>
+          </a:xfrm>
+        </p:spPr>
         <p:txBody>
           <a:bodyPr/>
           <a:lstStyle/>
           <a:p>
             <a:r>
               <a:rPr lang="en-US" dirty="0" smtClean="0"/>
-              <a:t>Method 1 - Function Trees</a:t>
+              <a:t>Method 1 –</a:t>
+            </a:r>
+            <a:br>
+              <a:rPr lang="en-US" dirty="0" smtClean="0"/>
+            </a:br>
+            <a:r>
+              <a:rPr lang="en-US" dirty="0" smtClean="0"/>
+              <a:t> function Tress</a:t>
             </a:r>
             <a:endParaRPr lang="en-US" dirty="0"/>
           </a:p>
         </p:txBody>
       </p:sp>
+      <p:pic>
+        <p:nvPicPr>
+          <p:cNvPr id="1026" name="Picture 2"/>
+          <p:cNvPicPr>
+            <a:picLocks noChangeAspect="1" noChangeArrowheads="1"/>
+          </p:cNvPicPr>
+          <p:nvPr/>
+        </p:nvPicPr>
+        <p:blipFill>
+          <a:blip r:embed="rId2">
+            <a:extLst>
+              <a:ext uri="{28A0092B-C50C-407E-A947-70E740481C1C}">
+                <a14:useLocalDpi xmlns:a14="http://schemas.microsoft.com/office/drawing/2010/main" val="0"/>
+              </a:ext>
+            </a:extLst>
+          </a:blip>
+          <a:srcRect/>
+          <a:stretch>
+            <a:fillRect/>
+          </a:stretch>
+        </p:blipFill>
+        <p:spPr bwMode="auto">
+          <a:xfrm>
+            <a:off x="6082553" y="475970"/>
+            <a:ext cx="4895850" cy="5610225"/>
+          </a:xfrm>
+          <a:prstGeom prst="rect">
+            <a:avLst/>
+          </a:prstGeom>
+          <a:ln>
+            <a:noFill/>
+          </a:ln>
+          <a:effectLst>
+            <a:outerShdw blurRad="292100" dist="139700" dir="2700000" algn="tl" rotWithShape="0">
+              <a:srgbClr val="333333">
+                <a:alpha val="65000"/>
+              </a:srgbClr>
+            </a:outerShdw>
+          </a:effectLst>
+          <a:extLst>
+            <a:ext uri="{909E8E84-426E-40DD-AFC4-6F175D3DCCD1}">
+              <a14:hiddenFill xmlns:a14="http://schemas.microsoft.com/office/drawing/2010/main">
+                <a:solidFill>
+                  <a:schemeClr val="accent1"/>
+                </a:solidFill>
+              </a14:hiddenFill>
+            </a:ext>
+            <a:ext uri="{91240B29-F687-4F45-9708-019B960494DF}">
+              <a14:hiddenLine xmlns:a14="http://schemas.microsoft.com/office/drawing/2010/main" w="9525">
+                <a:solidFill>
+                  <a:schemeClr val="tx1"/>
+                </a:solidFill>
+                <a:miter lim="800000"/>
+                <a:headEnd/>
+                <a:tailEnd/>
+              </a14:hiddenLine>
+            </a:ext>
+            <a:ext uri="{AF507438-7753-43E0-B8FC-AC1667EBCBE1}">
+              <a14:hiddenEffects xmlns:a14="http://schemas.microsoft.com/office/drawing/2010/main">
+                <a:effectLst>
+                  <a:outerShdw dist="35921" dir="2700000" algn="ctr" rotWithShape="0">
+                    <a:schemeClr val="bg2"/>
+                  </a:outerShdw>
+                </a:effectLst>
+              </a14:hiddenEffects>
+            </a:ext>
+          </a:extLst>
+        </p:spPr>
+      </p:pic>
       <p:sp>
         <p:nvSpPr>
-          <p:cNvPr id="3" name="Content Placeholder 2"/>
+          <p:cNvPr id="5" name="Content Placeholder 2"/>
           <p:cNvSpPr>
             <a:spLocks noGrp="1"/>
           </p:cNvSpPr>
@@ -30663,64 +30723,139 @@
             <p:ph idx="1"/>
           </p:nvPr>
         </p:nvSpPr>
-        <p:spPr/>
+        <p:spPr>
+          <a:xfrm>
+            <a:off x="1181754" y="1940206"/>
+            <a:ext cx="4291200" cy="3541714"/>
+          </a:xfrm>
+        </p:spPr>
         <p:txBody>
-          <a:bodyPr/>
+          <a:bodyPr>
+            <a:noAutofit/>
+          </a:bodyPr>
           <a:lstStyle/>
           <a:p>
             <a:r>
-              <a:rPr lang="en-US" dirty="0" smtClean="0"/>
+              <a:rPr lang="en-US" sz="2800" dirty="0" smtClean="0"/>
               <a:t>TREE.CROSS_OVER</a:t>
             </a:r>
-            <a:endParaRPr lang="en-US" dirty="0" smtClean="0"/>
-          </a:p>
-          <a:p>
-            <a:pPr lvl="1"/>
-            <a:r>
-              <a:rPr lang="en-US" dirty="0"/>
-              <a:t>Self-Configuring Genetic Programming Algorithm with Modified Uniform Crossover (2012</a:t>
-            </a:r>
-            <a:r>
-              <a:rPr lang="en-US" dirty="0" smtClean="0"/>
-              <a:t>) [this reference needs to be done properly]</a:t>
-            </a:r>
-            <a:endParaRPr lang="en-US" dirty="0"/>
           </a:p>
           <a:p>
             <a:pPr lvl="1"/>
             <a:r>
               <a:rPr lang="en-US" dirty="0" smtClean="0"/>
-              <a:t>Swap corresponding interior node of one tree with that of another tree</a:t>
+              <a:t>Swap </a:t>
+            </a:r>
+            <a:r>
+              <a:rPr lang="en-US" dirty="0" smtClean="0"/>
+              <a:t>corresponding interior node of one tree with that of another tree</a:t>
             </a:r>
           </a:p>
           <a:p>
             <a:r>
-              <a:rPr lang="en-US" dirty="0" smtClean="0"/>
+              <a:rPr lang="en-US" sz="2800" dirty="0" smtClean="0"/>
               <a:t>TREE.MUTATION</a:t>
             </a:r>
-            <a:endParaRPr lang="en-US" dirty="0" smtClean="0"/>
           </a:p>
           <a:p>
             <a:pPr lvl="1"/>
             <a:r>
               <a:rPr lang="en-US" dirty="0" smtClean="0"/>
-              <a:t>Mutate interior nodes of the tree, either by replacing a node with a child node or by replacing the node with a different type</a:t>
+              <a:t>Mutate </a:t>
             </a:r>
-          </a:p>
-          <a:p>
-            <a:pPr lvl="2"/>
             <a:r>
               <a:rPr lang="en-US" dirty="0" smtClean="0"/>
-              <a:t>Ex. change a subtraction node to an addition node</a:t>
+              <a:t>leaf nodes and parents of leaf nodes of </a:t>
             </a:r>
-            <a:endParaRPr lang="en-US" dirty="0"/>
+            <a:r>
+              <a:rPr lang="en-US" dirty="0" smtClean="0"/>
+              <a:t>the tree, either by replacing a node with a child node or by replacing the node with a different </a:t>
+            </a:r>
+            <a:r>
+              <a:rPr lang="en-US" dirty="0" smtClean="0"/>
+              <a:t>type.</a:t>
+            </a:r>
+            <a:endParaRPr lang="en-US" sz="1800" dirty="0"/>
+          </a:p>
+        </p:txBody>
+      </p:sp>
+      <p:sp>
+        <p:nvSpPr>
+          <p:cNvPr id="4" name="TextBox 3"/>
+          <p:cNvSpPr txBox="1"/>
+          <p:nvPr/>
+        </p:nvSpPr>
+        <p:spPr>
+          <a:xfrm>
+            <a:off x="5567083" y="6202478"/>
+            <a:ext cx="5957046" cy="600164"/>
+          </a:xfrm>
+          <a:prstGeom prst="rect">
+            <a:avLst/>
+          </a:prstGeom>
+          <a:noFill/>
+        </p:spPr>
+        <p:txBody>
+          <a:bodyPr wrap="square" rtlCol="0">
+            <a:spAutoFit/>
+          </a:bodyPr>
+          <a:lstStyle/>
+          <a:p>
+            <a:r>
+              <a:rPr lang="en-US" sz="1100" dirty="0" err="1"/>
+              <a:t>Poli</a:t>
+            </a:r>
+            <a:r>
+              <a:rPr lang="en-US" sz="1100" dirty="0"/>
+              <a:t> R., Langdon W.B. On the search properties of different crossover </a:t>
+            </a:r>
+            <a:r>
+              <a:rPr lang="en-US" sz="1100" dirty="0" smtClean="0"/>
+              <a:t>operators </a:t>
+            </a:r>
+            <a:r>
+              <a:rPr lang="en-US" sz="1100" dirty="0"/>
+              <a:t>in genetic programming. In J. R. </a:t>
+            </a:r>
+            <a:r>
+              <a:rPr lang="en-US" sz="1100" dirty="0" err="1"/>
+              <a:t>Koza</a:t>
+            </a:r>
+            <a:r>
+              <a:rPr lang="en-US" sz="1100" dirty="0"/>
+              <a:t>, et al., editors, Genetic </a:t>
+            </a:r>
+            <a:r>
+              <a:rPr lang="en-US" sz="1100" dirty="0" smtClean="0"/>
+              <a:t>Programming </a:t>
+            </a:r>
+            <a:r>
+              <a:rPr lang="en-US" sz="1100" dirty="0"/>
+              <a:t>1998:Proceedings of the Third Annual Conference, pages </a:t>
+            </a:r>
+            <a:r>
+              <a:rPr lang="en-US" sz="1100" dirty="0" smtClean="0"/>
+              <a:t>293-301</a:t>
+            </a:r>
+            <a:r>
+              <a:rPr lang="en-US" sz="1100" dirty="0"/>
+              <a:t>, University of Wisconsin, Madison, Wisconsin, USA, 22-25 </a:t>
+            </a:r>
+            <a:r>
+              <a:rPr lang="en-US" sz="1100" dirty="0" smtClean="0"/>
+              <a:t> </a:t>
+            </a:r>
+            <a:r>
+              <a:rPr lang="en-US" sz="1100" dirty="0"/>
+              <a:t>July 1998.</a:t>
+            </a:r>
           </a:p>
         </p:txBody>
       </p:sp>
     </p:spTree>
     <p:extLst>
       <p:ext uri="{BB962C8B-B14F-4D97-AF65-F5344CB8AC3E}">
-        <p14:creationId xmlns:p14="http://schemas.microsoft.com/office/powerpoint/2010/main" val="2643893412"/>
+        <p14:creationId xmlns:p14="http://schemas.microsoft.com/office/powerpoint/2010/main" val="1581083013"/>
       </p:ext>
     </p:extLst>
   </p:cSld>
@@ -30763,8 +30898,8 @@
           <a:lstStyle/>
           <a:p>
             <a:r>
-              <a:rPr lang="en-US" dirty="0" err="1"/>
-              <a:t>tree.cross_over</a:t>
+              <a:rPr lang="en-US" dirty="0" smtClean="0"/>
+              <a:t>Method 2 - Linear Transformations</a:t>
             </a:r>
             <a:endParaRPr lang="en-US" dirty="0"/>
           </a:p>
@@ -30785,6 +30920,40 @@
           <a:bodyPr/>
           <a:lstStyle/>
           <a:p>
+            <a:r>
+              <a:rPr lang="en-US" dirty="0" smtClean="0"/>
+              <a:t>VECTOR.MUTATION</a:t>
+            </a:r>
+          </a:p>
+          <a:p>
+            <a:pPr lvl="1"/>
+            <a:r>
+              <a:rPr lang="en-US" dirty="0" smtClean="0"/>
+              <a:t>Change the coefficient of a given attribute by some small amount</a:t>
+            </a:r>
+          </a:p>
+          <a:p>
+            <a:pPr lvl="1"/>
+            <a:r>
+              <a:rPr lang="en-US" dirty="0" smtClean="0"/>
+              <a:t>Allows for finer tuning and changes</a:t>
+            </a:r>
+          </a:p>
+          <a:p>
+            <a:r>
+              <a:rPr lang="en-US" dirty="0" smtClean="0"/>
+              <a:t>VECTOR.CROSS_OVER</a:t>
+            </a:r>
+          </a:p>
+          <a:p>
+            <a:pPr lvl="1"/>
+            <a:r>
+              <a:rPr lang="en-US" dirty="0" smtClean="0"/>
+              <a:t>Find the average of a coefficient given a shared modifier</a:t>
+            </a:r>
+          </a:p>
+          <a:p>
+            <a:pPr lvl="1"/>
             <a:endParaRPr lang="en-US" dirty="0"/>
           </a:p>
         </p:txBody>
@@ -30792,7 +30961,7 @@
     </p:spTree>
     <p:extLst>
       <p:ext uri="{BB962C8B-B14F-4D97-AF65-F5344CB8AC3E}">
-        <p14:creationId xmlns:p14="http://schemas.microsoft.com/office/powerpoint/2010/main" val="1581083013"/>
+        <p14:creationId xmlns:p14="http://schemas.microsoft.com/office/powerpoint/2010/main" val="2480964042"/>
       </p:ext>
     </p:extLst>
   </p:cSld>
@@ -30835,8 +31004,8 @@
           <a:lstStyle/>
           <a:p>
             <a:r>
-              <a:rPr lang="en-US" dirty="0" err="1"/>
-              <a:t>tree.mutation</a:t>
+              <a:rPr lang="en-US" dirty="0" smtClean="0"/>
+              <a:t>Final Discussion</a:t>
             </a:r>
             <a:endParaRPr lang="en-US" dirty="0"/>
           </a:p>
@@ -30844,7 +31013,7 @@
       </p:sp>
       <p:sp>
         <p:nvSpPr>
-          <p:cNvPr id="4" name="Content Placeholder 2"/>
+          <p:cNvPr id="3" name="Content Placeholder 2"/>
           <p:cNvSpPr>
             <a:spLocks noGrp="1"/>
           </p:cNvSpPr>
@@ -30864,7 +31033,7 @@
     </p:spTree>
     <p:extLst>
       <p:ext uri="{BB962C8B-B14F-4D97-AF65-F5344CB8AC3E}">
-        <p14:creationId xmlns:p14="http://schemas.microsoft.com/office/powerpoint/2010/main" val="1373048693"/>
+        <p14:creationId xmlns:p14="http://schemas.microsoft.com/office/powerpoint/2010/main" val="4289662780"/>
       </p:ext>
     </p:extLst>
   </p:cSld>
@@ -30917,7 +31086,7 @@
     </a:clrScheme>
     <a:fontScheme name="Circuit">
       <a:majorFont>
-        <a:latin typeface="Tw Cen MT" panose="020B0602020104020603"/>
+        <a:latin typeface="Tw Cen MT"/>
         <a:ea typeface=""/>
         <a:cs typeface=""/>
         <a:font script="Jpan" typeface="ＭＳ Ｐゴシック"/>
@@ -30952,7 +31121,7 @@
         <a:font script="Geor" typeface="Sylfaen"/>
       </a:majorFont>
       <a:minorFont>
-        <a:latin typeface="Tw Cen MT" panose="020B0602020104020603"/>
+        <a:latin typeface="Tw Cen MT"/>
         <a:ea typeface=""/>
         <a:cs typeface=""/>
         <a:font script="Jpan" typeface="ＭＳ Ｐゴシック"/>
@@ -31119,7 +31288,7 @@
   <a:extraClrSchemeLst/>
   <a:extLst>
     <a:ext uri="{05A4C25C-085E-4340-85A3-A5531E510DB2}">
-      <thm15:themeFamily xmlns:thm15="http://schemas.microsoft.com/office/thememl/2012/main" name="Circuit" id="{0AC2F7E7-15F5-431C-B2A2-456FE929F56C}" vid="{142578CA-DEC9-49C3-80AF-C113973CC9A9}"/>
+      <thm15:themeFamily xmlns:thm15="http://schemas.microsoft.com/office/thememl/2012/main" xmlns="" name="Circuit" id="{0AC2F7E7-15F5-431C-B2A2-456FE929F56C}" vid="{142578CA-DEC9-49C3-80AF-C113973CC9A9}"/>
     </a:ext>
   </a:extLst>
 </a:theme>

--- a/presentation/Attribute Learning System Presentation.pptx
+++ b/presentation/Attribute Learning System Presentation.pptx
@@ -118,7 +118,18 @@
   </p:defaultTextStyle>
   <p:extLst>
     <p:ext uri="{EFAFB233-063F-42B5-8137-9DF3F51BA10A}">
-      <p15:sldGuideLst xmlns:p15="http://schemas.microsoft.com/office/powerpoint/2012/main" xmlns=""/>
+      <p15:sldGuideLst xmlns:p15="http://schemas.microsoft.com/office/powerpoint/2012/main">
+        <p15:guide id="1" orient="horz" pos="2160">
+          <p15:clr>
+            <a:srgbClr val="A4A3A4"/>
+          </p15:clr>
+        </p15:guide>
+        <p15:guide id="2" pos="3840">
+          <p15:clr>
+            <a:srgbClr val="A4A3A4"/>
+          </p15:clr>
+        </p15:guide>
+      </p15:sldGuideLst>
     </p:ext>
   </p:extLst>
 </p:presentation>
@@ -3881,10 +3892,18 @@
         <a:lstStyle/>
         <a:p>
           <a:r>
-            <a:rPr lang="en-US" sz="2800" dirty="0" smtClean="0"/>
+            <a:rPr lang="en-US" sz="2800" dirty="0" smtClean="0">
+              <a:solidFill>
+                <a:schemeClr val="bg1"/>
+              </a:solidFill>
+            </a:rPr>
             <a:t>Time</a:t>
           </a:r>
-          <a:endParaRPr lang="en-US" sz="2800" dirty="0"/>
+          <a:endParaRPr lang="en-US" sz="2800" dirty="0">
+            <a:solidFill>
+              <a:schemeClr val="bg1"/>
+            </a:solidFill>
+          </a:endParaRPr>
         </a:p>
       </dgm:t>
     </dgm:pt>
@@ -3918,10 +3937,18 @@
         <a:lstStyle/>
         <a:p>
           <a:r>
-            <a:rPr lang="en-US" dirty="0" smtClean="0"/>
+            <a:rPr lang="en-US" dirty="0" smtClean="0">
+              <a:solidFill>
+                <a:schemeClr val="bg1"/>
+              </a:solidFill>
+            </a:rPr>
             <a:t>Inefficiency</a:t>
           </a:r>
-          <a:endParaRPr lang="en-US" dirty="0"/>
+          <a:endParaRPr lang="en-US" dirty="0">
+            <a:solidFill>
+              <a:schemeClr val="bg1"/>
+            </a:solidFill>
+          </a:endParaRPr>
         </a:p>
       </dgm:t>
     </dgm:pt>
@@ -3955,10 +3982,18 @@
         <a:lstStyle/>
         <a:p>
           <a:r>
-            <a:rPr lang="en-US" sz="2800" dirty="0" smtClean="0"/>
+            <a:rPr lang="en-US" sz="2800" dirty="0" smtClean="0">
+              <a:solidFill>
+                <a:schemeClr val="bg1"/>
+              </a:solidFill>
+            </a:rPr>
             <a:t>Tricky</a:t>
           </a:r>
-          <a:endParaRPr lang="en-US" sz="2800" dirty="0"/>
+          <a:endParaRPr lang="en-US" sz="2800" dirty="0">
+            <a:solidFill>
+              <a:schemeClr val="bg1"/>
+            </a:solidFill>
+          </a:endParaRPr>
         </a:p>
       </dgm:t>
     </dgm:pt>
@@ -4246,10 +4281,18 @@
         <a:lstStyle/>
         <a:p>
           <a:r>
-            <a:rPr lang="en-US" dirty="0" smtClean="0"/>
+            <a:rPr lang="en-US" dirty="0" smtClean="0">
+              <a:solidFill>
+                <a:schemeClr val="bg1"/>
+              </a:solidFill>
+            </a:rPr>
             <a:t>Modifiers</a:t>
           </a:r>
-          <a:endParaRPr lang="en-US" dirty="0"/>
+          <a:endParaRPr lang="en-US" dirty="0">
+            <a:solidFill>
+              <a:schemeClr val="bg1"/>
+            </a:solidFill>
+          </a:endParaRPr>
         </a:p>
       </dgm:t>
     </dgm:pt>
@@ -4685,10 +4728,18 @@
         <a:lstStyle/>
         <a:p>
           <a:r>
-            <a:rPr lang="en-US" dirty="0" smtClean="0"/>
+            <a:rPr lang="en-US" dirty="0" smtClean="0">
+              <a:solidFill>
+                <a:schemeClr val="bg1"/>
+              </a:solidFill>
+            </a:rPr>
             <a:t>Battle Victory</a:t>
           </a:r>
-          <a:endParaRPr lang="en-US" dirty="0"/>
+          <a:endParaRPr lang="en-US" dirty="0">
+            <a:solidFill>
+              <a:schemeClr val="bg1"/>
+            </a:solidFill>
+          </a:endParaRPr>
         </a:p>
       </dgm:t>
     </dgm:pt>
@@ -4722,10 +4773,18 @@
         <a:lstStyle/>
         <a:p>
           <a:r>
-            <a:rPr lang="en-US" dirty="0" smtClean="0"/>
+            <a:rPr lang="en-US" dirty="0" smtClean="0">
+              <a:solidFill>
+                <a:schemeClr val="bg1"/>
+              </a:solidFill>
+            </a:rPr>
             <a:t>Move Usage</a:t>
           </a:r>
-          <a:endParaRPr lang="en-US" dirty="0"/>
+          <a:endParaRPr lang="en-US" dirty="0">
+            <a:solidFill>
+              <a:schemeClr val="bg1"/>
+            </a:solidFill>
+          </a:endParaRPr>
         </a:p>
       </dgm:t>
     </dgm:pt>
@@ -4759,10 +4818,18 @@
         <a:lstStyle/>
         <a:p>
           <a:r>
-            <a:rPr lang="en-US" dirty="0" smtClean="0"/>
+            <a:rPr lang="en-US" dirty="0" smtClean="0">
+              <a:solidFill>
+                <a:schemeClr val="bg1"/>
+              </a:solidFill>
+            </a:rPr>
             <a:t>Move Utility</a:t>
           </a:r>
-          <a:endParaRPr lang="en-US" dirty="0"/>
+          <a:endParaRPr lang="en-US" dirty="0">
+            <a:solidFill>
+              <a:schemeClr val="bg1"/>
+            </a:solidFill>
+          </a:endParaRPr>
         </a:p>
       </dgm:t>
     </dgm:pt>
@@ -4926,10 +4993,18 @@
         <a:lstStyle/>
         <a:p>
           <a:r>
-            <a:rPr lang="en-US" dirty="0" smtClean="0"/>
+            <a:rPr lang="en-US" dirty="0" smtClean="0">
+              <a:solidFill>
+                <a:schemeClr val="bg1"/>
+              </a:solidFill>
+            </a:rPr>
             <a:t>Mutations</a:t>
           </a:r>
-          <a:endParaRPr lang="en-US" dirty="0"/>
+          <a:endParaRPr lang="en-US" dirty="0">
+            <a:solidFill>
+              <a:schemeClr val="bg1"/>
+            </a:solidFill>
+          </a:endParaRPr>
         </a:p>
       </dgm:t>
     </dgm:pt>
@@ -4963,10 +5038,18 @@
         <a:lstStyle/>
         <a:p>
           <a:r>
-            <a:rPr lang="en-US" dirty="0" smtClean="0"/>
+            <a:rPr lang="en-US" dirty="0" smtClean="0">
+              <a:solidFill>
+                <a:schemeClr val="bg1"/>
+              </a:solidFill>
+            </a:rPr>
             <a:t>Crossovers</a:t>
           </a:r>
-          <a:endParaRPr lang="en-US" dirty="0"/>
+          <a:endParaRPr lang="en-US" dirty="0">
+            <a:solidFill>
+              <a:schemeClr val="bg1"/>
+            </a:solidFill>
+          </a:endParaRPr>
         </a:p>
       </dgm:t>
     </dgm:pt>
@@ -5000,10 +5083,18 @@
         <a:lstStyle/>
         <a:p>
           <a:r>
-            <a:rPr lang="en-US" dirty="0" smtClean="0"/>
+            <a:rPr lang="en-US" dirty="0" smtClean="0">
+              <a:solidFill>
+                <a:schemeClr val="bg1"/>
+              </a:solidFill>
+            </a:rPr>
             <a:t>Genetic Algorithm</a:t>
           </a:r>
-          <a:endParaRPr lang="en-US" dirty="0"/>
+          <a:endParaRPr lang="en-US" dirty="0">
+            <a:solidFill>
+              <a:schemeClr val="bg1"/>
+            </a:solidFill>
+          </a:endParaRPr>
         </a:p>
       </dgm:t>
     </dgm:pt>
@@ -5219,10 +5310,18 @@
         <a:lstStyle/>
         <a:p>
           <a:r>
-            <a:rPr lang="en-US" dirty="0" smtClean="0"/>
+            <a:rPr lang="en-US" dirty="0" smtClean="0">
+              <a:solidFill>
+                <a:schemeClr val="bg1"/>
+              </a:solidFill>
+            </a:rPr>
             <a:t>Trees</a:t>
           </a:r>
-          <a:endParaRPr lang="en-US" dirty="0"/>
+          <a:endParaRPr lang="en-US" dirty="0">
+            <a:solidFill>
+              <a:schemeClr val="bg1"/>
+            </a:solidFill>
+          </a:endParaRPr>
         </a:p>
       </dgm:t>
     </dgm:pt>
@@ -5293,10 +5392,18 @@
         <a:lstStyle/>
         <a:p>
           <a:r>
-            <a:rPr lang="en-US" dirty="0" smtClean="0"/>
+            <a:rPr lang="en-US" dirty="0" smtClean="0">
+              <a:solidFill>
+                <a:schemeClr val="bg1"/>
+              </a:solidFill>
+            </a:rPr>
             <a:t>Vectors</a:t>
           </a:r>
-          <a:endParaRPr lang="en-US" dirty="0"/>
+          <a:endParaRPr lang="en-US" dirty="0">
+            <a:solidFill>
+              <a:schemeClr val="bg1"/>
+            </a:solidFill>
+          </a:endParaRPr>
         </a:p>
       </dgm:t>
     </dgm:pt>
@@ -5539,10 +5646,18 @@
             </a:spcAft>
           </a:pPr>
           <a:r>
-            <a:rPr lang="en-US" sz="2800" kern="1200" dirty="0" smtClean="0"/>
+            <a:rPr lang="en-US" sz="2800" kern="1200" dirty="0" smtClean="0">
+              <a:solidFill>
+                <a:schemeClr val="bg1"/>
+              </a:solidFill>
+            </a:rPr>
             <a:t>Time</a:t>
           </a:r>
-          <a:endParaRPr lang="en-US" sz="2800" kern="1200" dirty="0"/>
+          <a:endParaRPr lang="en-US" sz="2800" kern="1200" dirty="0">
+            <a:solidFill>
+              <a:schemeClr val="bg1"/>
+            </a:solidFill>
+          </a:endParaRPr>
         </a:p>
       </dsp:txBody>
       <dsp:txXfrm rot="-5400000">
@@ -5727,10 +5842,18 @@
             </a:spcAft>
           </a:pPr>
           <a:r>
-            <a:rPr lang="en-US" sz="2400" kern="1200" dirty="0" smtClean="0"/>
+            <a:rPr lang="en-US" sz="2400" kern="1200" dirty="0" smtClean="0">
+              <a:solidFill>
+                <a:schemeClr val="bg1"/>
+              </a:solidFill>
+            </a:rPr>
             <a:t>Inefficiency</a:t>
           </a:r>
-          <a:endParaRPr lang="en-US" sz="2400" kern="1200" dirty="0"/>
+          <a:endParaRPr lang="en-US" sz="2400" kern="1200" dirty="0">
+            <a:solidFill>
+              <a:schemeClr val="bg1"/>
+            </a:solidFill>
+          </a:endParaRPr>
         </a:p>
       </dsp:txBody>
       <dsp:txXfrm rot="-5400000">
@@ -5915,10 +6038,18 @@
             </a:spcAft>
           </a:pPr>
           <a:r>
-            <a:rPr lang="en-US" sz="2800" kern="1200" dirty="0" smtClean="0"/>
+            <a:rPr lang="en-US" sz="2800" kern="1200" dirty="0" smtClean="0">
+              <a:solidFill>
+                <a:schemeClr val="bg1"/>
+              </a:solidFill>
+            </a:rPr>
             <a:t>Tricky</a:t>
           </a:r>
-          <a:endParaRPr lang="en-US" sz="2800" kern="1200" dirty="0"/>
+          <a:endParaRPr lang="en-US" sz="2800" kern="1200" dirty="0">
+            <a:solidFill>
+              <a:schemeClr val="bg1"/>
+            </a:solidFill>
+          </a:endParaRPr>
         </a:p>
       </dsp:txBody>
       <dsp:txXfrm rot="-5400000">
@@ -6602,10 +6733,18 @@
             </a:spcAft>
           </a:pPr>
           <a:r>
-            <a:rPr lang="en-US" sz="3000" kern="1200" dirty="0" smtClean="0"/>
+            <a:rPr lang="en-US" sz="3000" kern="1200" dirty="0" smtClean="0">
+              <a:solidFill>
+                <a:schemeClr val="bg1"/>
+              </a:solidFill>
+            </a:rPr>
             <a:t>Modifiers</a:t>
           </a:r>
-          <a:endParaRPr lang="en-US" sz="3000" kern="1200" dirty="0"/>
+          <a:endParaRPr lang="en-US" sz="3000" kern="1200" dirty="0">
+            <a:solidFill>
+              <a:schemeClr val="bg1"/>
+            </a:solidFill>
+          </a:endParaRPr>
         </a:p>
       </dsp:txBody>
       <dsp:txXfrm>
@@ -7851,10 +7990,18 @@
             </a:spcAft>
           </a:pPr>
           <a:r>
-            <a:rPr lang="en-US" sz="4000" kern="1200" dirty="0" smtClean="0"/>
+            <a:rPr lang="en-US" sz="4000" kern="1200" dirty="0" smtClean="0">
+              <a:solidFill>
+                <a:schemeClr val="bg1"/>
+              </a:solidFill>
+            </a:rPr>
             <a:t>Battle Victory</a:t>
           </a:r>
-          <a:endParaRPr lang="en-US" sz="4000" kern="1200" dirty="0"/>
+          <a:endParaRPr lang="en-US" sz="4000" kern="1200" dirty="0">
+            <a:solidFill>
+              <a:schemeClr val="bg1"/>
+            </a:solidFill>
+          </a:endParaRPr>
         </a:p>
       </dsp:txBody>
       <dsp:txXfrm>
@@ -7994,10 +8141,18 @@
             </a:spcAft>
           </a:pPr>
           <a:r>
-            <a:rPr lang="en-US" sz="4000" kern="1200" dirty="0" smtClean="0"/>
+            <a:rPr lang="en-US" sz="4000" kern="1200" dirty="0" smtClean="0">
+              <a:solidFill>
+                <a:schemeClr val="bg1"/>
+              </a:solidFill>
+            </a:rPr>
             <a:t>Move Usage</a:t>
           </a:r>
-          <a:endParaRPr lang="en-US" sz="4000" kern="1200" dirty="0"/>
+          <a:endParaRPr lang="en-US" sz="4000" kern="1200" dirty="0">
+            <a:solidFill>
+              <a:schemeClr val="bg1"/>
+            </a:solidFill>
+          </a:endParaRPr>
         </a:p>
       </dsp:txBody>
       <dsp:txXfrm>
@@ -8137,10 +8292,18 @@
             </a:spcAft>
           </a:pPr>
           <a:r>
-            <a:rPr lang="en-US" sz="4000" kern="1200" dirty="0" smtClean="0"/>
+            <a:rPr lang="en-US" sz="4000" kern="1200" dirty="0" smtClean="0">
+              <a:solidFill>
+                <a:schemeClr val="bg1"/>
+              </a:solidFill>
+            </a:rPr>
             <a:t>Move Utility</a:t>
           </a:r>
-          <a:endParaRPr lang="en-US" sz="4000" kern="1200" dirty="0"/>
+          <a:endParaRPr lang="en-US" sz="4000" kern="1200" dirty="0">
+            <a:solidFill>
+              <a:schemeClr val="bg1"/>
+            </a:solidFill>
+          </a:endParaRPr>
         </a:p>
       </dsp:txBody>
       <dsp:txXfrm>
@@ -8226,10 +8389,18 @@
             </a:spcAft>
           </a:pPr>
           <a:r>
-            <a:rPr lang="en-US" sz="1600" kern="1200" dirty="0" smtClean="0"/>
+            <a:rPr lang="en-US" sz="1600" kern="1200" dirty="0" smtClean="0">
+              <a:solidFill>
+                <a:schemeClr val="bg1"/>
+              </a:solidFill>
+            </a:rPr>
             <a:t>Mutations</a:t>
           </a:r>
-          <a:endParaRPr lang="en-US" sz="1600" kern="1200" dirty="0"/>
+          <a:endParaRPr lang="en-US" sz="1600" kern="1200" dirty="0">
+            <a:solidFill>
+              <a:schemeClr val="bg1"/>
+            </a:solidFill>
+          </a:endParaRPr>
         </a:p>
       </dsp:txBody>
       <dsp:txXfrm>
@@ -8369,10 +8540,18 @@
             </a:spcAft>
           </a:pPr>
           <a:r>
-            <a:rPr lang="en-US" sz="1600" kern="1200" dirty="0" smtClean="0"/>
+            <a:rPr lang="en-US" sz="1600" kern="1200" dirty="0" smtClean="0">
+              <a:solidFill>
+                <a:schemeClr val="bg1"/>
+              </a:solidFill>
+            </a:rPr>
             <a:t>Crossovers</a:t>
           </a:r>
-          <a:endParaRPr lang="en-US" sz="1600" kern="1200" dirty="0"/>
+          <a:endParaRPr lang="en-US" sz="1600" kern="1200" dirty="0">
+            <a:solidFill>
+              <a:schemeClr val="bg1"/>
+            </a:solidFill>
+          </a:endParaRPr>
         </a:p>
       </dsp:txBody>
       <dsp:txXfrm>
@@ -8515,10 +8694,18 @@
             </a:spcAft>
           </a:pPr>
           <a:r>
-            <a:rPr lang="en-US" sz="3500" kern="1200" dirty="0" smtClean="0"/>
+            <a:rPr lang="en-US" sz="3500" kern="1200" dirty="0" smtClean="0">
+              <a:solidFill>
+                <a:schemeClr val="bg1"/>
+              </a:solidFill>
+            </a:rPr>
             <a:t>Genetic Algorithm</a:t>
           </a:r>
-          <a:endParaRPr lang="en-US" sz="3500" kern="1200" dirty="0"/>
+          <a:endParaRPr lang="en-US" sz="3500" kern="1200" dirty="0">
+            <a:solidFill>
+              <a:schemeClr val="bg1"/>
+            </a:solidFill>
+          </a:endParaRPr>
         </a:p>
       </dsp:txBody>
       <dsp:txXfrm>
@@ -8709,10 +8896,18 @@
             <a:buChar char="••"/>
           </a:pPr>
           <a:r>
-            <a:rPr lang="en-US" sz="4200" kern="1200" dirty="0" smtClean="0"/>
+            <a:rPr lang="en-US" sz="4200" kern="1200" dirty="0" smtClean="0">
+              <a:solidFill>
+                <a:schemeClr val="bg1"/>
+              </a:solidFill>
+            </a:rPr>
             <a:t>Trees</a:t>
           </a:r>
-          <a:endParaRPr lang="en-US" sz="4200" kern="1200" dirty="0"/>
+          <a:endParaRPr lang="en-US" sz="4200" kern="1200" dirty="0">
+            <a:solidFill>
+              <a:schemeClr val="bg1"/>
+            </a:solidFill>
+          </a:endParaRPr>
         </a:p>
       </dsp:txBody>
       <dsp:txXfrm>
@@ -8891,10 +9086,18 @@
             <a:buChar char="••"/>
           </a:pPr>
           <a:r>
-            <a:rPr lang="en-US" sz="4200" kern="1200" dirty="0" smtClean="0"/>
+            <a:rPr lang="en-US" sz="4200" kern="1200" dirty="0" smtClean="0">
+              <a:solidFill>
+                <a:schemeClr val="bg1"/>
+              </a:solidFill>
+            </a:rPr>
             <a:t>Vectors</a:t>
           </a:r>
-          <a:endParaRPr lang="en-US" sz="4200" kern="1200" dirty="0"/>
+          <a:endParaRPr lang="en-US" sz="4200" kern="1200" dirty="0">
+            <a:solidFill>
+              <a:schemeClr val="bg1"/>
+            </a:solidFill>
+          </a:endParaRPr>
         </a:p>
       </dsp:txBody>
       <dsp:txXfrm>
@@ -30248,7 +30451,7 @@
           <p:nvPr>
             <p:extLst>
               <p:ext uri="{D42A27DB-BD31-4B8C-83A1-F6EECF244321}">
-                <p14:modId xmlns:p14="http://schemas.microsoft.com/office/powerpoint/2010/main" val="3378251358"/>
+                <p14:modId xmlns:p14="http://schemas.microsoft.com/office/powerpoint/2010/main" val="2757381018"/>
               </p:ext>
             </p:extLst>
           </p:nvPr>
@@ -30325,7 +30528,7 @@
             <p:ph idx="1"/>
             <p:extLst>
               <p:ext uri="{D42A27DB-BD31-4B8C-83A1-F6EECF244321}">
-                <p14:modId xmlns:p14="http://schemas.microsoft.com/office/powerpoint/2010/main" val="175571412"/>
+                <p14:modId xmlns:p14="http://schemas.microsoft.com/office/powerpoint/2010/main" val="460731697"/>
               </p:ext>
             </p:extLst>
           </p:nvPr>
@@ -30403,7 +30606,7 @@
             <p:ph idx="1"/>
             <p:extLst>
               <p:ext uri="{D42A27DB-BD31-4B8C-83A1-F6EECF244321}">
-                <p14:modId xmlns:p14="http://schemas.microsoft.com/office/powerpoint/2010/main" val="3238999372"/>
+                <p14:modId xmlns:p14="http://schemas.microsoft.com/office/powerpoint/2010/main" val="2643862122"/>
               </p:ext>
             </p:extLst>
           </p:nvPr>
@@ -30486,7 +30689,7 @@
             <p:ph idx="1"/>
             <p:extLst>
               <p:ext uri="{D42A27DB-BD31-4B8C-83A1-F6EECF244321}">
-                <p14:modId xmlns:p14="http://schemas.microsoft.com/office/powerpoint/2010/main" val="3918734992"/>
+                <p14:modId xmlns:p14="http://schemas.microsoft.com/office/powerpoint/2010/main" val="2114145527"/>
               </p:ext>
             </p:extLst>
           </p:nvPr>
@@ -30564,7 +30767,7 @@
             <p:ph idx="1"/>
             <p:extLst>
               <p:ext uri="{D42A27DB-BD31-4B8C-83A1-F6EECF244321}">
-                <p14:modId xmlns:p14="http://schemas.microsoft.com/office/powerpoint/2010/main" val="4040978944"/>
+                <p14:modId xmlns:p14="http://schemas.microsoft.com/office/powerpoint/2010/main" val="118759689"/>
               </p:ext>
             </p:extLst>
           </p:nvPr>
@@ -30701,15 +30904,6 @@
                 <a:tailEnd/>
               </a14:hiddenLine>
             </a:ext>
-            <a:ext uri="{AF507438-7753-43E0-B8FC-AC1667EBCBE1}">
-              <a14:hiddenEffects xmlns:a14="http://schemas.microsoft.com/office/drawing/2010/main">
-                <a:effectLst>
-                  <a:outerShdw dist="35921" dir="2700000" algn="ctr" rotWithShape="0">
-                    <a:schemeClr val="bg2"/>
-                  </a:outerShdw>
-                </a:effectLst>
-              </a14:hiddenEffects>
-            </a:ext>
           </a:extLst>
         </p:spPr>
       </p:pic>
@@ -30744,11 +30938,7 @@
             <a:pPr lvl="1"/>
             <a:r>
               <a:rPr lang="en-US" dirty="0" smtClean="0"/>
-              <a:t>Swap </a:t>
-            </a:r>
-            <a:r>
-              <a:rPr lang="en-US" dirty="0" smtClean="0"/>
-              <a:t>corresponding interior node of one tree with that of another tree</a:t>
+              <a:t>Swap corresponding interior node of one tree with that of another tree</a:t>
             </a:r>
           </a:p>
           <a:p>
@@ -30761,19 +30951,7 @@
             <a:pPr lvl="1"/>
             <a:r>
               <a:rPr lang="en-US" dirty="0" smtClean="0"/>
-              <a:t>Mutate </a:t>
-            </a:r>
-            <a:r>
-              <a:rPr lang="en-US" dirty="0" smtClean="0"/>
-              <a:t>leaf nodes and parents of leaf nodes of </a:t>
-            </a:r>
-            <a:r>
-              <a:rPr lang="en-US" dirty="0" smtClean="0"/>
-              <a:t>the tree, either by replacing a node with a child node or by replacing the node with a different </a:t>
-            </a:r>
-            <a:r>
-              <a:rPr lang="en-US" dirty="0" smtClean="0"/>
-              <a:t>type.</a:t>
+              <a:t>Mutate leaf nodes and parents of leaf nodes of the tree, either by replacing a node with a child node or by replacing the node with a different type.</a:t>
             </a:r>
             <a:endParaRPr lang="en-US" sz="1800" dirty="0"/>
           </a:p>
@@ -31288,7 +31466,7 @@
   <a:extraClrSchemeLst/>
   <a:extLst>
     <a:ext uri="{05A4C25C-085E-4340-85A3-A5531E510DB2}">
-      <thm15:themeFamily xmlns:thm15="http://schemas.microsoft.com/office/thememl/2012/main" xmlns="" name="Circuit" id="{0AC2F7E7-15F5-431C-B2A2-456FE929F56C}" vid="{142578CA-DEC9-49C3-80AF-C113973CC9A9}"/>
+      <thm15:themeFamily xmlns:thm15="http://schemas.microsoft.com/office/thememl/2012/main" name="Circuit" id="{0AC2F7E7-15F5-431C-B2A2-456FE929F56C}" vid="{142578CA-DEC9-49C3-80AF-C113973CC9A9}"/>
     </a:ext>
   </a:extLst>
 </a:theme>

--- a/presentation/Attribute Learning System Presentation.pptx
+++ b/presentation/Attribute Learning System Presentation.pptx
@@ -12,12 +12,10 @@
     <p:sldId id="268" r:id="rId6"/>
     <p:sldId id="269" r:id="rId7"/>
     <p:sldId id="260" r:id="rId8"/>
-    <p:sldId id="261" r:id="rId9"/>
+    <p:sldId id="272" r:id="rId9"/>
     <p:sldId id="264" r:id="rId10"/>
     <p:sldId id="262" r:id="rId11"/>
     <p:sldId id="270" r:id="rId12"/>
-    <p:sldId id="257" r:id="rId13"/>
-    <p:sldId id="258" r:id="rId14"/>
   </p:sldIdLst>
   <p:sldSz cx="12192000" cy="6858000"/>
   <p:notesSz cx="6858000" cy="9144000"/>
@@ -118,7 +116,7 @@
   </p:defaultTextStyle>
   <p:extLst>
     <p:ext uri="{EFAFB233-063F-42B5-8137-9DF3F51BA10A}">
-      <p15:sldGuideLst xmlns:p15="http://schemas.microsoft.com/office/powerpoint/2012/main">
+      <p15:sldGuideLst xmlns="" xmlns:p15="http://schemas.microsoft.com/office/powerpoint/2012/main">
         <p15:guide id="1" orient="horz" pos="2160">
           <p15:clr>
             <a:srgbClr val="A4A3A4"/>
@@ -3124,6 +3122,1500 @@
 </file>
 
 <file path=ppt/diagrams/colors5.xml><?xml version="1.0" encoding="utf-8"?>
+<dgm:colorsDef xmlns:dgm="http://schemas.openxmlformats.org/drawingml/2006/diagram" xmlns:a="http://schemas.openxmlformats.org/drawingml/2006/main" uniqueId="urn:microsoft.com/office/officeart/2005/8/colors/accent1_2">
+  <dgm:title val=""/>
+  <dgm:desc val=""/>
+  <dgm:catLst>
+    <dgm:cat type="accent1" pri="11200"/>
+  </dgm:catLst>
+  <dgm:styleLbl name="node0">
+    <dgm:fillClrLst meth="repeat">
+      <a:schemeClr val="accent1"/>
+    </dgm:fillClrLst>
+    <dgm:linClrLst meth="repeat">
+      <a:schemeClr val="lt1"/>
+    </dgm:linClrLst>
+    <dgm:effectClrLst/>
+    <dgm:txLinClrLst/>
+    <dgm:txFillClrLst/>
+    <dgm:txEffectClrLst/>
+  </dgm:styleLbl>
+  <dgm:styleLbl name="alignNode1">
+    <dgm:fillClrLst meth="repeat">
+      <a:schemeClr val="accent1"/>
+    </dgm:fillClrLst>
+    <dgm:linClrLst meth="repeat">
+      <a:schemeClr val="accent1"/>
+    </dgm:linClrLst>
+    <dgm:effectClrLst/>
+    <dgm:txLinClrLst/>
+    <dgm:txFillClrLst/>
+    <dgm:txEffectClrLst/>
+  </dgm:styleLbl>
+  <dgm:styleLbl name="node1">
+    <dgm:fillClrLst meth="repeat">
+      <a:schemeClr val="accent1"/>
+    </dgm:fillClrLst>
+    <dgm:linClrLst meth="repeat">
+      <a:schemeClr val="lt1"/>
+    </dgm:linClrLst>
+    <dgm:effectClrLst/>
+    <dgm:txLinClrLst/>
+    <dgm:txFillClrLst/>
+    <dgm:txEffectClrLst/>
+  </dgm:styleLbl>
+  <dgm:styleLbl name="lnNode1">
+    <dgm:fillClrLst meth="repeat">
+      <a:schemeClr val="accent1"/>
+    </dgm:fillClrLst>
+    <dgm:linClrLst meth="repeat">
+      <a:schemeClr val="lt1"/>
+    </dgm:linClrLst>
+    <dgm:effectClrLst/>
+    <dgm:txLinClrLst/>
+    <dgm:txFillClrLst/>
+    <dgm:txEffectClrLst/>
+  </dgm:styleLbl>
+  <dgm:styleLbl name="vennNode1">
+    <dgm:fillClrLst meth="repeat">
+      <a:schemeClr val="accent1">
+        <a:alpha val="50000"/>
+      </a:schemeClr>
+    </dgm:fillClrLst>
+    <dgm:linClrLst meth="repeat">
+      <a:schemeClr val="lt1"/>
+    </dgm:linClrLst>
+    <dgm:effectClrLst/>
+    <dgm:txLinClrLst/>
+    <dgm:txFillClrLst/>
+    <dgm:txEffectClrLst/>
+  </dgm:styleLbl>
+  <dgm:styleLbl name="node2">
+    <dgm:fillClrLst meth="repeat">
+      <a:schemeClr val="accent1"/>
+    </dgm:fillClrLst>
+    <dgm:linClrLst meth="repeat">
+      <a:schemeClr val="lt1"/>
+    </dgm:linClrLst>
+    <dgm:effectClrLst/>
+    <dgm:txLinClrLst/>
+    <dgm:txFillClrLst/>
+    <dgm:txEffectClrLst/>
+  </dgm:styleLbl>
+  <dgm:styleLbl name="node3">
+    <dgm:fillClrLst meth="repeat">
+      <a:schemeClr val="accent1"/>
+    </dgm:fillClrLst>
+    <dgm:linClrLst meth="repeat">
+      <a:schemeClr val="lt1"/>
+    </dgm:linClrLst>
+    <dgm:effectClrLst/>
+    <dgm:txLinClrLst/>
+    <dgm:txFillClrLst/>
+    <dgm:txEffectClrLst/>
+  </dgm:styleLbl>
+  <dgm:styleLbl name="node4">
+    <dgm:fillClrLst meth="repeat">
+      <a:schemeClr val="accent1"/>
+    </dgm:fillClrLst>
+    <dgm:linClrLst meth="repeat">
+      <a:schemeClr val="lt1"/>
+    </dgm:linClrLst>
+    <dgm:effectClrLst/>
+    <dgm:txLinClrLst/>
+    <dgm:txFillClrLst/>
+    <dgm:txEffectClrLst/>
+  </dgm:styleLbl>
+  <dgm:styleLbl name="fgImgPlace1">
+    <dgm:fillClrLst meth="repeat">
+      <a:schemeClr val="accent1">
+        <a:tint val="50000"/>
+      </a:schemeClr>
+    </dgm:fillClrLst>
+    <dgm:linClrLst meth="repeat">
+      <a:schemeClr val="lt1"/>
+    </dgm:linClrLst>
+    <dgm:effectClrLst/>
+    <dgm:txLinClrLst/>
+    <dgm:txFillClrLst meth="repeat">
+      <a:schemeClr val="lt1"/>
+    </dgm:txFillClrLst>
+    <dgm:txEffectClrLst/>
+  </dgm:styleLbl>
+  <dgm:styleLbl name="alignImgPlace1">
+    <dgm:fillClrLst meth="repeat">
+      <a:schemeClr val="accent1">
+        <a:tint val="50000"/>
+      </a:schemeClr>
+    </dgm:fillClrLst>
+    <dgm:linClrLst meth="repeat">
+      <a:schemeClr val="lt1"/>
+    </dgm:linClrLst>
+    <dgm:effectClrLst/>
+    <dgm:txLinClrLst/>
+    <dgm:txFillClrLst meth="repeat">
+      <a:schemeClr val="lt1"/>
+    </dgm:txFillClrLst>
+    <dgm:txEffectClrLst/>
+  </dgm:styleLbl>
+  <dgm:styleLbl name="bgImgPlace1">
+    <dgm:fillClrLst meth="repeat">
+      <a:schemeClr val="accent1">
+        <a:tint val="50000"/>
+      </a:schemeClr>
+    </dgm:fillClrLst>
+    <dgm:linClrLst meth="repeat">
+      <a:schemeClr val="lt1"/>
+    </dgm:linClrLst>
+    <dgm:effectClrLst/>
+    <dgm:txLinClrLst/>
+    <dgm:txFillClrLst meth="repeat">
+      <a:schemeClr val="lt1"/>
+    </dgm:txFillClrLst>
+    <dgm:txEffectClrLst/>
+  </dgm:styleLbl>
+  <dgm:styleLbl name="sibTrans2D1">
+    <dgm:fillClrLst meth="repeat">
+      <a:schemeClr val="accent1">
+        <a:tint val="60000"/>
+      </a:schemeClr>
+    </dgm:fillClrLst>
+    <dgm:linClrLst meth="repeat">
+      <a:schemeClr val="accent1">
+        <a:tint val="60000"/>
+      </a:schemeClr>
+    </dgm:linClrLst>
+    <dgm:effectClrLst/>
+    <dgm:txLinClrLst/>
+    <dgm:txFillClrLst/>
+    <dgm:txEffectClrLst/>
+  </dgm:styleLbl>
+  <dgm:styleLbl name="fgSibTrans2D1">
+    <dgm:fillClrLst meth="repeat">
+      <a:schemeClr val="accent1">
+        <a:tint val="60000"/>
+      </a:schemeClr>
+    </dgm:fillClrLst>
+    <dgm:linClrLst meth="repeat">
+      <a:schemeClr val="accent1">
+        <a:tint val="60000"/>
+      </a:schemeClr>
+    </dgm:linClrLst>
+    <dgm:effectClrLst/>
+    <dgm:txLinClrLst/>
+    <dgm:txFillClrLst/>
+    <dgm:txEffectClrLst/>
+  </dgm:styleLbl>
+  <dgm:styleLbl name="bgSibTrans2D1">
+    <dgm:fillClrLst meth="repeat">
+      <a:schemeClr val="accent1">
+        <a:tint val="60000"/>
+      </a:schemeClr>
+    </dgm:fillClrLst>
+    <dgm:linClrLst meth="repeat">
+      <a:schemeClr val="accent1">
+        <a:tint val="60000"/>
+      </a:schemeClr>
+    </dgm:linClrLst>
+    <dgm:effectClrLst/>
+    <dgm:txLinClrLst/>
+    <dgm:txFillClrLst/>
+    <dgm:txEffectClrLst/>
+  </dgm:styleLbl>
+  <dgm:styleLbl name="sibTrans1D1">
+    <dgm:fillClrLst meth="repeat">
+      <a:schemeClr val="accent1"/>
+    </dgm:fillClrLst>
+    <dgm:linClrLst meth="repeat">
+      <a:schemeClr val="accent1"/>
+    </dgm:linClrLst>
+    <dgm:effectClrLst/>
+    <dgm:txLinClrLst/>
+    <dgm:txFillClrLst meth="repeat">
+      <a:schemeClr val="tx1"/>
+    </dgm:txFillClrLst>
+    <dgm:txEffectClrLst/>
+  </dgm:styleLbl>
+  <dgm:styleLbl name="callout">
+    <dgm:fillClrLst meth="repeat">
+      <a:schemeClr val="accent1"/>
+    </dgm:fillClrLst>
+    <dgm:linClrLst meth="repeat">
+      <a:schemeClr val="accent1">
+        <a:tint val="50000"/>
+      </a:schemeClr>
+    </dgm:linClrLst>
+    <dgm:effectClrLst/>
+    <dgm:txLinClrLst/>
+    <dgm:txFillClrLst meth="repeat">
+      <a:schemeClr val="tx1"/>
+    </dgm:txFillClrLst>
+    <dgm:txEffectClrLst/>
+  </dgm:styleLbl>
+  <dgm:styleLbl name="asst0">
+    <dgm:fillClrLst meth="repeat">
+      <a:schemeClr val="accent1"/>
+    </dgm:fillClrLst>
+    <dgm:linClrLst meth="repeat">
+      <a:schemeClr val="lt1"/>
+    </dgm:linClrLst>
+    <dgm:effectClrLst/>
+    <dgm:txLinClrLst/>
+    <dgm:txFillClrLst/>
+    <dgm:txEffectClrLst/>
+  </dgm:styleLbl>
+  <dgm:styleLbl name="asst1">
+    <dgm:fillClrLst meth="repeat">
+      <a:schemeClr val="accent1"/>
+    </dgm:fillClrLst>
+    <dgm:linClrLst meth="repeat">
+      <a:schemeClr val="lt1"/>
+    </dgm:linClrLst>
+    <dgm:effectClrLst/>
+    <dgm:txLinClrLst/>
+    <dgm:txFillClrLst/>
+    <dgm:txEffectClrLst/>
+  </dgm:styleLbl>
+  <dgm:styleLbl name="asst2">
+    <dgm:fillClrLst meth="repeat">
+      <a:schemeClr val="accent1"/>
+    </dgm:fillClrLst>
+    <dgm:linClrLst meth="repeat">
+      <a:schemeClr val="lt1"/>
+    </dgm:linClrLst>
+    <dgm:effectClrLst/>
+    <dgm:txLinClrLst/>
+    <dgm:txFillClrLst/>
+    <dgm:txEffectClrLst/>
+  </dgm:styleLbl>
+  <dgm:styleLbl name="asst3">
+    <dgm:fillClrLst meth="repeat">
+      <a:schemeClr val="accent1"/>
+    </dgm:fillClrLst>
+    <dgm:linClrLst meth="repeat">
+      <a:schemeClr val="lt1"/>
+    </dgm:linClrLst>
+    <dgm:effectClrLst/>
+    <dgm:txLinClrLst/>
+    <dgm:txFillClrLst/>
+    <dgm:txEffectClrLst/>
+  </dgm:styleLbl>
+  <dgm:styleLbl name="asst4">
+    <dgm:fillClrLst meth="repeat">
+      <a:schemeClr val="accent1"/>
+    </dgm:fillClrLst>
+    <dgm:linClrLst meth="repeat">
+      <a:schemeClr val="lt1"/>
+    </dgm:linClrLst>
+    <dgm:effectClrLst/>
+    <dgm:txLinClrLst/>
+    <dgm:txFillClrLst/>
+    <dgm:txEffectClrLst/>
+  </dgm:styleLbl>
+  <dgm:styleLbl name="parChTrans2D1">
+    <dgm:fillClrLst meth="repeat">
+      <a:schemeClr val="accent1">
+        <a:tint val="60000"/>
+      </a:schemeClr>
+    </dgm:fillClrLst>
+    <dgm:linClrLst meth="repeat">
+      <a:schemeClr val="accent1">
+        <a:tint val="60000"/>
+      </a:schemeClr>
+    </dgm:linClrLst>
+    <dgm:effectClrLst/>
+    <dgm:txLinClrLst/>
+    <dgm:txFillClrLst meth="repeat">
+      <a:schemeClr val="lt1"/>
+    </dgm:txFillClrLst>
+    <dgm:txEffectClrLst/>
+  </dgm:styleLbl>
+  <dgm:styleLbl name="parChTrans2D2">
+    <dgm:fillClrLst meth="repeat">
+      <a:schemeClr val="accent1"/>
+    </dgm:fillClrLst>
+    <dgm:linClrLst meth="repeat">
+      <a:schemeClr val="accent1"/>
+    </dgm:linClrLst>
+    <dgm:effectClrLst/>
+    <dgm:txLinClrLst/>
+    <dgm:txFillClrLst meth="repeat">
+      <a:schemeClr val="lt1"/>
+    </dgm:txFillClrLst>
+    <dgm:txEffectClrLst/>
+  </dgm:styleLbl>
+  <dgm:styleLbl name="parChTrans2D3">
+    <dgm:fillClrLst meth="repeat">
+      <a:schemeClr val="accent1"/>
+    </dgm:fillClrLst>
+    <dgm:linClrLst meth="repeat">
+      <a:schemeClr val="accent1"/>
+    </dgm:linClrLst>
+    <dgm:effectClrLst/>
+    <dgm:txLinClrLst/>
+    <dgm:txFillClrLst meth="repeat">
+      <a:schemeClr val="lt1"/>
+    </dgm:txFillClrLst>
+    <dgm:txEffectClrLst/>
+  </dgm:styleLbl>
+  <dgm:styleLbl name="parChTrans2D4">
+    <dgm:fillClrLst meth="repeat">
+      <a:schemeClr val="accent1"/>
+    </dgm:fillClrLst>
+    <dgm:linClrLst meth="repeat">
+      <a:schemeClr val="accent1"/>
+    </dgm:linClrLst>
+    <dgm:effectClrLst/>
+    <dgm:txLinClrLst/>
+    <dgm:txFillClrLst meth="repeat">
+      <a:schemeClr val="lt1"/>
+    </dgm:txFillClrLst>
+    <dgm:txEffectClrLst/>
+  </dgm:styleLbl>
+  <dgm:styleLbl name="parChTrans1D1">
+    <dgm:fillClrLst meth="repeat">
+      <a:schemeClr val="accent1"/>
+    </dgm:fillClrLst>
+    <dgm:linClrLst meth="repeat">
+      <a:schemeClr val="accent1">
+        <a:shade val="60000"/>
+      </a:schemeClr>
+    </dgm:linClrLst>
+    <dgm:effectClrLst/>
+    <dgm:txLinClrLst/>
+    <dgm:txFillClrLst meth="repeat">
+      <a:schemeClr val="tx1"/>
+    </dgm:txFillClrLst>
+    <dgm:txEffectClrLst/>
+  </dgm:styleLbl>
+  <dgm:styleLbl name="parChTrans1D2">
+    <dgm:fillClrLst meth="repeat">
+      <a:schemeClr val="accent1"/>
+    </dgm:fillClrLst>
+    <dgm:linClrLst meth="repeat">
+      <a:schemeClr val="accent1">
+        <a:shade val="60000"/>
+      </a:schemeClr>
+    </dgm:linClrLst>
+    <dgm:effectClrLst/>
+    <dgm:txLinClrLst/>
+    <dgm:txFillClrLst meth="repeat">
+      <a:schemeClr val="tx1"/>
+    </dgm:txFillClrLst>
+    <dgm:txEffectClrLst/>
+  </dgm:styleLbl>
+  <dgm:styleLbl name="parChTrans1D3">
+    <dgm:fillClrLst meth="repeat">
+      <a:schemeClr val="accent1"/>
+    </dgm:fillClrLst>
+    <dgm:linClrLst meth="repeat">
+      <a:schemeClr val="accent1">
+        <a:shade val="80000"/>
+      </a:schemeClr>
+    </dgm:linClrLst>
+    <dgm:effectClrLst/>
+    <dgm:txLinClrLst/>
+    <dgm:txFillClrLst meth="repeat">
+      <a:schemeClr val="tx1"/>
+    </dgm:txFillClrLst>
+    <dgm:txEffectClrLst/>
+  </dgm:styleLbl>
+  <dgm:styleLbl name="parChTrans1D4">
+    <dgm:fillClrLst meth="repeat">
+      <a:schemeClr val="accent1"/>
+    </dgm:fillClrLst>
+    <dgm:linClrLst meth="repeat">
+      <a:schemeClr val="accent1">
+        <a:shade val="80000"/>
+      </a:schemeClr>
+    </dgm:linClrLst>
+    <dgm:effectClrLst/>
+    <dgm:txLinClrLst/>
+    <dgm:txFillClrLst meth="repeat">
+      <a:schemeClr val="tx1"/>
+    </dgm:txFillClrLst>
+    <dgm:txEffectClrLst/>
+  </dgm:styleLbl>
+  <dgm:styleLbl name="fgAcc1">
+    <dgm:fillClrLst meth="repeat">
+      <a:schemeClr val="lt1">
+        <a:alpha val="90000"/>
+      </a:schemeClr>
+    </dgm:fillClrLst>
+    <dgm:linClrLst meth="repeat">
+      <a:schemeClr val="accent1"/>
+    </dgm:linClrLst>
+    <dgm:effectClrLst/>
+    <dgm:txLinClrLst/>
+    <dgm:txFillClrLst meth="repeat">
+      <a:schemeClr val="dk1"/>
+    </dgm:txFillClrLst>
+    <dgm:txEffectClrLst/>
+  </dgm:styleLbl>
+  <dgm:styleLbl name="conFgAcc1">
+    <dgm:fillClrLst meth="repeat">
+      <a:schemeClr val="lt1">
+        <a:alpha val="90000"/>
+      </a:schemeClr>
+    </dgm:fillClrLst>
+    <dgm:linClrLst meth="repeat">
+      <a:schemeClr val="accent1"/>
+    </dgm:linClrLst>
+    <dgm:effectClrLst/>
+    <dgm:txLinClrLst/>
+    <dgm:txFillClrLst meth="repeat">
+      <a:schemeClr val="dk1"/>
+    </dgm:txFillClrLst>
+    <dgm:txEffectClrLst/>
+  </dgm:styleLbl>
+  <dgm:styleLbl name="alignAcc1">
+    <dgm:fillClrLst meth="repeat">
+      <a:schemeClr val="lt1">
+        <a:alpha val="90000"/>
+      </a:schemeClr>
+    </dgm:fillClrLst>
+    <dgm:linClrLst meth="repeat">
+      <a:schemeClr val="accent1"/>
+    </dgm:linClrLst>
+    <dgm:effectClrLst/>
+    <dgm:txLinClrLst/>
+    <dgm:txFillClrLst meth="repeat">
+      <a:schemeClr val="dk1"/>
+    </dgm:txFillClrLst>
+    <dgm:txEffectClrLst/>
+  </dgm:styleLbl>
+  <dgm:styleLbl name="trAlignAcc1">
+    <dgm:fillClrLst meth="repeat">
+      <a:schemeClr val="lt1">
+        <a:alpha val="40000"/>
+      </a:schemeClr>
+    </dgm:fillClrLst>
+    <dgm:linClrLst meth="repeat">
+      <a:schemeClr val="accent1"/>
+    </dgm:linClrLst>
+    <dgm:effectClrLst/>
+    <dgm:txLinClrLst/>
+    <dgm:txFillClrLst meth="repeat">
+      <a:schemeClr val="dk1"/>
+    </dgm:txFillClrLst>
+    <dgm:txEffectClrLst/>
+  </dgm:styleLbl>
+  <dgm:styleLbl name="bgAcc1">
+    <dgm:fillClrLst meth="repeat">
+      <a:schemeClr val="lt1">
+        <a:alpha val="90000"/>
+      </a:schemeClr>
+    </dgm:fillClrLst>
+    <dgm:linClrLst meth="repeat">
+      <a:schemeClr val="accent1"/>
+    </dgm:linClrLst>
+    <dgm:effectClrLst/>
+    <dgm:txLinClrLst/>
+    <dgm:txFillClrLst meth="repeat">
+      <a:schemeClr val="dk1"/>
+    </dgm:txFillClrLst>
+    <dgm:txEffectClrLst/>
+  </dgm:styleLbl>
+  <dgm:styleLbl name="solidFgAcc1">
+    <dgm:fillClrLst meth="repeat">
+      <a:schemeClr val="lt1"/>
+    </dgm:fillClrLst>
+    <dgm:linClrLst meth="repeat">
+      <a:schemeClr val="accent1"/>
+    </dgm:linClrLst>
+    <dgm:effectClrLst/>
+    <dgm:txLinClrLst/>
+    <dgm:txFillClrLst meth="repeat">
+      <a:schemeClr val="dk1"/>
+    </dgm:txFillClrLst>
+    <dgm:txEffectClrLst/>
+  </dgm:styleLbl>
+  <dgm:styleLbl name="solidAlignAcc1">
+    <dgm:fillClrLst meth="repeat">
+      <a:schemeClr val="lt1"/>
+    </dgm:fillClrLst>
+    <dgm:linClrLst meth="repeat">
+      <a:schemeClr val="accent1"/>
+    </dgm:linClrLst>
+    <dgm:effectClrLst/>
+    <dgm:txLinClrLst/>
+    <dgm:txFillClrLst meth="repeat">
+      <a:schemeClr val="dk1"/>
+    </dgm:txFillClrLst>
+    <dgm:txEffectClrLst/>
+  </dgm:styleLbl>
+  <dgm:styleLbl name="solidBgAcc1">
+    <dgm:fillClrLst meth="repeat">
+      <a:schemeClr val="lt1"/>
+    </dgm:fillClrLst>
+    <dgm:linClrLst meth="repeat">
+      <a:schemeClr val="accent1"/>
+    </dgm:linClrLst>
+    <dgm:effectClrLst/>
+    <dgm:txLinClrLst/>
+    <dgm:txFillClrLst meth="repeat">
+      <a:schemeClr val="dk1"/>
+    </dgm:txFillClrLst>
+    <dgm:txEffectClrLst/>
+  </dgm:styleLbl>
+  <dgm:styleLbl name="fgAccFollowNode1">
+    <dgm:fillClrLst meth="repeat">
+      <a:schemeClr val="accent1">
+        <a:alpha val="90000"/>
+        <a:tint val="40000"/>
+      </a:schemeClr>
+    </dgm:fillClrLst>
+    <dgm:linClrLst meth="repeat">
+      <a:schemeClr val="accent1">
+        <a:alpha val="90000"/>
+        <a:tint val="40000"/>
+      </a:schemeClr>
+    </dgm:linClrLst>
+    <dgm:effectClrLst/>
+    <dgm:txLinClrLst/>
+    <dgm:txFillClrLst meth="repeat">
+      <a:schemeClr val="dk1"/>
+    </dgm:txFillClrLst>
+    <dgm:txEffectClrLst/>
+  </dgm:styleLbl>
+  <dgm:styleLbl name="alignAccFollowNode1">
+    <dgm:fillClrLst meth="repeat">
+      <a:schemeClr val="accent1">
+        <a:alpha val="90000"/>
+        <a:tint val="40000"/>
+      </a:schemeClr>
+    </dgm:fillClrLst>
+    <dgm:linClrLst meth="repeat">
+      <a:schemeClr val="accent1">
+        <a:alpha val="90000"/>
+        <a:tint val="40000"/>
+      </a:schemeClr>
+    </dgm:linClrLst>
+    <dgm:effectClrLst/>
+    <dgm:txLinClrLst/>
+    <dgm:txFillClrLst meth="repeat">
+      <a:schemeClr val="dk1"/>
+    </dgm:txFillClrLst>
+    <dgm:txEffectClrLst/>
+  </dgm:styleLbl>
+  <dgm:styleLbl name="bgAccFollowNode1">
+    <dgm:fillClrLst meth="repeat">
+      <a:schemeClr val="accent1">
+        <a:alpha val="90000"/>
+        <a:tint val="40000"/>
+      </a:schemeClr>
+    </dgm:fillClrLst>
+    <dgm:linClrLst meth="repeat">
+      <a:schemeClr val="accent1">
+        <a:alpha val="90000"/>
+        <a:tint val="40000"/>
+      </a:schemeClr>
+    </dgm:linClrLst>
+    <dgm:effectClrLst/>
+    <dgm:txLinClrLst/>
+    <dgm:txFillClrLst meth="repeat">
+      <a:schemeClr val="dk1"/>
+    </dgm:txFillClrLst>
+    <dgm:txEffectClrLst/>
+  </dgm:styleLbl>
+  <dgm:styleLbl name="fgAcc0">
+    <dgm:fillClrLst meth="repeat">
+      <a:schemeClr val="lt1">
+        <a:alpha val="90000"/>
+      </a:schemeClr>
+    </dgm:fillClrLst>
+    <dgm:linClrLst meth="repeat">
+      <a:schemeClr val="accent1"/>
+    </dgm:linClrLst>
+    <dgm:effectClrLst/>
+    <dgm:txLinClrLst/>
+    <dgm:txFillClrLst meth="repeat">
+      <a:schemeClr val="dk1"/>
+    </dgm:txFillClrLst>
+    <dgm:txEffectClrLst/>
+  </dgm:styleLbl>
+  <dgm:styleLbl name="fgAcc2">
+    <dgm:fillClrLst meth="repeat">
+      <a:schemeClr val="lt1">
+        <a:alpha val="90000"/>
+      </a:schemeClr>
+    </dgm:fillClrLst>
+    <dgm:linClrLst meth="repeat">
+      <a:schemeClr val="accent1"/>
+    </dgm:linClrLst>
+    <dgm:effectClrLst/>
+    <dgm:txLinClrLst/>
+    <dgm:txFillClrLst meth="repeat">
+      <a:schemeClr val="dk1"/>
+    </dgm:txFillClrLst>
+    <dgm:txEffectClrLst/>
+  </dgm:styleLbl>
+  <dgm:styleLbl name="fgAcc3">
+    <dgm:fillClrLst meth="repeat">
+      <a:schemeClr val="lt1">
+        <a:alpha val="90000"/>
+      </a:schemeClr>
+    </dgm:fillClrLst>
+    <dgm:linClrLst meth="repeat">
+      <a:schemeClr val="accent1"/>
+    </dgm:linClrLst>
+    <dgm:effectClrLst/>
+    <dgm:txLinClrLst/>
+    <dgm:txFillClrLst meth="repeat">
+      <a:schemeClr val="dk1"/>
+    </dgm:txFillClrLst>
+    <dgm:txEffectClrLst/>
+  </dgm:styleLbl>
+  <dgm:styleLbl name="fgAcc4">
+    <dgm:fillClrLst meth="repeat">
+      <a:schemeClr val="lt1">
+        <a:alpha val="90000"/>
+      </a:schemeClr>
+    </dgm:fillClrLst>
+    <dgm:linClrLst meth="repeat">
+      <a:schemeClr val="accent1"/>
+    </dgm:linClrLst>
+    <dgm:effectClrLst/>
+    <dgm:txLinClrLst/>
+    <dgm:txFillClrLst meth="repeat">
+      <a:schemeClr val="dk1"/>
+    </dgm:txFillClrLst>
+    <dgm:txEffectClrLst/>
+  </dgm:styleLbl>
+  <dgm:styleLbl name="bgShp">
+    <dgm:fillClrLst meth="repeat">
+      <a:schemeClr val="accent1">
+        <a:tint val="40000"/>
+      </a:schemeClr>
+    </dgm:fillClrLst>
+    <dgm:linClrLst meth="repeat">
+      <a:schemeClr val="accent1"/>
+    </dgm:linClrLst>
+    <dgm:effectClrLst/>
+    <dgm:txLinClrLst/>
+    <dgm:txFillClrLst meth="repeat">
+      <a:schemeClr val="dk1"/>
+    </dgm:txFillClrLst>
+    <dgm:txEffectClrLst/>
+  </dgm:styleLbl>
+  <dgm:styleLbl name="dkBgShp">
+    <dgm:fillClrLst meth="repeat">
+      <a:schemeClr val="accent1">
+        <a:shade val="80000"/>
+      </a:schemeClr>
+    </dgm:fillClrLst>
+    <dgm:linClrLst meth="repeat">
+      <a:schemeClr val="accent1"/>
+    </dgm:linClrLst>
+    <dgm:effectClrLst/>
+    <dgm:txLinClrLst/>
+    <dgm:txFillClrLst meth="repeat">
+      <a:schemeClr val="lt1"/>
+    </dgm:txFillClrLst>
+    <dgm:txEffectClrLst/>
+  </dgm:styleLbl>
+  <dgm:styleLbl name="trBgShp">
+    <dgm:fillClrLst meth="repeat">
+      <a:schemeClr val="accent1">
+        <a:tint val="50000"/>
+        <a:alpha val="40000"/>
+      </a:schemeClr>
+    </dgm:fillClrLst>
+    <dgm:linClrLst meth="repeat">
+      <a:schemeClr val="accent1"/>
+    </dgm:linClrLst>
+    <dgm:effectClrLst/>
+    <dgm:txLinClrLst/>
+    <dgm:txFillClrLst meth="repeat">
+      <a:schemeClr val="lt1"/>
+    </dgm:txFillClrLst>
+    <dgm:txEffectClrLst/>
+  </dgm:styleLbl>
+  <dgm:styleLbl name="fgShp">
+    <dgm:fillClrLst meth="repeat">
+      <a:schemeClr val="accent1">
+        <a:tint val="60000"/>
+      </a:schemeClr>
+    </dgm:fillClrLst>
+    <dgm:linClrLst meth="repeat">
+      <a:schemeClr val="lt1"/>
+    </dgm:linClrLst>
+    <dgm:effectClrLst/>
+    <dgm:txLinClrLst/>
+    <dgm:txFillClrLst meth="repeat">
+      <a:schemeClr val="dk1"/>
+    </dgm:txFillClrLst>
+    <dgm:txEffectClrLst/>
+  </dgm:styleLbl>
+  <dgm:styleLbl name="revTx">
+    <dgm:fillClrLst meth="repeat">
+      <a:schemeClr val="lt1">
+        <a:alpha val="0"/>
+      </a:schemeClr>
+    </dgm:fillClrLst>
+    <dgm:linClrLst meth="repeat">
+      <a:schemeClr val="dk1">
+        <a:alpha val="0"/>
+      </a:schemeClr>
+    </dgm:linClrLst>
+    <dgm:effectClrLst/>
+    <dgm:txLinClrLst/>
+    <dgm:txFillClrLst meth="repeat">
+      <a:schemeClr val="tx1"/>
+    </dgm:txFillClrLst>
+    <dgm:txEffectClrLst/>
+  </dgm:styleLbl>
+</dgm:colorsDef>
+</file>
+
+<file path=ppt/diagrams/colors6.xml><?xml version="1.0" encoding="utf-8"?>
+<dgm:colorsDef xmlns:dgm="http://schemas.openxmlformats.org/drawingml/2006/diagram" xmlns:a="http://schemas.openxmlformats.org/drawingml/2006/main" uniqueId="urn:microsoft.com/office/officeart/2005/8/colors/accent1_2">
+  <dgm:title val=""/>
+  <dgm:desc val=""/>
+  <dgm:catLst>
+    <dgm:cat type="accent1" pri="11200"/>
+  </dgm:catLst>
+  <dgm:styleLbl name="node0">
+    <dgm:fillClrLst meth="repeat">
+      <a:schemeClr val="accent1"/>
+    </dgm:fillClrLst>
+    <dgm:linClrLst meth="repeat">
+      <a:schemeClr val="lt1"/>
+    </dgm:linClrLst>
+    <dgm:effectClrLst/>
+    <dgm:txLinClrLst/>
+    <dgm:txFillClrLst/>
+    <dgm:txEffectClrLst/>
+  </dgm:styleLbl>
+  <dgm:styleLbl name="alignNode1">
+    <dgm:fillClrLst meth="repeat">
+      <a:schemeClr val="accent1"/>
+    </dgm:fillClrLst>
+    <dgm:linClrLst meth="repeat">
+      <a:schemeClr val="accent1"/>
+    </dgm:linClrLst>
+    <dgm:effectClrLst/>
+    <dgm:txLinClrLst/>
+    <dgm:txFillClrLst/>
+    <dgm:txEffectClrLst/>
+  </dgm:styleLbl>
+  <dgm:styleLbl name="node1">
+    <dgm:fillClrLst meth="repeat">
+      <a:schemeClr val="accent1"/>
+    </dgm:fillClrLst>
+    <dgm:linClrLst meth="repeat">
+      <a:schemeClr val="lt1"/>
+    </dgm:linClrLst>
+    <dgm:effectClrLst/>
+    <dgm:txLinClrLst/>
+    <dgm:txFillClrLst/>
+    <dgm:txEffectClrLst/>
+  </dgm:styleLbl>
+  <dgm:styleLbl name="lnNode1">
+    <dgm:fillClrLst meth="repeat">
+      <a:schemeClr val="accent1"/>
+    </dgm:fillClrLst>
+    <dgm:linClrLst meth="repeat">
+      <a:schemeClr val="lt1"/>
+    </dgm:linClrLst>
+    <dgm:effectClrLst/>
+    <dgm:txLinClrLst/>
+    <dgm:txFillClrLst/>
+    <dgm:txEffectClrLst/>
+  </dgm:styleLbl>
+  <dgm:styleLbl name="vennNode1">
+    <dgm:fillClrLst meth="repeat">
+      <a:schemeClr val="accent1">
+        <a:alpha val="50000"/>
+      </a:schemeClr>
+    </dgm:fillClrLst>
+    <dgm:linClrLst meth="repeat">
+      <a:schemeClr val="lt1"/>
+    </dgm:linClrLst>
+    <dgm:effectClrLst/>
+    <dgm:txLinClrLst/>
+    <dgm:txFillClrLst/>
+    <dgm:txEffectClrLst/>
+  </dgm:styleLbl>
+  <dgm:styleLbl name="node2">
+    <dgm:fillClrLst meth="repeat">
+      <a:schemeClr val="accent1"/>
+    </dgm:fillClrLst>
+    <dgm:linClrLst meth="repeat">
+      <a:schemeClr val="lt1"/>
+    </dgm:linClrLst>
+    <dgm:effectClrLst/>
+    <dgm:txLinClrLst/>
+    <dgm:txFillClrLst/>
+    <dgm:txEffectClrLst/>
+  </dgm:styleLbl>
+  <dgm:styleLbl name="node3">
+    <dgm:fillClrLst meth="repeat">
+      <a:schemeClr val="accent1"/>
+    </dgm:fillClrLst>
+    <dgm:linClrLst meth="repeat">
+      <a:schemeClr val="lt1"/>
+    </dgm:linClrLst>
+    <dgm:effectClrLst/>
+    <dgm:txLinClrLst/>
+    <dgm:txFillClrLst/>
+    <dgm:txEffectClrLst/>
+  </dgm:styleLbl>
+  <dgm:styleLbl name="node4">
+    <dgm:fillClrLst meth="repeat">
+      <a:schemeClr val="accent1"/>
+    </dgm:fillClrLst>
+    <dgm:linClrLst meth="repeat">
+      <a:schemeClr val="lt1"/>
+    </dgm:linClrLst>
+    <dgm:effectClrLst/>
+    <dgm:txLinClrLst/>
+    <dgm:txFillClrLst/>
+    <dgm:txEffectClrLst/>
+  </dgm:styleLbl>
+  <dgm:styleLbl name="fgImgPlace1">
+    <dgm:fillClrLst meth="repeat">
+      <a:schemeClr val="accent1">
+        <a:tint val="50000"/>
+      </a:schemeClr>
+    </dgm:fillClrLst>
+    <dgm:linClrLst meth="repeat">
+      <a:schemeClr val="lt1"/>
+    </dgm:linClrLst>
+    <dgm:effectClrLst/>
+    <dgm:txLinClrLst/>
+    <dgm:txFillClrLst meth="repeat">
+      <a:schemeClr val="lt1"/>
+    </dgm:txFillClrLst>
+    <dgm:txEffectClrLst/>
+  </dgm:styleLbl>
+  <dgm:styleLbl name="alignImgPlace1">
+    <dgm:fillClrLst meth="repeat">
+      <a:schemeClr val="accent1">
+        <a:tint val="50000"/>
+      </a:schemeClr>
+    </dgm:fillClrLst>
+    <dgm:linClrLst meth="repeat">
+      <a:schemeClr val="lt1"/>
+    </dgm:linClrLst>
+    <dgm:effectClrLst/>
+    <dgm:txLinClrLst/>
+    <dgm:txFillClrLst meth="repeat">
+      <a:schemeClr val="lt1"/>
+    </dgm:txFillClrLst>
+    <dgm:txEffectClrLst/>
+  </dgm:styleLbl>
+  <dgm:styleLbl name="bgImgPlace1">
+    <dgm:fillClrLst meth="repeat">
+      <a:schemeClr val="accent1">
+        <a:tint val="50000"/>
+      </a:schemeClr>
+    </dgm:fillClrLst>
+    <dgm:linClrLst meth="repeat">
+      <a:schemeClr val="lt1"/>
+    </dgm:linClrLst>
+    <dgm:effectClrLst/>
+    <dgm:txLinClrLst/>
+    <dgm:txFillClrLst meth="repeat">
+      <a:schemeClr val="lt1"/>
+    </dgm:txFillClrLst>
+    <dgm:txEffectClrLst/>
+  </dgm:styleLbl>
+  <dgm:styleLbl name="sibTrans2D1">
+    <dgm:fillClrLst meth="repeat">
+      <a:schemeClr val="accent1">
+        <a:tint val="60000"/>
+      </a:schemeClr>
+    </dgm:fillClrLst>
+    <dgm:linClrLst meth="repeat">
+      <a:schemeClr val="accent1">
+        <a:tint val="60000"/>
+      </a:schemeClr>
+    </dgm:linClrLst>
+    <dgm:effectClrLst/>
+    <dgm:txLinClrLst/>
+    <dgm:txFillClrLst/>
+    <dgm:txEffectClrLst/>
+  </dgm:styleLbl>
+  <dgm:styleLbl name="fgSibTrans2D1">
+    <dgm:fillClrLst meth="repeat">
+      <a:schemeClr val="accent1">
+        <a:tint val="60000"/>
+      </a:schemeClr>
+    </dgm:fillClrLst>
+    <dgm:linClrLst meth="repeat">
+      <a:schemeClr val="accent1">
+        <a:tint val="60000"/>
+      </a:schemeClr>
+    </dgm:linClrLst>
+    <dgm:effectClrLst/>
+    <dgm:txLinClrLst/>
+    <dgm:txFillClrLst/>
+    <dgm:txEffectClrLst/>
+  </dgm:styleLbl>
+  <dgm:styleLbl name="bgSibTrans2D1">
+    <dgm:fillClrLst meth="repeat">
+      <a:schemeClr val="accent1">
+        <a:tint val="60000"/>
+      </a:schemeClr>
+    </dgm:fillClrLst>
+    <dgm:linClrLst meth="repeat">
+      <a:schemeClr val="accent1">
+        <a:tint val="60000"/>
+      </a:schemeClr>
+    </dgm:linClrLst>
+    <dgm:effectClrLst/>
+    <dgm:txLinClrLst/>
+    <dgm:txFillClrLst/>
+    <dgm:txEffectClrLst/>
+  </dgm:styleLbl>
+  <dgm:styleLbl name="sibTrans1D1">
+    <dgm:fillClrLst meth="repeat">
+      <a:schemeClr val="accent1"/>
+    </dgm:fillClrLst>
+    <dgm:linClrLst meth="repeat">
+      <a:schemeClr val="accent1"/>
+    </dgm:linClrLst>
+    <dgm:effectClrLst/>
+    <dgm:txLinClrLst/>
+    <dgm:txFillClrLst meth="repeat">
+      <a:schemeClr val="tx1"/>
+    </dgm:txFillClrLst>
+    <dgm:txEffectClrLst/>
+  </dgm:styleLbl>
+  <dgm:styleLbl name="callout">
+    <dgm:fillClrLst meth="repeat">
+      <a:schemeClr val="accent1"/>
+    </dgm:fillClrLst>
+    <dgm:linClrLst meth="repeat">
+      <a:schemeClr val="accent1">
+        <a:tint val="50000"/>
+      </a:schemeClr>
+    </dgm:linClrLst>
+    <dgm:effectClrLst/>
+    <dgm:txLinClrLst/>
+    <dgm:txFillClrLst meth="repeat">
+      <a:schemeClr val="tx1"/>
+    </dgm:txFillClrLst>
+    <dgm:txEffectClrLst/>
+  </dgm:styleLbl>
+  <dgm:styleLbl name="asst0">
+    <dgm:fillClrLst meth="repeat">
+      <a:schemeClr val="accent1"/>
+    </dgm:fillClrLst>
+    <dgm:linClrLst meth="repeat">
+      <a:schemeClr val="lt1"/>
+    </dgm:linClrLst>
+    <dgm:effectClrLst/>
+    <dgm:txLinClrLst/>
+    <dgm:txFillClrLst/>
+    <dgm:txEffectClrLst/>
+  </dgm:styleLbl>
+  <dgm:styleLbl name="asst1">
+    <dgm:fillClrLst meth="repeat">
+      <a:schemeClr val="accent1"/>
+    </dgm:fillClrLst>
+    <dgm:linClrLst meth="repeat">
+      <a:schemeClr val="lt1"/>
+    </dgm:linClrLst>
+    <dgm:effectClrLst/>
+    <dgm:txLinClrLst/>
+    <dgm:txFillClrLst/>
+    <dgm:txEffectClrLst/>
+  </dgm:styleLbl>
+  <dgm:styleLbl name="asst2">
+    <dgm:fillClrLst meth="repeat">
+      <a:schemeClr val="accent1"/>
+    </dgm:fillClrLst>
+    <dgm:linClrLst meth="repeat">
+      <a:schemeClr val="lt1"/>
+    </dgm:linClrLst>
+    <dgm:effectClrLst/>
+    <dgm:txLinClrLst/>
+    <dgm:txFillClrLst/>
+    <dgm:txEffectClrLst/>
+  </dgm:styleLbl>
+  <dgm:styleLbl name="asst3">
+    <dgm:fillClrLst meth="repeat">
+      <a:schemeClr val="accent1"/>
+    </dgm:fillClrLst>
+    <dgm:linClrLst meth="repeat">
+      <a:schemeClr val="lt1"/>
+    </dgm:linClrLst>
+    <dgm:effectClrLst/>
+    <dgm:txLinClrLst/>
+    <dgm:txFillClrLst/>
+    <dgm:txEffectClrLst/>
+  </dgm:styleLbl>
+  <dgm:styleLbl name="asst4">
+    <dgm:fillClrLst meth="repeat">
+      <a:schemeClr val="accent1"/>
+    </dgm:fillClrLst>
+    <dgm:linClrLst meth="repeat">
+      <a:schemeClr val="lt1"/>
+    </dgm:linClrLst>
+    <dgm:effectClrLst/>
+    <dgm:txLinClrLst/>
+    <dgm:txFillClrLst/>
+    <dgm:txEffectClrLst/>
+  </dgm:styleLbl>
+  <dgm:styleLbl name="parChTrans2D1">
+    <dgm:fillClrLst meth="repeat">
+      <a:schemeClr val="accent1">
+        <a:tint val="60000"/>
+      </a:schemeClr>
+    </dgm:fillClrLst>
+    <dgm:linClrLst meth="repeat">
+      <a:schemeClr val="accent1">
+        <a:tint val="60000"/>
+      </a:schemeClr>
+    </dgm:linClrLst>
+    <dgm:effectClrLst/>
+    <dgm:txLinClrLst/>
+    <dgm:txFillClrLst meth="repeat">
+      <a:schemeClr val="lt1"/>
+    </dgm:txFillClrLst>
+    <dgm:txEffectClrLst/>
+  </dgm:styleLbl>
+  <dgm:styleLbl name="parChTrans2D2">
+    <dgm:fillClrLst meth="repeat">
+      <a:schemeClr val="accent1"/>
+    </dgm:fillClrLst>
+    <dgm:linClrLst meth="repeat">
+      <a:schemeClr val="accent1"/>
+    </dgm:linClrLst>
+    <dgm:effectClrLst/>
+    <dgm:txLinClrLst/>
+    <dgm:txFillClrLst meth="repeat">
+      <a:schemeClr val="lt1"/>
+    </dgm:txFillClrLst>
+    <dgm:txEffectClrLst/>
+  </dgm:styleLbl>
+  <dgm:styleLbl name="parChTrans2D3">
+    <dgm:fillClrLst meth="repeat">
+      <a:schemeClr val="accent1"/>
+    </dgm:fillClrLst>
+    <dgm:linClrLst meth="repeat">
+      <a:schemeClr val="accent1"/>
+    </dgm:linClrLst>
+    <dgm:effectClrLst/>
+    <dgm:txLinClrLst/>
+    <dgm:txFillClrLst meth="repeat">
+      <a:schemeClr val="lt1"/>
+    </dgm:txFillClrLst>
+    <dgm:txEffectClrLst/>
+  </dgm:styleLbl>
+  <dgm:styleLbl name="parChTrans2D4">
+    <dgm:fillClrLst meth="repeat">
+      <a:schemeClr val="accent1"/>
+    </dgm:fillClrLst>
+    <dgm:linClrLst meth="repeat">
+      <a:schemeClr val="accent1"/>
+    </dgm:linClrLst>
+    <dgm:effectClrLst/>
+    <dgm:txLinClrLst/>
+    <dgm:txFillClrLst meth="repeat">
+      <a:schemeClr val="lt1"/>
+    </dgm:txFillClrLst>
+    <dgm:txEffectClrLst/>
+  </dgm:styleLbl>
+  <dgm:styleLbl name="parChTrans1D1">
+    <dgm:fillClrLst meth="repeat">
+      <a:schemeClr val="accent1"/>
+    </dgm:fillClrLst>
+    <dgm:linClrLst meth="repeat">
+      <a:schemeClr val="accent1">
+        <a:shade val="60000"/>
+      </a:schemeClr>
+    </dgm:linClrLst>
+    <dgm:effectClrLst/>
+    <dgm:txLinClrLst/>
+    <dgm:txFillClrLst meth="repeat">
+      <a:schemeClr val="tx1"/>
+    </dgm:txFillClrLst>
+    <dgm:txEffectClrLst/>
+  </dgm:styleLbl>
+  <dgm:styleLbl name="parChTrans1D2">
+    <dgm:fillClrLst meth="repeat">
+      <a:schemeClr val="accent1"/>
+    </dgm:fillClrLst>
+    <dgm:linClrLst meth="repeat">
+      <a:schemeClr val="accent1">
+        <a:shade val="60000"/>
+      </a:schemeClr>
+    </dgm:linClrLst>
+    <dgm:effectClrLst/>
+    <dgm:txLinClrLst/>
+    <dgm:txFillClrLst meth="repeat">
+      <a:schemeClr val="tx1"/>
+    </dgm:txFillClrLst>
+    <dgm:txEffectClrLst/>
+  </dgm:styleLbl>
+  <dgm:styleLbl name="parChTrans1D3">
+    <dgm:fillClrLst meth="repeat">
+      <a:schemeClr val="accent1"/>
+    </dgm:fillClrLst>
+    <dgm:linClrLst meth="repeat">
+      <a:schemeClr val="accent1">
+        <a:shade val="80000"/>
+      </a:schemeClr>
+    </dgm:linClrLst>
+    <dgm:effectClrLst/>
+    <dgm:txLinClrLst/>
+    <dgm:txFillClrLst meth="repeat">
+      <a:schemeClr val="tx1"/>
+    </dgm:txFillClrLst>
+    <dgm:txEffectClrLst/>
+  </dgm:styleLbl>
+  <dgm:styleLbl name="parChTrans1D4">
+    <dgm:fillClrLst meth="repeat">
+      <a:schemeClr val="accent1"/>
+    </dgm:fillClrLst>
+    <dgm:linClrLst meth="repeat">
+      <a:schemeClr val="accent1">
+        <a:shade val="80000"/>
+      </a:schemeClr>
+    </dgm:linClrLst>
+    <dgm:effectClrLst/>
+    <dgm:txLinClrLst/>
+    <dgm:txFillClrLst meth="repeat">
+      <a:schemeClr val="tx1"/>
+    </dgm:txFillClrLst>
+    <dgm:txEffectClrLst/>
+  </dgm:styleLbl>
+  <dgm:styleLbl name="fgAcc1">
+    <dgm:fillClrLst meth="repeat">
+      <a:schemeClr val="lt1">
+        <a:alpha val="90000"/>
+      </a:schemeClr>
+    </dgm:fillClrLst>
+    <dgm:linClrLst meth="repeat">
+      <a:schemeClr val="accent1"/>
+    </dgm:linClrLst>
+    <dgm:effectClrLst/>
+    <dgm:txLinClrLst/>
+    <dgm:txFillClrLst meth="repeat">
+      <a:schemeClr val="dk1"/>
+    </dgm:txFillClrLst>
+    <dgm:txEffectClrLst/>
+  </dgm:styleLbl>
+  <dgm:styleLbl name="conFgAcc1">
+    <dgm:fillClrLst meth="repeat">
+      <a:schemeClr val="lt1">
+        <a:alpha val="90000"/>
+      </a:schemeClr>
+    </dgm:fillClrLst>
+    <dgm:linClrLst meth="repeat">
+      <a:schemeClr val="accent1"/>
+    </dgm:linClrLst>
+    <dgm:effectClrLst/>
+    <dgm:txLinClrLst/>
+    <dgm:txFillClrLst meth="repeat">
+      <a:schemeClr val="dk1"/>
+    </dgm:txFillClrLst>
+    <dgm:txEffectClrLst/>
+  </dgm:styleLbl>
+  <dgm:styleLbl name="alignAcc1">
+    <dgm:fillClrLst meth="repeat">
+      <a:schemeClr val="lt1">
+        <a:alpha val="90000"/>
+      </a:schemeClr>
+    </dgm:fillClrLst>
+    <dgm:linClrLst meth="repeat">
+      <a:schemeClr val="accent1"/>
+    </dgm:linClrLst>
+    <dgm:effectClrLst/>
+    <dgm:txLinClrLst/>
+    <dgm:txFillClrLst meth="repeat">
+      <a:schemeClr val="dk1"/>
+    </dgm:txFillClrLst>
+    <dgm:txEffectClrLst/>
+  </dgm:styleLbl>
+  <dgm:styleLbl name="trAlignAcc1">
+    <dgm:fillClrLst meth="repeat">
+      <a:schemeClr val="lt1">
+        <a:alpha val="40000"/>
+      </a:schemeClr>
+    </dgm:fillClrLst>
+    <dgm:linClrLst meth="repeat">
+      <a:schemeClr val="accent1"/>
+    </dgm:linClrLst>
+    <dgm:effectClrLst/>
+    <dgm:txLinClrLst/>
+    <dgm:txFillClrLst meth="repeat">
+      <a:schemeClr val="dk1"/>
+    </dgm:txFillClrLst>
+    <dgm:txEffectClrLst/>
+  </dgm:styleLbl>
+  <dgm:styleLbl name="bgAcc1">
+    <dgm:fillClrLst meth="repeat">
+      <a:schemeClr val="lt1">
+        <a:alpha val="90000"/>
+      </a:schemeClr>
+    </dgm:fillClrLst>
+    <dgm:linClrLst meth="repeat">
+      <a:schemeClr val="accent1"/>
+    </dgm:linClrLst>
+    <dgm:effectClrLst/>
+    <dgm:txLinClrLst/>
+    <dgm:txFillClrLst meth="repeat">
+      <a:schemeClr val="dk1"/>
+    </dgm:txFillClrLst>
+    <dgm:txEffectClrLst/>
+  </dgm:styleLbl>
+  <dgm:styleLbl name="solidFgAcc1">
+    <dgm:fillClrLst meth="repeat">
+      <a:schemeClr val="lt1"/>
+    </dgm:fillClrLst>
+    <dgm:linClrLst meth="repeat">
+      <a:schemeClr val="accent1"/>
+    </dgm:linClrLst>
+    <dgm:effectClrLst/>
+    <dgm:txLinClrLst/>
+    <dgm:txFillClrLst meth="repeat">
+      <a:schemeClr val="dk1"/>
+    </dgm:txFillClrLst>
+    <dgm:txEffectClrLst/>
+  </dgm:styleLbl>
+  <dgm:styleLbl name="solidAlignAcc1">
+    <dgm:fillClrLst meth="repeat">
+      <a:schemeClr val="lt1"/>
+    </dgm:fillClrLst>
+    <dgm:linClrLst meth="repeat">
+      <a:schemeClr val="accent1"/>
+    </dgm:linClrLst>
+    <dgm:effectClrLst/>
+    <dgm:txLinClrLst/>
+    <dgm:txFillClrLst meth="repeat">
+      <a:schemeClr val="dk1"/>
+    </dgm:txFillClrLst>
+    <dgm:txEffectClrLst/>
+  </dgm:styleLbl>
+  <dgm:styleLbl name="solidBgAcc1">
+    <dgm:fillClrLst meth="repeat">
+      <a:schemeClr val="lt1"/>
+    </dgm:fillClrLst>
+    <dgm:linClrLst meth="repeat">
+      <a:schemeClr val="accent1"/>
+    </dgm:linClrLst>
+    <dgm:effectClrLst/>
+    <dgm:txLinClrLst/>
+    <dgm:txFillClrLst meth="repeat">
+      <a:schemeClr val="dk1"/>
+    </dgm:txFillClrLst>
+    <dgm:txEffectClrLst/>
+  </dgm:styleLbl>
+  <dgm:styleLbl name="fgAccFollowNode1">
+    <dgm:fillClrLst meth="repeat">
+      <a:schemeClr val="accent1">
+        <a:alpha val="90000"/>
+        <a:tint val="40000"/>
+      </a:schemeClr>
+    </dgm:fillClrLst>
+    <dgm:linClrLst meth="repeat">
+      <a:schemeClr val="accent1">
+        <a:alpha val="90000"/>
+        <a:tint val="40000"/>
+      </a:schemeClr>
+    </dgm:linClrLst>
+    <dgm:effectClrLst/>
+    <dgm:txLinClrLst/>
+    <dgm:txFillClrLst meth="repeat">
+      <a:schemeClr val="dk1"/>
+    </dgm:txFillClrLst>
+    <dgm:txEffectClrLst/>
+  </dgm:styleLbl>
+  <dgm:styleLbl name="alignAccFollowNode1">
+    <dgm:fillClrLst meth="repeat">
+      <a:schemeClr val="accent1">
+        <a:alpha val="90000"/>
+        <a:tint val="40000"/>
+      </a:schemeClr>
+    </dgm:fillClrLst>
+    <dgm:linClrLst meth="repeat">
+      <a:schemeClr val="accent1">
+        <a:alpha val="90000"/>
+        <a:tint val="40000"/>
+      </a:schemeClr>
+    </dgm:linClrLst>
+    <dgm:effectClrLst/>
+    <dgm:txLinClrLst/>
+    <dgm:txFillClrLst meth="repeat">
+      <a:schemeClr val="dk1"/>
+    </dgm:txFillClrLst>
+    <dgm:txEffectClrLst/>
+  </dgm:styleLbl>
+  <dgm:styleLbl name="bgAccFollowNode1">
+    <dgm:fillClrLst meth="repeat">
+      <a:schemeClr val="accent1">
+        <a:alpha val="90000"/>
+        <a:tint val="40000"/>
+      </a:schemeClr>
+    </dgm:fillClrLst>
+    <dgm:linClrLst meth="repeat">
+      <a:schemeClr val="accent1">
+        <a:alpha val="90000"/>
+        <a:tint val="40000"/>
+      </a:schemeClr>
+    </dgm:linClrLst>
+    <dgm:effectClrLst/>
+    <dgm:txLinClrLst/>
+    <dgm:txFillClrLst meth="repeat">
+      <a:schemeClr val="dk1"/>
+    </dgm:txFillClrLst>
+    <dgm:txEffectClrLst/>
+  </dgm:styleLbl>
+  <dgm:styleLbl name="fgAcc0">
+    <dgm:fillClrLst meth="repeat">
+      <a:schemeClr val="lt1">
+        <a:alpha val="90000"/>
+      </a:schemeClr>
+    </dgm:fillClrLst>
+    <dgm:linClrLst meth="repeat">
+      <a:schemeClr val="accent1"/>
+    </dgm:linClrLst>
+    <dgm:effectClrLst/>
+    <dgm:txLinClrLst/>
+    <dgm:txFillClrLst meth="repeat">
+      <a:schemeClr val="dk1"/>
+    </dgm:txFillClrLst>
+    <dgm:txEffectClrLst/>
+  </dgm:styleLbl>
+  <dgm:styleLbl name="fgAcc2">
+    <dgm:fillClrLst meth="repeat">
+      <a:schemeClr val="lt1">
+        <a:alpha val="90000"/>
+      </a:schemeClr>
+    </dgm:fillClrLst>
+    <dgm:linClrLst meth="repeat">
+      <a:schemeClr val="accent1"/>
+    </dgm:linClrLst>
+    <dgm:effectClrLst/>
+    <dgm:txLinClrLst/>
+    <dgm:txFillClrLst meth="repeat">
+      <a:schemeClr val="dk1"/>
+    </dgm:txFillClrLst>
+    <dgm:txEffectClrLst/>
+  </dgm:styleLbl>
+  <dgm:styleLbl name="fgAcc3">
+    <dgm:fillClrLst meth="repeat">
+      <a:schemeClr val="lt1">
+        <a:alpha val="90000"/>
+      </a:schemeClr>
+    </dgm:fillClrLst>
+    <dgm:linClrLst meth="repeat">
+      <a:schemeClr val="accent1"/>
+    </dgm:linClrLst>
+    <dgm:effectClrLst/>
+    <dgm:txLinClrLst/>
+    <dgm:txFillClrLst meth="repeat">
+      <a:schemeClr val="dk1"/>
+    </dgm:txFillClrLst>
+    <dgm:txEffectClrLst/>
+  </dgm:styleLbl>
+  <dgm:styleLbl name="fgAcc4">
+    <dgm:fillClrLst meth="repeat">
+      <a:schemeClr val="lt1">
+        <a:alpha val="90000"/>
+      </a:schemeClr>
+    </dgm:fillClrLst>
+    <dgm:linClrLst meth="repeat">
+      <a:schemeClr val="accent1"/>
+    </dgm:linClrLst>
+    <dgm:effectClrLst/>
+    <dgm:txLinClrLst/>
+    <dgm:txFillClrLst meth="repeat">
+      <a:schemeClr val="dk1"/>
+    </dgm:txFillClrLst>
+    <dgm:txEffectClrLst/>
+  </dgm:styleLbl>
+  <dgm:styleLbl name="bgShp">
+    <dgm:fillClrLst meth="repeat">
+      <a:schemeClr val="accent1">
+        <a:tint val="40000"/>
+      </a:schemeClr>
+    </dgm:fillClrLst>
+    <dgm:linClrLst meth="repeat">
+      <a:schemeClr val="accent1"/>
+    </dgm:linClrLst>
+    <dgm:effectClrLst/>
+    <dgm:txLinClrLst/>
+    <dgm:txFillClrLst meth="repeat">
+      <a:schemeClr val="dk1"/>
+    </dgm:txFillClrLst>
+    <dgm:txEffectClrLst/>
+  </dgm:styleLbl>
+  <dgm:styleLbl name="dkBgShp">
+    <dgm:fillClrLst meth="repeat">
+      <a:schemeClr val="accent1">
+        <a:shade val="80000"/>
+      </a:schemeClr>
+    </dgm:fillClrLst>
+    <dgm:linClrLst meth="repeat">
+      <a:schemeClr val="accent1"/>
+    </dgm:linClrLst>
+    <dgm:effectClrLst/>
+    <dgm:txLinClrLst/>
+    <dgm:txFillClrLst meth="repeat">
+      <a:schemeClr val="lt1"/>
+    </dgm:txFillClrLst>
+    <dgm:txEffectClrLst/>
+  </dgm:styleLbl>
+  <dgm:styleLbl name="trBgShp">
+    <dgm:fillClrLst meth="repeat">
+      <a:schemeClr val="accent1">
+        <a:tint val="50000"/>
+        <a:alpha val="40000"/>
+      </a:schemeClr>
+    </dgm:fillClrLst>
+    <dgm:linClrLst meth="repeat">
+      <a:schemeClr val="accent1"/>
+    </dgm:linClrLst>
+    <dgm:effectClrLst/>
+    <dgm:txLinClrLst/>
+    <dgm:txFillClrLst meth="repeat">
+      <a:schemeClr val="lt1"/>
+    </dgm:txFillClrLst>
+    <dgm:txEffectClrLst/>
+  </dgm:styleLbl>
+  <dgm:styleLbl name="fgShp">
+    <dgm:fillClrLst meth="repeat">
+      <a:schemeClr val="accent1">
+        <a:tint val="60000"/>
+      </a:schemeClr>
+    </dgm:fillClrLst>
+    <dgm:linClrLst meth="repeat">
+      <a:schemeClr val="lt1"/>
+    </dgm:linClrLst>
+    <dgm:effectClrLst/>
+    <dgm:txLinClrLst/>
+    <dgm:txFillClrLst meth="repeat">
+      <a:schemeClr val="dk1"/>
+    </dgm:txFillClrLst>
+    <dgm:txEffectClrLst/>
+  </dgm:styleLbl>
+  <dgm:styleLbl name="revTx">
+    <dgm:fillClrLst meth="repeat">
+      <a:schemeClr val="lt1">
+        <a:alpha val="0"/>
+      </a:schemeClr>
+    </dgm:fillClrLst>
+    <dgm:linClrLst meth="repeat">
+      <a:schemeClr val="dk1">
+        <a:alpha val="0"/>
+      </a:schemeClr>
+    </dgm:linClrLst>
+    <dgm:effectClrLst/>
+    <dgm:txLinClrLst/>
+    <dgm:txFillClrLst meth="repeat">
+      <a:schemeClr val="tx1"/>
+    </dgm:txFillClrLst>
+    <dgm:txEffectClrLst/>
+  </dgm:styleLbl>
+</dgm:colorsDef>
+</file>
+
+<file path=ppt/diagrams/colors7.xml><?xml version="1.0" encoding="utf-8"?>
 <dgm:colorsDef xmlns:dgm="http://schemas.openxmlformats.org/drawingml/2006/diagram" xmlns:a="http://schemas.openxmlformats.org/drawingml/2006/main" uniqueId="urn:microsoft.com/office/officeart/2005/8/colors/accent1_2">
   <dgm:title val=""/>
   <dgm:desc val=""/>
@@ -5558,6 +7050,713 @@
     <dgm:cxn modelId="{6F904E59-97E6-47C1-86C1-2A4AAB8DDC8C}" type="presParOf" srcId="{79CF2A67-4326-416D-BE41-D0FE0EB9C5D0}" destId="{8E9D926B-ED3C-40FA-9DFF-C91923AD4676}" srcOrd="1" destOrd="0" presId="urn:diagrams.loki3.com/BracketList"/>
     <dgm:cxn modelId="{5570270A-493B-4CC6-9037-D51D76833917}" type="presParOf" srcId="{79CF2A67-4326-416D-BE41-D0FE0EB9C5D0}" destId="{4248875D-2EA4-46E6-B8F0-2648AA155FC9}" srcOrd="2" destOrd="0" presId="urn:diagrams.loki3.com/BracketList"/>
     <dgm:cxn modelId="{37130C71-08B2-4267-8302-B150AFFF58BA}" type="presParOf" srcId="{79CF2A67-4326-416D-BE41-D0FE0EB9C5D0}" destId="{F1128F16-5045-434E-B762-284AAFEF5730}" srcOrd="3" destOrd="0" presId="urn:diagrams.loki3.com/BracketList"/>
+  </dgm:cxnLst>
+  <dgm:bg/>
+  <dgm:whole/>
+  <dgm:extLst>
+    <a:ext uri="http://schemas.microsoft.com/office/drawing/2008/diagram">
+      <dsp:dataModelExt xmlns:dsp="http://schemas.microsoft.com/office/drawing/2008/diagram" relId="rId6" minVer="http://schemas.openxmlformats.org/drawingml/2006/diagram"/>
+    </a:ext>
+  </dgm:extLst>
+</dgm:dataModel>
+</file>
+
+<file path=ppt/diagrams/data6.xml><?xml version="1.0" encoding="utf-8"?>
+<dgm:dataModel xmlns:dgm="http://schemas.openxmlformats.org/drawingml/2006/diagram" xmlns:a="http://schemas.openxmlformats.org/drawingml/2006/main">
+  <dgm:ptLst>
+    <dgm:pt modelId="{F6FBC516-3024-4A3A-90F3-B1B4E35705BE}" type="doc">
+      <dgm:prSet loTypeId="urn:microsoft.com/office/officeart/2005/8/layout/vList2" loCatId="list" qsTypeId="urn:microsoft.com/office/officeart/2005/8/quickstyle/simple1" qsCatId="simple" csTypeId="urn:microsoft.com/office/officeart/2005/8/colors/accent1_2" csCatId="accent1" phldr="1"/>
+      <dgm:spPr/>
+      <dgm:t>
+        <a:bodyPr/>
+        <a:lstStyle/>
+        <a:p>
+          <a:endParaRPr lang="en-US"/>
+        </a:p>
+      </dgm:t>
+    </dgm:pt>
+    <dgm:pt modelId="{72BC8647-DD62-4FAB-B0F8-46A96A9F1391}">
+      <dgm:prSet phldrT="[Text]"/>
+      <dgm:spPr/>
+      <dgm:t>
+        <a:bodyPr/>
+        <a:lstStyle/>
+        <a:p>
+          <a:r>
+            <a:rPr lang="en-US" dirty="0" smtClean="0"/>
+            <a:t>VECTOR.MUTATION</a:t>
+          </a:r>
+          <a:endParaRPr lang="en-US" dirty="0"/>
+        </a:p>
+      </dgm:t>
+    </dgm:pt>
+    <dgm:pt modelId="{72251C2D-8C2F-4334-97B8-86F4C538EAC3}" type="parTrans" cxnId="{93B490E6-0977-4FAA-9CDC-633EEA3F78D1}">
+      <dgm:prSet/>
+      <dgm:spPr/>
+      <dgm:t>
+        <a:bodyPr/>
+        <a:lstStyle/>
+        <a:p>
+          <a:endParaRPr lang="en-US"/>
+        </a:p>
+      </dgm:t>
+    </dgm:pt>
+    <dgm:pt modelId="{8D813638-8576-49E4-B03E-128AEC920EB5}" type="sibTrans" cxnId="{93B490E6-0977-4FAA-9CDC-633EEA3F78D1}">
+      <dgm:prSet/>
+      <dgm:spPr/>
+      <dgm:t>
+        <a:bodyPr/>
+        <a:lstStyle/>
+        <a:p>
+          <a:endParaRPr lang="en-US"/>
+        </a:p>
+      </dgm:t>
+    </dgm:pt>
+    <dgm:pt modelId="{2153685B-4FA0-490C-8771-027D12E44CE4}">
+      <dgm:prSet phldrT="[Text]"/>
+      <dgm:spPr/>
+      <dgm:t>
+        <a:bodyPr/>
+        <a:lstStyle/>
+        <a:p>
+          <a:r>
+            <a:rPr lang="en-US" dirty="0" smtClean="0"/>
+            <a:t>Change the coefficient of a given attribute by some small amount</a:t>
+          </a:r>
+          <a:endParaRPr lang="en-US" dirty="0"/>
+        </a:p>
+      </dgm:t>
+    </dgm:pt>
+    <dgm:pt modelId="{637CAA1D-9ECE-45F5-8514-BCFDBD4DEB6A}" type="parTrans" cxnId="{275C477E-A56A-4068-A10A-3ADBE5A69EB7}">
+      <dgm:prSet/>
+      <dgm:spPr/>
+      <dgm:t>
+        <a:bodyPr/>
+        <a:lstStyle/>
+        <a:p>
+          <a:endParaRPr lang="en-US"/>
+        </a:p>
+      </dgm:t>
+    </dgm:pt>
+    <dgm:pt modelId="{03A3E634-C78F-47E6-9F46-3DDF14BC652D}" type="sibTrans" cxnId="{275C477E-A56A-4068-A10A-3ADBE5A69EB7}">
+      <dgm:prSet/>
+      <dgm:spPr/>
+      <dgm:t>
+        <a:bodyPr/>
+        <a:lstStyle/>
+        <a:p>
+          <a:endParaRPr lang="en-US"/>
+        </a:p>
+      </dgm:t>
+    </dgm:pt>
+    <dgm:pt modelId="{99D3DB37-D869-48C7-958E-F75345F88BAE}">
+      <dgm:prSet phldrT="[Text]"/>
+      <dgm:spPr/>
+      <dgm:t>
+        <a:bodyPr/>
+        <a:lstStyle/>
+        <a:p>
+          <a:r>
+            <a:rPr lang="en-US" dirty="0" smtClean="0"/>
+            <a:t>VECTOR.CROSS_OVER</a:t>
+          </a:r>
+          <a:endParaRPr lang="en-US" dirty="0"/>
+        </a:p>
+      </dgm:t>
+    </dgm:pt>
+    <dgm:pt modelId="{DDB95B7A-416E-45AD-AF7F-0CD35F9A3DB3}" type="parTrans" cxnId="{9FB386C6-827A-4B33-AF00-80B3545CFE43}">
+      <dgm:prSet/>
+      <dgm:spPr/>
+      <dgm:t>
+        <a:bodyPr/>
+        <a:lstStyle/>
+        <a:p>
+          <a:endParaRPr lang="en-US"/>
+        </a:p>
+      </dgm:t>
+    </dgm:pt>
+    <dgm:pt modelId="{9D5C9501-400D-4CDB-8935-EF27875748E8}" type="sibTrans" cxnId="{9FB386C6-827A-4B33-AF00-80B3545CFE43}">
+      <dgm:prSet/>
+      <dgm:spPr/>
+      <dgm:t>
+        <a:bodyPr/>
+        <a:lstStyle/>
+        <a:p>
+          <a:endParaRPr lang="en-US"/>
+        </a:p>
+      </dgm:t>
+    </dgm:pt>
+    <dgm:pt modelId="{023F8C9B-0B3C-4DA7-8B1C-1D322A245669}">
+      <dgm:prSet phldrT="[Text]"/>
+      <dgm:spPr/>
+      <dgm:t>
+        <a:bodyPr/>
+        <a:lstStyle/>
+        <a:p>
+          <a:r>
+            <a:rPr lang="en-US" dirty="0" smtClean="0"/>
+            <a:t>Find the average of a coefficient given a shared modifier</a:t>
+          </a:r>
+          <a:endParaRPr lang="en-US" dirty="0"/>
+        </a:p>
+      </dgm:t>
+    </dgm:pt>
+    <dgm:pt modelId="{37101F50-7151-4C92-8EE5-3D1F5D400181}" type="parTrans" cxnId="{7A9E09A9-829D-4DF9-AC15-F8A120939A24}">
+      <dgm:prSet/>
+      <dgm:spPr/>
+      <dgm:t>
+        <a:bodyPr/>
+        <a:lstStyle/>
+        <a:p>
+          <a:endParaRPr lang="en-US"/>
+        </a:p>
+      </dgm:t>
+    </dgm:pt>
+    <dgm:pt modelId="{91707080-576E-4ACF-88D9-156C2E75AC49}" type="sibTrans" cxnId="{7A9E09A9-829D-4DF9-AC15-F8A120939A24}">
+      <dgm:prSet/>
+      <dgm:spPr/>
+      <dgm:t>
+        <a:bodyPr/>
+        <a:lstStyle/>
+        <a:p>
+          <a:endParaRPr lang="en-US"/>
+        </a:p>
+      </dgm:t>
+    </dgm:pt>
+    <dgm:pt modelId="{FF4947F8-9D2A-4818-9603-1386B04C542F}">
+      <dgm:prSet/>
+      <dgm:spPr/>
+      <dgm:t>
+        <a:bodyPr/>
+        <a:lstStyle/>
+        <a:p>
+          <a:r>
+            <a:rPr lang="en-US" dirty="0" smtClean="0"/>
+            <a:t>Allows for finer tuning and changes</a:t>
+          </a:r>
+        </a:p>
+      </dgm:t>
+    </dgm:pt>
+    <dgm:pt modelId="{62F5B30F-12E1-4DAD-BFD4-C74249273CB6}" type="parTrans" cxnId="{6BC811DA-9F92-4830-9E08-3EAAE71DC6C1}">
+      <dgm:prSet/>
+      <dgm:spPr/>
+      <dgm:t>
+        <a:bodyPr/>
+        <a:lstStyle/>
+        <a:p>
+          <a:endParaRPr lang="en-US"/>
+        </a:p>
+      </dgm:t>
+    </dgm:pt>
+    <dgm:pt modelId="{A065254C-FF79-4922-80E9-8512237F1158}" type="sibTrans" cxnId="{6BC811DA-9F92-4830-9E08-3EAAE71DC6C1}">
+      <dgm:prSet/>
+      <dgm:spPr/>
+      <dgm:t>
+        <a:bodyPr/>
+        <a:lstStyle/>
+        <a:p>
+          <a:endParaRPr lang="en-US"/>
+        </a:p>
+      </dgm:t>
+    </dgm:pt>
+    <dgm:pt modelId="{9E48DA92-F7C9-476A-8199-C1264B0770B0}" type="pres">
+      <dgm:prSet presAssocID="{F6FBC516-3024-4A3A-90F3-B1B4E35705BE}" presName="linear" presStyleCnt="0">
+        <dgm:presLayoutVars>
+          <dgm:animLvl val="lvl"/>
+          <dgm:resizeHandles val="exact"/>
+        </dgm:presLayoutVars>
+      </dgm:prSet>
+      <dgm:spPr/>
+      <dgm:t>
+        <a:bodyPr/>
+        <a:lstStyle/>
+        <a:p>
+          <a:endParaRPr lang="en-US"/>
+        </a:p>
+      </dgm:t>
+    </dgm:pt>
+    <dgm:pt modelId="{42A06E62-ECAB-4437-AEB3-4A4E65CA14A3}" type="pres">
+      <dgm:prSet presAssocID="{72BC8647-DD62-4FAB-B0F8-46A96A9F1391}" presName="parentText" presStyleLbl="node1" presStyleIdx="0" presStyleCnt="2">
+        <dgm:presLayoutVars>
+          <dgm:chMax val="0"/>
+          <dgm:bulletEnabled val="1"/>
+        </dgm:presLayoutVars>
+      </dgm:prSet>
+      <dgm:spPr/>
+      <dgm:t>
+        <a:bodyPr/>
+        <a:lstStyle/>
+        <a:p>
+          <a:endParaRPr lang="en-US"/>
+        </a:p>
+      </dgm:t>
+    </dgm:pt>
+    <dgm:pt modelId="{89AF1101-C155-4C72-8F3E-0B4A7B231CFA}" type="pres">
+      <dgm:prSet presAssocID="{72BC8647-DD62-4FAB-B0F8-46A96A9F1391}" presName="childText" presStyleLbl="revTx" presStyleIdx="0" presStyleCnt="2">
+        <dgm:presLayoutVars>
+          <dgm:bulletEnabled val="1"/>
+        </dgm:presLayoutVars>
+      </dgm:prSet>
+      <dgm:spPr/>
+      <dgm:t>
+        <a:bodyPr/>
+        <a:lstStyle/>
+        <a:p>
+          <a:endParaRPr lang="en-US"/>
+        </a:p>
+      </dgm:t>
+    </dgm:pt>
+    <dgm:pt modelId="{5A9A0F5B-CDD7-435F-876C-695E29093293}" type="pres">
+      <dgm:prSet presAssocID="{99D3DB37-D869-48C7-958E-F75345F88BAE}" presName="parentText" presStyleLbl="node1" presStyleIdx="1" presStyleCnt="2">
+        <dgm:presLayoutVars>
+          <dgm:chMax val="0"/>
+          <dgm:bulletEnabled val="1"/>
+        </dgm:presLayoutVars>
+      </dgm:prSet>
+      <dgm:spPr/>
+      <dgm:t>
+        <a:bodyPr/>
+        <a:lstStyle/>
+        <a:p>
+          <a:endParaRPr lang="en-US"/>
+        </a:p>
+      </dgm:t>
+    </dgm:pt>
+    <dgm:pt modelId="{31039EFF-E573-415F-B91A-1B6232FF36DA}" type="pres">
+      <dgm:prSet presAssocID="{99D3DB37-D869-48C7-958E-F75345F88BAE}" presName="childText" presStyleLbl="revTx" presStyleIdx="1" presStyleCnt="2">
+        <dgm:presLayoutVars>
+          <dgm:bulletEnabled val="1"/>
+        </dgm:presLayoutVars>
+      </dgm:prSet>
+      <dgm:spPr/>
+      <dgm:t>
+        <a:bodyPr/>
+        <a:lstStyle/>
+        <a:p>
+          <a:endParaRPr lang="en-US"/>
+        </a:p>
+      </dgm:t>
+    </dgm:pt>
+  </dgm:ptLst>
+  <dgm:cxnLst>
+    <dgm:cxn modelId="{D983C9CD-8CBB-4F29-9AE2-1A2B8E8AC4B0}" type="presOf" srcId="{F6FBC516-3024-4A3A-90F3-B1B4E35705BE}" destId="{9E48DA92-F7C9-476A-8199-C1264B0770B0}" srcOrd="0" destOrd="0" presId="urn:microsoft.com/office/officeart/2005/8/layout/vList2"/>
+    <dgm:cxn modelId="{325F3E0D-8F60-4027-81B7-ACB221769B86}" type="presOf" srcId="{2153685B-4FA0-490C-8771-027D12E44CE4}" destId="{89AF1101-C155-4C72-8F3E-0B4A7B231CFA}" srcOrd="0" destOrd="0" presId="urn:microsoft.com/office/officeart/2005/8/layout/vList2"/>
+    <dgm:cxn modelId="{08D6760F-6093-4A44-B7B6-79F682E7F730}" type="presOf" srcId="{023F8C9B-0B3C-4DA7-8B1C-1D322A245669}" destId="{31039EFF-E573-415F-B91A-1B6232FF36DA}" srcOrd="0" destOrd="0" presId="urn:microsoft.com/office/officeart/2005/8/layout/vList2"/>
+    <dgm:cxn modelId="{275C477E-A56A-4068-A10A-3ADBE5A69EB7}" srcId="{72BC8647-DD62-4FAB-B0F8-46A96A9F1391}" destId="{2153685B-4FA0-490C-8771-027D12E44CE4}" srcOrd="0" destOrd="0" parTransId="{637CAA1D-9ECE-45F5-8514-BCFDBD4DEB6A}" sibTransId="{03A3E634-C78F-47E6-9F46-3DDF14BC652D}"/>
+    <dgm:cxn modelId="{2A4A6B21-FFAE-4032-BD01-B6205C876F48}" type="presOf" srcId="{99D3DB37-D869-48C7-958E-F75345F88BAE}" destId="{5A9A0F5B-CDD7-435F-876C-695E29093293}" srcOrd="0" destOrd="0" presId="urn:microsoft.com/office/officeart/2005/8/layout/vList2"/>
+    <dgm:cxn modelId="{7A9E09A9-829D-4DF9-AC15-F8A120939A24}" srcId="{99D3DB37-D869-48C7-958E-F75345F88BAE}" destId="{023F8C9B-0B3C-4DA7-8B1C-1D322A245669}" srcOrd="0" destOrd="0" parTransId="{37101F50-7151-4C92-8EE5-3D1F5D400181}" sibTransId="{91707080-576E-4ACF-88D9-156C2E75AC49}"/>
+    <dgm:cxn modelId="{93B490E6-0977-4FAA-9CDC-633EEA3F78D1}" srcId="{F6FBC516-3024-4A3A-90F3-B1B4E35705BE}" destId="{72BC8647-DD62-4FAB-B0F8-46A96A9F1391}" srcOrd="0" destOrd="0" parTransId="{72251C2D-8C2F-4334-97B8-86F4C538EAC3}" sibTransId="{8D813638-8576-49E4-B03E-128AEC920EB5}"/>
+    <dgm:cxn modelId="{9FB386C6-827A-4B33-AF00-80B3545CFE43}" srcId="{F6FBC516-3024-4A3A-90F3-B1B4E35705BE}" destId="{99D3DB37-D869-48C7-958E-F75345F88BAE}" srcOrd="1" destOrd="0" parTransId="{DDB95B7A-416E-45AD-AF7F-0CD35F9A3DB3}" sibTransId="{9D5C9501-400D-4CDB-8935-EF27875748E8}"/>
+    <dgm:cxn modelId="{AFAA4C4B-9C4D-464A-9F94-F9017A9B8A6E}" type="presOf" srcId="{FF4947F8-9D2A-4818-9603-1386B04C542F}" destId="{89AF1101-C155-4C72-8F3E-0B4A7B231CFA}" srcOrd="0" destOrd="1" presId="urn:microsoft.com/office/officeart/2005/8/layout/vList2"/>
+    <dgm:cxn modelId="{6BC811DA-9F92-4830-9E08-3EAAE71DC6C1}" srcId="{72BC8647-DD62-4FAB-B0F8-46A96A9F1391}" destId="{FF4947F8-9D2A-4818-9603-1386B04C542F}" srcOrd="1" destOrd="0" parTransId="{62F5B30F-12E1-4DAD-BFD4-C74249273CB6}" sibTransId="{A065254C-FF79-4922-80E9-8512237F1158}"/>
+    <dgm:cxn modelId="{5D698028-8736-4D1F-A30A-442C617A29A3}" type="presOf" srcId="{72BC8647-DD62-4FAB-B0F8-46A96A9F1391}" destId="{42A06E62-ECAB-4437-AEB3-4A4E65CA14A3}" srcOrd="0" destOrd="0" presId="urn:microsoft.com/office/officeart/2005/8/layout/vList2"/>
+    <dgm:cxn modelId="{1825ADEE-0B0F-4383-9402-2D796FDCAE8D}" type="presParOf" srcId="{9E48DA92-F7C9-476A-8199-C1264B0770B0}" destId="{42A06E62-ECAB-4437-AEB3-4A4E65CA14A3}" srcOrd="0" destOrd="0" presId="urn:microsoft.com/office/officeart/2005/8/layout/vList2"/>
+    <dgm:cxn modelId="{419780C7-2460-4AA5-B94C-22106C85A347}" type="presParOf" srcId="{9E48DA92-F7C9-476A-8199-C1264B0770B0}" destId="{89AF1101-C155-4C72-8F3E-0B4A7B231CFA}" srcOrd="1" destOrd="0" presId="urn:microsoft.com/office/officeart/2005/8/layout/vList2"/>
+    <dgm:cxn modelId="{500BEA1A-B4BB-431C-B0A3-3C16D2A61F3C}" type="presParOf" srcId="{9E48DA92-F7C9-476A-8199-C1264B0770B0}" destId="{5A9A0F5B-CDD7-435F-876C-695E29093293}" srcOrd="2" destOrd="0" presId="urn:microsoft.com/office/officeart/2005/8/layout/vList2"/>
+    <dgm:cxn modelId="{35E1B542-BAF4-45AF-BCC1-2D6863F100C5}" type="presParOf" srcId="{9E48DA92-F7C9-476A-8199-C1264B0770B0}" destId="{31039EFF-E573-415F-B91A-1B6232FF36DA}" srcOrd="3" destOrd="0" presId="urn:microsoft.com/office/officeart/2005/8/layout/vList2"/>
+  </dgm:cxnLst>
+  <dgm:bg/>
+  <dgm:whole/>
+  <dgm:extLst>
+    <a:ext uri="http://schemas.microsoft.com/office/drawing/2008/diagram">
+      <dsp:dataModelExt xmlns:dsp="http://schemas.microsoft.com/office/drawing/2008/diagram" relId="rId6" minVer="http://schemas.openxmlformats.org/drawingml/2006/diagram"/>
+    </a:ext>
+  </dgm:extLst>
+</dgm:dataModel>
+</file>
+
+<file path=ppt/diagrams/data7.xml><?xml version="1.0" encoding="utf-8"?>
+<dgm:dataModel xmlns:dgm="http://schemas.openxmlformats.org/drawingml/2006/diagram" xmlns:a="http://schemas.openxmlformats.org/drawingml/2006/main">
+  <dgm:ptLst>
+    <dgm:pt modelId="{754CAAE3-CF74-584E-8C95-7A6F40691779}" type="doc">
+      <dgm:prSet loTypeId="urn:microsoft.com/office/officeart/2005/8/layout/vList5" loCatId="list" qsTypeId="urn:microsoft.com/office/officeart/2005/8/quickstyle/simple4" qsCatId="simple" csTypeId="urn:microsoft.com/office/officeart/2005/8/colors/accent1_2" csCatId="accent1" phldr="1"/>
+      <dgm:spPr/>
+      <dgm:t>
+        <a:bodyPr/>
+        <a:lstStyle/>
+        <a:p>
+          <a:endParaRPr lang="en-US"/>
+        </a:p>
+      </dgm:t>
+    </dgm:pt>
+    <dgm:pt modelId="{743E54FE-0D03-5B4F-87FF-1A17121F9A10}">
+      <dgm:prSet phldrT="[Text]"/>
+      <dgm:spPr/>
+      <dgm:t>
+        <a:bodyPr/>
+        <a:lstStyle/>
+        <a:p>
+          <a:r>
+            <a:rPr lang="en-US" dirty="0" smtClean="0"/>
+            <a:t>“Mirroring” Moves</a:t>
+          </a:r>
+          <a:endParaRPr lang="en-US" dirty="0"/>
+        </a:p>
+      </dgm:t>
+    </dgm:pt>
+    <dgm:pt modelId="{A8B3E386-3BB9-054A-886A-9AD41430E382}" type="parTrans" cxnId="{3DB12D10-05DC-2840-A63E-881EA1E79DF7}">
+      <dgm:prSet/>
+      <dgm:spPr/>
+      <dgm:t>
+        <a:bodyPr/>
+        <a:lstStyle/>
+        <a:p>
+          <a:endParaRPr lang="en-US"/>
+        </a:p>
+      </dgm:t>
+    </dgm:pt>
+    <dgm:pt modelId="{30DE7F51-4C58-3D47-83B5-57E42691413D}" type="sibTrans" cxnId="{3DB12D10-05DC-2840-A63E-881EA1E79DF7}">
+      <dgm:prSet/>
+      <dgm:spPr/>
+      <dgm:t>
+        <a:bodyPr/>
+        <a:lstStyle/>
+        <a:p>
+          <a:endParaRPr lang="en-US"/>
+        </a:p>
+      </dgm:t>
+    </dgm:pt>
+    <dgm:pt modelId="{657E3DC8-E406-F848-BB38-064196CA6FFA}">
+      <dgm:prSet phldrT="[Text]"/>
+      <dgm:spPr/>
+      <dgm:t>
+        <a:bodyPr/>
+        <a:lstStyle/>
+        <a:p>
+          <a:r>
+            <a:rPr lang="en-US" dirty="0" smtClean="0"/>
+            <a:t>Identical moves for players in simulation showed little improvement</a:t>
+          </a:r>
+          <a:endParaRPr lang="en-US" dirty="0"/>
+        </a:p>
+      </dgm:t>
+    </dgm:pt>
+    <dgm:pt modelId="{423B1AEF-16BE-2C4B-8B1C-05B9DEC8AEAE}" type="parTrans" cxnId="{2AB72C9A-24F7-594D-A390-6C222E478D98}">
+      <dgm:prSet/>
+      <dgm:spPr/>
+      <dgm:t>
+        <a:bodyPr/>
+        <a:lstStyle/>
+        <a:p>
+          <a:endParaRPr lang="en-US"/>
+        </a:p>
+      </dgm:t>
+    </dgm:pt>
+    <dgm:pt modelId="{A132F381-F132-F74E-9196-7B08C8F2A0FA}" type="sibTrans" cxnId="{2AB72C9A-24F7-594D-A390-6C222E478D98}">
+      <dgm:prSet/>
+      <dgm:spPr/>
+      <dgm:t>
+        <a:bodyPr/>
+        <a:lstStyle/>
+        <a:p>
+          <a:endParaRPr lang="en-US"/>
+        </a:p>
+      </dgm:t>
+    </dgm:pt>
+    <dgm:pt modelId="{6A9DC40A-03CF-BF4B-90DE-19874CC847DA}">
+      <dgm:prSet phldrT="[Text]"/>
+      <dgm:spPr/>
+      <dgm:t>
+        <a:bodyPr/>
+        <a:lstStyle/>
+        <a:p>
+          <a:r>
+            <a:rPr lang="en-US" dirty="0" smtClean="0"/>
+            <a:t>Confusing Utilities</a:t>
+          </a:r>
+          <a:endParaRPr lang="en-US" dirty="0"/>
+        </a:p>
+      </dgm:t>
+    </dgm:pt>
+    <dgm:pt modelId="{48BA8083-56A8-354E-B061-2EF8D10CB480}" type="parTrans" cxnId="{0D57F77B-317C-984C-A7E3-2F1F5D6FF7A4}">
+      <dgm:prSet/>
+      <dgm:spPr/>
+      <dgm:t>
+        <a:bodyPr/>
+        <a:lstStyle/>
+        <a:p>
+          <a:endParaRPr lang="en-US"/>
+        </a:p>
+      </dgm:t>
+    </dgm:pt>
+    <dgm:pt modelId="{261AF7F1-ACCE-CE4F-8FFE-16E838AAC834}" type="sibTrans" cxnId="{0D57F77B-317C-984C-A7E3-2F1F5D6FF7A4}">
+      <dgm:prSet/>
+      <dgm:spPr/>
+      <dgm:t>
+        <a:bodyPr/>
+        <a:lstStyle/>
+        <a:p>
+          <a:endParaRPr lang="en-US"/>
+        </a:p>
+      </dgm:t>
+    </dgm:pt>
+    <dgm:pt modelId="{EF6425D8-CEE8-B345-A0AC-0AFEC112478A}">
+      <dgm:prSet phldrT="[Text]"/>
+      <dgm:spPr/>
+      <dgm:t>
+        <a:bodyPr/>
+        <a:lstStyle/>
+        <a:p>
+          <a:r>
+            <a:rPr lang="en-US" dirty="0" smtClean="0"/>
+            <a:t>Tried many combinations and calculations of criteria for determining utility of moves</a:t>
+          </a:r>
+          <a:endParaRPr lang="en-US" dirty="0"/>
+        </a:p>
+      </dgm:t>
+    </dgm:pt>
+    <dgm:pt modelId="{CA40B620-90CA-6846-80AB-3BEBF18335DF}" type="parTrans" cxnId="{B6FEDC6F-4FED-5E4C-9CFA-D15EB7FA93DF}">
+      <dgm:prSet/>
+      <dgm:spPr/>
+      <dgm:t>
+        <a:bodyPr/>
+        <a:lstStyle/>
+        <a:p>
+          <a:endParaRPr lang="en-US"/>
+        </a:p>
+      </dgm:t>
+    </dgm:pt>
+    <dgm:pt modelId="{43289615-894A-D84A-86B9-CFACA620504E}" type="sibTrans" cxnId="{B6FEDC6F-4FED-5E4C-9CFA-D15EB7FA93DF}">
+      <dgm:prSet/>
+      <dgm:spPr/>
+      <dgm:t>
+        <a:bodyPr/>
+        <a:lstStyle/>
+        <a:p>
+          <a:endParaRPr lang="en-US"/>
+        </a:p>
+      </dgm:t>
+    </dgm:pt>
+    <dgm:pt modelId="{ABD1E94A-29EA-B947-87B1-09274A817005}">
+      <dgm:prSet phldrT="[Text]"/>
+      <dgm:spPr/>
+      <dgm:t>
+        <a:bodyPr/>
+        <a:lstStyle/>
+        <a:p>
+          <a:r>
+            <a:rPr lang="en-US" dirty="0" smtClean="0"/>
+            <a:t>Move Merging</a:t>
+          </a:r>
+          <a:endParaRPr lang="en-US" dirty="0"/>
+        </a:p>
+      </dgm:t>
+    </dgm:pt>
+    <dgm:pt modelId="{CBC4CB99-142A-764A-B9D6-3D8AB078EFD6}" type="parTrans" cxnId="{CD67A401-F4BF-A54F-91F6-31B79B24C015}">
+      <dgm:prSet/>
+      <dgm:spPr/>
+      <dgm:t>
+        <a:bodyPr/>
+        <a:lstStyle/>
+        <a:p>
+          <a:endParaRPr lang="en-US"/>
+        </a:p>
+      </dgm:t>
+    </dgm:pt>
+    <dgm:pt modelId="{8BF6F9E8-EFF6-A74E-AD24-CD68FA9105E5}" type="sibTrans" cxnId="{CD67A401-F4BF-A54F-91F6-31B79B24C015}">
+      <dgm:prSet/>
+      <dgm:spPr/>
+      <dgm:t>
+        <a:bodyPr/>
+        <a:lstStyle/>
+        <a:p>
+          <a:endParaRPr lang="en-US"/>
+        </a:p>
+      </dgm:t>
+    </dgm:pt>
+    <dgm:pt modelId="{95ABD4B4-BCCF-E748-A83E-6507A476ED8B}">
+      <dgm:prSet phldrT="[Text]"/>
+      <dgm:spPr/>
+      <dgm:t>
+        <a:bodyPr/>
+        <a:lstStyle/>
+        <a:p>
+          <a:r>
+            <a:rPr lang="en-US" dirty="0" smtClean="0"/>
+            <a:t>Challenge of crossing over moves with different features</a:t>
+          </a:r>
+          <a:endParaRPr lang="en-US" dirty="0"/>
+        </a:p>
+      </dgm:t>
+    </dgm:pt>
+    <dgm:pt modelId="{E657B5A0-CA6C-DD45-93C2-7F3F809EF983}" type="parTrans" cxnId="{4F90CF5A-C7AF-DB47-8090-DDE144B85AC9}">
+      <dgm:prSet/>
+      <dgm:spPr/>
+      <dgm:t>
+        <a:bodyPr/>
+        <a:lstStyle/>
+        <a:p>
+          <a:endParaRPr lang="en-US"/>
+        </a:p>
+      </dgm:t>
+    </dgm:pt>
+    <dgm:pt modelId="{9CD5C568-9CA1-8E43-A9CB-89E1F1969A7F}" type="sibTrans" cxnId="{4F90CF5A-C7AF-DB47-8090-DDE144B85AC9}">
+      <dgm:prSet/>
+      <dgm:spPr/>
+      <dgm:t>
+        <a:bodyPr/>
+        <a:lstStyle/>
+        <a:p>
+          <a:endParaRPr lang="en-US"/>
+        </a:p>
+      </dgm:t>
+    </dgm:pt>
+    <dgm:pt modelId="{2B15A9A9-FD49-C646-9221-2E61402E2FE5}" type="pres">
+      <dgm:prSet presAssocID="{754CAAE3-CF74-584E-8C95-7A6F40691779}" presName="Name0" presStyleCnt="0">
+        <dgm:presLayoutVars>
+          <dgm:dir/>
+          <dgm:animLvl val="lvl"/>
+          <dgm:resizeHandles val="exact"/>
+        </dgm:presLayoutVars>
+      </dgm:prSet>
+      <dgm:spPr/>
+      <dgm:t>
+        <a:bodyPr/>
+        <a:lstStyle/>
+        <a:p>
+          <a:endParaRPr lang="en-US"/>
+        </a:p>
+      </dgm:t>
+    </dgm:pt>
+    <dgm:pt modelId="{80AAC3DF-00BC-4C45-81E5-DD63522FE1CD}" type="pres">
+      <dgm:prSet presAssocID="{743E54FE-0D03-5B4F-87FF-1A17121F9A10}" presName="linNode" presStyleCnt="0"/>
+      <dgm:spPr/>
+    </dgm:pt>
+    <dgm:pt modelId="{F790263E-F01D-C045-81F8-8C0D9CD84403}" type="pres">
+      <dgm:prSet presAssocID="{743E54FE-0D03-5B4F-87FF-1A17121F9A10}" presName="parentText" presStyleLbl="node1" presStyleIdx="0" presStyleCnt="3">
+        <dgm:presLayoutVars>
+          <dgm:chMax val="1"/>
+          <dgm:bulletEnabled val="1"/>
+        </dgm:presLayoutVars>
+      </dgm:prSet>
+      <dgm:spPr/>
+      <dgm:t>
+        <a:bodyPr/>
+        <a:lstStyle/>
+        <a:p>
+          <a:endParaRPr lang="en-US"/>
+        </a:p>
+      </dgm:t>
+    </dgm:pt>
+    <dgm:pt modelId="{85086709-DF53-294A-A984-2A28804F6176}" type="pres">
+      <dgm:prSet presAssocID="{743E54FE-0D03-5B4F-87FF-1A17121F9A10}" presName="descendantText" presStyleLbl="alignAccFollowNode1" presStyleIdx="0" presStyleCnt="3">
+        <dgm:presLayoutVars>
+          <dgm:bulletEnabled val="1"/>
+        </dgm:presLayoutVars>
+      </dgm:prSet>
+      <dgm:spPr/>
+      <dgm:t>
+        <a:bodyPr/>
+        <a:lstStyle/>
+        <a:p>
+          <a:endParaRPr lang="en-US"/>
+        </a:p>
+      </dgm:t>
+    </dgm:pt>
+    <dgm:pt modelId="{8C064FF1-8AAD-DA40-BAA0-FE434DC61DA9}" type="pres">
+      <dgm:prSet presAssocID="{30DE7F51-4C58-3D47-83B5-57E42691413D}" presName="sp" presStyleCnt="0"/>
+      <dgm:spPr/>
+    </dgm:pt>
+    <dgm:pt modelId="{E625D8E3-A7E2-2C46-A5BE-ADADB10264B3}" type="pres">
+      <dgm:prSet presAssocID="{6A9DC40A-03CF-BF4B-90DE-19874CC847DA}" presName="linNode" presStyleCnt="0"/>
+      <dgm:spPr/>
+    </dgm:pt>
+    <dgm:pt modelId="{C3DB0C0C-4E72-4241-B94E-B92460E30CCC}" type="pres">
+      <dgm:prSet presAssocID="{6A9DC40A-03CF-BF4B-90DE-19874CC847DA}" presName="parentText" presStyleLbl="node1" presStyleIdx="1" presStyleCnt="3">
+        <dgm:presLayoutVars>
+          <dgm:chMax val="1"/>
+          <dgm:bulletEnabled val="1"/>
+        </dgm:presLayoutVars>
+      </dgm:prSet>
+      <dgm:spPr/>
+      <dgm:t>
+        <a:bodyPr/>
+        <a:lstStyle/>
+        <a:p>
+          <a:endParaRPr lang="en-US"/>
+        </a:p>
+      </dgm:t>
+    </dgm:pt>
+    <dgm:pt modelId="{A5EE727E-8398-764E-82E0-0082065512FE}" type="pres">
+      <dgm:prSet presAssocID="{6A9DC40A-03CF-BF4B-90DE-19874CC847DA}" presName="descendantText" presStyleLbl="alignAccFollowNode1" presStyleIdx="1" presStyleCnt="3">
+        <dgm:presLayoutVars>
+          <dgm:bulletEnabled val="1"/>
+        </dgm:presLayoutVars>
+      </dgm:prSet>
+      <dgm:spPr/>
+      <dgm:t>
+        <a:bodyPr/>
+        <a:lstStyle/>
+        <a:p>
+          <a:endParaRPr lang="en-US"/>
+        </a:p>
+      </dgm:t>
+    </dgm:pt>
+    <dgm:pt modelId="{AAA5F400-F0BD-2345-96B8-AC9E6A41A9F2}" type="pres">
+      <dgm:prSet presAssocID="{261AF7F1-ACCE-CE4F-8FFE-16E838AAC834}" presName="sp" presStyleCnt="0"/>
+      <dgm:spPr/>
+    </dgm:pt>
+    <dgm:pt modelId="{543397C7-5AE1-C342-BC1A-DA59FCCAF66A}" type="pres">
+      <dgm:prSet presAssocID="{ABD1E94A-29EA-B947-87B1-09274A817005}" presName="linNode" presStyleCnt="0"/>
+      <dgm:spPr/>
+    </dgm:pt>
+    <dgm:pt modelId="{C72445FC-DBB3-D444-8DE7-E23469EADDB3}" type="pres">
+      <dgm:prSet presAssocID="{ABD1E94A-29EA-B947-87B1-09274A817005}" presName="parentText" presStyleLbl="node1" presStyleIdx="2" presStyleCnt="3">
+        <dgm:presLayoutVars>
+          <dgm:chMax val="1"/>
+          <dgm:bulletEnabled val="1"/>
+        </dgm:presLayoutVars>
+      </dgm:prSet>
+      <dgm:spPr/>
+      <dgm:t>
+        <a:bodyPr/>
+        <a:lstStyle/>
+        <a:p>
+          <a:endParaRPr lang="en-US"/>
+        </a:p>
+      </dgm:t>
+    </dgm:pt>
+    <dgm:pt modelId="{E63906E3-AD23-4B40-8BF9-924A014BB477}" type="pres">
+      <dgm:prSet presAssocID="{ABD1E94A-29EA-B947-87B1-09274A817005}" presName="descendantText" presStyleLbl="alignAccFollowNode1" presStyleIdx="2" presStyleCnt="3">
+        <dgm:presLayoutVars>
+          <dgm:bulletEnabled val="1"/>
+        </dgm:presLayoutVars>
+      </dgm:prSet>
+      <dgm:spPr/>
+      <dgm:t>
+        <a:bodyPr/>
+        <a:lstStyle/>
+        <a:p>
+          <a:endParaRPr lang="en-US"/>
+        </a:p>
+      </dgm:t>
+    </dgm:pt>
+  </dgm:ptLst>
+  <dgm:cxnLst>
+    <dgm:cxn modelId="{002CFC1D-CCD5-2747-BCEA-E4773FBBFB5F}" type="presOf" srcId="{ABD1E94A-29EA-B947-87B1-09274A817005}" destId="{C72445FC-DBB3-D444-8DE7-E23469EADDB3}" srcOrd="0" destOrd="0" presId="urn:microsoft.com/office/officeart/2005/8/layout/vList5"/>
+    <dgm:cxn modelId="{0D57F77B-317C-984C-A7E3-2F1F5D6FF7A4}" srcId="{754CAAE3-CF74-584E-8C95-7A6F40691779}" destId="{6A9DC40A-03CF-BF4B-90DE-19874CC847DA}" srcOrd="1" destOrd="0" parTransId="{48BA8083-56A8-354E-B061-2EF8D10CB480}" sibTransId="{261AF7F1-ACCE-CE4F-8FFE-16E838AAC834}"/>
+    <dgm:cxn modelId="{305037DC-6B1E-0E4A-A821-5C9220BE7F48}" type="presOf" srcId="{657E3DC8-E406-F848-BB38-064196CA6FFA}" destId="{85086709-DF53-294A-A984-2A28804F6176}" srcOrd="0" destOrd="0" presId="urn:microsoft.com/office/officeart/2005/8/layout/vList5"/>
+    <dgm:cxn modelId="{C5832AC3-1A4D-4541-9279-DD665E6913A6}" type="presOf" srcId="{95ABD4B4-BCCF-E748-A83E-6507A476ED8B}" destId="{E63906E3-AD23-4B40-8BF9-924A014BB477}" srcOrd="0" destOrd="0" presId="urn:microsoft.com/office/officeart/2005/8/layout/vList5"/>
+    <dgm:cxn modelId="{B6FEDC6F-4FED-5E4C-9CFA-D15EB7FA93DF}" srcId="{6A9DC40A-03CF-BF4B-90DE-19874CC847DA}" destId="{EF6425D8-CEE8-B345-A0AC-0AFEC112478A}" srcOrd="0" destOrd="0" parTransId="{CA40B620-90CA-6846-80AB-3BEBF18335DF}" sibTransId="{43289615-894A-D84A-86B9-CFACA620504E}"/>
+    <dgm:cxn modelId="{4F90CF5A-C7AF-DB47-8090-DDE144B85AC9}" srcId="{ABD1E94A-29EA-B947-87B1-09274A817005}" destId="{95ABD4B4-BCCF-E748-A83E-6507A476ED8B}" srcOrd="0" destOrd="0" parTransId="{E657B5A0-CA6C-DD45-93C2-7F3F809EF983}" sibTransId="{9CD5C568-9CA1-8E43-A9CB-89E1F1969A7F}"/>
+    <dgm:cxn modelId="{9EBBBFD9-A03E-6941-A224-0BA7DAC2AA2D}" type="presOf" srcId="{743E54FE-0D03-5B4F-87FF-1A17121F9A10}" destId="{F790263E-F01D-C045-81F8-8C0D9CD84403}" srcOrd="0" destOrd="0" presId="urn:microsoft.com/office/officeart/2005/8/layout/vList5"/>
+    <dgm:cxn modelId="{A37AF398-87A3-A74D-953D-B1AC647B75BA}" type="presOf" srcId="{EF6425D8-CEE8-B345-A0AC-0AFEC112478A}" destId="{A5EE727E-8398-764E-82E0-0082065512FE}" srcOrd="0" destOrd="0" presId="urn:microsoft.com/office/officeart/2005/8/layout/vList5"/>
+    <dgm:cxn modelId="{3DB12D10-05DC-2840-A63E-881EA1E79DF7}" srcId="{754CAAE3-CF74-584E-8C95-7A6F40691779}" destId="{743E54FE-0D03-5B4F-87FF-1A17121F9A10}" srcOrd="0" destOrd="0" parTransId="{A8B3E386-3BB9-054A-886A-9AD41430E382}" sibTransId="{30DE7F51-4C58-3D47-83B5-57E42691413D}"/>
+    <dgm:cxn modelId="{B1797499-1282-3C48-BB3B-ECCBB026D235}" type="presOf" srcId="{754CAAE3-CF74-584E-8C95-7A6F40691779}" destId="{2B15A9A9-FD49-C646-9221-2E61402E2FE5}" srcOrd="0" destOrd="0" presId="urn:microsoft.com/office/officeart/2005/8/layout/vList5"/>
+    <dgm:cxn modelId="{227F5405-7B9B-4848-9557-0A44827CBFF1}" type="presOf" srcId="{6A9DC40A-03CF-BF4B-90DE-19874CC847DA}" destId="{C3DB0C0C-4E72-4241-B94E-B92460E30CCC}" srcOrd="0" destOrd="0" presId="urn:microsoft.com/office/officeart/2005/8/layout/vList5"/>
+    <dgm:cxn modelId="{2AB72C9A-24F7-594D-A390-6C222E478D98}" srcId="{743E54FE-0D03-5B4F-87FF-1A17121F9A10}" destId="{657E3DC8-E406-F848-BB38-064196CA6FFA}" srcOrd="0" destOrd="0" parTransId="{423B1AEF-16BE-2C4B-8B1C-05B9DEC8AEAE}" sibTransId="{A132F381-F132-F74E-9196-7B08C8F2A0FA}"/>
+    <dgm:cxn modelId="{CD67A401-F4BF-A54F-91F6-31B79B24C015}" srcId="{754CAAE3-CF74-584E-8C95-7A6F40691779}" destId="{ABD1E94A-29EA-B947-87B1-09274A817005}" srcOrd="2" destOrd="0" parTransId="{CBC4CB99-142A-764A-B9D6-3D8AB078EFD6}" sibTransId="{8BF6F9E8-EFF6-A74E-AD24-CD68FA9105E5}"/>
+    <dgm:cxn modelId="{45BF9BCE-6BBC-BF44-956D-F1037B3AFB42}" type="presParOf" srcId="{2B15A9A9-FD49-C646-9221-2E61402E2FE5}" destId="{80AAC3DF-00BC-4C45-81E5-DD63522FE1CD}" srcOrd="0" destOrd="0" presId="urn:microsoft.com/office/officeart/2005/8/layout/vList5"/>
+    <dgm:cxn modelId="{47D812DF-F94C-9941-A18B-DBC3EEFEC0C5}" type="presParOf" srcId="{80AAC3DF-00BC-4C45-81E5-DD63522FE1CD}" destId="{F790263E-F01D-C045-81F8-8C0D9CD84403}" srcOrd="0" destOrd="0" presId="urn:microsoft.com/office/officeart/2005/8/layout/vList5"/>
+    <dgm:cxn modelId="{F0834D7D-EAFD-9D45-A437-380C4B5D5246}" type="presParOf" srcId="{80AAC3DF-00BC-4C45-81E5-DD63522FE1CD}" destId="{85086709-DF53-294A-A984-2A28804F6176}" srcOrd="1" destOrd="0" presId="urn:microsoft.com/office/officeart/2005/8/layout/vList5"/>
+    <dgm:cxn modelId="{9638620B-2A35-F345-BD86-6EC5B1AADF44}" type="presParOf" srcId="{2B15A9A9-FD49-C646-9221-2E61402E2FE5}" destId="{8C064FF1-8AAD-DA40-BAA0-FE434DC61DA9}" srcOrd="1" destOrd="0" presId="urn:microsoft.com/office/officeart/2005/8/layout/vList5"/>
+    <dgm:cxn modelId="{F0837D34-B91D-4E49-8437-230EE282DC06}" type="presParOf" srcId="{2B15A9A9-FD49-C646-9221-2E61402E2FE5}" destId="{E625D8E3-A7E2-2C46-A5BE-ADADB10264B3}" srcOrd="2" destOrd="0" presId="urn:microsoft.com/office/officeart/2005/8/layout/vList5"/>
+    <dgm:cxn modelId="{14FCA0F9-48BF-7640-A0CA-7AA52AA77914}" type="presParOf" srcId="{E625D8E3-A7E2-2C46-A5BE-ADADB10264B3}" destId="{C3DB0C0C-4E72-4241-B94E-B92460E30CCC}" srcOrd="0" destOrd="0" presId="urn:microsoft.com/office/officeart/2005/8/layout/vList5"/>
+    <dgm:cxn modelId="{8DCA611D-573B-D548-A2F1-22DE5E321B95}" type="presParOf" srcId="{E625D8E3-A7E2-2C46-A5BE-ADADB10264B3}" destId="{A5EE727E-8398-764E-82E0-0082065512FE}" srcOrd="1" destOrd="0" presId="urn:microsoft.com/office/officeart/2005/8/layout/vList5"/>
+    <dgm:cxn modelId="{F486A330-BD84-AB4B-B774-80A0E4C321E1}" type="presParOf" srcId="{2B15A9A9-FD49-C646-9221-2E61402E2FE5}" destId="{AAA5F400-F0BD-2345-96B8-AC9E6A41A9F2}" srcOrd="3" destOrd="0" presId="urn:microsoft.com/office/officeart/2005/8/layout/vList5"/>
+    <dgm:cxn modelId="{942C8A50-A595-CC44-8A0F-CF48741A0649}" type="presParOf" srcId="{2B15A9A9-FD49-C646-9221-2E61402E2FE5}" destId="{543397C7-5AE1-C342-BC1A-DA59FCCAF66A}" srcOrd="4" destOrd="0" presId="urn:microsoft.com/office/officeart/2005/8/layout/vList5"/>
+    <dgm:cxn modelId="{A25CB6F2-523C-BD49-A678-FD77A5DA65FC}" type="presParOf" srcId="{543397C7-5AE1-C342-BC1A-DA59FCCAF66A}" destId="{C72445FC-DBB3-D444-8DE7-E23469EADDB3}" srcOrd="0" destOrd="0" presId="urn:microsoft.com/office/officeart/2005/8/layout/vList5"/>
+    <dgm:cxn modelId="{FC409A75-961C-F74A-A13C-50F071D8B0FA}" type="presParOf" srcId="{543397C7-5AE1-C342-BC1A-DA59FCCAF66A}" destId="{E63906E3-AD23-4B40-8BF9-924A014BB477}" srcOrd="1" destOrd="0" presId="urn:microsoft.com/office/officeart/2005/8/layout/vList5"/>
   </dgm:cxnLst>
   <dgm:bg/>
   <dgm:whole/>
@@ -8056,7 +10255,7 @@
         </a:bodyPr>
         <a:lstStyle/>
         <a:p>
-          <a:pPr lvl="0" algn="ctr" defTabSz="1066800">
+          <a:pPr lvl="0" algn="ctr" defTabSz="933450">
             <a:lnSpc>
               <a:spcPct val="90000"/>
             </a:lnSpc>
@@ -8067,7 +10266,7 @@
               <a:spcPct val="35000"/>
             </a:spcAft>
           </a:pPr>
-          <a:endParaRPr lang="en-US" sz="2400" kern="1200"/>
+          <a:endParaRPr lang="en-US" sz="2100" kern="1200"/>
         </a:p>
       </dsp:txBody>
       <dsp:txXfrm>
@@ -8455,7 +10654,7 @@
         </a:bodyPr>
         <a:lstStyle/>
         <a:p>
-          <a:pPr lvl="0" algn="ctr" defTabSz="577850">
+          <a:pPr lvl="0" algn="ctr" defTabSz="533400">
             <a:lnSpc>
               <a:spcPct val="90000"/>
             </a:lnSpc>
@@ -8466,7 +10665,7 @@
               <a:spcPct val="35000"/>
             </a:spcAft>
           </a:pPr>
-          <a:endParaRPr lang="en-US" sz="1300" kern="1200"/>
+          <a:endParaRPr lang="en-US" sz="1200" kern="1200"/>
         </a:p>
       </dsp:txBody>
       <dsp:txXfrm>
@@ -8677,12 +10876,12 @@
         </a:fontRef>
       </dsp:style>
       <dsp:txBody>
-        <a:bodyPr spcFirstLastPara="0" vert="horz" wrap="square" lIns="44450" tIns="44450" rIns="44450" bIns="44450" numCol="1" spcCol="1270" anchor="ctr" anchorCtr="0">
+        <a:bodyPr spcFirstLastPara="0" vert="horz" wrap="square" lIns="45720" tIns="45720" rIns="45720" bIns="45720" numCol="1" spcCol="1270" anchor="ctr" anchorCtr="0">
           <a:noAutofit/>
         </a:bodyPr>
         <a:lstStyle/>
         <a:p>
-          <a:pPr lvl="0" algn="ctr" defTabSz="1555750">
+          <a:pPr lvl="0" algn="ctr" defTabSz="1600200">
             <a:lnSpc>
               <a:spcPct val="90000"/>
             </a:lnSpc>
@@ -8694,14 +10893,14 @@
             </a:spcAft>
           </a:pPr>
           <a:r>
-            <a:rPr lang="en-US" sz="3500" kern="1200" dirty="0" smtClean="0">
+            <a:rPr lang="en-US" sz="3600" kern="1200" dirty="0" smtClean="0">
               <a:solidFill>
                 <a:schemeClr val="bg1"/>
               </a:solidFill>
             </a:rPr>
             <a:t>Genetic Algorithm</a:t>
           </a:r>
-          <a:endParaRPr lang="en-US" sz="3500" kern="1200" dirty="0">
+          <a:endParaRPr lang="en-US" sz="3600" kern="1200" dirty="0">
             <a:solidFill>
               <a:schemeClr val="bg1"/>
             </a:solidFill>
@@ -8732,7 +10931,7 @@
       </dsp:nvSpPr>
       <dsp:spPr>
         <a:xfrm>
-          <a:off x="0" y="850662"/>
+          <a:off x="0" y="824674"/>
           <a:ext cx="2476500" cy="831600"/>
         </a:xfrm>
         <a:prstGeom prst="rect">
@@ -8781,7 +10980,7 @@
         </a:p>
       </dsp:txBody>
       <dsp:txXfrm>
-        <a:off x="0" y="850662"/>
+        <a:off x="0" y="824674"/>
         <a:ext cx="2476500" cy="831600"/>
       </dsp:txXfrm>
     </dsp:sp>
@@ -8792,8 +10991,8 @@
       </dsp:nvSpPr>
       <dsp:spPr>
         <a:xfrm>
-          <a:off x="2476499" y="837668"/>
-          <a:ext cx="495300" cy="857587"/>
+          <a:off x="2476499" y="785693"/>
+          <a:ext cx="495300" cy="909562"/>
         </a:xfrm>
         <a:prstGeom prst="leftBrace">
           <a:avLst>
@@ -8836,8 +11035,8 @@
       </dsp:nvSpPr>
       <dsp:spPr>
         <a:xfrm>
-          <a:off x="3169919" y="837668"/>
-          <a:ext cx="6736080" cy="857587"/>
+          <a:off x="3169919" y="785693"/>
+          <a:ext cx="6736080" cy="909562"/>
         </a:xfrm>
         <a:prstGeom prst="rect">
           <a:avLst/>
@@ -8911,8 +11110,8 @@
         </a:p>
       </dsp:txBody>
       <dsp:txXfrm>
-        <a:off x="3169919" y="837668"/>
-        <a:ext cx="6736080" cy="857587"/>
+        <a:off x="3169919" y="785693"/>
+        <a:ext cx="6736080" cy="909562"/>
       </dsp:txXfrm>
     </dsp:sp>
     <dsp:sp modelId="{69D26DB6-0A8F-40A4-BF46-6BC0D9481DB8}">
@@ -8922,7 +11121,7 @@
       </dsp:nvSpPr>
       <dsp:spPr>
         <a:xfrm>
-          <a:off x="0" y="1859449"/>
+          <a:off x="0" y="1885437"/>
           <a:ext cx="2476500" cy="831600"/>
         </a:xfrm>
         <a:prstGeom prst="rect">
@@ -8971,7 +11170,7 @@
         </a:p>
       </dsp:txBody>
       <dsp:txXfrm>
-        <a:off x="0" y="1859449"/>
+        <a:off x="0" y="1885437"/>
         <a:ext cx="2476500" cy="831600"/>
       </dsp:txXfrm>
     </dsp:sp>
@@ -8983,7 +11182,7 @@
       <dsp:spPr>
         <a:xfrm>
           <a:off x="2476499" y="1846456"/>
-          <a:ext cx="495300" cy="857587"/>
+          <a:ext cx="495300" cy="909562"/>
         </a:xfrm>
         <a:prstGeom prst="leftBrace">
           <a:avLst>
@@ -9027,7 +11226,7 @@
       <dsp:spPr>
         <a:xfrm>
           <a:off x="3169919" y="1846456"/>
-          <a:ext cx="6736080" cy="857587"/>
+          <a:ext cx="6736080" cy="909562"/>
         </a:xfrm>
         <a:prstGeom prst="rect">
           <a:avLst/>
@@ -9102,7 +11301,829 @@
       </dsp:txBody>
       <dsp:txXfrm>
         <a:off x="3169919" y="1846456"/>
-        <a:ext cx="6736080" cy="857587"/>
+        <a:ext cx="6736080" cy="909562"/>
+      </dsp:txXfrm>
+    </dsp:sp>
+  </dsp:spTree>
+</dsp:drawing>
+</file>
+
+<file path=ppt/diagrams/drawing6.xml><?xml version="1.0" encoding="utf-8"?>
+<dsp:drawing xmlns:dgm="http://schemas.openxmlformats.org/drawingml/2006/diagram" xmlns:dsp="http://schemas.microsoft.com/office/drawing/2008/diagram" xmlns:a="http://schemas.openxmlformats.org/drawingml/2006/main">
+  <dsp:spTree>
+    <dsp:nvGrpSpPr>
+      <dsp:cNvPr id="0" name=""/>
+      <dsp:cNvGrpSpPr/>
+    </dsp:nvGrpSpPr>
+    <dsp:grpSpPr/>
+    <dsp:sp modelId="{42A06E62-ECAB-4437-AEB3-4A4E65CA14A3}">
+      <dsp:nvSpPr>
+        <dsp:cNvPr id="0" name=""/>
+        <dsp:cNvSpPr/>
+      </dsp:nvSpPr>
+      <dsp:spPr>
+        <a:xfrm>
+          <a:off x="0" y="179712"/>
+          <a:ext cx="9906000" cy="839474"/>
+        </a:xfrm>
+        <a:prstGeom prst="roundRect">
+          <a:avLst/>
+        </a:prstGeom>
+        <a:solidFill>
+          <a:schemeClr val="accent1">
+            <a:hueOff val="0"/>
+            <a:satOff val="0"/>
+            <a:lumOff val="0"/>
+            <a:alphaOff val="0"/>
+          </a:schemeClr>
+        </a:solidFill>
+        <a:ln w="15875" cap="flat" cmpd="sng" algn="ctr">
+          <a:solidFill>
+            <a:schemeClr val="lt1">
+              <a:hueOff val="0"/>
+              <a:satOff val="0"/>
+              <a:lumOff val="0"/>
+              <a:alphaOff val="0"/>
+            </a:schemeClr>
+          </a:solidFill>
+          <a:prstDash val="solid"/>
+        </a:ln>
+        <a:effectLst/>
+      </dsp:spPr>
+      <dsp:style>
+        <a:lnRef idx="2">
+          <a:scrgbClr r="0" g="0" b="0"/>
+        </a:lnRef>
+        <a:fillRef idx="1">
+          <a:scrgbClr r="0" g="0" b="0"/>
+        </a:fillRef>
+        <a:effectRef idx="0">
+          <a:scrgbClr r="0" g="0" b="0"/>
+        </a:effectRef>
+        <a:fontRef idx="minor">
+          <a:schemeClr val="lt1"/>
+        </a:fontRef>
+      </dsp:style>
+      <dsp:txBody>
+        <a:bodyPr spcFirstLastPara="0" vert="horz" wrap="square" lIns="133350" tIns="133350" rIns="133350" bIns="133350" numCol="1" spcCol="1270" anchor="ctr" anchorCtr="0">
+          <a:noAutofit/>
+        </a:bodyPr>
+        <a:lstStyle/>
+        <a:p>
+          <a:pPr lvl="0" algn="l" defTabSz="1555750">
+            <a:lnSpc>
+              <a:spcPct val="90000"/>
+            </a:lnSpc>
+            <a:spcBef>
+              <a:spcPct val="0"/>
+            </a:spcBef>
+            <a:spcAft>
+              <a:spcPct val="35000"/>
+            </a:spcAft>
+          </a:pPr>
+          <a:r>
+            <a:rPr lang="en-US" sz="3500" kern="1200" dirty="0" smtClean="0"/>
+            <a:t>VECTOR.MUTATION</a:t>
+          </a:r>
+          <a:endParaRPr lang="en-US" sz="3500" kern="1200" dirty="0"/>
+        </a:p>
+      </dsp:txBody>
+      <dsp:txXfrm>
+        <a:off x="40980" y="220692"/>
+        <a:ext cx="9824040" cy="757514"/>
+      </dsp:txXfrm>
+    </dsp:sp>
+    <dsp:sp modelId="{89AF1101-C155-4C72-8F3E-0B4A7B231CFA}">
+      <dsp:nvSpPr>
+        <dsp:cNvPr id="0" name=""/>
+        <dsp:cNvSpPr/>
+      </dsp:nvSpPr>
+      <dsp:spPr>
+        <a:xfrm>
+          <a:off x="0" y="1019187"/>
+          <a:ext cx="9906000" cy="923737"/>
+        </a:xfrm>
+        <a:prstGeom prst="rect">
+          <a:avLst/>
+        </a:prstGeom>
+        <a:noFill/>
+        <a:ln>
+          <a:noFill/>
+        </a:ln>
+        <a:effectLst/>
+      </dsp:spPr>
+      <dsp:style>
+        <a:lnRef idx="0">
+          <a:scrgbClr r="0" g="0" b="0"/>
+        </a:lnRef>
+        <a:fillRef idx="0">
+          <a:scrgbClr r="0" g="0" b="0"/>
+        </a:fillRef>
+        <a:effectRef idx="0">
+          <a:scrgbClr r="0" g="0" b="0"/>
+        </a:effectRef>
+        <a:fontRef idx="minor"/>
+      </dsp:style>
+      <dsp:txBody>
+        <a:bodyPr spcFirstLastPara="0" vert="horz" wrap="square" lIns="314516" tIns="44450" rIns="248920" bIns="44450" numCol="1" spcCol="1270" anchor="t" anchorCtr="0">
+          <a:noAutofit/>
+        </a:bodyPr>
+        <a:lstStyle/>
+        <a:p>
+          <a:pPr marL="228600" lvl="1" indent="-228600" algn="l" defTabSz="1200150">
+            <a:lnSpc>
+              <a:spcPct val="90000"/>
+            </a:lnSpc>
+            <a:spcBef>
+              <a:spcPct val="0"/>
+            </a:spcBef>
+            <a:spcAft>
+              <a:spcPct val="20000"/>
+            </a:spcAft>
+            <a:buChar char="••"/>
+          </a:pPr>
+          <a:r>
+            <a:rPr lang="en-US" sz="2700" kern="1200" dirty="0" smtClean="0"/>
+            <a:t>Change the coefficient of a given attribute by some small amount</a:t>
+          </a:r>
+          <a:endParaRPr lang="en-US" sz="2700" kern="1200" dirty="0"/>
+        </a:p>
+        <a:p>
+          <a:pPr marL="228600" lvl="1" indent="-228600" algn="l" defTabSz="1200150">
+            <a:lnSpc>
+              <a:spcPct val="90000"/>
+            </a:lnSpc>
+            <a:spcBef>
+              <a:spcPct val="0"/>
+            </a:spcBef>
+            <a:spcAft>
+              <a:spcPct val="20000"/>
+            </a:spcAft>
+            <a:buChar char="••"/>
+          </a:pPr>
+          <a:r>
+            <a:rPr lang="en-US" sz="2700" kern="1200" dirty="0" smtClean="0"/>
+            <a:t>Allows for finer tuning and changes</a:t>
+          </a:r>
+        </a:p>
+      </dsp:txBody>
+      <dsp:txXfrm>
+        <a:off x="0" y="1019187"/>
+        <a:ext cx="9906000" cy="923737"/>
+      </dsp:txXfrm>
+    </dsp:sp>
+    <dsp:sp modelId="{5A9A0F5B-CDD7-435F-876C-695E29093293}">
+      <dsp:nvSpPr>
+        <dsp:cNvPr id="0" name=""/>
+        <dsp:cNvSpPr/>
+      </dsp:nvSpPr>
+      <dsp:spPr>
+        <a:xfrm>
+          <a:off x="0" y="1942924"/>
+          <a:ext cx="9906000" cy="839474"/>
+        </a:xfrm>
+        <a:prstGeom prst="roundRect">
+          <a:avLst/>
+        </a:prstGeom>
+        <a:solidFill>
+          <a:schemeClr val="accent1">
+            <a:hueOff val="0"/>
+            <a:satOff val="0"/>
+            <a:lumOff val="0"/>
+            <a:alphaOff val="0"/>
+          </a:schemeClr>
+        </a:solidFill>
+        <a:ln w="15875" cap="flat" cmpd="sng" algn="ctr">
+          <a:solidFill>
+            <a:schemeClr val="lt1">
+              <a:hueOff val="0"/>
+              <a:satOff val="0"/>
+              <a:lumOff val="0"/>
+              <a:alphaOff val="0"/>
+            </a:schemeClr>
+          </a:solidFill>
+          <a:prstDash val="solid"/>
+        </a:ln>
+        <a:effectLst/>
+      </dsp:spPr>
+      <dsp:style>
+        <a:lnRef idx="2">
+          <a:scrgbClr r="0" g="0" b="0"/>
+        </a:lnRef>
+        <a:fillRef idx="1">
+          <a:scrgbClr r="0" g="0" b="0"/>
+        </a:fillRef>
+        <a:effectRef idx="0">
+          <a:scrgbClr r="0" g="0" b="0"/>
+        </a:effectRef>
+        <a:fontRef idx="minor">
+          <a:schemeClr val="lt1"/>
+        </a:fontRef>
+      </dsp:style>
+      <dsp:txBody>
+        <a:bodyPr spcFirstLastPara="0" vert="horz" wrap="square" lIns="133350" tIns="133350" rIns="133350" bIns="133350" numCol="1" spcCol="1270" anchor="ctr" anchorCtr="0">
+          <a:noAutofit/>
+        </a:bodyPr>
+        <a:lstStyle/>
+        <a:p>
+          <a:pPr lvl="0" algn="l" defTabSz="1555750">
+            <a:lnSpc>
+              <a:spcPct val="90000"/>
+            </a:lnSpc>
+            <a:spcBef>
+              <a:spcPct val="0"/>
+            </a:spcBef>
+            <a:spcAft>
+              <a:spcPct val="35000"/>
+            </a:spcAft>
+          </a:pPr>
+          <a:r>
+            <a:rPr lang="en-US" sz="3500" kern="1200" dirty="0" smtClean="0"/>
+            <a:t>VECTOR.CROSS_OVER</a:t>
+          </a:r>
+          <a:endParaRPr lang="en-US" sz="3500" kern="1200" dirty="0"/>
+        </a:p>
+      </dsp:txBody>
+      <dsp:txXfrm>
+        <a:off x="40980" y="1983904"/>
+        <a:ext cx="9824040" cy="757514"/>
+      </dsp:txXfrm>
+    </dsp:sp>
+    <dsp:sp modelId="{31039EFF-E573-415F-B91A-1B6232FF36DA}">
+      <dsp:nvSpPr>
+        <dsp:cNvPr id="0" name=""/>
+        <dsp:cNvSpPr/>
+      </dsp:nvSpPr>
+      <dsp:spPr>
+        <a:xfrm>
+          <a:off x="0" y="2782399"/>
+          <a:ext cx="9906000" cy="579600"/>
+        </a:xfrm>
+        <a:prstGeom prst="rect">
+          <a:avLst/>
+        </a:prstGeom>
+        <a:noFill/>
+        <a:ln>
+          <a:noFill/>
+        </a:ln>
+        <a:effectLst/>
+      </dsp:spPr>
+      <dsp:style>
+        <a:lnRef idx="0">
+          <a:scrgbClr r="0" g="0" b="0"/>
+        </a:lnRef>
+        <a:fillRef idx="0">
+          <a:scrgbClr r="0" g="0" b="0"/>
+        </a:fillRef>
+        <a:effectRef idx="0">
+          <a:scrgbClr r="0" g="0" b="0"/>
+        </a:effectRef>
+        <a:fontRef idx="minor"/>
+      </dsp:style>
+      <dsp:txBody>
+        <a:bodyPr spcFirstLastPara="0" vert="horz" wrap="square" lIns="314516" tIns="44450" rIns="248920" bIns="44450" numCol="1" spcCol="1270" anchor="t" anchorCtr="0">
+          <a:noAutofit/>
+        </a:bodyPr>
+        <a:lstStyle/>
+        <a:p>
+          <a:pPr marL="228600" lvl="1" indent="-228600" algn="l" defTabSz="1200150">
+            <a:lnSpc>
+              <a:spcPct val="90000"/>
+            </a:lnSpc>
+            <a:spcBef>
+              <a:spcPct val="0"/>
+            </a:spcBef>
+            <a:spcAft>
+              <a:spcPct val="20000"/>
+            </a:spcAft>
+            <a:buChar char="••"/>
+          </a:pPr>
+          <a:r>
+            <a:rPr lang="en-US" sz="2700" kern="1200" dirty="0" smtClean="0"/>
+            <a:t>Find the average of a coefficient given a shared modifier</a:t>
+          </a:r>
+          <a:endParaRPr lang="en-US" sz="2700" kern="1200" dirty="0"/>
+        </a:p>
+      </dsp:txBody>
+      <dsp:txXfrm>
+        <a:off x="0" y="2782399"/>
+        <a:ext cx="9906000" cy="579600"/>
+      </dsp:txXfrm>
+    </dsp:sp>
+  </dsp:spTree>
+</dsp:drawing>
+</file>
+
+<file path=ppt/diagrams/drawing7.xml><?xml version="1.0" encoding="utf-8"?>
+<dsp:drawing xmlns:dgm="http://schemas.openxmlformats.org/drawingml/2006/diagram" xmlns:dsp="http://schemas.microsoft.com/office/drawing/2008/diagram" xmlns:a="http://schemas.openxmlformats.org/drawingml/2006/main">
+  <dsp:spTree>
+    <dsp:nvGrpSpPr>
+      <dsp:cNvPr id="0" name=""/>
+      <dsp:cNvGrpSpPr/>
+    </dsp:nvGrpSpPr>
+    <dsp:grpSpPr/>
+    <dsp:sp modelId="{85086709-DF53-294A-A984-2A28804F6176}">
+      <dsp:nvSpPr>
+        <dsp:cNvPr id="0" name=""/>
+        <dsp:cNvSpPr/>
+      </dsp:nvSpPr>
+      <dsp:spPr>
+        <a:xfrm rot="5400000">
+          <a:off x="6279530" y="-2597503"/>
+          <a:ext cx="913098" cy="6339839"/>
+        </a:xfrm>
+        <a:prstGeom prst="round2SameRect">
+          <a:avLst/>
+        </a:prstGeom>
+        <a:solidFill>
+          <a:schemeClr val="accent1">
+            <a:alpha val="90000"/>
+            <a:tint val="40000"/>
+            <a:hueOff val="0"/>
+            <a:satOff val="0"/>
+            <a:lumOff val="0"/>
+            <a:alphaOff val="0"/>
+          </a:schemeClr>
+        </a:solidFill>
+        <a:ln w="9525" cap="flat" cmpd="sng" algn="ctr">
+          <a:solidFill>
+            <a:schemeClr val="accent1">
+              <a:alpha val="90000"/>
+              <a:tint val="40000"/>
+              <a:hueOff val="0"/>
+              <a:satOff val="0"/>
+              <a:lumOff val="0"/>
+              <a:alphaOff val="0"/>
+            </a:schemeClr>
+          </a:solidFill>
+          <a:prstDash val="solid"/>
+        </a:ln>
+        <a:effectLst/>
+      </dsp:spPr>
+      <dsp:style>
+        <a:lnRef idx="1">
+          <a:scrgbClr r="0" g="0" b="0"/>
+        </a:lnRef>
+        <a:fillRef idx="1">
+          <a:scrgbClr r="0" g="0" b="0"/>
+        </a:fillRef>
+        <a:effectRef idx="0">
+          <a:scrgbClr r="0" g="0" b="0"/>
+        </a:effectRef>
+        <a:fontRef idx="minor"/>
+      </dsp:style>
+      <dsp:txBody>
+        <a:bodyPr spcFirstLastPara="0" vert="horz" wrap="square" lIns="99060" tIns="49530" rIns="99060" bIns="49530" numCol="1" spcCol="1270" anchor="ctr" anchorCtr="0">
+          <a:noAutofit/>
+        </a:bodyPr>
+        <a:lstStyle/>
+        <a:p>
+          <a:pPr marL="228600" lvl="1" indent="-228600" algn="l" defTabSz="1155700">
+            <a:lnSpc>
+              <a:spcPct val="90000"/>
+            </a:lnSpc>
+            <a:spcBef>
+              <a:spcPct val="0"/>
+            </a:spcBef>
+            <a:spcAft>
+              <a:spcPct val="15000"/>
+            </a:spcAft>
+            <a:buChar char="••"/>
+          </a:pPr>
+          <a:r>
+            <a:rPr lang="en-US" sz="2600" kern="1200" dirty="0" smtClean="0"/>
+            <a:t>Identical moves for players in simulation showed little improvement</a:t>
+          </a:r>
+          <a:endParaRPr lang="en-US" sz="2600" kern="1200" dirty="0"/>
+        </a:p>
+      </dsp:txBody>
+      <dsp:txXfrm rot="-5400000">
+        <a:off x="3566160" y="160441"/>
+        <a:ext cx="6295265" cy="823950"/>
+      </dsp:txXfrm>
+    </dsp:sp>
+    <dsp:sp modelId="{F790263E-F01D-C045-81F8-8C0D9CD84403}">
+      <dsp:nvSpPr>
+        <dsp:cNvPr id="0" name=""/>
+        <dsp:cNvSpPr/>
+      </dsp:nvSpPr>
+      <dsp:spPr>
+        <a:xfrm>
+          <a:off x="0" y="1729"/>
+          <a:ext cx="3566159" cy="1141372"/>
+        </a:xfrm>
+        <a:prstGeom prst="roundRect">
+          <a:avLst/>
+        </a:prstGeom>
+        <a:gradFill rotWithShape="0">
+          <a:gsLst>
+            <a:gs pos="0">
+              <a:schemeClr val="accent1">
+                <a:hueOff val="0"/>
+                <a:satOff val="0"/>
+                <a:lumOff val="0"/>
+                <a:alphaOff val="0"/>
+                <a:tint val="94000"/>
+                <a:satMod val="105000"/>
+                <a:lumMod val="102000"/>
+              </a:schemeClr>
+            </a:gs>
+            <a:gs pos="100000">
+              <a:schemeClr val="accent1">
+                <a:hueOff val="0"/>
+                <a:satOff val="0"/>
+                <a:lumOff val="0"/>
+                <a:alphaOff val="0"/>
+                <a:shade val="74000"/>
+                <a:satMod val="128000"/>
+                <a:lumMod val="100000"/>
+              </a:schemeClr>
+            </a:gs>
+          </a:gsLst>
+          <a:lin ang="5400000" scaled="0"/>
+        </a:gradFill>
+        <a:ln>
+          <a:noFill/>
+        </a:ln>
+        <a:effectLst/>
+      </dsp:spPr>
+      <dsp:style>
+        <a:lnRef idx="0">
+          <a:scrgbClr r="0" g="0" b="0"/>
+        </a:lnRef>
+        <a:fillRef idx="3">
+          <a:scrgbClr r="0" g="0" b="0"/>
+        </a:fillRef>
+        <a:effectRef idx="2">
+          <a:scrgbClr r="0" g="0" b="0"/>
+        </a:effectRef>
+        <a:fontRef idx="minor">
+          <a:schemeClr val="lt1"/>
+        </a:fontRef>
+      </dsp:style>
+      <dsp:txBody>
+        <a:bodyPr spcFirstLastPara="0" vert="horz" wrap="square" lIns="129540" tIns="64770" rIns="129540" bIns="64770" numCol="1" spcCol="1270" anchor="ctr" anchorCtr="0">
+          <a:noAutofit/>
+        </a:bodyPr>
+        <a:lstStyle/>
+        <a:p>
+          <a:pPr lvl="0" algn="ctr" defTabSz="1511300">
+            <a:lnSpc>
+              <a:spcPct val="90000"/>
+            </a:lnSpc>
+            <a:spcBef>
+              <a:spcPct val="0"/>
+            </a:spcBef>
+            <a:spcAft>
+              <a:spcPct val="35000"/>
+            </a:spcAft>
+          </a:pPr>
+          <a:r>
+            <a:rPr lang="en-US" sz="3400" kern="1200" dirty="0" smtClean="0"/>
+            <a:t>“Mirroring” Moves</a:t>
+          </a:r>
+          <a:endParaRPr lang="en-US" sz="3400" kern="1200" dirty="0"/>
+        </a:p>
+      </dsp:txBody>
+      <dsp:txXfrm>
+        <a:off x="55717" y="57446"/>
+        <a:ext cx="3454725" cy="1029938"/>
+      </dsp:txXfrm>
+    </dsp:sp>
+    <dsp:sp modelId="{A5EE727E-8398-764E-82E0-0082065512FE}">
+      <dsp:nvSpPr>
+        <dsp:cNvPr id="0" name=""/>
+        <dsp:cNvSpPr/>
+      </dsp:nvSpPr>
+      <dsp:spPr>
+        <a:xfrm rot="5400000">
+          <a:off x="6279530" y="-1399062"/>
+          <a:ext cx="913098" cy="6339839"/>
+        </a:xfrm>
+        <a:prstGeom prst="round2SameRect">
+          <a:avLst/>
+        </a:prstGeom>
+        <a:solidFill>
+          <a:schemeClr val="accent1">
+            <a:alpha val="90000"/>
+            <a:tint val="40000"/>
+            <a:hueOff val="0"/>
+            <a:satOff val="0"/>
+            <a:lumOff val="0"/>
+            <a:alphaOff val="0"/>
+          </a:schemeClr>
+        </a:solidFill>
+        <a:ln w="9525" cap="flat" cmpd="sng" algn="ctr">
+          <a:solidFill>
+            <a:schemeClr val="accent1">
+              <a:alpha val="90000"/>
+              <a:tint val="40000"/>
+              <a:hueOff val="0"/>
+              <a:satOff val="0"/>
+              <a:lumOff val="0"/>
+              <a:alphaOff val="0"/>
+            </a:schemeClr>
+          </a:solidFill>
+          <a:prstDash val="solid"/>
+        </a:ln>
+        <a:effectLst/>
+      </dsp:spPr>
+      <dsp:style>
+        <a:lnRef idx="1">
+          <a:scrgbClr r="0" g="0" b="0"/>
+        </a:lnRef>
+        <a:fillRef idx="1">
+          <a:scrgbClr r="0" g="0" b="0"/>
+        </a:fillRef>
+        <a:effectRef idx="0">
+          <a:scrgbClr r="0" g="0" b="0"/>
+        </a:effectRef>
+        <a:fontRef idx="minor"/>
+      </dsp:style>
+      <dsp:txBody>
+        <a:bodyPr spcFirstLastPara="0" vert="horz" wrap="square" lIns="99060" tIns="49530" rIns="99060" bIns="49530" numCol="1" spcCol="1270" anchor="ctr" anchorCtr="0">
+          <a:noAutofit/>
+        </a:bodyPr>
+        <a:lstStyle/>
+        <a:p>
+          <a:pPr marL="228600" lvl="1" indent="-228600" algn="l" defTabSz="1155700">
+            <a:lnSpc>
+              <a:spcPct val="90000"/>
+            </a:lnSpc>
+            <a:spcBef>
+              <a:spcPct val="0"/>
+            </a:spcBef>
+            <a:spcAft>
+              <a:spcPct val="15000"/>
+            </a:spcAft>
+            <a:buChar char="••"/>
+          </a:pPr>
+          <a:r>
+            <a:rPr lang="en-US" sz="2600" kern="1200" dirty="0" smtClean="0"/>
+            <a:t>Tried many combinations and calculations of criteria for determining utility of moves</a:t>
+          </a:r>
+          <a:endParaRPr lang="en-US" sz="2600" kern="1200" dirty="0"/>
+        </a:p>
+      </dsp:txBody>
+      <dsp:txXfrm rot="-5400000">
+        <a:off x="3566160" y="1358882"/>
+        <a:ext cx="6295265" cy="823950"/>
+      </dsp:txXfrm>
+    </dsp:sp>
+    <dsp:sp modelId="{C3DB0C0C-4E72-4241-B94E-B92460E30CCC}">
+      <dsp:nvSpPr>
+        <dsp:cNvPr id="0" name=""/>
+        <dsp:cNvSpPr/>
+      </dsp:nvSpPr>
+      <dsp:spPr>
+        <a:xfrm>
+          <a:off x="0" y="1200170"/>
+          <a:ext cx="3566159" cy="1141372"/>
+        </a:xfrm>
+        <a:prstGeom prst="roundRect">
+          <a:avLst/>
+        </a:prstGeom>
+        <a:gradFill rotWithShape="0">
+          <a:gsLst>
+            <a:gs pos="0">
+              <a:schemeClr val="accent1">
+                <a:hueOff val="0"/>
+                <a:satOff val="0"/>
+                <a:lumOff val="0"/>
+                <a:alphaOff val="0"/>
+                <a:tint val="94000"/>
+                <a:satMod val="105000"/>
+                <a:lumMod val="102000"/>
+              </a:schemeClr>
+            </a:gs>
+            <a:gs pos="100000">
+              <a:schemeClr val="accent1">
+                <a:hueOff val="0"/>
+                <a:satOff val="0"/>
+                <a:lumOff val="0"/>
+                <a:alphaOff val="0"/>
+                <a:shade val="74000"/>
+                <a:satMod val="128000"/>
+                <a:lumMod val="100000"/>
+              </a:schemeClr>
+            </a:gs>
+          </a:gsLst>
+          <a:lin ang="5400000" scaled="0"/>
+        </a:gradFill>
+        <a:ln>
+          <a:noFill/>
+        </a:ln>
+        <a:effectLst/>
+      </dsp:spPr>
+      <dsp:style>
+        <a:lnRef idx="0">
+          <a:scrgbClr r="0" g="0" b="0"/>
+        </a:lnRef>
+        <a:fillRef idx="3">
+          <a:scrgbClr r="0" g="0" b="0"/>
+        </a:fillRef>
+        <a:effectRef idx="2">
+          <a:scrgbClr r="0" g="0" b="0"/>
+        </a:effectRef>
+        <a:fontRef idx="minor">
+          <a:schemeClr val="lt1"/>
+        </a:fontRef>
+      </dsp:style>
+      <dsp:txBody>
+        <a:bodyPr spcFirstLastPara="0" vert="horz" wrap="square" lIns="129540" tIns="64770" rIns="129540" bIns="64770" numCol="1" spcCol="1270" anchor="ctr" anchorCtr="0">
+          <a:noAutofit/>
+        </a:bodyPr>
+        <a:lstStyle/>
+        <a:p>
+          <a:pPr lvl="0" algn="ctr" defTabSz="1511300">
+            <a:lnSpc>
+              <a:spcPct val="90000"/>
+            </a:lnSpc>
+            <a:spcBef>
+              <a:spcPct val="0"/>
+            </a:spcBef>
+            <a:spcAft>
+              <a:spcPct val="35000"/>
+            </a:spcAft>
+          </a:pPr>
+          <a:r>
+            <a:rPr lang="en-US" sz="3400" kern="1200" dirty="0" smtClean="0"/>
+            <a:t>Confusing Utilities</a:t>
+          </a:r>
+          <a:endParaRPr lang="en-US" sz="3400" kern="1200" dirty="0"/>
+        </a:p>
+      </dsp:txBody>
+      <dsp:txXfrm>
+        <a:off x="55717" y="1255887"/>
+        <a:ext cx="3454725" cy="1029938"/>
+      </dsp:txXfrm>
+    </dsp:sp>
+    <dsp:sp modelId="{E63906E3-AD23-4B40-8BF9-924A014BB477}">
+      <dsp:nvSpPr>
+        <dsp:cNvPr id="0" name=""/>
+        <dsp:cNvSpPr/>
+      </dsp:nvSpPr>
+      <dsp:spPr>
+        <a:xfrm rot="5400000">
+          <a:off x="6279530" y="-200621"/>
+          <a:ext cx="913098" cy="6339839"/>
+        </a:xfrm>
+        <a:prstGeom prst="round2SameRect">
+          <a:avLst/>
+        </a:prstGeom>
+        <a:solidFill>
+          <a:schemeClr val="accent1">
+            <a:alpha val="90000"/>
+            <a:tint val="40000"/>
+            <a:hueOff val="0"/>
+            <a:satOff val="0"/>
+            <a:lumOff val="0"/>
+            <a:alphaOff val="0"/>
+          </a:schemeClr>
+        </a:solidFill>
+        <a:ln w="9525" cap="flat" cmpd="sng" algn="ctr">
+          <a:solidFill>
+            <a:schemeClr val="accent1">
+              <a:alpha val="90000"/>
+              <a:tint val="40000"/>
+              <a:hueOff val="0"/>
+              <a:satOff val="0"/>
+              <a:lumOff val="0"/>
+              <a:alphaOff val="0"/>
+            </a:schemeClr>
+          </a:solidFill>
+          <a:prstDash val="solid"/>
+        </a:ln>
+        <a:effectLst/>
+      </dsp:spPr>
+      <dsp:style>
+        <a:lnRef idx="1">
+          <a:scrgbClr r="0" g="0" b="0"/>
+        </a:lnRef>
+        <a:fillRef idx="1">
+          <a:scrgbClr r="0" g="0" b="0"/>
+        </a:fillRef>
+        <a:effectRef idx="0">
+          <a:scrgbClr r="0" g="0" b="0"/>
+        </a:effectRef>
+        <a:fontRef idx="minor"/>
+      </dsp:style>
+      <dsp:txBody>
+        <a:bodyPr spcFirstLastPara="0" vert="horz" wrap="square" lIns="99060" tIns="49530" rIns="99060" bIns="49530" numCol="1" spcCol="1270" anchor="ctr" anchorCtr="0">
+          <a:noAutofit/>
+        </a:bodyPr>
+        <a:lstStyle/>
+        <a:p>
+          <a:pPr marL="228600" lvl="1" indent="-228600" algn="l" defTabSz="1155700">
+            <a:lnSpc>
+              <a:spcPct val="90000"/>
+            </a:lnSpc>
+            <a:spcBef>
+              <a:spcPct val="0"/>
+            </a:spcBef>
+            <a:spcAft>
+              <a:spcPct val="15000"/>
+            </a:spcAft>
+            <a:buChar char="••"/>
+          </a:pPr>
+          <a:r>
+            <a:rPr lang="en-US" sz="2600" kern="1200" dirty="0" smtClean="0"/>
+            <a:t>Challenge of crossing over moves with different features</a:t>
+          </a:r>
+          <a:endParaRPr lang="en-US" sz="2600" kern="1200" dirty="0"/>
+        </a:p>
+      </dsp:txBody>
+      <dsp:txXfrm rot="-5400000">
+        <a:off x="3566160" y="2557323"/>
+        <a:ext cx="6295265" cy="823950"/>
+      </dsp:txXfrm>
+    </dsp:sp>
+    <dsp:sp modelId="{C72445FC-DBB3-D444-8DE7-E23469EADDB3}">
+      <dsp:nvSpPr>
+        <dsp:cNvPr id="0" name=""/>
+        <dsp:cNvSpPr/>
+      </dsp:nvSpPr>
+      <dsp:spPr>
+        <a:xfrm>
+          <a:off x="0" y="2398611"/>
+          <a:ext cx="3566159" cy="1141372"/>
+        </a:xfrm>
+        <a:prstGeom prst="roundRect">
+          <a:avLst/>
+        </a:prstGeom>
+        <a:gradFill rotWithShape="0">
+          <a:gsLst>
+            <a:gs pos="0">
+              <a:schemeClr val="accent1">
+                <a:hueOff val="0"/>
+                <a:satOff val="0"/>
+                <a:lumOff val="0"/>
+                <a:alphaOff val="0"/>
+                <a:tint val="94000"/>
+                <a:satMod val="105000"/>
+                <a:lumMod val="102000"/>
+              </a:schemeClr>
+            </a:gs>
+            <a:gs pos="100000">
+              <a:schemeClr val="accent1">
+                <a:hueOff val="0"/>
+                <a:satOff val="0"/>
+                <a:lumOff val="0"/>
+                <a:alphaOff val="0"/>
+                <a:shade val="74000"/>
+                <a:satMod val="128000"/>
+                <a:lumMod val="100000"/>
+              </a:schemeClr>
+            </a:gs>
+          </a:gsLst>
+          <a:lin ang="5400000" scaled="0"/>
+        </a:gradFill>
+        <a:ln>
+          <a:noFill/>
+        </a:ln>
+        <a:effectLst/>
+      </dsp:spPr>
+      <dsp:style>
+        <a:lnRef idx="0">
+          <a:scrgbClr r="0" g="0" b="0"/>
+        </a:lnRef>
+        <a:fillRef idx="3">
+          <a:scrgbClr r="0" g="0" b="0"/>
+        </a:fillRef>
+        <a:effectRef idx="2">
+          <a:scrgbClr r="0" g="0" b="0"/>
+        </a:effectRef>
+        <a:fontRef idx="minor">
+          <a:schemeClr val="lt1"/>
+        </a:fontRef>
+      </dsp:style>
+      <dsp:txBody>
+        <a:bodyPr spcFirstLastPara="0" vert="horz" wrap="square" lIns="129540" tIns="64770" rIns="129540" bIns="64770" numCol="1" spcCol="1270" anchor="ctr" anchorCtr="0">
+          <a:noAutofit/>
+        </a:bodyPr>
+        <a:lstStyle/>
+        <a:p>
+          <a:pPr lvl="0" algn="ctr" defTabSz="1511300">
+            <a:lnSpc>
+              <a:spcPct val="90000"/>
+            </a:lnSpc>
+            <a:spcBef>
+              <a:spcPct val="0"/>
+            </a:spcBef>
+            <a:spcAft>
+              <a:spcPct val="35000"/>
+            </a:spcAft>
+          </a:pPr>
+          <a:r>
+            <a:rPr lang="en-US" sz="3400" kern="1200" dirty="0" smtClean="0"/>
+            <a:t>Move Merging</a:t>
+          </a:r>
+          <a:endParaRPr lang="en-US" sz="3400" kern="1200" dirty="0"/>
+        </a:p>
+      </dsp:txBody>
+      <dsp:txXfrm>
+        <a:off x="55717" y="2454328"/>
+        <a:ext cx="3454725" cy="1029938"/>
       </dsp:txXfrm>
     </dsp:sp>
   </dsp:spTree>
@@ -12472,6 +15493,406 @@
 </dgm:layoutDef>
 </file>
 
+<file path=ppt/diagrams/layout6.xml><?xml version="1.0" encoding="utf-8"?>
+<dgm:layoutDef xmlns:dgm="http://schemas.openxmlformats.org/drawingml/2006/diagram" xmlns:a="http://schemas.openxmlformats.org/drawingml/2006/main" uniqueId="urn:microsoft.com/office/officeart/2005/8/layout/vList2">
+  <dgm:title val=""/>
+  <dgm:desc val=""/>
+  <dgm:catLst>
+    <dgm:cat type="list" pri="3000"/>
+    <dgm:cat type="convert" pri="1000"/>
+  </dgm:catLst>
+  <dgm:sampData>
+    <dgm:dataModel>
+      <dgm:ptLst>
+        <dgm:pt modelId="0" type="doc"/>
+        <dgm:pt modelId="1">
+          <dgm:prSet phldr="1"/>
+        </dgm:pt>
+        <dgm:pt modelId="11">
+          <dgm:prSet phldr="1"/>
+        </dgm:pt>
+        <dgm:pt modelId="2">
+          <dgm:prSet phldr="1"/>
+        </dgm:pt>
+        <dgm:pt modelId="21">
+          <dgm:prSet phldr="1"/>
+        </dgm:pt>
+      </dgm:ptLst>
+      <dgm:cxnLst>
+        <dgm:cxn modelId="4" srcId="0" destId="1" srcOrd="0" destOrd="0"/>
+        <dgm:cxn modelId="5" srcId="0" destId="2" srcOrd="1" destOrd="0"/>
+        <dgm:cxn modelId="12" srcId="1" destId="11" srcOrd="0" destOrd="0"/>
+        <dgm:cxn modelId="23" srcId="2" destId="21" srcOrd="0" destOrd="0"/>
+      </dgm:cxnLst>
+      <dgm:bg/>
+      <dgm:whole/>
+    </dgm:dataModel>
+  </dgm:sampData>
+  <dgm:styleData>
+    <dgm:dataModel>
+      <dgm:ptLst>
+        <dgm:pt modelId="0" type="doc"/>
+        <dgm:pt modelId="1"/>
+        <dgm:pt modelId="2"/>
+      </dgm:ptLst>
+      <dgm:cxnLst>
+        <dgm:cxn modelId="3" srcId="0" destId="1" srcOrd="0" destOrd="0"/>
+        <dgm:cxn modelId="4" srcId="0" destId="2" srcOrd="1" destOrd="0"/>
+      </dgm:cxnLst>
+      <dgm:bg/>
+      <dgm:whole/>
+    </dgm:dataModel>
+  </dgm:styleData>
+  <dgm:clrData>
+    <dgm:dataModel>
+      <dgm:ptLst>
+        <dgm:pt modelId="0" type="doc"/>
+        <dgm:pt modelId="1"/>
+        <dgm:pt modelId="2"/>
+        <dgm:pt modelId="3"/>
+        <dgm:pt modelId="4"/>
+      </dgm:ptLst>
+      <dgm:cxnLst>
+        <dgm:cxn modelId="5" srcId="0" destId="1" srcOrd="0" destOrd="0"/>
+        <dgm:cxn modelId="6" srcId="0" destId="2" srcOrd="1" destOrd="0"/>
+        <dgm:cxn modelId="7" srcId="0" destId="3" srcOrd="2" destOrd="0"/>
+        <dgm:cxn modelId="8" srcId="0" destId="4" srcOrd="3" destOrd="0"/>
+      </dgm:cxnLst>
+      <dgm:bg/>
+      <dgm:whole/>
+    </dgm:dataModel>
+  </dgm:clrData>
+  <dgm:layoutNode name="linear">
+    <dgm:varLst>
+      <dgm:animLvl val="lvl"/>
+      <dgm:resizeHandles val="exact"/>
+    </dgm:varLst>
+    <dgm:alg type="lin">
+      <dgm:param type="linDir" val="fromT"/>
+      <dgm:param type="vertAlign" val="mid"/>
+    </dgm:alg>
+    <dgm:shape xmlns:r="http://schemas.openxmlformats.org/officeDocument/2006/relationships" r:blip="">
+      <dgm:adjLst/>
+    </dgm:shape>
+    <dgm:presOf/>
+    <dgm:constrLst>
+      <dgm:constr type="w" for="ch" forName="parentText" refType="w"/>
+      <dgm:constr type="h" for="ch" forName="parentText" refType="primFontSz" refFor="ch" refForName="parentText" fact="0.52"/>
+      <dgm:constr type="w" for="ch" forName="childText" refType="w"/>
+      <dgm:constr type="h" for="ch" forName="childText" refType="primFontSz" refFor="ch" refForName="parentText" fact="0.46"/>
+      <dgm:constr type="h" for="ch" forName="parentText" op="equ"/>
+      <dgm:constr type="primFontSz" for="ch" forName="parentText" op="equ" val="65"/>
+      <dgm:constr type="primFontSz" for="ch" forName="childText" refType="primFontSz" refFor="ch" refForName="parentText" op="equ"/>
+      <dgm:constr type="h" for="ch" forName="spacer" refType="primFontSz" refFor="ch" refForName="parentText" fact="0.08"/>
+    </dgm:constrLst>
+    <dgm:ruleLst>
+      <dgm:rule type="primFontSz" for="ch" forName="parentText" val="5" fact="NaN" max="NaN"/>
+    </dgm:ruleLst>
+    <dgm:forEach name="Name0" axis="ch" ptType="node">
+      <dgm:layoutNode name="parentText" styleLbl="node1">
+        <dgm:varLst>
+          <dgm:chMax val="0"/>
+          <dgm:bulletEnabled val="1"/>
+        </dgm:varLst>
+        <dgm:alg type="tx">
+          <dgm:param type="parTxLTRAlign" val="l"/>
+          <dgm:param type="parTxRTLAlign" val="r"/>
+        </dgm:alg>
+        <dgm:shape xmlns:r="http://schemas.openxmlformats.org/officeDocument/2006/relationships" type="roundRect" r:blip="">
+          <dgm:adjLst/>
+        </dgm:shape>
+        <dgm:presOf axis="self"/>
+        <dgm:constrLst>
+          <dgm:constr type="tMarg" refType="primFontSz" fact="0.3"/>
+          <dgm:constr type="bMarg" refType="primFontSz" fact="0.3"/>
+          <dgm:constr type="lMarg" refType="primFontSz" fact="0.3"/>
+          <dgm:constr type="rMarg" refType="primFontSz" fact="0.3"/>
+        </dgm:constrLst>
+        <dgm:ruleLst>
+          <dgm:rule type="h" val="INF" fact="NaN" max="NaN"/>
+        </dgm:ruleLst>
+      </dgm:layoutNode>
+      <dgm:choose name="Name1">
+        <dgm:if name="Name2" axis="ch" ptType="node" func="cnt" op="gte" val="1">
+          <dgm:layoutNode name="childText" styleLbl="revTx">
+            <dgm:varLst>
+              <dgm:bulletEnabled val="1"/>
+            </dgm:varLst>
+            <dgm:alg type="tx">
+              <dgm:param type="stBulletLvl" val="1"/>
+              <dgm:param type="lnSpAfChP" val="20"/>
+            </dgm:alg>
+            <dgm:shape xmlns:r="http://schemas.openxmlformats.org/officeDocument/2006/relationships" type="rect" r:blip="">
+              <dgm:adjLst/>
+            </dgm:shape>
+            <dgm:presOf axis="des" ptType="node"/>
+            <dgm:constrLst>
+              <dgm:constr type="tMarg" refType="primFontSz" fact="0.1"/>
+              <dgm:constr type="bMarg" refType="primFontSz" fact="0.1"/>
+              <dgm:constr type="lMarg" refType="w" fact="0.09"/>
+            </dgm:constrLst>
+            <dgm:ruleLst>
+              <dgm:rule type="h" val="INF" fact="NaN" max="NaN"/>
+            </dgm:ruleLst>
+          </dgm:layoutNode>
+        </dgm:if>
+        <dgm:else name="Name3">
+          <dgm:choose name="Name4">
+            <dgm:if name="Name5" axis="par ch" ptType="doc node" func="cnt" op="gte" val="2">
+              <dgm:forEach name="Name6" axis="followSib" ptType="sibTrans" cnt="1">
+                <dgm:layoutNode name="spacer">
+                  <dgm:alg type="sp"/>
+                  <dgm:shape xmlns:r="http://schemas.openxmlformats.org/officeDocument/2006/relationships" r:blip="">
+                    <dgm:adjLst/>
+                  </dgm:shape>
+                  <dgm:presOf/>
+                  <dgm:constrLst/>
+                  <dgm:ruleLst/>
+                </dgm:layoutNode>
+              </dgm:forEach>
+            </dgm:if>
+            <dgm:else name="Name7"/>
+          </dgm:choose>
+        </dgm:else>
+      </dgm:choose>
+    </dgm:forEach>
+  </dgm:layoutNode>
+</dgm:layoutDef>
+</file>
+
+<file path=ppt/diagrams/layout7.xml><?xml version="1.0" encoding="utf-8"?>
+<dgm:layoutDef xmlns:dgm="http://schemas.openxmlformats.org/drawingml/2006/diagram" xmlns:a="http://schemas.openxmlformats.org/drawingml/2006/main" uniqueId="urn:microsoft.com/office/officeart/2005/8/layout/vList5">
+  <dgm:title val=""/>
+  <dgm:desc val=""/>
+  <dgm:catLst>
+    <dgm:cat type="list" pri="15000"/>
+    <dgm:cat type="convert" pri="2000"/>
+  </dgm:catLst>
+  <dgm:sampData>
+    <dgm:dataModel>
+      <dgm:ptLst>
+        <dgm:pt modelId="0" type="doc"/>
+        <dgm:pt modelId="1">
+          <dgm:prSet phldr="1"/>
+        </dgm:pt>
+        <dgm:pt modelId="11">
+          <dgm:prSet phldr="1"/>
+        </dgm:pt>
+        <dgm:pt modelId="12">
+          <dgm:prSet phldr="1"/>
+        </dgm:pt>
+        <dgm:pt modelId="2">
+          <dgm:prSet phldr="1"/>
+        </dgm:pt>
+        <dgm:pt modelId="21">
+          <dgm:prSet phldr="1"/>
+        </dgm:pt>
+        <dgm:pt modelId="22">
+          <dgm:prSet phldr="1"/>
+        </dgm:pt>
+        <dgm:pt modelId="3">
+          <dgm:prSet phldr="1"/>
+        </dgm:pt>
+        <dgm:pt modelId="31">
+          <dgm:prSet phldr="1"/>
+        </dgm:pt>
+        <dgm:pt modelId="32">
+          <dgm:prSet phldr="1"/>
+        </dgm:pt>
+      </dgm:ptLst>
+      <dgm:cxnLst>
+        <dgm:cxn modelId="4" srcId="0" destId="1" srcOrd="0" destOrd="0"/>
+        <dgm:cxn modelId="5" srcId="0" destId="2" srcOrd="1" destOrd="0"/>
+        <dgm:cxn modelId="6" srcId="0" destId="3" srcOrd="2" destOrd="0"/>
+        <dgm:cxn modelId="13" srcId="1" destId="11" srcOrd="0" destOrd="0"/>
+        <dgm:cxn modelId="14" srcId="1" destId="12" srcOrd="1" destOrd="0"/>
+        <dgm:cxn modelId="23" srcId="2" destId="21" srcOrd="0" destOrd="0"/>
+        <dgm:cxn modelId="24" srcId="2" destId="22" srcOrd="1" destOrd="0"/>
+        <dgm:cxn modelId="33" srcId="3" destId="31" srcOrd="0" destOrd="0"/>
+        <dgm:cxn modelId="34" srcId="3" destId="32" srcOrd="1" destOrd="0"/>
+      </dgm:cxnLst>
+      <dgm:bg/>
+      <dgm:whole/>
+    </dgm:dataModel>
+  </dgm:sampData>
+  <dgm:styleData>
+    <dgm:dataModel>
+      <dgm:ptLst>
+        <dgm:pt modelId="0" type="doc"/>
+        <dgm:pt modelId="1"/>
+        <dgm:pt modelId="11"/>
+        <dgm:pt modelId="2"/>
+        <dgm:pt modelId="21"/>
+      </dgm:ptLst>
+      <dgm:cxnLst>
+        <dgm:cxn modelId="4" srcId="0" destId="1" srcOrd="0" destOrd="0"/>
+        <dgm:cxn modelId="5" srcId="0" destId="2" srcOrd="1" destOrd="0"/>
+        <dgm:cxn modelId="13" srcId="1" destId="11" srcOrd="0" destOrd="0"/>
+        <dgm:cxn modelId="23" srcId="2" destId="21" srcOrd="0" destOrd="0"/>
+      </dgm:cxnLst>
+      <dgm:bg/>
+      <dgm:whole/>
+    </dgm:dataModel>
+  </dgm:styleData>
+  <dgm:clrData>
+    <dgm:dataModel>
+      <dgm:ptLst>
+        <dgm:pt modelId="0" type="doc"/>
+        <dgm:pt modelId="1"/>
+        <dgm:pt modelId="11"/>
+        <dgm:pt modelId="2"/>
+        <dgm:pt modelId="21"/>
+        <dgm:pt modelId="3"/>
+        <dgm:pt modelId="31"/>
+        <dgm:pt modelId="4"/>
+        <dgm:pt modelId="41"/>
+      </dgm:ptLst>
+      <dgm:cxnLst>
+        <dgm:cxn modelId="5" srcId="0" destId="1" srcOrd="0" destOrd="0"/>
+        <dgm:cxn modelId="6" srcId="0" destId="2" srcOrd="1" destOrd="0"/>
+        <dgm:cxn modelId="7" srcId="0" destId="3" srcOrd="2" destOrd="0"/>
+        <dgm:cxn modelId="8" srcId="0" destId="4" srcOrd="3" destOrd="0"/>
+        <dgm:cxn modelId="13" srcId="1" destId="11" srcOrd="0" destOrd="0"/>
+        <dgm:cxn modelId="23" srcId="2" destId="21" srcOrd="0" destOrd="0"/>
+        <dgm:cxn modelId="33" srcId="3" destId="31" srcOrd="0" destOrd="0"/>
+        <dgm:cxn modelId="43" srcId="4" destId="41" srcOrd="0" destOrd="0"/>
+      </dgm:cxnLst>
+      <dgm:bg/>
+      <dgm:whole/>
+    </dgm:dataModel>
+  </dgm:clrData>
+  <dgm:layoutNode name="Name0">
+    <dgm:varLst>
+      <dgm:dir/>
+      <dgm:animLvl val="lvl"/>
+      <dgm:resizeHandles val="exact"/>
+    </dgm:varLst>
+    <dgm:choose name="Name1">
+      <dgm:if name="Name2" func="var" arg="dir" op="equ" val="norm">
+        <dgm:alg type="lin">
+          <dgm:param type="linDir" val="fromT"/>
+          <dgm:param type="nodeHorzAlign" val="l"/>
+        </dgm:alg>
+      </dgm:if>
+      <dgm:else name="Name3">
+        <dgm:alg type="lin">
+          <dgm:param type="linDir" val="fromT"/>
+          <dgm:param type="nodeHorzAlign" val="r"/>
+        </dgm:alg>
+      </dgm:else>
+    </dgm:choose>
+    <dgm:shape xmlns:r="http://schemas.openxmlformats.org/officeDocument/2006/relationships" r:blip="">
+      <dgm:adjLst/>
+    </dgm:shape>
+    <dgm:presOf/>
+    <dgm:constrLst>
+      <dgm:constr type="h" for="ch" forName="linNode" refType="h"/>
+      <dgm:constr type="w" for="ch" forName="linNode" refType="w"/>
+      <dgm:constr type="h" for="ch" forName="sp" refType="h" fact="0.05"/>
+      <dgm:constr type="primFontSz" for="des" forName="parentText" op="equ" val="65"/>
+      <dgm:constr type="secFontSz" for="des" forName="descendantText" op="equ"/>
+    </dgm:constrLst>
+    <dgm:ruleLst/>
+    <dgm:forEach name="Name4" axis="ch" ptType="node">
+      <dgm:layoutNode name="linNode">
+        <dgm:choose name="Name5">
+          <dgm:if name="Name6" func="var" arg="dir" op="equ" val="norm">
+            <dgm:alg type="lin">
+              <dgm:param type="linDir" val="fromL"/>
+            </dgm:alg>
+          </dgm:if>
+          <dgm:else name="Name7">
+            <dgm:alg type="lin">
+              <dgm:param type="linDir" val="fromR"/>
+            </dgm:alg>
+          </dgm:else>
+        </dgm:choose>
+        <dgm:shape xmlns:r="http://schemas.openxmlformats.org/officeDocument/2006/relationships" r:blip="">
+          <dgm:adjLst/>
+        </dgm:shape>
+        <dgm:presOf/>
+        <dgm:constrLst>
+          <dgm:constr type="w" for="ch" forName="parentText" refType="w" fact="0.36"/>
+          <dgm:constr type="w" for="ch" forName="descendantText" refType="w" fact="0.64"/>
+          <dgm:constr type="h" for="ch" forName="parentText" refType="h"/>
+          <dgm:constr type="h" for="ch" forName="descendantText" refType="h" refFor="ch" refForName="parentText" fact="0.8"/>
+        </dgm:constrLst>
+        <dgm:ruleLst/>
+        <dgm:layoutNode name="parentText">
+          <dgm:varLst>
+            <dgm:chMax val="1"/>
+            <dgm:bulletEnabled val="1"/>
+          </dgm:varLst>
+          <dgm:alg type="tx"/>
+          <dgm:shape xmlns:r="http://schemas.openxmlformats.org/officeDocument/2006/relationships" type="roundRect" r:blip="" zOrderOff="3">
+            <dgm:adjLst/>
+          </dgm:shape>
+          <dgm:presOf axis="self" ptType="node"/>
+          <dgm:constrLst>
+            <dgm:constr type="tMarg" refType="primFontSz" fact="0.15"/>
+            <dgm:constr type="bMarg" refType="primFontSz" fact="0.15"/>
+            <dgm:constr type="lMarg" refType="primFontSz" fact="0.3"/>
+            <dgm:constr type="rMarg" refType="primFontSz" fact="0.3"/>
+          </dgm:constrLst>
+          <dgm:ruleLst>
+            <dgm:rule type="primFontSz" val="5" fact="NaN" max="NaN"/>
+          </dgm:ruleLst>
+        </dgm:layoutNode>
+        <dgm:choose name="Name8">
+          <dgm:if name="Name9" axis="ch" ptType="node" func="cnt" op="gte" val="1">
+            <dgm:layoutNode name="descendantText" styleLbl="alignAccFollowNode1">
+              <dgm:varLst>
+                <dgm:bulletEnabled val="1"/>
+              </dgm:varLst>
+              <dgm:alg type="tx">
+                <dgm:param type="stBulletLvl" val="1"/>
+                <dgm:param type="txAnchorVertCh" val="mid"/>
+              </dgm:alg>
+              <dgm:choose name="Name10">
+                <dgm:if name="Name11" func="var" arg="dir" op="equ" val="norm">
+                  <dgm:shape xmlns:r="http://schemas.openxmlformats.org/officeDocument/2006/relationships" rot="90" type="round2SameRect" r:blip="">
+                    <dgm:adjLst/>
+                  </dgm:shape>
+                </dgm:if>
+                <dgm:else name="Name12">
+                  <dgm:shape xmlns:r="http://schemas.openxmlformats.org/officeDocument/2006/relationships" rot="-90" type="round2SameRect" r:blip="">
+                    <dgm:adjLst/>
+                  </dgm:shape>
+                </dgm:else>
+              </dgm:choose>
+              <dgm:presOf axis="des" ptType="node"/>
+              <dgm:constrLst>
+                <dgm:constr type="secFontSz" val="65"/>
+                <dgm:constr type="primFontSz" refType="secFontSz"/>
+                <dgm:constr type="lMarg" refType="secFontSz" fact="0.3"/>
+                <dgm:constr type="rMarg" refType="secFontSz" fact="0.3"/>
+                <dgm:constr type="tMarg" refType="secFontSz" fact="0.15"/>
+                <dgm:constr type="bMarg" refType="secFontSz" fact="0.15"/>
+              </dgm:constrLst>
+              <dgm:ruleLst>
+                <dgm:rule type="secFontSz" val="5" fact="NaN" max="NaN"/>
+              </dgm:ruleLst>
+            </dgm:layoutNode>
+          </dgm:if>
+          <dgm:else name="Name13"/>
+        </dgm:choose>
+      </dgm:layoutNode>
+      <dgm:forEach name="Name14" axis="followSib" ptType="sibTrans" cnt="1">
+        <dgm:layoutNode name="sp">
+          <dgm:alg type="sp"/>
+          <dgm:shape xmlns:r="http://schemas.openxmlformats.org/officeDocument/2006/relationships" r:blip="">
+            <dgm:adjLst/>
+          </dgm:shape>
+          <dgm:presOf/>
+          <dgm:constrLst/>
+          <dgm:ruleLst/>
+        </dgm:layoutNode>
+      </dgm:forEach>
+    </dgm:forEach>
+  </dgm:layoutNode>
+</dgm:layoutDef>
+</file>
+
 <file path=ppt/diagrams/quickStyle1.xml><?xml version="1.0" encoding="utf-8"?>
 <dgm:styleDef xmlns:dgm="http://schemas.openxmlformats.org/drawingml/2006/diagram" xmlns:a="http://schemas.openxmlformats.org/drawingml/2006/main" uniqueId="urn:microsoft.com/office/officeart/2005/8/quickstyle/simple1">
   <dgm:title val=""/>
@@ -17614,6 +21035,2074 @@
         <a:scrgbClr r="0" g="0" b="0"/>
       </a:fillRef>
       <a:effectRef idx="0">
+        <a:scrgbClr r="0" g="0" b="0"/>
+      </a:effectRef>
+      <a:fontRef idx="minor"/>
+    </dgm:style>
+  </dgm:styleLbl>
+  <dgm:styleLbl name="revTx">
+    <dgm:scene3d>
+      <a:camera prst="orthographicFront"/>
+      <a:lightRig rig="threePt" dir="t"/>
+    </dgm:scene3d>
+    <dgm:sp3d/>
+    <dgm:txPr/>
+    <dgm:style>
+      <a:lnRef idx="0">
+        <a:scrgbClr r="0" g="0" b="0"/>
+      </a:lnRef>
+      <a:fillRef idx="0">
+        <a:scrgbClr r="0" g="0" b="0"/>
+      </a:fillRef>
+      <a:effectRef idx="0">
+        <a:scrgbClr r="0" g="0" b="0"/>
+      </a:effectRef>
+      <a:fontRef idx="minor"/>
+    </dgm:style>
+  </dgm:styleLbl>
+</dgm:styleDef>
+</file>
+
+<file path=ppt/diagrams/quickStyle6.xml><?xml version="1.0" encoding="utf-8"?>
+<dgm:styleDef xmlns:dgm="http://schemas.openxmlformats.org/drawingml/2006/diagram" xmlns:a="http://schemas.openxmlformats.org/drawingml/2006/main" uniqueId="urn:microsoft.com/office/officeart/2005/8/quickstyle/simple1">
+  <dgm:title val=""/>
+  <dgm:desc val=""/>
+  <dgm:catLst>
+    <dgm:cat type="simple" pri="10100"/>
+  </dgm:catLst>
+  <dgm:scene3d>
+    <a:camera prst="orthographicFront"/>
+    <a:lightRig rig="threePt" dir="t"/>
+  </dgm:scene3d>
+  <dgm:styleLbl name="node0">
+    <dgm:scene3d>
+      <a:camera prst="orthographicFront"/>
+      <a:lightRig rig="threePt" dir="t"/>
+    </dgm:scene3d>
+    <dgm:sp3d/>
+    <dgm:txPr/>
+    <dgm:style>
+      <a:lnRef idx="2">
+        <a:scrgbClr r="0" g="0" b="0"/>
+      </a:lnRef>
+      <a:fillRef idx="1">
+        <a:scrgbClr r="0" g="0" b="0"/>
+      </a:fillRef>
+      <a:effectRef idx="0">
+        <a:scrgbClr r="0" g="0" b="0"/>
+      </a:effectRef>
+      <a:fontRef idx="minor">
+        <a:schemeClr val="lt1"/>
+      </a:fontRef>
+    </dgm:style>
+  </dgm:styleLbl>
+  <dgm:styleLbl name="lnNode1">
+    <dgm:scene3d>
+      <a:camera prst="orthographicFront"/>
+      <a:lightRig rig="threePt" dir="t"/>
+    </dgm:scene3d>
+    <dgm:sp3d/>
+    <dgm:txPr/>
+    <dgm:style>
+      <a:lnRef idx="2">
+        <a:scrgbClr r="0" g="0" b="0"/>
+      </a:lnRef>
+      <a:fillRef idx="1">
+        <a:scrgbClr r="0" g="0" b="0"/>
+      </a:fillRef>
+      <a:effectRef idx="0">
+        <a:scrgbClr r="0" g="0" b="0"/>
+      </a:effectRef>
+      <a:fontRef idx="minor">
+        <a:schemeClr val="lt1"/>
+      </a:fontRef>
+    </dgm:style>
+  </dgm:styleLbl>
+  <dgm:styleLbl name="vennNode1">
+    <dgm:scene3d>
+      <a:camera prst="orthographicFront"/>
+      <a:lightRig rig="threePt" dir="t"/>
+    </dgm:scene3d>
+    <dgm:sp3d/>
+    <dgm:txPr/>
+    <dgm:style>
+      <a:lnRef idx="2">
+        <a:scrgbClr r="0" g="0" b="0"/>
+      </a:lnRef>
+      <a:fillRef idx="1">
+        <a:scrgbClr r="0" g="0" b="0"/>
+      </a:fillRef>
+      <a:effectRef idx="0">
+        <a:scrgbClr r="0" g="0" b="0"/>
+      </a:effectRef>
+      <a:fontRef idx="minor">
+        <a:schemeClr val="tx1"/>
+      </a:fontRef>
+    </dgm:style>
+  </dgm:styleLbl>
+  <dgm:styleLbl name="alignNode1">
+    <dgm:scene3d>
+      <a:camera prst="orthographicFront"/>
+      <a:lightRig rig="threePt" dir="t"/>
+    </dgm:scene3d>
+    <dgm:sp3d/>
+    <dgm:txPr/>
+    <dgm:style>
+      <a:lnRef idx="2">
+        <a:scrgbClr r="0" g="0" b="0"/>
+      </a:lnRef>
+      <a:fillRef idx="1">
+        <a:scrgbClr r="0" g="0" b="0"/>
+      </a:fillRef>
+      <a:effectRef idx="0">
+        <a:scrgbClr r="0" g="0" b="0"/>
+      </a:effectRef>
+      <a:fontRef idx="minor">
+        <a:schemeClr val="lt1"/>
+      </a:fontRef>
+    </dgm:style>
+  </dgm:styleLbl>
+  <dgm:styleLbl name="node1">
+    <dgm:scene3d>
+      <a:camera prst="orthographicFront"/>
+      <a:lightRig rig="threePt" dir="t"/>
+    </dgm:scene3d>
+    <dgm:sp3d/>
+    <dgm:txPr/>
+    <dgm:style>
+      <a:lnRef idx="2">
+        <a:scrgbClr r="0" g="0" b="0"/>
+      </a:lnRef>
+      <a:fillRef idx="1">
+        <a:scrgbClr r="0" g="0" b="0"/>
+      </a:fillRef>
+      <a:effectRef idx="0">
+        <a:scrgbClr r="0" g="0" b="0"/>
+      </a:effectRef>
+      <a:fontRef idx="minor">
+        <a:schemeClr val="lt1"/>
+      </a:fontRef>
+    </dgm:style>
+  </dgm:styleLbl>
+  <dgm:styleLbl name="node2">
+    <dgm:scene3d>
+      <a:camera prst="orthographicFront"/>
+      <a:lightRig rig="threePt" dir="t"/>
+    </dgm:scene3d>
+    <dgm:sp3d/>
+    <dgm:txPr/>
+    <dgm:style>
+      <a:lnRef idx="2">
+        <a:scrgbClr r="0" g="0" b="0"/>
+      </a:lnRef>
+      <a:fillRef idx="1">
+        <a:scrgbClr r="0" g="0" b="0"/>
+      </a:fillRef>
+      <a:effectRef idx="0">
+        <a:scrgbClr r="0" g="0" b="0"/>
+      </a:effectRef>
+      <a:fontRef idx="minor">
+        <a:schemeClr val="lt1"/>
+      </a:fontRef>
+    </dgm:style>
+  </dgm:styleLbl>
+  <dgm:styleLbl name="node3">
+    <dgm:scene3d>
+      <a:camera prst="orthographicFront"/>
+      <a:lightRig rig="threePt" dir="t"/>
+    </dgm:scene3d>
+    <dgm:sp3d/>
+    <dgm:txPr/>
+    <dgm:style>
+      <a:lnRef idx="2">
+        <a:scrgbClr r="0" g="0" b="0"/>
+      </a:lnRef>
+      <a:fillRef idx="1">
+        <a:scrgbClr r="0" g="0" b="0"/>
+      </a:fillRef>
+      <a:effectRef idx="0">
+        <a:scrgbClr r="0" g="0" b="0"/>
+      </a:effectRef>
+      <a:fontRef idx="minor">
+        <a:schemeClr val="lt1"/>
+      </a:fontRef>
+    </dgm:style>
+  </dgm:styleLbl>
+  <dgm:styleLbl name="node4">
+    <dgm:scene3d>
+      <a:camera prst="orthographicFront"/>
+      <a:lightRig rig="threePt" dir="t"/>
+    </dgm:scene3d>
+    <dgm:sp3d/>
+    <dgm:txPr/>
+    <dgm:style>
+      <a:lnRef idx="2">
+        <a:scrgbClr r="0" g="0" b="0"/>
+      </a:lnRef>
+      <a:fillRef idx="1">
+        <a:scrgbClr r="0" g="0" b="0"/>
+      </a:fillRef>
+      <a:effectRef idx="0">
+        <a:scrgbClr r="0" g="0" b="0"/>
+      </a:effectRef>
+      <a:fontRef idx="minor">
+        <a:schemeClr val="lt1"/>
+      </a:fontRef>
+    </dgm:style>
+  </dgm:styleLbl>
+  <dgm:styleLbl name="fgImgPlace1">
+    <dgm:scene3d>
+      <a:camera prst="orthographicFront"/>
+      <a:lightRig rig="threePt" dir="t"/>
+    </dgm:scene3d>
+    <dgm:sp3d/>
+    <dgm:txPr/>
+    <dgm:style>
+      <a:lnRef idx="2">
+        <a:scrgbClr r="0" g="0" b="0"/>
+      </a:lnRef>
+      <a:fillRef idx="1">
+        <a:scrgbClr r="0" g="0" b="0"/>
+      </a:fillRef>
+      <a:effectRef idx="0">
+        <a:scrgbClr r="0" g="0" b="0"/>
+      </a:effectRef>
+      <a:fontRef idx="minor"/>
+    </dgm:style>
+  </dgm:styleLbl>
+  <dgm:styleLbl name="alignImgPlace1">
+    <dgm:scene3d>
+      <a:camera prst="orthographicFront"/>
+      <a:lightRig rig="threePt" dir="t"/>
+    </dgm:scene3d>
+    <dgm:sp3d/>
+    <dgm:txPr/>
+    <dgm:style>
+      <a:lnRef idx="2">
+        <a:scrgbClr r="0" g="0" b="0"/>
+      </a:lnRef>
+      <a:fillRef idx="1">
+        <a:scrgbClr r="0" g="0" b="0"/>
+      </a:fillRef>
+      <a:effectRef idx="0">
+        <a:scrgbClr r="0" g="0" b="0"/>
+      </a:effectRef>
+      <a:fontRef idx="minor"/>
+    </dgm:style>
+  </dgm:styleLbl>
+  <dgm:styleLbl name="bgImgPlace1">
+    <dgm:scene3d>
+      <a:camera prst="orthographicFront"/>
+      <a:lightRig rig="threePt" dir="t"/>
+    </dgm:scene3d>
+    <dgm:sp3d/>
+    <dgm:txPr/>
+    <dgm:style>
+      <a:lnRef idx="2">
+        <a:scrgbClr r="0" g="0" b="0"/>
+      </a:lnRef>
+      <a:fillRef idx="1">
+        <a:scrgbClr r="0" g="0" b="0"/>
+      </a:fillRef>
+      <a:effectRef idx="0">
+        <a:scrgbClr r="0" g="0" b="0"/>
+      </a:effectRef>
+      <a:fontRef idx="minor"/>
+    </dgm:style>
+  </dgm:styleLbl>
+  <dgm:styleLbl name="sibTrans2D1">
+    <dgm:scene3d>
+      <a:camera prst="orthographicFront"/>
+      <a:lightRig rig="threePt" dir="t"/>
+    </dgm:scene3d>
+    <dgm:sp3d/>
+    <dgm:txPr/>
+    <dgm:style>
+      <a:lnRef idx="0">
+        <a:scrgbClr r="0" g="0" b="0"/>
+      </a:lnRef>
+      <a:fillRef idx="1">
+        <a:scrgbClr r="0" g="0" b="0"/>
+      </a:fillRef>
+      <a:effectRef idx="0">
+        <a:scrgbClr r="0" g="0" b="0"/>
+      </a:effectRef>
+      <a:fontRef idx="minor">
+        <a:schemeClr val="lt1"/>
+      </a:fontRef>
+    </dgm:style>
+  </dgm:styleLbl>
+  <dgm:styleLbl name="fgSibTrans2D1">
+    <dgm:scene3d>
+      <a:camera prst="orthographicFront"/>
+      <a:lightRig rig="threePt" dir="t"/>
+    </dgm:scene3d>
+    <dgm:sp3d/>
+    <dgm:txPr/>
+    <dgm:style>
+      <a:lnRef idx="0">
+        <a:scrgbClr r="0" g="0" b="0"/>
+      </a:lnRef>
+      <a:fillRef idx="1">
+        <a:scrgbClr r="0" g="0" b="0"/>
+      </a:fillRef>
+      <a:effectRef idx="0">
+        <a:scrgbClr r="0" g="0" b="0"/>
+      </a:effectRef>
+      <a:fontRef idx="minor">
+        <a:schemeClr val="lt1"/>
+      </a:fontRef>
+    </dgm:style>
+  </dgm:styleLbl>
+  <dgm:styleLbl name="bgSibTrans2D1">
+    <dgm:scene3d>
+      <a:camera prst="orthographicFront"/>
+      <a:lightRig rig="threePt" dir="t"/>
+    </dgm:scene3d>
+    <dgm:sp3d/>
+    <dgm:txPr/>
+    <dgm:style>
+      <a:lnRef idx="0">
+        <a:scrgbClr r="0" g="0" b="0"/>
+      </a:lnRef>
+      <a:fillRef idx="1">
+        <a:scrgbClr r="0" g="0" b="0"/>
+      </a:fillRef>
+      <a:effectRef idx="0">
+        <a:scrgbClr r="0" g="0" b="0"/>
+      </a:effectRef>
+      <a:fontRef idx="minor">
+        <a:schemeClr val="lt1"/>
+      </a:fontRef>
+    </dgm:style>
+  </dgm:styleLbl>
+  <dgm:styleLbl name="sibTrans1D1">
+    <dgm:scene3d>
+      <a:camera prst="orthographicFront"/>
+      <a:lightRig rig="threePt" dir="t"/>
+    </dgm:scene3d>
+    <dgm:sp3d/>
+    <dgm:txPr/>
+    <dgm:style>
+      <a:lnRef idx="1">
+        <a:scrgbClr r="0" g="0" b="0"/>
+      </a:lnRef>
+      <a:fillRef idx="0">
+        <a:scrgbClr r="0" g="0" b="0"/>
+      </a:fillRef>
+      <a:effectRef idx="0">
+        <a:scrgbClr r="0" g="0" b="0"/>
+      </a:effectRef>
+      <a:fontRef idx="minor"/>
+    </dgm:style>
+  </dgm:styleLbl>
+  <dgm:styleLbl name="callout">
+    <dgm:scene3d>
+      <a:camera prst="orthographicFront"/>
+      <a:lightRig rig="threePt" dir="t"/>
+    </dgm:scene3d>
+    <dgm:sp3d/>
+    <dgm:txPr/>
+    <dgm:style>
+      <a:lnRef idx="2">
+        <a:scrgbClr r="0" g="0" b="0"/>
+      </a:lnRef>
+      <a:fillRef idx="1">
+        <a:scrgbClr r="0" g="0" b="0"/>
+      </a:fillRef>
+      <a:effectRef idx="0">
+        <a:scrgbClr r="0" g="0" b="0"/>
+      </a:effectRef>
+      <a:fontRef idx="minor"/>
+    </dgm:style>
+  </dgm:styleLbl>
+  <dgm:styleLbl name="asst0">
+    <dgm:scene3d>
+      <a:camera prst="orthographicFront"/>
+      <a:lightRig rig="threePt" dir="t"/>
+    </dgm:scene3d>
+    <dgm:sp3d/>
+    <dgm:txPr/>
+    <dgm:style>
+      <a:lnRef idx="2">
+        <a:scrgbClr r="0" g="0" b="0"/>
+      </a:lnRef>
+      <a:fillRef idx="1">
+        <a:scrgbClr r="0" g="0" b="0"/>
+      </a:fillRef>
+      <a:effectRef idx="0">
+        <a:scrgbClr r="0" g="0" b="0"/>
+      </a:effectRef>
+      <a:fontRef idx="minor">
+        <a:schemeClr val="lt1"/>
+      </a:fontRef>
+    </dgm:style>
+  </dgm:styleLbl>
+  <dgm:styleLbl name="asst1">
+    <dgm:scene3d>
+      <a:camera prst="orthographicFront"/>
+      <a:lightRig rig="threePt" dir="t"/>
+    </dgm:scene3d>
+    <dgm:sp3d/>
+    <dgm:txPr/>
+    <dgm:style>
+      <a:lnRef idx="2">
+        <a:scrgbClr r="0" g="0" b="0"/>
+      </a:lnRef>
+      <a:fillRef idx="1">
+        <a:scrgbClr r="0" g="0" b="0"/>
+      </a:fillRef>
+      <a:effectRef idx="0">
+        <a:scrgbClr r="0" g="0" b="0"/>
+      </a:effectRef>
+      <a:fontRef idx="minor">
+        <a:schemeClr val="lt1"/>
+      </a:fontRef>
+    </dgm:style>
+  </dgm:styleLbl>
+  <dgm:styleLbl name="asst2">
+    <dgm:scene3d>
+      <a:camera prst="orthographicFront"/>
+      <a:lightRig rig="threePt" dir="t"/>
+    </dgm:scene3d>
+    <dgm:sp3d/>
+    <dgm:txPr/>
+    <dgm:style>
+      <a:lnRef idx="2">
+        <a:scrgbClr r="0" g="0" b="0"/>
+      </a:lnRef>
+      <a:fillRef idx="1">
+        <a:scrgbClr r="0" g="0" b="0"/>
+      </a:fillRef>
+      <a:effectRef idx="0">
+        <a:scrgbClr r="0" g="0" b="0"/>
+      </a:effectRef>
+      <a:fontRef idx="minor">
+        <a:schemeClr val="lt1"/>
+      </a:fontRef>
+    </dgm:style>
+  </dgm:styleLbl>
+  <dgm:styleLbl name="asst3">
+    <dgm:scene3d>
+      <a:camera prst="orthographicFront"/>
+      <a:lightRig rig="threePt" dir="t"/>
+    </dgm:scene3d>
+    <dgm:sp3d/>
+    <dgm:txPr/>
+    <dgm:style>
+      <a:lnRef idx="2">
+        <a:scrgbClr r="0" g="0" b="0"/>
+      </a:lnRef>
+      <a:fillRef idx="1">
+        <a:scrgbClr r="0" g="0" b="0"/>
+      </a:fillRef>
+      <a:effectRef idx="0">
+        <a:scrgbClr r="0" g="0" b="0"/>
+      </a:effectRef>
+      <a:fontRef idx="minor">
+        <a:schemeClr val="lt1"/>
+      </a:fontRef>
+    </dgm:style>
+  </dgm:styleLbl>
+  <dgm:styleLbl name="asst4">
+    <dgm:scene3d>
+      <a:camera prst="orthographicFront"/>
+      <a:lightRig rig="threePt" dir="t"/>
+    </dgm:scene3d>
+    <dgm:sp3d/>
+    <dgm:txPr/>
+    <dgm:style>
+      <a:lnRef idx="2">
+        <a:scrgbClr r="0" g="0" b="0"/>
+      </a:lnRef>
+      <a:fillRef idx="1">
+        <a:scrgbClr r="0" g="0" b="0"/>
+      </a:fillRef>
+      <a:effectRef idx="0">
+        <a:scrgbClr r="0" g="0" b="0"/>
+      </a:effectRef>
+      <a:fontRef idx="minor">
+        <a:schemeClr val="lt1"/>
+      </a:fontRef>
+    </dgm:style>
+  </dgm:styleLbl>
+  <dgm:styleLbl name="parChTrans2D1">
+    <dgm:scene3d>
+      <a:camera prst="orthographicFront"/>
+      <a:lightRig rig="threePt" dir="t"/>
+    </dgm:scene3d>
+    <dgm:sp3d/>
+    <dgm:txPr/>
+    <dgm:style>
+      <a:lnRef idx="2">
+        <a:scrgbClr r="0" g="0" b="0"/>
+      </a:lnRef>
+      <a:fillRef idx="1">
+        <a:scrgbClr r="0" g="0" b="0"/>
+      </a:fillRef>
+      <a:effectRef idx="0">
+        <a:scrgbClr r="0" g="0" b="0"/>
+      </a:effectRef>
+      <a:fontRef idx="minor">
+        <a:schemeClr val="lt1"/>
+      </a:fontRef>
+    </dgm:style>
+  </dgm:styleLbl>
+  <dgm:styleLbl name="parChTrans2D2">
+    <dgm:scene3d>
+      <a:camera prst="orthographicFront"/>
+      <a:lightRig rig="threePt" dir="t"/>
+    </dgm:scene3d>
+    <dgm:sp3d/>
+    <dgm:txPr/>
+    <dgm:style>
+      <a:lnRef idx="2">
+        <a:scrgbClr r="0" g="0" b="0"/>
+      </a:lnRef>
+      <a:fillRef idx="1">
+        <a:scrgbClr r="0" g="0" b="0"/>
+      </a:fillRef>
+      <a:effectRef idx="0">
+        <a:scrgbClr r="0" g="0" b="0"/>
+      </a:effectRef>
+      <a:fontRef idx="minor">
+        <a:schemeClr val="lt1"/>
+      </a:fontRef>
+    </dgm:style>
+  </dgm:styleLbl>
+  <dgm:styleLbl name="parChTrans2D3">
+    <dgm:scene3d>
+      <a:camera prst="orthographicFront"/>
+      <a:lightRig rig="threePt" dir="t"/>
+    </dgm:scene3d>
+    <dgm:sp3d/>
+    <dgm:txPr/>
+    <dgm:style>
+      <a:lnRef idx="2">
+        <a:scrgbClr r="0" g="0" b="0"/>
+      </a:lnRef>
+      <a:fillRef idx="1">
+        <a:scrgbClr r="0" g="0" b="0"/>
+      </a:fillRef>
+      <a:effectRef idx="0">
+        <a:scrgbClr r="0" g="0" b="0"/>
+      </a:effectRef>
+      <a:fontRef idx="minor">
+        <a:schemeClr val="lt1"/>
+      </a:fontRef>
+    </dgm:style>
+  </dgm:styleLbl>
+  <dgm:styleLbl name="parChTrans2D4">
+    <dgm:scene3d>
+      <a:camera prst="orthographicFront"/>
+      <a:lightRig rig="threePt" dir="t"/>
+    </dgm:scene3d>
+    <dgm:sp3d/>
+    <dgm:txPr/>
+    <dgm:style>
+      <a:lnRef idx="2">
+        <a:scrgbClr r="0" g="0" b="0"/>
+      </a:lnRef>
+      <a:fillRef idx="1">
+        <a:scrgbClr r="0" g="0" b="0"/>
+      </a:fillRef>
+      <a:effectRef idx="0">
+        <a:scrgbClr r="0" g="0" b="0"/>
+      </a:effectRef>
+      <a:fontRef idx="minor">
+        <a:schemeClr val="lt1"/>
+      </a:fontRef>
+    </dgm:style>
+  </dgm:styleLbl>
+  <dgm:styleLbl name="parChTrans1D1">
+    <dgm:scene3d>
+      <a:camera prst="orthographicFront"/>
+      <a:lightRig rig="threePt" dir="t"/>
+    </dgm:scene3d>
+    <dgm:sp3d/>
+    <dgm:txPr/>
+    <dgm:style>
+      <a:lnRef idx="2">
+        <a:scrgbClr r="0" g="0" b="0"/>
+      </a:lnRef>
+      <a:fillRef idx="0">
+        <a:scrgbClr r="0" g="0" b="0"/>
+      </a:fillRef>
+      <a:effectRef idx="0">
+        <a:scrgbClr r="0" g="0" b="0"/>
+      </a:effectRef>
+      <a:fontRef idx="minor"/>
+    </dgm:style>
+  </dgm:styleLbl>
+  <dgm:styleLbl name="parChTrans1D2">
+    <dgm:scene3d>
+      <a:camera prst="orthographicFront"/>
+      <a:lightRig rig="threePt" dir="t"/>
+    </dgm:scene3d>
+    <dgm:sp3d/>
+    <dgm:txPr/>
+    <dgm:style>
+      <a:lnRef idx="2">
+        <a:scrgbClr r="0" g="0" b="0"/>
+      </a:lnRef>
+      <a:fillRef idx="0">
+        <a:scrgbClr r="0" g="0" b="0"/>
+      </a:fillRef>
+      <a:effectRef idx="0">
+        <a:scrgbClr r="0" g="0" b="0"/>
+      </a:effectRef>
+      <a:fontRef idx="minor"/>
+    </dgm:style>
+  </dgm:styleLbl>
+  <dgm:styleLbl name="parChTrans1D3">
+    <dgm:scene3d>
+      <a:camera prst="orthographicFront"/>
+      <a:lightRig rig="threePt" dir="t"/>
+    </dgm:scene3d>
+    <dgm:sp3d/>
+    <dgm:txPr/>
+    <dgm:style>
+      <a:lnRef idx="2">
+        <a:scrgbClr r="0" g="0" b="0"/>
+      </a:lnRef>
+      <a:fillRef idx="0">
+        <a:scrgbClr r="0" g="0" b="0"/>
+      </a:fillRef>
+      <a:effectRef idx="0">
+        <a:scrgbClr r="0" g="0" b="0"/>
+      </a:effectRef>
+      <a:fontRef idx="minor"/>
+    </dgm:style>
+  </dgm:styleLbl>
+  <dgm:styleLbl name="parChTrans1D4">
+    <dgm:scene3d>
+      <a:camera prst="orthographicFront"/>
+      <a:lightRig rig="threePt" dir="t"/>
+    </dgm:scene3d>
+    <dgm:sp3d/>
+    <dgm:txPr/>
+    <dgm:style>
+      <a:lnRef idx="2">
+        <a:scrgbClr r="0" g="0" b="0"/>
+      </a:lnRef>
+      <a:fillRef idx="0">
+        <a:scrgbClr r="0" g="0" b="0"/>
+      </a:fillRef>
+      <a:effectRef idx="0">
+        <a:scrgbClr r="0" g="0" b="0"/>
+      </a:effectRef>
+      <a:fontRef idx="minor"/>
+    </dgm:style>
+  </dgm:styleLbl>
+  <dgm:styleLbl name="fgAcc1">
+    <dgm:scene3d>
+      <a:camera prst="orthographicFront"/>
+      <a:lightRig rig="threePt" dir="t"/>
+    </dgm:scene3d>
+    <dgm:sp3d/>
+    <dgm:txPr/>
+    <dgm:style>
+      <a:lnRef idx="2">
+        <a:scrgbClr r="0" g="0" b="0"/>
+      </a:lnRef>
+      <a:fillRef idx="1">
+        <a:scrgbClr r="0" g="0" b="0"/>
+      </a:fillRef>
+      <a:effectRef idx="0">
+        <a:scrgbClr r="0" g="0" b="0"/>
+      </a:effectRef>
+      <a:fontRef idx="minor"/>
+    </dgm:style>
+  </dgm:styleLbl>
+  <dgm:styleLbl name="conFgAcc1">
+    <dgm:scene3d>
+      <a:camera prst="orthographicFront"/>
+      <a:lightRig rig="threePt" dir="t"/>
+    </dgm:scene3d>
+    <dgm:sp3d/>
+    <dgm:txPr/>
+    <dgm:style>
+      <a:lnRef idx="2">
+        <a:scrgbClr r="0" g="0" b="0"/>
+      </a:lnRef>
+      <a:fillRef idx="1">
+        <a:scrgbClr r="0" g="0" b="0"/>
+      </a:fillRef>
+      <a:effectRef idx="0">
+        <a:scrgbClr r="0" g="0" b="0"/>
+      </a:effectRef>
+      <a:fontRef idx="minor"/>
+    </dgm:style>
+  </dgm:styleLbl>
+  <dgm:styleLbl name="alignAcc1">
+    <dgm:scene3d>
+      <a:camera prst="orthographicFront"/>
+      <a:lightRig rig="threePt" dir="t"/>
+    </dgm:scene3d>
+    <dgm:sp3d/>
+    <dgm:txPr/>
+    <dgm:style>
+      <a:lnRef idx="2">
+        <a:scrgbClr r="0" g="0" b="0"/>
+      </a:lnRef>
+      <a:fillRef idx="1">
+        <a:scrgbClr r="0" g="0" b="0"/>
+      </a:fillRef>
+      <a:effectRef idx="0">
+        <a:scrgbClr r="0" g="0" b="0"/>
+      </a:effectRef>
+      <a:fontRef idx="minor"/>
+    </dgm:style>
+  </dgm:styleLbl>
+  <dgm:styleLbl name="trAlignAcc1">
+    <dgm:scene3d>
+      <a:camera prst="orthographicFront"/>
+      <a:lightRig rig="threePt" dir="t"/>
+    </dgm:scene3d>
+    <dgm:sp3d/>
+    <dgm:txPr/>
+    <dgm:style>
+      <a:lnRef idx="1">
+        <a:scrgbClr r="0" g="0" b="0"/>
+      </a:lnRef>
+      <a:fillRef idx="1">
+        <a:scrgbClr r="0" g="0" b="0"/>
+      </a:fillRef>
+      <a:effectRef idx="0">
+        <a:scrgbClr r="0" g="0" b="0"/>
+      </a:effectRef>
+      <a:fontRef idx="minor"/>
+    </dgm:style>
+  </dgm:styleLbl>
+  <dgm:styleLbl name="bgAcc1">
+    <dgm:scene3d>
+      <a:camera prst="orthographicFront"/>
+      <a:lightRig rig="threePt" dir="t"/>
+    </dgm:scene3d>
+    <dgm:sp3d/>
+    <dgm:txPr/>
+    <dgm:style>
+      <a:lnRef idx="2">
+        <a:scrgbClr r="0" g="0" b="0"/>
+      </a:lnRef>
+      <a:fillRef idx="1">
+        <a:scrgbClr r="0" g="0" b="0"/>
+      </a:fillRef>
+      <a:effectRef idx="0">
+        <a:scrgbClr r="0" g="0" b="0"/>
+      </a:effectRef>
+      <a:fontRef idx="minor"/>
+    </dgm:style>
+  </dgm:styleLbl>
+  <dgm:styleLbl name="solidFgAcc1">
+    <dgm:scene3d>
+      <a:camera prst="orthographicFront"/>
+      <a:lightRig rig="threePt" dir="t"/>
+    </dgm:scene3d>
+    <dgm:sp3d/>
+    <dgm:txPr/>
+    <dgm:style>
+      <a:lnRef idx="2">
+        <a:scrgbClr r="0" g="0" b="0"/>
+      </a:lnRef>
+      <a:fillRef idx="1">
+        <a:scrgbClr r="0" g="0" b="0"/>
+      </a:fillRef>
+      <a:effectRef idx="0">
+        <a:scrgbClr r="0" g="0" b="0"/>
+      </a:effectRef>
+      <a:fontRef idx="minor"/>
+    </dgm:style>
+  </dgm:styleLbl>
+  <dgm:styleLbl name="solidAlignAcc1">
+    <dgm:scene3d>
+      <a:camera prst="orthographicFront"/>
+      <a:lightRig rig="threePt" dir="t"/>
+    </dgm:scene3d>
+    <dgm:sp3d/>
+    <dgm:txPr/>
+    <dgm:style>
+      <a:lnRef idx="2">
+        <a:scrgbClr r="0" g="0" b="0"/>
+      </a:lnRef>
+      <a:fillRef idx="1">
+        <a:scrgbClr r="0" g="0" b="0"/>
+      </a:fillRef>
+      <a:effectRef idx="0">
+        <a:scrgbClr r="0" g="0" b="0"/>
+      </a:effectRef>
+      <a:fontRef idx="minor"/>
+    </dgm:style>
+  </dgm:styleLbl>
+  <dgm:styleLbl name="solidBgAcc1">
+    <dgm:scene3d>
+      <a:camera prst="orthographicFront"/>
+      <a:lightRig rig="threePt" dir="t"/>
+    </dgm:scene3d>
+    <dgm:sp3d/>
+    <dgm:txPr/>
+    <dgm:style>
+      <a:lnRef idx="2">
+        <a:scrgbClr r="0" g="0" b="0"/>
+      </a:lnRef>
+      <a:fillRef idx="1">
+        <a:scrgbClr r="0" g="0" b="0"/>
+      </a:fillRef>
+      <a:effectRef idx="0">
+        <a:scrgbClr r="0" g="0" b="0"/>
+      </a:effectRef>
+      <a:fontRef idx="minor"/>
+    </dgm:style>
+  </dgm:styleLbl>
+  <dgm:styleLbl name="fgAccFollowNode1">
+    <dgm:scene3d>
+      <a:camera prst="orthographicFront"/>
+      <a:lightRig rig="threePt" dir="t"/>
+    </dgm:scene3d>
+    <dgm:sp3d/>
+    <dgm:txPr/>
+    <dgm:style>
+      <a:lnRef idx="2">
+        <a:scrgbClr r="0" g="0" b="0"/>
+      </a:lnRef>
+      <a:fillRef idx="1">
+        <a:scrgbClr r="0" g="0" b="0"/>
+      </a:fillRef>
+      <a:effectRef idx="0">
+        <a:scrgbClr r="0" g="0" b="0"/>
+      </a:effectRef>
+      <a:fontRef idx="minor"/>
+    </dgm:style>
+  </dgm:styleLbl>
+  <dgm:styleLbl name="alignAccFollowNode1">
+    <dgm:scene3d>
+      <a:camera prst="orthographicFront"/>
+      <a:lightRig rig="threePt" dir="t"/>
+    </dgm:scene3d>
+    <dgm:sp3d/>
+    <dgm:txPr/>
+    <dgm:style>
+      <a:lnRef idx="2">
+        <a:scrgbClr r="0" g="0" b="0"/>
+      </a:lnRef>
+      <a:fillRef idx="1">
+        <a:scrgbClr r="0" g="0" b="0"/>
+      </a:fillRef>
+      <a:effectRef idx="0">
+        <a:scrgbClr r="0" g="0" b="0"/>
+      </a:effectRef>
+      <a:fontRef idx="minor"/>
+    </dgm:style>
+  </dgm:styleLbl>
+  <dgm:styleLbl name="bgAccFollowNode1">
+    <dgm:scene3d>
+      <a:camera prst="orthographicFront"/>
+      <a:lightRig rig="threePt" dir="t"/>
+    </dgm:scene3d>
+    <dgm:sp3d/>
+    <dgm:txPr/>
+    <dgm:style>
+      <a:lnRef idx="2">
+        <a:scrgbClr r="0" g="0" b="0"/>
+      </a:lnRef>
+      <a:fillRef idx="1">
+        <a:scrgbClr r="0" g="0" b="0"/>
+      </a:fillRef>
+      <a:effectRef idx="0">
+        <a:scrgbClr r="0" g="0" b="0"/>
+      </a:effectRef>
+      <a:fontRef idx="minor"/>
+    </dgm:style>
+  </dgm:styleLbl>
+  <dgm:styleLbl name="fgAcc0">
+    <dgm:scene3d>
+      <a:camera prst="orthographicFront"/>
+      <a:lightRig rig="threePt" dir="t"/>
+    </dgm:scene3d>
+    <dgm:sp3d/>
+    <dgm:txPr/>
+    <dgm:style>
+      <a:lnRef idx="2">
+        <a:scrgbClr r="0" g="0" b="0"/>
+      </a:lnRef>
+      <a:fillRef idx="1">
+        <a:scrgbClr r="0" g="0" b="0"/>
+      </a:fillRef>
+      <a:effectRef idx="0">
+        <a:scrgbClr r="0" g="0" b="0"/>
+      </a:effectRef>
+      <a:fontRef idx="minor"/>
+    </dgm:style>
+  </dgm:styleLbl>
+  <dgm:styleLbl name="fgAcc2">
+    <dgm:scene3d>
+      <a:camera prst="orthographicFront"/>
+      <a:lightRig rig="threePt" dir="t"/>
+    </dgm:scene3d>
+    <dgm:sp3d/>
+    <dgm:txPr/>
+    <dgm:style>
+      <a:lnRef idx="2">
+        <a:scrgbClr r="0" g="0" b="0"/>
+      </a:lnRef>
+      <a:fillRef idx="1">
+        <a:scrgbClr r="0" g="0" b="0"/>
+      </a:fillRef>
+      <a:effectRef idx="0">
+        <a:scrgbClr r="0" g="0" b="0"/>
+      </a:effectRef>
+      <a:fontRef idx="minor"/>
+    </dgm:style>
+  </dgm:styleLbl>
+  <dgm:styleLbl name="fgAcc3">
+    <dgm:scene3d>
+      <a:camera prst="orthographicFront"/>
+      <a:lightRig rig="threePt" dir="t"/>
+    </dgm:scene3d>
+    <dgm:sp3d/>
+    <dgm:txPr/>
+    <dgm:style>
+      <a:lnRef idx="2">
+        <a:scrgbClr r="0" g="0" b="0"/>
+      </a:lnRef>
+      <a:fillRef idx="1">
+        <a:scrgbClr r="0" g="0" b="0"/>
+      </a:fillRef>
+      <a:effectRef idx="0">
+        <a:scrgbClr r="0" g="0" b="0"/>
+      </a:effectRef>
+      <a:fontRef idx="minor"/>
+    </dgm:style>
+  </dgm:styleLbl>
+  <dgm:styleLbl name="fgAcc4">
+    <dgm:scene3d>
+      <a:camera prst="orthographicFront"/>
+      <a:lightRig rig="threePt" dir="t"/>
+    </dgm:scene3d>
+    <dgm:sp3d/>
+    <dgm:txPr/>
+    <dgm:style>
+      <a:lnRef idx="2">
+        <a:scrgbClr r="0" g="0" b="0"/>
+      </a:lnRef>
+      <a:fillRef idx="1">
+        <a:scrgbClr r="0" g="0" b="0"/>
+      </a:fillRef>
+      <a:effectRef idx="0">
+        <a:scrgbClr r="0" g="0" b="0"/>
+      </a:effectRef>
+      <a:fontRef idx="minor"/>
+    </dgm:style>
+  </dgm:styleLbl>
+  <dgm:styleLbl name="bgShp">
+    <dgm:scene3d>
+      <a:camera prst="orthographicFront"/>
+      <a:lightRig rig="threePt" dir="t"/>
+    </dgm:scene3d>
+    <dgm:sp3d/>
+    <dgm:txPr/>
+    <dgm:style>
+      <a:lnRef idx="0">
+        <a:scrgbClr r="0" g="0" b="0"/>
+      </a:lnRef>
+      <a:fillRef idx="1">
+        <a:scrgbClr r="0" g="0" b="0"/>
+      </a:fillRef>
+      <a:effectRef idx="0">
+        <a:scrgbClr r="0" g="0" b="0"/>
+      </a:effectRef>
+      <a:fontRef idx="minor"/>
+    </dgm:style>
+  </dgm:styleLbl>
+  <dgm:styleLbl name="dkBgShp">
+    <dgm:scene3d>
+      <a:camera prst="orthographicFront"/>
+      <a:lightRig rig="threePt" dir="t"/>
+    </dgm:scene3d>
+    <dgm:sp3d/>
+    <dgm:txPr/>
+    <dgm:style>
+      <a:lnRef idx="0">
+        <a:scrgbClr r="0" g="0" b="0"/>
+      </a:lnRef>
+      <a:fillRef idx="1">
+        <a:scrgbClr r="0" g="0" b="0"/>
+      </a:fillRef>
+      <a:effectRef idx="0">
+        <a:scrgbClr r="0" g="0" b="0"/>
+      </a:effectRef>
+      <a:fontRef idx="minor"/>
+    </dgm:style>
+  </dgm:styleLbl>
+  <dgm:styleLbl name="trBgShp">
+    <dgm:scene3d>
+      <a:camera prst="orthographicFront"/>
+      <a:lightRig rig="threePt" dir="t"/>
+    </dgm:scene3d>
+    <dgm:sp3d/>
+    <dgm:txPr/>
+    <dgm:style>
+      <a:lnRef idx="0">
+        <a:scrgbClr r="0" g="0" b="0"/>
+      </a:lnRef>
+      <a:fillRef idx="1">
+        <a:scrgbClr r="0" g="0" b="0"/>
+      </a:fillRef>
+      <a:effectRef idx="0">
+        <a:scrgbClr r="0" g="0" b="0"/>
+      </a:effectRef>
+      <a:fontRef idx="minor"/>
+    </dgm:style>
+  </dgm:styleLbl>
+  <dgm:styleLbl name="fgShp">
+    <dgm:scene3d>
+      <a:camera prst="orthographicFront"/>
+      <a:lightRig rig="threePt" dir="t"/>
+    </dgm:scene3d>
+    <dgm:sp3d/>
+    <dgm:txPr/>
+    <dgm:style>
+      <a:lnRef idx="2">
+        <a:scrgbClr r="0" g="0" b="0"/>
+      </a:lnRef>
+      <a:fillRef idx="1">
+        <a:scrgbClr r="0" g="0" b="0"/>
+      </a:fillRef>
+      <a:effectRef idx="0">
+        <a:scrgbClr r="0" g="0" b="0"/>
+      </a:effectRef>
+      <a:fontRef idx="minor"/>
+    </dgm:style>
+  </dgm:styleLbl>
+  <dgm:styleLbl name="revTx">
+    <dgm:scene3d>
+      <a:camera prst="orthographicFront"/>
+      <a:lightRig rig="threePt" dir="t"/>
+    </dgm:scene3d>
+    <dgm:sp3d/>
+    <dgm:txPr/>
+    <dgm:style>
+      <a:lnRef idx="0">
+        <a:scrgbClr r="0" g="0" b="0"/>
+      </a:lnRef>
+      <a:fillRef idx="0">
+        <a:scrgbClr r="0" g="0" b="0"/>
+      </a:fillRef>
+      <a:effectRef idx="0">
+        <a:scrgbClr r="0" g="0" b="0"/>
+      </a:effectRef>
+      <a:fontRef idx="minor"/>
+    </dgm:style>
+  </dgm:styleLbl>
+</dgm:styleDef>
+</file>
+
+<file path=ppt/diagrams/quickStyle7.xml><?xml version="1.0" encoding="utf-8"?>
+<dgm:styleDef xmlns:dgm="http://schemas.openxmlformats.org/drawingml/2006/diagram" xmlns:a="http://schemas.openxmlformats.org/drawingml/2006/main" uniqueId="urn:microsoft.com/office/officeart/2005/8/quickstyle/simple4">
+  <dgm:title val=""/>
+  <dgm:desc val=""/>
+  <dgm:catLst>
+    <dgm:cat type="simple" pri="10400"/>
+  </dgm:catLst>
+  <dgm:scene3d>
+    <a:camera prst="orthographicFront"/>
+    <a:lightRig rig="threePt" dir="t"/>
+  </dgm:scene3d>
+  <dgm:styleLbl name="node0">
+    <dgm:scene3d>
+      <a:camera prst="orthographicFront"/>
+      <a:lightRig rig="threePt" dir="t"/>
+    </dgm:scene3d>
+    <dgm:sp3d/>
+    <dgm:txPr/>
+    <dgm:style>
+      <a:lnRef idx="0">
+        <a:scrgbClr r="0" g="0" b="0"/>
+      </a:lnRef>
+      <a:fillRef idx="3">
+        <a:scrgbClr r="0" g="0" b="0"/>
+      </a:fillRef>
+      <a:effectRef idx="2">
+        <a:scrgbClr r="0" g="0" b="0"/>
+      </a:effectRef>
+      <a:fontRef idx="minor">
+        <a:schemeClr val="lt1"/>
+      </a:fontRef>
+    </dgm:style>
+  </dgm:styleLbl>
+  <dgm:styleLbl name="lnNode1">
+    <dgm:scene3d>
+      <a:camera prst="orthographicFront"/>
+      <a:lightRig rig="threePt" dir="t"/>
+    </dgm:scene3d>
+    <dgm:sp3d/>
+    <dgm:txPr/>
+    <dgm:style>
+      <a:lnRef idx="1">
+        <a:scrgbClr r="0" g="0" b="0"/>
+      </a:lnRef>
+      <a:fillRef idx="3">
+        <a:scrgbClr r="0" g="0" b="0"/>
+      </a:fillRef>
+      <a:effectRef idx="2">
+        <a:scrgbClr r="0" g="0" b="0"/>
+      </a:effectRef>
+      <a:fontRef idx="minor">
+        <a:schemeClr val="lt1"/>
+      </a:fontRef>
+    </dgm:style>
+  </dgm:styleLbl>
+  <dgm:styleLbl name="vennNode1">
+    <dgm:scene3d>
+      <a:camera prst="orthographicFront"/>
+      <a:lightRig rig="threePt" dir="t"/>
+    </dgm:scene3d>
+    <dgm:sp3d/>
+    <dgm:txPr/>
+    <dgm:style>
+      <a:lnRef idx="0">
+        <a:scrgbClr r="0" g="0" b="0"/>
+      </a:lnRef>
+      <a:fillRef idx="3">
+        <a:scrgbClr r="0" g="0" b="0"/>
+      </a:fillRef>
+      <a:effectRef idx="0">
+        <a:scrgbClr r="0" g="0" b="0"/>
+      </a:effectRef>
+      <a:fontRef idx="minor">
+        <a:schemeClr val="tx1"/>
+      </a:fontRef>
+    </dgm:style>
+  </dgm:styleLbl>
+  <dgm:styleLbl name="alignNode1">
+    <dgm:scene3d>
+      <a:camera prst="orthographicFront"/>
+      <a:lightRig rig="threePt" dir="t"/>
+    </dgm:scene3d>
+    <dgm:sp3d/>
+    <dgm:txPr/>
+    <dgm:style>
+      <a:lnRef idx="1">
+        <a:scrgbClr r="0" g="0" b="0"/>
+      </a:lnRef>
+      <a:fillRef idx="3">
+        <a:scrgbClr r="0" g="0" b="0"/>
+      </a:fillRef>
+      <a:effectRef idx="2">
+        <a:scrgbClr r="0" g="0" b="0"/>
+      </a:effectRef>
+      <a:fontRef idx="minor">
+        <a:schemeClr val="lt1"/>
+      </a:fontRef>
+    </dgm:style>
+  </dgm:styleLbl>
+  <dgm:styleLbl name="node1">
+    <dgm:scene3d>
+      <a:camera prst="orthographicFront"/>
+      <a:lightRig rig="threePt" dir="t"/>
+    </dgm:scene3d>
+    <dgm:sp3d/>
+    <dgm:txPr/>
+    <dgm:style>
+      <a:lnRef idx="0">
+        <a:scrgbClr r="0" g="0" b="0"/>
+      </a:lnRef>
+      <a:fillRef idx="3">
+        <a:scrgbClr r="0" g="0" b="0"/>
+      </a:fillRef>
+      <a:effectRef idx="2">
+        <a:scrgbClr r="0" g="0" b="0"/>
+      </a:effectRef>
+      <a:fontRef idx="minor">
+        <a:schemeClr val="lt1"/>
+      </a:fontRef>
+    </dgm:style>
+  </dgm:styleLbl>
+  <dgm:styleLbl name="node2">
+    <dgm:scene3d>
+      <a:camera prst="orthographicFront"/>
+      <a:lightRig rig="threePt" dir="t"/>
+    </dgm:scene3d>
+    <dgm:sp3d/>
+    <dgm:txPr/>
+    <dgm:style>
+      <a:lnRef idx="0">
+        <a:scrgbClr r="0" g="0" b="0"/>
+      </a:lnRef>
+      <a:fillRef idx="3">
+        <a:scrgbClr r="0" g="0" b="0"/>
+      </a:fillRef>
+      <a:effectRef idx="2">
+        <a:scrgbClr r="0" g="0" b="0"/>
+      </a:effectRef>
+      <a:fontRef idx="minor">
+        <a:schemeClr val="lt1"/>
+      </a:fontRef>
+    </dgm:style>
+  </dgm:styleLbl>
+  <dgm:styleLbl name="node3">
+    <dgm:scene3d>
+      <a:camera prst="orthographicFront"/>
+      <a:lightRig rig="threePt" dir="t"/>
+    </dgm:scene3d>
+    <dgm:sp3d/>
+    <dgm:txPr/>
+    <dgm:style>
+      <a:lnRef idx="0">
+        <a:scrgbClr r="0" g="0" b="0"/>
+      </a:lnRef>
+      <a:fillRef idx="3">
+        <a:scrgbClr r="0" g="0" b="0"/>
+      </a:fillRef>
+      <a:effectRef idx="2">
+        <a:scrgbClr r="0" g="0" b="0"/>
+      </a:effectRef>
+      <a:fontRef idx="minor">
+        <a:schemeClr val="lt1"/>
+      </a:fontRef>
+    </dgm:style>
+  </dgm:styleLbl>
+  <dgm:styleLbl name="node4">
+    <dgm:scene3d>
+      <a:camera prst="orthographicFront"/>
+      <a:lightRig rig="threePt" dir="t"/>
+    </dgm:scene3d>
+    <dgm:sp3d/>
+    <dgm:txPr/>
+    <dgm:style>
+      <a:lnRef idx="0">
+        <a:scrgbClr r="0" g="0" b="0"/>
+      </a:lnRef>
+      <a:fillRef idx="3">
+        <a:scrgbClr r="0" g="0" b="0"/>
+      </a:fillRef>
+      <a:effectRef idx="2">
+        <a:scrgbClr r="0" g="0" b="0"/>
+      </a:effectRef>
+      <a:fontRef idx="minor">
+        <a:schemeClr val="lt1"/>
+      </a:fontRef>
+    </dgm:style>
+  </dgm:styleLbl>
+  <dgm:styleLbl name="fgImgPlace1">
+    <dgm:scene3d>
+      <a:camera prst="orthographicFront"/>
+      <a:lightRig rig="threePt" dir="t"/>
+    </dgm:scene3d>
+    <dgm:sp3d/>
+    <dgm:txPr/>
+    <dgm:style>
+      <a:lnRef idx="0">
+        <a:scrgbClr r="0" g="0" b="0"/>
+      </a:lnRef>
+      <a:fillRef idx="1">
+        <a:scrgbClr r="0" g="0" b="0"/>
+      </a:fillRef>
+      <a:effectRef idx="2">
+        <a:scrgbClr r="0" g="0" b="0"/>
+      </a:effectRef>
+      <a:fontRef idx="minor"/>
+    </dgm:style>
+  </dgm:styleLbl>
+  <dgm:styleLbl name="alignImgPlace1">
+    <dgm:scene3d>
+      <a:camera prst="orthographicFront"/>
+      <a:lightRig rig="threePt" dir="t"/>
+    </dgm:scene3d>
+    <dgm:sp3d/>
+    <dgm:txPr/>
+    <dgm:style>
+      <a:lnRef idx="0">
+        <a:scrgbClr r="0" g="0" b="0"/>
+      </a:lnRef>
+      <a:fillRef idx="1">
+        <a:scrgbClr r="0" g="0" b="0"/>
+      </a:fillRef>
+      <a:effectRef idx="2">
+        <a:scrgbClr r="0" g="0" b="0"/>
+      </a:effectRef>
+      <a:fontRef idx="minor"/>
+    </dgm:style>
+  </dgm:styleLbl>
+  <dgm:styleLbl name="bgImgPlace1">
+    <dgm:scene3d>
+      <a:camera prst="orthographicFront"/>
+      <a:lightRig rig="threePt" dir="t"/>
+    </dgm:scene3d>
+    <dgm:sp3d/>
+    <dgm:txPr/>
+    <dgm:style>
+      <a:lnRef idx="0">
+        <a:scrgbClr r="0" g="0" b="0"/>
+      </a:lnRef>
+      <a:fillRef idx="1">
+        <a:scrgbClr r="0" g="0" b="0"/>
+      </a:fillRef>
+      <a:effectRef idx="2">
+        <a:scrgbClr r="0" g="0" b="0"/>
+      </a:effectRef>
+      <a:fontRef idx="minor"/>
+    </dgm:style>
+  </dgm:styleLbl>
+  <dgm:styleLbl name="sibTrans2D1">
+    <dgm:scene3d>
+      <a:camera prst="orthographicFront"/>
+      <a:lightRig rig="threePt" dir="t"/>
+    </dgm:scene3d>
+    <dgm:sp3d/>
+    <dgm:txPr/>
+    <dgm:style>
+      <a:lnRef idx="0">
+        <a:scrgbClr r="0" g="0" b="0"/>
+      </a:lnRef>
+      <a:fillRef idx="3">
+        <a:scrgbClr r="0" g="0" b="0"/>
+      </a:fillRef>
+      <a:effectRef idx="2">
+        <a:scrgbClr r="0" g="0" b="0"/>
+      </a:effectRef>
+      <a:fontRef idx="minor">
+        <a:schemeClr val="lt1"/>
+      </a:fontRef>
+    </dgm:style>
+  </dgm:styleLbl>
+  <dgm:styleLbl name="fgSibTrans2D1">
+    <dgm:scene3d>
+      <a:camera prst="orthographicFront"/>
+      <a:lightRig rig="threePt" dir="t"/>
+    </dgm:scene3d>
+    <dgm:sp3d/>
+    <dgm:txPr/>
+    <dgm:style>
+      <a:lnRef idx="0">
+        <a:scrgbClr r="0" g="0" b="0"/>
+      </a:lnRef>
+      <a:fillRef idx="3">
+        <a:scrgbClr r="0" g="0" b="0"/>
+      </a:fillRef>
+      <a:effectRef idx="2">
+        <a:scrgbClr r="0" g="0" b="0"/>
+      </a:effectRef>
+      <a:fontRef idx="minor">
+        <a:schemeClr val="lt1"/>
+      </a:fontRef>
+    </dgm:style>
+  </dgm:styleLbl>
+  <dgm:styleLbl name="bgSibTrans2D1">
+    <dgm:scene3d>
+      <a:camera prst="orthographicFront"/>
+      <a:lightRig rig="threePt" dir="t"/>
+    </dgm:scene3d>
+    <dgm:sp3d/>
+    <dgm:txPr/>
+    <dgm:style>
+      <a:lnRef idx="0">
+        <a:scrgbClr r="0" g="0" b="0"/>
+      </a:lnRef>
+      <a:fillRef idx="3">
+        <a:scrgbClr r="0" g="0" b="0"/>
+      </a:fillRef>
+      <a:effectRef idx="2">
+        <a:scrgbClr r="0" g="0" b="0"/>
+      </a:effectRef>
+      <a:fontRef idx="minor">
+        <a:schemeClr val="lt1"/>
+      </a:fontRef>
+    </dgm:style>
+  </dgm:styleLbl>
+  <dgm:styleLbl name="sibTrans1D1">
+    <dgm:scene3d>
+      <a:camera prst="orthographicFront"/>
+      <a:lightRig rig="threePt" dir="t"/>
+    </dgm:scene3d>
+    <dgm:sp3d/>
+    <dgm:txPr/>
+    <dgm:style>
+      <a:lnRef idx="1">
+        <a:scrgbClr r="0" g="0" b="0"/>
+      </a:lnRef>
+      <a:fillRef idx="0">
+        <a:scrgbClr r="0" g="0" b="0"/>
+      </a:fillRef>
+      <a:effectRef idx="0">
+        <a:scrgbClr r="0" g="0" b="0"/>
+      </a:effectRef>
+      <a:fontRef idx="minor"/>
+    </dgm:style>
+  </dgm:styleLbl>
+  <dgm:styleLbl name="callout">
+    <dgm:scene3d>
+      <a:camera prst="orthographicFront"/>
+      <a:lightRig rig="threePt" dir="t"/>
+    </dgm:scene3d>
+    <dgm:sp3d/>
+    <dgm:txPr/>
+    <dgm:style>
+      <a:lnRef idx="2">
+        <a:scrgbClr r="0" g="0" b="0"/>
+      </a:lnRef>
+      <a:fillRef idx="1">
+        <a:scrgbClr r="0" g="0" b="0"/>
+      </a:fillRef>
+      <a:effectRef idx="1">
+        <a:scrgbClr r="0" g="0" b="0"/>
+      </a:effectRef>
+      <a:fontRef idx="minor"/>
+    </dgm:style>
+  </dgm:styleLbl>
+  <dgm:styleLbl name="asst0">
+    <dgm:scene3d>
+      <a:camera prst="orthographicFront"/>
+      <a:lightRig rig="threePt" dir="t"/>
+    </dgm:scene3d>
+    <dgm:sp3d/>
+    <dgm:txPr/>
+    <dgm:style>
+      <a:lnRef idx="0">
+        <a:scrgbClr r="0" g="0" b="0"/>
+      </a:lnRef>
+      <a:fillRef idx="3">
+        <a:scrgbClr r="0" g="0" b="0"/>
+      </a:fillRef>
+      <a:effectRef idx="2">
+        <a:scrgbClr r="0" g="0" b="0"/>
+      </a:effectRef>
+      <a:fontRef idx="minor">
+        <a:schemeClr val="lt1"/>
+      </a:fontRef>
+    </dgm:style>
+  </dgm:styleLbl>
+  <dgm:styleLbl name="asst1">
+    <dgm:scene3d>
+      <a:camera prst="orthographicFront"/>
+      <a:lightRig rig="threePt" dir="t"/>
+    </dgm:scene3d>
+    <dgm:sp3d/>
+    <dgm:txPr/>
+    <dgm:style>
+      <a:lnRef idx="0">
+        <a:scrgbClr r="0" g="0" b="0"/>
+      </a:lnRef>
+      <a:fillRef idx="3">
+        <a:scrgbClr r="0" g="0" b="0"/>
+      </a:fillRef>
+      <a:effectRef idx="2">
+        <a:scrgbClr r="0" g="0" b="0"/>
+      </a:effectRef>
+      <a:fontRef idx="minor">
+        <a:schemeClr val="lt1"/>
+      </a:fontRef>
+    </dgm:style>
+  </dgm:styleLbl>
+  <dgm:styleLbl name="asst2">
+    <dgm:scene3d>
+      <a:camera prst="orthographicFront"/>
+      <a:lightRig rig="threePt" dir="t"/>
+    </dgm:scene3d>
+    <dgm:sp3d/>
+    <dgm:txPr/>
+    <dgm:style>
+      <a:lnRef idx="0">
+        <a:scrgbClr r="0" g="0" b="0"/>
+      </a:lnRef>
+      <a:fillRef idx="3">
+        <a:scrgbClr r="0" g="0" b="0"/>
+      </a:fillRef>
+      <a:effectRef idx="2">
+        <a:scrgbClr r="0" g="0" b="0"/>
+      </a:effectRef>
+      <a:fontRef idx="minor">
+        <a:schemeClr val="lt1"/>
+      </a:fontRef>
+    </dgm:style>
+  </dgm:styleLbl>
+  <dgm:styleLbl name="asst3">
+    <dgm:scene3d>
+      <a:camera prst="orthographicFront"/>
+      <a:lightRig rig="threePt" dir="t"/>
+    </dgm:scene3d>
+    <dgm:sp3d/>
+    <dgm:txPr/>
+    <dgm:style>
+      <a:lnRef idx="0">
+        <a:scrgbClr r="0" g="0" b="0"/>
+      </a:lnRef>
+      <a:fillRef idx="3">
+        <a:scrgbClr r="0" g="0" b="0"/>
+      </a:fillRef>
+      <a:effectRef idx="2">
+        <a:scrgbClr r="0" g="0" b="0"/>
+      </a:effectRef>
+      <a:fontRef idx="minor">
+        <a:schemeClr val="lt1"/>
+      </a:fontRef>
+    </dgm:style>
+  </dgm:styleLbl>
+  <dgm:styleLbl name="asst4">
+    <dgm:scene3d>
+      <a:camera prst="orthographicFront"/>
+      <a:lightRig rig="threePt" dir="t"/>
+    </dgm:scene3d>
+    <dgm:sp3d/>
+    <dgm:txPr/>
+    <dgm:style>
+      <a:lnRef idx="0">
+        <a:scrgbClr r="0" g="0" b="0"/>
+      </a:lnRef>
+      <a:fillRef idx="3">
+        <a:scrgbClr r="0" g="0" b="0"/>
+      </a:fillRef>
+      <a:effectRef idx="2">
+        <a:scrgbClr r="0" g="0" b="0"/>
+      </a:effectRef>
+      <a:fontRef idx="minor">
+        <a:schemeClr val="lt1"/>
+      </a:fontRef>
+    </dgm:style>
+  </dgm:styleLbl>
+  <dgm:styleLbl name="parChTrans2D1">
+    <dgm:scene3d>
+      <a:camera prst="orthographicFront"/>
+      <a:lightRig rig="threePt" dir="t"/>
+    </dgm:scene3d>
+    <dgm:sp3d/>
+    <dgm:txPr/>
+    <dgm:style>
+      <a:lnRef idx="0">
+        <a:scrgbClr r="0" g="0" b="0"/>
+      </a:lnRef>
+      <a:fillRef idx="3">
+        <a:scrgbClr r="0" g="0" b="0"/>
+      </a:fillRef>
+      <a:effectRef idx="2">
+        <a:scrgbClr r="0" g="0" b="0"/>
+      </a:effectRef>
+      <a:fontRef idx="minor">
+        <a:schemeClr val="lt1"/>
+      </a:fontRef>
+    </dgm:style>
+  </dgm:styleLbl>
+  <dgm:styleLbl name="parChTrans2D2">
+    <dgm:scene3d>
+      <a:camera prst="orthographicFront"/>
+      <a:lightRig rig="threePt" dir="t"/>
+    </dgm:scene3d>
+    <dgm:sp3d/>
+    <dgm:txPr/>
+    <dgm:style>
+      <a:lnRef idx="0">
+        <a:scrgbClr r="0" g="0" b="0"/>
+      </a:lnRef>
+      <a:fillRef idx="3">
+        <a:scrgbClr r="0" g="0" b="0"/>
+      </a:fillRef>
+      <a:effectRef idx="2">
+        <a:scrgbClr r="0" g="0" b="0"/>
+      </a:effectRef>
+      <a:fontRef idx="minor">
+        <a:schemeClr val="lt1"/>
+      </a:fontRef>
+    </dgm:style>
+  </dgm:styleLbl>
+  <dgm:styleLbl name="parChTrans2D3">
+    <dgm:scene3d>
+      <a:camera prst="orthographicFront"/>
+      <a:lightRig rig="threePt" dir="t"/>
+    </dgm:scene3d>
+    <dgm:sp3d/>
+    <dgm:txPr/>
+    <dgm:style>
+      <a:lnRef idx="1">
+        <a:scrgbClr r="0" g="0" b="0"/>
+      </a:lnRef>
+      <a:fillRef idx="3">
+        <a:scrgbClr r="0" g="0" b="0"/>
+      </a:fillRef>
+      <a:effectRef idx="2">
+        <a:scrgbClr r="0" g="0" b="0"/>
+      </a:effectRef>
+      <a:fontRef idx="minor">
+        <a:schemeClr val="lt1"/>
+      </a:fontRef>
+    </dgm:style>
+  </dgm:styleLbl>
+  <dgm:styleLbl name="parChTrans2D4">
+    <dgm:scene3d>
+      <a:camera prst="orthographicFront"/>
+      <a:lightRig rig="threePt" dir="t"/>
+    </dgm:scene3d>
+    <dgm:sp3d/>
+    <dgm:txPr/>
+    <dgm:style>
+      <a:lnRef idx="1">
+        <a:scrgbClr r="0" g="0" b="0"/>
+      </a:lnRef>
+      <a:fillRef idx="3">
+        <a:scrgbClr r="0" g="0" b="0"/>
+      </a:fillRef>
+      <a:effectRef idx="2">
+        <a:scrgbClr r="0" g="0" b="0"/>
+      </a:effectRef>
+      <a:fontRef idx="minor">
+        <a:schemeClr val="lt1"/>
+      </a:fontRef>
+    </dgm:style>
+  </dgm:styleLbl>
+  <dgm:styleLbl name="parChTrans1D1">
+    <dgm:scene3d>
+      <a:camera prst="orthographicFront"/>
+      <a:lightRig rig="threePt" dir="t"/>
+    </dgm:scene3d>
+    <dgm:sp3d/>
+    <dgm:txPr/>
+    <dgm:style>
+      <a:lnRef idx="1">
+        <a:scrgbClr r="0" g="0" b="0"/>
+      </a:lnRef>
+      <a:fillRef idx="0">
+        <a:scrgbClr r="0" g="0" b="0"/>
+      </a:fillRef>
+      <a:effectRef idx="0">
+        <a:scrgbClr r="0" g="0" b="0"/>
+      </a:effectRef>
+      <a:fontRef idx="minor"/>
+    </dgm:style>
+  </dgm:styleLbl>
+  <dgm:styleLbl name="parChTrans1D2">
+    <dgm:scene3d>
+      <a:camera prst="orthographicFront"/>
+      <a:lightRig rig="threePt" dir="t"/>
+    </dgm:scene3d>
+    <dgm:sp3d/>
+    <dgm:txPr/>
+    <dgm:style>
+      <a:lnRef idx="1">
+        <a:scrgbClr r="0" g="0" b="0"/>
+      </a:lnRef>
+      <a:fillRef idx="0">
+        <a:scrgbClr r="0" g="0" b="0"/>
+      </a:fillRef>
+      <a:effectRef idx="0">
+        <a:scrgbClr r="0" g="0" b="0"/>
+      </a:effectRef>
+      <a:fontRef idx="minor"/>
+    </dgm:style>
+  </dgm:styleLbl>
+  <dgm:styleLbl name="parChTrans1D3">
+    <dgm:scene3d>
+      <a:camera prst="orthographicFront"/>
+      <a:lightRig rig="threePt" dir="t"/>
+    </dgm:scene3d>
+    <dgm:sp3d/>
+    <dgm:txPr/>
+    <dgm:style>
+      <a:lnRef idx="1">
+        <a:scrgbClr r="0" g="0" b="0"/>
+      </a:lnRef>
+      <a:fillRef idx="0">
+        <a:scrgbClr r="0" g="0" b="0"/>
+      </a:fillRef>
+      <a:effectRef idx="0">
+        <a:scrgbClr r="0" g="0" b="0"/>
+      </a:effectRef>
+      <a:fontRef idx="minor"/>
+    </dgm:style>
+  </dgm:styleLbl>
+  <dgm:styleLbl name="parChTrans1D4">
+    <dgm:scene3d>
+      <a:camera prst="orthographicFront"/>
+      <a:lightRig rig="threePt" dir="t"/>
+    </dgm:scene3d>
+    <dgm:sp3d/>
+    <dgm:txPr/>
+    <dgm:style>
+      <a:lnRef idx="1">
+        <a:scrgbClr r="0" g="0" b="0"/>
+      </a:lnRef>
+      <a:fillRef idx="0">
+        <a:scrgbClr r="0" g="0" b="0"/>
+      </a:fillRef>
+      <a:effectRef idx="0">
+        <a:scrgbClr r="0" g="0" b="0"/>
+      </a:effectRef>
+      <a:fontRef idx="minor"/>
+    </dgm:style>
+  </dgm:styleLbl>
+  <dgm:styleLbl name="fgAcc1">
+    <dgm:scene3d>
+      <a:camera prst="orthographicFront"/>
+      <a:lightRig rig="threePt" dir="t"/>
+    </dgm:scene3d>
+    <dgm:sp3d/>
+    <dgm:txPr/>
+    <dgm:style>
+      <a:lnRef idx="1">
+        <a:scrgbClr r="0" g="0" b="0"/>
+      </a:lnRef>
+      <a:fillRef idx="1">
+        <a:scrgbClr r="0" g="0" b="0"/>
+      </a:fillRef>
+      <a:effectRef idx="0">
+        <a:scrgbClr r="0" g="0" b="0"/>
+      </a:effectRef>
+      <a:fontRef idx="minor"/>
+    </dgm:style>
+  </dgm:styleLbl>
+  <dgm:styleLbl name="conFgAcc1">
+    <dgm:scene3d>
+      <a:camera prst="orthographicFront"/>
+      <a:lightRig rig="threePt" dir="t"/>
+    </dgm:scene3d>
+    <dgm:sp3d/>
+    <dgm:txPr/>
+    <dgm:style>
+      <a:lnRef idx="1">
+        <a:scrgbClr r="0" g="0" b="0"/>
+      </a:lnRef>
+      <a:fillRef idx="1">
+        <a:scrgbClr r="0" g="0" b="0"/>
+      </a:fillRef>
+      <a:effectRef idx="0">
+        <a:scrgbClr r="0" g="0" b="0"/>
+      </a:effectRef>
+      <a:fontRef idx="minor"/>
+    </dgm:style>
+  </dgm:styleLbl>
+  <dgm:styleLbl name="alignAcc1">
+    <dgm:scene3d>
+      <a:camera prst="orthographicFront"/>
+      <a:lightRig rig="threePt" dir="t"/>
+    </dgm:scene3d>
+    <dgm:sp3d/>
+    <dgm:txPr/>
+    <dgm:style>
+      <a:lnRef idx="1">
+        <a:scrgbClr r="0" g="0" b="0"/>
+      </a:lnRef>
+      <a:fillRef idx="1">
+        <a:scrgbClr r="0" g="0" b="0"/>
+      </a:fillRef>
+      <a:effectRef idx="0">
+        <a:scrgbClr r="0" g="0" b="0"/>
+      </a:effectRef>
+      <a:fontRef idx="minor"/>
+    </dgm:style>
+  </dgm:styleLbl>
+  <dgm:styleLbl name="trAlignAcc1">
+    <dgm:scene3d>
+      <a:camera prst="orthographicFront"/>
+      <a:lightRig rig="threePt" dir="t"/>
+    </dgm:scene3d>
+    <dgm:sp3d/>
+    <dgm:txPr/>
+    <dgm:style>
+      <a:lnRef idx="1">
+        <a:scrgbClr r="0" g="0" b="0"/>
+      </a:lnRef>
+      <a:fillRef idx="1">
+        <a:scrgbClr r="0" g="0" b="0"/>
+      </a:fillRef>
+      <a:effectRef idx="0">
+        <a:scrgbClr r="0" g="0" b="0"/>
+      </a:effectRef>
+      <a:fontRef idx="minor"/>
+    </dgm:style>
+  </dgm:styleLbl>
+  <dgm:styleLbl name="bgAcc1">
+    <dgm:scene3d>
+      <a:camera prst="orthographicFront"/>
+      <a:lightRig rig="threePt" dir="t"/>
+    </dgm:scene3d>
+    <dgm:sp3d/>
+    <dgm:txPr/>
+    <dgm:style>
+      <a:lnRef idx="1">
+        <a:scrgbClr r="0" g="0" b="0"/>
+      </a:lnRef>
+      <a:fillRef idx="1">
+        <a:scrgbClr r="0" g="0" b="0"/>
+      </a:fillRef>
+      <a:effectRef idx="0">
+        <a:scrgbClr r="0" g="0" b="0"/>
+      </a:effectRef>
+      <a:fontRef idx="minor"/>
+    </dgm:style>
+  </dgm:styleLbl>
+  <dgm:styleLbl name="solidFgAcc1">
+    <dgm:scene3d>
+      <a:camera prst="orthographicFront"/>
+      <a:lightRig rig="threePt" dir="t"/>
+    </dgm:scene3d>
+    <dgm:sp3d/>
+    <dgm:txPr/>
+    <dgm:style>
+      <a:lnRef idx="1">
+        <a:scrgbClr r="0" g="0" b="0"/>
+      </a:lnRef>
+      <a:fillRef idx="1">
+        <a:scrgbClr r="0" g="0" b="0"/>
+      </a:fillRef>
+      <a:effectRef idx="0">
+        <a:scrgbClr r="0" g="0" b="0"/>
+      </a:effectRef>
+      <a:fontRef idx="minor"/>
+    </dgm:style>
+  </dgm:styleLbl>
+  <dgm:styleLbl name="solidAlignAcc1">
+    <dgm:scene3d>
+      <a:camera prst="orthographicFront"/>
+      <a:lightRig rig="threePt" dir="t"/>
+    </dgm:scene3d>
+    <dgm:sp3d/>
+    <dgm:txPr/>
+    <dgm:style>
+      <a:lnRef idx="1">
+        <a:scrgbClr r="0" g="0" b="0"/>
+      </a:lnRef>
+      <a:fillRef idx="1">
+        <a:scrgbClr r="0" g="0" b="0"/>
+      </a:fillRef>
+      <a:effectRef idx="0">
+        <a:scrgbClr r="0" g="0" b="0"/>
+      </a:effectRef>
+      <a:fontRef idx="minor"/>
+    </dgm:style>
+  </dgm:styleLbl>
+  <dgm:styleLbl name="solidBgAcc1">
+    <dgm:scene3d>
+      <a:camera prst="orthographicFront"/>
+      <a:lightRig rig="threePt" dir="t"/>
+    </dgm:scene3d>
+    <dgm:sp3d/>
+    <dgm:txPr/>
+    <dgm:style>
+      <a:lnRef idx="1">
+        <a:scrgbClr r="0" g="0" b="0"/>
+      </a:lnRef>
+      <a:fillRef idx="1">
+        <a:scrgbClr r="0" g="0" b="0"/>
+      </a:fillRef>
+      <a:effectRef idx="0">
+        <a:scrgbClr r="0" g="0" b="0"/>
+      </a:effectRef>
+      <a:fontRef idx="minor"/>
+    </dgm:style>
+  </dgm:styleLbl>
+  <dgm:styleLbl name="fgAccFollowNode1">
+    <dgm:scene3d>
+      <a:camera prst="orthographicFront"/>
+      <a:lightRig rig="threePt" dir="t"/>
+    </dgm:scene3d>
+    <dgm:sp3d/>
+    <dgm:txPr/>
+    <dgm:style>
+      <a:lnRef idx="1">
+        <a:scrgbClr r="0" g="0" b="0"/>
+      </a:lnRef>
+      <a:fillRef idx="1">
+        <a:scrgbClr r="0" g="0" b="0"/>
+      </a:fillRef>
+      <a:effectRef idx="0">
+        <a:scrgbClr r="0" g="0" b="0"/>
+      </a:effectRef>
+      <a:fontRef idx="minor"/>
+    </dgm:style>
+  </dgm:styleLbl>
+  <dgm:styleLbl name="alignAccFollowNode1">
+    <dgm:scene3d>
+      <a:camera prst="orthographicFront"/>
+      <a:lightRig rig="threePt" dir="t"/>
+    </dgm:scene3d>
+    <dgm:sp3d/>
+    <dgm:txPr/>
+    <dgm:style>
+      <a:lnRef idx="1">
+        <a:scrgbClr r="0" g="0" b="0"/>
+      </a:lnRef>
+      <a:fillRef idx="1">
+        <a:scrgbClr r="0" g="0" b="0"/>
+      </a:fillRef>
+      <a:effectRef idx="0">
+        <a:scrgbClr r="0" g="0" b="0"/>
+      </a:effectRef>
+      <a:fontRef idx="minor"/>
+    </dgm:style>
+  </dgm:styleLbl>
+  <dgm:styleLbl name="bgAccFollowNode1">
+    <dgm:scene3d>
+      <a:camera prst="orthographicFront"/>
+      <a:lightRig rig="threePt" dir="t"/>
+    </dgm:scene3d>
+    <dgm:sp3d/>
+    <dgm:txPr/>
+    <dgm:style>
+      <a:lnRef idx="1">
+        <a:scrgbClr r="0" g="0" b="0"/>
+      </a:lnRef>
+      <a:fillRef idx="1">
+        <a:scrgbClr r="0" g="0" b="0"/>
+      </a:fillRef>
+      <a:effectRef idx="0">
+        <a:scrgbClr r="0" g="0" b="0"/>
+      </a:effectRef>
+      <a:fontRef idx="minor"/>
+    </dgm:style>
+  </dgm:styleLbl>
+  <dgm:styleLbl name="fgAcc0">
+    <dgm:scene3d>
+      <a:camera prst="orthographicFront"/>
+      <a:lightRig rig="threePt" dir="t"/>
+    </dgm:scene3d>
+    <dgm:sp3d/>
+    <dgm:txPr/>
+    <dgm:style>
+      <a:lnRef idx="1">
+        <a:scrgbClr r="0" g="0" b="0"/>
+      </a:lnRef>
+      <a:fillRef idx="1">
+        <a:scrgbClr r="0" g="0" b="0"/>
+      </a:fillRef>
+      <a:effectRef idx="0">
+        <a:scrgbClr r="0" g="0" b="0"/>
+      </a:effectRef>
+      <a:fontRef idx="minor"/>
+    </dgm:style>
+  </dgm:styleLbl>
+  <dgm:styleLbl name="fgAcc2">
+    <dgm:scene3d>
+      <a:camera prst="orthographicFront"/>
+      <a:lightRig rig="threePt" dir="t"/>
+    </dgm:scene3d>
+    <dgm:sp3d/>
+    <dgm:txPr/>
+    <dgm:style>
+      <a:lnRef idx="1">
+        <a:scrgbClr r="0" g="0" b="0"/>
+      </a:lnRef>
+      <a:fillRef idx="1">
+        <a:scrgbClr r="0" g="0" b="0"/>
+      </a:fillRef>
+      <a:effectRef idx="0">
+        <a:scrgbClr r="0" g="0" b="0"/>
+      </a:effectRef>
+      <a:fontRef idx="minor"/>
+    </dgm:style>
+  </dgm:styleLbl>
+  <dgm:styleLbl name="fgAcc3">
+    <dgm:scene3d>
+      <a:camera prst="orthographicFront"/>
+      <a:lightRig rig="threePt" dir="t"/>
+    </dgm:scene3d>
+    <dgm:sp3d/>
+    <dgm:txPr/>
+    <dgm:style>
+      <a:lnRef idx="1">
+        <a:scrgbClr r="0" g="0" b="0"/>
+      </a:lnRef>
+      <a:fillRef idx="1">
+        <a:scrgbClr r="0" g="0" b="0"/>
+      </a:fillRef>
+      <a:effectRef idx="0">
+        <a:scrgbClr r="0" g="0" b="0"/>
+      </a:effectRef>
+      <a:fontRef idx="minor"/>
+    </dgm:style>
+  </dgm:styleLbl>
+  <dgm:styleLbl name="fgAcc4">
+    <dgm:scene3d>
+      <a:camera prst="orthographicFront"/>
+      <a:lightRig rig="threePt" dir="t"/>
+    </dgm:scene3d>
+    <dgm:sp3d/>
+    <dgm:txPr/>
+    <dgm:style>
+      <a:lnRef idx="1">
+        <a:scrgbClr r="0" g="0" b="0"/>
+      </a:lnRef>
+      <a:fillRef idx="1">
+        <a:scrgbClr r="0" g="0" b="0"/>
+      </a:fillRef>
+      <a:effectRef idx="0">
+        <a:scrgbClr r="0" g="0" b="0"/>
+      </a:effectRef>
+      <a:fontRef idx="minor"/>
+    </dgm:style>
+  </dgm:styleLbl>
+  <dgm:styleLbl name="bgShp">
+    <dgm:scene3d>
+      <a:camera prst="orthographicFront"/>
+      <a:lightRig rig="threePt" dir="t"/>
+    </dgm:scene3d>
+    <dgm:sp3d/>
+    <dgm:txPr/>
+    <dgm:style>
+      <a:lnRef idx="0">
+        <a:scrgbClr r="0" g="0" b="0"/>
+      </a:lnRef>
+      <a:fillRef idx="1">
+        <a:scrgbClr r="0" g="0" b="0"/>
+      </a:fillRef>
+      <a:effectRef idx="2">
+        <a:scrgbClr r="0" g="0" b="0"/>
+      </a:effectRef>
+      <a:fontRef idx="minor"/>
+    </dgm:style>
+  </dgm:styleLbl>
+  <dgm:styleLbl name="dkBgShp">
+    <dgm:scene3d>
+      <a:camera prst="orthographicFront"/>
+      <a:lightRig rig="threePt" dir="t"/>
+    </dgm:scene3d>
+    <dgm:sp3d/>
+    <dgm:txPr/>
+    <dgm:style>
+      <a:lnRef idx="0">
+        <a:scrgbClr r="0" g="0" b="0"/>
+      </a:lnRef>
+      <a:fillRef idx="1">
+        <a:scrgbClr r="0" g="0" b="0"/>
+      </a:fillRef>
+      <a:effectRef idx="2">
+        <a:scrgbClr r="0" g="0" b="0"/>
+      </a:effectRef>
+      <a:fontRef idx="minor"/>
+    </dgm:style>
+  </dgm:styleLbl>
+  <dgm:styleLbl name="trBgShp">
+    <dgm:scene3d>
+      <a:camera prst="orthographicFront"/>
+      <a:lightRig rig="threePt" dir="t"/>
+    </dgm:scene3d>
+    <dgm:sp3d/>
+    <dgm:txPr/>
+    <dgm:style>
+      <a:lnRef idx="0">
+        <a:scrgbClr r="0" g="0" b="0"/>
+      </a:lnRef>
+      <a:fillRef idx="1">
+        <a:scrgbClr r="0" g="0" b="0"/>
+      </a:fillRef>
+      <a:effectRef idx="0">
+        <a:scrgbClr r="0" g="0" b="0"/>
+      </a:effectRef>
+      <a:fontRef idx="minor"/>
+    </dgm:style>
+  </dgm:styleLbl>
+  <dgm:styleLbl name="fgShp">
+    <dgm:scene3d>
+      <a:camera prst="orthographicFront"/>
+      <a:lightRig rig="threePt" dir="t"/>
+    </dgm:scene3d>
+    <dgm:sp3d/>
+    <dgm:txPr/>
+    <dgm:style>
+      <a:lnRef idx="0">
+        <a:scrgbClr r="0" g="0" b="0"/>
+      </a:lnRef>
+      <a:fillRef idx="3">
+        <a:scrgbClr r="0" g="0" b="0"/>
+      </a:fillRef>
+      <a:effectRef idx="2">
         <a:scrgbClr r="0" g="0" b="0"/>
       </a:effectRef>
       <a:fontRef idx="minor"/>
@@ -17698,7 +23187,7 @@
           </a:prstGeom>
           <a:noFill/>
           <a:extLst>
-            <a:ext uri="{909E8E84-426E-40DD-AFC4-6F175D3DCCD1}">
+            <a:ext uri="{909E8E84-426E-40dd-AFC4-6F175D3DCCD1}">
               <a14:hiddenFill xmlns:a14="http://schemas.microsoft.com/office/drawing/2010/main">
                 <a:solidFill>
                   <a:srgbClr val="FFFFFF"/>
@@ -17757,7 +23246,7 @@
               <a:noFill/>
             </a:ln>
             <a:extLst>
-              <a:ext uri="{91240B29-F687-4F45-9708-019B960494DF}">
+              <a:ext uri="{91240B29-F687-4f45-9708-019B960494DF}">
                 <a14:hiddenLine xmlns:a14="http://schemas.microsoft.com/office/drawing/2010/main" w="9525">
                   <a:solidFill>
                     <a:srgbClr val="000000"/>
@@ -17847,7 +23336,7 @@
               <a:noFill/>
             </a:ln>
             <a:extLst>
-              <a:ext uri="{91240B29-F687-4F45-9708-019B960494DF}">
+              <a:ext uri="{91240B29-F687-4f45-9708-019B960494DF}">
                 <a14:hiddenLine xmlns:a14="http://schemas.microsoft.com/office/drawing/2010/main" w="9525">
                   <a:solidFill>
                     <a:srgbClr val="000000"/>
@@ -17937,7 +23426,7 @@
               <a:noFill/>
             </a:ln>
             <a:extLst>
-              <a:ext uri="{91240B29-F687-4F45-9708-019B960494DF}">
+              <a:ext uri="{91240B29-F687-4f45-9708-019B960494DF}">
                 <a14:hiddenLine xmlns:a14="http://schemas.microsoft.com/office/drawing/2010/main" w="9525">
                   <a:solidFill>
                     <a:srgbClr val="000000"/>
@@ -17971,7 +23460,7 @@
               <a:noFill/>
             </a:ln>
             <a:extLst>
-              <a:ext uri="{91240B29-F687-4F45-9708-019B960494DF}">
+              <a:ext uri="{91240B29-F687-4f45-9708-019B960494DF}">
                 <a14:hiddenLine xmlns:a14="http://schemas.microsoft.com/office/drawing/2010/main" w="9525">
                   <a:solidFill>
                     <a:srgbClr val="000000"/>
@@ -18061,7 +23550,7 @@
               <a:noFill/>
             </a:ln>
             <a:extLst>
-              <a:ext uri="{91240B29-F687-4F45-9708-019B960494DF}">
+              <a:ext uri="{91240B29-F687-4f45-9708-019B960494DF}">
                 <a14:hiddenLine xmlns:a14="http://schemas.microsoft.com/office/drawing/2010/main" w="9525">
                   <a:solidFill>
                     <a:srgbClr val="000000"/>
@@ -18123,7 +23612,7 @@
               <a:noFill/>
             </a:ln>
             <a:extLst>
-              <a:ext uri="{91240B29-F687-4F45-9708-019B960494DF}">
+              <a:ext uri="{91240B29-F687-4f45-9708-019B960494DF}">
                 <a14:hiddenLine xmlns:a14="http://schemas.microsoft.com/office/drawing/2010/main" w="9525">
                   <a:solidFill>
                     <a:srgbClr val="000000"/>
@@ -18185,7 +23674,7 @@
               <a:noFill/>
             </a:ln>
             <a:extLst>
-              <a:ext uri="{91240B29-F687-4F45-9708-019B960494DF}">
+              <a:ext uri="{91240B29-F687-4f45-9708-019B960494DF}">
                 <a14:hiddenLine xmlns:a14="http://schemas.microsoft.com/office/drawing/2010/main" w="9525">
                   <a:solidFill>
                     <a:srgbClr val="000000"/>
@@ -18275,7 +23764,7 @@
               <a:noFill/>
             </a:ln>
             <a:extLst>
-              <a:ext uri="{91240B29-F687-4F45-9708-019B960494DF}">
+              <a:ext uri="{91240B29-F687-4f45-9708-019B960494DF}">
                 <a14:hiddenLine xmlns:a14="http://schemas.microsoft.com/office/drawing/2010/main" w="9525">
                   <a:solidFill>
                     <a:srgbClr val="000000"/>
@@ -18337,7 +23826,7 @@
               <a:noFill/>
             </a:ln>
             <a:extLst>
-              <a:ext uri="{91240B29-F687-4F45-9708-019B960494DF}">
+              <a:ext uri="{91240B29-F687-4f45-9708-019B960494DF}">
                 <a14:hiddenLine xmlns:a14="http://schemas.microsoft.com/office/drawing/2010/main" w="9525">
                   <a:solidFill>
                     <a:srgbClr val="000000"/>
@@ -18399,7 +23888,7 @@
               <a:noFill/>
             </a:ln>
             <a:extLst>
-              <a:ext uri="{91240B29-F687-4F45-9708-019B960494DF}">
+              <a:ext uri="{91240B29-F687-4f45-9708-019B960494DF}">
                 <a14:hiddenLine xmlns:a14="http://schemas.microsoft.com/office/drawing/2010/main" w="9525">
                   <a:solidFill>
                     <a:srgbClr val="000000"/>
@@ -18489,7 +23978,7 @@
               <a:noFill/>
             </a:ln>
             <a:extLst>
-              <a:ext uri="{91240B29-F687-4F45-9708-019B960494DF}">
+              <a:ext uri="{91240B29-F687-4f45-9708-019B960494DF}">
                 <a14:hiddenLine xmlns:a14="http://schemas.microsoft.com/office/drawing/2010/main" w="9525">
                   <a:solidFill>
                     <a:srgbClr val="000000"/>
@@ -18579,7 +24068,7 @@
               <a:noFill/>
             </a:ln>
             <a:extLst>
-              <a:ext uri="{91240B29-F687-4F45-9708-019B960494DF}">
+              <a:ext uri="{91240B29-F687-4f45-9708-019B960494DF}">
                 <a14:hiddenLine xmlns:a14="http://schemas.microsoft.com/office/drawing/2010/main" w="9525">
                   <a:solidFill>
                     <a:srgbClr val="000000"/>
@@ -18641,7 +24130,7 @@
               <a:noFill/>
             </a:ln>
             <a:extLst>
-              <a:ext uri="{91240B29-F687-4F45-9708-019B960494DF}">
+              <a:ext uri="{91240B29-F687-4f45-9708-019B960494DF}">
                 <a14:hiddenLine xmlns:a14="http://schemas.microsoft.com/office/drawing/2010/main" w="9525">
                   <a:solidFill>
                     <a:srgbClr val="000000"/>
@@ -18751,7 +24240,7 @@
               <a:noFill/>
             </a:ln>
             <a:extLst>
-              <a:ext uri="{91240B29-F687-4F45-9708-019B960494DF}">
+              <a:ext uri="{91240B29-F687-4f45-9708-019B960494DF}">
                 <a14:hiddenLine xmlns:a14="http://schemas.microsoft.com/office/drawing/2010/main" w="9525">
                   <a:solidFill>
                     <a:srgbClr val="000000"/>
@@ -18813,7 +24302,7 @@
               <a:noFill/>
             </a:ln>
             <a:extLst>
-              <a:ext uri="{91240B29-F687-4F45-9708-019B960494DF}">
+              <a:ext uri="{91240B29-F687-4f45-9708-019B960494DF}">
                 <a14:hiddenLine xmlns:a14="http://schemas.microsoft.com/office/drawing/2010/main" w="9525">
                   <a:solidFill>
                     <a:srgbClr val="000000"/>
@@ -18903,7 +24392,7 @@
               <a:noFill/>
             </a:ln>
             <a:extLst>
-              <a:ext uri="{91240B29-F687-4F45-9708-019B960494DF}">
+              <a:ext uri="{91240B29-F687-4f45-9708-019B960494DF}">
                 <a14:hiddenLine xmlns:a14="http://schemas.microsoft.com/office/drawing/2010/main" w="9525">
                   <a:solidFill>
                     <a:srgbClr val="000000"/>
@@ -18993,7 +24482,7 @@
               <a:noFill/>
             </a:ln>
             <a:extLst>
-              <a:ext uri="{91240B29-F687-4F45-9708-019B960494DF}">
+              <a:ext uri="{91240B29-F687-4f45-9708-019B960494DF}">
                 <a14:hiddenLine xmlns:a14="http://schemas.microsoft.com/office/drawing/2010/main" w="9525">
                   <a:solidFill>
                     <a:srgbClr val="000000"/>
@@ -19055,7 +24544,7 @@
               <a:noFill/>
             </a:ln>
             <a:extLst>
-              <a:ext uri="{91240B29-F687-4F45-9708-019B960494DF}">
+              <a:ext uri="{91240B29-F687-4f45-9708-019B960494DF}">
                 <a14:hiddenLine xmlns:a14="http://schemas.microsoft.com/office/drawing/2010/main" w="9525">
                   <a:solidFill>
                     <a:srgbClr val="000000"/>
@@ -19145,7 +24634,7 @@
               <a:noFill/>
             </a:ln>
             <a:extLst>
-              <a:ext uri="{91240B29-F687-4F45-9708-019B960494DF}">
+              <a:ext uri="{91240B29-F687-4f45-9708-019B960494DF}">
                 <a14:hiddenLine xmlns:a14="http://schemas.microsoft.com/office/drawing/2010/main" w="9525">
                   <a:solidFill>
                     <a:srgbClr val="000000"/>
@@ -19235,7 +24724,7 @@
               <a:noFill/>
             </a:ln>
             <a:extLst>
-              <a:ext uri="{91240B29-F687-4F45-9708-019B960494DF}">
+              <a:ext uri="{91240B29-F687-4f45-9708-019B960494DF}">
                 <a14:hiddenLine xmlns:a14="http://schemas.microsoft.com/office/drawing/2010/main" w="9525">
                   <a:solidFill>
                     <a:srgbClr val="000000"/>
@@ -19291,7 +24780,7 @@
               <a:noFill/>
             </a:ln>
             <a:extLst>
-              <a:ext uri="{91240B29-F687-4F45-9708-019B960494DF}">
+              <a:ext uri="{91240B29-F687-4f45-9708-019B960494DF}">
                 <a14:hiddenLine xmlns:a14="http://schemas.microsoft.com/office/drawing/2010/main" w="9525">
                   <a:solidFill>
                     <a:srgbClr val="000000"/>
@@ -19381,7 +24870,7 @@
               <a:noFill/>
             </a:ln>
             <a:extLst>
-              <a:ext uri="{91240B29-F687-4F45-9708-019B960494DF}">
+              <a:ext uri="{91240B29-F687-4f45-9708-019B960494DF}">
                 <a14:hiddenLine xmlns:a14="http://schemas.microsoft.com/office/drawing/2010/main" w="9525">
                   <a:solidFill>
                     <a:srgbClr val="000000"/>
@@ -19437,7 +24926,7 @@
               <a:noFill/>
             </a:ln>
             <a:extLst>
-              <a:ext uri="{91240B29-F687-4F45-9708-019B960494DF}">
+              <a:ext uri="{91240B29-F687-4f45-9708-019B960494DF}">
                 <a14:hiddenLine xmlns:a14="http://schemas.microsoft.com/office/drawing/2010/main" w="9525">
                   <a:solidFill>
                     <a:srgbClr val="000000"/>
@@ -19527,7 +25016,7 @@
               <a:noFill/>
             </a:ln>
             <a:extLst>
-              <a:ext uri="{91240B29-F687-4F45-9708-019B960494DF}">
+              <a:ext uri="{91240B29-F687-4f45-9708-019B960494DF}">
                 <a14:hiddenLine xmlns:a14="http://schemas.microsoft.com/office/drawing/2010/main" w="9525">
                   <a:solidFill>
                     <a:srgbClr val="000000"/>
@@ -19595,7 +25084,7 @@
               <a:noFill/>
             </a:ln>
             <a:extLst>
-              <a:ext uri="{91240B29-F687-4F45-9708-019B960494DF}">
+              <a:ext uri="{91240B29-F687-4f45-9708-019B960494DF}">
                 <a14:hiddenLine xmlns:a14="http://schemas.microsoft.com/office/drawing/2010/main" w="9525">
                   <a:solidFill>
                     <a:srgbClr val="000000"/>
@@ -19685,7 +25174,7 @@
               <a:noFill/>
             </a:ln>
             <a:extLst>
-              <a:ext uri="{91240B29-F687-4F45-9708-019B960494DF}">
+              <a:ext uri="{91240B29-F687-4f45-9708-019B960494DF}">
                 <a14:hiddenLine xmlns:a14="http://schemas.microsoft.com/office/drawing/2010/main" w="9525">
                   <a:solidFill>
                     <a:srgbClr val="000000"/>
@@ -19753,7 +25242,7 @@
               <a:noFill/>
             </a:ln>
             <a:extLst>
-              <a:ext uri="{91240B29-F687-4F45-9708-019B960494DF}">
+              <a:ext uri="{91240B29-F687-4f45-9708-019B960494DF}">
                 <a14:hiddenLine xmlns:a14="http://schemas.microsoft.com/office/drawing/2010/main" w="9525">
                   <a:solidFill>
                     <a:srgbClr val="000000"/>
@@ -19843,7 +25332,7 @@
               <a:noFill/>
             </a:ln>
             <a:extLst>
-              <a:ext uri="{91240B29-F687-4F45-9708-019B960494DF}">
+              <a:ext uri="{91240B29-F687-4f45-9708-019B960494DF}">
                 <a14:hiddenLine xmlns:a14="http://schemas.microsoft.com/office/drawing/2010/main" w="9525">
                   <a:solidFill>
                     <a:srgbClr val="000000"/>
@@ -19877,7 +25366,7 @@
               <a:noFill/>
             </a:ln>
             <a:extLst>
-              <a:ext uri="{91240B29-F687-4F45-9708-019B960494DF}">
+              <a:ext uri="{91240B29-F687-4f45-9708-019B960494DF}">
                 <a14:hiddenLine xmlns:a14="http://schemas.microsoft.com/office/drawing/2010/main" w="9525">
                   <a:solidFill>
                     <a:srgbClr val="000000"/>
@@ -19967,7 +25456,7 @@
               <a:noFill/>
             </a:ln>
             <a:extLst>
-              <a:ext uri="{91240B29-F687-4F45-9708-019B960494DF}">
+              <a:ext uri="{91240B29-F687-4f45-9708-019B960494DF}">
                 <a14:hiddenLine xmlns:a14="http://schemas.microsoft.com/office/drawing/2010/main" w="9525">
                   <a:solidFill>
                     <a:srgbClr val="000000"/>
@@ -20029,7 +25518,7 @@
               <a:noFill/>
             </a:ln>
             <a:extLst>
-              <a:ext uri="{91240B29-F687-4F45-9708-019B960494DF}">
+              <a:ext uri="{91240B29-F687-4f45-9708-019B960494DF}">
                 <a14:hiddenLine xmlns:a14="http://schemas.microsoft.com/office/drawing/2010/main" w="9525">
                   <a:solidFill>
                     <a:srgbClr val="000000"/>
@@ -20091,7 +25580,7 @@
               <a:noFill/>
             </a:ln>
             <a:extLst>
-              <a:ext uri="{91240B29-F687-4F45-9708-019B960494DF}">
+              <a:ext uri="{91240B29-F687-4f45-9708-019B960494DF}">
                 <a14:hiddenLine xmlns:a14="http://schemas.microsoft.com/office/drawing/2010/main" w="9525">
                   <a:solidFill>
                     <a:srgbClr val="000000"/>
@@ -20181,7 +25670,7 @@
               <a:noFill/>
             </a:ln>
             <a:extLst>
-              <a:ext uri="{91240B29-F687-4F45-9708-019B960494DF}">
+              <a:ext uri="{91240B29-F687-4f45-9708-019B960494DF}">
                 <a14:hiddenLine xmlns:a14="http://schemas.microsoft.com/office/drawing/2010/main" w="9525">
                   <a:solidFill>
                     <a:srgbClr val="000000"/>
@@ -20249,7 +25738,7 @@
               <a:noFill/>
             </a:ln>
             <a:extLst>
-              <a:ext uri="{91240B29-F687-4F45-9708-019B960494DF}">
+              <a:ext uri="{91240B29-F687-4f45-9708-019B960494DF}">
                 <a14:hiddenLine xmlns:a14="http://schemas.microsoft.com/office/drawing/2010/main" w="9525">
                   <a:solidFill>
                     <a:srgbClr val="000000"/>
@@ -20311,7 +25800,7 @@
               <a:noFill/>
             </a:ln>
             <a:extLst>
-              <a:ext uri="{91240B29-F687-4F45-9708-019B960494DF}">
+              <a:ext uri="{91240B29-F687-4f45-9708-019B960494DF}">
                 <a14:hiddenLine xmlns:a14="http://schemas.microsoft.com/office/drawing/2010/main" w="9525">
                   <a:solidFill>
                     <a:srgbClr val="000000"/>
@@ -20401,7 +25890,7 @@
               <a:noFill/>
             </a:ln>
             <a:extLst>
-              <a:ext uri="{91240B29-F687-4F45-9708-019B960494DF}">
+              <a:ext uri="{91240B29-F687-4f45-9708-019B960494DF}">
                 <a14:hiddenLine xmlns:a14="http://schemas.microsoft.com/office/drawing/2010/main" w="9525">
                   <a:solidFill>
                     <a:srgbClr val="000000"/>
@@ -20463,7 +25952,7 @@
               <a:noFill/>
             </a:ln>
             <a:extLst>
-              <a:ext uri="{91240B29-F687-4F45-9708-019B960494DF}">
+              <a:ext uri="{91240B29-F687-4f45-9708-019B960494DF}">
                 <a14:hiddenLine xmlns:a14="http://schemas.microsoft.com/office/drawing/2010/main" w="9525">
                   <a:solidFill>
                     <a:srgbClr val="000000"/>
@@ -20553,7 +26042,7 @@
               <a:noFill/>
             </a:ln>
             <a:extLst>
-              <a:ext uri="{91240B29-F687-4F45-9708-019B960494DF}">
+              <a:ext uri="{91240B29-F687-4f45-9708-019B960494DF}">
                 <a14:hiddenLine xmlns:a14="http://schemas.microsoft.com/office/drawing/2010/main" w="9525">
                   <a:solidFill>
                     <a:srgbClr val="000000"/>
@@ -20615,7 +26104,7 @@
               <a:noFill/>
             </a:ln>
             <a:extLst>
-              <a:ext uri="{91240B29-F687-4F45-9708-019B960494DF}">
+              <a:ext uri="{91240B29-F687-4f45-9708-019B960494DF}">
                 <a14:hiddenLine xmlns:a14="http://schemas.microsoft.com/office/drawing/2010/main" w="9525">
                   <a:solidFill>
                     <a:srgbClr val="000000"/>
@@ -20705,7 +26194,7 @@
               <a:noFill/>
             </a:ln>
             <a:extLst>
-              <a:ext uri="{91240B29-F687-4F45-9708-019B960494DF}">
+              <a:ext uri="{91240B29-F687-4f45-9708-019B960494DF}">
                 <a14:hiddenLine xmlns:a14="http://schemas.microsoft.com/office/drawing/2010/main" w="9525">
                   <a:solidFill>
                     <a:srgbClr val="000000"/>
@@ -20739,7 +26228,7 @@
               <a:noFill/>
             </a:ln>
             <a:extLst>
-              <a:ext uri="{91240B29-F687-4F45-9708-019B960494DF}">
+              <a:ext uri="{91240B29-F687-4f45-9708-019B960494DF}">
                 <a14:hiddenLine xmlns:a14="http://schemas.microsoft.com/office/drawing/2010/main" w="9525">
                   <a:solidFill>
                     <a:srgbClr val="000000"/>
@@ -20804,7 +26293,7 @@
               <a:noFill/>
             </a:ln>
             <a:extLst>
-              <a:ext uri="{91240B29-F687-4F45-9708-019B960494DF}">
+              <a:ext uri="{91240B29-F687-4f45-9708-019B960494DF}">
                 <a14:hiddenLine xmlns:a14="http://schemas.microsoft.com/office/drawing/2010/main" w="9525">
                   <a:solidFill>
                     <a:srgbClr val="000000"/>
@@ -20894,7 +26383,7 @@
               <a:noFill/>
             </a:ln>
             <a:extLst>
-              <a:ext uri="{91240B29-F687-4F45-9708-019B960494DF}">
+              <a:ext uri="{91240B29-F687-4f45-9708-019B960494DF}">
                 <a14:hiddenLine xmlns:a14="http://schemas.microsoft.com/office/drawing/2010/main" w="9525">
                   <a:solidFill>
                     <a:srgbClr val="000000"/>
@@ -20956,7 +26445,7 @@
               <a:noFill/>
             </a:ln>
             <a:extLst>
-              <a:ext uri="{91240B29-F687-4F45-9708-019B960494DF}">
+              <a:ext uri="{91240B29-F687-4f45-9708-019B960494DF}">
                 <a14:hiddenLine xmlns:a14="http://schemas.microsoft.com/office/drawing/2010/main" w="9525">
                   <a:solidFill>
                     <a:srgbClr val="000000"/>
@@ -21046,7 +26535,7 @@
               <a:noFill/>
             </a:ln>
             <a:extLst>
-              <a:ext uri="{91240B29-F687-4F45-9708-019B960494DF}">
+              <a:ext uri="{91240B29-F687-4f45-9708-019B960494DF}">
                 <a14:hiddenLine xmlns:a14="http://schemas.microsoft.com/office/drawing/2010/main" w="9525">
                   <a:solidFill>
                     <a:srgbClr val="000000"/>
@@ -21136,7 +26625,7 @@
               <a:noFill/>
             </a:ln>
             <a:extLst>
-              <a:ext uri="{91240B29-F687-4F45-9708-019B960494DF}">
+              <a:ext uri="{91240B29-F687-4f45-9708-019B960494DF}">
                 <a14:hiddenLine xmlns:a14="http://schemas.microsoft.com/office/drawing/2010/main" w="9525">
                   <a:solidFill>
                     <a:srgbClr val="000000"/>
@@ -21201,7 +26690,7 @@
               <a:noFill/>
             </a:ln>
             <a:extLst>
-              <a:ext uri="{91240B29-F687-4F45-9708-019B960494DF}">
+              <a:ext uri="{91240B29-F687-4f45-9708-019B960494DF}">
                 <a14:hiddenLine xmlns:a14="http://schemas.microsoft.com/office/drawing/2010/main" w="9525">
                   <a:solidFill>
                     <a:srgbClr val="000000"/>
@@ -21263,7 +26752,7 @@
               <a:noFill/>
             </a:ln>
             <a:extLst>
-              <a:ext uri="{91240B29-F687-4F45-9708-019B960494DF}">
+              <a:ext uri="{91240B29-F687-4f45-9708-019B960494DF}">
                 <a14:hiddenLine xmlns:a14="http://schemas.microsoft.com/office/drawing/2010/main" w="9525">
                   <a:solidFill>
                     <a:srgbClr val="000000"/>
@@ -21353,7 +26842,7 @@
               <a:noFill/>
             </a:ln>
             <a:extLst>
-              <a:ext uri="{91240B29-F687-4F45-9708-019B960494DF}">
+              <a:ext uri="{91240B29-F687-4f45-9708-019B960494DF}">
                 <a14:hiddenLine xmlns:a14="http://schemas.microsoft.com/office/drawing/2010/main" w="9525">
                   <a:solidFill>
                     <a:srgbClr val="000000"/>
@@ -21443,7 +26932,7 @@
               <a:noFill/>
             </a:ln>
             <a:extLst>
-              <a:ext uri="{91240B29-F687-4F45-9708-019B960494DF}">
+              <a:ext uri="{91240B29-F687-4f45-9708-019B960494DF}">
                 <a14:hiddenLine xmlns:a14="http://schemas.microsoft.com/office/drawing/2010/main" w="9525">
                   <a:solidFill>
                     <a:srgbClr val="000000"/>
@@ -21505,7 +26994,7 @@
               <a:noFill/>
             </a:ln>
             <a:extLst>
-              <a:ext uri="{91240B29-F687-4F45-9708-019B960494DF}">
+              <a:ext uri="{91240B29-F687-4f45-9708-019B960494DF}">
                 <a14:hiddenLine xmlns:a14="http://schemas.microsoft.com/office/drawing/2010/main" w="9525">
                   <a:solidFill>
                     <a:srgbClr val="000000"/>
@@ -21625,7 +27114,7 @@
               <a:noFill/>
             </a:ln>
             <a:extLst>
-              <a:ext uri="{91240B29-F687-4F45-9708-019B960494DF}">
+              <a:ext uri="{91240B29-F687-4f45-9708-019B960494DF}">
                 <a14:hiddenLine xmlns:a14="http://schemas.microsoft.com/office/drawing/2010/main" w="9525">
                   <a:solidFill>
                     <a:srgbClr val="000000"/>
@@ -21693,7 +27182,7 @@
               <a:noFill/>
             </a:ln>
             <a:extLst>
-              <a:ext uri="{91240B29-F687-4F45-9708-019B960494DF}">
+              <a:ext uri="{91240B29-F687-4f45-9708-019B960494DF}">
                 <a14:hiddenLine xmlns:a14="http://schemas.microsoft.com/office/drawing/2010/main" w="9525">
                   <a:solidFill>
                     <a:srgbClr val="000000"/>
@@ -21783,7 +27272,7 @@
               <a:noFill/>
             </a:ln>
             <a:extLst>
-              <a:ext uri="{91240B29-F687-4F45-9708-019B960494DF}">
+              <a:ext uri="{91240B29-F687-4f45-9708-019B960494DF}">
                 <a14:hiddenLine xmlns:a14="http://schemas.microsoft.com/office/drawing/2010/main" w="9525">
                   <a:solidFill>
                     <a:srgbClr val="000000"/>
@@ -21924,7 +27413,7 @@
           <a:p>
             <a:fld id="{48A87A34-81AB-432B-8DAE-1953F412C126}" type="datetimeFigureOut">
               <a:rPr lang="en-US" smtClean="0"/>
-              <a:t>5/6/2013</a:t>
+              <a:t>5/6/13</a:t>
             </a:fld>
             <a:endParaRPr lang="en-US" dirty="0"/>
           </a:p>
@@ -22191,7 +27680,7 @@
           <a:p>
             <a:fld id="{48A87A34-81AB-432B-8DAE-1953F412C126}" type="datetimeFigureOut">
               <a:rPr lang="en-US" smtClean="0"/>
-              <a:t>5/6/2013</a:t>
+              <a:t>5/6/13</a:t>
             </a:fld>
             <a:endParaRPr lang="en-US" dirty="0"/>
           </a:p>
@@ -22387,7 +27876,7 @@
           <a:p>
             <a:fld id="{48A87A34-81AB-432B-8DAE-1953F412C126}" type="datetimeFigureOut">
               <a:rPr lang="en-US" smtClean="0"/>
-              <a:t>5/6/2013</a:t>
+              <a:t>5/6/13</a:t>
             </a:fld>
             <a:endParaRPr lang="en-US" dirty="0"/>
           </a:p>
@@ -22650,7 +28139,7 @@
           <a:p>
             <a:fld id="{48A87A34-81AB-432B-8DAE-1953F412C126}" type="datetimeFigureOut">
               <a:rPr lang="en-US" smtClean="0"/>
-              <a:t>5/6/2013</a:t>
+              <a:t>5/6/13</a:t>
             </a:fld>
             <a:endParaRPr lang="en-US" dirty="0"/>
           </a:p>
@@ -23084,7 +28573,7 @@
           <a:p>
             <a:fld id="{48A87A34-81AB-432B-8DAE-1953F412C126}" type="datetimeFigureOut">
               <a:rPr lang="en-US" smtClean="0"/>
-              <a:t>5/6/2013</a:t>
+              <a:t>5/6/13</a:t>
             </a:fld>
             <a:endParaRPr lang="en-US" dirty="0"/>
           </a:p>
@@ -23630,7 +29119,7 @@
           <a:p>
             <a:fld id="{48A87A34-81AB-432B-8DAE-1953F412C126}" type="datetimeFigureOut">
               <a:rPr lang="en-US" smtClean="0"/>
-              <a:t>5/6/2013</a:t>
+              <a:t>5/6/13</a:t>
             </a:fld>
             <a:endParaRPr lang="en-US" dirty="0"/>
           </a:p>
@@ -24350,7 +29839,7 @@
           <a:p>
             <a:fld id="{48A87A34-81AB-432B-8DAE-1953F412C126}" type="datetimeFigureOut">
               <a:rPr lang="en-US" smtClean="0"/>
-              <a:t>5/6/2013</a:t>
+              <a:t>5/6/13</a:t>
             </a:fld>
             <a:endParaRPr lang="en-US" dirty="0"/>
           </a:p>
@@ -24520,7 +30009,7 @@
           <a:p>
             <a:fld id="{48A87A34-81AB-432B-8DAE-1953F412C126}" type="datetimeFigureOut">
               <a:rPr lang="en-US" smtClean="0"/>
-              <a:t>5/6/2013</a:t>
+              <a:t>5/6/13</a:t>
             </a:fld>
             <a:endParaRPr lang="en-US" dirty="0"/>
           </a:p>
@@ -24700,7 +30189,7 @@
           <a:p>
             <a:fld id="{48A87A34-81AB-432B-8DAE-1953F412C126}" type="datetimeFigureOut">
               <a:rPr lang="en-US" smtClean="0"/>
-              <a:t>5/6/2013</a:t>
+              <a:t>5/6/13</a:t>
             </a:fld>
             <a:endParaRPr lang="en-US" dirty="0"/>
           </a:p>
@@ -24870,7 +30359,7 @@
           <a:p>
             <a:fld id="{48A87A34-81AB-432B-8DAE-1953F412C126}" type="datetimeFigureOut">
               <a:rPr lang="en-US" smtClean="0"/>
-              <a:t>5/6/2013</a:t>
+              <a:t>5/6/13</a:t>
             </a:fld>
             <a:endParaRPr lang="en-US" dirty="0"/>
           </a:p>
@@ -25120,7 +30609,7 @@
           <a:p>
             <a:fld id="{48A87A34-81AB-432B-8DAE-1953F412C126}" type="datetimeFigureOut">
               <a:rPr lang="en-US" smtClean="0"/>
-              <a:t>5/6/2013</a:t>
+              <a:t>5/6/13</a:t>
             </a:fld>
             <a:endParaRPr lang="en-US" dirty="0"/>
           </a:p>
@@ -25352,7 +30841,7 @@
           <a:p>
             <a:fld id="{48A87A34-81AB-432B-8DAE-1953F412C126}" type="datetimeFigureOut">
               <a:rPr lang="en-US" smtClean="0"/>
-              <a:t>5/6/2013</a:t>
+              <a:t>5/6/13</a:t>
             </a:fld>
             <a:endParaRPr lang="en-US" dirty="0"/>
           </a:p>
@@ -25733,7 +31222,7 @@
           <a:p>
             <a:fld id="{48A87A34-81AB-432B-8DAE-1953F412C126}" type="datetimeFigureOut">
               <a:rPr lang="en-US" smtClean="0"/>
-              <a:t>5/6/2013</a:t>
+              <a:t>5/6/13</a:t>
             </a:fld>
             <a:endParaRPr lang="en-US" dirty="0"/>
           </a:p>
@@ -25851,7 +31340,7 @@
           <a:p>
             <a:fld id="{48A87A34-81AB-432B-8DAE-1953F412C126}" type="datetimeFigureOut">
               <a:rPr lang="en-US" smtClean="0"/>
-              <a:t>5/6/2013</a:t>
+              <a:t>5/6/13</a:t>
             </a:fld>
             <a:endParaRPr lang="en-US" dirty="0"/>
           </a:p>
@@ -25946,7 +31435,7 @@
           <a:p>
             <a:fld id="{48A87A34-81AB-432B-8DAE-1953F412C126}" type="datetimeFigureOut">
               <a:rPr lang="en-US" smtClean="0"/>
-              <a:t>5/6/2013</a:t>
+              <a:t>5/6/13</a:t>
             </a:fld>
             <a:endParaRPr lang="en-US" dirty="0"/>
           </a:p>
@@ -26195,7 +31684,7 @@
           <a:p>
             <a:fld id="{48A87A34-81AB-432B-8DAE-1953F412C126}" type="datetimeFigureOut">
               <a:rPr lang="en-US" smtClean="0"/>
-              <a:t>5/6/2013</a:t>
+              <a:t>5/6/13</a:t>
             </a:fld>
             <a:endParaRPr lang="en-US" dirty="0"/>
           </a:p>
@@ -26475,7 +31964,7 @@
           <a:p>
             <a:fld id="{48A87A34-81AB-432B-8DAE-1953F412C126}" type="datetimeFigureOut">
               <a:rPr lang="en-US" smtClean="0"/>
-              <a:t>5/6/2013</a:t>
+              <a:t>5/6/13</a:t>
             </a:fld>
             <a:endParaRPr lang="en-US" dirty="0"/>
           </a:p>
@@ -26597,7 +32086,7 @@
           </a:prstGeom>
           <a:noFill/>
           <a:extLst>
-            <a:ext uri="{909E8E84-426E-40DD-AFC4-6F175D3DCCD1}">
+            <a:ext uri="{909E8E84-426E-40dd-AFC4-6F175D3DCCD1}">
               <a14:hiddenFill xmlns:a14="http://schemas.microsoft.com/office/drawing/2010/main">
                 <a:solidFill>
                   <a:srgbClr val="FFFFFF"/>
@@ -26671,7 +32160,7 @@
                 <a:noFill/>
               </a:ln>
               <a:extLst>
-                <a:ext uri="{91240B29-F687-4F45-9708-019B960494DF}">
+                <a:ext uri="{91240B29-F687-4f45-9708-019B960494DF}">
                   <a14:hiddenLine xmlns:a14="http://schemas.microsoft.com/office/drawing/2010/main" w="9525">
                     <a:solidFill>
                       <a:srgbClr val="000000"/>
@@ -26761,7 +32250,7 @@
                 <a:noFill/>
               </a:ln>
               <a:extLst>
-                <a:ext uri="{91240B29-F687-4F45-9708-019B960494DF}">
+                <a:ext uri="{91240B29-F687-4f45-9708-019B960494DF}">
                   <a14:hiddenLine xmlns:a14="http://schemas.microsoft.com/office/drawing/2010/main" w="9525">
                     <a:solidFill>
                       <a:srgbClr val="000000"/>
@@ -26851,7 +32340,7 @@
                 <a:noFill/>
               </a:ln>
               <a:extLst>
-                <a:ext uri="{91240B29-F687-4F45-9708-019B960494DF}">
+                <a:ext uri="{91240B29-F687-4f45-9708-019B960494DF}">
                   <a14:hiddenLine xmlns:a14="http://schemas.microsoft.com/office/drawing/2010/main" w="9525">
                     <a:solidFill>
                       <a:srgbClr val="000000"/>
@@ -26913,7 +32402,7 @@
                 <a:noFill/>
               </a:ln>
               <a:extLst>
-                <a:ext uri="{91240B29-F687-4F45-9708-019B960494DF}">
+                <a:ext uri="{91240B29-F687-4f45-9708-019B960494DF}">
                   <a14:hiddenLine xmlns:a14="http://schemas.microsoft.com/office/drawing/2010/main" w="9525">
                     <a:solidFill>
                       <a:srgbClr val="000000"/>
@@ -27003,7 +32492,7 @@
                 <a:noFill/>
               </a:ln>
               <a:extLst>
-                <a:ext uri="{91240B29-F687-4F45-9708-019B960494DF}">
+                <a:ext uri="{91240B29-F687-4f45-9708-019B960494DF}">
                   <a14:hiddenLine xmlns:a14="http://schemas.microsoft.com/office/drawing/2010/main" w="9525">
                     <a:solidFill>
                       <a:srgbClr val="000000"/>
@@ -27065,7 +32554,7 @@
                 <a:noFill/>
               </a:ln>
               <a:extLst>
-                <a:ext uri="{91240B29-F687-4F45-9708-019B960494DF}">
+                <a:ext uri="{91240B29-F687-4f45-9708-019B960494DF}">
                   <a14:hiddenLine xmlns:a14="http://schemas.microsoft.com/office/drawing/2010/main" w="9525">
                     <a:solidFill>
                       <a:srgbClr val="000000"/>
@@ -27127,7 +32616,7 @@
                 <a:noFill/>
               </a:ln>
               <a:extLst>
-                <a:ext uri="{91240B29-F687-4F45-9708-019B960494DF}">
+                <a:ext uri="{91240B29-F687-4f45-9708-019B960494DF}">
                   <a14:hiddenLine xmlns:a14="http://schemas.microsoft.com/office/drawing/2010/main" w="9525">
                     <a:solidFill>
                       <a:srgbClr val="000000"/>
@@ -27217,7 +32706,7 @@
                 <a:noFill/>
               </a:ln>
               <a:extLst>
-                <a:ext uri="{91240B29-F687-4F45-9708-019B960494DF}">
+                <a:ext uri="{91240B29-F687-4f45-9708-019B960494DF}">
                   <a14:hiddenLine xmlns:a14="http://schemas.microsoft.com/office/drawing/2010/main" w="9525">
                     <a:solidFill>
                       <a:srgbClr val="000000"/>
@@ -27307,7 +32796,7 @@
                 <a:noFill/>
               </a:ln>
               <a:extLst>
-                <a:ext uri="{91240B29-F687-4F45-9708-019B960494DF}">
+                <a:ext uri="{91240B29-F687-4f45-9708-019B960494DF}">
                   <a14:hiddenLine xmlns:a14="http://schemas.microsoft.com/office/drawing/2010/main" w="9525">
                     <a:solidFill>
                       <a:srgbClr val="000000"/>
@@ -27369,7 +32858,7 @@
                 <a:noFill/>
               </a:ln>
               <a:extLst>
-                <a:ext uri="{91240B29-F687-4F45-9708-019B960494DF}">
+                <a:ext uri="{91240B29-F687-4f45-9708-019B960494DF}">
                   <a14:hiddenLine xmlns:a14="http://schemas.microsoft.com/office/drawing/2010/main" w="9525">
                     <a:solidFill>
                       <a:srgbClr val="000000"/>
@@ -27479,7 +32968,7 @@
                 <a:noFill/>
               </a:ln>
               <a:extLst>
-                <a:ext uri="{91240B29-F687-4F45-9708-019B960494DF}">
+                <a:ext uri="{91240B29-F687-4f45-9708-019B960494DF}">
                   <a14:hiddenLine xmlns:a14="http://schemas.microsoft.com/office/drawing/2010/main" w="9525">
                     <a:solidFill>
                       <a:srgbClr val="000000"/>
@@ -27563,7 +33052,7 @@
                 <a:noFill/>
               </a:ln>
               <a:extLst>
-                <a:ext uri="{91240B29-F687-4F45-9708-019B960494DF}">
+                <a:ext uri="{91240B29-F687-4f45-9708-019B960494DF}">
                   <a14:hiddenLine xmlns:a14="http://schemas.microsoft.com/office/drawing/2010/main" w="9525">
                     <a:solidFill>
                       <a:srgbClr val="000000"/>
@@ -27625,7 +33114,7 @@
                 <a:noFill/>
               </a:ln>
               <a:extLst>
-                <a:ext uri="{91240B29-F687-4F45-9708-019B960494DF}">
+                <a:ext uri="{91240B29-F687-4f45-9708-019B960494DF}">
                   <a14:hiddenLine xmlns:a14="http://schemas.microsoft.com/office/drawing/2010/main" w="9525">
                     <a:solidFill>
                       <a:srgbClr val="000000"/>
@@ -27687,7 +33176,7 @@
                 <a:noFill/>
               </a:ln>
               <a:extLst>
-                <a:ext uri="{91240B29-F687-4F45-9708-019B960494DF}">
+                <a:ext uri="{91240B29-F687-4f45-9708-019B960494DF}">
                   <a14:hiddenLine xmlns:a14="http://schemas.microsoft.com/office/drawing/2010/main" w="9525">
                     <a:solidFill>
                       <a:srgbClr val="000000"/>
@@ -27777,7 +33266,7 @@
                 <a:noFill/>
               </a:ln>
               <a:extLst>
-                <a:ext uri="{91240B29-F687-4F45-9708-019B960494DF}">
+                <a:ext uri="{91240B29-F687-4f45-9708-019B960494DF}">
                   <a14:hiddenLine xmlns:a14="http://schemas.microsoft.com/office/drawing/2010/main" w="9525">
                     <a:solidFill>
                       <a:srgbClr val="000000"/>
@@ -27811,7 +33300,7 @@
                 <a:noFill/>
               </a:ln>
               <a:extLst>
-                <a:ext uri="{91240B29-F687-4F45-9708-019B960494DF}">
+                <a:ext uri="{91240B29-F687-4f45-9708-019B960494DF}">
                   <a14:hiddenLine xmlns:a14="http://schemas.microsoft.com/office/drawing/2010/main" w="9525">
                     <a:solidFill>
                       <a:srgbClr val="000000"/>
@@ -27876,7 +33365,7 @@
                 <a:noFill/>
               </a:ln>
               <a:extLst>
-                <a:ext uri="{91240B29-F687-4F45-9708-019B960494DF}">
+                <a:ext uri="{91240B29-F687-4f45-9708-019B960494DF}">
                   <a14:hiddenLine xmlns:a14="http://schemas.microsoft.com/office/drawing/2010/main" w="9525">
                     <a:solidFill>
                       <a:srgbClr val="000000"/>
@@ -27966,7 +33455,7 @@
                 <a:noFill/>
               </a:ln>
               <a:extLst>
-                <a:ext uri="{91240B29-F687-4F45-9708-019B960494DF}">
+                <a:ext uri="{91240B29-F687-4f45-9708-019B960494DF}">
                   <a14:hiddenLine xmlns:a14="http://schemas.microsoft.com/office/drawing/2010/main" w="9525">
                     <a:solidFill>
                       <a:srgbClr val="000000"/>
@@ -28028,7 +33517,7 @@
                 <a:noFill/>
               </a:ln>
               <a:extLst>
-                <a:ext uri="{91240B29-F687-4F45-9708-019B960494DF}">
+                <a:ext uri="{91240B29-F687-4f45-9708-019B960494DF}">
                   <a14:hiddenLine xmlns:a14="http://schemas.microsoft.com/office/drawing/2010/main" w="9525">
                     <a:solidFill>
                       <a:srgbClr val="000000"/>
@@ -28118,7 +33607,7 @@
                 <a:noFill/>
               </a:ln>
               <a:extLst>
-                <a:ext uri="{91240B29-F687-4F45-9708-019B960494DF}">
+                <a:ext uri="{91240B29-F687-4f45-9708-019B960494DF}">
                   <a14:hiddenLine xmlns:a14="http://schemas.microsoft.com/office/drawing/2010/main" w="9525">
                     <a:solidFill>
                       <a:srgbClr val="000000"/>
@@ -28183,7 +33672,7 @@
                 <a:noFill/>
               </a:ln>
               <a:extLst>
-                <a:ext uri="{91240B29-F687-4F45-9708-019B960494DF}">
+                <a:ext uri="{91240B29-F687-4f45-9708-019B960494DF}">
                   <a14:hiddenLine xmlns:a14="http://schemas.microsoft.com/office/drawing/2010/main" w="9525">
                     <a:solidFill>
                       <a:srgbClr val="000000"/>
@@ -28245,7 +33734,7 @@
                 <a:noFill/>
               </a:ln>
               <a:extLst>
-                <a:ext uri="{91240B29-F687-4F45-9708-019B960494DF}">
+                <a:ext uri="{91240B29-F687-4f45-9708-019B960494DF}">
                   <a14:hiddenLine xmlns:a14="http://schemas.microsoft.com/office/drawing/2010/main" w="9525">
                     <a:solidFill>
                       <a:srgbClr val="000000"/>
@@ -28335,7 +33824,7 @@
                 <a:noFill/>
               </a:ln>
               <a:extLst>
-                <a:ext uri="{91240B29-F687-4F45-9708-019B960494DF}">
+                <a:ext uri="{91240B29-F687-4f45-9708-019B960494DF}">
                   <a14:hiddenLine xmlns:a14="http://schemas.microsoft.com/office/drawing/2010/main" w="9525">
                     <a:solidFill>
                       <a:srgbClr val="000000"/>
@@ -28425,7 +33914,7 @@
                 <a:noFill/>
               </a:ln>
               <a:extLst>
-                <a:ext uri="{91240B29-F687-4F45-9708-019B960494DF}">
+                <a:ext uri="{91240B29-F687-4f45-9708-019B960494DF}">
                   <a14:hiddenLine xmlns:a14="http://schemas.microsoft.com/office/drawing/2010/main" w="9525">
                     <a:solidFill>
                       <a:srgbClr val="000000"/>
@@ -28490,7 +33979,7 @@
                 <a:noFill/>
               </a:ln>
               <a:extLst>
-                <a:ext uri="{91240B29-F687-4F45-9708-019B960494DF}">
+                <a:ext uri="{91240B29-F687-4f45-9708-019B960494DF}">
                   <a14:hiddenLine xmlns:a14="http://schemas.microsoft.com/office/drawing/2010/main" w="9525">
                     <a:solidFill>
                       <a:srgbClr val="000000"/>
@@ -28610,7 +34099,7 @@
                 <a:noFill/>
               </a:ln>
               <a:extLst>
-                <a:ext uri="{91240B29-F687-4F45-9708-019B960494DF}">
+                <a:ext uri="{91240B29-F687-4f45-9708-019B960494DF}">
                   <a14:hiddenLine xmlns:a14="http://schemas.microsoft.com/office/drawing/2010/main" w="9525">
                     <a:solidFill>
                       <a:srgbClr val="000000"/>
@@ -28691,7 +34180,7 @@
                 <a:noFill/>
               </a:ln>
               <a:extLst>
-                <a:ext uri="{91240B29-F687-4F45-9708-019B960494DF}">
+                <a:ext uri="{91240B29-F687-4f45-9708-019B960494DF}">
                   <a14:hiddenLine xmlns:a14="http://schemas.microsoft.com/office/drawing/2010/main" w="9525">
                     <a:solidFill>
                       <a:srgbClr val="000000"/>
@@ -28806,7 +34295,7 @@
                 <a:noFill/>
               </a:ln>
               <a:extLst>
-                <a:ext uri="{91240B29-F687-4F45-9708-019B960494DF}">
+                <a:ext uri="{91240B29-F687-4f45-9708-019B960494DF}">
                   <a14:hiddenLine xmlns:a14="http://schemas.microsoft.com/office/drawing/2010/main" w="9525">
                     <a:solidFill>
                       <a:srgbClr val="000000"/>
@@ -28896,7 +34385,7 @@
                 <a:noFill/>
               </a:ln>
               <a:extLst>
-                <a:ext uri="{91240B29-F687-4F45-9708-019B960494DF}">
+                <a:ext uri="{91240B29-F687-4f45-9708-019B960494DF}">
                   <a14:hiddenLine xmlns:a14="http://schemas.microsoft.com/office/drawing/2010/main" w="9525">
                     <a:solidFill>
                       <a:srgbClr val="000000"/>
@@ -28961,7 +34450,7 @@
                 <a:noFill/>
               </a:ln>
               <a:extLst>
-                <a:ext uri="{91240B29-F687-4F45-9708-019B960494DF}">
+                <a:ext uri="{91240B29-F687-4f45-9708-019B960494DF}">
                   <a14:hiddenLine xmlns:a14="http://schemas.microsoft.com/office/drawing/2010/main" w="9525">
                     <a:solidFill>
                       <a:srgbClr val="000000"/>
@@ -29051,7 +34540,7 @@
                 <a:noFill/>
               </a:ln>
               <a:extLst>
-                <a:ext uri="{91240B29-F687-4F45-9708-019B960494DF}">
+                <a:ext uri="{91240B29-F687-4f45-9708-019B960494DF}">
                   <a14:hiddenLine xmlns:a14="http://schemas.microsoft.com/office/drawing/2010/main" w="9525">
                     <a:solidFill>
                       <a:srgbClr val="000000"/>
@@ -29119,7 +34608,7 @@
                 <a:noFill/>
               </a:ln>
               <a:extLst>
-                <a:ext uri="{91240B29-F687-4F45-9708-019B960494DF}">
+                <a:ext uri="{91240B29-F687-4f45-9708-019B960494DF}">
                   <a14:hiddenLine xmlns:a14="http://schemas.microsoft.com/office/drawing/2010/main" w="9525">
                     <a:solidFill>
                       <a:srgbClr val="000000"/>
@@ -29209,7 +34698,7 @@
                 <a:noFill/>
               </a:ln>
               <a:extLst>
-                <a:ext uri="{91240B29-F687-4F45-9708-019B960494DF}">
+                <a:ext uri="{91240B29-F687-4f45-9708-019B960494DF}">
                   <a14:hiddenLine xmlns:a14="http://schemas.microsoft.com/office/drawing/2010/main" w="9525">
                     <a:solidFill>
                       <a:srgbClr val="000000"/>
@@ -29277,7 +34766,7 @@
                 <a:noFill/>
               </a:ln>
               <a:extLst>
-                <a:ext uri="{91240B29-F687-4F45-9708-019B960494DF}">
+                <a:ext uri="{91240B29-F687-4f45-9708-019B960494DF}">
                   <a14:hiddenLine xmlns:a14="http://schemas.microsoft.com/office/drawing/2010/main" w="9525">
                     <a:solidFill>
                       <a:srgbClr val="000000"/>
@@ -29367,7 +34856,7 @@
                 <a:noFill/>
               </a:ln>
               <a:extLst>
-                <a:ext uri="{91240B29-F687-4F45-9708-019B960494DF}">
+                <a:ext uri="{91240B29-F687-4f45-9708-019B960494DF}">
                   <a14:hiddenLine xmlns:a14="http://schemas.microsoft.com/office/drawing/2010/main" w="9525">
                     <a:solidFill>
                       <a:srgbClr val="000000"/>
@@ -29401,7 +34890,7 @@
                 <a:noFill/>
               </a:ln>
               <a:extLst>
-                <a:ext uri="{91240B29-F687-4F45-9708-019B960494DF}">
+                <a:ext uri="{91240B29-F687-4f45-9708-019B960494DF}">
                   <a14:hiddenLine xmlns:a14="http://schemas.microsoft.com/office/drawing/2010/main" w="9525">
                     <a:solidFill>
                       <a:srgbClr val="000000"/>
@@ -29543,7 +35032,7 @@
             <a:fld id="{48A87A34-81AB-432B-8DAE-1953F412C126}" type="datetimeFigureOut">
               <a:rPr lang="en-US" smtClean="0"/>
               <a:pPr/>
-              <a:t>5/6/2013</a:t>
+              <a:t>5/6/13</a:t>
             </a:fld>
             <a:endParaRPr lang="en-US" dirty="0"/>
           </a:p>
@@ -30072,25 +35561,31 @@
           </a:p>
         </p:txBody>
       </p:sp>
-      <p:sp>
-        <p:nvSpPr>
-          <p:cNvPr id="3" name="Content Placeholder 2"/>
-          <p:cNvSpPr>
-            <a:spLocks noGrp="1"/>
-          </p:cNvSpPr>
+      <p:graphicFrame>
+        <p:nvGraphicFramePr>
+          <p:cNvPr id="4" name="Content Placeholder 3"/>
+          <p:cNvGraphicFramePr>
+            <a:graphicFrameLocks noGrp="1"/>
+          </p:cNvGraphicFramePr>
           <p:nvPr>
             <p:ph idx="1"/>
+            <p:extLst>
+              <p:ext uri="{D42A27DB-BD31-4B8C-83A1-F6EECF244321}">
+                <p14:modId xmlns:p14="http://schemas.microsoft.com/office/powerpoint/2010/main" val="382344659"/>
+              </p:ext>
+            </p:extLst>
           </p:nvPr>
-        </p:nvSpPr>
-        <p:spPr/>
-        <p:txBody>
-          <a:bodyPr/>
-          <a:lstStyle/>
-          <a:p>
-            <a:endParaRPr lang="en-US"/>
-          </a:p>
-        </p:txBody>
-      </p:sp>
+        </p:nvGraphicFramePr>
+        <p:xfrm>
+          <a:off x="1141412" y="2249487"/>
+          <a:ext cx="9905999" cy="3541714"/>
+        </p:xfrm>
+        <a:graphic>
+          <a:graphicData uri="http://schemas.openxmlformats.org/drawingml/2006/diagram">
+            <dgm:relIds xmlns:dgm="http://schemas.openxmlformats.org/drawingml/2006/diagram" xmlns:r="http://schemas.openxmlformats.org/officeDocument/2006/relationships" r:dm="rId2" r:lo="rId3" r:qs="rId4" r:cs="rId5"/>
+          </a:graphicData>
+        </a:graphic>
+      </p:graphicFrame>
     </p:spTree>
     <p:extLst>
       <p:ext uri="{BB962C8B-B14F-4D97-AF65-F5344CB8AC3E}">
@@ -30153,222 +35648,6 @@
     <p:extLst>
       <p:ext uri="{BB962C8B-B14F-4D97-AF65-F5344CB8AC3E}">
         <p14:creationId xmlns:p14="http://schemas.microsoft.com/office/powerpoint/2010/main" val="415291007"/>
-      </p:ext>
-    </p:extLst>
-  </p:cSld>
-  <p:clrMapOvr>
-    <a:masterClrMapping/>
-  </p:clrMapOvr>
-</p:sld>
-</file>
-
-<file path=ppt/slides/slide12.xml><?xml version="1.0" encoding="utf-8"?>
-<p:sld xmlns:a="http://schemas.openxmlformats.org/drawingml/2006/main" xmlns:r="http://schemas.openxmlformats.org/officeDocument/2006/relationships" xmlns:p="http://schemas.openxmlformats.org/presentationml/2006/main">
-  <p:cSld>
-    <p:spTree>
-      <p:nvGrpSpPr>
-        <p:cNvPr id="1" name=""/>
-        <p:cNvGrpSpPr/>
-        <p:nvPr/>
-      </p:nvGrpSpPr>
-      <p:grpSpPr>
-        <a:xfrm>
-          <a:off x="0" y="0"/>
-          <a:ext cx="0" cy="0"/>
-          <a:chOff x="0" y="0"/>
-          <a:chExt cx="0" cy="0"/>
-        </a:xfrm>
-      </p:grpSpPr>
-      <p:sp>
-        <p:nvSpPr>
-          <p:cNvPr id="2" name="Title 1"/>
-          <p:cNvSpPr>
-            <a:spLocks noGrp="1"/>
-          </p:cNvSpPr>
-          <p:nvPr>
-            <p:ph type="title"/>
-          </p:nvPr>
-        </p:nvSpPr>
-        <p:spPr/>
-        <p:txBody>
-          <a:bodyPr/>
-          <a:lstStyle/>
-          <a:p>
-            <a:r>
-              <a:rPr lang="en-US" dirty="0" smtClean="0"/>
-              <a:t>What’s the problem?</a:t>
-            </a:r>
-            <a:endParaRPr lang="en-US" dirty="0"/>
-          </a:p>
-        </p:txBody>
-      </p:sp>
-      <p:sp>
-        <p:nvSpPr>
-          <p:cNvPr id="3" name="Content Placeholder 2"/>
-          <p:cNvSpPr>
-            <a:spLocks noGrp="1"/>
-          </p:cNvSpPr>
-          <p:nvPr>
-            <p:ph idx="1"/>
-          </p:nvPr>
-        </p:nvSpPr>
-        <p:spPr/>
-        <p:txBody>
-          <a:bodyPr>
-            <a:normAutofit lnSpcReduction="10000"/>
-          </a:bodyPr>
-          <a:lstStyle/>
-          <a:p>
-            <a:r>
-              <a:rPr lang="en-US" dirty="0" smtClean="0"/>
-              <a:t>Coming up with a good formula for a system which relies on attributes and modifiers can be tricky and time consuming</a:t>
-            </a:r>
-          </a:p>
-          <a:p>
-            <a:r>
-              <a:rPr lang="en-US" dirty="0" smtClean="0"/>
-              <a:t>The most direct example is an RPG style game with various moves that effect things like health, defense and attack</a:t>
-            </a:r>
-          </a:p>
-          <a:p>
-            <a:r>
-              <a:rPr lang="en-US" dirty="0" smtClean="0"/>
-              <a:t>Often times, may not be done right or not enough time is spent making it better than it could be due to cost</a:t>
-            </a:r>
-          </a:p>
-          <a:p>
-            <a:pPr lvl="1"/>
-            <a:r>
-              <a:rPr lang="en-US" dirty="0" smtClean="0"/>
-              <a:t>Ex. </a:t>
-            </a:r>
-            <a:r>
-              <a:rPr lang="en-US" dirty="0"/>
-              <a:t>Final Fantasy </a:t>
-            </a:r>
-            <a:r>
-              <a:rPr lang="en-US" dirty="0" smtClean="0"/>
-              <a:t>VIII (draw magic attack) </a:t>
-            </a:r>
-            <a:r>
-              <a:rPr lang="en-US" dirty="0"/>
-              <a:t>and Eternal </a:t>
-            </a:r>
-            <a:r>
-              <a:rPr lang="en-US" dirty="0" smtClean="0"/>
-              <a:t>Sonata (4 moves, can use 2 at only certain points)</a:t>
-            </a:r>
-          </a:p>
-        </p:txBody>
-      </p:sp>
-    </p:spTree>
-    <p:extLst>
-      <p:ext uri="{BB962C8B-B14F-4D97-AF65-F5344CB8AC3E}">
-        <p14:creationId xmlns:p14="http://schemas.microsoft.com/office/powerpoint/2010/main" val="2284188806"/>
-      </p:ext>
-    </p:extLst>
-  </p:cSld>
-  <p:clrMapOvr>
-    <a:masterClrMapping/>
-  </p:clrMapOvr>
-</p:sld>
-</file>
-
-<file path=ppt/slides/slide13.xml><?xml version="1.0" encoding="utf-8"?>
-<p:sld xmlns:a="http://schemas.openxmlformats.org/drawingml/2006/main" xmlns:r="http://schemas.openxmlformats.org/officeDocument/2006/relationships" xmlns:p="http://schemas.openxmlformats.org/presentationml/2006/main">
-  <p:cSld>
-    <p:spTree>
-      <p:nvGrpSpPr>
-        <p:cNvPr id="1" name=""/>
-        <p:cNvGrpSpPr/>
-        <p:nvPr/>
-      </p:nvGrpSpPr>
-      <p:grpSpPr>
-        <a:xfrm>
-          <a:off x="0" y="0"/>
-          <a:ext cx="0" cy="0"/>
-          <a:chOff x="0" y="0"/>
-          <a:chExt cx="0" cy="0"/>
-        </a:xfrm>
-      </p:grpSpPr>
-      <p:sp>
-        <p:nvSpPr>
-          <p:cNvPr id="2" name="Title 1"/>
-          <p:cNvSpPr>
-            <a:spLocks noGrp="1"/>
-          </p:cNvSpPr>
-          <p:nvPr>
-            <p:ph type="title"/>
-          </p:nvPr>
-        </p:nvSpPr>
-        <p:spPr/>
-        <p:txBody>
-          <a:bodyPr/>
-          <a:lstStyle/>
-          <a:p>
-            <a:r>
-              <a:rPr lang="en-US" dirty="0" smtClean="0"/>
-              <a:t>Possible Solution and design</a:t>
-            </a:r>
-            <a:endParaRPr lang="en-US" dirty="0"/>
-          </a:p>
-        </p:txBody>
-      </p:sp>
-      <p:sp>
-        <p:nvSpPr>
-          <p:cNvPr id="3" name="Content Placeholder 2"/>
-          <p:cNvSpPr>
-            <a:spLocks noGrp="1"/>
-          </p:cNvSpPr>
-          <p:nvPr>
-            <p:ph idx="1"/>
-          </p:nvPr>
-        </p:nvSpPr>
-        <p:spPr/>
-        <p:txBody>
-          <a:bodyPr>
-            <a:normAutofit/>
-          </a:bodyPr>
-          <a:lstStyle/>
-          <a:p>
-            <a:r>
-              <a:rPr lang="en-US" dirty="0" smtClean="0"/>
-              <a:t>Design a system that creates moves based on effective usability</a:t>
-            </a:r>
-          </a:p>
-          <a:p>
-            <a:r>
-              <a:rPr lang="en-US" dirty="0" smtClean="0"/>
-              <a:t>To do this, we propose a system that takes in certain criteria, performs a large set of simulations on the moves to determine effectiveness, and then uses a genetic algorithm to improve these moves</a:t>
-            </a:r>
-          </a:p>
-          <a:p>
-            <a:r>
-              <a:rPr lang="en-US" dirty="0" smtClean="0"/>
-              <a:t>Two Methods:</a:t>
-            </a:r>
-          </a:p>
-          <a:p>
-            <a:pPr lvl="1"/>
-            <a:r>
-              <a:rPr lang="en-US" dirty="0" smtClean="0"/>
-              <a:t>Function Trees</a:t>
-            </a:r>
-          </a:p>
-          <a:p>
-            <a:pPr lvl="1"/>
-            <a:r>
-              <a:rPr lang="en-US" dirty="0" smtClean="0"/>
-              <a:t>Linear Transformations</a:t>
-            </a:r>
-            <a:endParaRPr lang="en-US" dirty="0"/>
-          </a:p>
-        </p:txBody>
-      </p:sp>
-    </p:spTree>
-    <p:extLst>
-      <p:ext uri="{BB962C8B-B14F-4D97-AF65-F5344CB8AC3E}">
-        <p14:creationId xmlns:p14="http://schemas.microsoft.com/office/powerpoint/2010/main" val="2035589802"/>
       </p:ext>
     </p:extLst>
   </p:cSld>
@@ -30887,14 +36166,14 @@
             </a:outerShdw>
           </a:effectLst>
           <a:extLst>
-            <a:ext uri="{909E8E84-426E-40DD-AFC4-6F175D3DCCD1}">
+            <a:ext uri="{909E8E84-426E-40dd-AFC4-6F175D3DCCD1}">
               <a14:hiddenFill xmlns:a14="http://schemas.microsoft.com/office/drawing/2010/main">
                 <a:solidFill>
                   <a:schemeClr val="accent1"/>
                 </a:solidFill>
               </a14:hiddenFill>
             </a:ext>
-            <a:ext uri="{91240B29-F687-4F45-9708-019B960494DF}">
+            <a:ext uri="{91240B29-F687-4f45-9708-019B960494DF}">
               <a14:hiddenLine xmlns:a14="http://schemas.microsoft.com/office/drawing/2010/main" w="9525">
                 <a:solidFill>
                   <a:schemeClr val="tx1"/>
@@ -30951,7 +36230,7 @@
             <a:pPr lvl="1"/>
             <a:r>
               <a:rPr lang="en-US" dirty="0" smtClean="0"/>
-              <a:t>Mutate leaf nodes and parents of leaf nodes of the tree, either by replacing a node with a child node or by replacing the node with a different type.</a:t>
+              <a:t>Mutate leaf nodes and parents of leaf nodes of the tree, either by replacing a node with a child node or by replacing the node with a different type</a:t>
             </a:r>
             <a:endParaRPr lang="en-US" sz="1800" dirty="0"/>
           </a:p>
@@ -31076,70 +36355,41 @@
           <a:lstStyle/>
           <a:p>
             <a:r>
-              <a:rPr lang="en-US" dirty="0" smtClean="0"/>
+              <a:rPr lang="en-US" dirty="0"/>
               <a:t>Method 2 - Linear Transformations</a:t>
             </a:r>
-            <a:endParaRPr lang="en-US" dirty="0"/>
           </a:p>
         </p:txBody>
       </p:sp>
-      <p:sp>
-        <p:nvSpPr>
-          <p:cNvPr id="3" name="Content Placeholder 2"/>
-          <p:cNvSpPr>
-            <a:spLocks noGrp="1"/>
-          </p:cNvSpPr>
+      <p:graphicFrame>
+        <p:nvGraphicFramePr>
+          <p:cNvPr id="4" name="Content Placeholder 3"/>
+          <p:cNvGraphicFramePr>
+            <a:graphicFrameLocks noGrp="1"/>
+          </p:cNvGraphicFramePr>
           <p:nvPr>
             <p:ph idx="1"/>
+            <p:extLst>
+              <p:ext uri="{D42A27DB-BD31-4B8C-83A1-F6EECF244321}">
+                <p14:modId xmlns:p14="http://schemas.microsoft.com/office/powerpoint/2010/main" val="1234532509"/>
+              </p:ext>
+            </p:extLst>
           </p:nvPr>
-        </p:nvSpPr>
-        <p:spPr/>
-        <p:txBody>
-          <a:bodyPr/>
-          <a:lstStyle/>
-          <a:p>
-            <a:r>
-              <a:rPr lang="en-US" dirty="0" smtClean="0"/>
-              <a:t>VECTOR.MUTATION</a:t>
-            </a:r>
-          </a:p>
-          <a:p>
-            <a:pPr lvl="1"/>
-            <a:r>
-              <a:rPr lang="en-US" dirty="0" smtClean="0"/>
-              <a:t>Change the coefficient of a given attribute by some small amount</a:t>
-            </a:r>
-          </a:p>
-          <a:p>
-            <a:pPr lvl="1"/>
-            <a:r>
-              <a:rPr lang="en-US" dirty="0" smtClean="0"/>
-              <a:t>Allows for finer tuning and changes</a:t>
-            </a:r>
-          </a:p>
-          <a:p>
-            <a:r>
-              <a:rPr lang="en-US" dirty="0" smtClean="0"/>
-              <a:t>VECTOR.CROSS_OVER</a:t>
-            </a:r>
-          </a:p>
-          <a:p>
-            <a:pPr lvl="1"/>
-            <a:r>
-              <a:rPr lang="en-US" dirty="0" smtClean="0"/>
-              <a:t>Find the average of a coefficient given a shared modifier</a:t>
-            </a:r>
-          </a:p>
-          <a:p>
-            <a:pPr lvl="1"/>
-            <a:endParaRPr lang="en-US" dirty="0"/>
-          </a:p>
-        </p:txBody>
-      </p:sp>
+        </p:nvGraphicFramePr>
+        <p:xfrm>
+          <a:off x="1141413" y="2249488"/>
+          <a:ext cx="9906000" cy="3541712"/>
+        </p:xfrm>
+        <a:graphic>
+          <a:graphicData uri="http://schemas.openxmlformats.org/drawingml/2006/diagram">
+            <dgm:relIds xmlns:dgm="http://schemas.openxmlformats.org/drawingml/2006/diagram" xmlns:r="http://schemas.openxmlformats.org/officeDocument/2006/relationships" r:dm="rId2" r:lo="rId3" r:qs="rId4" r:cs="rId5"/>
+          </a:graphicData>
+        </a:graphic>
+      </p:graphicFrame>
     </p:spTree>
     <p:extLst>
       <p:ext uri="{BB962C8B-B14F-4D97-AF65-F5344CB8AC3E}">
-        <p14:creationId xmlns:p14="http://schemas.microsoft.com/office/powerpoint/2010/main" val="2480964042"/>
+        <p14:creationId xmlns:p14="http://schemas.microsoft.com/office/powerpoint/2010/main" val="4228261841"/>
       </p:ext>
     </p:extLst>
   </p:cSld>
@@ -31183,7 +36433,7 @@
           <a:p>
             <a:r>
               <a:rPr lang="en-US" dirty="0" smtClean="0"/>
-              <a:t>Final Discussion</a:t>
+              <a:t>Results</a:t>
             </a:r>
             <a:endParaRPr lang="en-US" dirty="0"/>
           </a:p>
@@ -31204,6 +36454,10 @@
           <a:bodyPr/>
           <a:lstStyle/>
           <a:p>
+            <a:r>
+              <a:rPr lang="en-US" dirty="0" smtClean="0"/>
+              <a:t>Preliminary findings indicate that there seems to be some good results from these methods</a:t>
+            </a:r>
             <a:endParaRPr lang="en-US" dirty="0"/>
           </a:p>
         </p:txBody>
@@ -31466,7 +36720,7 @@
   <a:extraClrSchemeLst/>
   <a:extLst>
     <a:ext uri="{05A4C25C-085E-4340-85A3-A5531E510DB2}">
-      <thm15:themeFamily xmlns:thm15="http://schemas.microsoft.com/office/thememl/2012/main" name="Circuit" id="{0AC2F7E7-15F5-431C-B2A2-456FE929F56C}" vid="{142578CA-DEC9-49C3-80AF-C113973CC9A9}"/>
+      <thm15:themeFamily xmlns="" xmlns:thm15="http://schemas.microsoft.com/office/thememl/2012/main" name="Circuit" id="{0AC2F7E7-15F5-431C-B2A2-456FE929F56C}" vid="{142578CA-DEC9-49C3-80AF-C113973CC9A9}"/>
     </a:ext>
   </a:extLst>
 </a:theme>

--- a/presentation/Attribute Learning System Presentation.pptx
+++ b/presentation/Attribute Learning System Presentation.pptx
@@ -7,15 +7,17 @@
   <p:sldIdLst>
     <p:sldId id="256" r:id="rId2"/>
     <p:sldId id="265" r:id="rId3"/>
-    <p:sldId id="267" r:id="rId4"/>
-    <p:sldId id="271" r:id="rId5"/>
-    <p:sldId id="268" r:id="rId6"/>
-    <p:sldId id="269" r:id="rId7"/>
-    <p:sldId id="260" r:id="rId8"/>
-    <p:sldId id="272" r:id="rId9"/>
-    <p:sldId id="264" r:id="rId10"/>
-    <p:sldId id="262" r:id="rId11"/>
-    <p:sldId id="270" r:id="rId12"/>
+    <p:sldId id="273" r:id="rId4"/>
+    <p:sldId id="267" r:id="rId5"/>
+    <p:sldId id="271" r:id="rId6"/>
+    <p:sldId id="268" r:id="rId7"/>
+    <p:sldId id="269" r:id="rId8"/>
+    <p:sldId id="260" r:id="rId9"/>
+    <p:sldId id="272" r:id="rId10"/>
+    <p:sldId id="264" r:id="rId11"/>
+    <p:sldId id="262" r:id="rId12"/>
+    <p:sldId id="274" r:id="rId13"/>
+    <p:sldId id="270" r:id="rId14"/>
   </p:sldIdLst>
   <p:sldSz cx="12192000" cy="6858000"/>
   <p:notesSz cx="6858000" cy="9144000"/>
@@ -116,7 +118,7 @@
   </p:defaultTextStyle>
   <p:extLst>
     <p:ext uri="{EFAFB233-063F-42B5-8137-9DF3F51BA10A}">
-      <p15:sldGuideLst xmlns="" xmlns:p15="http://schemas.microsoft.com/office/powerpoint/2012/main">
+      <p15:sldGuideLst xmlns:p15="http://schemas.microsoft.com/office/powerpoint/2012/main" xmlns="">
         <p15:guide id="1" orient="horz" pos="2160">
           <p15:clr>
             <a:srgbClr val="A4A3A4"/>
@@ -4616,6 +4618,1500 @@
 </file>
 
 <file path=ppt/diagrams/colors7.xml><?xml version="1.0" encoding="utf-8"?>
+<dgm:colorsDef xmlns:dgm="http://schemas.openxmlformats.org/drawingml/2006/diagram" xmlns:a="http://schemas.openxmlformats.org/drawingml/2006/main" uniqueId="urn:microsoft.com/office/officeart/2005/8/colors/accent1_2">
+  <dgm:title val=""/>
+  <dgm:desc val=""/>
+  <dgm:catLst>
+    <dgm:cat type="accent1" pri="11200"/>
+  </dgm:catLst>
+  <dgm:styleLbl name="node0">
+    <dgm:fillClrLst meth="repeat">
+      <a:schemeClr val="accent1"/>
+    </dgm:fillClrLst>
+    <dgm:linClrLst meth="repeat">
+      <a:schemeClr val="lt1"/>
+    </dgm:linClrLst>
+    <dgm:effectClrLst/>
+    <dgm:txLinClrLst/>
+    <dgm:txFillClrLst/>
+    <dgm:txEffectClrLst/>
+  </dgm:styleLbl>
+  <dgm:styleLbl name="alignNode1">
+    <dgm:fillClrLst meth="repeat">
+      <a:schemeClr val="accent1"/>
+    </dgm:fillClrLst>
+    <dgm:linClrLst meth="repeat">
+      <a:schemeClr val="accent1"/>
+    </dgm:linClrLst>
+    <dgm:effectClrLst/>
+    <dgm:txLinClrLst/>
+    <dgm:txFillClrLst/>
+    <dgm:txEffectClrLst/>
+  </dgm:styleLbl>
+  <dgm:styleLbl name="node1">
+    <dgm:fillClrLst meth="repeat">
+      <a:schemeClr val="accent1"/>
+    </dgm:fillClrLst>
+    <dgm:linClrLst meth="repeat">
+      <a:schemeClr val="lt1"/>
+    </dgm:linClrLst>
+    <dgm:effectClrLst/>
+    <dgm:txLinClrLst/>
+    <dgm:txFillClrLst/>
+    <dgm:txEffectClrLst/>
+  </dgm:styleLbl>
+  <dgm:styleLbl name="lnNode1">
+    <dgm:fillClrLst meth="repeat">
+      <a:schemeClr val="accent1"/>
+    </dgm:fillClrLst>
+    <dgm:linClrLst meth="repeat">
+      <a:schemeClr val="lt1"/>
+    </dgm:linClrLst>
+    <dgm:effectClrLst/>
+    <dgm:txLinClrLst/>
+    <dgm:txFillClrLst/>
+    <dgm:txEffectClrLst/>
+  </dgm:styleLbl>
+  <dgm:styleLbl name="vennNode1">
+    <dgm:fillClrLst meth="repeat">
+      <a:schemeClr val="accent1">
+        <a:alpha val="50000"/>
+      </a:schemeClr>
+    </dgm:fillClrLst>
+    <dgm:linClrLst meth="repeat">
+      <a:schemeClr val="lt1"/>
+    </dgm:linClrLst>
+    <dgm:effectClrLst/>
+    <dgm:txLinClrLst/>
+    <dgm:txFillClrLst/>
+    <dgm:txEffectClrLst/>
+  </dgm:styleLbl>
+  <dgm:styleLbl name="node2">
+    <dgm:fillClrLst meth="repeat">
+      <a:schemeClr val="accent1"/>
+    </dgm:fillClrLst>
+    <dgm:linClrLst meth="repeat">
+      <a:schemeClr val="lt1"/>
+    </dgm:linClrLst>
+    <dgm:effectClrLst/>
+    <dgm:txLinClrLst/>
+    <dgm:txFillClrLst/>
+    <dgm:txEffectClrLst/>
+  </dgm:styleLbl>
+  <dgm:styleLbl name="node3">
+    <dgm:fillClrLst meth="repeat">
+      <a:schemeClr val="accent1"/>
+    </dgm:fillClrLst>
+    <dgm:linClrLst meth="repeat">
+      <a:schemeClr val="lt1"/>
+    </dgm:linClrLst>
+    <dgm:effectClrLst/>
+    <dgm:txLinClrLst/>
+    <dgm:txFillClrLst/>
+    <dgm:txEffectClrLst/>
+  </dgm:styleLbl>
+  <dgm:styleLbl name="node4">
+    <dgm:fillClrLst meth="repeat">
+      <a:schemeClr val="accent1"/>
+    </dgm:fillClrLst>
+    <dgm:linClrLst meth="repeat">
+      <a:schemeClr val="lt1"/>
+    </dgm:linClrLst>
+    <dgm:effectClrLst/>
+    <dgm:txLinClrLst/>
+    <dgm:txFillClrLst/>
+    <dgm:txEffectClrLst/>
+  </dgm:styleLbl>
+  <dgm:styleLbl name="fgImgPlace1">
+    <dgm:fillClrLst meth="repeat">
+      <a:schemeClr val="accent1">
+        <a:tint val="50000"/>
+      </a:schemeClr>
+    </dgm:fillClrLst>
+    <dgm:linClrLst meth="repeat">
+      <a:schemeClr val="lt1"/>
+    </dgm:linClrLst>
+    <dgm:effectClrLst/>
+    <dgm:txLinClrLst/>
+    <dgm:txFillClrLst meth="repeat">
+      <a:schemeClr val="lt1"/>
+    </dgm:txFillClrLst>
+    <dgm:txEffectClrLst/>
+  </dgm:styleLbl>
+  <dgm:styleLbl name="alignImgPlace1">
+    <dgm:fillClrLst meth="repeat">
+      <a:schemeClr val="accent1">
+        <a:tint val="50000"/>
+      </a:schemeClr>
+    </dgm:fillClrLst>
+    <dgm:linClrLst meth="repeat">
+      <a:schemeClr val="lt1"/>
+    </dgm:linClrLst>
+    <dgm:effectClrLst/>
+    <dgm:txLinClrLst/>
+    <dgm:txFillClrLst meth="repeat">
+      <a:schemeClr val="lt1"/>
+    </dgm:txFillClrLst>
+    <dgm:txEffectClrLst/>
+  </dgm:styleLbl>
+  <dgm:styleLbl name="bgImgPlace1">
+    <dgm:fillClrLst meth="repeat">
+      <a:schemeClr val="accent1">
+        <a:tint val="50000"/>
+      </a:schemeClr>
+    </dgm:fillClrLst>
+    <dgm:linClrLst meth="repeat">
+      <a:schemeClr val="lt1"/>
+    </dgm:linClrLst>
+    <dgm:effectClrLst/>
+    <dgm:txLinClrLst/>
+    <dgm:txFillClrLst meth="repeat">
+      <a:schemeClr val="lt1"/>
+    </dgm:txFillClrLst>
+    <dgm:txEffectClrLst/>
+  </dgm:styleLbl>
+  <dgm:styleLbl name="sibTrans2D1">
+    <dgm:fillClrLst meth="repeat">
+      <a:schemeClr val="accent1">
+        <a:tint val="60000"/>
+      </a:schemeClr>
+    </dgm:fillClrLst>
+    <dgm:linClrLst meth="repeat">
+      <a:schemeClr val="accent1">
+        <a:tint val="60000"/>
+      </a:schemeClr>
+    </dgm:linClrLst>
+    <dgm:effectClrLst/>
+    <dgm:txLinClrLst/>
+    <dgm:txFillClrLst/>
+    <dgm:txEffectClrLst/>
+  </dgm:styleLbl>
+  <dgm:styleLbl name="fgSibTrans2D1">
+    <dgm:fillClrLst meth="repeat">
+      <a:schemeClr val="accent1">
+        <a:tint val="60000"/>
+      </a:schemeClr>
+    </dgm:fillClrLst>
+    <dgm:linClrLst meth="repeat">
+      <a:schemeClr val="accent1">
+        <a:tint val="60000"/>
+      </a:schemeClr>
+    </dgm:linClrLst>
+    <dgm:effectClrLst/>
+    <dgm:txLinClrLst/>
+    <dgm:txFillClrLst/>
+    <dgm:txEffectClrLst/>
+  </dgm:styleLbl>
+  <dgm:styleLbl name="bgSibTrans2D1">
+    <dgm:fillClrLst meth="repeat">
+      <a:schemeClr val="accent1">
+        <a:tint val="60000"/>
+      </a:schemeClr>
+    </dgm:fillClrLst>
+    <dgm:linClrLst meth="repeat">
+      <a:schemeClr val="accent1">
+        <a:tint val="60000"/>
+      </a:schemeClr>
+    </dgm:linClrLst>
+    <dgm:effectClrLst/>
+    <dgm:txLinClrLst/>
+    <dgm:txFillClrLst/>
+    <dgm:txEffectClrLst/>
+  </dgm:styleLbl>
+  <dgm:styleLbl name="sibTrans1D1">
+    <dgm:fillClrLst meth="repeat">
+      <a:schemeClr val="accent1"/>
+    </dgm:fillClrLst>
+    <dgm:linClrLst meth="repeat">
+      <a:schemeClr val="accent1"/>
+    </dgm:linClrLst>
+    <dgm:effectClrLst/>
+    <dgm:txLinClrLst/>
+    <dgm:txFillClrLst meth="repeat">
+      <a:schemeClr val="tx1"/>
+    </dgm:txFillClrLst>
+    <dgm:txEffectClrLst/>
+  </dgm:styleLbl>
+  <dgm:styleLbl name="callout">
+    <dgm:fillClrLst meth="repeat">
+      <a:schemeClr val="accent1"/>
+    </dgm:fillClrLst>
+    <dgm:linClrLst meth="repeat">
+      <a:schemeClr val="accent1">
+        <a:tint val="50000"/>
+      </a:schemeClr>
+    </dgm:linClrLst>
+    <dgm:effectClrLst/>
+    <dgm:txLinClrLst/>
+    <dgm:txFillClrLst meth="repeat">
+      <a:schemeClr val="tx1"/>
+    </dgm:txFillClrLst>
+    <dgm:txEffectClrLst/>
+  </dgm:styleLbl>
+  <dgm:styleLbl name="asst0">
+    <dgm:fillClrLst meth="repeat">
+      <a:schemeClr val="accent1"/>
+    </dgm:fillClrLst>
+    <dgm:linClrLst meth="repeat">
+      <a:schemeClr val="lt1"/>
+    </dgm:linClrLst>
+    <dgm:effectClrLst/>
+    <dgm:txLinClrLst/>
+    <dgm:txFillClrLst/>
+    <dgm:txEffectClrLst/>
+  </dgm:styleLbl>
+  <dgm:styleLbl name="asst1">
+    <dgm:fillClrLst meth="repeat">
+      <a:schemeClr val="accent1"/>
+    </dgm:fillClrLst>
+    <dgm:linClrLst meth="repeat">
+      <a:schemeClr val="lt1"/>
+    </dgm:linClrLst>
+    <dgm:effectClrLst/>
+    <dgm:txLinClrLst/>
+    <dgm:txFillClrLst/>
+    <dgm:txEffectClrLst/>
+  </dgm:styleLbl>
+  <dgm:styleLbl name="asst2">
+    <dgm:fillClrLst meth="repeat">
+      <a:schemeClr val="accent1"/>
+    </dgm:fillClrLst>
+    <dgm:linClrLst meth="repeat">
+      <a:schemeClr val="lt1"/>
+    </dgm:linClrLst>
+    <dgm:effectClrLst/>
+    <dgm:txLinClrLst/>
+    <dgm:txFillClrLst/>
+    <dgm:txEffectClrLst/>
+  </dgm:styleLbl>
+  <dgm:styleLbl name="asst3">
+    <dgm:fillClrLst meth="repeat">
+      <a:schemeClr val="accent1"/>
+    </dgm:fillClrLst>
+    <dgm:linClrLst meth="repeat">
+      <a:schemeClr val="lt1"/>
+    </dgm:linClrLst>
+    <dgm:effectClrLst/>
+    <dgm:txLinClrLst/>
+    <dgm:txFillClrLst/>
+    <dgm:txEffectClrLst/>
+  </dgm:styleLbl>
+  <dgm:styleLbl name="asst4">
+    <dgm:fillClrLst meth="repeat">
+      <a:schemeClr val="accent1"/>
+    </dgm:fillClrLst>
+    <dgm:linClrLst meth="repeat">
+      <a:schemeClr val="lt1"/>
+    </dgm:linClrLst>
+    <dgm:effectClrLst/>
+    <dgm:txLinClrLst/>
+    <dgm:txFillClrLst/>
+    <dgm:txEffectClrLst/>
+  </dgm:styleLbl>
+  <dgm:styleLbl name="parChTrans2D1">
+    <dgm:fillClrLst meth="repeat">
+      <a:schemeClr val="accent1">
+        <a:tint val="60000"/>
+      </a:schemeClr>
+    </dgm:fillClrLst>
+    <dgm:linClrLst meth="repeat">
+      <a:schemeClr val="accent1">
+        <a:tint val="60000"/>
+      </a:schemeClr>
+    </dgm:linClrLst>
+    <dgm:effectClrLst/>
+    <dgm:txLinClrLst/>
+    <dgm:txFillClrLst meth="repeat">
+      <a:schemeClr val="lt1"/>
+    </dgm:txFillClrLst>
+    <dgm:txEffectClrLst/>
+  </dgm:styleLbl>
+  <dgm:styleLbl name="parChTrans2D2">
+    <dgm:fillClrLst meth="repeat">
+      <a:schemeClr val="accent1"/>
+    </dgm:fillClrLst>
+    <dgm:linClrLst meth="repeat">
+      <a:schemeClr val="accent1"/>
+    </dgm:linClrLst>
+    <dgm:effectClrLst/>
+    <dgm:txLinClrLst/>
+    <dgm:txFillClrLst meth="repeat">
+      <a:schemeClr val="lt1"/>
+    </dgm:txFillClrLst>
+    <dgm:txEffectClrLst/>
+  </dgm:styleLbl>
+  <dgm:styleLbl name="parChTrans2D3">
+    <dgm:fillClrLst meth="repeat">
+      <a:schemeClr val="accent1"/>
+    </dgm:fillClrLst>
+    <dgm:linClrLst meth="repeat">
+      <a:schemeClr val="accent1"/>
+    </dgm:linClrLst>
+    <dgm:effectClrLst/>
+    <dgm:txLinClrLst/>
+    <dgm:txFillClrLst meth="repeat">
+      <a:schemeClr val="lt1"/>
+    </dgm:txFillClrLst>
+    <dgm:txEffectClrLst/>
+  </dgm:styleLbl>
+  <dgm:styleLbl name="parChTrans2D4">
+    <dgm:fillClrLst meth="repeat">
+      <a:schemeClr val="accent1"/>
+    </dgm:fillClrLst>
+    <dgm:linClrLst meth="repeat">
+      <a:schemeClr val="accent1"/>
+    </dgm:linClrLst>
+    <dgm:effectClrLst/>
+    <dgm:txLinClrLst/>
+    <dgm:txFillClrLst meth="repeat">
+      <a:schemeClr val="lt1"/>
+    </dgm:txFillClrLst>
+    <dgm:txEffectClrLst/>
+  </dgm:styleLbl>
+  <dgm:styleLbl name="parChTrans1D1">
+    <dgm:fillClrLst meth="repeat">
+      <a:schemeClr val="accent1"/>
+    </dgm:fillClrLst>
+    <dgm:linClrLst meth="repeat">
+      <a:schemeClr val="accent1">
+        <a:shade val="60000"/>
+      </a:schemeClr>
+    </dgm:linClrLst>
+    <dgm:effectClrLst/>
+    <dgm:txLinClrLst/>
+    <dgm:txFillClrLst meth="repeat">
+      <a:schemeClr val="tx1"/>
+    </dgm:txFillClrLst>
+    <dgm:txEffectClrLst/>
+  </dgm:styleLbl>
+  <dgm:styleLbl name="parChTrans1D2">
+    <dgm:fillClrLst meth="repeat">
+      <a:schemeClr val="accent1"/>
+    </dgm:fillClrLst>
+    <dgm:linClrLst meth="repeat">
+      <a:schemeClr val="accent1">
+        <a:shade val="60000"/>
+      </a:schemeClr>
+    </dgm:linClrLst>
+    <dgm:effectClrLst/>
+    <dgm:txLinClrLst/>
+    <dgm:txFillClrLst meth="repeat">
+      <a:schemeClr val="tx1"/>
+    </dgm:txFillClrLst>
+    <dgm:txEffectClrLst/>
+  </dgm:styleLbl>
+  <dgm:styleLbl name="parChTrans1D3">
+    <dgm:fillClrLst meth="repeat">
+      <a:schemeClr val="accent1"/>
+    </dgm:fillClrLst>
+    <dgm:linClrLst meth="repeat">
+      <a:schemeClr val="accent1">
+        <a:shade val="80000"/>
+      </a:schemeClr>
+    </dgm:linClrLst>
+    <dgm:effectClrLst/>
+    <dgm:txLinClrLst/>
+    <dgm:txFillClrLst meth="repeat">
+      <a:schemeClr val="tx1"/>
+    </dgm:txFillClrLst>
+    <dgm:txEffectClrLst/>
+  </dgm:styleLbl>
+  <dgm:styleLbl name="parChTrans1D4">
+    <dgm:fillClrLst meth="repeat">
+      <a:schemeClr val="accent1"/>
+    </dgm:fillClrLst>
+    <dgm:linClrLst meth="repeat">
+      <a:schemeClr val="accent1">
+        <a:shade val="80000"/>
+      </a:schemeClr>
+    </dgm:linClrLst>
+    <dgm:effectClrLst/>
+    <dgm:txLinClrLst/>
+    <dgm:txFillClrLst meth="repeat">
+      <a:schemeClr val="tx1"/>
+    </dgm:txFillClrLst>
+    <dgm:txEffectClrLst/>
+  </dgm:styleLbl>
+  <dgm:styleLbl name="fgAcc1">
+    <dgm:fillClrLst meth="repeat">
+      <a:schemeClr val="lt1">
+        <a:alpha val="90000"/>
+      </a:schemeClr>
+    </dgm:fillClrLst>
+    <dgm:linClrLst meth="repeat">
+      <a:schemeClr val="accent1"/>
+    </dgm:linClrLst>
+    <dgm:effectClrLst/>
+    <dgm:txLinClrLst/>
+    <dgm:txFillClrLst meth="repeat">
+      <a:schemeClr val="dk1"/>
+    </dgm:txFillClrLst>
+    <dgm:txEffectClrLst/>
+  </dgm:styleLbl>
+  <dgm:styleLbl name="conFgAcc1">
+    <dgm:fillClrLst meth="repeat">
+      <a:schemeClr val="lt1">
+        <a:alpha val="90000"/>
+      </a:schemeClr>
+    </dgm:fillClrLst>
+    <dgm:linClrLst meth="repeat">
+      <a:schemeClr val="accent1"/>
+    </dgm:linClrLst>
+    <dgm:effectClrLst/>
+    <dgm:txLinClrLst/>
+    <dgm:txFillClrLst meth="repeat">
+      <a:schemeClr val="dk1"/>
+    </dgm:txFillClrLst>
+    <dgm:txEffectClrLst/>
+  </dgm:styleLbl>
+  <dgm:styleLbl name="alignAcc1">
+    <dgm:fillClrLst meth="repeat">
+      <a:schemeClr val="lt1">
+        <a:alpha val="90000"/>
+      </a:schemeClr>
+    </dgm:fillClrLst>
+    <dgm:linClrLst meth="repeat">
+      <a:schemeClr val="accent1"/>
+    </dgm:linClrLst>
+    <dgm:effectClrLst/>
+    <dgm:txLinClrLst/>
+    <dgm:txFillClrLst meth="repeat">
+      <a:schemeClr val="dk1"/>
+    </dgm:txFillClrLst>
+    <dgm:txEffectClrLst/>
+  </dgm:styleLbl>
+  <dgm:styleLbl name="trAlignAcc1">
+    <dgm:fillClrLst meth="repeat">
+      <a:schemeClr val="lt1">
+        <a:alpha val="40000"/>
+      </a:schemeClr>
+    </dgm:fillClrLst>
+    <dgm:linClrLst meth="repeat">
+      <a:schemeClr val="accent1"/>
+    </dgm:linClrLst>
+    <dgm:effectClrLst/>
+    <dgm:txLinClrLst/>
+    <dgm:txFillClrLst meth="repeat">
+      <a:schemeClr val="dk1"/>
+    </dgm:txFillClrLst>
+    <dgm:txEffectClrLst/>
+  </dgm:styleLbl>
+  <dgm:styleLbl name="bgAcc1">
+    <dgm:fillClrLst meth="repeat">
+      <a:schemeClr val="lt1">
+        <a:alpha val="90000"/>
+      </a:schemeClr>
+    </dgm:fillClrLst>
+    <dgm:linClrLst meth="repeat">
+      <a:schemeClr val="accent1"/>
+    </dgm:linClrLst>
+    <dgm:effectClrLst/>
+    <dgm:txLinClrLst/>
+    <dgm:txFillClrLst meth="repeat">
+      <a:schemeClr val="dk1"/>
+    </dgm:txFillClrLst>
+    <dgm:txEffectClrLst/>
+  </dgm:styleLbl>
+  <dgm:styleLbl name="solidFgAcc1">
+    <dgm:fillClrLst meth="repeat">
+      <a:schemeClr val="lt1"/>
+    </dgm:fillClrLst>
+    <dgm:linClrLst meth="repeat">
+      <a:schemeClr val="accent1"/>
+    </dgm:linClrLst>
+    <dgm:effectClrLst/>
+    <dgm:txLinClrLst/>
+    <dgm:txFillClrLst meth="repeat">
+      <a:schemeClr val="dk1"/>
+    </dgm:txFillClrLst>
+    <dgm:txEffectClrLst/>
+  </dgm:styleLbl>
+  <dgm:styleLbl name="solidAlignAcc1">
+    <dgm:fillClrLst meth="repeat">
+      <a:schemeClr val="lt1"/>
+    </dgm:fillClrLst>
+    <dgm:linClrLst meth="repeat">
+      <a:schemeClr val="accent1"/>
+    </dgm:linClrLst>
+    <dgm:effectClrLst/>
+    <dgm:txLinClrLst/>
+    <dgm:txFillClrLst meth="repeat">
+      <a:schemeClr val="dk1"/>
+    </dgm:txFillClrLst>
+    <dgm:txEffectClrLst/>
+  </dgm:styleLbl>
+  <dgm:styleLbl name="solidBgAcc1">
+    <dgm:fillClrLst meth="repeat">
+      <a:schemeClr val="lt1"/>
+    </dgm:fillClrLst>
+    <dgm:linClrLst meth="repeat">
+      <a:schemeClr val="accent1"/>
+    </dgm:linClrLst>
+    <dgm:effectClrLst/>
+    <dgm:txLinClrLst/>
+    <dgm:txFillClrLst meth="repeat">
+      <a:schemeClr val="dk1"/>
+    </dgm:txFillClrLst>
+    <dgm:txEffectClrLst/>
+  </dgm:styleLbl>
+  <dgm:styleLbl name="fgAccFollowNode1">
+    <dgm:fillClrLst meth="repeat">
+      <a:schemeClr val="accent1">
+        <a:alpha val="90000"/>
+        <a:tint val="40000"/>
+      </a:schemeClr>
+    </dgm:fillClrLst>
+    <dgm:linClrLst meth="repeat">
+      <a:schemeClr val="accent1">
+        <a:alpha val="90000"/>
+        <a:tint val="40000"/>
+      </a:schemeClr>
+    </dgm:linClrLst>
+    <dgm:effectClrLst/>
+    <dgm:txLinClrLst/>
+    <dgm:txFillClrLst meth="repeat">
+      <a:schemeClr val="dk1"/>
+    </dgm:txFillClrLst>
+    <dgm:txEffectClrLst/>
+  </dgm:styleLbl>
+  <dgm:styleLbl name="alignAccFollowNode1">
+    <dgm:fillClrLst meth="repeat">
+      <a:schemeClr val="accent1">
+        <a:alpha val="90000"/>
+        <a:tint val="40000"/>
+      </a:schemeClr>
+    </dgm:fillClrLst>
+    <dgm:linClrLst meth="repeat">
+      <a:schemeClr val="accent1">
+        <a:alpha val="90000"/>
+        <a:tint val="40000"/>
+      </a:schemeClr>
+    </dgm:linClrLst>
+    <dgm:effectClrLst/>
+    <dgm:txLinClrLst/>
+    <dgm:txFillClrLst meth="repeat">
+      <a:schemeClr val="dk1"/>
+    </dgm:txFillClrLst>
+    <dgm:txEffectClrLst/>
+  </dgm:styleLbl>
+  <dgm:styleLbl name="bgAccFollowNode1">
+    <dgm:fillClrLst meth="repeat">
+      <a:schemeClr val="accent1">
+        <a:alpha val="90000"/>
+        <a:tint val="40000"/>
+      </a:schemeClr>
+    </dgm:fillClrLst>
+    <dgm:linClrLst meth="repeat">
+      <a:schemeClr val="accent1">
+        <a:alpha val="90000"/>
+        <a:tint val="40000"/>
+      </a:schemeClr>
+    </dgm:linClrLst>
+    <dgm:effectClrLst/>
+    <dgm:txLinClrLst/>
+    <dgm:txFillClrLst meth="repeat">
+      <a:schemeClr val="dk1"/>
+    </dgm:txFillClrLst>
+    <dgm:txEffectClrLst/>
+  </dgm:styleLbl>
+  <dgm:styleLbl name="fgAcc0">
+    <dgm:fillClrLst meth="repeat">
+      <a:schemeClr val="lt1">
+        <a:alpha val="90000"/>
+      </a:schemeClr>
+    </dgm:fillClrLst>
+    <dgm:linClrLst meth="repeat">
+      <a:schemeClr val="accent1"/>
+    </dgm:linClrLst>
+    <dgm:effectClrLst/>
+    <dgm:txLinClrLst/>
+    <dgm:txFillClrLst meth="repeat">
+      <a:schemeClr val="dk1"/>
+    </dgm:txFillClrLst>
+    <dgm:txEffectClrLst/>
+  </dgm:styleLbl>
+  <dgm:styleLbl name="fgAcc2">
+    <dgm:fillClrLst meth="repeat">
+      <a:schemeClr val="lt1">
+        <a:alpha val="90000"/>
+      </a:schemeClr>
+    </dgm:fillClrLst>
+    <dgm:linClrLst meth="repeat">
+      <a:schemeClr val="accent1"/>
+    </dgm:linClrLst>
+    <dgm:effectClrLst/>
+    <dgm:txLinClrLst/>
+    <dgm:txFillClrLst meth="repeat">
+      <a:schemeClr val="dk1"/>
+    </dgm:txFillClrLst>
+    <dgm:txEffectClrLst/>
+  </dgm:styleLbl>
+  <dgm:styleLbl name="fgAcc3">
+    <dgm:fillClrLst meth="repeat">
+      <a:schemeClr val="lt1">
+        <a:alpha val="90000"/>
+      </a:schemeClr>
+    </dgm:fillClrLst>
+    <dgm:linClrLst meth="repeat">
+      <a:schemeClr val="accent1"/>
+    </dgm:linClrLst>
+    <dgm:effectClrLst/>
+    <dgm:txLinClrLst/>
+    <dgm:txFillClrLst meth="repeat">
+      <a:schemeClr val="dk1"/>
+    </dgm:txFillClrLst>
+    <dgm:txEffectClrLst/>
+  </dgm:styleLbl>
+  <dgm:styleLbl name="fgAcc4">
+    <dgm:fillClrLst meth="repeat">
+      <a:schemeClr val="lt1">
+        <a:alpha val="90000"/>
+      </a:schemeClr>
+    </dgm:fillClrLst>
+    <dgm:linClrLst meth="repeat">
+      <a:schemeClr val="accent1"/>
+    </dgm:linClrLst>
+    <dgm:effectClrLst/>
+    <dgm:txLinClrLst/>
+    <dgm:txFillClrLst meth="repeat">
+      <a:schemeClr val="dk1"/>
+    </dgm:txFillClrLst>
+    <dgm:txEffectClrLst/>
+  </dgm:styleLbl>
+  <dgm:styleLbl name="bgShp">
+    <dgm:fillClrLst meth="repeat">
+      <a:schemeClr val="accent1">
+        <a:tint val="40000"/>
+      </a:schemeClr>
+    </dgm:fillClrLst>
+    <dgm:linClrLst meth="repeat">
+      <a:schemeClr val="accent1"/>
+    </dgm:linClrLst>
+    <dgm:effectClrLst/>
+    <dgm:txLinClrLst/>
+    <dgm:txFillClrLst meth="repeat">
+      <a:schemeClr val="dk1"/>
+    </dgm:txFillClrLst>
+    <dgm:txEffectClrLst/>
+  </dgm:styleLbl>
+  <dgm:styleLbl name="dkBgShp">
+    <dgm:fillClrLst meth="repeat">
+      <a:schemeClr val="accent1">
+        <a:shade val="80000"/>
+      </a:schemeClr>
+    </dgm:fillClrLst>
+    <dgm:linClrLst meth="repeat">
+      <a:schemeClr val="accent1"/>
+    </dgm:linClrLst>
+    <dgm:effectClrLst/>
+    <dgm:txLinClrLst/>
+    <dgm:txFillClrLst meth="repeat">
+      <a:schemeClr val="lt1"/>
+    </dgm:txFillClrLst>
+    <dgm:txEffectClrLst/>
+  </dgm:styleLbl>
+  <dgm:styleLbl name="trBgShp">
+    <dgm:fillClrLst meth="repeat">
+      <a:schemeClr val="accent1">
+        <a:tint val="50000"/>
+        <a:alpha val="40000"/>
+      </a:schemeClr>
+    </dgm:fillClrLst>
+    <dgm:linClrLst meth="repeat">
+      <a:schemeClr val="accent1"/>
+    </dgm:linClrLst>
+    <dgm:effectClrLst/>
+    <dgm:txLinClrLst/>
+    <dgm:txFillClrLst meth="repeat">
+      <a:schemeClr val="lt1"/>
+    </dgm:txFillClrLst>
+    <dgm:txEffectClrLst/>
+  </dgm:styleLbl>
+  <dgm:styleLbl name="fgShp">
+    <dgm:fillClrLst meth="repeat">
+      <a:schemeClr val="accent1">
+        <a:tint val="60000"/>
+      </a:schemeClr>
+    </dgm:fillClrLst>
+    <dgm:linClrLst meth="repeat">
+      <a:schemeClr val="lt1"/>
+    </dgm:linClrLst>
+    <dgm:effectClrLst/>
+    <dgm:txLinClrLst/>
+    <dgm:txFillClrLst meth="repeat">
+      <a:schemeClr val="dk1"/>
+    </dgm:txFillClrLst>
+    <dgm:txEffectClrLst/>
+  </dgm:styleLbl>
+  <dgm:styleLbl name="revTx">
+    <dgm:fillClrLst meth="repeat">
+      <a:schemeClr val="lt1">
+        <a:alpha val="0"/>
+      </a:schemeClr>
+    </dgm:fillClrLst>
+    <dgm:linClrLst meth="repeat">
+      <a:schemeClr val="dk1">
+        <a:alpha val="0"/>
+      </a:schemeClr>
+    </dgm:linClrLst>
+    <dgm:effectClrLst/>
+    <dgm:txLinClrLst/>
+    <dgm:txFillClrLst meth="repeat">
+      <a:schemeClr val="tx1"/>
+    </dgm:txFillClrLst>
+    <dgm:txEffectClrLst/>
+  </dgm:styleLbl>
+</dgm:colorsDef>
+</file>
+
+<file path=ppt/diagrams/colors8.xml><?xml version="1.0" encoding="utf-8"?>
+<dgm:colorsDef xmlns:dgm="http://schemas.openxmlformats.org/drawingml/2006/diagram" xmlns:a="http://schemas.openxmlformats.org/drawingml/2006/main" uniqueId="urn:microsoft.com/office/officeart/2005/8/colors/accent1_2">
+  <dgm:title val=""/>
+  <dgm:desc val=""/>
+  <dgm:catLst>
+    <dgm:cat type="accent1" pri="11200"/>
+  </dgm:catLst>
+  <dgm:styleLbl name="node0">
+    <dgm:fillClrLst meth="repeat">
+      <a:schemeClr val="accent1"/>
+    </dgm:fillClrLst>
+    <dgm:linClrLst meth="repeat">
+      <a:schemeClr val="lt1"/>
+    </dgm:linClrLst>
+    <dgm:effectClrLst/>
+    <dgm:txLinClrLst/>
+    <dgm:txFillClrLst/>
+    <dgm:txEffectClrLst/>
+  </dgm:styleLbl>
+  <dgm:styleLbl name="alignNode1">
+    <dgm:fillClrLst meth="repeat">
+      <a:schemeClr val="accent1"/>
+    </dgm:fillClrLst>
+    <dgm:linClrLst meth="repeat">
+      <a:schemeClr val="accent1"/>
+    </dgm:linClrLst>
+    <dgm:effectClrLst/>
+    <dgm:txLinClrLst/>
+    <dgm:txFillClrLst/>
+    <dgm:txEffectClrLst/>
+  </dgm:styleLbl>
+  <dgm:styleLbl name="node1">
+    <dgm:fillClrLst meth="repeat">
+      <a:schemeClr val="accent1"/>
+    </dgm:fillClrLst>
+    <dgm:linClrLst meth="repeat">
+      <a:schemeClr val="lt1"/>
+    </dgm:linClrLst>
+    <dgm:effectClrLst/>
+    <dgm:txLinClrLst/>
+    <dgm:txFillClrLst/>
+    <dgm:txEffectClrLst/>
+  </dgm:styleLbl>
+  <dgm:styleLbl name="lnNode1">
+    <dgm:fillClrLst meth="repeat">
+      <a:schemeClr val="accent1"/>
+    </dgm:fillClrLst>
+    <dgm:linClrLst meth="repeat">
+      <a:schemeClr val="lt1"/>
+    </dgm:linClrLst>
+    <dgm:effectClrLst/>
+    <dgm:txLinClrLst/>
+    <dgm:txFillClrLst/>
+    <dgm:txEffectClrLst/>
+  </dgm:styleLbl>
+  <dgm:styleLbl name="vennNode1">
+    <dgm:fillClrLst meth="repeat">
+      <a:schemeClr val="accent1">
+        <a:alpha val="50000"/>
+      </a:schemeClr>
+    </dgm:fillClrLst>
+    <dgm:linClrLst meth="repeat">
+      <a:schemeClr val="lt1"/>
+    </dgm:linClrLst>
+    <dgm:effectClrLst/>
+    <dgm:txLinClrLst/>
+    <dgm:txFillClrLst/>
+    <dgm:txEffectClrLst/>
+  </dgm:styleLbl>
+  <dgm:styleLbl name="node2">
+    <dgm:fillClrLst meth="repeat">
+      <a:schemeClr val="accent1"/>
+    </dgm:fillClrLst>
+    <dgm:linClrLst meth="repeat">
+      <a:schemeClr val="lt1"/>
+    </dgm:linClrLst>
+    <dgm:effectClrLst/>
+    <dgm:txLinClrLst/>
+    <dgm:txFillClrLst/>
+    <dgm:txEffectClrLst/>
+  </dgm:styleLbl>
+  <dgm:styleLbl name="node3">
+    <dgm:fillClrLst meth="repeat">
+      <a:schemeClr val="accent1"/>
+    </dgm:fillClrLst>
+    <dgm:linClrLst meth="repeat">
+      <a:schemeClr val="lt1"/>
+    </dgm:linClrLst>
+    <dgm:effectClrLst/>
+    <dgm:txLinClrLst/>
+    <dgm:txFillClrLst/>
+    <dgm:txEffectClrLst/>
+  </dgm:styleLbl>
+  <dgm:styleLbl name="node4">
+    <dgm:fillClrLst meth="repeat">
+      <a:schemeClr val="accent1"/>
+    </dgm:fillClrLst>
+    <dgm:linClrLst meth="repeat">
+      <a:schemeClr val="lt1"/>
+    </dgm:linClrLst>
+    <dgm:effectClrLst/>
+    <dgm:txLinClrLst/>
+    <dgm:txFillClrLst/>
+    <dgm:txEffectClrLst/>
+  </dgm:styleLbl>
+  <dgm:styleLbl name="fgImgPlace1">
+    <dgm:fillClrLst meth="repeat">
+      <a:schemeClr val="accent1">
+        <a:tint val="50000"/>
+      </a:schemeClr>
+    </dgm:fillClrLst>
+    <dgm:linClrLst meth="repeat">
+      <a:schemeClr val="lt1"/>
+    </dgm:linClrLst>
+    <dgm:effectClrLst/>
+    <dgm:txLinClrLst/>
+    <dgm:txFillClrLst meth="repeat">
+      <a:schemeClr val="lt1"/>
+    </dgm:txFillClrLst>
+    <dgm:txEffectClrLst/>
+  </dgm:styleLbl>
+  <dgm:styleLbl name="alignImgPlace1">
+    <dgm:fillClrLst meth="repeat">
+      <a:schemeClr val="accent1">
+        <a:tint val="50000"/>
+      </a:schemeClr>
+    </dgm:fillClrLst>
+    <dgm:linClrLst meth="repeat">
+      <a:schemeClr val="lt1"/>
+    </dgm:linClrLst>
+    <dgm:effectClrLst/>
+    <dgm:txLinClrLst/>
+    <dgm:txFillClrLst meth="repeat">
+      <a:schemeClr val="lt1"/>
+    </dgm:txFillClrLst>
+    <dgm:txEffectClrLst/>
+  </dgm:styleLbl>
+  <dgm:styleLbl name="bgImgPlace1">
+    <dgm:fillClrLst meth="repeat">
+      <a:schemeClr val="accent1">
+        <a:tint val="50000"/>
+      </a:schemeClr>
+    </dgm:fillClrLst>
+    <dgm:linClrLst meth="repeat">
+      <a:schemeClr val="lt1"/>
+    </dgm:linClrLst>
+    <dgm:effectClrLst/>
+    <dgm:txLinClrLst/>
+    <dgm:txFillClrLst meth="repeat">
+      <a:schemeClr val="lt1"/>
+    </dgm:txFillClrLst>
+    <dgm:txEffectClrLst/>
+  </dgm:styleLbl>
+  <dgm:styleLbl name="sibTrans2D1">
+    <dgm:fillClrLst meth="repeat">
+      <a:schemeClr val="accent1">
+        <a:tint val="60000"/>
+      </a:schemeClr>
+    </dgm:fillClrLst>
+    <dgm:linClrLst meth="repeat">
+      <a:schemeClr val="accent1">
+        <a:tint val="60000"/>
+      </a:schemeClr>
+    </dgm:linClrLst>
+    <dgm:effectClrLst/>
+    <dgm:txLinClrLst/>
+    <dgm:txFillClrLst/>
+    <dgm:txEffectClrLst/>
+  </dgm:styleLbl>
+  <dgm:styleLbl name="fgSibTrans2D1">
+    <dgm:fillClrLst meth="repeat">
+      <a:schemeClr val="accent1">
+        <a:tint val="60000"/>
+      </a:schemeClr>
+    </dgm:fillClrLst>
+    <dgm:linClrLst meth="repeat">
+      <a:schemeClr val="accent1">
+        <a:tint val="60000"/>
+      </a:schemeClr>
+    </dgm:linClrLst>
+    <dgm:effectClrLst/>
+    <dgm:txLinClrLst/>
+    <dgm:txFillClrLst/>
+    <dgm:txEffectClrLst/>
+  </dgm:styleLbl>
+  <dgm:styleLbl name="bgSibTrans2D1">
+    <dgm:fillClrLst meth="repeat">
+      <a:schemeClr val="accent1">
+        <a:tint val="60000"/>
+      </a:schemeClr>
+    </dgm:fillClrLst>
+    <dgm:linClrLst meth="repeat">
+      <a:schemeClr val="accent1">
+        <a:tint val="60000"/>
+      </a:schemeClr>
+    </dgm:linClrLst>
+    <dgm:effectClrLst/>
+    <dgm:txLinClrLst/>
+    <dgm:txFillClrLst/>
+    <dgm:txEffectClrLst/>
+  </dgm:styleLbl>
+  <dgm:styleLbl name="sibTrans1D1">
+    <dgm:fillClrLst meth="repeat">
+      <a:schemeClr val="accent1"/>
+    </dgm:fillClrLst>
+    <dgm:linClrLst meth="repeat">
+      <a:schemeClr val="accent1"/>
+    </dgm:linClrLst>
+    <dgm:effectClrLst/>
+    <dgm:txLinClrLst/>
+    <dgm:txFillClrLst meth="repeat">
+      <a:schemeClr val="tx1"/>
+    </dgm:txFillClrLst>
+    <dgm:txEffectClrLst/>
+  </dgm:styleLbl>
+  <dgm:styleLbl name="callout">
+    <dgm:fillClrLst meth="repeat">
+      <a:schemeClr val="accent1"/>
+    </dgm:fillClrLst>
+    <dgm:linClrLst meth="repeat">
+      <a:schemeClr val="accent1">
+        <a:tint val="50000"/>
+      </a:schemeClr>
+    </dgm:linClrLst>
+    <dgm:effectClrLst/>
+    <dgm:txLinClrLst/>
+    <dgm:txFillClrLst meth="repeat">
+      <a:schemeClr val="tx1"/>
+    </dgm:txFillClrLst>
+    <dgm:txEffectClrLst/>
+  </dgm:styleLbl>
+  <dgm:styleLbl name="asst0">
+    <dgm:fillClrLst meth="repeat">
+      <a:schemeClr val="accent1"/>
+    </dgm:fillClrLst>
+    <dgm:linClrLst meth="repeat">
+      <a:schemeClr val="lt1"/>
+    </dgm:linClrLst>
+    <dgm:effectClrLst/>
+    <dgm:txLinClrLst/>
+    <dgm:txFillClrLst/>
+    <dgm:txEffectClrLst/>
+  </dgm:styleLbl>
+  <dgm:styleLbl name="asst1">
+    <dgm:fillClrLst meth="repeat">
+      <a:schemeClr val="accent1"/>
+    </dgm:fillClrLst>
+    <dgm:linClrLst meth="repeat">
+      <a:schemeClr val="lt1"/>
+    </dgm:linClrLst>
+    <dgm:effectClrLst/>
+    <dgm:txLinClrLst/>
+    <dgm:txFillClrLst/>
+    <dgm:txEffectClrLst/>
+  </dgm:styleLbl>
+  <dgm:styleLbl name="asst2">
+    <dgm:fillClrLst meth="repeat">
+      <a:schemeClr val="accent1"/>
+    </dgm:fillClrLst>
+    <dgm:linClrLst meth="repeat">
+      <a:schemeClr val="lt1"/>
+    </dgm:linClrLst>
+    <dgm:effectClrLst/>
+    <dgm:txLinClrLst/>
+    <dgm:txFillClrLst/>
+    <dgm:txEffectClrLst/>
+  </dgm:styleLbl>
+  <dgm:styleLbl name="asst3">
+    <dgm:fillClrLst meth="repeat">
+      <a:schemeClr val="accent1"/>
+    </dgm:fillClrLst>
+    <dgm:linClrLst meth="repeat">
+      <a:schemeClr val="lt1"/>
+    </dgm:linClrLst>
+    <dgm:effectClrLst/>
+    <dgm:txLinClrLst/>
+    <dgm:txFillClrLst/>
+    <dgm:txEffectClrLst/>
+  </dgm:styleLbl>
+  <dgm:styleLbl name="asst4">
+    <dgm:fillClrLst meth="repeat">
+      <a:schemeClr val="accent1"/>
+    </dgm:fillClrLst>
+    <dgm:linClrLst meth="repeat">
+      <a:schemeClr val="lt1"/>
+    </dgm:linClrLst>
+    <dgm:effectClrLst/>
+    <dgm:txLinClrLst/>
+    <dgm:txFillClrLst/>
+    <dgm:txEffectClrLst/>
+  </dgm:styleLbl>
+  <dgm:styleLbl name="parChTrans2D1">
+    <dgm:fillClrLst meth="repeat">
+      <a:schemeClr val="accent1">
+        <a:tint val="60000"/>
+      </a:schemeClr>
+    </dgm:fillClrLst>
+    <dgm:linClrLst meth="repeat">
+      <a:schemeClr val="accent1">
+        <a:tint val="60000"/>
+      </a:schemeClr>
+    </dgm:linClrLst>
+    <dgm:effectClrLst/>
+    <dgm:txLinClrLst/>
+    <dgm:txFillClrLst meth="repeat">
+      <a:schemeClr val="lt1"/>
+    </dgm:txFillClrLst>
+    <dgm:txEffectClrLst/>
+  </dgm:styleLbl>
+  <dgm:styleLbl name="parChTrans2D2">
+    <dgm:fillClrLst meth="repeat">
+      <a:schemeClr val="accent1"/>
+    </dgm:fillClrLst>
+    <dgm:linClrLst meth="repeat">
+      <a:schemeClr val="accent1"/>
+    </dgm:linClrLst>
+    <dgm:effectClrLst/>
+    <dgm:txLinClrLst/>
+    <dgm:txFillClrLst meth="repeat">
+      <a:schemeClr val="lt1"/>
+    </dgm:txFillClrLst>
+    <dgm:txEffectClrLst/>
+  </dgm:styleLbl>
+  <dgm:styleLbl name="parChTrans2D3">
+    <dgm:fillClrLst meth="repeat">
+      <a:schemeClr val="accent1"/>
+    </dgm:fillClrLst>
+    <dgm:linClrLst meth="repeat">
+      <a:schemeClr val="accent1"/>
+    </dgm:linClrLst>
+    <dgm:effectClrLst/>
+    <dgm:txLinClrLst/>
+    <dgm:txFillClrLst meth="repeat">
+      <a:schemeClr val="lt1"/>
+    </dgm:txFillClrLst>
+    <dgm:txEffectClrLst/>
+  </dgm:styleLbl>
+  <dgm:styleLbl name="parChTrans2D4">
+    <dgm:fillClrLst meth="repeat">
+      <a:schemeClr val="accent1"/>
+    </dgm:fillClrLst>
+    <dgm:linClrLst meth="repeat">
+      <a:schemeClr val="accent1"/>
+    </dgm:linClrLst>
+    <dgm:effectClrLst/>
+    <dgm:txLinClrLst/>
+    <dgm:txFillClrLst meth="repeat">
+      <a:schemeClr val="lt1"/>
+    </dgm:txFillClrLst>
+    <dgm:txEffectClrLst/>
+  </dgm:styleLbl>
+  <dgm:styleLbl name="parChTrans1D1">
+    <dgm:fillClrLst meth="repeat">
+      <a:schemeClr val="accent1"/>
+    </dgm:fillClrLst>
+    <dgm:linClrLst meth="repeat">
+      <a:schemeClr val="accent1">
+        <a:shade val="60000"/>
+      </a:schemeClr>
+    </dgm:linClrLst>
+    <dgm:effectClrLst/>
+    <dgm:txLinClrLst/>
+    <dgm:txFillClrLst meth="repeat">
+      <a:schemeClr val="tx1"/>
+    </dgm:txFillClrLst>
+    <dgm:txEffectClrLst/>
+  </dgm:styleLbl>
+  <dgm:styleLbl name="parChTrans1D2">
+    <dgm:fillClrLst meth="repeat">
+      <a:schemeClr val="accent1"/>
+    </dgm:fillClrLst>
+    <dgm:linClrLst meth="repeat">
+      <a:schemeClr val="accent1">
+        <a:shade val="60000"/>
+      </a:schemeClr>
+    </dgm:linClrLst>
+    <dgm:effectClrLst/>
+    <dgm:txLinClrLst/>
+    <dgm:txFillClrLst meth="repeat">
+      <a:schemeClr val="tx1"/>
+    </dgm:txFillClrLst>
+    <dgm:txEffectClrLst/>
+  </dgm:styleLbl>
+  <dgm:styleLbl name="parChTrans1D3">
+    <dgm:fillClrLst meth="repeat">
+      <a:schemeClr val="accent1"/>
+    </dgm:fillClrLst>
+    <dgm:linClrLst meth="repeat">
+      <a:schemeClr val="accent1">
+        <a:shade val="80000"/>
+      </a:schemeClr>
+    </dgm:linClrLst>
+    <dgm:effectClrLst/>
+    <dgm:txLinClrLst/>
+    <dgm:txFillClrLst meth="repeat">
+      <a:schemeClr val="tx1"/>
+    </dgm:txFillClrLst>
+    <dgm:txEffectClrLst/>
+  </dgm:styleLbl>
+  <dgm:styleLbl name="parChTrans1D4">
+    <dgm:fillClrLst meth="repeat">
+      <a:schemeClr val="accent1"/>
+    </dgm:fillClrLst>
+    <dgm:linClrLst meth="repeat">
+      <a:schemeClr val="accent1">
+        <a:shade val="80000"/>
+      </a:schemeClr>
+    </dgm:linClrLst>
+    <dgm:effectClrLst/>
+    <dgm:txLinClrLst/>
+    <dgm:txFillClrLst meth="repeat">
+      <a:schemeClr val="tx1"/>
+    </dgm:txFillClrLst>
+    <dgm:txEffectClrLst/>
+  </dgm:styleLbl>
+  <dgm:styleLbl name="fgAcc1">
+    <dgm:fillClrLst meth="repeat">
+      <a:schemeClr val="lt1">
+        <a:alpha val="90000"/>
+      </a:schemeClr>
+    </dgm:fillClrLst>
+    <dgm:linClrLst meth="repeat">
+      <a:schemeClr val="accent1"/>
+    </dgm:linClrLst>
+    <dgm:effectClrLst/>
+    <dgm:txLinClrLst/>
+    <dgm:txFillClrLst meth="repeat">
+      <a:schemeClr val="dk1"/>
+    </dgm:txFillClrLst>
+    <dgm:txEffectClrLst/>
+  </dgm:styleLbl>
+  <dgm:styleLbl name="conFgAcc1">
+    <dgm:fillClrLst meth="repeat">
+      <a:schemeClr val="lt1">
+        <a:alpha val="90000"/>
+      </a:schemeClr>
+    </dgm:fillClrLst>
+    <dgm:linClrLst meth="repeat">
+      <a:schemeClr val="accent1"/>
+    </dgm:linClrLst>
+    <dgm:effectClrLst/>
+    <dgm:txLinClrLst/>
+    <dgm:txFillClrLst meth="repeat">
+      <a:schemeClr val="dk1"/>
+    </dgm:txFillClrLst>
+    <dgm:txEffectClrLst/>
+  </dgm:styleLbl>
+  <dgm:styleLbl name="alignAcc1">
+    <dgm:fillClrLst meth="repeat">
+      <a:schemeClr val="lt1">
+        <a:alpha val="90000"/>
+      </a:schemeClr>
+    </dgm:fillClrLst>
+    <dgm:linClrLst meth="repeat">
+      <a:schemeClr val="accent1"/>
+    </dgm:linClrLst>
+    <dgm:effectClrLst/>
+    <dgm:txLinClrLst/>
+    <dgm:txFillClrLst meth="repeat">
+      <a:schemeClr val="dk1"/>
+    </dgm:txFillClrLst>
+    <dgm:txEffectClrLst/>
+  </dgm:styleLbl>
+  <dgm:styleLbl name="trAlignAcc1">
+    <dgm:fillClrLst meth="repeat">
+      <a:schemeClr val="lt1">
+        <a:alpha val="40000"/>
+      </a:schemeClr>
+    </dgm:fillClrLst>
+    <dgm:linClrLst meth="repeat">
+      <a:schemeClr val="accent1"/>
+    </dgm:linClrLst>
+    <dgm:effectClrLst/>
+    <dgm:txLinClrLst/>
+    <dgm:txFillClrLst meth="repeat">
+      <a:schemeClr val="dk1"/>
+    </dgm:txFillClrLst>
+    <dgm:txEffectClrLst/>
+  </dgm:styleLbl>
+  <dgm:styleLbl name="bgAcc1">
+    <dgm:fillClrLst meth="repeat">
+      <a:schemeClr val="lt1">
+        <a:alpha val="90000"/>
+      </a:schemeClr>
+    </dgm:fillClrLst>
+    <dgm:linClrLst meth="repeat">
+      <a:schemeClr val="accent1"/>
+    </dgm:linClrLst>
+    <dgm:effectClrLst/>
+    <dgm:txLinClrLst/>
+    <dgm:txFillClrLst meth="repeat">
+      <a:schemeClr val="dk1"/>
+    </dgm:txFillClrLst>
+    <dgm:txEffectClrLst/>
+  </dgm:styleLbl>
+  <dgm:styleLbl name="solidFgAcc1">
+    <dgm:fillClrLst meth="repeat">
+      <a:schemeClr val="lt1"/>
+    </dgm:fillClrLst>
+    <dgm:linClrLst meth="repeat">
+      <a:schemeClr val="accent1"/>
+    </dgm:linClrLst>
+    <dgm:effectClrLst/>
+    <dgm:txLinClrLst/>
+    <dgm:txFillClrLst meth="repeat">
+      <a:schemeClr val="dk1"/>
+    </dgm:txFillClrLst>
+    <dgm:txEffectClrLst/>
+  </dgm:styleLbl>
+  <dgm:styleLbl name="solidAlignAcc1">
+    <dgm:fillClrLst meth="repeat">
+      <a:schemeClr val="lt1"/>
+    </dgm:fillClrLst>
+    <dgm:linClrLst meth="repeat">
+      <a:schemeClr val="accent1"/>
+    </dgm:linClrLst>
+    <dgm:effectClrLst/>
+    <dgm:txLinClrLst/>
+    <dgm:txFillClrLst meth="repeat">
+      <a:schemeClr val="dk1"/>
+    </dgm:txFillClrLst>
+    <dgm:txEffectClrLst/>
+  </dgm:styleLbl>
+  <dgm:styleLbl name="solidBgAcc1">
+    <dgm:fillClrLst meth="repeat">
+      <a:schemeClr val="lt1"/>
+    </dgm:fillClrLst>
+    <dgm:linClrLst meth="repeat">
+      <a:schemeClr val="accent1"/>
+    </dgm:linClrLst>
+    <dgm:effectClrLst/>
+    <dgm:txLinClrLst/>
+    <dgm:txFillClrLst meth="repeat">
+      <a:schemeClr val="dk1"/>
+    </dgm:txFillClrLst>
+    <dgm:txEffectClrLst/>
+  </dgm:styleLbl>
+  <dgm:styleLbl name="fgAccFollowNode1">
+    <dgm:fillClrLst meth="repeat">
+      <a:schemeClr val="accent1">
+        <a:alpha val="90000"/>
+        <a:tint val="40000"/>
+      </a:schemeClr>
+    </dgm:fillClrLst>
+    <dgm:linClrLst meth="repeat">
+      <a:schemeClr val="accent1">
+        <a:alpha val="90000"/>
+        <a:tint val="40000"/>
+      </a:schemeClr>
+    </dgm:linClrLst>
+    <dgm:effectClrLst/>
+    <dgm:txLinClrLst/>
+    <dgm:txFillClrLst meth="repeat">
+      <a:schemeClr val="dk1"/>
+    </dgm:txFillClrLst>
+    <dgm:txEffectClrLst/>
+  </dgm:styleLbl>
+  <dgm:styleLbl name="alignAccFollowNode1">
+    <dgm:fillClrLst meth="repeat">
+      <a:schemeClr val="accent1">
+        <a:alpha val="90000"/>
+        <a:tint val="40000"/>
+      </a:schemeClr>
+    </dgm:fillClrLst>
+    <dgm:linClrLst meth="repeat">
+      <a:schemeClr val="accent1">
+        <a:alpha val="90000"/>
+        <a:tint val="40000"/>
+      </a:schemeClr>
+    </dgm:linClrLst>
+    <dgm:effectClrLst/>
+    <dgm:txLinClrLst/>
+    <dgm:txFillClrLst meth="repeat">
+      <a:schemeClr val="dk1"/>
+    </dgm:txFillClrLst>
+    <dgm:txEffectClrLst/>
+  </dgm:styleLbl>
+  <dgm:styleLbl name="bgAccFollowNode1">
+    <dgm:fillClrLst meth="repeat">
+      <a:schemeClr val="accent1">
+        <a:alpha val="90000"/>
+        <a:tint val="40000"/>
+      </a:schemeClr>
+    </dgm:fillClrLst>
+    <dgm:linClrLst meth="repeat">
+      <a:schemeClr val="accent1">
+        <a:alpha val="90000"/>
+        <a:tint val="40000"/>
+      </a:schemeClr>
+    </dgm:linClrLst>
+    <dgm:effectClrLst/>
+    <dgm:txLinClrLst/>
+    <dgm:txFillClrLst meth="repeat">
+      <a:schemeClr val="dk1"/>
+    </dgm:txFillClrLst>
+    <dgm:txEffectClrLst/>
+  </dgm:styleLbl>
+  <dgm:styleLbl name="fgAcc0">
+    <dgm:fillClrLst meth="repeat">
+      <a:schemeClr val="lt1">
+        <a:alpha val="90000"/>
+      </a:schemeClr>
+    </dgm:fillClrLst>
+    <dgm:linClrLst meth="repeat">
+      <a:schemeClr val="accent1"/>
+    </dgm:linClrLst>
+    <dgm:effectClrLst/>
+    <dgm:txLinClrLst/>
+    <dgm:txFillClrLst meth="repeat">
+      <a:schemeClr val="dk1"/>
+    </dgm:txFillClrLst>
+    <dgm:txEffectClrLst/>
+  </dgm:styleLbl>
+  <dgm:styleLbl name="fgAcc2">
+    <dgm:fillClrLst meth="repeat">
+      <a:schemeClr val="lt1">
+        <a:alpha val="90000"/>
+      </a:schemeClr>
+    </dgm:fillClrLst>
+    <dgm:linClrLst meth="repeat">
+      <a:schemeClr val="accent1"/>
+    </dgm:linClrLst>
+    <dgm:effectClrLst/>
+    <dgm:txLinClrLst/>
+    <dgm:txFillClrLst meth="repeat">
+      <a:schemeClr val="dk1"/>
+    </dgm:txFillClrLst>
+    <dgm:txEffectClrLst/>
+  </dgm:styleLbl>
+  <dgm:styleLbl name="fgAcc3">
+    <dgm:fillClrLst meth="repeat">
+      <a:schemeClr val="lt1">
+        <a:alpha val="90000"/>
+      </a:schemeClr>
+    </dgm:fillClrLst>
+    <dgm:linClrLst meth="repeat">
+      <a:schemeClr val="accent1"/>
+    </dgm:linClrLst>
+    <dgm:effectClrLst/>
+    <dgm:txLinClrLst/>
+    <dgm:txFillClrLst meth="repeat">
+      <a:schemeClr val="dk1"/>
+    </dgm:txFillClrLst>
+    <dgm:txEffectClrLst/>
+  </dgm:styleLbl>
+  <dgm:styleLbl name="fgAcc4">
+    <dgm:fillClrLst meth="repeat">
+      <a:schemeClr val="lt1">
+        <a:alpha val="90000"/>
+      </a:schemeClr>
+    </dgm:fillClrLst>
+    <dgm:linClrLst meth="repeat">
+      <a:schemeClr val="accent1"/>
+    </dgm:linClrLst>
+    <dgm:effectClrLst/>
+    <dgm:txLinClrLst/>
+    <dgm:txFillClrLst meth="repeat">
+      <a:schemeClr val="dk1"/>
+    </dgm:txFillClrLst>
+    <dgm:txEffectClrLst/>
+  </dgm:styleLbl>
+  <dgm:styleLbl name="bgShp">
+    <dgm:fillClrLst meth="repeat">
+      <a:schemeClr val="accent1">
+        <a:tint val="40000"/>
+      </a:schemeClr>
+    </dgm:fillClrLst>
+    <dgm:linClrLst meth="repeat">
+      <a:schemeClr val="accent1"/>
+    </dgm:linClrLst>
+    <dgm:effectClrLst/>
+    <dgm:txLinClrLst/>
+    <dgm:txFillClrLst meth="repeat">
+      <a:schemeClr val="dk1"/>
+    </dgm:txFillClrLst>
+    <dgm:txEffectClrLst/>
+  </dgm:styleLbl>
+  <dgm:styleLbl name="dkBgShp">
+    <dgm:fillClrLst meth="repeat">
+      <a:schemeClr val="accent1">
+        <a:shade val="80000"/>
+      </a:schemeClr>
+    </dgm:fillClrLst>
+    <dgm:linClrLst meth="repeat">
+      <a:schemeClr val="accent1"/>
+    </dgm:linClrLst>
+    <dgm:effectClrLst/>
+    <dgm:txLinClrLst/>
+    <dgm:txFillClrLst meth="repeat">
+      <a:schemeClr val="lt1"/>
+    </dgm:txFillClrLst>
+    <dgm:txEffectClrLst/>
+  </dgm:styleLbl>
+  <dgm:styleLbl name="trBgShp">
+    <dgm:fillClrLst meth="repeat">
+      <a:schemeClr val="accent1">
+        <a:tint val="50000"/>
+        <a:alpha val="40000"/>
+      </a:schemeClr>
+    </dgm:fillClrLst>
+    <dgm:linClrLst meth="repeat">
+      <a:schemeClr val="accent1"/>
+    </dgm:linClrLst>
+    <dgm:effectClrLst/>
+    <dgm:txLinClrLst/>
+    <dgm:txFillClrLst meth="repeat">
+      <a:schemeClr val="lt1"/>
+    </dgm:txFillClrLst>
+    <dgm:txEffectClrLst/>
+  </dgm:styleLbl>
+  <dgm:styleLbl name="fgShp">
+    <dgm:fillClrLst meth="repeat">
+      <a:schemeClr val="accent1">
+        <a:tint val="60000"/>
+      </a:schemeClr>
+    </dgm:fillClrLst>
+    <dgm:linClrLst meth="repeat">
+      <a:schemeClr val="lt1"/>
+    </dgm:linClrLst>
+    <dgm:effectClrLst/>
+    <dgm:txLinClrLst/>
+    <dgm:txFillClrLst meth="repeat">
+      <a:schemeClr val="dk1"/>
+    </dgm:txFillClrLst>
+    <dgm:txEffectClrLst/>
+  </dgm:styleLbl>
+  <dgm:styleLbl name="revTx">
+    <dgm:fillClrLst meth="repeat">
+      <a:schemeClr val="lt1">
+        <a:alpha val="0"/>
+      </a:schemeClr>
+    </dgm:fillClrLst>
+    <dgm:linClrLst meth="repeat">
+      <a:schemeClr val="dk1">
+        <a:alpha val="0"/>
+      </a:schemeClr>
+    </dgm:linClrLst>
+    <dgm:effectClrLst/>
+    <dgm:txLinClrLst/>
+    <dgm:txFillClrLst meth="repeat">
+      <a:schemeClr val="tx1"/>
+    </dgm:txFillClrLst>
+    <dgm:txEffectClrLst/>
+  </dgm:styleLbl>
+</dgm:colorsDef>
+</file>
+
+<file path=ppt/diagrams/colors9.xml><?xml version="1.0" encoding="utf-8"?>
 <dgm:colorsDef xmlns:dgm="http://schemas.openxmlformats.org/drawingml/2006/diagram" xmlns:a="http://schemas.openxmlformats.org/drawingml/2006/main" uniqueId="urn:microsoft.com/office/officeart/2005/8/colors/accent1_2">
   <dgm:title val=""/>
   <dgm:desc val=""/>
@@ -5752,6 +7248,264 @@
 </file>
 
 <file path=ppt/diagrams/data2.xml><?xml version="1.0" encoding="utf-8"?>
+<dgm:dataModel xmlns:dgm="http://schemas.openxmlformats.org/drawingml/2006/diagram" xmlns:a="http://schemas.openxmlformats.org/drawingml/2006/main">
+  <dgm:ptLst>
+    <dgm:pt modelId="{B165420C-639D-0B4A-9AA9-4D0DE8CB9309}" type="doc">
+      <dgm:prSet loTypeId="urn:microsoft.com/office/officeart/2005/8/layout/vList5" loCatId="" qsTypeId="urn:microsoft.com/office/officeart/2005/8/quickstyle/simple4" qsCatId="simple" csTypeId="urn:microsoft.com/office/officeart/2005/8/colors/accent1_2" csCatId="accent1" phldr="1"/>
+      <dgm:spPr/>
+      <dgm:t>
+        <a:bodyPr/>
+        <a:lstStyle/>
+        <a:p>
+          <a:endParaRPr lang="en-US"/>
+        </a:p>
+      </dgm:t>
+    </dgm:pt>
+    <dgm:pt modelId="{5516CD4A-0553-8241-8D91-22873BC8687B}">
+      <dgm:prSet phldrT="[Text]"/>
+      <dgm:spPr/>
+      <dgm:t>
+        <a:bodyPr/>
+        <a:lstStyle/>
+        <a:p>
+          <a:r>
+            <a:rPr lang="en-US" dirty="0" smtClean="0"/>
+            <a:t>Papers</a:t>
+          </a:r>
+          <a:endParaRPr lang="en-US" dirty="0"/>
+        </a:p>
+      </dgm:t>
+    </dgm:pt>
+    <dgm:pt modelId="{E65FA12C-B04A-F04C-B28C-3C5A24B36CAD}" type="parTrans" cxnId="{44B1B041-D303-434C-8569-0162816E4705}">
+      <dgm:prSet/>
+      <dgm:spPr/>
+      <dgm:t>
+        <a:bodyPr/>
+        <a:lstStyle/>
+        <a:p>
+          <a:endParaRPr lang="en-US"/>
+        </a:p>
+      </dgm:t>
+    </dgm:pt>
+    <dgm:pt modelId="{A20DFE15-0B08-BE4A-A143-121F27E6B0E8}" type="sibTrans" cxnId="{44B1B041-D303-434C-8569-0162816E4705}">
+      <dgm:prSet/>
+      <dgm:spPr/>
+      <dgm:t>
+        <a:bodyPr/>
+        <a:lstStyle/>
+        <a:p>
+          <a:endParaRPr lang="en-US"/>
+        </a:p>
+      </dgm:t>
+    </dgm:pt>
+    <dgm:pt modelId="{F5124A65-F567-FF4D-B549-B3AE05E5760C}">
+      <dgm:prSet phldrT="[Text]"/>
+      <dgm:spPr/>
+      <dgm:t>
+        <a:bodyPr/>
+        <a:lstStyle/>
+        <a:p>
+          <a:r>
+            <a:rPr lang="en-US" dirty="0" smtClean="0"/>
+            <a:t>Games</a:t>
+          </a:r>
+          <a:endParaRPr lang="en-US" dirty="0"/>
+        </a:p>
+      </dgm:t>
+    </dgm:pt>
+    <dgm:pt modelId="{55D159CA-08EC-FD41-B579-B7EF6A71E338}" type="parTrans" cxnId="{14581004-AB10-3944-B5E6-6C1D8CBF2348}">
+      <dgm:prSet/>
+      <dgm:spPr/>
+      <dgm:t>
+        <a:bodyPr/>
+        <a:lstStyle/>
+        <a:p>
+          <a:endParaRPr lang="en-US"/>
+        </a:p>
+      </dgm:t>
+    </dgm:pt>
+    <dgm:pt modelId="{14323F9C-40E1-C54A-8E25-98ACAF662E17}" type="sibTrans" cxnId="{14581004-AB10-3944-B5E6-6C1D8CBF2348}">
+      <dgm:prSet/>
+      <dgm:spPr/>
+      <dgm:t>
+        <a:bodyPr/>
+        <a:lstStyle/>
+        <a:p>
+          <a:endParaRPr lang="en-US"/>
+        </a:p>
+      </dgm:t>
+    </dgm:pt>
+    <dgm:pt modelId="{41D479AB-01FD-124F-A455-2C0E149243EC}">
+      <dgm:prSet phldrT="[Text]"/>
+      <dgm:spPr/>
+      <dgm:t>
+        <a:bodyPr/>
+        <a:lstStyle/>
+        <a:p>
+          <a:r>
+            <a:rPr lang="en-US" dirty="0" smtClean="0"/>
+            <a:t>A Temporal Data-Driven Player Model for Dynamic Difficulty Adjustment</a:t>
+          </a:r>
+          <a:endParaRPr lang="en-US" dirty="0"/>
+        </a:p>
+      </dgm:t>
+    </dgm:pt>
+    <dgm:pt modelId="{CC1A6E72-2EE2-1941-A38B-B2C3884CE78B}" type="parTrans" cxnId="{780F0E9F-69D3-C94E-B394-9A83C11B5D16}">
+      <dgm:prSet/>
+      <dgm:spPr/>
+    </dgm:pt>
+    <dgm:pt modelId="{DED4B428-ABB8-6044-B019-64F7BF22FDAE}" type="sibTrans" cxnId="{780F0E9F-69D3-C94E-B394-9A83C11B5D16}">
+      <dgm:prSet/>
+      <dgm:spPr/>
+    </dgm:pt>
+    <dgm:pt modelId="{72891A80-BFEA-3B48-84B8-3FCAB392053F}">
+      <dgm:prSet phldrT="[Text]"/>
+      <dgm:spPr/>
+      <dgm:t>
+        <a:bodyPr/>
+        <a:lstStyle/>
+        <a:p>
+          <a:r>
+            <a:rPr lang="en-US" dirty="0" err="1" smtClean="0"/>
+            <a:t>Pokemon</a:t>
+          </a:r>
+          <a:endParaRPr lang="en-US" dirty="0"/>
+        </a:p>
+      </dgm:t>
+    </dgm:pt>
+    <dgm:pt modelId="{71AF184B-934F-BE41-BA7F-02EB6D5F1C41}" type="parTrans" cxnId="{0F633A43-BAA1-B143-8F9E-7601D6DF0327}">
+      <dgm:prSet/>
+      <dgm:spPr/>
+    </dgm:pt>
+    <dgm:pt modelId="{0402E6F8-5637-C54F-A9E7-40E2C3A813ED}" type="sibTrans" cxnId="{0F633A43-BAA1-B143-8F9E-7601D6DF0327}">
+      <dgm:prSet/>
+      <dgm:spPr/>
+    </dgm:pt>
+    <dgm:pt modelId="{14953552-4CF3-7F40-B9D0-529341A22BCE}">
+      <dgm:prSet phldrT="[Text]"/>
+      <dgm:spPr/>
+      <dgm:t>
+        <a:bodyPr/>
+        <a:lstStyle/>
+        <a:p>
+          <a:r>
+            <a:rPr lang="en-US" dirty="0" smtClean="0"/>
+            <a:t>League of Legends</a:t>
+          </a:r>
+          <a:endParaRPr lang="en-US" dirty="0"/>
+        </a:p>
+      </dgm:t>
+    </dgm:pt>
+    <dgm:pt modelId="{80B75601-51CA-884F-8FD5-4955B5BE80E7}" type="parTrans" cxnId="{27902539-05E5-1945-BB87-9D34DD450619}">
+      <dgm:prSet/>
+      <dgm:spPr/>
+    </dgm:pt>
+    <dgm:pt modelId="{8F86241B-FE17-F648-8812-54ECAF6AFACE}" type="sibTrans" cxnId="{27902539-05E5-1945-BB87-9D34DD450619}">
+      <dgm:prSet/>
+      <dgm:spPr/>
+    </dgm:pt>
+    <dgm:pt modelId="{AE402DE7-82CF-3548-9E00-714B9A5BB6F6}" type="pres">
+      <dgm:prSet presAssocID="{B165420C-639D-0B4A-9AA9-4D0DE8CB9309}" presName="Name0" presStyleCnt="0">
+        <dgm:presLayoutVars>
+          <dgm:dir/>
+          <dgm:animLvl val="lvl"/>
+          <dgm:resizeHandles val="exact"/>
+        </dgm:presLayoutVars>
+      </dgm:prSet>
+      <dgm:spPr/>
+    </dgm:pt>
+    <dgm:pt modelId="{2A69F853-E734-B645-9FDF-9ED2A73DB8B1}" type="pres">
+      <dgm:prSet presAssocID="{5516CD4A-0553-8241-8D91-22873BC8687B}" presName="linNode" presStyleCnt="0"/>
+      <dgm:spPr/>
+    </dgm:pt>
+    <dgm:pt modelId="{E8B0B3FF-3815-0A4B-81B4-8EC25402DE43}" type="pres">
+      <dgm:prSet presAssocID="{5516CD4A-0553-8241-8D91-22873BC8687B}" presName="parentText" presStyleLbl="node1" presStyleIdx="0" presStyleCnt="2">
+        <dgm:presLayoutVars>
+          <dgm:chMax val="1"/>
+          <dgm:bulletEnabled val="1"/>
+        </dgm:presLayoutVars>
+      </dgm:prSet>
+      <dgm:spPr/>
+      <dgm:t>
+        <a:bodyPr/>
+        <a:lstStyle/>
+        <a:p>
+          <a:endParaRPr lang="en-US"/>
+        </a:p>
+      </dgm:t>
+    </dgm:pt>
+    <dgm:pt modelId="{296305DA-0422-2A46-8EAE-11D5547E45EC}" type="pres">
+      <dgm:prSet presAssocID="{5516CD4A-0553-8241-8D91-22873BC8687B}" presName="descendantText" presStyleLbl="alignAccFollowNode1" presStyleIdx="0" presStyleCnt="2">
+        <dgm:presLayoutVars>
+          <dgm:bulletEnabled val="1"/>
+        </dgm:presLayoutVars>
+      </dgm:prSet>
+      <dgm:spPr/>
+      <dgm:t>
+        <a:bodyPr/>
+        <a:lstStyle/>
+        <a:p>
+          <a:endParaRPr lang="en-US"/>
+        </a:p>
+      </dgm:t>
+    </dgm:pt>
+    <dgm:pt modelId="{210CF019-DC48-1D44-A153-DBD4DDE3E93E}" type="pres">
+      <dgm:prSet presAssocID="{A20DFE15-0B08-BE4A-A143-121F27E6B0E8}" presName="sp" presStyleCnt="0"/>
+      <dgm:spPr/>
+    </dgm:pt>
+    <dgm:pt modelId="{4D1E546C-DBB3-0B42-8B14-7E93848B3758}" type="pres">
+      <dgm:prSet presAssocID="{F5124A65-F567-FF4D-B549-B3AE05E5760C}" presName="linNode" presStyleCnt="0"/>
+      <dgm:spPr/>
+    </dgm:pt>
+    <dgm:pt modelId="{6D5D67CC-8B0C-9D43-948E-7F27FD6D78BE}" type="pres">
+      <dgm:prSet presAssocID="{F5124A65-F567-FF4D-B549-B3AE05E5760C}" presName="parentText" presStyleLbl="node1" presStyleIdx="1" presStyleCnt="2">
+        <dgm:presLayoutVars>
+          <dgm:chMax val="1"/>
+          <dgm:bulletEnabled val="1"/>
+        </dgm:presLayoutVars>
+      </dgm:prSet>
+      <dgm:spPr/>
+    </dgm:pt>
+    <dgm:pt modelId="{D94893DD-3D19-8349-97BD-573207405177}" type="pres">
+      <dgm:prSet presAssocID="{F5124A65-F567-FF4D-B549-B3AE05E5760C}" presName="descendantText" presStyleLbl="alignAccFollowNode1" presStyleIdx="1" presStyleCnt="2">
+        <dgm:presLayoutVars>
+          <dgm:bulletEnabled val="1"/>
+        </dgm:presLayoutVars>
+      </dgm:prSet>
+      <dgm:spPr/>
+    </dgm:pt>
+  </dgm:ptLst>
+  <dgm:cxnLst>
+    <dgm:cxn modelId="{0F633A43-BAA1-B143-8F9E-7601D6DF0327}" srcId="{F5124A65-F567-FF4D-B549-B3AE05E5760C}" destId="{72891A80-BFEA-3B48-84B8-3FCAB392053F}" srcOrd="0" destOrd="0" parTransId="{71AF184B-934F-BE41-BA7F-02EB6D5F1C41}" sibTransId="{0402E6F8-5637-C54F-A9E7-40E2C3A813ED}"/>
+    <dgm:cxn modelId="{14581004-AB10-3944-B5E6-6C1D8CBF2348}" srcId="{B165420C-639D-0B4A-9AA9-4D0DE8CB9309}" destId="{F5124A65-F567-FF4D-B549-B3AE05E5760C}" srcOrd="1" destOrd="0" parTransId="{55D159CA-08EC-FD41-B579-B7EF6A71E338}" sibTransId="{14323F9C-40E1-C54A-8E25-98ACAF662E17}"/>
+    <dgm:cxn modelId="{6473B28C-BA8B-714C-8A32-792F1259440B}" type="presOf" srcId="{B165420C-639D-0B4A-9AA9-4D0DE8CB9309}" destId="{AE402DE7-82CF-3548-9E00-714B9A5BB6F6}" srcOrd="0" destOrd="0" presId="urn:microsoft.com/office/officeart/2005/8/layout/vList5"/>
+    <dgm:cxn modelId="{44B1B041-D303-434C-8569-0162816E4705}" srcId="{B165420C-639D-0B4A-9AA9-4D0DE8CB9309}" destId="{5516CD4A-0553-8241-8D91-22873BC8687B}" srcOrd="0" destOrd="0" parTransId="{E65FA12C-B04A-F04C-B28C-3C5A24B36CAD}" sibTransId="{A20DFE15-0B08-BE4A-A143-121F27E6B0E8}"/>
+    <dgm:cxn modelId="{66233F89-DC58-DB4F-AFB1-588DDF9F2068}" type="presOf" srcId="{F5124A65-F567-FF4D-B549-B3AE05E5760C}" destId="{6D5D67CC-8B0C-9D43-948E-7F27FD6D78BE}" srcOrd="0" destOrd="0" presId="urn:microsoft.com/office/officeart/2005/8/layout/vList5"/>
+    <dgm:cxn modelId="{7D35C443-5B4E-F843-A342-6613A5EDB50C}" type="presOf" srcId="{41D479AB-01FD-124F-A455-2C0E149243EC}" destId="{296305DA-0422-2A46-8EAE-11D5547E45EC}" srcOrd="0" destOrd="0" presId="urn:microsoft.com/office/officeart/2005/8/layout/vList5"/>
+    <dgm:cxn modelId="{89859EC3-629B-894A-9AA0-725490E0A82F}" type="presOf" srcId="{72891A80-BFEA-3B48-84B8-3FCAB392053F}" destId="{D94893DD-3D19-8349-97BD-573207405177}" srcOrd="0" destOrd="0" presId="urn:microsoft.com/office/officeart/2005/8/layout/vList5"/>
+    <dgm:cxn modelId="{27902539-05E5-1945-BB87-9D34DD450619}" srcId="{F5124A65-F567-FF4D-B549-B3AE05E5760C}" destId="{14953552-4CF3-7F40-B9D0-529341A22BCE}" srcOrd="1" destOrd="0" parTransId="{80B75601-51CA-884F-8FD5-4955B5BE80E7}" sibTransId="{8F86241B-FE17-F648-8812-54ECAF6AFACE}"/>
+    <dgm:cxn modelId="{780F0E9F-69D3-C94E-B394-9A83C11B5D16}" srcId="{5516CD4A-0553-8241-8D91-22873BC8687B}" destId="{41D479AB-01FD-124F-A455-2C0E149243EC}" srcOrd="0" destOrd="0" parTransId="{CC1A6E72-2EE2-1941-A38B-B2C3884CE78B}" sibTransId="{DED4B428-ABB8-6044-B019-64F7BF22FDAE}"/>
+    <dgm:cxn modelId="{B0B852AE-011A-2548-BF05-B14F69455DEB}" type="presOf" srcId="{5516CD4A-0553-8241-8D91-22873BC8687B}" destId="{E8B0B3FF-3815-0A4B-81B4-8EC25402DE43}" srcOrd="0" destOrd="0" presId="urn:microsoft.com/office/officeart/2005/8/layout/vList5"/>
+    <dgm:cxn modelId="{6BA9EEF6-2291-1845-B711-81F626D88288}" type="presOf" srcId="{14953552-4CF3-7F40-B9D0-529341A22BCE}" destId="{D94893DD-3D19-8349-97BD-573207405177}" srcOrd="0" destOrd="1" presId="urn:microsoft.com/office/officeart/2005/8/layout/vList5"/>
+    <dgm:cxn modelId="{7CD1D4FD-8E52-944A-A63C-519D5D2F5E46}" type="presParOf" srcId="{AE402DE7-82CF-3548-9E00-714B9A5BB6F6}" destId="{2A69F853-E734-B645-9FDF-9ED2A73DB8B1}" srcOrd="0" destOrd="0" presId="urn:microsoft.com/office/officeart/2005/8/layout/vList5"/>
+    <dgm:cxn modelId="{7C4DB432-711F-624D-A6A6-08A4B70BC643}" type="presParOf" srcId="{2A69F853-E734-B645-9FDF-9ED2A73DB8B1}" destId="{E8B0B3FF-3815-0A4B-81B4-8EC25402DE43}" srcOrd="0" destOrd="0" presId="urn:microsoft.com/office/officeart/2005/8/layout/vList5"/>
+    <dgm:cxn modelId="{50692F03-96FC-2A47-9E76-93310E14EFB2}" type="presParOf" srcId="{2A69F853-E734-B645-9FDF-9ED2A73DB8B1}" destId="{296305DA-0422-2A46-8EAE-11D5547E45EC}" srcOrd="1" destOrd="0" presId="urn:microsoft.com/office/officeart/2005/8/layout/vList5"/>
+    <dgm:cxn modelId="{E74AAB15-49DD-3848-BC82-9924661D88ED}" type="presParOf" srcId="{AE402DE7-82CF-3548-9E00-714B9A5BB6F6}" destId="{210CF019-DC48-1D44-A153-DBD4DDE3E93E}" srcOrd="1" destOrd="0" presId="urn:microsoft.com/office/officeart/2005/8/layout/vList5"/>
+    <dgm:cxn modelId="{4AF68028-709D-E146-9084-0C0E97E8EF16}" type="presParOf" srcId="{AE402DE7-82CF-3548-9E00-714B9A5BB6F6}" destId="{4D1E546C-DBB3-0B42-8B14-7E93848B3758}" srcOrd="2" destOrd="0" presId="urn:microsoft.com/office/officeart/2005/8/layout/vList5"/>
+    <dgm:cxn modelId="{170DB72A-A2B0-8C46-9A90-C8ABAE68B1FD}" type="presParOf" srcId="{4D1E546C-DBB3-0B42-8B14-7E93848B3758}" destId="{6D5D67CC-8B0C-9D43-948E-7F27FD6D78BE}" srcOrd="0" destOrd="0" presId="urn:microsoft.com/office/officeart/2005/8/layout/vList5"/>
+    <dgm:cxn modelId="{A8FA4D89-56DD-2A42-B182-D2CBA3D000AE}" type="presParOf" srcId="{4D1E546C-DBB3-0B42-8B14-7E93848B3758}" destId="{D94893DD-3D19-8349-97BD-573207405177}" srcOrd="1" destOrd="0" presId="urn:microsoft.com/office/officeart/2005/8/layout/vList5"/>
+  </dgm:cxnLst>
+  <dgm:bg/>
+  <dgm:whole/>
+  <dgm:extLst>
+    <a:ext uri="http://schemas.microsoft.com/office/drawing/2008/diagram">
+      <dsp:dataModelExt xmlns:dsp="http://schemas.microsoft.com/office/drawing/2008/diagram" relId="rId6" minVer="http://schemas.openxmlformats.org/drawingml/2006/diagram"/>
+    </a:ext>
+  </dgm:extLst>
+</dgm:dataModel>
+</file>
+
+<file path=ppt/diagrams/data3.xml><?xml version="1.0" encoding="utf-8"?>
 <dgm:dataModel xmlns:dgm="http://schemas.openxmlformats.org/drawingml/2006/diagram" xmlns:a="http://schemas.openxmlformats.org/drawingml/2006/main">
   <dgm:ptLst>
     <dgm:pt modelId="{C33D4F28-5775-4499-BA5D-FACE909F0EC7}" type="doc">
@@ -6205,7 +7959,7 @@
 </dgm:dataModel>
 </file>
 
-<file path=ppt/diagrams/data3.xml><?xml version="1.0" encoding="utf-8"?>
+<file path=ppt/diagrams/data4.xml><?xml version="1.0" encoding="utf-8"?>
 <dgm:dataModel xmlns:dgm="http://schemas.openxmlformats.org/drawingml/2006/diagram" xmlns:a="http://schemas.openxmlformats.org/drawingml/2006/main">
   <dgm:ptLst>
     <dgm:pt modelId="{FA19FA33-E0FD-46DE-8289-1215369C30D9}" type="doc">
@@ -6470,7 +8224,7 @@
 </dgm:dataModel>
 </file>
 
-<file path=ppt/diagrams/data4.xml><?xml version="1.0" encoding="utf-8"?>
+<file path=ppt/diagrams/data5.xml><?xml version="1.0" encoding="utf-8"?>
 <dgm:dataModel xmlns:dgm="http://schemas.openxmlformats.org/drawingml/2006/diagram" xmlns:a="http://schemas.openxmlformats.org/drawingml/2006/main">
   <dgm:ptLst>
     <dgm:pt modelId="{8A303A92-A358-4254-9537-8514B391899B}" type="doc">
@@ -6743,7 +8497,7 @@
 </dgm:dataModel>
 </file>
 
-<file path=ppt/diagrams/data5.xml><?xml version="1.0" encoding="utf-8"?>
+<file path=ppt/diagrams/data6.xml><?xml version="1.0" encoding="utf-8"?>
 <dgm:dataModel xmlns:dgm="http://schemas.openxmlformats.org/drawingml/2006/diagram" xmlns:a="http://schemas.openxmlformats.org/drawingml/2006/main">
   <dgm:ptLst>
     <dgm:pt modelId="{3E0415E0-4F84-458A-BB25-0AACDCCF9105}" type="doc">
@@ -7061,7 +8815,7 @@
 </dgm:dataModel>
 </file>
 
-<file path=ppt/diagrams/data6.xml><?xml version="1.0" encoding="utf-8"?>
+<file path=ppt/diagrams/data7.xml><?xml version="1.0" encoding="utf-8"?>
 <dgm:dataModel xmlns:dgm="http://schemas.openxmlformats.org/drawingml/2006/diagram" xmlns:a="http://schemas.openxmlformats.org/drawingml/2006/main">
   <dgm:ptLst>
     <dgm:pt modelId="{F6FBC516-3024-4A3A-90F3-B1B4E35705BE}" type="doc">
@@ -7083,10 +8837,18 @@
         <a:lstStyle/>
         <a:p>
           <a:r>
-            <a:rPr lang="en-US" dirty="0" smtClean="0"/>
+            <a:rPr lang="en-US" dirty="0" smtClean="0">
+              <a:solidFill>
+                <a:schemeClr val="bg1"/>
+              </a:solidFill>
+            </a:rPr>
             <a:t>VECTOR.MUTATION</a:t>
           </a:r>
-          <a:endParaRPr lang="en-US" dirty="0"/>
+          <a:endParaRPr lang="en-US" dirty="0">
+            <a:solidFill>
+              <a:schemeClr val="bg1"/>
+            </a:solidFill>
+          </a:endParaRPr>
         </a:p>
       </dgm:t>
     </dgm:pt>
@@ -7157,10 +8919,18 @@
         <a:lstStyle/>
         <a:p>
           <a:r>
-            <a:rPr lang="en-US" dirty="0" smtClean="0"/>
+            <a:rPr lang="en-US" dirty="0" smtClean="0">
+              <a:solidFill>
+                <a:srgbClr val="000000"/>
+              </a:solidFill>
+            </a:rPr>
             <a:t>VECTOR.CROSS_OVER</a:t>
           </a:r>
-          <a:endParaRPr lang="en-US" dirty="0"/>
+          <a:endParaRPr lang="en-US" dirty="0">
+            <a:solidFill>
+              <a:srgbClr val="000000"/>
+            </a:solidFill>
+          </a:endParaRPr>
         </a:p>
       </dgm:t>
     </dgm:pt>
@@ -7259,6 +9029,59 @@
         </a:p>
       </dgm:t>
     </dgm:pt>
+    <dgm:pt modelId="{C6CBA334-E4CB-0A43-9FFF-1A925AE6DBA2}">
+      <dgm:prSet phldrT="[Text]"/>
+      <dgm:spPr/>
+      <dgm:t>
+        <a:bodyPr/>
+        <a:lstStyle/>
+        <a:p>
+          <a:r>
+            <a:rPr lang="en-US" dirty="0" smtClean="0">
+              <a:solidFill>
+                <a:srgbClr val="000000"/>
+              </a:solidFill>
+            </a:rPr>
+            <a:t>Ex. Damage = (2.0 * self attack) – (1.5 * opponent’s </a:t>
+          </a:r>
+          <a:r>
+            <a:rPr lang="en-US" smtClean="0">
+              <a:solidFill>
+                <a:srgbClr val="000000"/>
+              </a:solidFill>
+            </a:rPr>
+            <a:t>defense) + 5</a:t>
+          </a:r>
+          <a:endParaRPr lang="en-US" dirty="0">
+            <a:solidFill>
+              <a:srgbClr val="000000"/>
+            </a:solidFill>
+          </a:endParaRPr>
+        </a:p>
+      </dgm:t>
+    </dgm:pt>
+    <dgm:pt modelId="{FA5DD219-ADE8-2248-8A8B-50E91CD11704}" type="parTrans" cxnId="{1AA24628-3723-F54A-A2C0-87BB91AB84AF}">
+      <dgm:prSet/>
+      <dgm:spPr/>
+      <dgm:t>
+        <a:bodyPr/>
+        <a:lstStyle/>
+        <a:p>
+          <a:endParaRPr lang="en-US"/>
+        </a:p>
+      </dgm:t>
+    </dgm:pt>
+    <dgm:pt modelId="{86772BC0-D375-8145-B273-6742E0E7D09E}" type="sibTrans" cxnId="{1AA24628-3723-F54A-A2C0-87BB91AB84AF}">
+      <dgm:prSet/>
+      <dgm:spPr/>
+      <dgm:t>
+        <a:bodyPr/>
+        <a:lstStyle/>
+        <a:p>
+          <a:endParaRPr lang="en-US"/>
+        </a:p>
+      </dgm:t>
+    </dgm:pt>
     <dgm:pt modelId="{9E48DA92-F7C9-476A-8199-C1264B0770B0}" type="pres">
       <dgm:prSet presAssocID="{F6FBC516-3024-4A3A-90F3-B1B4E35705BE}" presName="linear" presStyleCnt="0">
         <dgm:presLayoutVars>
@@ -7276,7 +9099,7 @@
       </dgm:t>
     </dgm:pt>
     <dgm:pt modelId="{42A06E62-ECAB-4437-AEB3-4A4E65CA14A3}" type="pres">
-      <dgm:prSet presAssocID="{72BC8647-DD62-4FAB-B0F8-46A96A9F1391}" presName="parentText" presStyleLbl="node1" presStyleIdx="0" presStyleCnt="2">
+      <dgm:prSet presAssocID="{72BC8647-DD62-4FAB-B0F8-46A96A9F1391}" presName="parentText" presStyleLbl="node1" presStyleIdx="0" presStyleCnt="3">
         <dgm:presLayoutVars>
           <dgm:chMax val="0"/>
           <dgm:bulletEnabled val="1"/>
@@ -7307,7 +9130,7 @@
       </dgm:t>
     </dgm:pt>
     <dgm:pt modelId="{5A9A0F5B-CDD7-435F-876C-695E29093293}" type="pres">
-      <dgm:prSet presAssocID="{99D3DB37-D869-48C7-958E-F75345F88BAE}" presName="parentText" presStyleLbl="node1" presStyleIdx="1" presStyleCnt="2">
+      <dgm:prSet presAssocID="{99D3DB37-D869-48C7-958E-F75345F88BAE}" presName="parentText" presStyleLbl="node1" presStyleIdx="1" presStyleCnt="3">
         <dgm:presLayoutVars>
           <dgm:chMax val="0"/>
           <dgm:bulletEnabled val="1"/>
@@ -7337,23 +9160,42 @@
         </a:p>
       </dgm:t>
     </dgm:pt>
+    <dgm:pt modelId="{923D96C0-288B-9E4C-8FBE-531D66E10A86}" type="pres">
+      <dgm:prSet presAssocID="{C6CBA334-E4CB-0A43-9FFF-1A925AE6DBA2}" presName="parentText" presStyleLbl="node1" presStyleIdx="2" presStyleCnt="3">
+        <dgm:presLayoutVars>
+          <dgm:chMax val="0"/>
+          <dgm:bulletEnabled val="1"/>
+        </dgm:presLayoutVars>
+      </dgm:prSet>
+      <dgm:spPr/>
+      <dgm:t>
+        <a:bodyPr/>
+        <a:lstStyle/>
+        <a:p>
+          <a:endParaRPr lang="en-US"/>
+        </a:p>
+      </dgm:t>
+    </dgm:pt>
   </dgm:ptLst>
   <dgm:cxnLst>
     <dgm:cxn modelId="{D983C9CD-8CBB-4F29-9AE2-1A2B8E8AC4B0}" type="presOf" srcId="{F6FBC516-3024-4A3A-90F3-B1B4E35705BE}" destId="{9E48DA92-F7C9-476A-8199-C1264B0770B0}" srcOrd="0" destOrd="0" presId="urn:microsoft.com/office/officeart/2005/8/layout/vList2"/>
     <dgm:cxn modelId="{325F3E0D-8F60-4027-81B7-ACB221769B86}" type="presOf" srcId="{2153685B-4FA0-490C-8771-027D12E44CE4}" destId="{89AF1101-C155-4C72-8F3E-0B4A7B231CFA}" srcOrd="0" destOrd="0" presId="urn:microsoft.com/office/officeart/2005/8/layout/vList2"/>
     <dgm:cxn modelId="{08D6760F-6093-4A44-B7B6-79F682E7F730}" type="presOf" srcId="{023F8C9B-0B3C-4DA7-8B1C-1D322A245669}" destId="{31039EFF-E573-415F-B91A-1B6232FF36DA}" srcOrd="0" destOrd="0" presId="urn:microsoft.com/office/officeart/2005/8/layout/vList2"/>
     <dgm:cxn modelId="{275C477E-A56A-4068-A10A-3ADBE5A69EB7}" srcId="{72BC8647-DD62-4FAB-B0F8-46A96A9F1391}" destId="{2153685B-4FA0-490C-8771-027D12E44CE4}" srcOrd="0" destOrd="0" parTransId="{637CAA1D-9ECE-45F5-8514-BCFDBD4DEB6A}" sibTransId="{03A3E634-C78F-47E6-9F46-3DDF14BC652D}"/>
+    <dgm:cxn modelId="{9D58577C-8845-C245-ABD9-53021D0F88BE}" type="presOf" srcId="{C6CBA334-E4CB-0A43-9FFF-1A925AE6DBA2}" destId="{923D96C0-288B-9E4C-8FBE-531D66E10A86}" srcOrd="0" destOrd="0" presId="urn:microsoft.com/office/officeart/2005/8/layout/vList2"/>
     <dgm:cxn modelId="{2A4A6B21-FFAE-4032-BD01-B6205C876F48}" type="presOf" srcId="{99D3DB37-D869-48C7-958E-F75345F88BAE}" destId="{5A9A0F5B-CDD7-435F-876C-695E29093293}" srcOrd="0" destOrd="0" presId="urn:microsoft.com/office/officeart/2005/8/layout/vList2"/>
     <dgm:cxn modelId="{7A9E09A9-829D-4DF9-AC15-F8A120939A24}" srcId="{99D3DB37-D869-48C7-958E-F75345F88BAE}" destId="{023F8C9B-0B3C-4DA7-8B1C-1D322A245669}" srcOrd="0" destOrd="0" parTransId="{37101F50-7151-4C92-8EE5-3D1F5D400181}" sibTransId="{91707080-576E-4ACF-88D9-156C2E75AC49}"/>
     <dgm:cxn modelId="{93B490E6-0977-4FAA-9CDC-633EEA3F78D1}" srcId="{F6FBC516-3024-4A3A-90F3-B1B4E35705BE}" destId="{72BC8647-DD62-4FAB-B0F8-46A96A9F1391}" srcOrd="0" destOrd="0" parTransId="{72251C2D-8C2F-4334-97B8-86F4C538EAC3}" sibTransId="{8D813638-8576-49E4-B03E-128AEC920EB5}"/>
     <dgm:cxn modelId="{9FB386C6-827A-4B33-AF00-80B3545CFE43}" srcId="{F6FBC516-3024-4A3A-90F3-B1B4E35705BE}" destId="{99D3DB37-D869-48C7-958E-F75345F88BAE}" srcOrd="1" destOrd="0" parTransId="{DDB95B7A-416E-45AD-AF7F-0CD35F9A3DB3}" sibTransId="{9D5C9501-400D-4CDB-8935-EF27875748E8}"/>
     <dgm:cxn modelId="{AFAA4C4B-9C4D-464A-9F94-F9017A9B8A6E}" type="presOf" srcId="{FF4947F8-9D2A-4818-9603-1386B04C542F}" destId="{89AF1101-C155-4C72-8F3E-0B4A7B231CFA}" srcOrd="0" destOrd="1" presId="urn:microsoft.com/office/officeart/2005/8/layout/vList2"/>
     <dgm:cxn modelId="{6BC811DA-9F92-4830-9E08-3EAAE71DC6C1}" srcId="{72BC8647-DD62-4FAB-B0F8-46A96A9F1391}" destId="{FF4947F8-9D2A-4818-9603-1386B04C542F}" srcOrd="1" destOrd="0" parTransId="{62F5B30F-12E1-4DAD-BFD4-C74249273CB6}" sibTransId="{A065254C-FF79-4922-80E9-8512237F1158}"/>
+    <dgm:cxn modelId="{1AA24628-3723-F54A-A2C0-87BB91AB84AF}" srcId="{F6FBC516-3024-4A3A-90F3-B1B4E35705BE}" destId="{C6CBA334-E4CB-0A43-9FFF-1A925AE6DBA2}" srcOrd="2" destOrd="0" parTransId="{FA5DD219-ADE8-2248-8A8B-50E91CD11704}" sibTransId="{86772BC0-D375-8145-B273-6742E0E7D09E}"/>
     <dgm:cxn modelId="{5D698028-8736-4D1F-A30A-442C617A29A3}" type="presOf" srcId="{72BC8647-DD62-4FAB-B0F8-46A96A9F1391}" destId="{42A06E62-ECAB-4437-AEB3-4A4E65CA14A3}" srcOrd="0" destOrd="0" presId="urn:microsoft.com/office/officeart/2005/8/layout/vList2"/>
     <dgm:cxn modelId="{1825ADEE-0B0F-4383-9402-2D796FDCAE8D}" type="presParOf" srcId="{9E48DA92-F7C9-476A-8199-C1264B0770B0}" destId="{42A06E62-ECAB-4437-AEB3-4A4E65CA14A3}" srcOrd="0" destOrd="0" presId="urn:microsoft.com/office/officeart/2005/8/layout/vList2"/>
     <dgm:cxn modelId="{419780C7-2460-4AA5-B94C-22106C85A347}" type="presParOf" srcId="{9E48DA92-F7C9-476A-8199-C1264B0770B0}" destId="{89AF1101-C155-4C72-8F3E-0B4A7B231CFA}" srcOrd="1" destOrd="0" presId="urn:microsoft.com/office/officeart/2005/8/layout/vList2"/>
     <dgm:cxn modelId="{500BEA1A-B4BB-431C-B0A3-3C16D2A61F3C}" type="presParOf" srcId="{9E48DA92-F7C9-476A-8199-C1264B0770B0}" destId="{5A9A0F5B-CDD7-435F-876C-695E29093293}" srcOrd="2" destOrd="0" presId="urn:microsoft.com/office/officeart/2005/8/layout/vList2"/>
     <dgm:cxn modelId="{35E1B542-BAF4-45AF-BCC1-2D6863F100C5}" type="presParOf" srcId="{9E48DA92-F7C9-476A-8199-C1264B0770B0}" destId="{31039EFF-E573-415F-B91A-1B6232FF36DA}" srcOrd="3" destOrd="0" presId="urn:microsoft.com/office/officeart/2005/8/layout/vList2"/>
+    <dgm:cxn modelId="{304F3682-CF36-5645-99C5-97812929CB70}" type="presParOf" srcId="{9E48DA92-F7C9-476A-8199-C1264B0770B0}" destId="{923D96C0-288B-9E4C-8FBE-531D66E10A86}" srcOrd="4" destOrd="0" presId="urn:microsoft.com/office/officeart/2005/8/layout/vList2"/>
   </dgm:cxnLst>
   <dgm:bg/>
   <dgm:whole/>
@@ -7365,7 +9207,7 @@
 </dgm:dataModel>
 </file>
 
-<file path=ppt/diagrams/data7.xml><?xml version="1.0" encoding="utf-8"?>
+<file path=ppt/diagrams/data8.xml><?xml version="1.0" encoding="utf-8"?>
 <dgm:dataModel xmlns:dgm="http://schemas.openxmlformats.org/drawingml/2006/diagram" xmlns:a="http://schemas.openxmlformats.org/drawingml/2006/main">
   <dgm:ptLst>
     <dgm:pt modelId="{754CAAE3-CF74-584E-8C95-7A6F40691779}" type="doc">
@@ -7387,10 +9229,18 @@
         <a:lstStyle/>
         <a:p>
           <a:r>
-            <a:rPr lang="en-US" dirty="0" smtClean="0"/>
+            <a:rPr lang="en-US" dirty="0" smtClean="0">
+              <a:solidFill>
+                <a:srgbClr val="000000"/>
+              </a:solidFill>
+            </a:rPr>
             <a:t>“Mirroring” Moves</a:t>
           </a:r>
-          <a:endParaRPr lang="en-US" dirty="0"/>
+          <a:endParaRPr lang="en-US" dirty="0">
+            <a:solidFill>
+              <a:srgbClr val="000000"/>
+            </a:solidFill>
+          </a:endParaRPr>
         </a:p>
       </dgm:t>
     </dgm:pt>
@@ -7461,10 +9311,18 @@
         <a:lstStyle/>
         <a:p>
           <a:r>
-            <a:rPr lang="en-US" dirty="0" smtClean="0"/>
+            <a:rPr lang="en-US" dirty="0" smtClean="0">
+              <a:solidFill>
+                <a:srgbClr val="000000"/>
+              </a:solidFill>
+            </a:rPr>
             <a:t>Confusing Utilities</a:t>
           </a:r>
-          <a:endParaRPr lang="en-US" dirty="0"/>
+          <a:endParaRPr lang="en-US" dirty="0">
+            <a:solidFill>
+              <a:srgbClr val="000000"/>
+            </a:solidFill>
+          </a:endParaRPr>
         </a:p>
       </dgm:t>
     </dgm:pt>
@@ -7535,10 +9393,18 @@
         <a:lstStyle/>
         <a:p>
           <a:r>
-            <a:rPr lang="en-US" dirty="0" smtClean="0"/>
+            <a:rPr lang="en-US" dirty="0" smtClean="0">
+              <a:solidFill>
+                <a:srgbClr val="000000"/>
+              </a:solidFill>
+            </a:rPr>
             <a:t>Move Merging</a:t>
           </a:r>
-          <a:endParaRPr lang="en-US" dirty="0"/>
+          <a:endParaRPr lang="en-US" dirty="0">
+            <a:solidFill>
+              <a:srgbClr val="000000"/>
+            </a:solidFill>
+          </a:endParaRPr>
         </a:p>
       </dgm:t>
     </dgm:pt>
@@ -7757,6 +9623,330 @@
     <dgm:cxn modelId="{942C8A50-A595-CC44-8A0F-CF48741A0649}" type="presParOf" srcId="{2B15A9A9-FD49-C646-9221-2E61402E2FE5}" destId="{543397C7-5AE1-C342-BC1A-DA59FCCAF66A}" srcOrd="4" destOrd="0" presId="urn:microsoft.com/office/officeart/2005/8/layout/vList5"/>
     <dgm:cxn modelId="{A25CB6F2-523C-BD49-A678-FD77A5DA65FC}" type="presParOf" srcId="{543397C7-5AE1-C342-BC1A-DA59FCCAF66A}" destId="{C72445FC-DBB3-D444-8DE7-E23469EADDB3}" srcOrd="0" destOrd="0" presId="urn:microsoft.com/office/officeart/2005/8/layout/vList5"/>
     <dgm:cxn modelId="{FC409A75-961C-F74A-A13C-50F071D8B0FA}" type="presParOf" srcId="{543397C7-5AE1-C342-BC1A-DA59FCCAF66A}" destId="{E63906E3-AD23-4B40-8BF9-924A014BB477}" srcOrd="1" destOrd="0" presId="urn:microsoft.com/office/officeart/2005/8/layout/vList5"/>
+  </dgm:cxnLst>
+  <dgm:bg/>
+  <dgm:whole/>
+  <dgm:extLst>
+    <a:ext uri="http://schemas.microsoft.com/office/drawing/2008/diagram">
+      <dsp:dataModelExt xmlns:dsp="http://schemas.microsoft.com/office/drawing/2008/diagram" relId="rId6" minVer="http://schemas.openxmlformats.org/drawingml/2006/diagram"/>
+    </a:ext>
+  </dgm:extLst>
+</dgm:dataModel>
+</file>
+
+<file path=ppt/diagrams/data9.xml><?xml version="1.0" encoding="utf-8"?>
+<dgm:dataModel xmlns:dgm="http://schemas.openxmlformats.org/drawingml/2006/diagram" xmlns:a="http://schemas.openxmlformats.org/drawingml/2006/main">
+  <dgm:ptLst>
+    <dgm:pt modelId="{7E040981-7CE3-774D-8C6F-2BC906473FAB}" type="doc">
+      <dgm:prSet loTypeId="urn:microsoft.com/office/officeart/2005/8/layout/vList2" loCatId="" qsTypeId="urn:microsoft.com/office/officeart/2005/8/quickstyle/simple4" qsCatId="simple" csTypeId="urn:microsoft.com/office/officeart/2005/8/colors/accent1_2" csCatId="accent1" phldr="1"/>
+      <dgm:spPr/>
+      <dgm:t>
+        <a:bodyPr/>
+        <a:lstStyle/>
+        <a:p>
+          <a:endParaRPr lang="en-US"/>
+        </a:p>
+      </dgm:t>
+    </dgm:pt>
+    <dgm:pt modelId="{6783BD06-83D4-DB4E-9499-7C43E0AA64C7}">
+      <dgm:prSet phldrT="[Text]"/>
+      <dgm:spPr/>
+      <dgm:t>
+        <a:bodyPr/>
+        <a:lstStyle/>
+        <a:p>
+          <a:r>
+            <a:rPr lang="en-US" dirty="0" smtClean="0">
+              <a:solidFill>
+                <a:srgbClr val="000000"/>
+              </a:solidFill>
+            </a:rPr>
+            <a:t>Short Term</a:t>
+          </a:r>
+          <a:endParaRPr lang="en-US" dirty="0">
+            <a:solidFill>
+              <a:srgbClr val="000000"/>
+            </a:solidFill>
+          </a:endParaRPr>
+        </a:p>
+      </dgm:t>
+    </dgm:pt>
+    <dgm:pt modelId="{134D0CC3-1D33-B64C-A21E-9AA946744840}" type="parTrans" cxnId="{AEF3B3B9-D627-6D4A-B214-406C9624D6CF}">
+      <dgm:prSet/>
+      <dgm:spPr/>
+      <dgm:t>
+        <a:bodyPr/>
+        <a:lstStyle/>
+        <a:p>
+          <a:endParaRPr lang="en-US"/>
+        </a:p>
+      </dgm:t>
+    </dgm:pt>
+    <dgm:pt modelId="{B2C80D16-7558-B440-8ED6-DFBE7449FA42}" type="sibTrans" cxnId="{AEF3B3B9-D627-6D4A-B214-406C9624D6CF}">
+      <dgm:prSet/>
+      <dgm:spPr/>
+      <dgm:t>
+        <a:bodyPr/>
+        <a:lstStyle/>
+        <a:p>
+          <a:endParaRPr lang="en-US"/>
+        </a:p>
+      </dgm:t>
+    </dgm:pt>
+    <dgm:pt modelId="{CFCF1C09-80B6-9D43-9C3D-1BC2C3E510C9}">
+      <dgm:prSet phldrT="[Text]"/>
+      <dgm:spPr/>
+      <dgm:t>
+        <a:bodyPr/>
+        <a:lstStyle/>
+        <a:p>
+          <a:r>
+            <a:rPr lang="en-US" dirty="0" smtClean="0">
+              <a:solidFill>
+                <a:srgbClr val="000000"/>
+              </a:solidFill>
+            </a:rPr>
+            <a:t>Long Term</a:t>
+          </a:r>
+          <a:endParaRPr lang="en-US" dirty="0">
+            <a:solidFill>
+              <a:srgbClr val="000000"/>
+            </a:solidFill>
+          </a:endParaRPr>
+        </a:p>
+      </dgm:t>
+    </dgm:pt>
+    <dgm:pt modelId="{EBB1D5CB-3DDB-ED44-8722-1953E41A9E33}" type="parTrans" cxnId="{3C97EC6F-4544-624C-B51E-92D8D23E54F5}">
+      <dgm:prSet/>
+      <dgm:spPr/>
+      <dgm:t>
+        <a:bodyPr/>
+        <a:lstStyle/>
+        <a:p>
+          <a:endParaRPr lang="en-US"/>
+        </a:p>
+      </dgm:t>
+    </dgm:pt>
+    <dgm:pt modelId="{6FB62A41-4360-FA4C-B374-BB9ED8522367}" type="sibTrans" cxnId="{3C97EC6F-4544-624C-B51E-92D8D23E54F5}">
+      <dgm:prSet/>
+      <dgm:spPr/>
+      <dgm:t>
+        <a:bodyPr/>
+        <a:lstStyle/>
+        <a:p>
+          <a:endParaRPr lang="en-US"/>
+        </a:p>
+      </dgm:t>
+    </dgm:pt>
+    <dgm:pt modelId="{232535A5-43C3-7A4C-8182-5EE8E311AF2A}">
+      <dgm:prSet phldrT="[Text]"/>
+      <dgm:spPr/>
+      <dgm:t>
+        <a:bodyPr/>
+        <a:lstStyle/>
+        <a:p>
+          <a:r>
+            <a:rPr lang="en-US" dirty="0" smtClean="0">
+              <a:solidFill>
+                <a:srgbClr val="FFFFFF"/>
+              </a:solidFill>
+            </a:rPr>
+            <a:t>Using more parameters</a:t>
+          </a:r>
+          <a:endParaRPr lang="en-US" dirty="0">
+            <a:solidFill>
+              <a:srgbClr val="FFFFFF"/>
+            </a:solidFill>
+          </a:endParaRPr>
+        </a:p>
+      </dgm:t>
+    </dgm:pt>
+    <dgm:pt modelId="{D7E2F479-3B62-C748-8407-A4526B702630}" type="parTrans" cxnId="{9CA9D8AF-64BE-E041-94C5-59282579C544}">
+      <dgm:prSet/>
+      <dgm:spPr/>
+      <dgm:t>
+        <a:bodyPr/>
+        <a:lstStyle/>
+        <a:p>
+          <a:endParaRPr lang="en-US"/>
+        </a:p>
+      </dgm:t>
+    </dgm:pt>
+    <dgm:pt modelId="{AA215D0C-6C5C-5C42-899F-8E61F52C0156}" type="sibTrans" cxnId="{9CA9D8AF-64BE-E041-94C5-59282579C544}">
+      <dgm:prSet/>
+      <dgm:spPr/>
+      <dgm:t>
+        <a:bodyPr/>
+        <a:lstStyle/>
+        <a:p>
+          <a:endParaRPr lang="en-US"/>
+        </a:p>
+      </dgm:t>
+    </dgm:pt>
+    <dgm:pt modelId="{EFFA916E-4F76-8048-A184-2BBA466BB661}">
+      <dgm:prSet phldrT="[Text]"/>
+      <dgm:spPr/>
+      <dgm:t>
+        <a:bodyPr/>
+        <a:lstStyle/>
+        <a:p>
+          <a:r>
+            <a:rPr lang="en-US" dirty="0" smtClean="0">
+              <a:solidFill>
+                <a:schemeClr val="tx1"/>
+              </a:solidFill>
+            </a:rPr>
+            <a:t>Enhancements to Constrained Novelty Search: Two-Population Novelty Search for Generating Game Content (2013)</a:t>
+          </a:r>
+          <a:endParaRPr lang="en-US" dirty="0">
+            <a:solidFill>
+              <a:schemeClr val="tx1"/>
+            </a:solidFill>
+          </a:endParaRPr>
+        </a:p>
+      </dgm:t>
+    </dgm:pt>
+    <dgm:pt modelId="{F12842DE-315F-D443-AC85-990609EEC187}" type="parTrans" cxnId="{C8230DF7-9FAA-8145-954E-4DE18C6E5962}">
+      <dgm:prSet/>
+      <dgm:spPr/>
+      <dgm:t>
+        <a:bodyPr/>
+        <a:lstStyle/>
+        <a:p>
+          <a:endParaRPr lang="en-US"/>
+        </a:p>
+      </dgm:t>
+    </dgm:pt>
+    <dgm:pt modelId="{6436388D-8658-F147-8348-EA3DD289011D}" type="sibTrans" cxnId="{C8230DF7-9FAA-8145-954E-4DE18C6E5962}">
+      <dgm:prSet/>
+      <dgm:spPr/>
+      <dgm:t>
+        <a:bodyPr/>
+        <a:lstStyle/>
+        <a:p>
+          <a:endParaRPr lang="en-US"/>
+        </a:p>
+      </dgm:t>
+    </dgm:pt>
+    <dgm:pt modelId="{2F8811AE-3AB0-1648-A7CD-877961003617}">
+      <dgm:prSet phldrT="[Text]"/>
+      <dgm:spPr/>
+      <dgm:t>
+        <a:bodyPr/>
+        <a:lstStyle/>
+        <a:p>
+          <a:r>
+            <a:rPr lang="en-US" dirty="0" smtClean="0">
+              <a:solidFill>
+                <a:srgbClr val="FFFFFF"/>
+              </a:solidFill>
+            </a:rPr>
+            <a:t>Increasing attributes and types</a:t>
+          </a:r>
+          <a:endParaRPr lang="en-US" dirty="0">
+            <a:solidFill>
+              <a:srgbClr val="FFFFFF"/>
+            </a:solidFill>
+          </a:endParaRPr>
+        </a:p>
+      </dgm:t>
+    </dgm:pt>
+    <dgm:pt modelId="{710D0221-55D0-6B40-BBFA-61AB8F210E01}" type="parTrans" cxnId="{53B1FC09-A894-454F-867A-510F9B7D2B89}">
+      <dgm:prSet/>
+      <dgm:spPr/>
+      <dgm:t>
+        <a:bodyPr/>
+        <a:lstStyle/>
+        <a:p>
+          <a:endParaRPr lang="en-US"/>
+        </a:p>
+      </dgm:t>
+    </dgm:pt>
+    <dgm:pt modelId="{7C95FB20-DBC0-2A47-8AB7-9BE78A187FDB}" type="sibTrans" cxnId="{53B1FC09-A894-454F-867A-510F9B7D2B89}">
+      <dgm:prSet/>
+      <dgm:spPr/>
+      <dgm:t>
+        <a:bodyPr/>
+        <a:lstStyle/>
+        <a:p>
+          <a:endParaRPr lang="en-US"/>
+        </a:p>
+      </dgm:t>
+    </dgm:pt>
+    <dgm:pt modelId="{636379C9-8B6B-A640-8821-6D45637590C2}" type="pres">
+      <dgm:prSet presAssocID="{7E040981-7CE3-774D-8C6F-2BC906473FAB}" presName="linear" presStyleCnt="0">
+        <dgm:presLayoutVars>
+          <dgm:animLvl val="lvl"/>
+          <dgm:resizeHandles val="exact"/>
+        </dgm:presLayoutVars>
+      </dgm:prSet>
+      <dgm:spPr/>
+    </dgm:pt>
+    <dgm:pt modelId="{F57962A2-0320-3D4F-B361-F11EAE206643}" type="pres">
+      <dgm:prSet presAssocID="{6783BD06-83D4-DB4E-9499-7C43E0AA64C7}" presName="parentText" presStyleLbl="node1" presStyleIdx="0" presStyleCnt="2">
+        <dgm:presLayoutVars>
+          <dgm:chMax val="0"/>
+          <dgm:bulletEnabled val="1"/>
+        </dgm:presLayoutVars>
+      </dgm:prSet>
+      <dgm:spPr/>
+    </dgm:pt>
+    <dgm:pt modelId="{7F072C46-BF5C-E74A-BDBA-A2316FA1CE02}" type="pres">
+      <dgm:prSet presAssocID="{6783BD06-83D4-DB4E-9499-7C43E0AA64C7}" presName="childText" presStyleLbl="revTx" presStyleIdx="0" presStyleCnt="2">
+        <dgm:presLayoutVars>
+          <dgm:bulletEnabled val="1"/>
+        </dgm:presLayoutVars>
+      </dgm:prSet>
+      <dgm:spPr/>
+      <dgm:t>
+        <a:bodyPr/>
+        <a:lstStyle/>
+        <a:p>
+          <a:endParaRPr lang="en-US"/>
+        </a:p>
+      </dgm:t>
+    </dgm:pt>
+    <dgm:pt modelId="{2E506666-F2C7-594C-88A3-1989CAFB2CE9}" type="pres">
+      <dgm:prSet presAssocID="{CFCF1C09-80B6-9D43-9C3D-1BC2C3E510C9}" presName="parentText" presStyleLbl="node1" presStyleIdx="1" presStyleCnt="2">
+        <dgm:presLayoutVars>
+          <dgm:chMax val="0"/>
+          <dgm:bulletEnabled val="1"/>
+        </dgm:presLayoutVars>
+      </dgm:prSet>
+      <dgm:spPr/>
+      <dgm:t>
+        <a:bodyPr/>
+        <a:lstStyle/>
+        <a:p>
+          <a:endParaRPr lang="en-US"/>
+        </a:p>
+      </dgm:t>
+    </dgm:pt>
+    <dgm:pt modelId="{828E74BE-A4CA-DA48-94AF-69667114393F}" type="pres">
+      <dgm:prSet presAssocID="{CFCF1C09-80B6-9D43-9C3D-1BC2C3E510C9}" presName="childText" presStyleLbl="revTx" presStyleIdx="1" presStyleCnt="2">
+        <dgm:presLayoutVars>
+          <dgm:bulletEnabled val="1"/>
+        </dgm:presLayoutVars>
+      </dgm:prSet>
+      <dgm:spPr/>
+    </dgm:pt>
+  </dgm:ptLst>
+  <dgm:cxnLst>
+    <dgm:cxn modelId="{49609C54-9BFC-F045-AC5F-3B3A1D563C99}" type="presOf" srcId="{EFFA916E-4F76-8048-A184-2BBA466BB661}" destId="{828E74BE-A4CA-DA48-94AF-69667114393F}" srcOrd="0" destOrd="0" presId="urn:microsoft.com/office/officeart/2005/8/layout/vList2"/>
+    <dgm:cxn modelId="{9CA9D8AF-64BE-E041-94C5-59282579C544}" srcId="{6783BD06-83D4-DB4E-9499-7C43E0AA64C7}" destId="{232535A5-43C3-7A4C-8182-5EE8E311AF2A}" srcOrd="0" destOrd="0" parTransId="{D7E2F479-3B62-C748-8407-A4526B702630}" sibTransId="{AA215D0C-6C5C-5C42-899F-8E61F52C0156}"/>
+    <dgm:cxn modelId="{C8230DF7-9FAA-8145-954E-4DE18C6E5962}" srcId="{CFCF1C09-80B6-9D43-9C3D-1BC2C3E510C9}" destId="{EFFA916E-4F76-8048-A184-2BBA466BB661}" srcOrd="0" destOrd="0" parTransId="{F12842DE-315F-D443-AC85-990609EEC187}" sibTransId="{6436388D-8658-F147-8348-EA3DD289011D}"/>
+    <dgm:cxn modelId="{53B1FC09-A894-454F-867A-510F9B7D2B89}" srcId="{6783BD06-83D4-DB4E-9499-7C43E0AA64C7}" destId="{2F8811AE-3AB0-1648-A7CD-877961003617}" srcOrd="1" destOrd="0" parTransId="{710D0221-55D0-6B40-BBFA-61AB8F210E01}" sibTransId="{7C95FB20-DBC0-2A47-8AB7-9BE78A187FDB}"/>
+    <dgm:cxn modelId="{3C97EC6F-4544-624C-B51E-92D8D23E54F5}" srcId="{7E040981-7CE3-774D-8C6F-2BC906473FAB}" destId="{CFCF1C09-80B6-9D43-9C3D-1BC2C3E510C9}" srcOrd="1" destOrd="0" parTransId="{EBB1D5CB-3DDB-ED44-8722-1953E41A9E33}" sibTransId="{6FB62A41-4360-FA4C-B374-BB9ED8522367}"/>
+    <dgm:cxn modelId="{74FE3A4F-6393-3F40-869C-57BBD44AA112}" type="presOf" srcId="{7E040981-7CE3-774D-8C6F-2BC906473FAB}" destId="{636379C9-8B6B-A640-8821-6D45637590C2}" srcOrd="0" destOrd="0" presId="urn:microsoft.com/office/officeart/2005/8/layout/vList2"/>
+    <dgm:cxn modelId="{F74B8BFB-6CB7-3144-8F7D-23014B4CF3D8}" type="presOf" srcId="{CFCF1C09-80B6-9D43-9C3D-1BC2C3E510C9}" destId="{2E506666-F2C7-594C-88A3-1989CAFB2CE9}" srcOrd="0" destOrd="0" presId="urn:microsoft.com/office/officeart/2005/8/layout/vList2"/>
+    <dgm:cxn modelId="{3290FC1D-15CD-314E-BE15-2FBF5BEAD6FD}" type="presOf" srcId="{232535A5-43C3-7A4C-8182-5EE8E311AF2A}" destId="{7F072C46-BF5C-E74A-BDBA-A2316FA1CE02}" srcOrd="0" destOrd="0" presId="urn:microsoft.com/office/officeart/2005/8/layout/vList2"/>
+    <dgm:cxn modelId="{878CBE81-C078-E64C-98BD-0336A78B9031}" type="presOf" srcId="{2F8811AE-3AB0-1648-A7CD-877961003617}" destId="{7F072C46-BF5C-E74A-BDBA-A2316FA1CE02}" srcOrd="0" destOrd="1" presId="urn:microsoft.com/office/officeart/2005/8/layout/vList2"/>
+    <dgm:cxn modelId="{AEF3B3B9-D627-6D4A-B214-406C9624D6CF}" srcId="{7E040981-7CE3-774D-8C6F-2BC906473FAB}" destId="{6783BD06-83D4-DB4E-9499-7C43E0AA64C7}" srcOrd="0" destOrd="0" parTransId="{134D0CC3-1D33-B64C-A21E-9AA946744840}" sibTransId="{B2C80D16-7558-B440-8ED6-DFBE7449FA42}"/>
+    <dgm:cxn modelId="{93330E4C-0735-154C-B384-B86CC3BB6A40}" type="presOf" srcId="{6783BD06-83D4-DB4E-9499-7C43E0AA64C7}" destId="{F57962A2-0320-3D4F-B361-F11EAE206643}" srcOrd="0" destOrd="0" presId="urn:microsoft.com/office/officeart/2005/8/layout/vList2"/>
+    <dgm:cxn modelId="{8D47B376-508C-4D46-91F5-6FCD9F007555}" type="presParOf" srcId="{636379C9-8B6B-A640-8821-6D45637590C2}" destId="{F57962A2-0320-3D4F-B361-F11EAE206643}" srcOrd="0" destOrd="0" presId="urn:microsoft.com/office/officeart/2005/8/layout/vList2"/>
+    <dgm:cxn modelId="{AD26FD55-9E0F-194E-B084-E5349676E33B}" type="presParOf" srcId="{636379C9-8B6B-A640-8821-6D45637590C2}" destId="{7F072C46-BF5C-E74A-BDBA-A2316FA1CE02}" srcOrd="1" destOrd="0" presId="urn:microsoft.com/office/officeart/2005/8/layout/vList2"/>
+    <dgm:cxn modelId="{C54AD420-B180-744B-9FFC-0B2F9C3A27AF}" type="presParOf" srcId="{636379C9-8B6B-A640-8821-6D45637590C2}" destId="{2E506666-F2C7-594C-88A3-1989CAFB2CE9}" srcOrd="2" destOrd="0" presId="urn:microsoft.com/office/officeart/2005/8/layout/vList2"/>
+    <dgm:cxn modelId="{192E4924-AC67-DC46-8842-716C3BD9D366}" type="presParOf" srcId="{636379C9-8B6B-A640-8821-6D45637590C2}" destId="{828E74BE-A4CA-DA48-94AF-69667114393F}" srcOrd="3" destOrd="0" presId="urn:microsoft.com/office/officeart/2005/8/layout/vList2"/>
   </dgm:cxnLst>
   <dgm:bg/>
   <dgm:whole/>
@@ -8369,6 +10559,373 @@
 </file>
 
 <file path=ppt/diagrams/drawing2.xml><?xml version="1.0" encoding="utf-8"?>
+<dsp:drawing xmlns:dgm="http://schemas.openxmlformats.org/drawingml/2006/diagram" xmlns:dsp="http://schemas.microsoft.com/office/drawing/2008/diagram" xmlns:a="http://schemas.openxmlformats.org/drawingml/2006/main">
+  <dsp:spTree>
+    <dsp:nvGrpSpPr>
+      <dsp:cNvPr id="0" name=""/>
+      <dsp:cNvGrpSpPr/>
+    </dsp:nvGrpSpPr>
+    <dsp:grpSpPr/>
+    <dsp:sp modelId="{296305DA-0422-2A46-8EAE-11D5547E45EC}">
+      <dsp:nvSpPr>
+        <dsp:cNvPr id="0" name=""/>
+        <dsp:cNvSpPr/>
+      </dsp:nvSpPr>
+      <dsp:spPr>
+        <a:xfrm rot="5400000">
+          <a:off x="6045030" y="-2306064"/>
+          <a:ext cx="1382098" cy="6339839"/>
+        </a:xfrm>
+        <a:prstGeom prst="round2SameRect">
+          <a:avLst/>
+        </a:prstGeom>
+        <a:solidFill>
+          <a:schemeClr val="accent1">
+            <a:alpha val="90000"/>
+            <a:tint val="40000"/>
+            <a:hueOff val="0"/>
+            <a:satOff val="0"/>
+            <a:lumOff val="0"/>
+            <a:alphaOff val="0"/>
+          </a:schemeClr>
+        </a:solidFill>
+        <a:ln w="9525" cap="flat" cmpd="sng" algn="ctr">
+          <a:solidFill>
+            <a:schemeClr val="accent1">
+              <a:alpha val="90000"/>
+              <a:tint val="40000"/>
+              <a:hueOff val="0"/>
+              <a:satOff val="0"/>
+              <a:lumOff val="0"/>
+              <a:alphaOff val="0"/>
+            </a:schemeClr>
+          </a:solidFill>
+          <a:prstDash val="solid"/>
+        </a:ln>
+        <a:effectLst/>
+      </dsp:spPr>
+      <dsp:style>
+        <a:lnRef idx="1">
+          <a:scrgbClr r="0" g="0" b="0"/>
+        </a:lnRef>
+        <a:fillRef idx="1">
+          <a:scrgbClr r="0" g="0" b="0"/>
+        </a:fillRef>
+        <a:effectRef idx="0">
+          <a:scrgbClr r="0" g="0" b="0"/>
+        </a:effectRef>
+        <a:fontRef idx="minor"/>
+      </dsp:style>
+      <dsp:txBody>
+        <a:bodyPr spcFirstLastPara="0" vert="horz" wrap="square" lIns="110490" tIns="55245" rIns="110490" bIns="55245" numCol="1" spcCol="1270" anchor="ctr" anchorCtr="0">
+          <a:noAutofit/>
+        </a:bodyPr>
+        <a:lstStyle/>
+        <a:p>
+          <a:pPr marL="285750" lvl="1" indent="-285750" algn="l" defTabSz="1289050">
+            <a:lnSpc>
+              <a:spcPct val="90000"/>
+            </a:lnSpc>
+            <a:spcBef>
+              <a:spcPct val="0"/>
+            </a:spcBef>
+            <a:spcAft>
+              <a:spcPct val="15000"/>
+            </a:spcAft>
+            <a:buChar char="••"/>
+          </a:pPr>
+          <a:r>
+            <a:rPr lang="en-US" sz="2900" kern="1200" dirty="0" smtClean="0"/>
+            <a:t>A Temporal Data-Driven Player Model for Dynamic Difficulty Adjustment</a:t>
+          </a:r>
+          <a:endParaRPr lang="en-US" sz="2900" kern="1200" dirty="0"/>
+        </a:p>
+      </dsp:txBody>
+      <dsp:txXfrm rot="-5400000">
+        <a:off x="3566160" y="240274"/>
+        <a:ext cx="6272371" cy="1247162"/>
+      </dsp:txXfrm>
+    </dsp:sp>
+    <dsp:sp modelId="{E8B0B3FF-3815-0A4B-81B4-8EC25402DE43}">
+      <dsp:nvSpPr>
+        <dsp:cNvPr id="0" name=""/>
+        <dsp:cNvSpPr/>
+      </dsp:nvSpPr>
+      <dsp:spPr>
+        <a:xfrm>
+          <a:off x="0" y="43"/>
+          <a:ext cx="3566159" cy="1727623"/>
+        </a:xfrm>
+        <a:prstGeom prst="roundRect">
+          <a:avLst/>
+        </a:prstGeom>
+        <a:gradFill rotWithShape="0">
+          <a:gsLst>
+            <a:gs pos="0">
+              <a:schemeClr val="accent1">
+                <a:hueOff val="0"/>
+                <a:satOff val="0"/>
+                <a:lumOff val="0"/>
+                <a:alphaOff val="0"/>
+                <a:tint val="94000"/>
+                <a:satMod val="105000"/>
+                <a:lumMod val="102000"/>
+              </a:schemeClr>
+            </a:gs>
+            <a:gs pos="100000">
+              <a:schemeClr val="accent1">
+                <a:hueOff val="0"/>
+                <a:satOff val="0"/>
+                <a:lumOff val="0"/>
+                <a:alphaOff val="0"/>
+                <a:shade val="74000"/>
+                <a:satMod val="128000"/>
+                <a:lumMod val="100000"/>
+              </a:schemeClr>
+            </a:gs>
+          </a:gsLst>
+          <a:lin ang="5400000" scaled="0"/>
+        </a:gradFill>
+        <a:ln>
+          <a:noFill/>
+        </a:ln>
+        <a:effectLst/>
+      </dsp:spPr>
+      <dsp:style>
+        <a:lnRef idx="0">
+          <a:scrgbClr r="0" g="0" b="0"/>
+        </a:lnRef>
+        <a:fillRef idx="3">
+          <a:scrgbClr r="0" g="0" b="0"/>
+        </a:fillRef>
+        <a:effectRef idx="2">
+          <a:scrgbClr r="0" g="0" b="0"/>
+        </a:effectRef>
+        <a:fontRef idx="minor">
+          <a:schemeClr val="lt1"/>
+        </a:fontRef>
+      </dsp:style>
+      <dsp:txBody>
+        <a:bodyPr spcFirstLastPara="0" vert="horz" wrap="square" lIns="247650" tIns="123825" rIns="247650" bIns="123825" numCol="1" spcCol="1270" anchor="ctr" anchorCtr="0">
+          <a:noAutofit/>
+        </a:bodyPr>
+        <a:lstStyle/>
+        <a:p>
+          <a:pPr lvl="0" algn="ctr" defTabSz="2889250">
+            <a:lnSpc>
+              <a:spcPct val="90000"/>
+            </a:lnSpc>
+            <a:spcBef>
+              <a:spcPct val="0"/>
+            </a:spcBef>
+            <a:spcAft>
+              <a:spcPct val="35000"/>
+            </a:spcAft>
+          </a:pPr>
+          <a:r>
+            <a:rPr lang="en-US" sz="6500" kern="1200" dirty="0" smtClean="0"/>
+            <a:t>Papers</a:t>
+          </a:r>
+          <a:endParaRPr lang="en-US" sz="6500" kern="1200" dirty="0"/>
+        </a:p>
+      </dsp:txBody>
+      <dsp:txXfrm>
+        <a:off x="84336" y="84379"/>
+        <a:ext cx="3397487" cy="1558951"/>
+      </dsp:txXfrm>
+    </dsp:sp>
+    <dsp:sp modelId="{D94893DD-3D19-8349-97BD-573207405177}">
+      <dsp:nvSpPr>
+        <dsp:cNvPr id="0" name=""/>
+        <dsp:cNvSpPr/>
+      </dsp:nvSpPr>
+      <dsp:spPr>
+        <a:xfrm rot="5400000">
+          <a:off x="6045030" y="-492060"/>
+          <a:ext cx="1382098" cy="6339839"/>
+        </a:xfrm>
+        <a:prstGeom prst="round2SameRect">
+          <a:avLst/>
+        </a:prstGeom>
+        <a:solidFill>
+          <a:schemeClr val="accent1">
+            <a:alpha val="90000"/>
+            <a:tint val="40000"/>
+            <a:hueOff val="0"/>
+            <a:satOff val="0"/>
+            <a:lumOff val="0"/>
+            <a:alphaOff val="0"/>
+          </a:schemeClr>
+        </a:solidFill>
+        <a:ln w="9525" cap="flat" cmpd="sng" algn="ctr">
+          <a:solidFill>
+            <a:schemeClr val="accent1">
+              <a:alpha val="90000"/>
+              <a:tint val="40000"/>
+              <a:hueOff val="0"/>
+              <a:satOff val="0"/>
+              <a:lumOff val="0"/>
+              <a:alphaOff val="0"/>
+            </a:schemeClr>
+          </a:solidFill>
+          <a:prstDash val="solid"/>
+        </a:ln>
+        <a:effectLst/>
+      </dsp:spPr>
+      <dsp:style>
+        <a:lnRef idx="1">
+          <a:scrgbClr r="0" g="0" b="0"/>
+        </a:lnRef>
+        <a:fillRef idx="1">
+          <a:scrgbClr r="0" g="0" b="0"/>
+        </a:fillRef>
+        <a:effectRef idx="0">
+          <a:scrgbClr r="0" g="0" b="0"/>
+        </a:effectRef>
+        <a:fontRef idx="minor"/>
+      </dsp:style>
+      <dsp:txBody>
+        <a:bodyPr spcFirstLastPara="0" vert="horz" wrap="square" lIns="110490" tIns="55245" rIns="110490" bIns="55245" numCol="1" spcCol="1270" anchor="ctr" anchorCtr="0">
+          <a:noAutofit/>
+        </a:bodyPr>
+        <a:lstStyle/>
+        <a:p>
+          <a:pPr marL="285750" lvl="1" indent="-285750" algn="l" defTabSz="1289050">
+            <a:lnSpc>
+              <a:spcPct val="90000"/>
+            </a:lnSpc>
+            <a:spcBef>
+              <a:spcPct val="0"/>
+            </a:spcBef>
+            <a:spcAft>
+              <a:spcPct val="15000"/>
+            </a:spcAft>
+            <a:buChar char="••"/>
+          </a:pPr>
+          <a:r>
+            <a:rPr lang="en-US" sz="2900" kern="1200" dirty="0" err="1" smtClean="0"/>
+            <a:t>Pokemon</a:t>
+          </a:r>
+          <a:endParaRPr lang="en-US" sz="2900" kern="1200" dirty="0"/>
+        </a:p>
+        <a:p>
+          <a:pPr marL="285750" lvl="1" indent="-285750" algn="l" defTabSz="1289050">
+            <a:lnSpc>
+              <a:spcPct val="90000"/>
+            </a:lnSpc>
+            <a:spcBef>
+              <a:spcPct val="0"/>
+            </a:spcBef>
+            <a:spcAft>
+              <a:spcPct val="15000"/>
+            </a:spcAft>
+            <a:buChar char="••"/>
+          </a:pPr>
+          <a:r>
+            <a:rPr lang="en-US" sz="2900" kern="1200" dirty="0" smtClean="0"/>
+            <a:t>League of Legends</a:t>
+          </a:r>
+          <a:endParaRPr lang="en-US" sz="2900" kern="1200" dirty="0"/>
+        </a:p>
+      </dsp:txBody>
+      <dsp:txXfrm rot="-5400000">
+        <a:off x="3566160" y="2054278"/>
+        <a:ext cx="6272371" cy="1247162"/>
+      </dsp:txXfrm>
+    </dsp:sp>
+    <dsp:sp modelId="{6D5D67CC-8B0C-9D43-948E-7F27FD6D78BE}">
+      <dsp:nvSpPr>
+        <dsp:cNvPr id="0" name=""/>
+        <dsp:cNvSpPr/>
+      </dsp:nvSpPr>
+      <dsp:spPr>
+        <a:xfrm>
+          <a:off x="0" y="1814047"/>
+          <a:ext cx="3566159" cy="1727623"/>
+        </a:xfrm>
+        <a:prstGeom prst="roundRect">
+          <a:avLst/>
+        </a:prstGeom>
+        <a:gradFill rotWithShape="0">
+          <a:gsLst>
+            <a:gs pos="0">
+              <a:schemeClr val="accent1">
+                <a:hueOff val="0"/>
+                <a:satOff val="0"/>
+                <a:lumOff val="0"/>
+                <a:alphaOff val="0"/>
+                <a:tint val="94000"/>
+                <a:satMod val="105000"/>
+                <a:lumMod val="102000"/>
+              </a:schemeClr>
+            </a:gs>
+            <a:gs pos="100000">
+              <a:schemeClr val="accent1">
+                <a:hueOff val="0"/>
+                <a:satOff val="0"/>
+                <a:lumOff val="0"/>
+                <a:alphaOff val="0"/>
+                <a:shade val="74000"/>
+                <a:satMod val="128000"/>
+                <a:lumMod val="100000"/>
+              </a:schemeClr>
+            </a:gs>
+          </a:gsLst>
+          <a:lin ang="5400000" scaled="0"/>
+        </a:gradFill>
+        <a:ln>
+          <a:noFill/>
+        </a:ln>
+        <a:effectLst/>
+      </dsp:spPr>
+      <dsp:style>
+        <a:lnRef idx="0">
+          <a:scrgbClr r="0" g="0" b="0"/>
+        </a:lnRef>
+        <a:fillRef idx="3">
+          <a:scrgbClr r="0" g="0" b="0"/>
+        </a:fillRef>
+        <a:effectRef idx="2">
+          <a:scrgbClr r="0" g="0" b="0"/>
+        </a:effectRef>
+        <a:fontRef idx="minor">
+          <a:schemeClr val="lt1"/>
+        </a:fontRef>
+      </dsp:style>
+      <dsp:txBody>
+        <a:bodyPr spcFirstLastPara="0" vert="horz" wrap="square" lIns="247650" tIns="123825" rIns="247650" bIns="123825" numCol="1" spcCol="1270" anchor="ctr" anchorCtr="0">
+          <a:noAutofit/>
+        </a:bodyPr>
+        <a:lstStyle/>
+        <a:p>
+          <a:pPr lvl="0" algn="ctr" defTabSz="2889250">
+            <a:lnSpc>
+              <a:spcPct val="90000"/>
+            </a:lnSpc>
+            <a:spcBef>
+              <a:spcPct val="0"/>
+            </a:spcBef>
+            <a:spcAft>
+              <a:spcPct val="35000"/>
+            </a:spcAft>
+          </a:pPr>
+          <a:r>
+            <a:rPr lang="en-US" sz="6500" kern="1200" dirty="0" smtClean="0"/>
+            <a:t>Games</a:t>
+          </a:r>
+          <a:endParaRPr lang="en-US" sz="6500" kern="1200" dirty="0"/>
+        </a:p>
+      </dsp:txBody>
+      <dsp:txXfrm>
+        <a:off x="84336" y="1898383"/>
+        <a:ext cx="3397487" cy="1558951"/>
+      </dsp:txXfrm>
+    </dsp:sp>
+  </dsp:spTree>
+</dsp:drawing>
+</file>
+
+<file path=ppt/diagrams/drawing3.xml><?xml version="1.0" encoding="utf-8"?>
 <dsp:drawing xmlns:dgm="http://schemas.openxmlformats.org/drawingml/2006/diagram" xmlns:dsp="http://schemas.microsoft.com/office/drawing/2008/diagram" xmlns:a="http://schemas.openxmlformats.org/drawingml/2006/main">
   <dsp:spTree>
     <dsp:nvGrpSpPr>
@@ -10115,7 +12672,7 @@
 </dsp:drawing>
 </file>
 
-<file path=ppt/diagrams/drawing3.xml><?xml version="1.0" encoding="utf-8"?>
+<file path=ppt/diagrams/drawing4.xml><?xml version="1.0" encoding="utf-8"?>
 <dsp:drawing xmlns:dgm="http://schemas.openxmlformats.org/drawingml/2006/diagram" xmlns:dsp="http://schemas.microsoft.com/office/drawing/2008/diagram" xmlns:a="http://schemas.openxmlformats.org/drawingml/2006/main">
   <dsp:spTree>
     <dsp:nvGrpSpPr>
@@ -10514,7 +13071,7 @@
 </dsp:drawing>
 </file>
 
-<file path=ppt/diagrams/drawing4.xml><?xml version="1.0" encoding="utf-8"?>
+<file path=ppt/diagrams/drawing5.xml><?xml version="1.0" encoding="utf-8"?>
 <dsp:drawing xmlns:dgm="http://schemas.openxmlformats.org/drawingml/2006/diagram" xmlns:dsp="http://schemas.microsoft.com/office/drawing/2008/diagram" xmlns:a="http://schemas.openxmlformats.org/drawingml/2006/main">
   <dsp:spTree>
     <dsp:nvGrpSpPr>
@@ -10916,7 +13473,7 @@
 </dsp:drawing>
 </file>
 
-<file path=ppt/diagrams/drawing5.xml><?xml version="1.0" encoding="utf-8"?>
+<file path=ppt/diagrams/drawing6.xml><?xml version="1.0" encoding="utf-8"?>
 <dsp:drawing xmlns:dgm="http://schemas.openxmlformats.org/drawingml/2006/diagram" xmlns:dsp="http://schemas.microsoft.com/office/drawing/2008/diagram" xmlns:a="http://schemas.openxmlformats.org/drawingml/2006/main">
   <dsp:spTree>
     <dsp:nvGrpSpPr>
@@ -11308,7 +13865,7 @@
 </dsp:drawing>
 </file>
 
-<file path=ppt/diagrams/drawing6.xml><?xml version="1.0" encoding="utf-8"?>
+<file path=ppt/diagrams/drawing7.xml><?xml version="1.0" encoding="utf-8"?>
 <dsp:drawing xmlns:dgm="http://schemas.openxmlformats.org/drawingml/2006/diagram" xmlns:dsp="http://schemas.microsoft.com/office/drawing/2008/diagram" xmlns:a="http://schemas.openxmlformats.org/drawingml/2006/main">
   <dsp:spTree>
     <dsp:nvGrpSpPr>
@@ -11323,8 +13880,8 @@
       </dsp:nvSpPr>
       <dsp:spPr>
         <a:xfrm>
-          <a:off x="0" y="179712"/>
-          <a:ext cx="9906000" cy="839474"/>
+          <a:off x="0" y="154905"/>
+          <a:ext cx="9906000" cy="671580"/>
         </a:xfrm>
         <a:prstGeom prst="roundRect">
           <a:avLst/>
@@ -11365,12 +13922,12 @@
         </a:fontRef>
       </dsp:style>
       <dsp:txBody>
-        <a:bodyPr spcFirstLastPara="0" vert="horz" wrap="square" lIns="133350" tIns="133350" rIns="133350" bIns="133350" numCol="1" spcCol="1270" anchor="ctr" anchorCtr="0">
+        <a:bodyPr spcFirstLastPara="0" vert="horz" wrap="square" lIns="106680" tIns="106680" rIns="106680" bIns="106680" numCol="1" spcCol="1270" anchor="ctr" anchorCtr="0">
           <a:noAutofit/>
         </a:bodyPr>
         <a:lstStyle/>
         <a:p>
-          <a:pPr lvl="0" algn="l" defTabSz="1555750">
+          <a:pPr lvl="0" algn="l" defTabSz="1244600">
             <a:lnSpc>
               <a:spcPct val="90000"/>
             </a:lnSpc>
@@ -11382,15 +13939,23 @@
             </a:spcAft>
           </a:pPr>
           <a:r>
-            <a:rPr lang="en-US" sz="3500" kern="1200" dirty="0" smtClean="0"/>
+            <a:rPr lang="en-US" sz="2800" kern="1200" dirty="0" smtClean="0">
+              <a:solidFill>
+                <a:schemeClr val="bg1"/>
+              </a:solidFill>
+            </a:rPr>
             <a:t>VECTOR.MUTATION</a:t>
           </a:r>
-          <a:endParaRPr lang="en-US" sz="3500" kern="1200" dirty="0"/>
+          <a:endParaRPr lang="en-US" sz="2800" kern="1200" dirty="0">
+            <a:solidFill>
+              <a:schemeClr val="bg1"/>
+            </a:solidFill>
+          </a:endParaRPr>
         </a:p>
       </dsp:txBody>
       <dsp:txXfrm>
-        <a:off x="40980" y="220692"/>
-        <a:ext cx="9824040" cy="757514"/>
+        <a:off x="32784" y="187689"/>
+        <a:ext cx="9840432" cy="606012"/>
       </dsp:txXfrm>
     </dsp:sp>
     <dsp:sp modelId="{89AF1101-C155-4C72-8F3E-0B4A7B231CFA}">
@@ -11400,8 +13965,8 @@
       </dsp:nvSpPr>
       <dsp:spPr>
         <a:xfrm>
-          <a:off x="0" y="1019187"/>
-          <a:ext cx="9906000" cy="923737"/>
+          <a:off x="0" y="826486"/>
+          <a:ext cx="9906000" cy="753480"/>
         </a:xfrm>
         <a:prstGeom prst="rect">
           <a:avLst/>
@@ -11425,12 +13990,12 @@
         <a:fontRef idx="minor"/>
       </dsp:style>
       <dsp:txBody>
-        <a:bodyPr spcFirstLastPara="0" vert="horz" wrap="square" lIns="314516" tIns="44450" rIns="248920" bIns="44450" numCol="1" spcCol="1270" anchor="t" anchorCtr="0">
+        <a:bodyPr spcFirstLastPara="0" vert="horz" wrap="square" lIns="314516" tIns="35560" rIns="199136" bIns="35560" numCol="1" spcCol="1270" anchor="t" anchorCtr="0">
           <a:noAutofit/>
         </a:bodyPr>
         <a:lstStyle/>
         <a:p>
-          <a:pPr marL="228600" lvl="1" indent="-228600" algn="l" defTabSz="1200150">
+          <a:pPr marL="228600" lvl="1" indent="-228600" algn="l" defTabSz="977900">
             <a:lnSpc>
               <a:spcPct val="90000"/>
             </a:lnSpc>
@@ -11443,13 +14008,13 @@
             <a:buChar char="••"/>
           </a:pPr>
           <a:r>
-            <a:rPr lang="en-US" sz="2700" kern="1200" dirty="0" smtClean="0"/>
+            <a:rPr lang="en-US" sz="2200" kern="1200" dirty="0" smtClean="0"/>
             <a:t>Change the coefficient of a given attribute by some small amount</a:t>
           </a:r>
-          <a:endParaRPr lang="en-US" sz="2700" kern="1200" dirty="0"/>
+          <a:endParaRPr lang="en-US" sz="2200" kern="1200" dirty="0"/>
         </a:p>
         <a:p>
-          <a:pPr marL="228600" lvl="1" indent="-228600" algn="l" defTabSz="1200150">
+          <a:pPr marL="228600" lvl="1" indent="-228600" algn="l" defTabSz="977900">
             <a:lnSpc>
               <a:spcPct val="90000"/>
             </a:lnSpc>
@@ -11462,14 +14027,14 @@
             <a:buChar char="••"/>
           </a:pPr>
           <a:r>
-            <a:rPr lang="en-US" sz="2700" kern="1200" dirty="0" smtClean="0"/>
+            <a:rPr lang="en-US" sz="2200" kern="1200" dirty="0" smtClean="0"/>
             <a:t>Allows for finer tuning and changes</a:t>
           </a:r>
         </a:p>
       </dsp:txBody>
       <dsp:txXfrm>
-        <a:off x="0" y="1019187"/>
-        <a:ext cx="9906000" cy="923737"/>
+        <a:off x="0" y="826486"/>
+        <a:ext cx="9906000" cy="753480"/>
       </dsp:txXfrm>
     </dsp:sp>
     <dsp:sp modelId="{5A9A0F5B-CDD7-435F-876C-695E29093293}">
@@ -11479,8 +14044,8 @@
       </dsp:nvSpPr>
       <dsp:spPr>
         <a:xfrm>
-          <a:off x="0" y="1942924"/>
-          <a:ext cx="9906000" cy="839474"/>
+          <a:off x="0" y="1579966"/>
+          <a:ext cx="9906000" cy="671580"/>
         </a:xfrm>
         <a:prstGeom prst="roundRect">
           <a:avLst/>
@@ -11521,12 +14086,12 @@
         </a:fontRef>
       </dsp:style>
       <dsp:txBody>
-        <a:bodyPr spcFirstLastPara="0" vert="horz" wrap="square" lIns="133350" tIns="133350" rIns="133350" bIns="133350" numCol="1" spcCol="1270" anchor="ctr" anchorCtr="0">
+        <a:bodyPr spcFirstLastPara="0" vert="horz" wrap="square" lIns="106680" tIns="106680" rIns="106680" bIns="106680" numCol="1" spcCol="1270" anchor="ctr" anchorCtr="0">
           <a:noAutofit/>
         </a:bodyPr>
         <a:lstStyle/>
         <a:p>
-          <a:pPr lvl="0" algn="l" defTabSz="1555750">
+          <a:pPr lvl="0" algn="l" defTabSz="1244600">
             <a:lnSpc>
               <a:spcPct val="90000"/>
             </a:lnSpc>
@@ -11538,15 +14103,23 @@
             </a:spcAft>
           </a:pPr>
           <a:r>
-            <a:rPr lang="en-US" sz="3500" kern="1200" dirty="0" smtClean="0"/>
+            <a:rPr lang="en-US" sz="2800" kern="1200" dirty="0" smtClean="0">
+              <a:solidFill>
+                <a:srgbClr val="000000"/>
+              </a:solidFill>
+            </a:rPr>
             <a:t>VECTOR.CROSS_OVER</a:t>
           </a:r>
-          <a:endParaRPr lang="en-US" sz="3500" kern="1200" dirty="0"/>
+          <a:endParaRPr lang="en-US" sz="2800" kern="1200" dirty="0">
+            <a:solidFill>
+              <a:srgbClr val="000000"/>
+            </a:solidFill>
+          </a:endParaRPr>
         </a:p>
       </dsp:txBody>
       <dsp:txXfrm>
-        <a:off x="40980" y="1983904"/>
-        <a:ext cx="9824040" cy="757514"/>
+        <a:off x="32784" y="1612750"/>
+        <a:ext cx="9840432" cy="606012"/>
       </dsp:txXfrm>
     </dsp:sp>
     <dsp:sp modelId="{31039EFF-E573-415F-B91A-1B6232FF36DA}">
@@ -11556,8 +14129,8 @@
       </dsp:nvSpPr>
       <dsp:spPr>
         <a:xfrm>
-          <a:off x="0" y="2782399"/>
-          <a:ext cx="9906000" cy="579600"/>
+          <a:off x="0" y="2251546"/>
+          <a:ext cx="9906000" cy="463680"/>
         </a:xfrm>
         <a:prstGeom prst="rect">
           <a:avLst/>
@@ -11581,12 +14154,12 @@
         <a:fontRef idx="minor"/>
       </dsp:style>
       <dsp:txBody>
-        <a:bodyPr spcFirstLastPara="0" vert="horz" wrap="square" lIns="314516" tIns="44450" rIns="248920" bIns="44450" numCol="1" spcCol="1270" anchor="t" anchorCtr="0">
+        <a:bodyPr spcFirstLastPara="0" vert="horz" wrap="square" lIns="314516" tIns="35560" rIns="199136" bIns="35560" numCol="1" spcCol="1270" anchor="t" anchorCtr="0">
           <a:noAutofit/>
         </a:bodyPr>
         <a:lstStyle/>
         <a:p>
-          <a:pPr marL="228600" lvl="1" indent="-228600" algn="l" defTabSz="1200150">
+          <a:pPr marL="228600" lvl="1" indent="-228600" algn="l" defTabSz="977900">
             <a:lnSpc>
               <a:spcPct val="90000"/>
             </a:lnSpc>
@@ -11599,22 +14172,115 @@
             <a:buChar char="••"/>
           </a:pPr>
           <a:r>
-            <a:rPr lang="en-US" sz="2700" kern="1200" dirty="0" smtClean="0"/>
+            <a:rPr lang="en-US" sz="2200" kern="1200" dirty="0" smtClean="0"/>
             <a:t>Find the average of a coefficient given a shared modifier</a:t>
           </a:r>
-          <a:endParaRPr lang="en-US" sz="2700" kern="1200" dirty="0"/>
+          <a:endParaRPr lang="en-US" sz="2200" kern="1200" dirty="0"/>
         </a:p>
       </dsp:txBody>
       <dsp:txXfrm>
-        <a:off x="0" y="2782399"/>
-        <a:ext cx="9906000" cy="579600"/>
+        <a:off x="0" y="2251546"/>
+        <a:ext cx="9906000" cy="463680"/>
+      </dsp:txXfrm>
+    </dsp:sp>
+    <dsp:sp modelId="{923D96C0-288B-9E4C-8FBE-531D66E10A86}">
+      <dsp:nvSpPr>
+        <dsp:cNvPr id="0" name=""/>
+        <dsp:cNvSpPr/>
+      </dsp:nvSpPr>
+      <dsp:spPr>
+        <a:xfrm>
+          <a:off x="0" y="2715226"/>
+          <a:ext cx="9906000" cy="671580"/>
+        </a:xfrm>
+        <a:prstGeom prst="roundRect">
+          <a:avLst/>
+        </a:prstGeom>
+        <a:solidFill>
+          <a:schemeClr val="accent1">
+            <a:hueOff val="0"/>
+            <a:satOff val="0"/>
+            <a:lumOff val="0"/>
+            <a:alphaOff val="0"/>
+          </a:schemeClr>
+        </a:solidFill>
+        <a:ln w="15875" cap="flat" cmpd="sng" algn="ctr">
+          <a:solidFill>
+            <a:schemeClr val="lt1">
+              <a:hueOff val="0"/>
+              <a:satOff val="0"/>
+              <a:lumOff val="0"/>
+              <a:alphaOff val="0"/>
+            </a:schemeClr>
+          </a:solidFill>
+          <a:prstDash val="solid"/>
+        </a:ln>
+        <a:effectLst/>
+      </dsp:spPr>
+      <dsp:style>
+        <a:lnRef idx="2">
+          <a:scrgbClr r="0" g="0" b="0"/>
+        </a:lnRef>
+        <a:fillRef idx="1">
+          <a:scrgbClr r="0" g="0" b="0"/>
+        </a:fillRef>
+        <a:effectRef idx="0">
+          <a:scrgbClr r="0" g="0" b="0"/>
+        </a:effectRef>
+        <a:fontRef idx="minor">
+          <a:schemeClr val="lt1"/>
+        </a:fontRef>
+      </dsp:style>
+      <dsp:txBody>
+        <a:bodyPr spcFirstLastPara="0" vert="horz" wrap="square" lIns="106680" tIns="106680" rIns="106680" bIns="106680" numCol="1" spcCol="1270" anchor="ctr" anchorCtr="0">
+          <a:noAutofit/>
+        </a:bodyPr>
+        <a:lstStyle/>
+        <a:p>
+          <a:pPr lvl="0" algn="l" defTabSz="1244600">
+            <a:lnSpc>
+              <a:spcPct val="90000"/>
+            </a:lnSpc>
+            <a:spcBef>
+              <a:spcPct val="0"/>
+            </a:spcBef>
+            <a:spcAft>
+              <a:spcPct val="35000"/>
+            </a:spcAft>
+          </a:pPr>
+          <a:r>
+            <a:rPr lang="en-US" sz="2800" kern="1200" dirty="0" smtClean="0">
+              <a:solidFill>
+                <a:srgbClr val="000000"/>
+              </a:solidFill>
+            </a:rPr>
+            <a:t>Ex. Damage = (2.0 * self attack) – (1.5 * opponent’s </a:t>
+          </a:r>
+          <a:r>
+            <a:rPr lang="en-US" sz="2800" kern="1200" smtClean="0">
+              <a:solidFill>
+                <a:srgbClr val="000000"/>
+              </a:solidFill>
+            </a:rPr>
+            <a:t>defense) + 5</a:t>
+          </a:r>
+          <a:endParaRPr lang="en-US" sz="2800" kern="1200" dirty="0">
+            <a:solidFill>
+              <a:srgbClr val="000000"/>
+            </a:solidFill>
+          </a:endParaRPr>
+        </a:p>
+      </dsp:txBody>
+      <dsp:txXfrm>
+        <a:off x="32784" y="2748010"/>
+        <a:ext cx="9840432" cy="606012"/>
       </dsp:txXfrm>
     </dsp:sp>
   </dsp:spTree>
 </dsp:drawing>
 </file>
 
-<file path=ppt/diagrams/drawing7.xml><?xml version="1.0" encoding="utf-8"?>
+<file path=ppt/diagrams/drawing8.xml><?xml version="1.0" encoding="utf-8"?>
 <dsp:drawing xmlns:dgm="http://schemas.openxmlformats.org/drawingml/2006/diagram" xmlns:dsp="http://schemas.microsoft.com/office/drawing/2008/diagram" xmlns:a="http://schemas.openxmlformats.org/drawingml/2006/main">
   <dsp:spTree>
     <dsp:nvGrpSpPr>
@@ -11779,10 +14445,18 @@
             </a:spcAft>
           </a:pPr>
           <a:r>
-            <a:rPr lang="en-US" sz="3400" kern="1200" dirty="0" smtClean="0"/>
+            <a:rPr lang="en-US" sz="3400" kern="1200" dirty="0" smtClean="0">
+              <a:solidFill>
+                <a:srgbClr val="000000"/>
+              </a:solidFill>
+            </a:rPr>
             <a:t>“Mirroring” Moves</a:t>
           </a:r>
-          <a:endParaRPr lang="en-US" sz="3400" kern="1200" dirty="0"/>
+          <a:endParaRPr lang="en-US" sz="3400" kern="1200" dirty="0">
+            <a:solidFill>
+              <a:srgbClr val="000000"/>
+            </a:solidFill>
+          </a:endParaRPr>
         </a:p>
       </dsp:txBody>
       <dsp:txXfrm>
@@ -11947,10 +14621,18 @@
             </a:spcAft>
           </a:pPr>
           <a:r>
-            <a:rPr lang="en-US" sz="3400" kern="1200" dirty="0" smtClean="0"/>
+            <a:rPr lang="en-US" sz="3400" kern="1200" dirty="0" smtClean="0">
+              <a:solidFill>
+                <a:srgbClr val="000000"/>
+              </a:solidFill>
+            </a:rPr>
             <a:t>Confusing Utilities</a:t>
           </a:r>
-          <a:endParaRPr lang="en-US" sz="3400" kern="1200" dirty="0"/>
+          <a:endParaRPr lang="en-US" sz="3400" kern="1200" dirty="0">
+            <a:solidFill>
+              <a:srgbClr val="000000"/>
+            </a:solidFill>
+          </a:endParaRPr>
         </a:p>
       </dsp:txBody>
       <dsp:txXfrm>
@@ -12115,15 +14797,392 @@
             </a:spcAft>
           </a:pPr>
           <a:r>
-            <a:rPr lang="en-US" sz="3400" kern="1200" dirty="0" smtClean="0"/>
+            <a:rPr lang="en-US" sz="3400" kern="1200" dirty="0" smtClean="0">
+              <a:solidFill>
+                <a:srgbClr val="000000"/>
+              </a:solidFill>
+            </a:rPr>
             <a:t>Move Merging</a:t>
           </a:r>
-          <a:endParaRPr lang="en-US" sz="3400" kern="1200" dirty="0"/>
+          <a:endParaRPr lang="en-US" sz="3400" kern="1200" dirty="0">
+            <a:solidFill>
+              <a:srgbClr val="000000"/>
+            </a:solidFill>
+          </a:endParaRPr>
         </a:p>
       </dsp:txBody>
       <dsp:txXfrm>
         <a:off x="55717" y="2454328"/>
         <a:ext cx="3454725" cy="1029938"/>
+      </dsp:txXfrm>
+    </dsp:sp>
+  </dsp:spTree>
+</dsp:drawing>
+</file>
+
+<file path=ppt/diagrams/drawing9.xml><?xml version="1.0" encoding="utf-8"?>
+<dsp:drawing xmlns:dgm="http://schemas.openxmlformats.org/drawingml/2006/diagram" xmlns:dsp="http://schemas.microsoft.com/office/drawing/2008/diagram" xmlns:a="http://schemas.openxmlformats.org/drawingml/2006/main">
+  <dsp:spTree>
+    <dsp:nvGrpSpPr>
+      <dsp:cNvPr id="0" name=""/>
+      <dsp:cNvGrpSpPr/>
+    </dsp:nvGrpSpPr>
+    <dsp:grpSpPr/>
+    <dsp:sp modelId="{F57962A2-0320-3D4F-B361-F11EAE206643}">
+      <dsp:nvSpPr>
+        <dsp:cNvPr id="0" name=""/>
+        <dsp:cNvSpPr/>
+      </dsp:nvSpPr>
+      <dsp:spPr>
+        <a:xfrm>
+          <a:off x="0" y="43868"/>
+          <a:ext cx="9906000" cy="839474"/>
+        </a:xfrm>
+        <a:prstGeom prst="roundRect">
+          <a:avLst/>
+        </a:prstGeom>
+        <a:gradFill rotWithShape="0">
+          <a:gsLst>
+            <a:gs pos="0">
+              <a:schemeClr val="accent1">
+                <a:hueOff val="0"/>
+                <a:satOff val="0"/>
+                <a:lumOff val="0"/>
+                <a:alphaOff val="0"/>
+                <a:tint val="94000"/>
+                <a:satMod val="105000"/>
+                <a:lumMod val="102000"/>
+              </a:schemeClr>
+            </a:gs>
+            <a:gs pos="100000">
+              <a:schemeClr val="accent1">
+                <a:hueOff val="0"/>
+                <a:satOff val="0"/>
+                <a:lumOff val="0"/>
+                <a:alphaOff val="0"/>
+                <a:shade val="74000"/>
+                <a:satMod val="128000"/>
+                <a:lumMod val="100000"/>
+              </a:schemeClr>
+            </a:gs>
+          </a:gsLst>
+          <a:lin ang="5400000" scaled="0"/>
+        </a:gradFill>
+        <a:ln>
+          <a:noFill/>
+        </a:ln>
+        <a:effectLst/>
+      </dsp:spPr>
+      <dsp:style>
+        <a:lnRef idx="0">
+          <a:scrgbClr r="0" g="0" b="0"/>
+        </a:lnRef>
+        <a:fillRef idx="3">
+          <a:scrgbClr r="0" g="0" b="0"/>
+        </a:fillRef>
+        <a:effectRef idx="2">
+          <a:scrgbClr r="0" g="0" b="0"/>
+        </a:effectRef>
+        <a:fontRef idx="minor">
+          <a:schemeClr val="lt1"/>
+        </a:fontRef>
+      </dsp:style>
+      <dsp:txBody>
+        <a:bodyPr spcFirstLastPara="0" vert="horz" wrap="square" lIns="133350" tIns="133350" rIns="133350" bIns="133350" numCol="1" spcCol="1270" anchor="ctr" anchorCtr="0">
+          <a:noAutofit/>
+        </a:bodyPr>
+        <a:lstStyle/>
+        <a:p>
+          <a:pPr lvl="0" algn="l" defTabSz="1555750">
+            <a:lnSpc>
+              <a:spcPct val="90000"/>
+            </a:lnSpc>
+            <a:spcBef>
+              <a:spcPct val="0"/>
+            </a:spcBef>
+            <a:spcAft>
+              <a:spcPct val="35000"/>
+            </a:spcAft>
+          </a:pPr>
+          <a:r>
+            <a:rPr lang="en-US" sz="3500" kern="1200" dirty="0" smtClean="0">
+              <a:solidFill>
+                <a:srgbClr val="000000"/>
+              </a:solidFill>
+            </a:rPr>
+            <a:t>Short Term</a:t>
+          </a:r>
+          <a:endParaRPr lang="en-US" sz="3500" kern="1200" dirty="0">
+            <a:solidFill>
+              <a:srgbClr val="000000"/>
+            </a:solidFill>
+          </a:endParaRPr>
+        </a:p>
+      </dsp:txBody>
+      <dsp:txXfrm>
+        <a:off x="40980" y="84848"/>
+        <a:ext cx="9824040" cy="757514"/>
+      </dsp:txXfrm>
+    </dsp:sp>
+    <dsp:sp modelId="{7F072C46-BF5C-E74A-BDBA-A2316FA1CE02}">
+      <dsp:nvSpPr>
+        <dsp:cNvPr id="0" name=""/>
+        <dsp:cNvSpPr/>
+      </dsp:nvSpPr>
+      <dsp:spPr>
+        <a:xfrm>
+          <a:off x="0" y="883343"/>
+          <a:ext cx="9906000" cy="923737"/>
+        </a:xfrm>
+        <a:prstGeom prst="rect">
+          <a:avLst/>
+        </a:prstGeom>
+        <a:noFill/>
+        <a:ln>
+          <a:noFill/>
+        </a:ln>
+        <a:effectLst/>
+      </dsp:spPr>
+      <dsp:style>
+        <a:lnRef idx="0">
+          <a:scrgbClr r="0" g="0" b="0"/>
+        </a:lnRef>
+        <a:fillRef idx="0">
+          <a:scrgbClr r="0" g="0" b="0"/>
+        </a:fillRef>
+        <a:effectRef idx="0">
+          <a:scrgbClr r="0" g="0" b="0"/>
+        </a:effectRef>
+        <a:fontRef idx="minor"/>
+      </dsp:style>
+      <dsp:txBody>
+        <a:bodyPr spcFirstLastPara="0" vert="horz" wrap="square" lIns="314516" tIns="44450" rIns="248920" bIns="44450" numCol="1" spcCol="1270" anchor="t" anchorCtr="0">
+          <a:noAutofit/>
+        </a:bodyPr>
+        <a:lstStyle/>
+        <a:p>
+          <a:pPr marL="228600" lvl="1" indent="-228600" algn="l" defTabSz="1200150">
+            <a:lnSpc>
+              <a:spcPct val="90000"/>
+            </a:lnSpc>
+            <a:spcBef>
+              <a:spcPct val="0"/>
+            </a:spcBef>
+            <a:spcAft>
+              <a:spcPct val="20000"/>
+            </a:spcAft>
+            <a:buChar char="••"/>
+          </a:pPr>
+          <a:r>
+            <a:rPr lang="en-US" sz="2700" kern="1200" dirty="0" smtClean="0">
+              <a:solidFill>
+                <a:srgbClr val="FFFFFF"/>
+              </a:solidFill>
+            </a:rPr>
+            <a:t>Using more parameters</a:t>
+          </a:r>
+          <a:endParaRPr lang="en-US" sz="2700" kern="1200" dirty="0">
+            <a:solidFill>
+              <a:srgbClr val="FFFFFF"/>
+            </a:solidFill>
+          </a:endParaRPr>
+        </a:p>
+        <a:p>
+          <a:pPr marL="228600" lvl="1" indent="-228600" algn="l" defTabSz="1200150">
+            <a:lnSpc>
+              <a:spcPct val="90000"/>
+            </a:lnSpc>
+            <a:spcBef>
+              <a:spcPct val="0"/>
+            </a:spcBef>
+            <a:spcAft>
+              <a:spcPct val="20000"/>
+            </a:spcAft>
+            <a:buChar char="••"/>
+          </a:pPr>
+          <a:r>
+            <a:rPr lang="en-US" sz="2700" kern="1200" dirty="0" smtClean="0">
+              <a:solidFill>
+                <a:srgbClr val="FFFFFF"/>
+              </a:solidFill>
+            </a:rPr>
+            <a:t>Increasing attributes and types</a:t>
+          </a:r>
+          <a:endParaRPr lang="en-US" sz="2700" kern="1200" dirty="0">
+            <a:solidFill>
+              <a:srgbClr val="FFFFFF"/>
+            </a:solidFill>
+          </a:endParaRPr>
+        </a:p>
+      </dsp:txBody>
+      <dsp:txXfrm>
+        <a:off x="0" y="883343"/>
+        <a:ext cx="9906000" cy="923737"/>
+      </dsp:txXfrm>
+    </dsp:sp>
+    <dsp:sp modelId="{2E506666-F2C7-594C-88A3-1989CAFB2CE9}">
+      <dsp:nvSpPr>
+        <dsp:cNvPr id="0" name=""/>
+        <dsp:cNvSpPr/>
+      </dsp:nvSpPr>
+      <dsp:spPr>
+        <a:xfrm>
+          <a:off x="0" y="1807081"/>
+          <a:ext cx="9906000" cy="839474"/>
+        </a:xfrm>
+        <a:prstGeom prst="roundRect">
+          <a:avLst/>
+        </a:prstGeom>
+        <a:gradFill rotWithShape="0">
+          <a:gsLst>
+            <a:gs pos="0">
+              <a:schemeClr val="accent1">
+                <a:hueOff val="0"/>
+                <a:satOff val="0"/>
+                <a:lumOff val="0"/>
+                <a:alphaOff val="0"/>
+                <a:tint val="94000"/>
+                <a:satMod val="105000"/>
+                <a:lumMod val="102000"/>
+              </a:schemeClr>
+            </a:gs>
+            <a:gs pos="100000">
+              <a:schemeClr val="accent1">
+                <a:hueOff val="0"/>
+                <a:satOff val="0"/>
+                <a:lumOff val="0"/>
+                <a:alphaOff val="0"/>
+                <a:shade val="74000"/>
+                <a:satMod val="128000"/>
+                <a:lumMod val="100000"/>
+              </a:schemeClr>
+            </a:gs>
+          </a:gsLst>
+          <a:lin ang="5400000" scaled="0"/>
+        </a:gradFill>
+        <a:ln>
+          <a:noFill/>
+        </a:ln>
+        <a:effectLst/>
+      </dsp:spPr>
+      <dsp:style>
+        <a:lnRef idx="0">
+          <a:scrgbClr r="0" g="0" b="0"/>
+        </a:lnRef>
+        <a:fillRef idx="3">
+          <a:scrgbClr r="0" g="0" b="0"/>
+        </a:fillRef>
+        <a:effectRef idx="2">
+          <a:scrgbClr r="0" g="0" b="0"/>
+        </a:effectRef>
+        <a:fontRef idx="minor">
+          <a:schemeClr val="lt1"/>
+        </a:fontRef>
+      </dsp:style>
+      <dsp:txBody>
+        <a:bodyPr spcFirstLastPara="0" vert="horz" wrap="square" lIns="133350" tIns="133350" rIns="133350" bIns="133350" numCol="1" spcCol="1270" anchor="ctr" anchorCtr="0">
+          <a:noAutofit/>
+        </a:bodyPr>
+        <a:lstStyle/>
+        <a:p>
+          <a:pPr lvl="0" algn="l" defTabSz="1555750">
+            <a:lnSpc>
+              <a:spcPct val="90000"/>
+            </a:lnSpc>
+            <a:spcBef>
+              <a:spcPct val="0"/>
+            </a:spcBef>
+            <a:spcAft>
+              <a:spcPct val="35000"/>
+            </a:spcAft>
+          </a:pPr>
+          <a:r>
+            <a:rPr lang="en-US" sz="3500" kern="1200" dirty="0" smtClean="0">
+              <a:solidFill>
+                <a:srgbClr val="000000"/>
+              </a:solidFill>
+            </a:rPr>
+            <a:t>Long Term</a:t>
+          </a:r>
+          <a:endParaRPr lang="en-US" sz="3500" kern="1200" dirty="0">
+            <a:solidFill>
+              <a:srgbClr val="000000"/>
+            </a:solidFill>
+          </a:endParaRPr>
+        </a:p>
+      </dsp:txBody>
+      <dsp:txXfrm>
+        <a:off x="40980" y="1848061"/>
+        <a:ext cx="9824040" cy="757514"/>
+      </dsp:txXfrm>
+    </dsp:sp>
+    <dsp:sp modelId="{828E74BE-A4CA-DA48-94AF-69667114393F}">
+      <dsp:nvSpPr>
+        <dsp:cNvPr id="0" name=""/>
+        <dsp:cNvSpPr/>
+      </dsp:nvSpPr>
+      <dsp:spPr>
+        <a:xfrm>
+          <a:off x="0" y="2646556"/>
+          <a:ext cx="9906000" cy="851287"/>
+        </a:xfrm>
+        <a:prstGeom prst="rect">
+          <a:avLst/>
+        </a:prstGeom>
+        <a:noFill/>
+        <a:ln>
+          <a:noFill/>
+        </a:ln>
+        <a:effectLst/>
+      </dsp:spPr>
+      <dsp:style>
+        <a:lnRef idx="0">
+          <a:scrgbClr r="0" g="0" b="0"/>
+        </a:lnRef>
+        <a:fillRef idx="0">
+          <a:scrgbClr r="0" g="0" b="0"/>
+        </a:fillRef>
+        <a:effectRef idx="0">
+          <a:scrgbClr r="0" g="0" b="0"/>
+        </a:effectRef>
+        <a:fontRef idx="minor"/>
+      </dsp:style>
+      <dsp:txBody>
+        <a:bodyPr spcFirstLastPara="0" vert="horz" wrap="square" lIns="314516" tIns="44450" rIns="248920" bIns="44450" numCol="1" spcCol="1270" anchor="t" anchorCtr="0">
+          <a:noAutofit/>
+        </a:bodyPr>
+        <a:lstStyle/>
+        <a:p>
+          <a:pPr marL="228600" lvl="1" indent="-228600" algn="l" defTabSz="1200150">
+            <a:lnSpc>
+              <a:spcPct val="90000"/>
+            </a:lnSpc>
+            <a:spcBef>
+              <a:spcPct val="0"/>
+            </a:spcBef>
+            <a:spcAft>
+              <a:spcPct val="20000"/>
+            </a:spcAft>
+            <a:buChar char="••"/>
+          </a:pPr>
+          <a:r>
+            <a:rPr lang="en-US" sz="2700" kern="1200" dirty="0" smtClean="0">
+              <a:solidFill>
+                <a:schemeClr val="tx1"/>
+              </a:solidFill>
+            </a:rPr>
+            <a:t>Enhancements to Constrained Novelty Search: Two-Population Novelty Search for Generating Game Content (2013)</a:t>
+          </a:r>
+          <a:endParaRPr lang="en-US" sz="2700" kern="1200" dirty="0">
+            <a:solidFill>
+              <a:schemeClr val="tx1"/>
+            </a:solidFill>
+          </a:endParaRPr>
+        </a:p>
+      </dsp:txBody>
+      <dsp:txXfrm>
+        <a:off x="0" y="2646556"/>
+        <a:ext cx="9906000" cy="851287"/>
       </dsp:txXfrm>
     </dsp:sp>
   </dsp:spTree>
@@ -12486,6 +15545,239 @@
 </file>
 
 <file path=ppt/diagrams/layout2.xml><?xml version="1.0" encoding="utf-8"?>
+<dgm:layoutDef xmlns:dgm="http://schemas.openxmlformats.org/drawingml/2006/diagram" xmlns:a="http://schemas.openxmlformats.org/drawingml/2006/main" uniqueId="urn:microsoft.com/office/officeart/2005/8/layout/vList5">
+  <dgm:title val=""/>
+  <dgm:desc val=""/>
+  <dgm:catLst>
+    <dgm:cat type="list" pri="15000"/>
+    <dgm:cat type="convert" pri="2000"/>
+  </dgm:catLst>
+  <dgm:sampData>
+    <dgm:dataModel>
+      <dgm:ptLst>
+        <dgm:pt modelId="0" type="doc"/>
+        <dgm:pt modelId="1">
+          <dgm:prSet phldr="1"/>
+        </dgm:pt>
+        <dgm:pt modelId="11">
+          <dgm:prSet phldr="1"/>
+        </dgm:pt>
+        <dgm:pt modelId="12">
+          <dgm:prSet phldr="1"/>
+        </dgm:pt>
+        <dgm:pt modelId="2">
+          <dgm:prSet phldr="1"/>
+        </dgm:pt>
+        <dgm:pt modelId="21">
+          <dgm:prSet phldr="1"/>
+        </dgm:pt>
+        <dgm:pt modelId="22">
+          <dgm:prSet phldr="1"/>
+        </dgm:pt>
+        <dgm:pt modelId="3">
+          <dgm:prSet phldr="1"/>
+        </dgm:pt>
+        <dgm:pt modelId="31">
+          <dgm:prSet phldr="1"/>
+        </dgm:pt>
+        <dgm:pt modelId="32">
+          <dgm:prSet phldr="1"/>
+        </dgm:pt>
+      </dgm:ptLst>
+      <dgm:cxnLst>
+        <dgm:cxn modelId="4" srcId="0" destId="1" srcOrd="0" destOrd="0"/>
+        <dgm:cxn modelId="5" srcId="0" destId="2" srcOrd="1" destOrd="0"/>
+        <dgm:cxn modelId="6" srcId="0" destId="3" srcOrd="2" destOrd="0"/>
+        <dgm:cxn modelId="13" srcId="1" destId="11" srcOrd="0" destOrd="0"/>
+        <dgm:cxn modelId="14" srcId="1" destId="12" srcOrd="1" destOrd="0"/>
+        <dgm:cxn modelId="23" srcId="2" destId="21" srcOrd="0" destOrd="0"/>
+        <dgm:cxn modelId="24" srcId="2" destId="22" srcOrd="1" destOrd="0"/>
+        <dgm:cxn modelId="33" srcId="3" destId="31" srcOrd="0" destOrd="0"/>
+        <dgm:cxn modelId="34" srcId="3" destId="32" srcOrd="1" destOrd="0"/>
+      </dgm:cxnLst>
+      <dgm:bg/>
+      <dgm:whole/>
+    </dgm:dataModel>
+  </dgm:sampData>
+  <dgm:styleData>
+    <dgm:dataModel>
+      <dgm:ptLst>
+        <dgm:pt modelId="0" type="doc"/>
+        <dgm:pt modelId="1"/>
+        <dgm:pt modelId="11"/>
+        <dgm:pt modelId="2"/>
+        <dgm:pt modelId="21"/>
+      </dgm:ptLst>
+      <dgm:cxnLst>
+        <dgm:cxn modelId="4" srcId="0" destId="1" srcOrd="0" destOrd="0"/>
+        <dgm:cxn modelId="5" srcId="0" destId="2" srcOrd="1" destOrd="0"/>
+        <dgm:cxn modelId="13" srcId="1" destId="11" srcOrd="0" destOrd="0"/>
+        <dgm:cxn modelId="23" srcId="2" destId="21" srcOrd="0" destOrd="0"/>
+      </dgm:cxnLst>
+      <dgm:bg/>
+      <dgm:whole/>
+    </dgm:dataModel>
+  </dgm:styleData>
+  <dgm:clrData>
+    <dgm:dataModel>
+      <dgm:ptLst>
+        <dgm:pt modelId="0" type="doc"/>
+        <dgm:pt modelId="1"/>
+        <dgm:pt modelId="11"/>
+        <dgm:pt modelId="2"/>
+        <dgm:pt modelId="21"/>
+        <dgm:pt modelId="3"/>
+        <dgm:pt modelId="31"/>
+        <dgm:pt modelId="4"/>
+        <dgm:pt modelId="41"/>
+      </dgm:ptLst>
+      <dgm:cxnLst>
+        <dgm:cxn modelId="5" srcId="0" destId="1" srcOrd="0" destOrd="0"/>
+        <dgm:cxn modelId="6" srcId="0" destId="2" srcOrd="1" destOrd="0"/>
+        <dgm:cxn modelId="7" srcId="0" destId="3" srcOrd="2" destOrd="0"/>
+        <dgm:cxn modelId="8" srcId="0" destId="4" srcOrd="3" destOrd="0"/>
+        <dgm:cxn modelId="13" srcId="1" destId="11" srcOrd="0" destOrd="0"/>
+        <dgm:cxn modelId="23" srcId="2" destId="21" srcOrd="0" destOrd="0"/>
+        <dgm:cxn modelId="33" srcId="3" destId="31" srcOrd="0" destOrd="0"/>
+        <dgm:cxn modelId="43" srcId="4" destId="41" srcOrd="0" destOrd="0"/>
+      </dgm:cxnLst>
+      <dgm:bg/>
+      <dgm:whole/>
+    </dgm:dataModel>
+  </dgm:clrData>
+  <dgm:layoutNode name="Name0">
+    <dgm:varLst>
+      <dgm:dir/>
+      <dgm:animLvl val="lvl"/>
+      <dgm:resizeHandles val="exact"/>
+    </dgm:varLst>
+    <dgm:choose name="Name1">
+      <dgm:if name="Name2" func="var" arg="dir" op="equ" val="norm">
+        <dgm:alg type="lin">
+          <dgm:param type="linDir" val="fromT"/>
+          <dgm:param type="nodeHorzAlign" val="l"/>
+        </dgm:alg>
+      </dgm:if>
+      <dgm:else name="Name3">
+        <dgm:alg type="lin">
+          <dgm:param type="linDir" val="fromT"/>
+          <dgm:param type="nodeHorzAlign" val="r"/>
+        </dgm:alg>
+      </dgm:else>
+    </dgm:choose>
+    <dgm:shape xmlns:r="http://schemas.openxmlformats.org/officeDocument/2006/relationships" r:blip="">
+      <dgm:adjLst/>
+    </dgm:shape>
+    <dgm:presOf/>
+    <dgm:constrLst>
+      <dgm:constr type="h" for="ch" forName="linNode" refType="h"/>
+      <dgm:constr type="w" for="ch" forName="linNode" refType="w"/>
+      <dgm:constr type="h" for="ch" forName="sp" refType="h" fact="0.05"/>
+      <dgm:constr type="primFontSz" for="des" forName="parentText" op="equ" val="65"/>
+      <dgm:constr type="secFontSz" for="des" forName="descendantText" op="equ"/>
+    </dgm:constrLst>
+    <dgm:ruleLst/>
+    <dgm:forEach name="Name4" axis="ch" ptType="node">
+      <dgm:layoutNode name="linNode">
+        <dgm:choose name="Name5">
+          <dgm:if name="Name6" func="var" arg="dir" op="equ" val="norm">
+            <dgm:alg type="lin">
+              <dgm:param type="linDir" val="fromL"/>
+            </dgm:alg>
+          </dgm:if>
+          <dgm:else name="Name7">
+            <dgm:alg type="lin">
+              <dgm:param type="linDir" val="fromR"/>
+            </dgm:alg>
+          </dgm:else>
+        </dgm:choose>
+        <dgm:shape xmlns:r="http://schemas.openxmlformats.org/officeDocument/2006/relationships" r:blip="">
+          <dgm:adjLst/>
+        </dgm:shape>
+        <dgm:presOf/>
+        <dgm:constrLst>
+          <dgm:constr type="w" for="ch" forName="parentText" refType="w" fact="0.36"/>
+          <dgm:constr type="w" for="ch" forName="descendantText" refType="w" fact="0.64"/>
+          <dgm:constr type="h" for="ch" forName="parentText" refType="h"/>
+          <dgm:constr type="h" for="ch" forName="descendantText" refType="h" refFor="ch" refForName="parentText" fact="0.8"/>
+        </dgm:constrLst>
+        <dgm:ruleLst/>
+        <dgm:layoutNode name="parentText">
+          <dgm:varLst>
+            <dgm:chMax val="1"/>
+            <dgm:bulletEnabled val="1"/>
+          </dgm:varLst>
+          <dgm:alg type="tx"/>
+          <dgm:shape xmlns:r="http://schemas.openxmlformats.org/officeDocument/2006/relationships" type="roundRect" r:blip="" zOrderOff="3">
+            <dgm:adjLst/>
+          </dgm:shape>
+          <dgm:presOf axis="self" ptType="node"/>
+          <dgm:constrLst>
+            <dgm:constr type="tMarg" refType="primFontSz" fact="0.15"/>
+            <dgm:constr type="bMarg" refType="primFontSz" fact="0.15"/>
+            <dgm:constr type="lMarg" refType="primFontSz" fact="0.3"/>
+            <dgm:constr type="rMarg" refType="primFontSz" fact="0.3"/>
+          </dgm:constrLst>
+          <dgm:ruleLst>
+            <dgm:rule type="primFontSz" val="5" fact="NaN" max="NaN"/>
+          </dgm:ruleLst>
+        </dgm:layoutNode>
+        <dgm:choose name="Name8">
+          <dgm:if name="Name9" axis="ch" ptType="node" func="cnt" op="gte" val="1">
+            <dgm:layoutNode name="descendantText" styleLbl="alignAccFollowNode1">
+              <dgm:varLst>
+                <dgm:bulletEnabled val="1"/>
+              </dgm:varLst>
+              <dgm:alg type="tx">
+                <dgm:param type="stBulletLvl" val="1"/>
+                <dgm:param type="txAnchorVertCh" val="mid"/>
+              </dgm:alg>
+              <dgm:choose name="Name10">
+                <dgm:if name="Name11" func="var" arg="dir" op="equ" val="norm">
+                  <dgm:shape xmlns:r="http://schemas.openxmlformats.org/officeDocument/2006/relationships" rot="90" type="round2SameRect" r:blip="">
+                    <dgm:adjLst/>
+                  </dgm:shape>
+                </dgm:if>
+                <dgm:else name="Name12">
+                  <dgm:shape xmlns:r="http://schemas.openxmlformats.org/officeDocument/2006/relationships" rot="-90" type="round2SameRect" r:blip="">
+                    <dgm:adjLst/>
+                  </dgm:shape>
+                </dgm:else>
+              </dgm:choose>
+              <dgm:presOf axis="des" ptType="node"/>
+              <dgm:constrLst>
+                <dgm:constr type="secFontSz" val="65"/>
+                <dgm:constr type="primFontSz" refType="secFontSz"/>
+                <dgm:constr type="lMarg" refType="secFontSz" fact="0.3"/>
+                <dgm:constr type="rMarg" refType="secFontSz" fact="0.3"/>
+                <dgm:constr type="tMarg" refType="secFontSz" fact="0.15"/>
+                <dgm:constr type="bMarg" refType="secFontSz" fact="0.15"/>
+              </dgm:constrLst>
+              <dgm:ruleLst>
+                <dgm:rule type="secFontSz" val="5" fact="NaN" max="NaN"/>
+              </dgm:ruleLst>
+            </dgm:layoutNode>
+          </dgm:if>
+          <dgm:else name="Name13"/>
+        </dgm:choose>
+      </dgm:layoutNode>
+      <dgm:forEach name="Name14" axis="followSib" ptType="sibTrans" cnt="1">
+        <dgm:layoutNode name="sp">
+          <dgm:alg type="sp"/>
+          <dgm:shape xmlns:r="http://schemas.openxmlformats.org/officeDocument/2006/relationships" r:blip="">
+            <dgm:adjLst/>
+          </dgm:shape>
+          <dgm:presOf/>
+          <dgm:constrLst/>
+          <dgm:ruleLst/>
+        </dgm:layoutNode>
+      </dgm:forEach>
+    </dgm:forEach>
+  </dgm:layoutNode>
+</dgm:layoutDef>
+</file>
+
+<file path=ppt/diagrams/layout3.xml><?xml version="1.0" encoding="utf-8"?>
 <dgm:layoutDef xmlns:dgm="http://schemas.openxmlformats.org/drawingml/2006/diagram" xmlns:a="http://schemas.openxmlformats.org/drawingml/2006/main" uniqueId="urn:microsoft.com/office/officeart/2011/layout/ConvergingText">
   <dgm:title val="Converging Text"/>
   <dgm:desc val="Use to show multiple steps or parts that merge into a whole. Limited to one Level 1 shape that contains text and a maximum of five Level 2 shapes."/>
@@ -14868,7 +18160,7 @@
 </dgm:layoutDef>
 </file>
 
-<file path=ppt/diagrams/layout3.xml><?xml version="1.0" encoding="utf-8"?>
+<file path=ppt/diagrams/layout4.xml><?xml version="1.0" encoding="utf-8"?>
 <dgm:layoutDef xmlns:dgm="http://schemas.openxmlformats.org/drawingml/2006/diagram" xmlns:a="http://schemas.openxmlformats.org/drawingml/2006/main" uniqueId="urn:microsoft.com/office/officeart/2005/8/layout/equation1">
   <dgm:title val=""/>
   <dgm:desc val=""/>
@@ -15023,7 +18315,7 @@
 </dgm:layoutDef>
 </file>
 
-<file path=ppt/diagrams/layout4.xml><?xml version="1.0" encoding="utf-8"?>
+<file path=ppt/diagrams/layout5.xml><?xml version="1.0" encoding="utf-8"?>
 <dgm:layoutDef xmlns:dgm="http://schemas.openxmlformats.org/drawingml/2006/diagram" xmlns:a="http://schemas.openxmlformats.org/drawingml/2006/main" uniqueId="urn:microsoft.com/office/officeart/2005/8/layout/equation2">
   <dgm:title val=""/>
   <dgm:desc val=""/>
@@ -15288,7 +18580,7 @@
 </dgm:layoutDef>
 </file>
 
-<file path=ppt/diagrams/layout5.xml><?xml version="1.0" encoding="utf-8"?>
+<file path=ppt/diagrams/layout6.xml><?xml version="1.0" encoding="utf-8"?>
 <dgm:layoutDef xmlns:dgm="http://schemas.openxmlformats.org/drawingml/2006/diagram" xmlns:a="http://schemas.openxmlformats.org/drawingml/2006/main" uniqueId="urn:diagrams.loki3.com/BracketList">
   <dgm:title val="Vertical Bracket List"/>
   <dgm:desc val="Use to show grouped blocks of information.  Works well with large amounts of Level 2 text."/>
@@ -15493,7 +18785,7 @@
 </dgm:layoutDef>
 </file>
 
-<file path=ppt/diagrams/layout6.xml><?xml version="1.0" encoding="utf-8"?>
+<file path=ppt/diagrams/layout7.xml><?xml version="1.0" encoding="utf-8"?>
 <dgm:layoutDef xmlns:dgm="http://schemas.openxmlformats.org/drawingml/2006/diagram" xmlns:a="http://schemas.openxmlformats.org/drawingml/2006/main" uniqueId="urn:microsoft.com/office/officeart/2005/8/layout/vList2">
   <dgm:title val=""/>
   <dgm:desc val=""/>
@@ -15660,7 +18952,7 @@
 </dgm:layoutDef>
 </file>
 
-<file path=ppt/diagrams/layout7.xml><?xml version="1.0" encoding="utf-8"?>
+<file path=ppt/diagrams/layout8.xml><?xml version="1.0" encoding="utf-8"?>
 <dgm:layoutDef xmlns:dgm="http://schemas.openxmlformats.org/drawingml/2006/diagram" xmlns:a="http://schemas.openxmlformats.org/drawingml/2006/main" uniqueId="urn:microsoft.com/office/officeart/2005/8/layout/vList5">
   <dgm:title val=""/>
   <dgm:desc val=""/>
@@ -15893,6 +19185,173 @@
 </dgm:layoutDef>
 </file>
 
+<file path=ppt/diagrams/layout9.xml><?xml version="1.0" encoding="utf-8"?>
+<dgm:layoutDef xmlns:dgm="http://schemas.openxmlformats.org/drawingml/2006/diagram" xmlns:a="http://schemas.openxmlformats.org/drawingml/2006/main" uniqueId="urn:microsoft.com/office/officeart/2005/8/layout/vList2">
+  <dgm:title val=""/>
+  <dgm:desc val=""/>
+  <dgm:catLst>
+    <dgm:cat type="list" pri="3000"/>
+    <dgm:cat type="convert" pri="1000"/>
+  </dgm:catLst>
+  <dgm:sampData>
+    <dgm:dataModel>
+      <dgm:ptLst>
+        <dgm:pt modelId="0" type="doc"/>
+        <dgm:pt modelId="1">
+          <dgm:prSet phldr="1"/>
+        </dgm:pt>
+        <dgm:pt modelId="11">
+          <dgm:prSet phldr="1"/>
+        </dgm:pt>
+        <dgm:pt modelId="2">
+          <dgm:prSet phldr="1"/>
+        </dgm:pt>
+        <dgm:pt modelId="21">
+          <dgm:prSet phldr="1"/>
+        </dgm:pt>
+      </dgm:ptLst>
+      <dgm:cxnLst>
+        <dgm:cxn modelId="4" srcId="0" destId="1" srcOrd="0" destOrd="0"/>
+        <dgm:cxn modelId="5" srcId="0" destId="2" srcOrd="1" destOrd="0"/>
+        <dgm:cxn modelId="12" srcId="1" destId="11" srcOrd="0" destOrd="0"/>
+        <dgm:cxn modelId="23" srcId="2" destId="21" srcOrd="0" destOrd="0"/>
+      </dgm:cxnLst>
+      <dgm:bg/>
+      <dgm:whole/>
+    </dgm:dataModel>
+  </dgm:sampData>
+  <dgm:styleData>
+    <dgm:dataModel>
+      <dgm:ptLst>
+        <dgm:pt modelId="0" type="doc"/>
+        <dgm:pt modelId="1"/>
+        <dgm:pt modelId="2"/>
+      </dgm:ptLst>
+      <dgm:cxnLst>
+        <dgm:cxn modelId="3" srcId="0" destId="1" srcOrd="0" destOrd="0"/>
+        <dgm:cxn modelId="4" srcId="0" destId="2" srcOrd="1" destOrd="0"/>
+      </dgm:cxnLst>
+      <dgm:bg/>
+      <dgm:whole/>
+    </dgm:dataModel>
+  </dgm:styleData>
+  <dgm:clrData>
+    <dgm:dataModel>
+      <dgm:ptLst>
+        <dgm:pt modelId="0" type="doc"/>
+        <dgm:pt modelId="1"/>
+        <dgm:pt modelId="2"/>
+        <dgm:pt modelId="3"/>
+        <dgm:pt modelId="4"/>
+      </dgm:ptLst>
+      <dgm:cxnLst>
+        <dgm:cxn modelId="5" srcId="0" destId="1" srcOrd="0" destOrd="0"/>
+        <dgm:cxn modelId="6" srcId="0" destId="2" srcOrd="1" destOrd="0"/>
+        <dgm:cxn modelId="7" srcId="0" destId="3" srcOrd="2" destOrd="0"/>
+        <dgm:cxn modelId="8" srcId="0" destId="4" srcOrd="3" destOrd="0"/>
+      </dgm:cxnLst>
+      <dgm:bg/>
+      <dgm:whole/>
+    </dgm:dataModel>
+  </dgm:clrData>
+  <dgm:layoutNode name="linear">
+    <dgm:varLst>
+      <dgm:animLvl val="lvl"/>
+      <dgm:resizeHandles val="exact"/>
+    </dgm:varLst>
+    <dgm:alg type="lin">
+      <dgm:param type="linDir" val="fromT"/>
+      <dgm:param type="vertAlign" val="mid"/>
+    </dgm:alg>
+    <dgm:shape xmlns:r="http://schemas.openxmlformats.org/officeDocument/2006/relationships" r:blip="">
+      <dgm:adjLst/>
+    </dgm:shape>
+    <dgm:presOf/>
+    <dgm:constrLst>
+      <dgm:constr type="w" for="ch" forName="parentText" refType="w"/>
+      <dgm:constr type="h" for="ch" forName="parentText" refType="primFontSz" refFor="ch" refForName="parentText" fact="0.52"/>
+      <dgm:constr type="w" for="ch" forName="childText" refType="w"/>
+      <dgm:constr type="h" for="ch" forName="childText" refType="primFontSz" refFor="ch" refForName="parentText" fact="0.46"/>
+      <dgm:constr type="h" for="ch" forName="parentText" op="equ"/>
+      <dgm:constr type="primFontSz" for="ch" forName="parentText" op="equ" val="65"/>
+      <dgm:constr type="primFontSz" for="ch" forName="childText" refType="primFontSz" refFor="ch" refForName="parentText" op="equ"/>
+      <dgm:constr type="h" for="ch" forName="spacer" refType="primFontSz" refFor="ch" refForName="parentText" fact="0.08"/>
+    </dgm:constrLst>
+    <dgm:ruleLst>
+      <dgm:rule type="primFontSz" for="ch" forName="parentText" val="5" fact="NaN" max="NaN"/>
+    </dgm:ruleLst>
+    <dgm:forEach name="Name0" axis="ch" ptType="node">
+      <dgm:layoutNode name="parentText" styleLbl="node1">
+        <dgm:varLst>
+          <dgm:chMax val="0"/>
+          <dgm:bulletEnabled val="1"/>
+        </dgm:varLst>
+        <dgm:alg type="tx">
+          <dgm:param type="parTxLTRAlign" val="l"/>
+          <dgm:param type="parTxRTLAlign" val="r"/>
+        </dgm:alg>
+        <dgm:shape xmlns:r="http://schemas.openxmlformats.org/officeDocument/2006/relationships" type="roundRect" r:blip="">
+          <dgm:adjLst/>
+        </dgm:shape>
+        <dgm:presOf axis="self"/>
+        <dgm:constrLst>
+          <dgm:constr type="tMarg" refType="primFontSz" fact="0.3"/>
+          <dgm:constr type="bMarg" refType="primFontSz" fact="0.3"/>
+          <dgm:constr type="lMarg" refType="primFontSz" fact="0.3"/>
+          <dgm:constr type="rMarg" refType="primFontSz" fact="0.3"/>
+        </dgm:constrLst>
+        <dgm:ruleLst>
+          <dgm:rule type="h" val="INF" fact="NaN" max="NaN"/>
+        </dgm:ruleLst>
+      </dgm:layoutNode>
+      <dgm:choose name="Name1">
+        <dgm:if name="Name2" axis="ch" ptType="node" func="cnt" op="gte" val="1">
+          <dgm:layoutNode name="childText" styleLbl="revTx">
+            <dgm:varLst>
+              <dgm:bulletEnabled val="1"/>
+            </dgm:varLst>
+            <dgm:alg type="tx">
+              <dgm:param type="stBulletLvl" val="1"/>
+              <dgm:param type="lnSpAfChP" val="20"/>
+            </dgm:alg>
+            <dgm:shape xmlns:r="http://schemas.openxmlformats.org/officeDocument/2006/relationships" type="rect" r:blip="">
+              <dgm:adjLst/>
+            </dgm:shape>
+            <dgm:presOf axis="des" ptType="node"/>
+            <dgm:constrLst>
+              <dgm:constr type="tMarg" refType="primFontSz" fact="0.1"/>
+              <dgm:constr type="bMarg" refType="primFontSz" fact="0.1"/>
+              <dgm:constr type="lMarg" refType="w" fact="0.09"/>
+            </dgm:constrLst>
+            <dgm:ruleLst>
+              <dgm:rule type="h" val="INF" fact="NaN" max="NaN"/>
+            </dgm:ruleLst>
+          </dgm:layoutNode>
+        </dgm:if>
+        <dgm:else name="Name3">
+          <dgm:choose name="Name4">
+            <dgm:if name="Name5" axis="par ch" ptType="doc node" func="cnt" op="gte" val="2">
+              <dgm:forEach name="Name6" axis="followSib" ptType="sibTrans" cnt="1">
+                <dgm:layoutNode name="spacer">
+                  <dgm:alg type="sp"/>
+                  <dgm:shape xmlns:r="http://schemas.openxmlformats.org/officeDocument/2006/relationships" r:blip="">
+                    <dgm:adjLst/>
+                  </dgm:shape>
+                  <dgm:presOf/>
+                  <dgm:constrLst/>
+                  <dgm:ruleLst/>
+                </dgm:layoutNode>
+              </dgm:forEach>
+            </dgm:if>
+            <dgm:else name="Name7"/>
+          </dgm:choose>
+        </dgm:else>
+      </dgm:choose>
+    </dgm:forEach>
+  </dgm:layoutNode>
+</dgm:layoutDef>
+</file>
+
 <file path=ppt/diagrams/quickStyle1.xml><?xml version="1.0" encoding="utf-8"?>
 <dgm:styleDef xmlns:dgm="http://schemas.openxmlformats.org/drawingml/2006/diagram" xmlns:a="http://schemas.openxmlformats.org/drawingml/2006/main" uniqueId="urn:microsoft.com/office/officeart/2005/8/quickstyle/simple1">
   <dgm:title val=""/>
@@ -16928,11 +20387,11 @@
 </file>
 
 <file path=ppt/diagrams/quickStyle2.xml><?xml version="1.0" encoding="utf-8"?>
-<dgm:styleDef xmlns:dgm="http://schemas.openxmlformats.org/drawingml/2006/diagram" xmlns:a="http://schemas.openxmlformats.org/drawingml/2006/main" uniqueId="urn:microsoft.com/office/officeart/2005/8/quickstyle/simple1">
+<dgm:styleDef xmlns:dgm="http://schemas.openxmlformats.org/drawingml/2006/diagram" xmlns:a="http://schemas.openxmlformats.org/drawingml/2006/main" uniqueId="urn:microsoft.com/office/officeart/2005/8/quickstyle/simple4">
   <dgm:title val=""/>
   <dgm:desc val=""/>
   <dgm:catLst>
-    <dgm:cat type="simple" pri="10100"/>
+    <dgm:cat type="simple" pri="10400"/>
   </dgm:catLst>
   <dgm:scene3d>
     <a:camera prst="orthographicFront"/>
@@ -16946,13 +20405,13 @@
     <dgm:sp3d/>
     <dgm:txPr/>
     <dgm:style>
-      <a:lnRef idx="2">
-        <a:scrgbClr r="0" g="0" b="0"/>
-      </a:lnRef>
-      <a:fillRef idx="1">
-        <a:scrgbClr r="0" g="0" b="0"/>
-      </a:fillRef>
-      <a:effectRef idx="0">
+      <a:lnRef idx="0">
+        <a:scrgbClr r="0" g="0" b="0"/>
+      </a:lnRef>
+      <a:fillRef idx="3">
+        <a:scrgbClr r="0" g="0" b="0"/>
+      </a:fillRef>
+      <a:effectRef idx="2">
         <a:scrgbClr r="0" g="0" b="0"/>
       </a:effectRef>
       <a:fontRef idx="minor">
@@ -16968,13 +20427,13 @@
     <dgm:sp3d/>
     <dgm:txPr/>
     <dgm:style>
-      <a:lnRef idx="2">
-        <a:scrgbClr r="0" g="0" b="0"/>
-      </a:lnRef>
-      <a:fillRef idx="1">
-        <a:scrgbClr r="0" g="0" b="0"/>
-      </a:fillRef>
-      <a:effectRef idx="0">
+      <a:lnRef idx="1">
+        <a:scrgbClr r="0" g="0" b="0"/>
+      </a:lnRef>
+      <a:fillRef idx="3">
+        <a:scrgbClr r="0" g="0" b="0"/>
+      </a:fillRef>
+      <a:effectRef idx="2">
         <a:scrgbClr r="0" g="0" b="0"/>
       </a:effectRef>
       <a:fontRef idx="minor">
@@ -16990,10 +20449,10 @@
     <dgm:sp3d/>
     <dgm:txPr/>
     <dgm:style>
-      <a:lnRef idx="2">
-        <a:scrgbClr r="0" g="0" b="0"/>
-      </a:lnRef>
-      <a:fillRef idx="1">
+      <a:lnRef idx="0">
+        <a:scrgbClr r="0" g="0" b="0"/>
+      </a:lnRef>
+      <a:fillRef idx="3">
         <a:scrgbClr r="0" g="0" b="0"/>
       </a:fillRef>
       <a:effectRef idx="0">
@@ -17012,13 +20471,13 @@
     <dgm:sp3d/>
     <dgm:txPr/>
     <dgm:style>
-      <a:lnRef idx="2">
-        <a:scrgbClr r="0" g="0" b="0"/>
-      </a:lnRef>
-      <a:fillRef idx="1">
-        <a:scrgbClr r="0" g="0" b="0"/>
-      </a:fillRef>
-      <a:effectRef idx="0">
+      <a:lnRef idx="1">
+        <a:scrgbClr r="0" g="0" b="0"/>
+      </a:lnRef>
+      <a:fillRef idx="3">
+        <a:scrgbClr r="0" g="0" b="0"/>
+      </a:fillRef>
+      <a:effectRef idx="2">
         <a:scrgbClr r="0" g="0" b="0"/>
       </a:effectRef>
       <a:fontRef idx="minor">
@@ -17034,13 +20493,13 @@
     <dgm:sp3d/>
     <dgm:txPr/>
     <dgm:style>
-      <a:lnRef idx="2">
-        <a:scrgbClr r="0" g="0" b="0"/>
-      </a:lnRef>
-      <a:fillRef idx="1">
-        <a:scrgbClr r="0" g="0" b="0"/>
-      </a:fillRef>
-      <a:effectRef idx="0">
+      <a:lnRef idx="0">
+        <a:scrgbClr r="0" g="0" b="0"/>
+      </a:lnRef>
+      <a:fillRef idx="3">
+        <a:scrgbClr r="0" g="0" b="0"/>
+      </a:fillRef>
+      <a:effectRef idx="2">
         <a:scrgbClr r="0" g="0" b="0"/>
       </a:effectRef>
       <a:fontRef idx="minor">
@@ -17056,13 +20515,13 @@
     <dgm:sp3d/>
     <dgm:txPr/>
     <dgm:style>
-      <a:lnRef idx="2">
-        <a:scrgbClr r="0" g="0" b="0"/>
-      </a:lnRef>
-      <a:fillRef idx="1">
-        <a:scrgbClr r="0" g="0" b="0"/>
-      </a:fillRef>
-      <a:effectRef idx="0">
+      <a:lnRef idx="0">
+        <a:scrgbClr r="0" g="0" b="0"/>
+      </a:lnRef>
+      <a:fillRef idx="3">
+        <a:scrgbClr r="0" g="0" b="0"/>
+      </a:fillRef>
+      <a:effectRef idx="2">
         <a:scrgbClr r="0" g="0" b="0"/>
       </a:effectRef>
       <a:fontRef idx="minor">
@@ -17078,13 +20537,13 @@
     <dgm:sp3d/>
     <dgm:txPr/>
     <dgm:style>
-      <a:lnRef idx="2">
-        <a:scrgbClr r="0" g="0" b="0"/>
-      </a:lnRef>
-      <a:fillRef idx="1">
-        <a:scrgbClr r="0" g="0" b="0"/>
-      </a:fillRef>
-      <a:effectRef idx="0">
+      <a:lnRef idx="0">
+        <a:scrgbClr r="0" g="0" b="0"/>
+      </a:lnRef>
+      <a:fillRef idx="3">
+        <a:scrgbClr r="0" g="0" b="0"/>
+      </a:fillRef>
+      <a:effectRef idx="2">
         <a:scrgbClr r="0" g="0" b="0"/>
       </a:effectRef>
       <a:fontRef idx="minor">
@@ -17100,13 +20559,13 @@
     <dgm:sp3d/>
     <dgm:txPr/>
     <dgm:style>
-      <a:lnRef idx="2">
-        <a:scrgbClr r="0" g="0" b="0"/>
-      </a:lnRef>
-      <a:fillRef idx="1">
-        <a:scrgbClr r="0" g="0" b="0"/>
-      </a:fillRef>
-      <a:effectRef idx="0">
+      <a:lnRef idx="0">
+        <a:scrgbClr r="0" g="0" b="0"/>
+      </a:lnRef>
+      <a:fillRef idx="3">
+        <a:scrgbClr r="0" g="0" b="0"/>
+      </a:fillRef>
+      <a:effectRef idx="2">
         <a:scrgbClr r="0" g="0" b="0"/>
       </a:effectRef>
       <a:fontRef idx="minor">
@@ -17122,13 +20581,13 @@
     <dgm:sp3d/>
     <dgm:txPr/>
     <dgm:style>
-      <a:lnRef idx="2">
+      <a:lnRef idx="0">
         <a:scrgbClr r="0" g="0" b="0"/>
       </a:lnRef>
       <a:fillRef idx="1">
         <a:scrgbClr r="0" g="0" b="0"/>
       </a:fillRef>
-      <a:effectRef idx="0">
+      <a:effectRef idx="2">
         <a:scrgbClr r="0" g="0" b="0"/>
       </a:effectRef>
       <a:fontRef idx="minor"/>
@@ -17142,13 +20601,13 @@
     <dgm:sp3d/>
     <dgm:txPr/>
     <dgm:style>
-      <a:lnRef idx="2">
+      <a:lnRef idx="0">
         <a:scrgbClr r="0" g="0" b="0"/>
       </a:lnRef>
       <a:fillRef idx="1">
         <a:scrgbClr r="0" g="0" b="0"/>
       </a:fillRef>
-      <a:effectRef idx="0">
+      <a:effectRef idx="2">
         <a:scrgbClr r="0" g="0" b="0"/>
       </a:effectRef>
       <a:fontRef idx="minor"/>
@@ -17162,13 +20621,13 @@
     <dgm:sp3d/>
     <dgm:txPr/>
     <dgm:style>
-      <a:lnRef idx="2">
+      <a:lnRef idx="0">
         <a:scrgbClr r="0" g="0" b="0"/>
       </a:lnRef>
       <a:fillRef idx="1">
         <a:scrgbClr r="0" g="0" b="0"/>
       </a:fillRef>
-      <a:effectRef idx="0">
+      <a:effectRef idx="2">
         <a:scrgbClr r="0" g="0" b="0"/>
       </a:effectRef>
       <a:fontRef idx="minor"/>
@@ -17185,10 +20644,10 @@
       <a:lnRef idx="0">
         <a:scrgbClr r="0" g="0" b="0"/>
       </a:lnRef>
-      <a:fillRef idx="1">
-        <a:scrgbClr r="0" g="0" b="0"/>
-      </a:fillRef>
-      <a:effectRef idx="0">
+      <a:fillRef idx="3">
+        <a:scrgbClr r="0" g="0" b="0"/>
+      </a:fillRef>
+      <a:effectRef idx="2">
         <a:scrgbClr r="0" g="0" b="0"/>
       </a:effectRef>
       <a:fontRef idx="minor">
@@ -17207,10 +20666,10 @@
       <a:lnRef idx="0">
         <a:scrgbClr r="0" g="0" b="0"/>
       </a:lnRef>
-      <a:fillRef idx="1">
-        <a:scrgbClr r="0" g="0" b="0"/>
-      </a:fillRef>
-      <a:effectRef idx="0">
+      <a:fillRef idx="3">
+        <a:scrgbClr r="0" g="0" b="0"/>
+      </a:fillRef>
+      <a:effectRef idx="2">
         <a:scrgbClr r="0" g="0" b="0"/>
       </a:effectRef>
       <a:fontRef idx="minor">
@@ -17229,10 +20688,10 @@
       <a:lnRef idx="0">
         <a:scrgbClr r="0" g="0" b="0"/>
       </a:lnRef>
-      <a:fillRef idx="1">
-        <a:scrgbClr r="0" g="0" b="0"/>
-      </a:fillRef>
-      <a:effectRef idx="0">
+      <a:fillRef idx="3">
+        <a:scrgbClr r="0" g="0" b="0"/>
+      </a:fillRef>
+      <a:effectRef idx="2">
         <a:scrgbClr r="0" g="0" b="0"/>
       </a:effectRef>
       <a:fontRef idx="minor">
@@ -17274,7 +20733,7 @@
       <a:fillRef idx="1">
         <a:scrgbClr r="0" g="0" b="0"/>
       </a:fillRef>
-      <a:effectRef idx="0">
+      <a:effectRef idx="1">
         <a:scrgbClr r="0" g="0" b="0"/>
       </a:effectRef>
       <a:fontRef idx="minor"/>
@@ -17288,13 +20747,13 @@
     <dgm:sp3d/>
     <dgm:txPr/>
     <dgm:style>
-      <a:lnRef idx="2">
-        <a:scrgbClr r="0" g="0" b="0"/>
-      </a:lnRef>
-      <a:fillRef idx="1">
-        <a:scrgbClr r="0" g="0" b="0"/>
-      </a:fillRef>
-      <a:effectRef idx="0">
+      <a:lnRef idx="0">
+        <a:scrgbClr r="0" g="0" b="0"/>
+      </a:lnRef>
+      <a:fillRef idx="3">
+        <a:scrgbClr r="0" g="0" b="0"/>
+      </a:fillRef>
+      <a:effectRef idx="2">
         <a:scrgbClr r="0" g="0" b="0"/>
       </a:effectRef>
       <a:fontRef idx="minor">
@@ -17310,13 +20769,13 @@
     <dgm:sp3d/>
     <dgm:txPr/>
     <dgm:style>
-      <a:lnRef idx="2">
-        <a:scrgbClr r="0" g="0" b="0"/>
-      </a:lnRef>
-      <a:fillRef idx="1">
-        <a:scrgbClr r="0" g="0" b="0"/>
-      </a:fillRef>
-      <a:effectRef idx="0">
+      <a:lnRef idx="0">
+        <a:scrgbClr r="0" g="0" b="0"/>
+      </a:lnRef>
+      <a:fillRef idx="3">
+        <a:scrgbClr r="0" g="0" b="0"/>
+      </a:fillRef>
+      <a:effectRef idx="2">
         <a:scrgbClr r="0" g="0" b="0"/>
       </a:effectRef>
       <a:fontRef idx="minor">
@@ -17332,13 +20791,13 @@
     <dgm:sp3d/>
     <dgm:txPr/>
     <dgm:style>
-      <a:lnRef idx="2">
-        <a:scrgbClr r="0" g="0" b="0"/>
-      </a:lnRef>
-      <a:fillRef idx="1">
-        <a:scrgbClr r="0" g="0" b="0"/>
-      </a:fillRef>
-      <a:effectRef idx="0">
+      <a:lnRef idx="0">
+        <a:scrgbClr r="0" g="0" b="0"/>
+      </a:lnRef>
+      <a:fillRef idx="3">
+        <a:scrgbClr r="0" g="0" b="0"/>
+      </a:fillRef>
+      <a:effectRef idx="2">
         <a:scrgbClr r="0" g="0" b="0"/>
       </a:effectRef>
       <a:fontRef idx="minor">
@@ -17354,13 +20813,13 @@
     <dgm:sp3d/>
     <dgm:txPr/>
     <dgm:style>
-      <a:lnRef idx="2">
-        <a:scrgbClr r="0" g="0" b="0"/>
-      </a:lnRef>
-      <a:fillRef idx="1">
-        <a:scrgbClr r="0" g="0" b="0"/>
-      </a:fillRef>
-      <a:effectRef idx="0">
+      <a:lnRef idx="0">
+        <a:scrgbClr r="0" g="0" b="0"/>
+      </a:lnRef>
+      <a:fillRef idx="3">
+        <a:scrgbClr r="0" g="0" b="0"/>
+      </a:fillRef>
+      <a:effectRef idx="2">
         <a:scrgbClr r="0" g="0" b="0"/>
       </a:effectRef>
       <a:fontRef idx="minor">
@@ -17376,13 +20835,13 @@
     <dgm:sp3d/>
     <dgm:txPr/>
     <dgm:style>
-      <a:lnRef idx="2">
-        <a:scrgbClr r="0" g="0" b="0"/>
-      </a:lnRef>
-      <a:fillRef idx="1">
-        <a:scrgbClr r="0" g="0" b="0"/>
-      </a:fillRef>
-      <a:effectRef idx="0">
+      <a:lnRef idx="0">
+        <a:scrgbClr r="0" g="0" b="0"/>
+      </a:lnRef>
+      <a:fillRef idx="3">
+        <a:scrgbClr r="0" g="0" b="0"/>
+      </a:fillRef>
+      <a:effectRef idx="2">
         <a:scrgbClr r="0" g="0" b="0"/>
       </a:effectRef>
       <a:fontRef idx="minor">
@@ -17398,13 +20857,13 @@
     <dgm:sp3d/>
     <dgm:txPr/>
     <dgm:style>
-      <a:lnRef idx="2">
-        <a:scrgbClr r="0" g="0" b="0"/>
-      </a:lnRef>
-      <a:fillRef idx="1">
-        <a:scrgbClr r="0" g="0" b="0"/>
-      </a:fillRef>
-      <a:effectRef idx="0">
+      <a:lnRef idx="0">
+        <a:scrgbClr r="0" g="0" b="0"/>
+      </a:lnRef>
+      <a:fillRef idx="3">
+        <a:scrgbClr r="0" g="0" b="0"/>
+      </a:fillRef>
+      <a:effectRef idx="2">
         <a:scrgbClr r="0" g="0" b="0"/>
       </a:effectRef>
       <a:fontRef idx="minor">
@@ -17420,13 +20879,13 @@
     <dgm:sp3d/>
     <dgm:txPr/>
     <dgm:style>
-      <a:lnRef idx="2">
-        <a:scrgbClr r="0" g="0" b="0"/>
-      </a:lnRef>
-      <a:fillRef idx="1">
-        <a:scrgbClr r="0" g="0" b="0"/>
-      </a:fillRef>
-      <a:effectRef idx="0">
+      <a:lnRef idx="0">
+        <a:scrgbClr r="0" g="0" b="0"/>
+      </a:lnRef>
+      <a:fillRef idx="3">
+        <a:scrgbClr r="0" g="0" b="0"/>
+      </a:fillRef>
+      <a:effectRef idx="2">
         <a:scrgbClr r="0" g="0" b="0"/>
       </a:effectRef>
       <a:fontRef idx="minor">
@@ -17442,13 +20901,13 @@
     <dgm:sp3d/>
     <dgm:txPr/>
     <dgm:style>
-      <a:lnRef idx="2">
-        <a:scrgbClr r="0" g="0" b="0"/>
-      </a:lnRef>
-      <a:fillRef idx="1">
-        <a:scrgbClr r="0" g="0" b="0"/>
-      </a:fillRef>
-      <a:effectRef idx="0">
+      <a:lnRef idx="1">
+        <a:scrgbClr r="0" g="0" b="0"/>
+      </a:lnRef>
+      <a:fillRef idx="3">
+        <a:scrgbClr r="0" g="0" b="0"/>
+      </a:fillRef>
+      <a:effectRef idx="2">
         <a:scrgbClr r="0" g="0" b="0"/>
       </a:effectRef>
       <a:fontRef idx="minor">
@@ -17464,13 +20923,13 @@
     <dgm:sp3d/>
     <dgm:txPr/>
     <dgm:style>
-      <a:lnRef idx="2">
-        <a:scrgbClr r="0" g="0" b="0"/>
-      </a:lnRef>
-      <a:fillRef idx="1">
-        <a:scrgbClr r="0" g="0" b="0"/>
-      </a:fillRef>
-      <a:effectRef idx="0">
+      <a:lnRef idx="1">
+        <a:scrgbClr r="0" g="0" b="0"/>
+      </a:lnRef>
+      <a:fillRef idx="3">
+        <a:scrgbClr r="0" g="0" b="0"/>
+      </a:fillRef>
+      <a:effectRef idx="2">
         <a:scrgbClr r="0" g="0" b="0"/>
       </a:effectRef>
       <a:fontRef idx="minor">
@@ -17486,7 +20945,7 @@
     <dgm:sp3d/>
     <dgm:txPr/>
     <dgm:style>
-      <a:lnRef idx="2">
+      <a:lnRef idx="1">
         <a:scrgbClr r="0" g="0" b="0"/>
       </a:lnRef>
       <a:fillRef idx="0">
@@ -17506,7 +20965,7 @@
     <dgm:sp3d/>
     <dgm:txPr/>
     <dgm:style>
-      <a:lnRef idx="2">
+      <a:lnRef idx="1">
         <a:scrgbClr r="0" g="0" b="0"/>
       </a:lnRef>
       <a:fillRef idx="0">
@@ -17526,7 +20985,7 @@
     <dgm:sp3d/>
     <dgm:txPr/>
     <dgm:style>
-      <a:lnRef idx="2">
+      <a:lnRef idx="1">
         <a:scrgbClr r="0" g="0" b="0"/>
       </a:lnRef>
       <a:fillRef idx="0">
@@ -17546,7 +21005,7 @@
     <dgm:sp3d/>
     <dgm:txPr/>
     <dgm:style>
-      <a:lnRef idx="2">
+      <a:lnRef idx="1">
         <a:scrgbClr r="0" g="0" b="0"/>
       </a:lnRef>
       <a:fillRef idx="0">
@@ -17566,7 +21025,7 @@
     <dgm:sp3d/>
     <dgm:txPr/>
     <dgm:style>
-      <a:lnRef idx="2">
+      <a:lnRef idx="1">
         <a:scrgbClr r="0" g="0" b="0"/>
       </a:lnRef>
       <a:fillRef idx="1">
@@ -17586,7 +21045,7 @@
     <dgm:sp3d/>
     <dgm:txPr/>
     <dgm:style>
-      <a:lnRef idx="2">
+      <a:lnRef idx="1">
         <a:scrgbClr r="0" g="0" b="0"/>
       </a:lnRef>
       <a:fillRef idx="1">
@@ -17606,7 +21065,7 @@
     <dgm:sp3d/>
     <dgm:txPr/>
     <dgm:style>
-      <a:lnRef idx="2">
+      <a:lnRef idx="1">
         <a:scrgbClr r="0" g="0" b="0"/>
       </a:lnRef>
       <a:fillRef idx="1">
@@ -17646,7 +21105,7 @@
     <dgm:sp3d/>
     <dgm:txPr/>
     <dgm:style>
-      <a:lnRef idx="2">
+      <a:lnRef idx="1">
         <a:scrgbClr r="0" g="0" b="0"/>
       </a:lnRef>
       <a:fillRef idx="1">
@@ -17666,7 +21125,7 @@
     <dgm:sp3d/>
     <dgm:txPr/>
     <dgm:style>
-      <a:lnRef idx="2">
+      <a:lnRef idx="1">
         <a:scrgbClr r="0" g="0" b="0"/>
       </a:lnRef>
       <a:fillRef idx="1">
@@ -17686,7 +21145,7 @@
     <dgm:sp3d/>
     <dgm:txPr/>
     <dgm:style>
-      <a:lnRef idx="2">
+      <a:lnRef idx="1">
         <a:scrgbClr r="0" g="0" b="0"/>
       </a:lnRef>
       <a:fillRef idx="1">
@@ -17706,7 +21165,7 @@
     <dgm:sp3d/>
     <dgm:txPr/>
     <dgm:style>
-      <a:lnRef idx="2">
+      <a:lnRef idx="1">
         <a:scrgbClr r="0" g="0" b="0"/>
       </a:lnRef>
       <a:fillRef idx="1">
@@ -17726,7 +21185,7 @@
     <dgm:sp3d/>
     <dgm:txPr/>
     <dgm:style>
-      <a:lnRef idx="2">
+      <a:lnRef idx="1">
         <a:scrgbClr r="0" g="0" b="0"/>
       </a:lnRef>
       <a:fillRef idx="1">
@@ -17746,7 +21205,7 @@
     <dgm:sp3d/>
     <dgm:txPr/>
     <dgm:style>
-      <a:lnRef idx="2">
+      <a:lnRef idx="1">
         <a:scrgbClr r="0" g="0" b="0"/>
       </a:lnRef>
       <a:fillRef idx="1">
@@ -17766,7 +21225,7 @@
     <dgm:sp3d/>
     <dgm:txPr/>
     <dgm:style>
-      <a:lnRef idx="2">
+      <a:lnRef idx="1">
         <a:scrgbClr r="0" g="0" b="0"/>
       </a:lnRef>
       <a:fillRef idx="1">
@@ -17786,7 +21245,7 @@
     <dgm:sp3d/>
     <dgm:txPr/>
     <dgm:style>
-      <a:lnRef idx="2">
+      <a:lnRef idx="1">
         <a:scrgbClr r="0" g="0" b="0"/>
       </a:lnRef>
       <a:fillRef idx="1">
@@ -17806,7 +21265,7 @@
     <dgm:sp3d/>
     <dgm:txPr/>
     <dgm:style>
-      <a:lnRef idx="2">
+      <a:lnRef idx="1">
         <a:scrgbClr r="0" g="0" b="0"/>
       </a:lnRef>
       <a:fillRef idx="1">
@@ -17826,7 +21285,7 @@
     <dgm:sp3d/>
     <dgm:txPr/>
     <dgm:style>
-      <a:lnRef idx="2">
+      <a:lnRef idx="1">
         <a:scrgbClr r="0" g="0" b="0"/>
       </a:lnRef>
       <a:fillRef idx="1">
@@ -17846,7 +21305,7 @@
     <dgm:sp3d/>
     <dgm:txPr/>
     <dgm:style>
-      <a:lnRef idx="2">
+      <a:lnRef idx="1">
         <a:scrgbClr r="0" g="0" b="0"/>
       </a:lnRef>
       <a:fillRef idx="1">
@@ -17872,13 +21331,53 @@
       <a:fillRef idx="1">
         <a:scrgbClr r="0" g="0" b="0"/>
       </a:fillRef>
+      <a:effectRef idx="2">
+        <a:scrgbClr r="0" g="0" b="0"/>
+      </a:effectRef>
+      <a:fontRef idx="minor"/>
+    </dgm:style>
+  </dgm:styleLbl>
+  <dgm:styleLbl name="dkBgShp">
+    <dgm:scene3d>
+      <a:camera prst="orthographicFront"/>
+      <a:lightRig rig="threePt" dir="t"/>
+    </dgm:scene3d>
+    <dgm:sp3d/>
+    <dgm:txPr/>
+    <dgm:style>
+      <a:lnRef idx="0">
+        <a:scrgbClr r="0" g="0" b="0"/>
+      </a:lnRef>
+      <a:fillRef idx="1">
+        <a:scrgbClr r="0" g="0" b="0"/>
+      </a:fillRef>
+      <a:effectRef idx="2">
+        <a:scrgbClr r="0" g="0" b="0"/>
+      </a:effectRef>
+      <a:fontRef idx="minor"/>
+    </dgm:style>
+  </dgm:styleLbl>
+  <dgm:styleLbl name="trBgShp">
+    <dgm:scene3d>
+      <a:camera prst="orthographicFront"/>
+      <a:lightRig rig="threePt" dir="t"/>
+    </dgm:scene3d>
+    <dgm:sp3d/>
+    <dgm:txPr/>
+    <dgm:style>
+      <a:lnRef idx="0">
+        <a:scrgbClr r="0" g="0" b="0"/>
+      </a:lnRef>
+      <a:fillRef idx="1">
+        <a:scrgbClr r="0" g="0" b="0"/>
+      </a:fillRef>
       <a:effectRef idx="0">
         <a:scrgbClr r="0" g="0" b="0"/>
       </a:effectRef>
       <a:fontRef idx="minor"/>
     </dgm:style>
   </dgm:styleLbl>
-  <dgm:styleLbl name="dkBgShp">
+  <dgm:styleLbl name="fgShp">
     <dgm:scene3d>
       <a:camera prst="orthographicFront"/>
       <a:lightRig rig="threePt" dir="t"/>
@@ -17889,50 +21388,10 @@
       <a:lnRef idx="0">
         <a:scrgbClr r="0" g="0" b="0"/>
       </a:lnRef>
-      <a:fillRef idx="1">
-        <a:scrgbClr r="0" g="0" b="0"/>
-      </a:fillRef>
-      <a:effectRef idx="0">
-        <a:scrgbClr r="0" g="0" b="0"/>
-      </a:effectRef>
-      <a:fontRef idx="minor"/>
-    </dgm:style>
-  </dgm:styleLbl>
-  <dgm:styleLbl name="trBgShp">
-    <dgm:scene3d>
-      <a:camera prst="orthographicFront"/>
-      <a:lightRig rig="threePt" dir="t"/>
-    </dgm:scene3d>
-    <dgm:sp3d/>
-    <dgm:txPr/>
-    <dgm:style>
-      <a:lnRef idx="0">
-        <a:scrgbClr r="0" g="0" b="0"/>
-      </a:lnRef>
-      <a:fillRef idx="1">
-        <a:scrgbClr r="0" g="0" b="0"/>
-      </a:fillRef>
-      <a:effectRef idx="0">
-        <a:scrgbClr r="0" g="0" b="0"/>
-      </a:effectRef>
-      <a:fontRef idx="minor"/>
-    </dgm:style>
-  </dgm:styleLbl>
-  <dgm:styleLbl name="fgShp">
-    <dgm:scene3d>
-      <a:camera prst="orthographicFront"/>
-      <a:lightRig rig="threePt" dir="t"/>
-    </dgm:scene3d>
-    <dgm:sp3d/>
-    <dgm:txPr/>
-    <dgm:style>
-      <a:lnRef idx="2">
-        <a:scrgbClr r="0" g="0" b="0"/>
-      </a:lnRef>
-      <a:fillRef idx="1">
-        <a:scrgbClr r="0" g="0" b="0"/>
-      </a:fillRef>
-      <a:effectRef idx="0">
+      <a:fillRef idx="3">
+        <a:scrgbClr r="0" g="0" b="0"/>
+      </a:fillRef>
+      <a:effectRef idx="2">
         <a:scrgbClr r="0" g="0" b="0"/>
       </a:effectRef>
       <a:fontRef idx="minor"/>
@@ -22098,6 +25557,2074 @@
 </file>
 
 <file path=ppt/diagrams/quickStyle7.xml><?xml version="1.0" encoding="utf-8"?>
+<dgm:styleDef xmlns:dgm="http://schemas.openxmlformats.org/drawingml/2006/diagram" xmlns:a="http://schemas.openxmlformats.org/drawingml/2006/main" uniqueId="urn:microsoft.com/office/officeart/2005/8/quickstyle/simple1">
+  <dgm:title val=""/>
+  <dgm:desc val=""/>
+  <dgm:catLst>
+    <dgm:cat type="simple" pri="10100"/>
+  </dgm:catLst>
+  <dgm:scene3d>
+    <a:camera prst="orthographicFront"/>
+    <a:lightRig rig="threePt" dir="t"/>
+  </dgm:scene3d>
+  <dgm:styleLbl name="node0">
+    <dgm:scene3d>
+      <a:camera prst="orthographicFront"/>
+      <a:lightRig rig="threePt" dir="t"/>
+    </dgm:scene3d>
+    <dgm:sp3d/>
+    <dgm:txPr/>
+    <dgm:style>
+      <a:lnRef idx="2">
+        <a:scrgbClr r="0" g="0" b="0"/>
+      </a:lnRef>
+      <a:fillRef idx="1">
+        <a:scrgbClr r="0" g="0" b="0"/>
+      </a:fillRef>
+      <a:effectRef idx="0">
+        <a:scrgbClr r="0" g="0" b="0"/>
+      </a:effectRef>
+      <a:fontRef idx="minor">
+        <a:schemeClr val="lt1"/>
+      </a:fontRef>
+    </dgm:style>
+  </dgm:styleLbl>
+  <dgm:styleLbl name="lnNode1">
+    <dgm:scene3d>
+      <a:camera prst="orthographicFront"/>
+      <a:lightRig rig="threePt" dir="t"/>
+    </dgm:scene3d>
+    <dgm:sp3d/>
+    <dgm:txPr/>
+    <dgm:style>
+      <a:lnRef idx="2">
+        <a:scrgbClr r="0" g="0" b="0"/>
+      </a:lnRef>
+      <a:fillRef idx="1">
+        <a:scrgbClr r="0" g="0" b="0"/>
+      </a:fillRef>
+      <a:effectRef idx="0">
+        <a:scrgbClr r="0" g="0" b="0"/>
+      </a:effectRef>
+      <a:fontRef idx="minor">
+        <a:schemeClr val="lt1"/>
+      </a:fontRef>
+    </dgm:style>
+  </dgm:styleLbl>
+  <dgm:styleLbl name="vennNode1">
+    <dgm:scene3d>
+      <a:camera prst="orthographicFront"/>
+      <a:lightRig rig="threePt" dir="t"/>
+    </dgm:scene3d>
+    <dgm:sp3d/>
+    <dgm:txPr/>
+    <dgm:style>
+      <a:lnRef idx="2">
+        <a:scrgbClr r="0" g="0" b="0"/>
+      </a:lnRef>
+      <a:fillRef idx="1">
+        <a:scrgbClr r="0" g="0" b="0"/>
+      </a:fillRef>
+      <a:effectRef idx="0">
+        <a:scrgbClr r="0" g="0" b="0"/>
+      </a:effectRef>
+      <a:fontRef idx="minor">
+        <a:schemeClr val="tx1"/>
+      </a:fontRef>
+    </dgm:style>
+  </dgm:styleLbl>
+  <dgm:styleLbl name="alignNode1">
+    <dgm:scene3d>
+      <a:camera prst="orthographicFront"/>
+      <a:lightRig rig="threePt" dir="t"/>
+    </dgm:scene3d>
+    <dgm:sp3d/>
+    <dgm:txPr/>
+    <dgm:style>
+      <a:lnRef idx="2">
+        <a:scrgbClr r="0" g="0" b="0"/>
+      </a:lnRef>
+      <a:fillRef idx="1">
+        <a:scrgbClr r="0" g="0" b="0"/>
+      </a:fillRef>
+      <a:effectRef idx="0">
+        <a:scrgbClr r="0" g="0" b="0"/>
+      </a:effectRef>
+      <a:fontRef idx="minor">
+        <a:schemeClr val="lt1"/>
+      </a:fontRef>
+    </dgm:style>
+  </dgm:styleLbl>
+  <dgm:styleLbl name="node1">
+    <dgm:scene3d>
+      <a:camera prst="orthographicFront"/>
+      <a:lightRig rig="threePt" dir="t"/>
+    </dgm:scene3d>
+    <dgm:sp3d/>
+    <dgm:txPr/>
+    <dgm:style>
+      <a:lnRef idx="2">
+        <a:scrgbClr r="0" g="0" b="0"/>
+      </a:lnRef>
+      <a:fillRef idx="1">
+        <a:scrgbClr r="0" g="0" b="0"/>
+      </a:fillRef>
+      <a:effectRef idx="0">
+        <a:scrgbClr r="0" g="0" b="0"/>
+      </a:effectRef>
+      <a:fontRef idx="minor">
+        <a:schemeClr val="lt1"/>
+      </a:fontRef>
+    </dgm:style>
+  </dgm:styleLbl>
+  <dgm:styleLbl name="node2">
+    <dgm:scene3d>
+      <a:camera prst="orthographicFront"/>
+      <a:lightRig rig="threePt" dir="t"/>
+    </dgm:scene3d>
+    <dgm:sp3d/>
+    <dgm:txPr/>
+    <dgm:style>
+      <a:lnRef idx="2">
+        <a:scrgbClr r="0" g="0" b="0"/>
+      </a:lnRef>
+      <a:fillRef idx="1">
+        <a:scrgbClr r="0" g="0" b="0"/>
+      </a:fillRef>
+      <a:effectRef idx="0">
+        <a:scrgbClr r="0" g="0" b="0"/>
+      </a:effectRef>
+      <a:fontRef idx="minor">
+        <a:schemeClr val="lt1"/>
+      </a:fontRef>
+    </dgm:style>
+  </dgm:styleLbl>
+  <dgm:styleLbl name="node3">
+    <dgm:scene3d>
+      <a:camera prst="orthographicFront"/>
+      <a:lightRig rig="threePt" dir="t"/>
+    </dgm:scene3d>
+    <dgm:sp3d/>
+    <dgm:txPr/>
+    <dgm:style>
+      <a:lnRef idx="2">
+        <a:scrgbClr r="0" g="0" b="0"/>
+      </a:lnRef>
+      <a:fillRef idx="1">
+        <a:scrgbClr r="0" g="0" b="0"/>
+      </a:fillRef>
+      <a:effectRef idx="0">
+        <a:scrgbClr r="0" g="0" b="0"/>
+      </a:effectRef>
+      <a:fontRef idx="minor">
+        <a:schemeClr val="lt1"/>
+      </a:fontRef>
+    </dgm:style>
+  </dgm:styleLbl>
+  <dgm:styleLbl name="node4">
+    <dgm:scene3d>
+      <a:camera prst="orthographicFront"/>
+      <a:lightRig rig="threePt" dir="t"/>
+    </dgm:scene3d>
+    <dgm:sp3d/>
+    <dgm:txPr/>
+    <dgm:style>
+      <a:lnRef idx="2">
+        <a:scrgbClr r="0" g="0" b="0"/>
+      </a:lnRef>
+      <a:fillRef idx="1">
+        <a:scrgbClr r="0" g="0" b="0"/>
+      </a:fillRef>
+      <a:effectRef idx="0">
+        <a:scrgbClr r="0" g="0" b="0"/>
+      </a:effectRef>
+      <a:fontRef idx="minor">
+        <a:schemeClr val="lt1"/>
+      </a:fontRef>
+    </dgm:style>
+  </dgm:styleLbl>
+  <dgm:styleLbl name="fgImgPlace1">
+    <dgm:scene3d>
+      <a:camera prst="orthographicFront"/>
+      <a:lightRig rig="threePt" dir="t"/>
+    </dgm:scene3d>
+    <dgm:sp3d/>
+    <dgm:txPr/>
+    <dgm:style>
+      <a:lnRef idx="2">
+        <a:scrgbClr r="0" g="0" b="0"/>
+      </a:lnRef>
+      <a:fillRef idx="1">
+        <a:scrgbClr r="0" g="0" b="0"/>
+      </a:fillRef>
+      <a:effectRef idx="0">
+        <a:scrgbClr r="0" g="0" b="0"/>
+      </a:effectRef>
+      <a:fontRef idx="minor"/>
+    </dgm:style>
+  </dgm:styleLbl>
+  <dgm:styleLbl name="alignImgPlace1">
+    <dgm:scene3d>
+      <a:camera prst="orthographicFront"/>
+      <a:lightRig rig="threePt" dir="t"/>
+    </dgm:scene3d>
+    <dgm:sp3d/>
+    <dgm:txPr/>
+    <dgm:style>
+      <a:lnRef idx="2">
+        <a:scrgbClr r="0" g="0" b="0"/>
+      </a:lnRef>
+      <a:fillRef idx="1">
+        <a:scrgbClr r="0" g="0" b="0"/>
+      </a:fillRef>
+      <a:effectRef idx="0">
+        <a:scrgbClr r="0" g="0" b="0"/>
+      </a:effectRef>
+      <a:fontRef idx="minor"/>
+    </dgm:style>
+  </dgm:styleLbl>
+  <dgm:styleLbl name="bgImgPlace1">
+    <dgm:scene3d>
+      <a:camera prst="orthographicFront"/>
+      <a:lightRig rig="threePt" dir="t"/>
+    </dgm:scene3d>
+    <dgm:sp3d/>
+    <dgm:txPr/>
+    <dgm:style>
+      <a:lnRef idx="2">
+        <a:scrgbClr r="0" g="0" b="0"/>
+      </a:lnRef>
+      <a:fillRef idx="1">
+        <a:scrgbClr r="0" g="0" b="0"/>
+      </a:fillRef>
+      <a:effectRef idx="0">
+        <a:scrgbClr r="0" g="0" b="0"/>
+      </a:effectRef>
+      <a:fontRef idx="minor"/>
+    </dgm:style>
+  </dgm:styleLbl>
+  <dgm:styleLbl name="sibTrans2D1">
+    <dgm:scene3d>
+      <a:camera prst="orthographicFront"/>
+      <a:lightRig rig="threePt" dir="t"/>
+    </dgm:scene3d>
+    <dgm:sp3d/>
+    <dgm:txPr/>
+    <dgm:style>
+      <a:lnRef idx="0">
+        <a:scrgbClr r="0" g="0" b="0"/>
+      </a:lnRef>
+      <a:fillRef idx="1">
+        <a:scrgbClr r="0" g="0" b="0"/>
+      </a:fillRef>
+      <a:effectRef idx="0">
+        <a:scrgbClr r="0" g="0" b="0"/>
+      </a:effectRef>
+      <a:fontRef idx="minor">
+        <a:schemeClr val="lt1"/>
+      </a:fontRef>
+    </dgm:style>
+  </dgm:styleLbl>
+  <dgm:styleLbl name="fgSibTrans2D1">
+    <dgm:scene3d>
+      <a:camera prst="orthographicFront"/>
+      <a:lightRig rig="threePt" dir="t"/>
+    </dgm:scene3d>
+    <dgm:sp3d/>
+    <dgm:txPr/>
+    <dgm:style>
+      <a:lnRef idx="0">
+        <a:scrgbClr r="0" g="0" b="0"/>
+      </a:lnRef>
+      <a:fillRef idx="1">
+        <a:scrgbClr r="0" g="0" b="0"/>
+      </a:fillRef>
+      <a:effectRef idx="0">
+        <a:scrgbClr r="0" g="0" b="0"/>
+      </a:effectRef>
+      <a:fontRef idx="minor">
+        <a:schemeClr val="lt1"/>
+      </a:fontRef>
+    </dgm:style>
+  </dgm:styleLbl>
+  <dgm:styleLbl name="bgSibTrans2D1">
+    <dgm:scene3d>
+      <a:camera prst="orthographicFront"/>
+      <a:lightRig rig="threePt" dir="t"/>
+    </dgm:scene3d>
+    <dgm:sp3d/>
+    <dgm:txPr/>
+    <dgm:style>
+      <a:lnRef idx="0">
+        <a:scrgbClr r="0" g="0" b="0"/>
+      </a:lnRef>
+      <a:fillRef idx="1">
+        <a:scrgbClr r="0" g="0" b="0"/>
+      </a:fillRef>
+      <a:effectRef idx="0">
+        <a:scrgbClr r="0" g="0" b="0"/>
+      </a:effectRef>
+      <a:fontRef idx="minor">
+        <a:schemeClr val="lt1"/>
+      </a:fontRef>
+    </dgm:style>
+  </dgm:styleLbl>
+  <dgm:styleLbl name="sibTrans1D1">
+    <dgm:scene3d>
+      <a:camera prst="orthographicFront"/>
+      <a:lightRig rig="threePt" dir="t"/>
+    </dgm:scene3d>
+    <dgm:sp3d/>
+    <dgm:txPr/>
+    <dgm:style>
+      <a:lnRef idx="1">
+        <a:scrgbClr r="0" g="0" b="0"/>
+      </a:lnRef>
+      <a:fillRef idx="0">
+        <a:scrgbClr r="0" g="0" b="0"/>
+      </a:fillRef>
+      <a:effectRef idx="0">
+        <a:scrgbClr r="0" g="0" b="0"/>
+      </a:effectRef>
+      <a:fontRef idx="minor"/>
+    </dgm:style>
+  </dgm:styleLbl>
+  <dgm:styleLbl name="callout">
+    <dgm:scene3d>
+      <a:camera prst="orthographicFront"/>
+      <a:lightRig rig="threePt" dir="t"/>
+    </dgm:scene3d>
+    <dgm:sp3d/>
+    <dgm:txPr/>
+    <dgm:style>
+      <a:lnRef idx="2">
+        <a:scrgbClr r="0" g="0" b="0"/>
+      </a:lnRef>
+      <a:fillRef idx="1">
+        <a:scrgbClr r="0" g="0" b="0"/>
+      </a:fillRef>
+      <a:effectRef idx="0">
+        <a:scrgbClr r="0" g="0" b="0"/>
+      </a:effectRef>
+      <a:fontRef idx="minor"/>
+    </dgm:style>
+  </dgm:styleLbl>
+  <dgm:styleLbl name="asst0">
+    <dgm:scene3d>
+      <a:camera prst="orthographicFront"/>
+      <a:lightRig rig="threePt" dir="t"/>
+    </dgm:scene3d>
+    <dgm:sp3d/>
+    <dgm:txPr/>
+    <dgm:style>
+      <a:lnRef idx="2">
+        <a:scrgbClr r="0" g="0" b="0"/>
+      </a:lnRef>
+      <a:fillRef idx="1">
+        <a:scrgbClr r="0" g="0" b="0"/>
+      </a:fillRef>
+      <a:effectRef idx="0">
+        <a:scrgbClr r="0" g="0" b="0"/>
+      </a:effectRef>
+      <a:fontRef idx="minor">
+        <a:schemeClr val="lt1"/>
+      </a:fontRef>
+    </dgm:style>
+  </dgm:styleLbl>
+  <dgm:styleLbl name="asst1">
+    <dgm:scene3d>
+      <a:camera prst="orthographicFront"/>
+      <a:lightRig rig="threePt" dir="t"/>
+    </dgm:scene3d>
+    <dgm:sp3d/>
+    <dgm:txPr/>
+    <dgm:style>
+      <a:lnRef idx="2">
+        <a:scrgbClr r="0" g="0" b="0"/>
+      </a:lnRef>
+      <a:fillRef idx="1">
+        <a:scrgbClr r="0" g="0" b="0"/>
+      </a:fillRef>
+      <a:effectRef idx="0">
+        <a:scrgbClr r="0" g="0" b="0"/>
+      </a:effectRef>
+      <a:fontRef idx="minor">
+        <a:schemeClr val="lt1"/>
+      </a:fontRef>
+    </dgm:style>
+  </dgm:styleLbl>
+  <dgm:styleLbl name="asst2">
+    <dgm:scene3d>
+      <a:camera prst="orthographicFront"/>
+      <a:lightRig rig="threePt" dir="t"/>
+    </dgm:scene3d>
+    <dgm:sp3d/>
+    <dgm:txPr/>
+    <dgm:style>
+      <a:lnRef idx="2">
+        <a:scrgbClr r="0" g="0" b="0"/>
+      </a:lnRef>
+      <a:fillRef idx="1">
+        <a:scrgbClr r="0" g="0" b="0"/>
+      </a:fillRef>
+      <a:effectRef idx="0">
+        <a:scrgbClr r="0" g="0" b="0"/>
+      </a:effectRef>
+      <a:fontRef idx="minor">
+        <a:schemeClr val="lt1"/>
+      </a:fontRef>
+    </dgm:style>
+  </dgm:styleLbl>
+  <dgm:styleLbl name="asst3">
+    <dgm:scene3d>
+      <a:camera prst="orthographicFront"/>
+      <a:lightRig rig="threePt" dir="t"/>
+    </dgm:scene3d>
+    <dgm:sp3d/>
+    <dgm:txPr/>
+    <dgm:style>
+      <a:lnRef idx="2">
+        <a:scrgbClr r="0" g="0" b="0"/>
+      </a:lnRef>
+      <a:fillRef idx="1">
+        <a:scrgbClr r="0" g="0" b="0"/>
+      </a:fillRef>
+      <a:effectRef idx="0">
+        <a:scrgbClr r="0" g="0" b="0"/>
+      </a:effectRef>
+      <a:fontRef idx="minor">
+        <a:schemeClr val="lt1"/>
+      </a:fontRef>
+    </dgm:style>
+  </dgm:styleLbl>
+  <dgm:styleLbl name="asst4">
+    <dgm:scene3d>
+      <a:camera prst="orthographicFront"/>
+      <a:lightRig rig="threePt" dir="t"/>
+    </dgm:scene3d>
+    <dgm:sp3d/>
+    <dgm:txPr/>
+    <dgm:style>
+      <a:lnRef idx="2">
+        <a:scrgbClr r="0" g="0" b="0"/>
+      </a:lnRef>
+      <a:fillRef idx="1">
+        <a:scrgbClr r="0" g="0" b="0"/>
+      </a:fillRef>
+      <a:effectRef idx="0">
+        <a:scrgbClr r="0" g="0" b="0"/>
+      </a:effectRef>
+      <a:fontRef idx="minor">
+        <a:schemeClr val="lt1"/>
+      </a:fontRef>
+    </dgm:style>
+  </dgm:styleLbl>
+  <dgm:styleLbl name="parChTrans2D1">
+    <dgm:scene3d>
+      <a:camera prst="orthographicFront"/>
+      <a:lightRig rig="threePt" dir="t"/>
+    </dgm:scene3d>
+    <dgm:sp3d/>
+    <dgm:txPr/>
+    <dgm:style>
+      <a:lnRef idx="2">
+        <a:scrgbClr r="0" g="0" b="0"/>
+      </a:lnRef>
+      <a:fillRef idx="1">
+        <a:scrgbClr r="0" g="0" b="0"/>
+      </a:fillRef>
+      <a:effectRef idx="0">
+        <a:scrgbClr r="0" g="0" b="0"/>
+      </a:effectRef>
+      <a:fontRef idx="minor">
+        <a:schemeClr val="lt1"/>
+      </a:fontRef>
+    </dgm:style>
+  </dgm:styleLbl>
+  <dgm:styleLbl name="parChTrans2D2">
+    <dgm:scene3d>
+      <a:camera prst="orthographicFront"/>
+      <a:lightRig rig="threePt" dir="t"/>
+    </dgm:scene3d>
+    <dgm:sp3d/>
+    <dgm:txPr/>
+    <dgm:style>
+      <a:lnRef idx="2">
+        <a:scrgbClr r="0" g="0" b="0"/>
+      </a:lnRef>
+      <a:fillRef idx="1">
+        <a:scrgbClr r="0" g="0" b="0"/>
+      </a:fillRef>
+      <a:effectRef idx="0">
+        <a:scrgbClr r="0" g="0" b="0"/>
+      </a:effectRef>
+      <a:fontRef idx="minor">
+        <a:schemeClr val="lt1"/>
+      </a:fontRef>
+    </dgm:style>
+  </dgm:styleLbl>
+  <dgm:styleLbl name="parChTrans2D3">
+    <dgm:scene3d>
+      <a:camera prst="orthographicFront"/>
+      <a:lightRig rig="threePt" dir="t"/>
+    </dgm:scene3d>
+    <dgm:sp3d/>
+    <dgm:txPr/>
+    <dgm:style>
+      <a:lnRef idx="2">
+        <a:scrgbClr r="0" g="0" b="0"/>
+      </a:lnRef>
+      <a:fillRef idx="1">
+        <a:scrgbClr r="0" g="0" b="0"/>
+      </a:fillRef>
+      <a:effectRef idx="0">
+        <a:scrgbClr r="0" g="0" b="0"/>
+      </a:effectRef>
+      <a:fontRef idx="minor">
+        <a:schemeClr val="lt1"/>
+      </a:fontRef>
+    </dgm:style>
+  </dgm:styleLbl>
+  <dgm:styleLbl name="parChTrans2D4">
+    <dgm:scene3d>
+      <a:camera prst="orthographicFront"/>
+      <a:lightRig rig="threePt" dir="t"/>
+    </dgm:scene3d>
+    <dgm:sp3d/>
+    <dgm:txPr/>
+    <dgm:style>
+      <a:lnRef idx="2">
+        <a:scrgbClr r="0" g="0" b="0"/>
+      </a:lnRef>
+      <a:fillRef idx="1">
+        <a:scrgbClr r="0" g="0" b="0"/>
+      </a:fillRef>
+      <a:effectRef idx="0">
+        <a:scrgbClr r="0" g="0" b="0"/>
+      </a:effectRef>
+      <a:fontRef idx="minor">
+        <a:schemeClr val="lt1"/>
+      </a:fontRef>
+    </dgm:style>
+  </dgm:styleLbl>
+  <dgm:styleLbl name="parChTrans1D1">
+    <dgm:scene3d>
+      <a:camera prst="orthographicFront"/>
+      <a:lightRig rig="threePt" dir="t"/>
+    </dgm:scene3d>
+    <dgm:sp3d/>
+    <dgm:txPr/>
+    <dgm:style>
+      <a:lnRef idx="2">
+        <a:scrgbClr r="0" g="0" b="0"/>
+      </a:lnRef>
+      <a:fillRef idx="0">
+        <a:scrgbClr r="0" g="0" b="0"/>
+      </a:fillRef>
+      <a:effectRef idx="0">
+        <a:scrgbClr r="0" g="0" b="0"/>
+      </a:effectRef>
+      <a:fontRef idx="minor"/>
+    </dgm:style>
+  </dgm:styleLbl>
+  <dgm:styleLbl name="parChTrans1D2">
+    <dgm:scene3d>
+      <a:camera prst="orthographicFront"/>
+      <a:lightRig rig="threePt" dir="t"/>
+    </dgm:scene3d>
+    <dgm:sp3d/>
+    <dgm:txPr/>
+    <dgm:style>
+      <a:lnRef idx="2">
+        <a:scrgbClr r="0" g="0" b="0"/>
+      </a:lnRef>
+      <a:fillRef idx="0">
+        <a:scrgbClr r="0" g="0" b="0"/>
+      </a:fillRef>
+      <a:effectRef idx="0">
+        <a:scrgbClr r="0" g="0" b="0"/>
+      </a:effectRef>
+      <a:fontRef idx="minor"/>
+    </dgm:style>
+  </dgm:styleLbl>
+  <dgm:styleLbl name="parChTrans1D3">
+    <dgm:scene3d>
+      <a:camera prst="orthographicFront"/>
+      <a:lightRig rig="threePt" dir="t"/>
+    </dgm:scene3d>
+    <dgm:sp3d/>
+    <dgm:txPr/>
+    <dgm:style>
+      <a:lnRef idx="2">
+        <a:scrgbClr r="0" g="0" b="0"/>
+      </a:lnRef>
+      <a:fillRef idx="0">
+        <a:scrgbClr r="0" g="0" b="0"/>
+      </a:fillRef>
+      <a:effectRef idx="0">
+        <a:scrgbClr r="0" g="0" b="0"/>
+      </a:effectRef>
+      <a:fontRef idx="minor"/>
+    </dgm:style>
+  </dgm:styleLbl>
+  <dgm:styleLbl name="parChTrans1D4">
+    <dgm:scene3d>
+      <a:camera prst="orthographicFront"/>
+      <a:lightRig rig="threePt" dir="t"/>
+    </dgm:scene3d>
+    <dgm:sp3d/>
+    <dgm:txPr/>
+    <dgm:style>
+      <a:lnRef idx="2">
+        <a:scrgbClr r="0" g="0" b="0"/>
+      </a:lnRef>
+      <a:fillRef idx="0">
+        <a:scrgbClr r="0" g="0" b="0"/>
+      </a:fillRef>
+      <a:effectRef idx="0">
+        <a:scrgbClr r="0" g="0" b="0"/>
+      </a:effectRef>
+      <a:fontRef idx="minor"/>
+    </dgm:style>
+  </dgm:styleLbl>
+  <dgm:styleLbl name="fgAcc1">
+    <dgm:scene3d>
+      <a:camera prst="orthographicFront"/>
+      <a:lightRig rig="threePt" dir="t"/>
+    </dgm:scene3d>
+    <dgm:sp3d/>
+    <dgm:txPr/>
+    <dgm:style>
+      <a:lnRef idx="2">
+        <a:scrgbClr r="0" g="0" b="0"/>
+      </a:lnRef>
+      <a:fillRef idx="1">
+        <a:scrgbClr r="0" g="0" b="0"/>
+      </a:fillRef>
+      <a:effectRef idx="0">
+        <a:scrgbClr r="0" g="0" b="0"/>
+      </a:effectRef>
+      <a:fontRef idx="minor"/>
+    </dgm:style>
+  </dgm:styleLbl>
+  <dgm:styleLbl name="conFgAcc1">
+    <dgm:scene3d>
+      <a:camera prst="orthographicFront"/>
+      <a:lightRig rig="threePt" dir="t"/>
+    </dgm:scene3d>
+    <dgm:sp3d/>
+    <dgm:txPr/>
+    <dgm:style>
+      <a:lnRef idx="2">
+        <a:scrgbClr r="0" g="0" b="0"/>
+      </a:lnRef>
+      <a:fillRef idx="1">
+        <a:scrgbClr r="0" g="0" b="0"/>
+      </a:fillRef>
+      <a:effectRef idx="0">
+        <a:scrgbClr r="0" g="0" b="0"/>
+      </a:effectRef>
+      <a:fontRef idx="minor"/>
+    </dgm:style>
+  </dgm:styleLbl>
+  <dgm:styleLbl name="alignAcc1">
+    <dgm:scene3d>
+      <a:camera prst="orthographicFront"/>
+      <a:lightRig rig="threePt" dir="t"/>
+    </dgm:scene3d>
+    <dgm:sp3d/>
+    <dgm:txPr/>
+    <dgm:style>
+      <a:lnRef idx="2">
+        <a:scrgbClr r="0" g="0" b="0"/>
+      </a:lnRef>
+      <a:fillRef idx="1">
+        <a:scrgbClr r="0" g="0" b="0"/>
+      </a:fillRef>
+      <a:effectRef idx="0">
+        <a:scrgbClr r="0" g="0" b="0"/>
+      </a:effectRef>
+      <a:fontRef idx="minor"/>
+    </dgm:style>
+  </dgm:styleLbl>
+  <dgm:styleLbl name="trAlignAcc1">
+    <dgm:scene3d>
+      <a:camera prst="orthographicFront"/>
+      <a:lightRig rig="threePt" dir="t"/>
+    </dgm:scene3d>
+    <dgm:sp3d/>
+    <dgm:txPr/>
+    <dgm:style>
+      <a:lnRef idx="1">
+        <a:scrgbClr r="0" g="0" b="0"/>
+      </a:lnRef>
+      <a:fillRef idx="1">
+        <a:scrgbClr r="0" g="0" b="0"/>
+      </a:fillRef>
+      <a:effectRef idx="0">
+        <a:scrgbClr r="0" g="0" b="0"/>
+      </a:effectRef>
+      <a:fontRef idx="minor"/>
+    </dgm:style>
+  </dgm:styleLbl>
+  <dgm:styleLbl name="bgAcc1">
+    <dgm:scene3d>
+      <a:camera prst="orthographicFront"/>
+      <a:lightRig rig="threePt" dir="t"/>
+    </dgm:scene3d>
+    <dgm:sp3d/>
+    <dgm:txPr/>
+    <dgm:style>
+      <a:lnRef idx="2">
+        <a:scrgbClr r="0" g="0" b="0"/>
+      </a:lnRef>
+      <a:fillRef idx="1">
+        <a:scrgbClr r="0" g="0" b="0"/>
+      </a:fillRef>
+      <a:effectRef idx="0">
+        <a:scrgbClr r="0" g="0" b="0"/>
+      </a:effectRef>
+      <a:fontRef idx="minor"/>
+    </dgm:style>
+  </dgm:styleLbl>
+  <dgm:styleLbl name="solidFgAcc1">
+    <dgm:scene3d>
+      <a:camera prst="orthographicFront"/>
+      <a:lightRig rig="threePt" dir="t"/>
+    </dgm:scene3d>
+    <dgm:sp3d/>
+    <dgm:txPr/>
+    <dgm:style>
+      <a:lnRef idx="2">
+        <a:scrgbClr r="0" g="0" b="0"/>
+      </a:lnRef>
+      <a:fillRef idx="1">
+        <a:scrgbClr r="0" g="0" b="0"/>
+      </a:fillRef>
+      <a:effectRef idx="0">
+        <a:scrgbClr r="0" g="0" b="0"/>
+      </a:effectRef>
+      <a:fontRef idx="minor"/>
+    </dgm:style>
+  </dgm:styleLbl>
+  <dgm:styleLbl name="solidAlignAcc1">
+    <dgm:scene3d>
+      <a:camera prst="orthographicFront"/>
+      <a:lightRig rig="threePt" dir="t"/>
+    </dgm:scene3d>
+    <dgm:sp3d/>
+    <dgm:txPr/>
+    <dgm:style>
+      <a:lnRef idx="2">
+        <a:scrgbClr r="0" g="0" b="0"/>
+      </a:lnRef>
+      <a:fillRef idx="1">
+        <a:scrgbClr r="0" g="0" b="0"/>
+      </a:fillRef>
+      <a:effectRef idx="0">
+        <a:scrgbClr r="0" g="0" b="0"/>
+      </a:effectRef>
+      <a:fontRef idx="minor"/>
+    </dgm:style>
+  </dgm:styleLbl>
+  <dgm:styleLbl name="solidBgAcc1">
+    <dgm:scene3d>
+      <a:camera prst="orthographicFront"/>
+      <a:lightRig rig="threePt" dir="t"/>
+    </dgm:scene3d>
+    <dgm:sp3d/>
+    <dgm:txPr/>
+    <dgm:style>
+      <a:lnRef idx="2">
+        <a:scrgbClr r="0" g="0" b="0"/>
+      </a:lnRef>
+      <a:fillRef idx="1">
+        <a:scrgbClr r="0" g="0" b="0"/>
+      </a:fillRef>
+      <a:effectRef idx="0">
+        <a:scrgbClr r="0" g="0" b="0"/>
+      </a:effectRef>
+      <a:fontRef idx="minor"/>
+    </dgm:style>
+  </dgm:styleLbl>
+  <dgm:styleLbl name="fgAccFollowNode1">
+    <dgm:scene3d>
+      <a:camera prst="orthographicFront"/>
+      <a:lightRig rig="threePt" dir="t"/>
+    </dgm:scene3d>
+    <dgm:sp3d/>
+    <dgm:txPr/>
+    <dgm:style>
+      <a:lnRef idx="2">
+        <a:scrgbClr r="0" g="0" b="0"/>
+      </a:lnRef>
+      <a:fillRef idx="1">
+        <a:scrgbClr r="0" g="0" b="0"/>
+      </a:fillRef>
+      <a:effectRef idx="0">
+        <a:scrgbClr r="0" g="0" b="0"/>
+      </a:effectRef>
+      <a:fontRef idx="minor"/>
+    </dgm:style>
+  </dgm:styleLbl>
+  <dgm:styleLbl name="alignAccFollowNode1">
+    <dgm:scene3d>
+      <a:camera prst="orthographicFront"/>
+      <a:lightRig rig="threePt" dir="t"/>
+    </dgm:scene3d>
+    <dgm:sp3d/>
+    <dgm:txPr/>
+    <dgm:style>
+      <a:lnRef idx="2">
+        <a:scrgbClr r="0" g="0" b="0"/>
+      </a:lnRef>
+      <a:fillRef idx="1">
+        <a:scrgbClr r="0" g="0" b="0"/>
+      </a:fillRef>
+      <a:effectRef idx="0">
+        <a:scrgbClr r="0" g="0" b="0"/>
+      </a:effectRef>
+      <a:fontRef idx="minor"/>
+    </dgm:style>
+  </dgm:styleLbl>
+  <dgm:styleLbl name="bgAccFollowNode1">
+    <dgm:scene3d>
+      <a:camera prst="orthographicFront"/>
+      <a:lightRig rig="threePt" dir="t"/>
+    </dgm:scene3d>
+    <dgm:sp3d/>
+    <dgm:txPr/>
+    <dgm:style>
+      <a:lnRef idx="2">
+        <a:scrgbClr r="0" g="0" b="0"/>
+      </a:lnRef>
+      <a:fillRef idx="1">
+        <a:scrgbClr r="0" g="0" b="0"/>
+      </a:fillRef>
+      <a:effectRef idx="0">
+        <a:scrgbClr r="0" g="0" b="0"/>
+      </a:effectRef>
+      <a:fontRef idx="minor"/>
+    </dgm:style>
+  </dgm:styleLbl>
+  <dgm:styleLbl name="fgAcc0">
+    <dgm:scene3d>
+      <a:camera prst="orthographicFront"/>
+      <a:lightRig rig="threePt" dir="t"/>
+    </dgm:scene3d>
+    <dgm:sp3d/>
+    <dgm:txPr/>
+    <dgm:style>
+      <a:lnRef idx="2">
+        <a:scrgbClr r="0" g="0" b="0"/>
+      </a:lnRef>
+      <a:fillRef idx="1">
+        <a:scrgbClr r="0" g="0" b="0"/>
+      </a:fillRef>
+      <a:effectRef idx="0">
+        <a:scrgbClr r="0" g="0" b="0"/>
+      </a:effectRef>
+      <a:fontRef idx="minor"/>
+    </dgm:style>
+  </dgm:styleLbl>
+  <dgm:styleLbl name="fgAcc2">
+    <dgm:scene3d>
+      <a:camera prst="orthographicFront"/>
+      <a:lightRig rig="threePt" dir="t"/>
+    </dgm:scene3d>
+    <dgm:sp3d/>
+    <dgm:txPr/>
+    <dgm:style>
+      <a:lnRef idx="2">
+        <a:scrgbClr r="0" g="0" b="0"/>
+      </a:lnRef>
+      <a:fillRef idx="1">
+        <a:scrgbClr r="0" g="0" b="0"/>
+      </a:fillRef>
+      <a:effectRef idx="0">
+        <a:scrgbClr r="0" g="0" b="0"/>
+      </a:effectRef>
+      <a:fontRef idx="minor"/>
+    </dgm:style>
+  </dgm:styleLbl>
+  <dgm:styleLbl name="fgAcc3">
+    <dgm:scene3d>
+      <a:camera prst="orthographicFront"/>
+      <a:lightRig rig="threePt" dir="t"/>
+    </dgm:scene3d>
+    <dgm:sp3d/>
+    <dgm:txPr/>
+    <dgm:style>
+      <a:lnRef idx="2">
+        <a:scrgbClr r="0" g="0" b="0"/>
+      </a:lnRef>
+      <a:fillRef idx="1">
+        <a:scrgbClr r="0" g="0" b="0"/>
+      </a:fillRef>
+      <a:effectRef idx="0">
+        <a:scrgbClr r="0" g="0" b="0"/>
+      </a:effectRef>
+      <a:fontRef idx="minor"/>
+    </dgm:style>
+  </dgm:styleLbl>
+  <dgm:styleLbl name="fgAcc4">
+    <dgm:scene3d>
+      <a:camera prst="orthographicFront"/>
+      <a:lightRig rig="threePt" dir="t"/>
+    </dgm:scene3d>
+    <dgm:sp3d/>
+    <dgm:txPr/>
+    <dgm:style>
+      <a:lnRef idx="2">
+        <a:scrgbClr r="0" g="0" b="0"/>
+      </a:lnRef>
+      <a:fillRef idx="1">
+        <a:scrgbClr r="0" g="0" b="0"/>
+      </a:fillRef>
+      <a:effectRef idx="0">
+        <a:scrgbClr r="0" g="0" b="0"/>
+      </a:effectRef>
+      <a:fontRef idx="minor"/>
+    </dgm:style>
+  </dgm:styleLbl>
+  <dgm:styleLbl name="bgShp">
+    <dgm:scene3d>
+      <a:camera prst="orthographicFront"/>
+      <a:lightRig rig="threePt" dir="t"/>
+    </dgm:scene3d>
+    <dgm:sp3d/>
+    <dgm:txPr/>
+    <dgm:style>
+      <a:lnRef idx="0">
+        <a:scrgbClr r="0" g="0" b="0"/>
+      </a:lnRef>
+      <a:fillRef idx="1">
+        <a:scrgbClr r="0" g="0" b="0"/>
+      </a:fillRef>
+      <a:effectRef idx="0">
+        <a:scrgbClr r="0" g="0" b="0"/>
+      </a:effectRef>
+      <a:fontRef idx="minor"/>
+    </dgm:style>
+  </dgm:styleLbl>
+  <dgm:styleLbl name="dkBgShp">
+    <dgm:scene3d>
+      <a:camera prst="orthographicFront"/>
+      <a:lightRig rig="threePt" dir="t"/>
+    </dgm:scene3d>
+    <dgm:sp3d/>
+    <dgm:txPr/>
+    <dgm:style>
+      <a:lnRef idx="0">
+        <a:scrgbClr r="0" g="0" b="0"/>
+      </a:lnRef>
+      <a:fillRef idx="1">
+        <a:scrgbClr r="0" g="0" b="0"/>
+      </a:fillRef>
+      <a:effectRef idx="0">
+        <a:scrgbClr r="0" g="0" b="0"/>
+      </a:effectRef>
+      <a:fontRef idx="minor"/>
+    </dgm:style>
+  </dgm:styleLbl>
+  <dgm:styleLbl name="trBgShp">
+    <dgm:scene3d>
+      <a:camera prst="orthographicFront"/>
+      <a:lightRig rig="threePt" dir="t"/>
+    </dgm:scene3d>
+    <dgm:sp3d/>
+    <dgm:txPr/>
+    <dgm:style>
+      <a:lnRef idx="0">
+        <a:scrgbClr r="0" g="0" b="0"/>
+      </a:lnRef>
+      <a:fillRef idx="1">
+        <a:scrgbClr r="0" g="0" b="0"/>
+      </a:fillRef>
+      <a:effectRef idx="0">
+        <a:scrgbClr r="0" g="0" b="0"/>
+      </a:effectRef>
+      <a:fontRef idx="minor"/>
+    </dgm:style>
+  </dgm:styleLbl>
+  <dgm:styleLbl name="fgShp">
+    <dgm:scene3d>
+      <a:camera prst="orthographicFront"/>
+      <a:lightRig rig="threePt" dir="t"/>
+    </dgm:scene3d>
+    <dgm:sp3d/>
+    <dgm:txPr/>
+    <dgm:style>
+      <a:lnRef idx="2">
+        <a:scrgbClr r="0" g="0" b="0"/>
+      </a:lnRef>
+      <a:fillRef idx="1">
+        <a:scrgbClr r="0" g="0" b="0"/>
+      </a:fillRef>
+      <a:effectRef idx="0">
+        <a:scrgbClr r="0" g="0" b="0"/>
+      </a:effectRef>
+      <a:fontRef idx="minor"/>
+    </dgm:style>
+  </dgm:styleLbl>
+  <dgm:styleLbl name="revTx">
+    <dgm:scene3d>
+      <a:camera prst="orthographicFront"/>
+      <a:lightRig rig="threePt" dir="t"/>
+    </dgm:scene3d>
+    <dgm:sp3d/>
+    <dgm:txPr/>
+    <dgm:style>
+      <a:lnRef idx="0">
+        <a:scrgbClr r="0" g="0" b="0"/>
+      </a:lnRef>
+      <a:fillRef idx="0">
+        <a:scrgbClr r="0" g="0" b="0"/>
+      </a:fillRef>
+      <a:effectRef idx="0">
+        <a:scrgbClr r="0" g="0" b="0"/>
+      </a:effectRef>
+      <a:fontRef idx="minor"/>
+    </dgm:style>
+  </dgm:styleLbl>
+</dgm:styleDef>
+</file>
+
+<file path=ppt/diagrams/quickStyle8.xml><?xml version="1.0" encoding="utf-8"?>
+<dgm:styleDef xmlns:dgm="http://schemas.openxmlformats.org/drawingml/2006/diagram" xmlns:a="http://schemas.openxmlformats.org/drawingml/2006/main" uniqueId="urn:microsoft.com/office/officeart/2005/8/quickstyle/simple4">
+  <dgm:title val=""/>
+  <dgm:desc val=""/>
+  <dgm:catLst>
+    <dgm:cat type="simple" pri="10400"/>
+  </dgm:catLst>
+  <dgm:scene3d>
+    <a:camera prst="orthographicFront"/>
+    <a:lightRig rig="threePt" dir="t"/>
+  </dgm:scene3d>
+  <dgm:styleLbl name="node0">
+    <dgm:scene3d>
+      <a:camera prst="orthographicFront"/>
+      <a:lightRig rig="threePt" dir="t"/>
+    </dgm:scene3d>
+    <dgm:sp3d/>
+    <dgm:txPr/>
+    <dgm:style>
+      <a:lnRef idx="0">
+        <a:scrgbClr r="0" g="0" b="0"/>
+      </a:lnRef>
+      <a:fillRef idx="3">
+        <a:scrgbClr r="0" g="0" b="0"/>
+      </a:fillRef>
+      <a:effectRef idx="2">
+        <a:scrgbClr r="0" g="0" b="0"/>
+      </a:effectRef>
+      <a:fontRef idx="minor">
+        <a:schemeClr val="lt1"/>
+      </a:fontRef>
+    </dgm:style>
+  </dgm:styleLbl>
+  <dgm:styleLbl name="lnNode1">
+    <dgm:scene3d>
+      <a:camera prst="orthographicFront"/>
+      <a:lightRig rig="threePt" dir="t"/>
+    </dgm:scene3d>
+    <dgm:sp3d/>
+    <dgm:txPr/>
+    <dgm:style>
+      <a:lnRef idx="1">
+        <a:scrgbClr r="0" g="0" b="0"/>
+      </a:lnRef>
+      <a:fillRef idx="3">
+        <a:scrgbClr r="0" g="0" b="0"/>
+      </a:fillRef>
+      <a:effectRef idx="2">
+        <a:scrgbClr r="0" g="0" b="0"/>
+      </a:effectRef>
+      <a:fontRef idx="minor">
+        <a:schemeClr val="lt1"/>
+      </a:fontRef>
+    </dgm:style>
+  </dgm:styleLbl>
+  <dgm:styleLbl name="vennNode1">
+    <dgm:scene3d>
+      <a:camera prst="orthographicFront"/>
+      <a:lightRig rig="threePt" dir="t"/>
+    </dgm:scene3d>
+    <dgm:sp3d/>
+    <dgm:txPr/>
+    <dgm:style>
+      <a:lnRef idx="0">
+        <a:scrgbClr r="0" g="0" b="0"/>
+      </a:lnRef>
+      <a:fillRef idx="3">
+        <a:scrgbClr r="0" g="0" b="0"/>
+      </a:fillRef>
+      <a:effectRef idx="0">
+        <a:scrgbClr r="0" g="0" b="0"/>
+      </a:effectRef>
+      <a:fontRef idx="minor">
+        <a:schemeClr val="tx1"/>
+      </a:fontRef>
+    </dgm:style>
+  </dgm:styleLbl>
+  <dgm:styleLbl name="alignNode1">
+    <dgm:scene3d>
+      <a:camera prst="orthographicFront"/>
+      <a:lightRig rig="threePt" dir="t"/>
+    </dgm:scene3d>
+    <dgm:sp3d/>
+    <dgm:txPr/>
+    <dgm:style>
+      <a:lnRef idx="1">
+        <a:scrgbClr r="0" g="0" b="0"/>
+      </a:lnRef>
+      <a:fillRef idx="3">
+        <a:scrgbClr r="0" g="0" b="0"/>
+      </a:fillRef>
+      <a:effectRef idx="2">
+        <a:scrgbClr r="0" g="0" b="0"/>
+      </a:effectRef>
+      <a:fontRef idx="minor">
+        <a:schemeClr val="lt1"/>
+      </a:fontRef>
+    </dgm:style>
+  </dgm:styleLbl>
+  <dgm:styleLbl name="node1">
+    <dgm:scene3d>
+      <a:camera prst="orthographicFront"/>
+      <a:lightRig rig="threePt" dir="t"/>
+    </dgm:scene3d>
+    <dgm:sp3d/>
+    <dgm:txPr/>
+    <dgm:style>
+      <a:lnRef idx="0">
+        <a:scrgbClr r="0" g="0" b="0"/>
+      </a:lnRef>
+      <a:fillRef idx="3">
+        <a:scrgbClr r="0" g="0" b="0"/>
+      </a:fillRef>
+      <a:effectRef idx="2">
+        <a:scrgbClr r="0" g="0" b="0"/>
+      </a:effectRef>
+      <a:fontRef idx="minor">
+        <a:schemeClr val="lt1"/>
+      </a:fontRef>
+    </dgm:style>
+  </dgm:styleLbl>
+  <dgm:styleLbl name="node2">
+    <dgm:scene3d>
+      <a:camera prst="orthographicFront"/>
+      <a:lightRig rig="threePt" dir="t"/>
+    </dgm:scene3d>
+    <dgm:sp3d/>
+    <dgm:txPr/>
+    <dgm:style>
+      <a:lnRef idx="0">
+        <a:scrgbClr r="0" g="0" b="0"/>
+      </a:lnRef>
+      <a:fillRef idx="3">
+        <a:scrgbClr r="0" g="0" b="0"/>
+      </a:fillRef>
+      <a:effectRef idx="2">
+        <a:scrgbClr r="0" g="0" b="0"/>
+      </a:effectRef>
+      <a:fontRef idx="minor">
+        <a:schemeClr val="lt1"/>
+      </a:fontRef>
+    </dgm:style>
+  </dgm:styleLbl>
+  <dgm:styleLbl name="node3">
+    <dgm:scene3d>
+      <a:camera prst="orthographicFront"/>
+      <a:lightRig rig="threePt" dir="t"/>
+    </dgm:scene3d>
+    <dgm:sp3d/>
+    <dgm:txPr/>
+    <dgm:style>
+      <a:lnRef idx="0">
+        <a:scrgbClr r="0" g="0" b="0"/>
+      </a:lnRef>
+      <a:fillRef idx="3">
+        <a:scrgbClr r="0" g="0" b="0"/>
+      </a:fillRef>
+      <a:effectRef idx="2">
+        <a:scrgbClr r="0" g="0" b="0"/>
+      </a:effectRef>
+      <a:fontRef idx="minor">
+        <a:schemeClr val="lt1"/>
+      </a:fontRef>
+    </dgm:style>
+  </dgm:styleLbl>
+  <dgm:styleLbl name="node4">
+    <dgm:scene3d>
+      <a:camera prst="orthographicFront"/>
+      <a:lightRig rig="threePt" dir="t"/>
+    </dgm:scene3d>
+    <dgm:sp3d/>
+    <dgm:txPr/>
+    <dgm:style>
+      <a:lnRef idx="0">
+        <a:scrgbClr r="0" g="0" b="0"/>
+      </a:lnRef>
+      <a:fillRef idx="3">
+        <a:scrgbClr r="0" g="0" b="0"/>
+      </a:fillRef>
+      <a:effectRef idx="2">
+        <a:scrgbClr r="0" g="0" b="0"/>
+      </a:effectRef>
+      <a:fontRef idx="minor">
+        <a:schemeClr val="lt1"/>
+      </a:fontRef>
+    </dgm:style>
+  </dgm:styleLbl>
+  <dgm:styleLbl name="fgImgPlace1">
+    <dgm:scene3d>
+      <a:camera prst="orthographicFront"/>
+      <a:lightRig rig="threePt" dir="t"/>
+    </dgm:scene3d>
+    <dgm:sp3d/>
+    <dgm:txPr/>
+    <dgm:style>
+      <a:lnRef idx="0">
+        <a:scrgbClr r="0" g="0" b="0"/>
+      </a:lnRef>
+      <a:fillRef idx="1">
+        <a:scrgbClr r="0" g="0" b="0"/>
+      </a:fillRef>
+      <a:effectRef idx="2">
+        <a:scrgbClr r="0" g="0" b="0"/>
+      </a:effectRef>
+      <a:fontRef idx="minor"/>
+    </dgm:style>
+  </dgm:styleLbl>
+  <dgm:styleLbl name="alignImgPlace1">
+    <dgm:scene3d>
+      <a:camera prst="orthographicFront"/>
+      <a:lightRig rig="threePt" dir="t"/>
+    </dgm:scene3d>
+    <dgm:sp3d/>
+    <dgm:txPr/>
+    <dgm:style>
+      <a:lnRef idx="0">
+        <a:scrgbClr r="0" g="0" b="0"/>
+      </a:lnRef>
+      <a:fillRef idx="1">
+        <a:scrgbClr r="0" g="0" b="0"/>
+      </a:fillRef>
+      <a:effectRef idx="2">
+        <a:scrgbClr r="0" g="0" b="0"/>
+      </a:effectRef>
+      <a:fontRef idx="minor"/>
+    </dgm:style>
+  </dgm:styleLbl>
+  <dgm:styleLbl name="bgImgPlace1">
+    <dgm:scene3d>
+      <a:camera prst="orthographicFront"/>
+      <a:lightRig rig="threePt" dir="t"/>
+    </dgm:scene3d>
+    <dgm:sp3d/>
+    <dgm:txPr/>
+    <dgm:style>
+      <a:lnRef idx="0">
+        <a:scrgbClr r="0" g="0" b="0"/>
+      </a:lnRef>
+      <a:fillRef idx="1">
+        <a:scrgbClr r="0" g="0" b="0"/>
+      </a:fillRef>
+      <a:effectRef idx="2">
+        <a:scrgbClr r="0" g="0" b="0"/>
+      </a:effectRef>
+      <a:fontRef idx="minor"/>
+    </dgm:style>
+  </dgm:styleLbl>
+  <dgm:styleLbl name="sibTrans2D1">
+    <dgm:scene3d>
+      <a:camera prst="orthographicFront"/>
+      <a:lightRig rig="threePt" dir="t"/>
+    </dgm:scene3d>
+    <dgm:sp3d/>
+    <dgm:txPr/>
+    <dgm:style>
+      <a:lnRef idx="0">
+        <a:scrgbClr r="0" g="0" b="0"/>
+      </a:lnRef>
+      <a:fillRef idx="3">
+        <a:scrgbClr r="0" g="0" b="0"/>
+      </a:fillRef>
+      <a:effectRef idx="2">
+        <a:scrgbClr r="0" g="0" b="0"/>
+      </a:effectRef>
+      <a:fontRef idx="minor">
+        <a:schemeClr val="lt1"/>
+      </a:fontRef>
+    </dgm:style>
+  </dgm:styleLbl>
+  <dgm:styleLbl name="fgSibTrans2D1">
+    <dgm:scene3d>
+      <a:camera prst="orthographicFront"/>
+      <a:lightRig rig="threePt" dir="t"/>
+    </dgm:scene3d>
+    <dgm:sp3d/>
+    <dgm:txPr/>
+    <dgm:style>
+      <a:lnRef idx="0">
+        <a:scrgbClr r="0" g="0" b="0"/>
+      </a:lnRef>
+      <a:fillRef idx="3">
+        <a:scrgbClr r="0" g="0" b="0"/>
+      </a:fillRef>
+      <a:effectRef idx="2">
+        <a:scrgbClr r="0" g="0" b="0"/>
+      </a:effectRef>
+      <a:fontRef idx="minor">
+        <a:schemeClr val="lt1"/>
+      </a:fontRef>
+    </dgm:style>
+  </dgm:styleLbl>
+  <dgm:styleLbl name="bgSibTrans2D1">
+    <dgm:scene3d>
+      <a:camera prst="orthographicFront"/>
+      <a:lightRig rig="threePt" dir="t"/>
+    </dgm:scene3d>
+    <dgm:sp3d/>
+    <dgm:txPr/>
+    <dgm:style>
+      <a:lnRef idx="0">
+        <a:scrgbClr r="0" g="0" b="0"/>
+      </a:lnRef>
+      <a:fillRef idx="3">
+        <a:scrgbClr r="0" g="0" b="0"/>
+      </a:fillRef>
+      <a:effectRef idx="2">
+        <a:scrgbClr r="0" g="0" b="0"/>
+      </a:effectRef>
+      <a:fontRef idx="minor">
+        <a:schemeClr val="lt1"/>
+      </a:fontRef>
+    </dgm:style>
+  </dgm:styleLbl>
+  <dgm:styleLbl name="sibTrans1D1">
+    <dgm:scene3d>
+      <a:camera prst="orthographicFront"/>
+      <a:lightRig rig="threePt" dir="t"/>
+    </dgm:scene3d>
+    <dgm:sp3d/>
+    <dgm:txPr/>
+    <dgm:style>
+      <a:lnRef idx="1">
+        <a:scrgbClr r="0" g="0" b="0"/>
+      </a:lnRef>
+      <a:fillRef idx="0">
+        <a:scrgbClr r="0" g="0" b="0"/>
+      </a:fillRef>
+      <a:effectRef idx="0">
+        <a:scrgbClr r="0" g="0" b="0"/>
+      </a:effectRef>
+      <a:fontRef idx="minor"/>
+    </dgm:style>
+  </dgm:styleLbl>
+  <dgm:styleLbl name="callout">
+    <dgm:scene3d>
+      <a:camera prst="orthographicFront"/>
+      <a:lightRig rig="threePt" dir="t"/>
+    </dgm:scene3d>
+    <dgm:sp3d/>
+    <dgm:txPr/>
+    <dgm:style>
+      <a:lnRef idx="2">
+        <a:scrgbClr r="0" g="0" b="0"/>
+      </a:lnRef>
+      <a:fillRef idx="1">
+        <a:scrgbClr r="0" g="0" b="0"/>
+      </a:fillRef>
+      <a:effectRef idx="1">
+        <a:scrgbClr r="0" g="0" b="0"/>
+      </a:effectRef>
+      <a:fontRef idx="minor"/>
+    </dgm:style>
+  </dgm:styleLbl>
+  <dgm:styleLbl name="asst0">
+    <dgm:scene3d>
+      <a:camera prst="orthographicFront"/>
+      <a:lightRig rig="threePt" dir="t"/>
+    </dgm:scene3d>
+    <dgm:sp3d/>
+    <dgm:txPr/>
+    <dgm:style>
+      <a:lnRef idx="0">
+        <a:scrgbClr r="0" g="0" b="0"/>
+      </a:lnRef>
+      <a:fillRef idx="3">
+        <a:scrgbClr r="0" g="0" b="0"/>
+      </a:fillRef>
+      <a:effectRef idx="2">
+        <a:scrgbClr r="0" g="0" b="0"/>
+      </a:effectRef>
+      <a:fontRef idx="minor">
+        <a:schemeClr val="lt1"/>
+      </a:fontRef>
+    </dgm:style>
+  </dgm:styleLbl>
+  <dgm:styleLbl name="asst1">
+    <dgm:scene3d>
+      <a:camera prst="orthographicFront"/>
+      <a:lightRig rig="threePt" dir="t"/>
+    </dgm:scene3d>
+    <dgm:sp3d/>
+    <dgm:txPr/>
+    <dgm:style>
+      <a:lnRef idx="0">
+        <a:scrgbClr r="0" g="0" b="0"/>
+      </a:lnRef>
+      <a:fillRef idx="3">
+        <a:scrgbClr r="0" g="0" b="0"/>
+      </a:fillRef>
+      <a:effectRef idx="2">
+        <a:scrgbClr r="0" g="0" b="0"/>
+      </a:effectRef>
+      <a:fontRef idx="minor">
+        <a:schemeClr val="lt1"/>
+      </a:fontRef>
+    </dgm:style>
+  </dgm:styleLbl>
+  <dgm:styleLbl name="asst2">
+    <dgm:scene3d>
+      <a:camera prst="orthographicFront"/>
+      <a:lightRig rig="threePt" dir="t"/>
+    </dgm:scene3d>
+    <dgm:sp3d/>
+    <dgm:txPr/>
+    <dgm:style>
+      <a:lnRef idx="0">
+        <a:scrgbClr r="0" g="0" b="0"/>
+      </a:lnRef>
+      <a:fillRef idx="3">
+        <a:scrgbClr r="0" g="0" b="0"/>
+      </a:fillRef>
+      <a:effectRef idx="2">
+        <a:scrgbClr r="0" g="0" b="0"/>
+      </a:effectRef>
+      <a:fontRef idx="minor">
+        <a:schemeClr val="lt1"/>
+      </a:fontRef>
+    </dgm:style>
+  </dgm:styleLbl>
+  <dgm:styleLbl name="asst3">
+    <dgm:scene3d>
+      <a:camera prst="orthographicFront"/>
+      <a:lightRig rig="threePt" dir="t"/>
+    </dgm:scene3d>
+    <dgm:sp3d/>
+    <dgm:txPr/>
+    <dgm:style>
+      <a:lnRef idx="0">
+        <a:scrgbClr r="0" g="0" b="0"/>
+      </a:lnRef>
+      <a:fillRef idx="3">
+        <a:scrgbClr r="0" g="0" b="0"/>
+      </a:fillRef>
+      <a:effectRef idx="2">
+        <a:scrgbClr r="0" g="0" b="0"/>
+      </a:effectRef>
+      <a:fontRef idx="minor">
+        <a:schemeClr val="lt1"/>
+      </a:fontRef>
+    </dgm:style>
+  </dgm:styleLbl>
+  <dgm:styleLbl name="asst4">
+    <dgm:scene3d>
+      <a:camera prst="orthographicFront"/>
+      <a:lightRig rig="threePt" dir="t"/>
+    </dgm:scene3d>
+    <dgm:sp3d/>
+    <dgm:txPr/>
+    <dgm:style>
+      <a:lnRef idx="0">
+        <a:scrgbClr r="0" g="0" b="0"/>
+      </a:lnRef>
+      <a:fillRef idx="3">
+        <a:scrgbClr r="0" g="0" b="0"/>
+      </a:fillRef>
+      <a:effectRef idx="2">
+        <a:scrgbClr r="0" g="0" b="0"/>
+      </a:effectRef>
+      <a:fontRef idx="minor">
+        <a:schemeClr val="lt1"/>
+      </a:fontRef>
+    </dgm:style>
+  </dgm:styleLbl>
+  <dgm:styleLbl name="parChTrans2D1">
+    <dgm:scene3d>
+      <a:camera prst="orthographicFront"/>
+      <a:lightRig rig="threePt" dir="t"/>
+    </dgm:scene3d>
+    <dgm:sp3d/>
+    <dgm:txPr/>
+    <dgm:style>
+      <a:lnRef idx="0">
+        <a:scrgbClr r="0" g="0" b="0"/>
+      </a:lnRef>
+      <a:fillRef idx="3">
+        <a:scrgbClr r="0" g="0" b="0"/>
+      </a:fillRef>
+      <a:effectRef idx="2">
+        <a:scrgbClr r="0" g="0" b="0"/>
+      </a:effectRef>
+      <a:fontRef idx="minor">
+        <a:schemeClr val="lt1"/>
+      </a:fontRef>
+    </dgm:style>
+  </dgm:styleLbl>
+  <dgm:styleLbl name="parChTrans2D2">
+    <dgm:scene3d>
+      <a:camera prst="orthographicFront"/>
+      <a:lightRig rig="threePt" dir="t"/>
+    </dgm:scene3d>
+    <dgm:sp3d/>
+    <dgm:txPr/>
+    <dgm:style>
+      <a:lnRef idx="0">
+        <a:scrgbClr r="0" g="0" b="0"/>
+      </a:lnRef>
+      <a:fillRef idx="3">
+        <a:scrgbClr r="0" g="0" b="0"/>
+      </a:fillRef>
+      <a:effectRef idx="2">
+        <a:scrgbClr r="0" g="0" b="0"/>
+      </a:effectRef>
+      <a:fontRef idx="minor">
+        <a:schemeClr val="lt1"/>
+      </a:fontRef>
+    </dgm:style>
+  </dgm:styleLbl>
+  <dgm:styleLbl name="parChTrans2D3">
+    <dgm:scene3d>
+      <a:camera prst="orthographicFront"/>
+      <a:lightRig rig="threePt" dir="t"/>
+    </dgm:scene3d>
+    <dgm:sp3d/>
+    <dgm:txPr/>
+    <dgm:style>
+      <a:lnRef idx="1">
+        <a:scrgbClr r="0" g="0" b="0"/>
+      </a:lnRef>
+      <a:fillRef idx="3">
+        <a:scrgbClr r="0" g="0" b="0"/>
+      </a:fillRef>
+      <a:effectRef idx="2">
+        <a:scrgbClr r="0" g="0" b="0"/>
+      </a:effectRef>
+      <a:fontRef idx="minor">
+        <a:schemeClr val="lt1"/>
+      </a:fontRef>
+    </dgm:style>
+  </dgm:styleLbl>
+  <dgm:styleLbl name="parChTrans2D4">
+    <dgm:scene3d>
+      <a:camera prst="orthographicFront"/>
+      <a:lightRig rig="threePt" dir="t"/>
+    </dgm:scene3d>
+    <dgm:sp3d/>
+    <dgm:txPr/>
+    <dgm:style>
+      <a:lnRef idx="1">
+        <a:scrgbClr r="0" g="0" b="0"/>
+      </a:lnRef>
+      <a:fillRef idx="3">
+        <a:scrgbClr r="0" g="0" b="0"/>
+      </a:fillRef>
+      <a:effectRef idx="2">
+        <a:scrgbClr r="0" g="0" b="0"/>
+      </a:effectRef>
+      <a:fontRef idx="minor">
+        <a:schemeClr val="lt1"/>
+      </a:fontRef>
+    </dgm:style>
+  </dgm:styleLbl>
+  <dgm:styleLbl name="parChTrans1D1">
+    <dgm:scene3d>
+      <a:camera prst="orthographicFront"/>
+      <a:lightRig rig="threePt" dir="t"/>
+    </dgm:scene3d>
+    <dgm:sp3d/>
+    <dgm:txPr/>
+    <dgm:style>
+      <a:lnRef idx="1">
+        <a:scrgbClr r="0" g="0" b="0"/>
+      </a:lnRef>
+      <a:fillRef idx="0">
+        <a:scrgbClr r="0" g="0" b="0"/>
+      </a:fillRef>
+      <a:effectRef idx="0">
+        <a:scrgbClr r="0" g="0" b="0"/>
+      </a:effectRef>
+      <a:fontRef idx="minor"/>
+    </dgm:style>
+  </dgm:styleLbl>
+  <dgm:styleLbl name="parChTrans1D2">
+    <dgm:scene3d>
+      <a:camera prst="orthographicFront"/>
+      <a:lightRig rig="threePt" dir="t"/>
+    </dgm:scene3d>
+    <dgm:sp3d/>
+    <dgm:txPr/>
+    <dgm:style>
+      <a:lnRef idx="1">
+        <a:scrgbClr r="0" g="0" b="0"/>
+      </a:lnRef>
+      <a:fillRef idx="0">
+        <a:scrgbClr r="0" g="0" b="0"/>
+      </a:fillRef>
+      <a:effectRef idx="0">
+        <a:scrgbClr r="0" g="0" b="0"/>
+      </a:effectRef>
+      <a:fontRef idx="minor"/>
+    </dgm:style>
+  </dgm:styleLbl>
+  <dgm:styleLbl name="parChTrans1D3">
+    <dgm:scene3d>
+      <a:camera prst="orthographicFront"/>
+      <a:lightRig rig="threePt" dir="t"/>
+    </dgm:scene3d>
+    <dgm:sp3d/>
+    <dgm:txPr/>
+    <dgm:style>
+      <a:lnRef idx="1">
+        <a:scrgbClr r="0" g="0" b="0"/>
+      </a:lnRef>
+      <a:fillRef idx="0">
+        <a:scrgbClr r="0" g="0" b="0"/>
+      </a:fillRef>
+      <a:effectRef idx="0">
+        <a:scrgbClr r="0" g="0" b="0"/>
+      </a:effectRef>
+      <a:fontRef idx="minor"/>
+    </dgm:style>
+  </dgm:styleLbl>
+  <dgm:styleLbl name="parChTrans1D4">
+    <dgm:scene3d>
+      <a:camera prst="orthographicFront"/>
+      <a:lightRig rig="threePt" dir="t"/>
+    </dgm:scene3d>
+    <dgm:sp3d/>
+    <dgm:txPr/>
+    <dgm:style>
+      <a:lnRef idx="1">
+        <a:scrgbClr r="0" g="0" b="0"/>
+      </a:lnRef>
+      <a:fillRef idx="0">
+        <a:scrgbClr r="0" g="0" b="0"/>
+      </a:fillRef>
+      <a:effectRef idx="0">
+        <a:scrgbClr r="0" g="0" b="0"/>
+      </a:effectRef>
+      <a:fontRef idx="minor"/>
+    </dgm:style>
+  </dgm:styleLbl>
+  <dgm:styleLbl name="fgAcc1">
+    <dgm:scene3d>
+      <a:camera prst="orthographicFront"/>
+      <a:lightRig rig="threePt" dir="t"/>
+    </dgm:scene3d>
+    <dgm:sp3d/>
+    <dgm:txPr/>
+    <dgm:style>
+      <a:lnRef idx="1">
+        <a:scrgbClr r="0" g="0" b="0"/>
+      </a:lnRef>
+      <a:fillRef idx="1">
+        <a:scrgbClr r="0" g="0" b="0"/>
+      </a:fillRef>
+      <a:effectRef idx="0">
+        <a:scrgbClr r="0" g="0" b="0"/>
+      </a:effectRef>
+      <a:fontRef idx="minor"/>
+    </dgm:style>
+  </dgm:styleLbl>
+  <dgm:styleLbl name="conFgAcc1">
+    <dgm:scene3d>
+      <a:camera prst="orthographicFront"/>
+      <a:lightRig rig="threePt" dir="t"/>
+    </dgm:scene3d>
+    <dgm:sp3d/>
+    <dgm:txPr/>
+    <dgm:style>
+      <a:lnRef idx="1">
+        <a:scrgbClr r="0" g="0" b="0"/>
+      </a:lnRef>
+      <a:fillRef idx="1">
+        <a:scrgbClr r="0" g="0" b="0"/>
+      </a:fillRef>
+      <a:effectRef idx="0">
+        <a:scrgbClr r="0" g="0" b="0"/>
+      </a:effectRef>
+      <a:fontRef idx="minor"/>
+    </dgm:style>
+  </dgm:styleLbl>
+  <dgm:styleLbl name="alignAcc1">
+    <dgm:scene3d>
+      <a:camera prst="orthographicFront"/>
+      <a:lightRig rig="threePt" dir="t"/>
+    </dgm:scene3d>
+    <dgm:sp3d/>
+    <dgm:txPr/>
+    <dgm:style>
+      <a:lnRef idx="1">
+        <a:scrgbClr r="0" g="0" b="0"/>
+      </a:lnRef>
+      <a:fillRef idx="1">
+        <a:scrgbClr r="0" g="0" b="0"/>
+      </a:fillRef>
+      <a:effectRef idx="0">
+        <a:scrgbClr r="0" g="0" b="0"/>
+      </a:effectRef>
+      <a:fontRef idx="minor"/>
+    </dgm:style>
+  </dgm:styleLbl>
+  <dgm:styleLbl name="trAlignAcc1">
+    <dgm:scene3d>
+      <a:camera prst="orthographicFront"/>
+      <a:lightRig rig="threePt" dir="t"/>
+    </dgm:scene3d>
+    <dgm:sp3d/>
+    <dgm:txPr/>
+    <dgm:style>
+      <a:lnRef idx="1">
+        <a:scrgbClr r="0" g="0" b="0"/>
+      </a:lnRef>
+      <a:fillRef idx="1">
+        <a:scrgbClr r="0" g="0" b="0"/>
+      </a:fillRef>
+      <a:effectRef idx="0">
+        <a:scrgbClr r="0" g="0" b="0"/>
+      </a:effectRef>
+      <a:fontRef idx="minor"/>
+    </dgm:style>
+  </dgm:styleLbl>
+  <dgm:styleLbl name="bgAcc1">
+    <dgm:scene3d>
+      <a:camera prst="orthographicFront"/>
+      <a:lightRig rig="threePt" dir="t"/>
+    </dgm:scene3d>
+    <dgm:sp3d/>
+    <dgm:txPr/>
+    <dgm:style>
+      <a:lnRef idx="1">
+        <a:scrgbClr r="0" g="0" b="0"/>
+      </a:lnRef>
+      <a:fillRef idx="1">
+        <a:scrgbClr r="0" g="0" b="0"/>
+      </a:fillRef>
+      <a:effectRef idx="0">
+        <a:scrgbClr r="0" g="0" b="0"/>
+      </a:effectRef>
+      <a:fontRef idx="minor"/>
+    </dgm:style>
+  </dgm:styleLbl>
+  <dgm:styleLbl name="solidFgAcc1">
+    <dgm:scene3d>
+      <a:camera prst="orthographicFront"/>
+      <a:lightRig rig="threePt" dir="t"/>
+    </dgm:scene3d>
+    <dgm:sp3d/>
+    <dgm:txPr/>
+    <dgm:style>
+      <a:lnRef idx="1">
+        <a:scrgbClr r="0" g="0" b="0"/>
+      </a:lnRef>
+      <a:fillRef idx="1">
+        <a:scrgbClr r="0" g="0" b="0"/>
+      </a:fillRef>
+      <a:effectRef idx="0">
+        <a:scrgbClr r="0" g="0" b="0"/>
+      </a:effectRef>
+      <a:fontRef idx="minor"/>
+    </dgm:style>
+  </dgm:styleLbl>
+  <dgm:styleLbl name="solidAlignAcc1">
+    <dgm:scene3d>
+      <a:camera prst="orthographicFront"/>
+      <a:lightRig rig="threePt" dir="t"/>
+    </dgm:scene3d>
+    <dgm:sp3d/>
+    <dgm:txPr/>
+    <dgm:style>
+      <a:lnRef idx="1">
+        <a:scrgbClr r="0" g="0" b="0"/>
+      </a:lnRef>
+      <a:fillRef idx="1">
+        <a:scrgbClr r="0" g="0" b="0"/>
+      </a:fillRef>
+      <a:effectRef idx="0">
+        <a:scrgbClr r="0" g="0" b="0"/>
+      </a:effectRef>
+      <a:fontRef idx="minor"/>
+    </dgm:style>
+  </dgm:styleLbl>
+  <dgm:styleLbl name="solidBgAcc1">
+    <dgm:scene3d>
+      <a:camera prst="orthographicFront"/>
+      <a:lightRig rig="threePt" dir="t"/>
+    </dgm:scene3d>
+    <dgm:sp3d/>
+    <dgm:txPr/>
+    <dgm:style>
+      <a:lnRef idx="1">
+        <a:scrgbClr r="0" g="0" b="0"/>
+      </a:lnRef>
+      <a:fillRef idx="1">
+        <a:scrgbClr r="0" g="0" b="0"/>
+      </a:fillRef>
+      <a:effectRef idx="0">
+        <a:scrgbClr r="0" g="0" b="0"/>
+      </a:effectRef>
+      <a:fontRef idx="minor"/>
+    </dgm:style>
+  </dgm:styleLbl>
+  <dgm:styleLbl name="fgAccFollowNode1">
+    <dgm:scene3d>
+      <a:camera prst="orthographicFront"/>
+      <a:lightRig rig="threePt" dir="t"/>
+    </dgm:scene3d>
+    <dgm:sp3d/>
+    <dgm:txPr/>
+    <dgm:style>
+      <a:lnRef idx="1">
+        <a:scrgbClr r="0" g="0" b="0"/>
+      </a:lnRef>
+      <a:fillRef idx="1">
+        <a:scrgbClr r="0" g="0" b="0"/>
+      </a:fillRef>
+      <a:effectRef idx="0">
+        <a:scrgbClr r="0" g="0" b="0"/>
+      </a:effectRef>
+      <a:fontRef idx="minor"/>
+    </dgm:style>
+  </dgm:styleLbl>
+  <dgm:styleLbl name="alignAccFollowNode1">
+    <dgm:scene3d>
+      <a:camera prst="orthographicFront"/>
+      <a:lightRig rig="threePt" dir="t"/>
+    </dgm:scene3d>
+    <dgm:sp3d/>
+    <dgm:txPr/>
+    <dgm:style>
+      <a:lnRef idx="1">
+        <a:scrgbClr r="0" g="0" b="0"/>
+      </a:lnRef>
+      <a:fillRef idx="1">
+        <a:scrgbClr r="0" g="0" b="0"/>
+      </a:fillRef>
+      <a:effectRef idx="0">
+        <a:scrgbClr r="0" g="0" b="0"/>
+      </a:effectRef>
+      <a:fontRef idx="minor"/>
+    </dgm:style>
+  </dgm:styleLbl>
+  <dgm:styleLbl name="bgAccFollowNode1">
+    <dgm:scene3d>
+      <a:camera prst="orthographicFront"/>
+      <a:lightRig rig="threePt" dir="t"/>
+    </dgm:scene3d>
+    <dgm:sp3d/>
+    <dgm:txPr/>
+    <dgm:style>
+      <a:lnRef idx="1">
+        <a:scrgbClr r="0" g="0" b="0"/>
+      </a:lnRef>
+      <a:fillRef idx="1">
+        <a:scrgbClr r="0" g="0" b="0"/>
+      </a:fillRef>
+      <a:effectRef idx="0">
+        <a:scrgbClr r="0" g="0" b="0"/>
+      </a:effectRef>
+      <a:fontRef idx="minor"/>
+    </dgm:style>
+  </dgm:styleLbl>
+  <dgm:styleLbl name="fgAcc0">
+    <dgm:scene3d>
+      <a:camera prst="orthographicFront"/>
+      <a:lightRig rig="threePt" dir="t"/>
+    </dgm:scene3d>
+    <dgm:sp3d/>
+    <dgm:txPr/>
+    <dgm:style>
+      <a:lnRef idx="1">
+        <a:scrgbClr r="0" g="0" b="0"/>
+      </a:lnRef>
+      <a:fillRef idx="1">
+        <a:scrgbClr r="0" g="0" b="0"/>
+      </a:fillRef>
+      <a:effectRef idx="0">
+        <a:scrgbClr r="0" g="0" b="0"/>
+      </a:effectRef>
+      <a:fontRef idx="minor"/>
+    </dgm:style>
+  </dgm:styleLbl>
+  <dgm:styleLbl name="fgAcc2">
+    <dgm:scene3d>
+      <a:camera prst="orthographicFront"/>
+      <a:lightRig rig="threePt" dir="t"/>
+    </dgm:scene3d>
+    <dgm:sp3d/>
+    <dgm:txPr/>
+    <dgm:style>
+      <a:lnRef idx="1">
+        <a:scrgbClr r="0" g="0" b="0"/>
+      </a:lnRef>
+      <a:fillRef idx="1">
+        <a:scrgbClr r="0" g="0" b="0"/>
+      </a:fillRef>
+      <a:effectRef idx="0">
+        <a:scrgbClr r="0" g="0" b="0"/>
+      </a:effectRef>
+      <a:fontRef idx="minor"/>
+    </dgm:style>
+  </dgm:styleLbl>
+  <dgm:styleLbl name="fgAcc3">
+    <dgm:scene3d>
+      <a:camera prst="orthographicFront"/>
+      <a:lightRig rig="threePt" dir="t"/>
+    </dgm:scene3d>
+    <dgm:sp3d/>
+    <dgm:txPr/>
+    <dgm:style>
+      <a:lnRef idx="1">
+        <a:scrgbClr r="0" g="0" b="0"/>
+      </a:lnRef>
+      <a:fillRef idx="1">
+        <a:scrgbClr r="0" g="0" b="0"/>
+      </a:fillRef>
+      <a:effectRef idx="0">
+        <a:scrgbClr r="0" g="0" b="0"/>
+      </a:effectRef>
+      <a:fontRef idx="minor"/>
+    </dgm:style>
+  </dgm:styleLbl>
+  <dgm:styleLbl name="fgAcc4">
+    <dgm:scene3d>
+      <a:camera prst="orthographicFront"/>
+      <a:lightRig rig="threePt" dir="t"/>
+    </dgm:scene3d>
+    <dgm:sp3d/>
+    <dgm:txPr/>
+    <dgm:style>
+      <a:lnRef idx="1">
+        <a:scrgbClr r="0" g="0" b="0"/>
+      </a:lnRef>
+      <a:fillRef idx="1">
+        <a:scrgbClr r="0" g="0" b="0"/>
+      </a:fillRef>
+      <a:effectRef idx="0">
+        <a:scrgbClr r="0" g="0" b="0"/>
+      </a:effectRef>
+      <a:fontRef idx="minor"/>
+    </dgm:style>
+  </dgm:styleLbl>
+  <dgm:styleLbl name="bgShp">
+    <dgm:scene3d>
+      <a:camera prst="orthographicFront"/>
+      <a:lightRig rig="threePt" dir="t"/>
+    </dgm:scene3d>
+    <dgm:sp3d/>
+    <dgm:txPr/>
+    <dgm:style>
+      <a:lnRef idx="0">
+        <a:scrgbClr r="0" g="0" b="0"/>
+      </a:lnRef>
+      <a:fillRef idx="1">
+        <a:scrgbClr r="0" g="0" b="0"/>
+      </a:fillRef>
+      <a:effectRef idx="2">
+        <a:scrgbClr r="0" g="0" b="0"/>
+      </a:effectRef>
+      <a:fontRef idx="minor"/>
+    </dgm:style>
+  </dgm:styleLbl>
+  <dgm:styleLbl name="dkBgShp">
+    <dgm:scene3d>
+      <a:camera prst="orthographicFront"/>
+      <a:lightRig rig="threePt" dir="t"/>
+    </dgm:scene3d>
+    <dgm:sp3d/>
+    <dgm:txPr/>
+    <dgm:style>
+      <a:lnRef idx="0">
+        <a:scrgbClr r="0" g="0" b="0"/>
+      </a:lnRef>
+      <a:fillRef idx="1">
+        <a:scrgbClr r="0" g="0" b="0"/>
+      </a:fillRef>
+      <a:effectRef idx="2">
+        <a:scrgbClr r="0" g="0" b="0"/>
+      </a:effectRef>
+      <a:fontRef idx="minor"/>
+    </dgm:style>
+  </dgm:styleLbl>
+  <dgm:styleLbl name="trBgShp">
+    <dgm:scene3d>
+      <a:camera prst="orthographicFront"/>
+      <a:lightRig rig="threePt" dir="t"/>
+    </dgm:scene3d>
+    <dgm:sp3d/>
+    <dgm:txPr/>
+    <dgm:style>
+      <a:lnRef idx="0">
+        <a:scrgbClr r="0" g="0" b="0"/>
+      </a:lnRef>
+      <a:fillRef idx="1">
+        <a:scrgbClr r="0" g="0" b="0"/>
+      </a:fillRef>
+      <a:effectRef idx="0">
+        <a:scrgbClr r="0" g="0" b="0"/>
+      </a:effectRef>
+      <a:fontRef idx="minor"/>
+    </dgm:style>
+  </dgm:styleLbl>
+  <dgm:styleLbl name="fgShp">
+    <dgm:scene3d>
+      <a:camera prst="orthographicFront"/>
+      <a:lightRig rig="threePt" dir="t"/>
+    </dgm:scene3d>
+    <dgm:sp3d/>
+    <dgm:txPr/>
+    <dgm:style>
+      <a:lnRef idx="0">
+        <a:scrgbClr r="0" g="0" b="0"/>
+      </a:lnRef>
+      <a:fillRef idx="3">
+        <a:scrgbClr r="0" g="0" b="0"/>
+      </a:fillRef>
+      <a:effectRef idx="2">
+        <a:scrgbClr r="0" g="0" b="0"/>
+      </a:effectRef>
+      <a:fontRef idx="minor"/>
+    </dgm:style>
+  </dgm:styleLbl>
+  <dgm:styleLbl name="revTx">
+    <dgm:scene3d>
+      <a:camera prst="orthographicFront"/>
+      <a:lightRig rig="threePt" dir="t"/>
+    </dgm:scene3d>
+    <dgm:sp3d/>
+    <dgm:txPr/>
+    <dgm:style>
+      <a:lnRef idx="0">
+        <a:scrgbClr r="0" g="0" b="0"/>
+      </a:lnRef>
+      <a:fillRef idx="0">
+        <a:scrgbClr r="0" g="0" b="0"/>
+      </a:fillRef>
+      <a:effectRef idx="0">
+        <a:scrgbClr r="0" g="0" b="0"/>
+      </a:effectRef>
+      <a:fontRef idx="minor"/>
+    </dgm:style>
+  </dgm:styleLbl>
+</dgm:styleDef>
+</file>
+
+<file path=ppt/diagrams/quickStyle9.xml><?xml version="1.0" encoding="utf-8"?>
 <dgm:styleDef xmlns:dgm="http://schemas.openxmlformats.org/drawingml/2006/diagram" xmlns:a="http://schemas.openxmlformats.org/drawingml/2006/main" uniqueId="urn:microsoft.com/office/officeart/2005/8/quickstyle/simple4">
   <dgm:title val=""/>
   <dgm:desc val=""/>
@@ -35555,6 +41082,82 @@
           <a:p>
             <a:r>
               <a:rPr lang="en-US" dirty="0" smtClean="0"/>
+              <a:t>Results</a:t>
+            </a:r>
+            <a:endParaRPr lang="en-US" dirty="0"/>
+          </a:p>
+        </p:txBody>
+      </p:sp>
+      <p:sp>
+        <p:nvSpPr>
+          <p:cNvPr id="3" name="Content Placeholder 2"/>
+          <p:cNvSpPr>
+            <a:spLocks noGrp="1"/>
+          </p:cNvSpPr>
+          <p:nvPr>
+            <p:ph idx="1"/>
+          </p:nvPr>
+        </p:nvSpPr>
+        <p:spPr/>
+        <p:txBody>
+          <a:bodyPr/>
+          <a:lstStyle/>
+          <a:p>
+            <a:r>
+              <a:rPr lang="en-US" dirty="0" smtClean="0"/>
+              <a:t>Preliminary findings indicate that there seems to be some good results from these methods</a:t>
+            </a:r>
+            <a:endParaRPr lang="en-US" dirty="0"/>
+          </a:p>
+        </p:txBody>
+      </p:sp>
+    </p:spTree>
+    <p:extLst>
+      <p:ext uri="{BB962C8B-B14F-4D97-AF65-F5344CB8AC3E}">
+        <p14:creationId xmlns:p14="http://schemas.microsoft.com/office/powerpoint/2010/main" val="4289662780"/>
+      </p:ext>
+    </p:extLst>
+  </p:cSld>
+  <p:clrMapOvr>
+    <a:masterClrMapping/>
+  </p:clrMapOvr>
+</p:sld>
+</file>
+
+<file path=ppt/slides/slide11.xml><?xml version="1.0" encoding="utf-8"?>
+<p:sld xmlns:a="http://schemas.openxmlformats.org/drawingml/2006/main" xmlns:r="http://schemas.openxmlformats.org/officeDocument/2006/relationships" xmlns:p="http://schemas.openxmlformats.org/presentationml/2006/main">
+  <p:cSld>
+    <p:spTree>
+      <p:nvGrpSpPr>
+        <p:cNvPr id="1" name=""/>
+        <p:cNvGrpSpPr/>
+        <p:nvPr/>
+      </p:nvGrpSpPr>
+      <p:grpSpPr>
+        <a:xfrm>
+          <a:off x="0" y="0"/>
+          <a:ext cx="0" cy="0"/>
+          <a:chOff x="0" y="0"/>
+          <a:chExt cx="0" cy="0"/>
+        </a:xfrm>
+      </p:grpSpPr>
+      <p:sp>
+        <p:nvSpPr>
+          <p:cNvPr id="2" name="Title 1"/>
+          <p:cNvSpPr>
+            <a:spLocks noGrp="1"/>
+          </p:cNvSpPr>
+          <p:nvPr>
+            <p:ph type="title"/>
+          </p:nvPr>
+        </p:nvSpPr>
+        <p:spPr/>
+        <p:txBody>
+          <a:bodyPr/>
+          <a:lstStyle/>
+          <a:p>
+            <a:r>
+              <a:rPr lang="en-US" dirty="0" smtClean="0"/>
               <a:t>Things That Did Not Work</a:t>
             </a:r>
             <a:endParaRPr lang="en-US" dirty="0"/>
@@ -35571,7 +41174,7 @@
             <p:ph idx="1"/>
             <p:extLst>
               <p:ext uri="{D42A27DB-BD31-4B8C-83A1-F6EECF244321}">
-                <p14:modId xmlns:p14="http://schemas.microsoft.com/office/powerpoint/2010/main" val="382344659"/>
+                <p14:modId xmlns:p14="http://schemas.microsoft.com/office/powerpoint/2010/main" val="2142131776"/>
               </p:ext>
             </p:extLst>
           </p:nvPr>
@@ -35599,7 +41202,85 @@
 </p:sld>
 </file>
 
-<file path=ppt/slides/slide11.xml><?xml version="1.0" encoding="utf-8"?>
+<file path=ppt/slides/slide12.xml><?xml version="1.0" encoding="utf-8"?>
+<p:sld xmlns:a="http://schemas.openxmlformats.org/drawingml/2006/main" xmlns:r="http://schemas.openxmlformats.org/officeDocument/2006/relationships" xmlns:p="http://schemas.openxmlformats.org/presentationml/2006/main">
+  <p:cSld>
+    <p:spTree>
+      <p:nvGrpSpPr>
+        <p:cNvPr id="1" name=""/>
+        <p:cNvGrpSpPr/>
+        <p:nvPr/>
+      </p:nvGrpSpPr>
+      <p:grpSpPr>
+        <a:xfrm>
+          <a:off x="0" y="0"/>
+          <a:ext cx="0" cy="0"/>
+          <a:chOff x="0" y="0"/>
+          <a:chExt cx="0" cy="0"/>
+        </a:xfrm>
+      </p:grpSpPr>
+      <p:sp>
+        <p:nvSpPr>
+          <p:cNvPr id="2" name="Title 1"/>
+          <p:cNvSpPr>
+            <a:spLocks noGrp="1"/>
+          </p:cNvSpPr>
+          <p:nvPr>
+            <p:ph type="title"/>
+          </p:nvPr>
+        </p:nvSpPr>
+        <p:spPr/>
+        <p:txBody>
+          <a:bodyPr/>
+          <a:lstStyle/>
+          <a:p>
+            <a:r>
+              <a:rPr lang="en-US" dirty="0" smtClean="0"/>
+              <a:t>Future Things</a:t>
+            </a:r>
+            <a:endParaRPr lang="en-US" dirty="0"/>
+          </a:p>
+        </p:txBody>
+      </p:sp>
+      <p:graphicFrame>
+        <p:nvGraphicFramePr>
+          <p:cNvPr id="4" name="Content Placeholder 3"/>
+          <p:cNvGraphicFramePr>
+            <a:graphicFrameLocks noGrp="1"/>
+          </p:cNvGraphicFramePr>
+          <p:nvPr>
+            <p:ph idx="1"/>
+            <p:extLst>
+              <p:ext uri="{D42A27DB-BD31-4B8C-83A1-F6EECF244321}">
+                <p14:modId xmlns:p14="http://schemas.microsoft.com/office/powerpoint/2010/main" val="258388817"/>
+              </p:ext>
+            </p:extLst>
+          </p:nvPr>
+        </p:nvGraphicFramePr>
+        <p:xfrm>
+          <a:off x="1141413" y="2249488"/>
+          <a:ext cx="9906000" cy="3541712"/>
+        </p:xfrm>
+        <a:graphic>
+          <a:graphicData uri="http://schemas.openxmlformats.org/drawingml/2006/diagram">
+            <dgm:relIds xmlns:dgm="http://schemas.openxmlformats.org/drawingml/2006/diagram" xmlns:r="http://schemas.openxmlformats.org/officeDocument/2006/relationships" r:dm="rId2" r:lo="rId3" r:qs="rId4" r:cs="rId5"/>
+          </a:graphicData>
+        </a:graphic>
+      </p:graphicFrame>
+    </p:spTree>
+    <p:extLst>
+      <p:ext uri="{BB962C8B-B14F-4D97-AF65-F5344CB8AC3E}">
+        <p14:creationId xmlns:p14="http://schemas.microsoft.com/office/powerpoint/2010/main" val="3133301736"/>
+      </p:ext>
+    </p:extLst>
+  </p:cSld>
+  <p:clrMapOvr>
+    <a:masterClrMapping/>
+  </p:clrMapOvr>
+</p:sld>
+</file>
+
+<file path=ppt/slides/slide13.xml><?xml version="1.0" encoding="utf-8"?>
 <p:sld xmlns:a="http://schemas.openxmlformats.org/drawingml/2006/main" xmlns:r="http://schemas.openxmlformats.org/officeDocument/2006/relationships" xmlns:p="http://schemas.openxmlformats.org/presentationml/2006/main">
   <p:cSld>
     <p:spTree>
@@ -35791,6 +41472,84 @@
           <a:lstStyle/>
           <a:p>
             <a:r>
+              <a:rPr lang="en-US" dirty="0" smtClean="0"/>
+              <a:t>Some Motivation</a:t>
+            </a:r>
+            <a:endParaRPr lang="en-US" dirty="0"/>
+          </a:p>
+        </p:txBody>
+      </p:sp>
+      <p:graphicFrame>
+        <p:nvGraphicFramePr>
+          <p:cNvPr id="4" name="Content Placeholder 3"/>
+          <p:cNvGraphicFramePr>
+            <a:graphicFrameLocks noGrp="1"/>
+          </p:cNvGraphicFramePr>
+          <p:nvPr>
+            <p:ph idx="1"/>
+            <p:extLst>
+              <p:ext uri="{D42A27DB-BD31-4B8C-83A1-F6EECF244321}">
+                <p14:modId xmlns:p14="http://schemas.microsoft.com/office/powerpoint/2010/main" val="1591446447"/>
+              </p:ext>
+            </p:extLst>
+          </p:nvPr>
+        </p:nvGraphicFramePr>
+        <p:xfrm>
+          <a:off x="1141412" y="2249487"/>
+          <a:ext cx="9905999" cy="3541714"/>
+        </p:xfrm>
+        <a:graphic>
+          <a:graphicData uri="http://schemas.openxmlformats.org/drawingml/2006/diagram">
+            <dgm:relIds xmlns:dgm="http://schemas.openxmlformats.org/drawingml/2006/diagram" xmlns:r="http://schemas.openxmlformats.org/officeDocument/2006/relationships" r:dm="rId2" r:lo="rId3" r:qs="rId4" r:cs="rId5"/>
+          </a:graphicData>
+        </a:graphic>
+      </p:graphicFrame>
+    </p:spTree>
+    <p:extLst>
+      <p:ext uri="{BB962C8B-B14F-4D97-AF65-F5344CB8AC3E}">
+        <p14:creationId xmlns:p14="http://schemas.microsoft.com/office/powerpoint/2010/main" val="51059755"/>
+      </p:ext>
+    </p:extLst>
+  </p:cSld>
+  <p:clrMapOvr>
+    <a:masterClrMapping/>
+  </p:clrMapOvr>
+</p:sld>
+</file>
+
+<file path=ppt/slides/slide4.xml><?xml version="1.0" encoding="utf-8"?>
+<p:sld xmlns:a="http://schemas.openxmlformats.org/drawingml/2006/main" xmlns:r="http://schemas.openxmlformats.org/officeDocument/2006/relationships" xmlns:p="http://schemas.openxmlformats.org/presentationml/2006/main">
+  <p:cSld>
+    <p:spTree>
+      <p:nvGrpSpPr>
+        <p:cNvPr id="1" name=""/>
+        <p:cNvGrpSpPr/>
+        <p:nvPr/>
+      </p:nvGrpSpPr>
+      <p:grpSpPr>
+        <a:xfrm>
+          <a:off x="0" y="0"/>
+          <a:ext cx="0" cy="0"/>
+          <a:chOff x="0" y="0"/>
+          <a:chExt cx="0" cy="0"/>
+        </a:xfrm>
+      </p:grpSpPr>
+      <p:sp>
+        <p:nvSpPr>
+          <p:cNvPr id="2" name="Title 1"/>
+          <p:cNvSpPr>
+            <a:spLocks noGrp="1"/>
+          </p:cNvSpPr>
+          <p:nvPr>
+            <p:ph type="title"/>
+          </p:nvPr>
+        </p:nvSpPr>
+        <p:spPr/>
+        <p:txBody>
+          <a:bodyPr/>
+          <a:lstStyle/>
+          <a:p>
+            <a:r>
               <a:rPr lang="en-US" dirty="0"/>
               <a:t>Possible Solution and design</a:t>
             </a:r>
@@ -35835,7 +41594,7 @@
 </p:sld>
 </file>
 
-<file path=ppt/slides/slide4.xml><?xml version="1.0" encoding="utf-8"?>
+<file path=ppt/slides/slide5.xml><?xml version="1.0" encoding="utf-8"?>
 <p:sld xmlns:a="http://schemas.openxmlformats.org/drawingml/2006/main" xmlns:r="http://schemas.openxmlformats.org/officeDocument/2006/relationships" xmlns:p="http://schemas.openxmlformats.org/presentationml/2006/main">
   <p:cSld>
     <p:spTree>
@@ -35913,7 +41672,7 @@
 </p:sld>
 </file>
 
-<file path=ppt/slides/slide5.xml><?xml version="1.0" encoding="utf-8"?>
+<file path=ppt/slides/slide6.xml><?xml version="1.0" encoding="utf-8"?>
 <p:sld xmlns:a="http://schemas.openxmlformats.org/drawingml/2006/main" xmlns:r="http://schemas.openxmlformats.org/officeDocument/2006/relationships" xmlns:p="http://schemas.openxmlformats.org/presentationml/2006/main">
   <p:cSld>
     <p:spTree>
@@ -35996,7 +41755,7 @@
 </p:sld>
 </file>
 
-<file path=ppt/slides/slide6.xml><?xml version="1.0" encoding="utf-8"?>
+<file path=ppt/slides/slide7.xml><?xml version="1.0" encoding="utf-8"?>
 <p:sld xmlns:a="http://schemas.openxmlformats.org/drawingml/2006/main" xmlns:r="http://schemas.openxmlformats.org/officeDocument/2006/relationships" xmlns:p="http://schemas.openxmlformats.org/presentationml/2006/main">
   <p:cSld>
     <p:spTree>
@@ -36074,7 +41833,7 @@
 </p:sld>
 </file>
 
-<file path=ppt/slides/slide7.xml><?xml version="1.0" encoding="utf-8"?>
+<file path=ppt/slides/slide8.xml><?xml version="1.0" encoding="utf-8"?>
 <p:sld xmlns:a="http://schemas.openxmlformats.org/drawingml/2006/main" xmlns:r="http://schemas.openxmlformats.org/officeDocument/2006/relationships" xmlns:p="http://schemas.openxmlformats.org/presentationml/2006/main">
   <p:cSld>
     <p:spTree>
@@ -36322,7 +42081,7 @@
 </p:sld>
 </file>
 
-<file path=ppt/slides/slide8.xml><?xml version="1.0" encoding="utf-8"?>
+<file path=ppt/slides/slide9.xml><?xml version="1.0" encoding="utf-8"?>
 <p:sld xmlns:a="http://schemas.openxmlformats.org/drawingml/2006/main" xmlns:r="http://schemas.openxmlformats.org/officeDocument/2006/relationships" xmlns:p="http://schemas.openxmlformats.org/presentationml/2006/main">
   <p:cSld>
     <p:spTree>
@@ -36371,7 +42130,7 @@
             <p:ph idx="1"/>
             <p:extLst>
               <p:ext uri="{D42A27DB-BD31-4B8C-83A1-F6EECF244321}">
-                <p14:modId xmlns:p14="http://schemas.microsoft.com/office/powerpoint/2010/main" val="1234532509"/>
+                <p14:modId xmlns:p14="http://schemas.microsoft.com/office/powerpoint/2010/main" val="2238619301"/>
               </p:ext>
             </p:extLst>
           </p:nvPr>
@@ -36390,82 +42149,6 @@
     <p:extLst>
       <p:ext uri="{BB962C8B-B14F-4D97-AF65-F5344CB8AC3E}">
         <p14:creationId xmlns:p14="http://schemas.microsoft.com/office/powerpoint/2010/main" val="4228261841"/>
-      </p:ext>
-    </p:extLst>
-  </p:cSld>
-  <p:clrMapOvr>
-    <a:masterClrMapping/>
-  </p:clrMapOvr>
-</p:sld>
-</file>
-
-<file path=ppt/slides/slide9.xml><?xml version="1.0" encoding="utf-8"?>
-<p:sld xmlns:a="http://schemas.openxmlformats.org/drawingml/2006/main" xmlns:r="http://schemas.openxmlformats.org/officeDocument/2006/relationships" xmlns:p="http://schemas.openxmlformats.org/presentationml/2006/main">
-  <p:cSld>
-    <p:spTree>
-      <p:nvGrpSpPr>
-        <p:cNvPr id="1" name=""/>
-        <p:cNvGrpSpPr/>
-        <p:nvPr/>
-      </p:nvGrpSpPr>
-      <p:grpSpPr>
-        <a:xfrm>
-          <a:off x="0" y="0"/>
-          <a:ext cx="0" cy="0"/>
-          <a:chOff x="0" y="0"/>
-          <a:chExt cx="0" cy="0"/>
-        </a:xfrm>
-      </p:grpSpPr>
-      <p:sp>
-        <p:nvSpPr>
-          <p:cNvPr id="2" name="Title 1"/>
-          <p:cNvSpPr>
-            <a:spLocks noGrp="1"/>
-          </p:cNvSpPr>
-          <p:nvPr>
-            <p:ph type="title"/>
-          </p:nvPr>
-        </p:nvSpPr>
-        <p:spPr/>
-        <p:txBody>
-          <a:bodyPr/>
-          <a:lstStyle/>
-          <a:p>
-            <a:r>
-              <a:rPr lang="en-US" dirty="0" smtClean="0"/>
-              <a:t>Results</a:t>
-            </a:r>
-            <a:endParaRPr lang="en-US" dirty="0"/>
-          </a:p>
-        </p:txBody>
-      </p:sp>
-      <p:sp>
-        <p:nvSpPr>
-          <p:cNvPr id="3" name="Content Placeholder 2"/>
-          <p:cNvSpPr>
-            <a:spLocks noGrp="1"/>
-          </p:cNvSpPr>
-          <p:nvPr>
-            <p:ph idx="1"/>
-          </p:nvPr>
-        </p:nvSpPr>
-        <p:spPr/>
-        <p:txBody>
-          <a:bodyPr/>
-          <a:lstStyle/>
-          <a:p>
-            <a:r>
-              <a:rPr lang="en-US" dirty="0" smtClean="0"/>
-              <a:t>Preliminary findings indicate that there seems to be some good results from these methods</a:t>
-            </a:r>
-            <a:endParaRPr lang="en-US" dirty="0"/>
-          </a:p>
-        </p:txBody>
-      </p:sp>
-    </p:spTree>
-    <p:extLst>
-      <p:ext uri="{BB962C8B-B14F-4D97-AF65-F5344CB8AC3E}">
-        <p14:creationId xmlns:p14="http://schemas.microsoft.com/office/powerpoint/2010/main" val="4289662780"/>
       </p:ext>
     </p:extLst>
   </p:cSld>
@@ -36720,7 +42403,7 @@
   <a:extraClrSchemeLst/>
   <a:extLst>
     <a:ext uri="{05A4C25C-085E-4340-85A3-A5531E510DB2}">
-      <thm15:themeFamily xmlns="" xmlns:thm15="http://schemas.microsoft.com/office/thememl/2012/main" name="Circuit" id="{0AC2F7E7-15F5-431C-B2A2-456FE929F56C}" vid="{142578CA-DEC9-49C3-80AF-C113973CC9A9}"/>
+      <thm15:themeFamily xmlns:thm15="http://schemas.microsoft.com/office/thememl/2012/main" xmlns="" name="Circuit" id="{0AC2F7E7-15F5-431C-B2A2-456FE929F56C}" vid="{142578CA-DEC9-49C3-80AF-C113973CC9A9}"/>
     </a:ext>
   </a:extLst>
 </a:theme>

--- a/presentation/Attribute Learning System Presentation.pptx
+++ b/presentation/Attribute Learning System Presentation.pptx
@@ -13,11 +13,14 @@
     <p:sldId id="268" r:id="rId7"/>
     <p:sldId id="269" r:id="rId8"/>
     <p:sldId id="260" r:id="rId9"/>
-    <p:sldId id="272" r:id="rId10"/>
-    <p:sldId id="264" r:id="rId11"/>
-    <p:sldId id="262" r:id="rId12"/>
-    <p:sldId id="274" r:id="rId13"/>
-    <p:sldId id="270" r:id="rId14"/>
+    <p:sldId id="275" r:id="rId10"/>
+    <p:sldId id="276" r:id="rId11"/>
+    <p:sldId id="272" r:id="rId12"/>
+    <p:sldId id="277" r:id="rId13"/>
+    <p:sldId id="264" r:id="rId14"/>
+    <p:sldId id="262" r:id="rId15"/>
+    <p:sldId id="274" r:id="rId16"/>
+    <p:sldId id="270" r:id="rId17"/>
   </p:sldIdLst>
   <p:sldSz cx="12192000" cy="6858000"/>
   <p:notesSz cx="6858000" cy="9144000"/>
@@ -118,7 +121,7 @@
   </p:defaultTextStyle>
   <p:extLst>
     <p:ext uri="{EFAFB233-063F-42B5-8137-9DF3F51BA10A}">
-      <p15:sldGuideLst xmlns:p15="http://schemas.microsoft.com/office/powerpoint/2012/main" xmlns="">
+      <p15:sldGuideLst xmlns="" xmlns:p15="http://schemas.microsoft.com/office/powerpoint/2012/main">
         <p15:guide id="1" orient="horz" pos="2160">
           <p15:clr>
             <a:srgbClr val="A4A3A4"/>
@@ -7413,6 +7416,13 @@
         </dgm:presLayoutVars>
       </dgm:prSet>
       <dgm:spPr/>
+      <dgm:t>
+        <a:bodyPr/>
+        <a:lstStyle/>
+        <a:p>
+          <a:endParaRPr lang="en-US"/>
+        </a:p>
+      </dgm:t>
     </dgm:pt>
     <dgm:pt modelId="{2A69F853-E734-B645-9FDF-9ED2A73DB8B1}" type="pres">
       <dgm:prSet presAssocID="{5516CD4A-0553-8241-8D91-22873BC8687B}" presName="linNode" presStyleCnt="0"/>
@@ -7465,6 +7475,13 @@
         </dgm:presLayoutVars>
       </dgm:prSet>
       <dgm:spPr/>
+      <dgm:t>
+        <a:bodyPr/>
+        <a:lstStyle/>
+        <a:p>
+          <a:endParaRPr lang="en-US"/>
+        </a:p>
+      </dgm:t>
     </dgm:pt>
     <dgm:pt modelId="{D94893DD-3D19-8349-97BD-573207405177}" type="pres">
       <dgm:prSet presAssocID="{F5124A65-F567-FF4D-B549-B3AE05E5760C}" presName="descendantText" presStyleLbl="alignAccFollowNode1" presStyleIdx="1" presStyleCnt="2">
@@ -7473,20 +7490,27 @@
         </dgm:presLayoutVars>
       </dgm:prSet>
       <dgm:spPr/>
+      <dgm:t>
+        <a:bodyPr/>
+        <a:lstStyle/>
+        <a:p>
+          <a:endParaRPr lang="en-US"/>
+        </a:p>
+      </dgm:t>
     </dgm:pt>
   </dgm:ptLst>
   <dgm:cxnLst>
+    <dgm:cxn modelId="{6473B28C-BA8B-714C-8A32-792F1259440B}" type="presOf" srcId="{B165420C-639D-0B4A-9AA9-4D0DE8CB9309}" destId="{AE402DE7-82CF-3548-9E00-714B9A5BB6F6}" srcOrd="0" destOrd="0" presId="urn:microsoft.com/office/officeart/2005/8/layout/vList5"/>
+    <dgm:cxn modelId="{89859EC3-629B-894A-9AA0-725490E0A82F}" type="presOf" srcId="{72891A80-BFEA-3B48-84B8-3FCAB392053F}" destId="{D94893DD-3D19-8349-97BD-573207405177}" srcOrd="0" destOrd="0" presId="urn:microsoft.com/office/officeart/2005/8/layout/vList5"/>
+    <dgm:cxn modelId="{7D35C443-5B4E-F843-A342-6613A5EDB50C}" type="presOf" srcId="{41D479AB-01FD-124F-A455-2C0E149243EC}" destId="{296305DA-0422-2A46-8EAE-11D5547E45EC}" srcOrd="0" destOrd="0" presId="urn:microsoft.com/office/officeart/2005/8/layout/vList5"/>
+    <dgm:cxn modelId="{780F0E9F-69D3-C94E-B394-9A83C11B5D16}" srcId="{5516CD4A-0553-8241-8D91-22873BC8687B}" destId="{41D479AB-01FD-124F-A455-2C0E149243EC}" srcOrd="0" destOrd="0" parTransId="{CC1A6E72-2EE2-1941-A38B-B2C3884CE78B}" sibTransId="{DED4B428-ABB8-6044-B019-64F7BF22FDAE}"/>
+    <dgm:cxn modelId="{44B1B041-D303-434C-8569-0162816E4705}" srcId="{B165420C-639D-0B4A-9AA9-4D0DE8CB9309}" destId="{5516CD4A-0553-8241-8D91-22873BC8687B}" srcOrd="0" destOrd="0" parTransId="{E65FA12C-B04A-F04C-B28C-3C5A24B36CAD}" sibTransId="{A20DFE15-0B08-BE4A-A143-121F27E6B0E8}"/>
     <dgm:cxn modelId="{0F633A43-BAA1-B143-8F9E-7601D6DF0327}" srcId="{F5124A65-F567-FF4D-B549-B3AE05E5760C}" destId="{72891A80-BFEA-3B48-84B8-3FCAB392053F}" srcOrd="0" destOrd="0" parTransId="{71AF184B-934F-BE41-BA7F-02EB6D5F1C41}" sibTransId="{0402E6F8-5637-C54F-A9E7-40E2C3A813ED}"/>
+    <dgm:cxn modelId="{6BA9EEF6-2291-1845-B711-81F626D88288}" type="presOf" srcId="{14953552-4CF3-7F40-B9D0-529341A22BCE}" destId="{D94893DD-3D19-8349-97BD-573207405177}" srcOrd="0" destOrd="1" presId="urn:microsoft.com/office/officeart/2005/8/layout/vList5"/>
+    <dgm:cxn modelId="{66233F89-DC58-DB4F-AFB1-588DDF9F2068}" type="presOf" srcId="{F5124A65-F567-FF4D-B549-B3AE05E5760C}" destId="{6D5D67CC-8B0C-9D43-948E-7F27FD6D78BE}" srcOrd="0" destOrd="0" presId="urn:microsoft.com/office/officeart/2005/8/layout/vList5"/>
+    <dgm:cxn modelId="{B0B852AE-011A-2548-BF05-B14F69455DEB}" type="presOf" srcId="{5516CD4A-0553-8241-8D91-22873BC8687B}" destId="{E8B0B3FF-3815-0A4B-81B4-8EC25402DE43}" srcOrd="0" destOrd="0" presId="urn:microsoft.com/office/officeart/2005/8/layout/vList5"/>
+    <dgm:cxn modelId="{27902539-05E5-1945-BB87-9D34DD450619}" srcId="{F5124A65-F567-FF4D-B549-B3AE05E5760C}" destId="{14953552-4CF3-7F40-B9D0-529341A22BCE}" srcOrd="1" destOrd="0" parTransId="{80B75601-51CA-884F-8FD5-4955B5BE80E7}" sibTransId="{8F86241B-FE17-F648-8812-54ECAF6AFACE}"/>
     <dgm:cxn modelId="{14581004-AB10-3944-B5E6-6C1D8CBF2348}" srcId="{B165420C-639D-0B4A-9AA9-4D0DE8CB9309}" destId="{F5124A65-F567-FF4D-B549-B3AE05E5760C}" srcOrd="1" destOrd="0" parTransId="{55D159CA-08EC-FD41-B579-B7EF6A71E338}" sibTransId="{14323F9C-40E1-C54A-8E25-98ACAF662E17}"/>
-    <dgm:cxn modelId="{6473B28C-BA8B-714C-8A32-792F1259440B}" type="presOf" srcId="{B165420C-639D-0B4A-9AA9-4D0DE8CB9309}" destId="{AE402DE7-82CF-3548-9E00-714B9A5BB6F6}" srcOrd="0" destOrd="0" presId="urn:microsoft.com/office/officeart/2005/8/layout/vList5"/>
-    <dgm:cxn modelId="{44B1B041-D303-434C-8569-0162816E4705}" srcId="{B165420C-639D-0B4A-9AA9-4D0DE8CB9309}" destId="{5516CD4A-0553-8241-8D91-22873BC8687B}" srcOrd="0" destOrd="0" parTransId="{E65FA12C-B04A-F04C-B28C-3C5A24B36CAD}" sibTransId="{A20DFE15-0B08-BE4A-A143-121F27E6B0E8}"/>
-    <dgm:cxn modelId="{66233F89-DC58-DB4F-AFB1-588DDF9F2068}" type="presOf" srcId="{F5124A65-F567-FF4D-B549-B3AE05E5760C}" destId="{6D5D67CC-8B0C-9D43-948E-7F27FD6D78BE}" srcOrd="0" destOrd="0" presId="urn:microsoft.com/office/officeart/2005/8/layout/vList5"/>
-    <dgm:cxn modelId="{7D35C443-5B4E-F843-A342-6613A5EDB50C}" type="presOf" srcId="{41D479AB-01FD-124F-A455-2C0E149243EC}" destId="{296305DA-0422-2A46-8EAE-11D5547E45EC}" srcOrd="0" destOrd="0" presId="urn:microsoft.com/office/officeart/2005/8/layout/vList5"/>
-    <dgm:cxn modelId="{89859EC3-629B-894A-9AA0-725490E0A82F}" type="presOf" srcId="{72891A80-BFEA-3B48-84B8-3FCAB392053F}" destId="{D94893DD-3D19-8349-97BD-573207405177}" srcOrd="0" destOrd="0" presId="urn:microsoft.com/office/officeart/2005/8/layout/vList5"/>
-    <dgm:cxn modelId="{27902539-05E5-1945-BB87-9D34DD450619}" srcId="{F5124A65-F567-FF4D-B549-B3AE05E5760C}" destId="{14953552-4CF3-7F40-B9D0-529341A22BCE}" srcOrd="1" destOrd="0" parTransId="{80B75601-51CA-884F-8FD5-4955B5BE80E7}" sibTransId="{8F86241B-FE17-F648-8812-54ECAF6AFACE}"/>
-    <dgm:cxn modelId="{780F0E9F-69D3-C94E-B394-9A83C11B5D16}" srcId="{5516CD4A-0553-8241-8D91-22873BC8687B}" destId="{41D479AB-01FD-124F-A455-2C0E149243EC}" srcOrd="0" destOrd="0" parTransId="{CC1A6E72-2EE2-1941-A38B-B2C3884CE78B}" sibTransId="{DED4B428-ABB8-6044-B019-64F7BF22FDAE}"/>
-    <dgm:cxn modelId="{B0B852AE-011A-2548-BF05-B14F69455DEB}" type="presOf" srcId="{5516CD4A-0553-8241-8D91-22873BC8687B}" destId="{E8B0B3FF-3815-0A4B-81B4-8EC25402DE43}" srcOrd="0" destOrd="0" presId="urn:microsoft.com/office/officeart/2005/8/layout/vList5"/>
-    <dgm:cxn modelId="{6BA9EEF6-2291-1845-B711-81F626D88288}" type="presOf" srcId="{14953552-4CF3-7F40-B9D0-529341A22BCE}" destId="{D94893DD-3D19-8349-97BD-573207405177}" srcOrd="0" destOrd="1" presId="urn:microsoft.com/office/officeart/2005/8/layout/vList5"/>
     <dgm:cxn modelId="{7CD1D4FD-8E52-944A-A63C-519D5D2F5E46}" type="presParOf" srcId="{AE402DE7-82CF-3548-9E00-714B9A5BB6F6}" destId="{2A69F853-E734-B645-9FDF-9ED2A73DB8B1}" srcOrd="0" destOrd="0" presId="urn:microsoft.com/office/officeart/2005/8/layout/vList5"/>
     <dgm:cxn modelId="{7C4DB432-711F-624D-A6A6-08A4B70BC643}" type="presParOf" srcId="{2A69F853-E734-B645-9FDF-9ED2A73DB8B1}" destId="{E8B0B3FF-3815-0A4B-81B4-8EC25402DE43}" srcOrd="0" destOrd="0" presId="urn:microsoft.com/office/officeart/2005/8/layout/vList5"/>
     <dgm:cxn modelId="{50692F03-96FC-2A47-9E76-93310E14EFB2}" type="presParOf" srcId="{2A69F853-E734-B645-9FDF-9ED2A73DB8B1}" destId="{296305DA-0422-2A46-8EAE-11D5547E45EC}" srcOrd="1" destOrd="0" presId="urn:microsoft.com/office/officeart/2005/8/layout/vList5"/>
@@ -9881,6 +9905,13 @@
         </dgm:presLayoutVars>
       </dgm:prSet>
       <dgm:spPr/>
+      <dgm:t>
+        <a:bodyPr/>
+        <a:lstStyle/>
+        <a:p>
+          <a:endParaRPr lang="en-US"/>
+        </a:p>
+      </dgm:t>
     </dgm:pt>
     <dgm:pt modelId="{F57962A2-0320-3D4F-B361-F11EAE206643}" type="pres">
       <dgm:prSet presAssocID="{6783BD06-83D4-DB4E-9499-7C43E0AA64C7}" presName="parentText" presStyleLbl="node1" presStyleIdx="0" presStyleCnt="2">
@@ -9890,6 +9921,13 @@
         </dgm:presLayoutVars>
       </dgm:prSet>
       <dgm:spPr/>
+      <dgm:t>
+        <a:bodyPr/>
+        <a:lstStyle/>
+        <a:p>
+          <a:endParaRPr lang="en-US"/>
+        </a:p>
+      </dgm:t>
     </dgm:pt>
     <dgm:pt modelId="{7F072C46-BF5C-E74A-BDBA-A2316FA1CE02}" type="pres">
       <dgm:prSet presAssocID="{6783BD06-83D4-DB4E-9499-7C43E0AA64C7}" presName="childText" presStyleLbl="revTx" presStyleIdx="0" presStyleCnt="2">
@@ -9929,20 +9967,27 @@
         </dgm:presLayoutVars>
       </dgm:prSet>
       <dgm:spPr/>
+      <dgm:t>
+        <a:bodyPr/>
+        <a:lstStyle/>
+        <a:p>
+          <a:endParaRPr lang="en-US"/>
+        </a:p>
+      </dgm:t>
     </dgm:pt>
   </dgm:ptLst>
   <dgm:cxnLst>
+    <dgm:cxn modelId="{AEF3B3B9-D627-6D4A-B214-406C9624D6CF}" srcId="{7E040981-7CE3-774D-8C6F-2BC906473FAB}" destId="{6783BD06-83D4-DB4E-9499-7C43E0AA64C7}" srcOrd="0" destOrd="0" parTransId="{134D0CC3-1D33-B64C-A21E-9AA946744840}" sibTransId="{B2C80D16-7558-B440-8ED6-DFBE7449FA42}"/>
+    <dgm:cxn modelId="{9CA9D8AF-64BE-E041-94C5-59282579C544}" srcId="{6783BD06-83D4-DB4E-9499-7C43E0AA64C7}" destId="{232535A5-43C3-7A4C-8182-5EE8E311AF2A}" srcOrd="0" destOrd="0" parTransId="{D7E2F479-3B62-C748-8407-A4526B702630}" sibTransId="{AA215D0C-6C5C-5C42-899F-8E61F52C0156}"/>
     <dgm:cxn modelId="{49609C54-9BFC-F045-AC5F-3B3A1D563C99}" type="presOf" srcId="{EFFA916E-4F76-8048-A184-2BBA466BB661}" destId="{828E74BE-A4CA-DA48-94AF-69667114393F}" srcOrd="0" destOrd="0" presId="urn:microsoft.com/office/officeart/2005/8/layout/vList2"/>
-    <dgm:cxn modelId="{9CA9D8AF-64BE-E041-94C5-59282579C544}" srcId="{6783BD06-83D4-DB4E-9499-7C43E0AA64C7}" destId="{232535A5-43C3-7A4C-8182-5EE8E311AF2A}" srcOrd="0" destOrd="0" parTransId="{D7E2F479-3B62-C748-8407-A4526B702630}" sibTransId="{AA215D0C-6C5C-5C42-899F-8E61F52C0156}"/>
+    <dgm:cxn modelId="{3290FC1D-15CD-314E-BE15-2FBF5BEAD6FD}" type="presOf" srcId="{232535A5-43C3-7A4C-8182-5EE8E311AF2A}" destId="{7F072C46-BF5C-E74A-BDBA-A2316FA1CE02}" srcOrd="0" destOrd="0" presId="urn:microsoft.com/office/officeart/2005/8/layout/vList2"/>
     <dgm:cxn modelId="{C8230DF7-9FAA-8145-954E-4DE18C6E5962}" srcId="{CFCF1C09-80B6-9D43-9C3D-1BC2C3E510C9}" destId="{EFFA916E-4F76-8048-A184-2BBA466BB661}" srcOrd="0" destOrd="0" parTransId="{F12842DE-315F-D443-AC85-990609EEC187}" sibTransId="{6436388D-8658-F147-8348-EA3DD289011D}"/>
+    <dgm:cxn modelId="{878CBE81-C078-E64C-98BD-0336A78B9031}" type="presOf" srcId="{2F8811AE-3AB0-1648-A7CD-877961003617}" destId="{7F072C46-BF5C-E74A-BDBA-A2316FA1CE02}" srcOrd="0" destOrd="1" presId="urn:microsoft.com/office/officeart/2005/8/layout/vList2"/>
+    <dgm:cxn modelId="{93330E4C-0735-154C-B384-B86CC3BB6A40}" type="presOf" srcId="{6783BD06-83D4-DB4E-9499-7C43E0AA64C7}" destId="{F57962A2-0320-3D4F-B361-F11EAE206643}" srcOrd="0" destOrd="0" presId="urn:microsoft.com/office/officeart/2005/8/layout/vList2"/>
+    <dgm:cxn modelId="{F74B8BFB-6CB7-3144-8F7D-23014B4CF3D8}" type="presOf" srcId="{CFCF1C09-80B6-9D43-9C3D-1BC2C3E510C9}" destId="{2E506666-F2C7-594C-88A3-1989CAFB2CE9}" srcOrd="0" destOrd="0" presId="urn:microsoft.com/office/officeart/2005/8/layout/vList2"/>
     <dgm:cxn modelId="{53B1FC09-A894-454F-867A-510F9B7D2B89}" srcId="{6783BD06-83D4-DB4E-9499-7C43E0AA64C7}" destId="{2F8811AE-3AB0-1648-A7CD-877961003617}" srcOrd="1" destOrd="0" parTransId="{710D0221-55D0-6B40-BBFA-61AB8F210E01}" sibTransId="{7C95FB20-DBC0-2A47-8AB7-9BE78A187FDB}"/>
+    <dgm:cxn modelId="{74FE3A4F-6393-3F40-869C-57BBD44AA112}" type="presOf" srcId="{7E040981-7CE3-774D-8C6F-2BC906473FAB}" destId="{636379C9-8B6B-A640-8821-6D45637590C2}" srcOrd="0" destOrd="0" presId="urn:microsoft.com/office/officeart/2005/8/layout/vList2"/>
     <dgm:cxn modelId="{3C97EC6F-4544-624C-B51E-92D8D23E54F5}" srcId="{7E040981-7CE3-774D-8C6F-2BC906473FAB}" destId="{CFCF1C09-80B6-9D43-9C3D-1BC2C3E510C9}" srcOrd="1" destOrd="0" parTransId="{EBB1D5CB-3DDB-ED44-8722-1953E41A9E33}" sibTransId="{6FB62A41-4360-FA4C-B374-BB9ED8522367}"/>
-    <dgm:cxn modelId="{74FE3A4F-6393-3F40-869C-57BBD44AA112}" type="presOf" srcId="{7E040981-7CE3-774D-8C6F-2BC906473FAB}" destId="{636379C9-8B6B-A640-8821-6D45637590C2}" srcOrd="0" destOrd="0" presId="urn:microsoft.com/office/officeart/2005/8/layout/vList2"/>
-    <dgm:cxn modelId="{F74B8BFB-6CB7-3144-8F7D-23014B4CF3D8}" type="presOf" srcId="{CFCF1C09-80B6-9D43-9C3D-1BC2C3E510C9}" destId="{2E506666-F2C7-594C-88A3-1989CAFB2CE9}" srcOrd="0" destOrd="0" presId="urn:microsoft.com/office/officeart/2005/8/layout/vList2"/>
-    <dgm:cxn modelId="{3290FC1D-15CD-314E-BE15-2FBF5BEAD6FD}" type="presOf" srcId="{232535A5-43C3-7A4C-8182-5EE8E311AF2A}" destId="{7F072C46-BF5C-E74A-BDBA-A2316FA1CE02}" srcOrd="0" destOrd="0" presId="urn:microsoft.com/office/officeart/2005/8/layout/vList2"/>
-    <dgm:cxn modelId="{878CBE81-C078-E64C-98BD-0336A78B9031}" type="presOf" srcId="{2F8811AE-3AB0-1648-A7CD-877961003617}" destId="{7F072C46-BF5C-E74A-BDBA-A2316FA1CE02}" srcOrd="0" destOrd="1" presId="urn:microsoft.com/office/officeart/2005/8/layout/vList2"/>
-    <dgm:cxn modelId="{AEF3B3B9-D627-6D4A-B214-406C9624D6CF}" srcId="{7E040981-7CE3-774D-8C6F-2BC906473FAB}" destId="{6783BD06-83D4-DB4E-9499-7C43E0AA64C7}" srcOrd="0" destOrd="0" parTransId="{134D0CC3-1D33-B64C-A21E-9AA946744840}" sibTransId="{B2C80D16-7558-B440-8ED6-DFBE7449FA42}"/>
-    <dgm:cxn modelId="{93330E4C-0735-154C-B384-B86CC3BB6A40}" type="presOf" srcId="{6783BD06-83D4-DB4E-9499-7C43E0AA64C7}" destId="{F57962A2-0320-3D4F-B361-F11EAE206643}" srcOrd="0" destOrd="0" presId="urn:microsoft.com/office/officeart/2005/8/layout/vList2"/>
     <dgm:cxn modelId="{8D47B376-508C-4D46-91F5-6FCD9F007555}" type="presParOf" srcId="{636379C9-8B6B-A640-8821-6D45637590C2}" destId="{F57962A2-0320-3D4F-B361-F11EAE206643}" srcOrd="0" destOrd="0" presId="urn:microsoft.com/office/officeart/2005/8/layout/vList2"/>
     <dgm:cxn modelId="{AD26FD55-9E0F-194E-B084-E5349676E33B}" type="presParOf" srcId="{636379C9-8B6B-A640-8821-6D45637590C2}" destId="{7F072C46-BF5C-E74A-BDBA-A2316FA1CE02}" srcOrd="1" destOrd="0" presId="urn:microsoft.com/office/officeart/2005/8/layout/vList2"/>
     <dgm:cxn modelId="{C54AD420-B180-744B-9FFC-0B2F9C3A27AF}" type="presParOf" srcId="{636379C9-8B6B-A640-8821-6D45637590C2}" destId="{2E506666-F2C7-594C-88A3-1989CAFB2CE9}" srcOrd="2" destOrd="0" presId="urn:microsoft.com/office/officeart/2005/8/layout/vList2"/>
@@ -10617,12 +10662,12 @@
         <a:fontRef idx="minor"/>
       </dsp:style>
       <dsp:txBody>
-        <a:bodyPr spcFirstLastPara="0" vert="horz" wrap="square" lIns="110490" tIns="55245" rIns="110490" bIns="55245" numCol="1" spcCol="1270" anchor="ctr" anchorCtr="0">
+        <a:bodyPr spcFirstLastPara="0" vert="horz" wrap="square" lIns="114300" tIns="57150" rIns="114300" bIns="57150" numCol="1" spcCol="1270" anchor="ctr" anchorCtr="0">
           <a:noAutofit/>
         </a:bodyPr>
         <a:lstStyle/>
         <a:p>
-          <a:pPr marL="285750" lvl="1" indent="-285750" algn="l" defTabSz="1289050">
+          <a:pPr marL="285750" lvl="1" indent="-285750" algn="l" defTabSz="1333500">
             <a:lnSpc>
               <a:spcPct val="90000"/>
             </a:lnSpc>
@@ -10635,10 +10680,10 @@
             <a:buChar char="••"/>
           </a:pPr>
           <a:r>
-            <a:rPr lang="en-US" sz="2900" kern="1200" dirty="0" smtClean="0"/>
+            <a:rPr lang="en-US" sz="3000" kern="1200" dirty="0" smtClean="0"/>
             <a:t>A Temporal Data-Driven Player Model for Dynamic Difficulty Adjustment</a:t>
           </a:r>
-          <a:endParaRPr lang="en-US" sz="2900" kern="1200" dirty="0"/>
+          <a:endParaRPr lang="en-US" sz="3000" kern="1200" dirty="0"/>
         </a:p>
       </dsp:txBody>
       <dsp:txXfrm rot="-5400000">
@@ -10785,12 +10830,12 @@
         <a:fontRef idx="minor"/>
       </dsp:style>
       <dsp:txBody>
-        <a:bodyPr spcFirstLastPara="0" vert="horz" wrap="square" lIns="110490" tIns="55245" rIns="110490" bIns="55245" numCol="1" spcCol="1270" anchor="ctr" anchorCtr="0">
+        <a:bodyPr spcFirstLastPara="0" vert="horz" wrap="square" lIns="114300" tIns="57150" rIns="114300" bIns="57150" numCol="1" spcCol="1270" anchor="ctr" anchorCtr="0">
           <a:noAutofit/>
         </a:bodyPr>
         <a:lstStyle/>
         <a:p>
-          <a:pPr marL="285750" lvl="1" indent="-285750" algn="l" defTabSz="1289050">
+          <a:pPr marL="285750" lvl="1" indent="-285750" algn="l" defTabSz="1333500">
             <a:lnSpc>
               <a:spcPct val="90000"/>
             </a:lnSpc>
@@ -10803,13 +10848,13 @@
             <a:buChar char="••"/>
           </a:pPr>
           <a:r>
-            <a:rPr lang="en-US" sz="2900" kern="1200" dirty="0" err="1" smtClean="0"/>
+            <a:rPr lang="en-US" sz="3000" kern="1200" dirty="0" err="1" smtClean="0"/>
             <a:t>Pokemon</a:t>
           </a:r>
-          <a:endParaRPr lang="en-US" sz="2900" kern="1200" dirty="0"/>
+          <a:endParaRPr lang="en-US" sz="3000" kern="1200" dirty="0"/>
         </a:p>
         <a:p>
-          <a:pPr marL="285750" lvl="1" indent="-285750" algn="l" defTabSz="1289050">
+          <a:pPr marL="285750" lvl="1" indent="-285750" algn="l" defTabSz="1333500">
             <a:lnSpc>
               <a:spcPct val="90000"/>
             </a:lnSpc>
@@ -10822,10 +10867,10 @@
             <a:buChar char="••"/>
           </a:pPr>
           <a:r>
-            <a:rPr lang="en-US" sz="2900" kern="1200" dirty="0" smtClean="0"/>
+            <a:rPr lang="en-US" sz="3000" kern="1200" dirty="0" smtClean="0"/>
             <a:t>League of Legends</a:t>
           </a:r>
-          <a:endParaRPr lang="en-US" sz="2900" kern="1200" dirty="0"/>
+          <a:endParaRPr lang="en-US" sz="3000" kern="1200" dirty="0"/>
         </a:p>
       </dsp:txBody>
       <dsp:txXfrm rot="-5400000">
@@ -12812,7 +12857,7 @@
         </a:bodyPr>
         <a:lstStyle/>
         <a:p>
-          <a:pPr lvl="0" algn="ctr" defTabSz="933450">
+          <a:pPr lvl="0" algn="ctr" defTabSz="1066800">
             <a:lnSpc>
               <a:spcPct val="90000"/>
             </a:lnSpc>
@@ -12823,7 +12868,7 @@
               <a:spcPct val="35000"/>
             </a:spcAft>
           </a:pPr>
-          <a:endParaRPr lang="en-US" sz="2100" kern="1200"/>
+          <a:endParaRPr lang="en-US" sz="2400" kern="1200"/>
         </a:p>
       </dsp:txBody>
       <dsp:txXfrm>
@@ -13211,7 +13256,7 @@
         </a:bodyPr>
         <a:lstStyle/>
         <a:p>
-          <a:pPr lvl="0" algn="ctr" defTabSz="533400">
+          <a:pPr lvl="0" algn="ctr" defTabSz="577850">
             <a:lnSpc>
               <a:spcPct val="90000"/>
             </a:lnSpc>
@@ -13222,7 +13267,7 @@
               <a:spcPct val="35000"/>
             </a:spcAft>
           </a:pPr>
-          <a:endParaRPr lang="en-US" sz="1200" kern="1200"/>
+          <a:endParaRPr lang="en-US" sz="1300" kern="1200"/>
         </a:p>
       </dsp:txBody>
       <dsp:txXfrm>
@@ -13433,12 +13478,12 @@
         </a:fontRef>
       </dsp:style>
       <dsp:txBody>
-        <a:bodyPr spcFirstLastPara="0" vert="horz" wrap="square" lIns="45720" tIns="45720" rIns="45720" bIns="45720" numCol="1" spcCol="1270" anchor="ctr" anchorCtr="0">
+        <a:bodyPr spcFirstLastPara="0" vert="horz" wrap="square" lIns="44450" tIns="44450" rIns="44450" bIns="44450" numCol="1" spcCol="1270" anchor="ctr" anchorCtr="0">
           <a:noAutofit/>
         </a:bodyPr>
         <a:lstStyle/>
         <a:p>
-          <a:pPr lvl="0" algn="ctr" defTabSz="1600200">
+          <a:pPr lvl="0" algn="ctr" defTabSz="1555750">
             <a:lnSpc>
               <a:spcPct val="90000"/>
             </a:lnSpc>
@@ -13450,14 +13495,14 @@
             </a:spcAft>
           </a:pPr>
           <a:r>
-            <a:rPr lang="en-US" sz="3600" kern="1200" dirty="0" smtClean="0">
+            <a:rPr lang="en-US" sz="3500" kern="1200" dirty="0" smtClean="0">
               <a:solidFill>
                 <a:schemeClr val="bg1"/>
               </a:solidFill>
             </a:rPr>
             <a:t>Genetic Algorithm</a:t>
           </a:r>
-          <a:endParaRPr lang="en-US" sz="3600" kern="1200" dirty="0">
+          <a:endParaRPr lang="en-US" sz="3500" kern="1200" dirty="0">
             <a:solidFill>
               <a:schemeClr val="bg1"/>
             </a:solidFill>
@@ -13488,7 +13533,7 @@
       </dsp:nvSpPr>
       <dsp:spPr>
         <a:xfrm>
-          <a:off x="0" y="824674"/>
+          <a:off x="0" y="850662"/>
           <a:ext cx="2476500" cy="831600"/>
         </a:xfrm>
         <a:prstGeom prst="rect">
@@ -13537,7 +13582,7 @@
         </a:p>
       </dsp:txBody>
       <dsp:txXfrm>
-        <a:off x="0" y="824674"/>
+        <a:off x="0" y="850662"/>
         <a:ext cx="2476500" cy="831600"/>
       </dsp:txXfrm>
     </dsp:sp>
@@ -13548,8 +13593,8 @@
       </dsp:nvSpPr>
       <dsp:spPr>
         <a:xfrm>
-          <a:off x="2476499" y="785693"/>
-          <a:ext cx="495300" cy="909562"/>
+          <a:off x="2476499" y="837668"/>
+          <a:ext cx="495300" cy="857587"/>
         </a:xfrm>
         <a:prstGeom prst="leftBrace">
           <a:avLst>
@@ -13592,8 +13637,8 @@
       </dsp:nvSpPr>
       <dsp:spPr>
         <a:xfrm>
-          <a:off x="3169919" y="785693"/>
-          <a:ext cx="6736080" cy="909562"/>
+          <a:off x="3169919" y="837668"/>
+          <a:ext cx="6736080" cy="857587"/>
         </a:xfrm>
         <a:prstGeom prst="rect">
           <a:avLst/>
@@ -13667,8 +13712,8 @@
         </a:p>
       </dsp:txBody>
       <dsp:txXfrm>
-        <a:off x="3169919" y="785693"/>
-        <a:ext cx="6736080" cy="909562"/>
+        <a:off x="3169919" y="837668"/>
+        <a:ext cx="6736080" cy="857587"/>
       </dsp:txXfrm>
     </dsp:sp>
     <dsp:sp modelId="{69D26DB6-0A8F-40A4-BF46-6BC0D9481DB8}">
@@ -13678,7 +13723,7 @@
       </dsp:nvSpPr>
       <dsp:spPr>
         <a:xfrm>
-          <a:off x="0" y="1885437"/>
+          <a:off x="0" y="1859449"/>
           <a:ext cx="2476500" cy="831600"/>
         </a:xfrm>
         <a:prstGeom prst="rect">
@@ -13727,7 +13772,7 @@
         </a:p>
       </dsp:txBody>
       <dsp:txXfrm>
-        <a:off x="0" y="1885437"/>
+        <a:off x="0" y="1859449"/>
         <a:ext cx="2476500" cy="831600"/>
       </dsp:txXfrm>
     </dsp:sp>
@@ -13739,7 +13784,7 @@
       <dsp:spPr>
         <a:xfrm>
           <a:off x="2476499" y="1846456"/>
-          <a:ext cx="495300" cy="909562"/>
+          <a:ext cx="495300" cy="857587"/>
         </a:xfrm>
         <a:prstGeom prst="leftBrace">
           <a:avLst>
@@ -13783,7 +13828,7 @@
       <dsp:spPr>
         <a:xfrm>
           <a:off x="3169919" y="1846456"/>
-          <a:ext cx="6736080" cy="909562"/>
+          <a:ext cx="6736080" cy="857587"/>
         </a:xfrm>
         <a:prstGeom prst="rect">
           <a:avLst/>
@@ -13858,7 +13903,7 @@
       </dsp:txBody>
       <dsp:txXfrm>
         <a:off x="3169919" y="1846456"/>
-        <a:ext cx="6736080" cy="909562"/>
+        <a:ext cx="6736080" cy="857587"/>
       </dsp:txXfrm>
     </dsp:sp>
   </dsp:spTree>
@@ -13880,8 +13925,8 @@
       </dsp:nvSpPr>
       <dsp:spPr>
         <a:xfrm>
-          <a:off x="0" y="154905"/>
-          <a:ext cx="9906000" cy="671580"/>
+          <a:off x="0" y="240271"/>
+          <a:ext cx="9906000" cy="638819"/>
         </a:xfrm>
         <a:prstGeom prst="roundRect">
           <a:avLst/>
@@ -13954,8 +13999,8 @@
         </a:p>
       </dsp:txBody>
       <dsp:txXfrm>
-        <a:off x="32784" y="187689"/>
-        <a:ext cx="9840432" cy="606012"/>
+        <a:off x="31185" y="271456"/>
+        <a:ext cx="9843630" cy="576449"/>
       </dsp:txXfrm>
     </dsp:sp>
     <dsp:sp modelId="{89AF1101-C155-4C72-8F3E-0B4A7B231CFA}">
@@ -13965,8 +14010,8 @@
       </dsp:nvSpPr>
       <dsp:spPr>
         <a:xfrm>
-          <a:off x="0" y="826486"/>
-          <a:ext cx="9906000" cy="753480"/>
+          <a:off x="0" y="879091"/>
+          <a:ext cx="9906000" cy="681030"/>
         </a:xfrm>
         <a:prstGeom prst="rect">
           <a:avLst/>
@@ -14033,8 +14078,8 @@
         </a:p>
       </dsp:txBody>
       <dsp:txXfrm>
-        <a:off x="0" y="826486"/>
-        <a:ext cx="9906000" cy="753480"/>
+        <a:off x="0" y="879091"/>
+        <a:ext cx="9906000" cy="681030"/>
       </dsp:txXfrm>
     </dsp:sp>
     <dsp:sp modelId="{5A9A0F5B-CDD7-435F-876C-695E29093293}">
@@ -14044,8 +14089,8 @@
       </dsp:nvSpPr>
       <dsp:spPr>
         <a:xfrm>
-          <a:off x="0" y="1579966"/>
-          <a:ext cx="9906000" cy="671580"/>
+          <a:off x="0" y="1560120"/>
+          <a:ext cx="9906000" cy="638819"/>
         </a:xfrm>
         <a:prstGeom prst="roundRect">
           <a:avLst/>
@@ -14118,8 +14163,8 @@
         </a:p>
       </dsp:txBody>
       <dsp:txXfrm>
-        <a:off x="32784" y="1612750"/>
-        <a:ext cx="9840432" cy="606012"/>
+        <a:off x="31185" y="1591305"/>
+        <a:ext cx="9843630" cy="576449"/>
       </dsp:txXfrm>
     </dsp:sp>
     <dsp:sp modelId="{31039EFF-E573-415F-B91A-1B6232FF36DA}">
@@ -14129,7 +14174,7 @@
       </dsp:nvSpPr>
       <dsp:spPr>
         <a:xfrm>
-          <a:off x="0" y="2251546"/>
+          <a:off x="0" y="2198940"/>
           <a:ext cx="9906000" cy="463680"/>
         </a:xfrm>
         <a:prstGeom prst="rect">
@@ -14179,7 +14224,7 @@
         </a:p>
       </dsp:txBody>
       <dsp:txXfrm>
-        <a:off x="0" y="2251546"/>
+        <a:off x="0" y="2198940"/>
         <a:ext cx="9906000" cy="463680"/>
       </dsp:txXfrm>
     </dsp:sp>
@@ -14190,8 +14235,8 @@
       </dsp:nvSpPr>
       <dsp:spPr>
         <a:xfrm>
-          <a:off x="0" y="2715226"/>
-          <a:ext cx="9906000" cy="671580"/>
+          <a:off x="0" y="2662621"/>
+          <a:ext cx="9906000" cy="638819"/>
         </a:xfrm>
         <a:prstGeom prst="roundRect">
           <a:avLst/>
@@ -14272,8 +14317,8 @@
         </a:p>
       </dsp:txBody>
       <dsp:txXfrm>
-        <a:off x="32784" y="2748010"/>
-        <a:ext cx="9840432" cy="606012"/>
+        <a:off x="31185" y="2693806"/>
+        <a:ext cx="9843630" cy="576449"/>
       </dsp:txXfrm>
     </dsp:sp>
   </dsp:spTree>
@@ -14339,12 +14384,12 @@
         <a:fontRef idx="minor"/>
       </dsp:style>
       <dsp:txBody>
-        <a:bodyPr spcFirstLastPara="0" vert="horz" wrap="square" lIns="99060" tIns="49530" rIns="99060" bIns="49530" numCol="1" spcCol="1270" anchor="ctr" anchorCtr="0">
+        <a:bodyPr spcFirstLastPara="0" vert="horz" wrap="square" lIns="102870" tIns="51435" rIns="102870" bIns="51435" numCol="1" spcCol="1270" anchor="ctr" anchorCtr="0">
           <a:noAutofit/>
         </a:bodyPr>
         <a:lstStyle/>
         <a:p>
-          <a:pPr marL="228600" lvl="1" indent="-228600" algn="l" defTabSz="1155700">
+          <a:pPr marL="228600" lvl="1" indent="-228600" algn="l" defTabSz="1200150">
             <a:lnSpc>
               <a:spcPct val="90000"/>
             </a:lnSpc>
@@ -14357,10 +14402,10 @@
             <a:buChar char="••"/>
           </a:pPr>
           <a:r>
-            <a:rPr lang="en-US" sz="2600" kern="1200" dirty="0" smtClean="0"/>
+            <a:rPr lang="en-US" sz="2700" kern="1200" dirty="0" smtClean="0"/>
             <a:t>Identical moves for players in simulation showed little improvement</a:t>
           </a:r>
-          <a:endParaRPr lang="en-US" sz="2600" kern="1200" dirty="0"/>
+          <a:endParaRPr lang="en-US" sz="2700" kern="1200" dirty="0"/>
         </a:p>
       </dsp:txBody>
       <dsp:txXfrm rot="-5400000">
@@ -14428,12 +14473,12 @@
         </a:fontRef>
       </dsp:style>
       <dsp:txBody>
-        <a:bodyPr spcFirstLastPara="0" vert="horz" wrap="square" lIns="129540" tIns="64770" rIns="129540" bIns="64770" numCol="1" spcCol="1270" anchor="ctr" anchorCtr="0">
+        <a:bodyPr spcFirstLastPara="0" vert="horz" wrap="square" lIns="133350" tIns="66675" rIns="133350" bIns="66675" numCol="1" spcCol="1270" anchor="ctr" anchorCtr="0">
           <a:noAutofit/>
         </a:bodyPr>
         <a:lstStyle/>
         <a:p>
-          <a:pPr lvl="0" algn="ctr" defTabSz="1511300">
+          <a:pPr lvl="0" algn="ctr" defTabSz="1555750">
             <a:lnSpc>
               <a:spcPct val="90000"/>
             </a:lnSpc>
@@ -14445,14 +14490,14 @@
             </a:spcAft>
           </a:pPr>
           <a:r>
-            <a:rPr lang="en-US" sz="3400" kern="1200" dirty="0" smtClean="0">
+            <a:rPr lang="en-US" sz="3500" kern="1200" dirty="0" smtClean="0">
               <a:solidFill>
                 <a:srgbClr val="000000"/>
               </a:solidFill>
             </a:rPr>
             <a:t>“Mirroring” Moves</a:t>
           </a:r>
-          <a:endParaRPr lang="en-US" sz="3400" kern="1200" dirty="0">
+          <a:endParaRPr lang="en-US" sz="3500" kern="1200" dirty="0">
             <a:solidFill>
               <a:srgbClr val="000000"/>
             </a:solidFill>
@@ -14515,12 +14560,12 @@
         <a:fontRef idx="minor"/>
       </dsp:style>
       <dsp:txBody>
-        <a:bodyPr spcFirstLastPara="0" vert="horz" wrap="square" lIns="99060" tIns="49530" rIns="99060" bIns="49530" numCol="1" spcCol="1270" anchor="ctr" anchorCtr="0">
+        <a:bodyPr spcFirstLastPara="0" vert="horz" wrap="square" lIns="102870" tIns="51435" rIns="102870" bIns="51435" numCol="1" spcCol="1270" anchor="ctr" anchorCtr="0">
           <a:noAutofit/>
         </a:bodyPr>
         <a:lstStyle/>
         <a:p>
-          <a:pPr marL="228600" lvl="1" indent="-228600" algn="l" defTabSz="1155700">
+          <a:pPr marL="228600" lvl="1" indent="-228600" algn="l" defTabSz="1200150">
             <a:lnSpc>
               <a:spcPct val="90000"/>
             </a:lnSpc>
@@ -14533,10 +14578,10 @@
             <a:buChar char="••"/>
           </a:pPr>
           <a:r>
-            <a:rPr lang="en-US" sz="2600" kern="1200" dirty="0" smtClean="0"/>
+            <a:rPr lang="en-US" sz="2700" kern="1200" dirty="0" smtClean="0"/>
             <a:t>Tried many combinations and calculations of criteria for determining utility of moves</a:t>
           </a:r>
-          <a:endParaRPr lang="en-US" sz="2600" kern="1200" dirty="0"/>
+          <a:endParaRPr lang="en-US" sz="2700" kern="1200" dirty="0"/>
         </a:p>
       </dsp:txBody>
       <dsp:txXfrm rot="-5400000">
@@ -14604,12 +14649,12 @@
         </a:fontRef>
       </dsp:style>
       <dsp:txBody>
-        <a:bodyPr spcFirstLastPara="0" vert="horz" wrap="square" lIns="129540" tIns="64770" rIns="129540" bIns="64770" numCol="1" spcCol="1270" anchor="ctr" anchorCtr="0">
+        <a:bodyPr spcFirstLastPara="0" vert="horz" wrap="square" lIns="133350" tIns="66675" rIns="133350" bIns="66675" numCol="1" spcCol="1270" anchor="ctr" anchorCtr="0">
           <a:noAutofit/>
         </a:bodyPr>
         <a:lstStyle/>
         <a:p>
-          <a:pPr lvl="0" algn="ctr" defTabSz="1511300">
+          <a:pPr lvl="0" algn="ctr" defTabSz="1555750">
             <a:lnSpc>
               <a:spcPct val="90000"/>
             </a:lnSpc>
@@ -14621,14 +14666,14 @@
             </a:spcAft>
           </a:pPr>
           <a:r>
-            <a:rPr lang="en-US" sz="3400" kern="1200" dirty="0" smtClean="0">
+            <a:rPr lang="en-US" sz="3500" kern="1200" dirty="0" smtClean="0">
               <a:solidFill>
                 <a:srgbClr val="000000"/>
               </a:solidFill>
             </a:rPr>
             <a:t>Confusing Utilities</a:t>
           </a:r>
-          <a:endParaRPr lang="en-US" sz="3400" kern="1200" dirty="0">
+          <a:endParaRPr lang="en-US" sz="3500" kern="1200" dirty="0">
             <a:solidFill>
               <a:srgbClr val="000000"/>
             </a:solidFill>
@@ -14691,12 +14736,12 @@
         <a:fontRef idx="minor"/>
       </dsp:style>
       <dsp:txBody>
-        <a:bodyPr spcFirstLastPara="0" vert="horz" wrap="square" lIns="99060" tIns="49530" rIns="99060" bIns="49530" numCol="1" spcCol="1270" anchor="ctr" anchorCtr="0">
+        <a:bodyPr spcFirstLastPara="0" vert="horz" wrap="square" lIns="102870" tIns="51435" rIns="102870" bIns="51435" numCol="1" spcCol="1270" anchor="ctr" anchorCtr="0">
           <a:noAutofit/>
         </a:bodyPr>
         <a:lstStyle/>
         <a:p>
-          <a:pPr marL="228600" lvl="1" indent="-228600" algn="l" defTabSz="1155700">
+          <a:pPr marL="228600" lvl="1" indent="-228600" algn="l" defTabSz="1200150">
             <a:lnSpc>
               <a:spcPct val="90000"/>
             </a:lnSpc>
@@ -14709,10 +14754,10 @@
             <a:buChar char="••"/>
           </a:pPr>
           <a:r>
-            <a:rPr lang="en-US" sz="2600" kern="1200" dirty="0" smtClean="0"/>
+            <a:rPr lang="en-US" sz="2700" kern="1200" dirty="0" smtClean="0"/>
             <a:t>Challenge of crossing over moves with different features</a:t>
           </a:r>
-          <a:endParaRPr lang="en-US" sz="2600" kern="1200" dirty="0"/>
+          <a:endParaRPr lang="en-US" sz="2700" kern="1200" dirty="0"/>
         </a:p>
       </dsp:txBody>
       <dsp:txXfrm rot="-5400000">
@@ -14780,12 +14825,12 @@
         </a:fontRef>
       </dsp:style>
       <dsp:txBody>
-        <a:bodyPr spcFirstLastPara="0" vert="horz" wrap="square" lIns="129540" tIns="64770" rIns="129540" bIns="64770" numCol="1" spcCol="1270" anchor="ctr" anchorCtr="0">
+        <a:bodyPr spcFirstLastPara="0" vert="horz" wrap="square" lIns="133350" tIns="66675" rIns="133350" bIns="66675" numCol="1" spcCol="1270" anchor="ctr" anchorCtr="0">
           <a:noAutofit/>
         </a:bodyPr>
         <a:lstStyle/>
         <a:p>
-          <a:pPr lvl="0" algn="ctr" defTabSz="1511300">
+          <a:pPr lvl="0" algn="ctr" defTabSz="1555750">
             <a:lnSpc>
               <a:spcPct val="90000"/>
             </a:lnSpc>
@@ -14797,14 +14842,14 @@
             </a:spcAft>
           </a:pPr>
           <a:r>
-            <a:rPr lang="en-US" sz="3400" kern="1200" dirty="0" smtClean="0">
+            <a:rPr lang="en-US" sz="3500" kern="1200" dirty="0" smtClean="0">
               <a:solidFill>
                 <a:srgbClr val="000000"/>
               </a:solidFill>
             </a:rPr>
             <a:t>Move Merging</a:t>
           </a:r>
-          <a:endParaRPr lang="en-US" sz="3400" kern="1200" dirty="0">
+          <a:endParaRPr lang="en-US" sz="3500" kern="1200" dirty="0">
             <a:solidFill>
               <a:srgbClr val="000000"/>
             </a:solidFill>
@@ -14835,8 +14880,8 @@
       </dsp:nvSpPr>
       <dsp:spPr>
         <a:xfrm>
-          <a:off x="0" y="43868"/>
-          <a:ext cx="9906000" cy="839474"/>
+          <a:off x="0" y="65063"/>
+          <a:ext cx="9906000" cy="844155"/>
         </a:xfrm>
         <a:prstGeom prst="roundRect">
           <a:avLst/>
@@ -14888,12 +14933,12 @@
         </a:fontRef>
       </dsp:style>
       <dsp:txBody>
-        <a:bodyPr spcFirstLastPara="0" vert="horz" wrap="square" lIns="133350" tIns="133350" rIns="133350" bIns="133350" numCol="1" spcCol="1270" anchor="ctr" anchorCtr="0">
+        <a:bodyPr spcFirstLastPara="0" vert="horz" wrap="square" lIns="140970" tIns="140970" rIns="140970" bIns="140970" numCol="1" spcCol="1270" anchor="ctr" anchorCtr="0">
           <a:noAutofit/>
         </a:bodyPr>
         <a:lstStyle/>
         <a:p>
-          <a:pPr lvl="0" algn="l" defTabSz="1555750">
+          <a:pPr lvl="0" algn="l" defTabSz="1644650">
             <a:lnSpc>
               <a:spcPct val="90000"/>
             </a:lnSpc>
@@ -14905,14 +14950,14 @@
             </a:spcAft>
           </a:pPr>
           <a:r>
-            <a:rPr lang="en-US" sz="3500" kern="1200" dirty="0" smtClean="0">
+            <a:rPr lang="en-US" sz="3700" kern="1200" dirty="0" smtClean="0">
               <a:solidFill>
                 <a:srgbClr val="000000"/>
               </a:solidFill>
             </a:rPr>
             <a:t>Short Term</a:t>
           </a:r>
-          <a:endParaRPr lang="en-US" sz="3500" kern="1200" dirty="0">
+          <a:endParaRPr lang="en-US" sz="3700" kern="1200" dirty="0">
             <a:solidFill>
               <a:srgbClr val="000000"/>
             </a:solidFill>
@@ -14920,8 +14965,8 @@
         </a:p>
       </dsp:txBody>
       <dsp:txXfrm>
-        <a:off x="40980" y="84848"/>
-        <a:ext cx="9824040" cy="757514"/>
+        <a:off x="41208" y="106271"/>
+        <a:ext cx="9823584" cy="761739"/>
       </dsp:txXfrm>
     </dsp:sp>
     <dsp:sp modelId="{7F072C46-BF5C-E74A-BDBA-A2316FA1CE02}">
@@ -14931,8 +14976,8 @@
       </dsp:nvSpPr>
       <dsp:spPr>
         <a:xfrm>
-          <a:off x="0" y="883343"/>
-          <a:ext cx="9906000" cy="923737"/>
+          <a:off x="0" y="909218"/>
+          <a:ext cx="9906000" cy="899932"/>
         </a:xfrm>
         <a:prstGeom prst="rect">
           <a:avLst/>
@@ -14956,12 +15001,12 @@
         <a:fontRef idx="minor"/>
       </dsp:style>
       <dsp:txBody>
-        <a:bodyPr spcFirstLastPara="0" vert="horz" wrap="square" lIns="314516" tIns="44450" rIns="248920" bIns="44450" numCol="1" spcCol="1270" anchor="t" anchorCtr="0">
+        <a:bodyPr spcFirstLastPara="0" vert="horz" wrap="square" lIns="314516" tIns="46990" rIns="263144" bIns="46990" numCol="1" spcCol="1270" anchor="t" anchorCtr="0">
           <a:noAutofit/>
         </a:bodyPr>
         <a:lstStyle/>
         <a:p>
-          <a:pPr marL="228600" lvl="1" indent="-228600" algn="l" defTabSz="1200150">
+          <a:pPr marL="285750" lvl="1" indent="-285750" algn="l" defTabSz="1289050">
             <a:lnSpc>
               <a:spcPct val="90000"/>
             </a:lnSpc>
@@ -14974,21 +15019,21 @@
             <a:buChar char="••"/>
           </a:pPr>
           <a:r>
-            <a:rPr lang="en-US" sz="2700" kern="1200" dirty="0" smtClean="0">
+            <a:rPr lang="en-US" sz="2900" kern="1200" dirty="0" smtClean="0">
               <a:solidFill>
                 <a:srgbClr val="FFFFFF"/>
               </a:solidFill>
             </a:rPr>
             <a:t>Using more parameters</a:t>
           </a:r>
-          <a:endParaRPr lang="en-US" sz="2700" kern="1200" dirty="0">
+          <a:endParaRPr lang="en-US" sz="2900" kern="1200" dirty="0">
             <a:solidFill>
               <a:srgbClr val="FFFFFF"/>
             </a:solidFill>
           </a:endParaRPr>
         </a:p>
         <a:p>
-          <a:pPr marL="228600" lvl="1" indent="-228600" algn="l" defTabSz="1200150">
+          <a:pPr marL="285750" lvl="1" indent="-285750" algn="l" defTabSz="1289050">
             <a:lnSpc>
               <a:spcPct val="90000"/>
             </a:lnSpc>
@@ -15001,14 +15046,14 @@
             <a:buChar char="••"/>
           </a:pPr>
           <a:r>
-            <a:rPr lang="en-US" sz="2700" kern="1200" dirty="0" smtClean="0">
+            <a:rPr lang="en-US" sz="2900" kern="1200" dirty="0" smtClean="0">
               <a:solidFill>
                 <a:srgbClr val="FFFFFF"/>
               </a:solidFill>
             </a:rPr>
             <a:t>Increasing attributes and types</a:t>
           </a:r>
-          <a:endParaRPr lang="en-US" sz="2700" kern="1200" dirty="0">
+          <a:endParaRPr lang="en-US" sz="2900" kern="1200" dirty="0">
             <a:solidFill>
               <a:srgbClr val="FFFFFF"/>
             </a:solidFill>
@@ -15016,8 +15061,8 @@
         </a:p>
       </dsp:txBody>
       <dsp:txXfrm>
-        <a:off x="0" y="883343"/>
-        <a:ext cx="9906000" cy="923737"/>
+        <a:off x="0" y="909218"/>
+        <a:ext cx="9906000" cy="899932"/>
       </dsp:txXfrm>
     </dsp:sp>
     <dsp:sp modelId="{2E506666-F2C7-594C-88A3-1989CAFB2CE9}">
@@ -15027,8 +15072,8 @@
       </dsp:nvSpPr>
       <dsp:spPr>
         <a:xfrm>
-          <a:off x="0" y="1807081"/>
-          <a:ext cx="9906000" cy="839474"/>
+          <a:off x="0" y="1809151"/>
+          <a:ext cx="9906000" cy="844155"/>
         </a:xfrm>
         <a:prstGeom prst="roundRect">
           <a:avLst/>
@@ -15080,12 +15125,12 @@
         </a:fontRef>
       </dsp:style>
       <dsp:txBody>
-        <a:bodyPr spcFirstLastPara="0" vert="horz" wrap="square" lIns="133350" tIns="133350" rIns="133350" bIns="133350" numCol="1" spcCol="1270" anchor="ctr" anchorCtr="0">
+        <a:bodyPr spcFirstLastPara="0" vert="horz" wrap="square" lIns="140970" tIns="140970" rIns="140970" bIns="140970" numCol="1" spcCol="1270" anchor="ctr" anchorCtr="0">
           <a:noAutofit/>
         </a:bodyPr>
         <a:lstStyle/>
         <a:p>
-          <a:pPr lvl="0" algn="l" defTabSz="1555750">
+          <a:pPr lvl="0" algn="l" defTabSz="1644650">
             <a:lnSpc>
               <a:spcPct val="90000"/>
             </a:lnSpc>
@@ -15097,14 +15142,14 @@
             </a:spcAft>
           </a:pPr>
           <a:r>
-            <a:rPr lang="en-US" sz="3500" kern="1200" dirty="0" smtClean="0">
+            <a:rPr lang="en-US" sz="3700" kern="1200" dirty="0" smtClean="0">
               <a:solidFill>
                 <a:srgbClr val="000000"/>
               </a:solidFill>
             </a:rPr>
             <a:t>Long Term</a:t>
           </a:r>
-          <a:endParaRPr lang="en-US" sz="3500" kern="1200" dirty="0">
+          <a:endParaRPr lang="en-US" sz="3700" kern="1200" dirty="0">
             <a:solidFill>
               <a:srgbClr val="000000"/>
             </a:solidFill>
@@ -15112,8 +15157,8 @@
         </a:p>
       </dsp:txBody>
       <dsp:txXfrm>
-        <a:off x="40980" y="1848061"/>
-        <a:ext cx="9824040" cy="757514"/>
+        <a:off x="41208" y="1850359"/>
+        <a:ext cx="9823584" cy="761739"/>
       </dsp:txXfrm>
     </dsp:sp>
     <dsp:sp modelId="{828E74BE-A4CA-DA48-94AF-69667114393F}">
@@ -15123,8 +15168,8 @@
       </dsp:nvSpPr>
       <dsp:spPr>
         <a:xfrm>
-          <a:off x="0" y="2646556"/>
-          <a:ext cx="9906000" cy="851287"/>
+          <a:off x="0" y="2653306"/>
+          <a:ext cx="9906000" cy="823342"/>
         </a:xfrm>
         <a:prstGeom prst="rect">
           <a:avLst/>
@@ -15148,12 +15193,12 @@
         <a:fontRef idx="minor"/>
       </dsp:style>
       <dsp:txBody>
-        <a:bodyPr spcFirstLastPara="0" vert="horz" wrap="square" lIns="314516" tIns="44450" rIns="248920" bIns="44450" numCol="1" spcCol="1270" anchor="t" anchorCtr="0">
+        <a:bodyPr spcFirstLastPara="0" vert="horz" wrap="square" lIns="314516" tIns="46990" rIns="263144" bIns="46990" numCol="1" spcCol="1270" anchor="t" anchorCtr="0">
           <a:noAutofit/>
         </a:bodyPr>
         <a:lstStyle/>
         <a:p>
-          <a:pPr marL="228600" lvl="1" indent="-228600" algn="l" defTabSz="1200150">
+          <a:pPr marL="285750" lvl="1" indent="-285750" algn="l" defTabSz="1289050">
             <a:lnSpc>
               <a:spcPct val="90000"/>
             </a:lnSpc>
@@ -15166,14 +15211,14 @@
             <a:buChar char="••"/>
           </a:pPr>
           <a:r>
-            <a:rPr lang="en-US" sz="2700" kern="1200" dirty="0" smtClean="0">
+            <a:rPr lang="en-US" sz="2900" kern="1200" dirty="0" smtClean="0">
               <a:solidFill>
                 <a:schemeClr val="tx1"/>
               </a:solidFill>
             </a:rPr>
             <a:t>Enhancements to Constrained Novelty Search: Two-Population Novelty Search for Generating Game Content (2013)</a:t>
           </a:r>
-          <a:endParaRPr lang="en-US" sz="2700" kern="1200" dirty="0">
+          <a:endParaRPr lang="en-US" sz="2900" kern="1200" dirty="0">
             <a:solidFill>
               <a:schemeClr val="tx1"/>
             </a:solidFill>
@@ -15181,8 +15226,8 @@
         </a:p>
       </dsp:txBody>
       <dsp:txXfrm>
-        <a:off x="0" y="2646556"/>
-        <a:ext cx="9906000" cy="851287"/>
+        <a:off x="0" y="2653306"/>
+        <a:ext cx="9906000" cy="823342"/>
       </dsp:txXfrm>
     </dsp:sp>
   </dsp:spTree>
@@ -28714,7 +28759,7 @@
           </a:prstGeom>
           <a:noFill/>
           <a:extLst>
-            <a:ext uri="{909E8E84-426E-40dd-AFC4-6F175D3DCCD1}">
+            <a:ext uri="{909E8E84-426E-40DD-AFC4-6F175D3DCCD1}">
               <a14:hiddenFill xmlns:a14="http://schemas.microsoft.com/office/drawing/2010/main">
                 <a:solidFill>
                   <a:srgbClr val="FFFFFF"/>
@@ -28773,7 +28818,7 @@
               <a:noFill/>
             </a:ln>
             <a:extLst>
-              <a:ext uri="{91240B29-F687-4f45-9708-019B960494DF}">
+              <a:ext uri="{91240B29-F687-4F45-9708-019B960494DF}">
                 <a14:hiddenLine xmlns:a14="http://schemas.microsoft.com/office/drawing/2010/main" w="9525">
                   <a:solidFill>
                     <a:srgbClr val="000000"/>
@@ -28863,7 +28908,7 @@
               <a:noFill/>
             </a:ln>
             <a:extLst>
-              <a:ext uri="{91240B29-F687-4f45-9708-019B960494DF}">
+              <a:ext uri="{91240B29-F687-4F45-9708-019B960494DF}">
                 <a14:hiddenLine xmlns:a14="http://schemas.microsoft.com/office/drawing/2010/main" w="9525">
                   <a:solidFill>
                     <a:srgbClr val="000000"/>
@@ -28953,7 +28998,7 @@
               <a:noFill/>
             </a:ln>
             <a:extLst>
-              <a:ext uri="{91240B29-F687-4f45-9708-019B960494DF}">
+              <a:ext uri="{91240B29-F687-4F45-9708-019B960494DF}">
                 <a14:hiddenLine xmlns:a14="http://schemas.microsoft.com/office/drawing/2010/main" w="9525">
                   <a:solidFill>
                     <a:srgbClr val="000000"/>
@@ -28987,7 +29032,7 @@
               <a:noFill/>
             </a:ln>
             <a:extLst>
-              <a:ext uri="{91240B29-F687-4f45-9708-019B960494DF}">
+              <a:ext uri="{91240B29-F687-4F45-9708-019B960494DF}">
                 <a14:hiddenLine xmlns:a14="http://schemas.microsoft.com/office/drawing/2010/main" w="9525">
                   <a:solidFill>
                     <a:srgbClr val="000000"/>
@@ -29077,7 +29122,7 @@
               <a:noFill/>
             </a:ln>
             <a:extLst>
-              <a:ext uri="{91240B29-F687-4f45-9708-019B960494DF}">
+              <a:ext uri="{91240B29-F687-4F45-9708-019B960494DF}">
                 <a14:hiddenLine xmlns:a14="http://schemas.microsoft.com/office/drawing/2010/main" w="9525">
                   <a:solidFill>
                     <a:srgbClr val="000000"/>
@@ -29139,7 +29184,7 @@
               <a:noFill/>
             </a:ln>
             <a:extLst>
-              <a:ext uri="{91240B29-F687-4f45-9708-019B960494DF}">
+              <a:ext uri="{91240B29-F687-4F45-9708-019B960494DF}">
                 <a14:hiddenLine xmlns:a14="http://schemas.microsoft.com/office/drawing/2010/main" w="9525">
                   <a:solidFill>
                     <a:srgbClr val="000000"/>
@@ -29201,7 +29246,7 @@
               <a:noFill/>
             </a:ln>
             <a:extLst>
-              <a:ext uri="{91240B29-F687-4f45-9708-019B960494DF}">
+              <a:ext uri="{91240B29-F687-4F45-9708-019B960494DF}">
                 <a14:hiddenLine xmlns:a14="http://schemas.microsoft.com/office/drawing/2010/main" w="9525">
                   <a:solidFill>
                     <a:srgbClr val="000000"/>
@@ -29291,7 +29336,7 @@
               <a:noFill/>
             </a:ln>
             <a:extLst>
-              <a:ext uri="{91240B29-F687-4f45-9708-019B960494DF}">
+              <a:ext uri="{91240B29-F687-4F45-9708-019B960494DF}">
                 <a14:hiddenLine xmlns:a14="http://schemas.microsoft.com/office/drawing/2010/main" w="9525">
                   <a:solidFill>
                     <a:srgbClr val="000000"/>
@@ -29353,7 +29398,7 @@
               <a:noFill/>
             </a:ln>
             <a:extLst>
-              <a:ext uri="{91240B29-F687-4f45-9708-019B960494DF}">
+              <a:ext uri="{91240B29-F687-4F45-9708-019B960494DF}">
                 <a14:hiddenLine xmlns:a14="http://schemas.microsoft.com/office/drawing/2010/main" w="9525">
                   <a:solidFill>
                     <a:srgbClr val="000000"/>
@@ -29415,7 +29460,7 @@
               <a:noFill/>
             </a:ln>
             <a:extLst>
-              <a:ext uri="{91240B29-F687-4f45-9708-019B960494DF}">
+              <a:ext uri="{91240B29-F687-4F45-9708-019B960494DF}">
                 <a14:hiddenLine xmlns:a14="http://schemas.microsoft.com/office/drawing/2010/main" w="9525">
                   <a:solidFill>
                     <a:srgbClr val="000000"/>
@@ -29505,7 +29550,7 @@
               <a:noFill/>
             </a:ln>
             <a:extLst>
-              <a:ext uri="{91240B29-F687-4f45-9708-019B960494DF}">
+              <a:ext uri="{91240B29-F687-4F45-9708-019B960494DF}">
                 <a14:hiddenLine xmlns:a14="http://schemas.microsoft.com/office/drawing/2010/main" w="9525">
                   <a:solidFill>
                     <a:srgbClr val="000000"/>
@@ -29595,7 +29640,7 @@
               <a:noFill/>
             </a:ln>
             <a:extLst>
-              <a:ext uri="{91240B29-F687-4f45-9708-019B960494DF}">
+              <a:ext uri="{91240B29-F687-4F45-9708-019B960494DF}">
                 <a14:hiddenLine xmlns:a14="http://schemas.microsoft.com/office/drawing/2010/main" w="9525">
                   <a:solidFill>
                     <a:srgbClr val="000000"/>
@@ -29657,7 +29702,7 @@
               <a:noFill/>
             </a:ln>
             <a:extLst>
-              <a:ext uri="{91240B29-F687-4f45-9708-019B960494DF}">
+              <a:ext uri="{91240B29-F687-4F45-9708-019B960494DF}">
                 <a14:hiddenLine xmlns:a14="http://schemas.microsoft.com/office/drawing/2010/main" w="9525">
                   <a:solidFill>
                     <a:srgbClr val="000000"/>
@@ -29767,7 +29812,7 @@
               <a:noFill/>
             </a:ln>
             <a:extLst>
-              <a:ext uri="{91240B29-F687-4f45-9708-019B960494DF}">
+              <a:ext uri="{91240B29-F687-4F45-9708-019B960494DF}">
                 <a14:hiddenLine xmlns:a14="http://schemas.microsoft.com/office/drawing/2010/main" w="9525">
                   <a:solidFill>
                     <a:srgbClr val="000000"/>
@@ -29829,7 +29874,7 @@
               <a:noFill/>
             </a:ln>
             <a:extLst>
-              <a:ext uri="{91240B29-F687-4f45-9708-019B960494DF}">
+              <a:ext uri="{91240B29-F687-4F45-9708-019B960494DF}">
                 <a14:hiddenLine xmlns:a14="http://schemas.microsoft.com/office/drawing/2010/main" w="9525">
                   <a:solidFill>
                     <a:srgbClr val="000000"/>
@@ -29919,7 +29964,7 @@
               <a:noFill/>
             </a:ln>
             <a:extLst>
-              <a:ext uri="{91240B29-F687-4f45-9708-019B960494DF}">
+              <a:ext uri="{91240B29-F687-4F45-9708-019B960494DF}">
                 <a14:hiddenLine xmlns:a14="http://schemas.microsoft.com/office/drawing/2010/main" w="9525">
                   <a:solidFill>
                     <a:srgbClr val="000000"/>
@@ -30009,7 +30054,7 @@
               <a:noFill/>
             </a:ln>
             <a:extLst>
-              <a:ext uri="{91240B29-F687-4f45-9708-019B960494DF}">
+              <a:ext uri="{91240B29-F687-4F45-9708-019B960494DF}">
                 <a14:hiddenLine xmlns:a14="http://schemas.microsoft.com/office/drawing/2010/main" w="9525">
                   <a:solidFill>
                     <a:srgbClr val="000000"/>
@@ -30071,7 +30116,7 @@
               <a:noFill/>
             </a:ln>
             <a:extLst>
-              <a:ext uri="{91240B29-F687-4f45-9708-019B960494DF}">
+              <a:ext uri="{91240B29-F687-4F45-9708-019B960494DF}">
                 <a14:hiddenLine xmlns:a14="http://schemas.microsoft.com/office/drawing/2010/main" w="9525">
                   <a:solidFill>
                     <a:srgbClr val="000000"/>
@@ -30161,7 +30206,7 @@
               <a:noFill/>
             </a:ln>
             <a:extLst>
-              <a:ext uri="{91240B29-F687-4f45-9708-019B960494DF}">
+              <a:ext uri="{91240B29-F687-4F45-9708-019B960494DF}">
                 <a14:hiddenLine xmlns:a14="http://schemas.microsoft.com/office/drawing/2010/main" w="9525">
                   <a:solidFill>
                     <a:srgbClr val="000000"/>
@@ -30251,7 +30296,7 @@
               <a:noFill/>
             </a:ln>
             <a:extLst>
-              <a:ext uri="{91240B29-F687-4f45-9708-019B960494DF}">
+              <a:ext uri="{91240B29-F687-4F45-9708-019B960494DF}">
                 <a14:hiddenLine xmlns:a14="http://schemas.microsoft.com/office/drawing/2010/main" w="9525">
                   <a:solidFill>
                     <a:srgbClr val="000000"/>
@@ -30307,7 +30352,7 @@
               <a:noFill/>
             </a:ln>
             <a:extLst>
-              <a:ext uri="{91240B29-F687-4f45-9708-019B960494DF}">
+              <a:ext uri="{91240B29-F687-4F45-9708-019B960494DF}">
                 <a14:hiddenLine xmlns:a14="http://schemas.microsoft.com/office/drawing/2010/main" w="9525">
                   <a:solidFill>
                     <a:srgbClr val="000000"/>
@@ -30397,7 +30442,7 @@
               <a:noFill/>
             </a:ln>
             <a:extLst>
-              <a:ext uri="{91240B29-F687-4f45-9708-019B960494DF}">
+              <a:ext uri="{91240B29-F687-4F45-9708-019B960494DF}">
                 <a14:hiddenLine xmlns:a14="http://schemas.microsoft.com/office/drawing/2010/main" w="9525">
                   <a:solidFill>
                     <a:srgbClr val="000000"/>
@@ -30453,7 +30498,7 @@
               <a:noFill/>
             </a:ln>
             <a:extLst>
-              <a:ext uri="{91240B29-F687-4f45-9708-019B960494DF}">
+              <a:ext uri="{91240B29-F687-4F45-9708-019B960494DF}">
                 <a14:hiddenLine xmlns:a14="http://schemas.microsoft.com/office/drawing/2010/main" w="9525">
                   <a:solidFill>
                     <a:srgbClr val="000000"/>
@@ -30543,7 +30588,7 @@
               <a:noFill/>
             </a:ln>
             <a:extLst>
-              <a:ext uri="{91240B29-F687-4f45-9708-019B960494DF}">
+              <a:ext uri="{91240B29-F687-4F45-9708-019B960494DF}">
                 <a14:hiddenLine xmlns:a14="http://schemas.microsoft.com/office/drawing/2010/main" w="9525">
                   <a:solidFill>
                     <a:srgbClr val="000000"/>
@@ -30611,7 +30656,7 @@
               <a:noFill/>
             </a:ln>
             <a:extLst>
-              <a:ext uri="{91240B29-F687-4f45-9708-019B960494DF}">
+              <a:ext uri="{91240B29-F687-4F45-9708-019B960494DF}">
                 <a14:hiddenLine xmlns:a14="http://schemas.microsoft.com/office/drawing/2010/main" w="9525">
                   <a:solidFill>
                     <a:srgbClr val="000000"/>
@@ -30701,7 +30746,7 @@
               <a:noFill/>
             </a:ln>
             <a:extLst>
-              <a:ext uri="{91240B29-F687-4f45-9708-019B960494DF}">
+              <a:ext uri="{91240B29-F687-4F45-9708-019B960494DF}">
                 <a14:hiddenLine xmlns:a14="http://schemas.microsoft.com/office/drawing/2010/main" w="9525">
                   <a:solidFill>
                     <a:srgbClr val="000000"/>
@@ -30769,7 +30814,7 @@
               <a:noFill/>
             </a:ln>
             <a:extLst>
-              <a:ext uri="{91240B29-F687-4f45-9708-019B960494DF}">
+              <a:ext uri="{91240B29-F687-4F45-9708-019B960494DF}">
                 <a14:hiddenLine xmlns:a14="http://schemas.microsoft.com/office/drawing/2010/main" w="9525">
                   <a:solidFill>
                     <a:srgbClr val="000000"/>
@@ -30859,7 +30904,7 @@
               <a:noFill/>
             </a:ln>
             <a:extLst>
-              <a:ext uri="{91240B29-F687-4f45-9708-019B960494DF}">
+              <a:ext uri="{91240B29-F687-4F45-9708-019B960494DF}">
                 <a14:hiddenLine xmlns:a14="http://schemas.microsoft.com/office/drawing/2010/main" w="9525">
                   <a:solidFill>
                     <a:srgbClr val="000000"/>
@@ -30893,7 +30938,7 @@
               <a:noFill/>
             </a:ln>
             <a:extLst>
-              <a:ext uri="{91240B29-F687-4f45-9708-019B960494DF}">
+              <a:ext uri="{91240B29-F687-4F45-9708-019B960494DF}">
                 <a14:hiddenLine xmlns:a14="http://schemas.microsoft.com/office/drawing/2010/main" w="9525">
                   <a:solidFill>
                     <a:srgbClr val="000000"/>
@@ -30983,7 +31028,7 @@
               <a:noFill/>
             </a:ln>
             <a:extLst>
-              <a:ext uri="{91240B29-F687-4f45-9708-019B960494DF}">
+              <a:ext uri="{91240B29-F687-4F45-9708-019B960494DF}">
                 <a14:hiddenLine xmlns:a14="http://schemas.microsoft.com/office/drawing/2010/main" w="9525">
                   <a:solidFill>
                     <a:srgbClr val="000000"/>
@@ -31045,7 +31090,7 @@
               <a:noFill/>
             </a:ln>
             <a:extLst>
-              <a:ext uri="{91240B29-F687-4f45-9708-019B960494DF}">
+              <a:ext uri="{91240B29-F687-4F45-9708-019B960494DF}">
                 <a14:hiddenLine xmlns:a14="http://schemas.microsoft.com/office/drawing/2010/main" w="9525">
                   <a:solidFill>
                     <a:srgbClr val="000000"/>
@@ -31107,7 +31152,7 @@
               <a:noFill/>
             </a:ln>
             <a:extLst>
-              <a:ext uri="{91240B29-F687-4f45-9708-019B960494DF}">
+              <a:ext uri="{91240B29-F687-4F45-9708-019B960494DF}">
                 <a14:hiddenLine xmlns:a14="http://schemas.microsoft.com/office/drawing/2010/main" w="9525">
                   <a:solidFill>
                     <a:srgbClr val="000000"/>
@@ -31197,7 +31242,7 @@
               <a:noFill/>
             </a:ln>
             <a:extLst>
-              <a:ext uri="{91240B29-F687-4f45-9708-019B960494DF}">
+              <a:ext uri="{91240B29-F687-4F45-9708-019B960494DF}">
                 <a14:hiddenLine xmlns:a14="http://schemas.microsoft.com/office/drawing/2010/main" w="9525">
                   <a:solidFill>
                     <a:srgbClr val="000000"/>
@@ -31265,7 +31310,7 @@
               <a:noFill/>
             </a:ln>
             <a:extLst>
-              <a:ext uri="{91240B29-F687-4f45-9708-019B960494DF}">
+              <a:ext uri="{91240B29-F687-4F45-9708-019B960494DF}">
                 <a14:hiddenLine xmlns:a14="http://schemas.microsoft.com/office/drawing/2010/main" w="9525">
                   <a:solidFill>
                     <a:srgbClr val="000000"/>
@@ -31327,7 +31372,7 @@
               <a:noFill/>
             </a:ln>
             <a:extLst>
-              <a:ext uri="{91240B29-F687-4f45-9708-019B960494DF}">
+              <a:ext uri="{91240B29-F687-4F45-9708-019B960494DF}">
                 <a14:hiddenLine xmlns:a14="http://schemas.microsoft.com/office/drawing/2010/main" w="9525">
                   <a:solidFill>
                     <a:srgbClr val="000000"/>
@@ -31417,7 +31462,7 @@
               <a:noFill/>
             </a:ln>
             <a:extLst>
-              <a:ext uri="{91240B29-F687-4f45-9708-019B960494DF}">
+              <a:ext uri="{91240B29-F687-4F45-9708-019B960494DF}">
                 <a14:hiddenLine xmlns:a14="http://schemas.microsoft.com/office/drawing/2010/main" w="9525">
                   <a:solidFill>
                     <a:srgbClr val="000000"/>
@@ -31479,7 +31524,7 @@
               <a:noFill/>
             </a:ln>
             <a:extLst>
-              <a:ext uri="{91240B29-F687-4f45-9708-019B960494DF}">
+              <a:ext uri="{91240B29-F687-4F45-9708-019B960494DF}">
                 <a14:hiddenLine xmlns:a14="http://schemas.microsoft.com/office/drawing/2010/main" w="9525">
                   <a:solidFill>
                     <a:srgbClr val="000000"/>
@@ -31569,7 +31614,7 @@
               <a:noFill/>
             </a:ln>
             <a:extLst>
-              <a:ext uri="{91240B29-F687-4f45-9708-019B960494DF}">
+              <a:ext uri="{91240B29-F687-4F45-9708-019B960494DF}">
                 <a14:hiddenLine xmlns:a14="http://schemas.microsoft.com/office/drawing/2010/main" w="9525">
                   <a:solidFill>
                     <a:srgbClr val="000000"/>
@@ -31631,7 +31676,7 @@
               <a:noFill/>
             </a:ln>
             <a:extLst>
-              <a:ext uri="{91240B29-F687-4f45-9708-019B960494DF}">
+              <a:ext uri="{91240B29-F687-4F45-9708-019B960494DF}">
                 <a14:hiddenLine xmlns:a14="http://schemas.microsoft.com/office/drawing/2010/main" w="9525">
                   <a:solidFill>
                     <a:srgbClr val="000000"/>
@@ -31721,7 +31766,7 @@
               <a:noFill/>
             </a:ln>
             <a:extLst>
-              <a:ext uri="{91240B29-F687-4f45-9708-019B960494DF}">
+              <a:ext uri="{91240B29-F687-4F45-9708-019B960494DF}">
                 <a14:hiddenLine xmlns:a14="http://schemas.microsoft.com/office/drawing/2010/main" w="9525">
                   <a:solidFill>
                     <a:srgbClr val="000000"/>
@@ -31755,7 +31800,7 @@
               <a:noFill/>
             </a:ln>
             <a:extLst>
-              <a:ext uri="{91240B29-F687-4f45-9708-019B960494DF}">
+              <a:ext uri="{91240B29-F687-4F45-9708-019B960494DF}">
                 <a14:hiddenLine xmlns:a14="http://schemas.microsoft.com/office/drawing/2010/main" w="9525">
                   <a:solidFill>
                     <a:srgbClr val="000000"/>
@@ -31820,7 +31865,7 @@
               <a:noFill/>
             </a:ln>
             <a:extLst>
-              <a:ext uri="{91240B29-F687-4f45-9708-019B960494DF}">
+              <a:ext uri="{91240B29-F687-4F45-9708-019B960494DF}">
                 <a14:hiddenLine xmlns:a14="http://schemas.microsoft.com/office/drawing/2010/main" w="9525">
                   <a:solidFill>
                     <a:srgbClr val="000000"/>
@@ -31910,7 +31955,7 @@
               <a:noFill/>
             </a:ln>
             <a:extLst>
-              <a:ext uri="{91240B29-F687-4f45-9708-019B960494DF}">
+              <a:ext uri="{91240B29-F687-4F45-9708-019B960494DF}">
                 <a14:hiddenLine xmlns:a14="http://schemas.microsoft.com/office/drawing/2010/main" w="9525">
                   <a:solidFill>
                     <a:srgbClr val="000000"/>
@@ -31972,7 +32017,7 @@
               <a:noFill/>
             </a:ln>
             <a:extLst>
-              <a:ext uri="{91240B29-F687-4f45-9708-019B960494DF}">
+              <a:ext uri="{91240B29-F687-4F45-9708-019B960494DF}">
                 <a14:hiddenLine xmlns:a14="http://schemas.microsoft.com/office/drawing/2010/main" w="9525">
                   <a:solidFill>
                     <a:srgbClr val="000000"/>
@@ -32062,7 +32107,7 @@
               <a:noFill/>
             </a:ln>
             <a:extLst>
-              <a:ext uri="{91240B29-F687-4f45-9708-019B960494DF}">
+              <a:ext uri="{91240B29-F687-4F45-9708-019B960494DF}">
                 <a14:hiddenLine xmlns:a14="http://schemas.microsoft.com/office/drawing/2010/main" w="9525">
                   <a:solidFill>
                     <a:srgbClr val="000000"/>
@@ -32152,7 +32197,7 @@
               <a:noFill/>
             </a:ln>
             <a:extLst>
-              <a:ext uri="{91240B29-F687-4f45-9708-019B960494DF}">
+              <a:ext uri="{91240B29-F687-4F45-9708-019B960494DF}">
                 <a14:hiddenLine xmlns:a14="http://schemas.microsoft.com/office/drawing/2010/main" w="9525">
                   <a:solidFill>
                     <a:srgbClr val="000000"/>
@@ -32217,7 +32262,7 @@
               <a:noFill/>
             </a:ln>
             <a:extLst>
-              <a:ext uri="{91240B29-F687-4f45-9708-019B960494DF}">
+              <a:ext uri="{91240B29-F687-4F45-9708-019B960494DF}">
                 <a14:hiddenLine xmlns:a14="http://schemas.microsoft.com/office/drawing/2010/main" w="9525">
                   <a:solidFill>
                     <a:srgbClr val="000000"/>
@@ -32279,7 +32324,7 @@
               <a:noFill/>
             </a:ln>
             <a:extLst>
-              <a:ext uri="{91240B29-F687-4f45-9708-019B960494DF}">
+              <a:ext uri="{91240B29-F687-4F45-9708-019B960494DF}">
                 <a14:hiddenLine xmlns:a14="http://schemas.microsoft.com/office/drawing/2010/main" w="9525">
                   <a:solidFill>
                     <a:srgbClr val="000000"/>
@@ -32369,7 +32414,7 @@
               <a:noFill/>
             </a:ln>
             <a:extLst>
-              <a:ext uri="{91240B29-F687-4f45-9708-019B960494DF}">
+              <a:ext uri="{91240B29-F687-4F45-9708-019B960494DF}">
                 <a14:hiddenLine xmlns:a14="http://schemas.microsoft.com/office/drawing/2010/main" w="9525">
                   <a:solidFill>
                     <a:srgbClr val="000000"/>
@@ -32459,7 +32504,7 @@
               <a:noFill/>
             </a:ln>
             <a:extLst>
-              <a:ext uri="{91240B29-F687-4f45-9708-019B960494DF}">
+              <a:ext uri="{91240B29-F687-4F45-9708-019B960494DF}">
                 <a14:hiddenLine xmlns:a14="http://schemas.microsoft.com/office/drawing/2010/main" w="9525">
                   <a:solidFill>
                     <a:srgbClr val="000000"/>
@@ -32521,7 +32566,7 @@
               <a:noFill/>
             </a:ln>
             <a:extLst>
-              <a:ext uri="{91240B29-F687-4f45-9708-019B960494DF}">
+              <a:ext uri="{91240B29-F687-4F45-9708-019B960494DF}">
                 <a14:hiddenLine xmlns:a14="http://schemas.microsoft.com/office/drawing/2010/main" w="9525">
                   <a:solidFill>
                     <a:srgbClr val="000000"/>
@@ -32641,7 +32686,7 @@
               <a:noFill/>
             </a:ln>
             <a:extLst>
-              <a:ext uri="{91240B29-F687-4f45-9708-019B960494DF}">
+              <a:ext uri="{91240B29-F687-4F45-9708-019B960494DF}">
                 <a14:hiddenLine xmlns:a14="http://schemas.microsoft.com/office/drawing/2010/main" w="9525">
                   <a:solidFill>
                     <a:srgbClr val="000000"/>
@@ -32709,7 +32754,7 @@
               <a:noFill/>
             </a:ln>
             <a:extLst>
-              <a:ext uri="{91240B29-F687-4f45-9708-019B960494DF}">
+              <a:ext uri="{91240B29-F687-4F45-9708-019B960494DF}">
                 <a14:hiddenLine xmlns:a14="http://schemas.microsoft.com/office/drawing/2010/main" w="9525">
                   <a:solidFill>
                     <a:srgbClr val="000000"/>
@@ -32799,7 +32844,7 @@
               <a:noFill/>
             </a:ln>
             <a:extLst>
-              <a:ext uri="{91240B29-F687-4f45-9708-019B960494DF}">
+              <a:ext uri="{91240B29-F687-4F45-9708-019B960494DF}">
                 <a14:hiddenLine xmlns:a14="http://schemas.microsoft.com/office/drawing/2010/main" w="9525">
                   <a:solidFill>
                     <a:srgbClr val="000000"/>
@@ -32940,7 +32985,7 @@
           <a:p>
             <a:fld id="{48A87A34-81AB-432B-8DAE-1953F412C126}" type="datetimeFigureOut">
               <a:rPr lang="en-US" smtClean="0"/>
-              <a:t>5/6/13</a:t>
+              <a:t>5/6/2013</a:t>
             </a:fld>
             <a:endParaRPr lang="en-US" dirty="0"/>
           </a:p>
@@ -33207,7 +33252,7 @@
           <a:p>
             <a:fld id="{48A87A34-81AB-432B-8DAE-1953F412C126}" type="datetimeFigureOut">
               <a:rPr lang="en-US" smtClean="0"/>
-              <a:t>5/6/13</a:t>
+              <a:t>5/6/2013</a:t>
             </a:fld>
             <a:endParaRPr lang="en-US" dirty="0"/>
           </a:p>
@@ -33403,7 +33448,7 @@
           <a:p>
             <a:fld id="{48A87A34-81AB-432B-8DAE-1953F412C126}" type="datetimeFigureOut">
               <a:rPr lang="en-US" smtClean="0"/>
-              <a:t>5/6/13</a:t>
+              <a:t>5/6/2013</a:t>
             </a:fld>
             <a:endParaRPr lang="en-US" dirty="0"/>
           </a:p>
@@ -33666,7 +33711,7 @@
           <a:p>
             <a:fld id="{48A87A34-81AB-432B-8DAE-1953F412C126}" type="datetimeFigureOut">
               <a:rPr lang="en-US" smtClean="0"/>
-              <a:t>5/6/13</a:t>
+              <a:t>5/6/2013</a:t>
             </a:fld>
             <a:endParaRPr lang="en-US" dirty="0"/>
           </a:p>
@@ -34100,7 +34145,7 @@
           <a:p>
             <a:fld id="{48A87A34-81AB-432B-8DAE-1953F412C126}" type="datetimeFigureOut">
               <a:rPr lang="en-US" smtClean="0"/>
-              <a:t>5/6/13</a:t>
+              <a:t>5/6/2013</a:t>
             </a:fld>
             <a:endParaRPr lang="en-US" dirty="0"/>
           </a:p>
@@ -34646,7 +34691,7 @@
           <a:p>
             <a:fld id="{48A87A34-81AB-432B-8DAE-1953F412C126}" type="datetimeFigureOut">
               <a:rPr lang="en-US" smtClean="0"/>
-              <a:t>5/6/13</a:t>
+              <a:t>5/6/2013</a:t>
             </a:fld>
             <a:endParaRPr lang="en-US" dirty="0"/>
           </a:p>
@@ -35366,7 +35411,7 @@
           <a:p>
             <a:fld id="{48A87A34-81AB-432B-8DAE-1953F412C126}" type="datetimeFigureOut">
               <a:rPr lang="en-US" smtClean="0"/>
-              <a:t>5/6/13</a:t>
+              <a:t>5/6/2013</a:t>
             </a:fld>
             <a:endParaRPr lang="en-US" dirty="0"/>
           </a:p>
@@ -35536,7 +35581,7 @@
           <a:p>
             <a:fld id="{48A87A34-81AB-432B-8DAE-1953F412C126}" type="datetimeFigureOut">
               <a:rPr lang="en-US" smtClean="0"/>
-              <a:t>5/6/13</a:t>
+              <a:t>5/6/2013</a:t>
             </a:fld>
             <a:endParaRPr lang="en-US" dirty="0"/>
           </a:p>
@@ -35716,7 +35761,7 @@
           <a:p>
             <a:fld id="{48A87A34-81AB-432B-8DAE-1953F412C126}" type="datetimeFigureOut">
               <a:rPr lang="en-US" smtClean="0"/>
-              <a:t>5/6/13</a:t>
+              <a:t>5/6/2013</a:t>
             </a:fld>
             <a:endParaRPr lang="en-US" dirty="0"/>
           </a:p>
@@ -35886,7 +35931,7 @@
           <a:p>
             <a:fld id="{48A87A34-81AB-432B-8DAE-1953F412C126}" type="datetimeFigureOut">
               <a:rPr lang="en-US" smtClean="0"/>
-              <a:t>5/6/13</a:t>
+              <a:t>5/6/2013</a:t>
             </a:fld>
             <a:endParaRPr lang="en-US" dirty="0"/>
           </a:p>
@@ -36136,7 +36181,7 @@
           <a:p>
             <a:fld id="{48A87A34-81AB-432B-8DAE-1953F412C126}" type="datetimeFigureOut">
               <a:rPr lang="en-US" smtClean="0"/>
-              <a:t>5/6/13</a:t>
+              <a:t>5/6/2013</a:t>
             </a:fld>
             <a:endParaRPr lang="en-US" dirty="0"/>
           </a:p>
@@ -36368,7 +36413,7 @@
           <a:p>
             <a:fld id="{48A87A34-81AB-432B-8DAE-1953F412C126}" type="datetimeFigureOut">
               <a:rPr lang="en-US" smtClean="0"/>
-              <a:t>5/6/13</a:t>
+              <a:t>5/6/2013</a:t>
             </a:fld>
             <a:endParaRPr lang="en-US" dirty="0"/>
           </a:p>
@@ -36749,7 +36794,7 @@
           <a:p>
             <a:fld id="{48A87A34-81AB-432B-8DAE-1953F412C126}" type="datetimeFigureOut">
               <a:rPr lang="en-US" smtClean="0"/>
-              <a:t>5/6/13</a:t>
+              <a:t>5/6/2013</a:t>
             </a:fld>
             <a:endParaRPr lang="en-US" dirty="0"/>
           </a:p>
@@ -36867,7 +36912,7 @@
           <a:p>
             <a:fld id="{48A87A34-81AB-432B-8DAE-1953F412C126}" type="datetimeFigureOut">
               <a:rPr lang="en-US" smtClean="0"/>
-              <a:t>5/6/13</a:t>
+              <a:t>5/6/2013</a:t>
             </a:fld>
             <a:endParaRPr lang="en-US" dirty="0"/>
           </a:p>
@@ -36962,7 +37007,7 @@
           <a:p>
             <a:fld id="{48A87A34-81AB-432B-8DAE-1953F412C126}" type="datetimeFigureOut">
               <a:rPr lang="en-US" smtClean="0"/>
-              <a:t>5/6/13</a:t>
+              <a:t>5/6/2013</a:t>
             </a:fld>
             <a:endParaRPr lang="en-US" dirty="0"/>
           </a:p>
@@ -37211,7 +37256,7 @@
           <a:p>
             <a:fld id="{48A87A34-81AB-432B-8DAE-1953F412C126}" type="datetimeFigureOut">
               <a:rPr lang="en-US" smtClean="0"/>
-              <a:t>5/6/13</a:t>
+              <a:t>5/6/2013</a:t>
             </a:fld>
             <a:endParaRPr lang="en-US" dirty="0"/>
           </a:p>
@@ -37491,7 +37536,7 @@
           <a:p>
             <a:fld id="{48A87A34-81AB-432B-8DAE-1953F412C126}" type="datetimeFigureOut">
               <a:rPr lang="en-US" smtClean="0"/>
-              <a:t>5/6/13</a:t>
+              <a:t>5/6/2013</a:t>
             </a:fld>
             <a:endParaRPr lang="en-US" dirty="0"/>
           </a:p>
@@ -37613,7 +37658,7 @@
           </a:prstGeom>
           <a:noFill/>
           <a:extLst>
-            <a:ext uri="{909E8E84-426E-40dd-AFC4-6F175D3DCCD1}">
+            <a:ext uri="{909E8E84-426E-40DD-AFC4-6F175D3DCCD1}">
               <a14:hiddenFill xmlns:a14="http://schemas.microsoft.com/office/drawing/2010/main">
                 <a:solidFill>
                   <a:srgbClr val="FFFFFF"/>
@@ -37687,7 +37732,7 @@
                 <a:noFill/>
               </a:ln>
               <a:extLst>
-                <a:ext uri="{91240B29-F687-4f45-9708-019B960494DF}">
+                <a:ext uri="{91240B29-F687-4F45-9708-019B960494DF}">
                   <a14:hiddenLine xmlns:a14="http://schemas.microsoft.com/office/drawing/2010/main" w="9525">
                     <a:solidFill>
                       <a:srgbClr val="000000"/>
@@ -37777,7 +37822,7 @@
                 <a:noFill/>
               </a:ln>
               <a:extLst>
-                <a:ext uri="{91240B29-F687-4f45-9708-019B960494DF}">
+                <a:ext uri="{91240B29-F687-4F45-9708-019B960494DF}">
                   <a14:hiddenLine xmlns:a14="http://schemas.microsoft.com/office/drawing/2010/main" w="9525">
                     <a:solidFill>
                       <a:srgbClr val="000000"/>
@@ -37867,7 +37912,7 @@
                 <a:noFill/>
               </a:ln>
               <a:extLst>
-                <a:ext uri="{91240B29-F687-4f45-9708-019B960494DF}">
+                <a:ext uri="{91240B29-F687-4F45-9708-019B960494DF}">
                   <a14:hiddenLine xmlns:a14="http://schemas.microsoft.com/office/drawing/2010/main" w="9525">
                     <a:solidFill>
                       <a:srgbClr val="000000"/>
@@ -37929,7 +37974,7 @@
                 <a:noFill/>
               </a:ln>
               <a:extLst>
-                <a:ext uri="{91240B29-F687-4f45-9708-019B960494DF}">
+                <a:ext uri="{91240B29-F687-4F45-9708-019B960494DF}">
                   <a14:hiddenLine xmlns:a14="http://schemas.microsoft.com/office/drawing/2010/main" w="9525">
                     <a:solidFill>
                       <a:srgbClr val="000000"/>
@@ -38019,7 +38064,7 @@
                 <a:noFill/>
               </a:ln>
               <a:extLst>
-                <a:ext uri="{91240B29-F687-4f45-9708-019B960494DF}">
+                <a:ext uri="{91240B29-F687-4F45-9708-019B960494DF}">
                   <a14:hiddenLine xmlns:a14="http://schemas.microsoft.com/office/drawing/2010/main" w="9525">
                     <a:solidFill>
                       <a:srgbClr val="000000"/>
@@ -38081,7 +38126,7 @@
                 <a:noFill/>
               </a:ln>
               <a:extLst>
-                <a:ext uri="{91240B29-F687-4f45-9708-019B960494DF}">
+                <a:ext uri="{91240B29-F687-4F45-9708-019B960494DF}">
                   <a14:hiddenLine xmlns:a14="http://schemas.microsoft.com/office/drawing/2010/main" w="9525">
                     <a:solidFill>
                       <a:srgbClr val="000000"/>
@@ -38143,7 +38188,7 @@
                 <a:noFill/>
               </a:ln>
               <a:extLst>
-                <a:ext uri="{91240B29-F687-4f45-9708-019B960494DF}">
+                <a:ext uri="{91240B29-F687-4F45-9708-019B960494DF}">
                   <a14:hiddenLine xmlns:a14="http://schemas.microsoft.com/office/drawing/2010/main" w="9525">
                     <a:solidFill>
                       <a:srgbClr val="000000"/>
@@ -38233,7 +38278,7 @@
                 <a:noFill/>
               </a:ln>
               <a:extLst>
-                <a:ext uri="{91240B29-F687-4f45-9708-019B960494DF}">
+                <a:ext uri="{91240B29-F687-4F45-9708-019B960494DF}">
                   <a14:hiddenLine xmlns:a14="http://schemas.microsoft.com/office/drawing/2010/main" w="9525">
                     <a:solidFill>
                       <a:srgbClr val="000000"/>
@@ -38323,7 +38368,7 @@
                 <a:noFill/>
               </a:ln>
               <a:extLst>
-                <a:ext uri="{91240B29-F687-4f45-9708-019B960494DF}">
+                <a:ext uri="{91240B29-F687-4F45-9708-019B960494DF}">
                   <a14:hiddenLine xmlns:a14="http://schemas.microsoft.com/office/drawing/2010/main" w="9525">
                     <a:solidFill>
                       <a:srgbClr val="000000"/>
@@ -38385,7 +38430,7 @@
                 <a:noFill/>
               </a:ln>
               <a:extLst>
-                <a:ext uri="{91240B29-F687-4f45-9708-019B960494DF}">
+                <a:ext uri="{91240B29-F687-4F45-9708-019B960494DF}">
                   <a14:hiddenLine xmlns:a14="http://schemas.microsoft.com/office/drawing/2010/main" w="9525">
                     <a:solidFill>
                       <a:srgbClr val="000000"/>
@@ -38495,7 +38540,7 @@
                 <a:noFill/>
               </a:ln>
               <a:extLst>
-                <a:ext uri="{91240B29-F687-4f45-9708-019B960494DF}">
+                <a:ext uri="{91240B29-F687-4F45-9708-019B960494DF}">
                   <a14:hiddenLine xmlns:a14="http://schemas.microsoft.com/office/drawing/2010/main" w="9525">
                     <a:solidFill>
                       <a:srgbClr val="000000"/>
@@ -38579,7 +38624,7 @@
                 <a:noFill/>
               </a:ln>
               <a:extLst>
-                <a:ext uri="{91240B29-F687-4f45-9708-019B960494DF}">
+                <a:ext uri="{91240B29-F687-4F45-9708-019B960494DF}">
                   <a14:hiddenLine xmlns:a14="http://schemas.microsoft.com/office/drawing/2010/main" w="9525">
                     <a:solidFill>
                       <a:srgbClr val="000000"/>
@@ -38641,7 +38686,7 @@
                 <a:noFill/>
               </a:ln>
               <a:extLst>
-                <a:ext uri="{91240B29-F687-4f45-9708-019B960494DF}">
+                <a:ext uri="{91240B29-F687-4F45-9708-019B960494DF}">
                   <a14:hiddenLine xmlns:a14="http://schemas.microsoft.com/office/drawing/2010/main" w="9525">
                     <a:solidFill>
                       <a:srgbClr val="000000"/>
@@ -38703,7 +38748,7 @@
                 <a:noFill/>
               </a:ln>
               <a:extLst>
-                <a:ext uri="{91240B29-F687-4f45-9708-019B960494DF}">
+                <a:ext uri="{91240B29-F687-4F45-9708-019B960494DF}">
                   <a14:hiddenLine xmlns:a14="http://schemas.microsoft.com/office/drawing/2010/main" w="9525">
                     <a:solidFill>
                       <a:srgbClr val="000000"/>
@@ -38793,7 +38838,7 @@
                 <a:noFill/>
               </a:ln>
               <a:extLst>
-                <a:ext uri="{91240B29-F687-4f45-9708-019B960494DF}">
+                <a:ext uri="{91240B29-F687-4F45-9708-019B960494DF}">
                   <a14:hiddenLine xmlns:a14="http://schemas.microsoft.com/office/drawing/2010/main" w="9525">
                     <a:solidFill>
                       <a:srgbClr val="000000"/>
@@ -38827,7 +38872,7 @@
                 <a:noFill/>
               </a:ln>
               <a:extLst>
-                <a:ext uri="{91240B29-F687-4f45-9708-019B960494DF}">
+                <a:ext uri="{91240B29-F687-4F45-9708-019B960494DF}">
                   <a14:hiddenLine xmlns:a14="http://schemas.microsoft.com/office/drawing/2010/main" w="9525">
                     <a:solidFill>
                       <a:srgbClr val="000000"/>
@@ -38892,7 +38937,7 @@
                 <a:noFill/>
               </a:ln>
               <a:extLst>
-                <a:ext uri="{91240B29-F687-4f45-9708-019B960494DF}">
+                <a:ext uri="{91240B29-F687-4F45-9708-019B960494DF}">
                   <a14:hiddenLine xmlns:a14="http://schemas.microsoft.com/office/drawing/2010/main" w="9525">
                     <a:solidFill>
                       <a:srgbClr val="000000"/>
@@ -38982,7 +39027,7 @@
                 <a:noFill/>
               </a:ln>
               <a:extLst>
-                <a:ext uri="{91240B29-F687-4f45-9708-019B960494DF}">
+                <a:ext uri="{91240B29-F687-4F45-9708-019B960494DF}">
                   <a14:hiddenLine xmlns:a14="http://schemas.microsoft.com/office/drawing/2010/main" w="9525">
                     <a:solidFill>
                       <a:srgbClr val="000000"/>
@@ -39044,7 +39089,7 @@
                 <a:noFill/>
               </a:ln>
               <a:extLst>
-                <a:ext uri="{91240B29-F687-4f45-9708-019B960494DF}">
+                <a:ext uri="{91240B29-F687-4F45-9708-019B960494DF}">
                   <a14:hiddenLine xmlns:a14="http://schemas.microsoft.com/office/drawing/2010/main" w="9525">
                     <a:solidFill>
                       <a:srgbClr val="000000"/>
@@ -39134,7 +39179,7 @@
                 <a:noFill/>
               </a:ln>
               <a:extLst>
-                <a:ext uri="{91240B29-F687-4f45-9708-019B960494DF}">
+                <a:ext uri="{91240B29-F687-4F45-9708-019B960494DF}">
                   <a14:hiddenLine xmlns:a14="http://schemas.microsoft.com/office/drawing/2010/main" w="9525">
                     <a:solidFill>
                       <a:srgbClr val="000000"/>
@@ -39199,7 +39244,7 @@
                 <a:noFill/>
               </a:ln>
               <a:extLst>
-                <a:ext uri="{91240B29-F687-4f45-9708-019B960494DF}">
+                <a:ext uri="{91240B29-F687-4F45-9708-019B960494DF}">
                   <a14:hiddenLine xmlns:a14="http://schemas.microsoft.com/office/drawing/2010/main" w="9525">
                     <a:solidFill>
                       <a:srgbClr val="000000"/>
@@ -39261,7 +39306,7 @@
                 <a:noFill/>
               </a:ln>
               <a:extLst>
-                <a:ext uri="{91240B29-F687-4f45-9708-019B960494DF}">
+                <a:ext uri="{91240B29-F687-4F45-9708-019B960494DF}">
                   <a14:hiddenLine xmlns:a14="http://schemas.microsoft.com/office/drawing/2010/main" w="9525">
                     <a:solidFill>
                       <a:srgbClr val="000000"/>
@@ -39351,7 +39396,7 @@
                 <a:noFill/>
               </a:ln>
               <a:extLst>
-                <a:ext uri="{91240B29-F687-4f45-9708-019B960494DF}">
+                <a:ext uri="{91240B29-F687-4F45-9708-019B960494DF}">
                   <a14:hiddenLine xmlns:a14="http://schemas.microsoft.com/office/drawing/2010/main" w="9525">
                     <a:solidFill>
                       <a:srgbClr val="000000"/>
@@ -39441,7 +39486,7 @@
                 <a:noFill/>
               </a:ln>
               <a:extLst>
-                <a:ext uri="{91240B29-F687-4f45-9708-019B960494DF}">
+                <a:ext uri="{91240B29-F687-4F45-9708-019B960494DF}">
                   <a14:hiddenLine xmlns:a14="http://schemas.microsoft.com/office/drawing/2010/main" w="9525">
                     <a:solidFill>
                       <a:srgbClr val="000000"/>
@@ -39506,7 +39551,7 @@
                 <a:noFill/>
               </a:ln>
               <a:extLst>
-                <a:ext uri="{91240B29-F687-4f45-9708-019B960494DF}">
+                <a:ext uri="{91240B29-F687-4F45-9708-019B960494DF}">
                   <a14:hiddenLine xmlns:a14="http://schemas.microsoft.com/office/drawing/2010/main" w="9525">
                     <a:solidFill>
                       <a:srgbClr val="000000"/>
@@ -39626,7 +39671,7 @@
                 <a:noFill/>
               </a:ln>
               <a:extLst>
-                <a:ext uri="{91240B29-F687-4f45-9708-019B960494DF}">
+                <a:ext uri="{91240B29-F687-4F45-9708-019B960494DF}">
                   <a14:hiddenLine xmlns:a14="http://schemas.microsoft.com/office/drawing/2010/main" w="9525">
                     <a:solidFill>
                       <a:srgbClr val="000000"/>
@@ -39707,7 +39752,7 @@
                 <a:noFill/>
               </a:ln>
               <a:extLst>
-                <a:ext uri="{91240B29-F687-4f45-9708-019B960494DF}">
+                <a:ext uri="{91240B29-F687-4F45-9708-019B960494DF}">
                   <a14:hiddenLine xmlns:a14="http://schemas.microsoft.com/office/drawing/2010/main" w="9525">
                     <a:solidFill>
                       <a:srgbClr val="000000"/>
@@ -39822,7 +39867,7 @@
                 <a:noFill/>
               </a:ln>
               <a:extLst>
-                <a:ext uri="{91240B29-F687-4f45-9708-019B960494DF}">
+                <a:ext uri="{91240B29-F687-4F45-9708-019B960494DF}">
                   <a14:hiddenLine xmlns:a14="http://schemas.microsoft.com/office/drawing/2010/main" w="9525">
                     <a:solidFill>
                       <a:srgbClr val="000000"/>
@@ -39912,7 +39957,7 @@
                 <a:noFill/>
               </a:ln>
               <a:extLst>
-                <a:ext uri="{91240B29-F687-4f45-9708-019B960494DF}">
+                <a:ext uri="{91240B29-F687-4F45-9708-019B960494DF}">
                   <a14:hiddenLine xmlns:a14="http://schemas.microsoft.com/office/drawing/2010/main" w="9525">
                     <a:solidFill>
                       <a:srgbClr val="000000"/>
@@ -39977,7 +40022,7 @@
                 <a:noFill/>
               </a:ln>
               <a:extLst>
-                <a:ext uri="{91240B29-F687-4f45-9708-019B960494DF}">
+                <a:ext uri="{91240B29-F687-4F45-9708-019B960494DF}">
                   <a14:hiddenLine xmlns:a14="http://schemas.microsoft.com/office/drawing/2010/main" w="9525">
                     <a:solidFill>
                       <a:srgbClr val="000000"/>
@@ -40067,7 +40112,7 @@
                 <a:noFill/>
               </a:ln>
               <a:extLst>
-                <a:ext uri="{91240B29-F687-4f45-9708-019B960494DF}">
+                <a:ext uri="{91240B29-F687-4F45-9708-019B960494DF}">
                   <a14:hiddenLine xmlns:a14="http://schemas.microsoft.com/office/drawing/2010/main" w="9525">
                     <a:solidFill>
                       <a:srgbClr val="000000"/>
@@ -40135,7 +40180,7 @@
                 <a:noFill/>
               </a:ln>
               <a:extLst>
-                <a:ext uri="{91240B29-F687-4f45-9708-019B960494DF}">
+                <a:ext uri="{91240B29-F687-4F45-9708-019B960494DF}">
                   <a14:hiddenLine xmlns:a14="http://schemas.microsoft.com/office/drawing/2010/main" w="9525">
                     <a:solidFill>
                       <a:srgbClr val="000000"/>
@@ -40225,7 +40270,7 @@
                 <a:noFill/>
               </a:ln>
               <a:extLst>
-                <a:ext uri="{91240B29-F687-4f45-9708-019B960494DF}">
+                <a:ext uri="{91240B29-F687-4F45-9708-019B960494DF}">
                   <a14:hiddenLine xmlns:a14="http://schemas.microsoft.com/office/drawing/2010/main" w="9525">
                     <a:solidFill>
                       <a:srgbClr val="000000"/>
@@ -40293,7 +40338,7 @@
                 <a:noFill/>
               </a:ln>
               <a:extLst>
-                <a:ext uri="{91240B29-F687-4f45-9708-019B960494DF}">
+                <a:ext uri="{91240B29-F687-4F45-9708-019B960494DF}">
                   <a14:hiddenLine xmlns:a14="http://schemas.microsoft.com/office/drawing/2010/main" w="9525">
                     <a:solidFill>
                       <a:srgbClr val="000000"/>
@@ -40383,7 +40428,7 @@
                 <a:noFill/>
               </a:ln>
               <a:extLst>
-                <a:ext uri="{91240B29-F687-4f45-9708-019B960494DF}">
+                <a:ext uri="{91240B29-F687-4F45-9708-019B960494DF}">
                   <a14:hiddenLine xmlns:a14="http://schemas.microsoft.com/office/drawing/2010/main" w="9525">
                     <a:solidFill>
                       <a:srgbClr val="000000"/>
@@ -40417,7 +40462,7 @@
                 <a:noFill/>
               </a:ln>
               <a:extLst>
-                <a:ext uri="{91240B29-F687-4f45-9708-019B960494DF}">
+                <a:ext uri="{91240B29-F687-4F45-9708-019B960494DF}">
                   <a14:hiddenLine xmlns:a14="http://schemas.microsoft.com/office/drawing/2010/main" w="9525">
                     <a:solidFill>
                       <a:srgbClr val="000000"/>
@@ -40559,7 +40604,7 @@
             <a:fld id="{48A87A34-81AB-432B-8DAE-1953F412C126}" type="datetimeFigureOut">
               <a:rPr lang="en-US" smtClean="0"/>
               <a:pPr/>
-              <a:t>5/6/13</a:t>
+              <a:t>5/6/2013</a:t>
             </a:fld>
             <a:endParaRPr lang="en-US" dirty="0"/>
           </a:p>
@@ -41082,6 +41127,247 @@
           <a:p>
             <a:r>
               <a:rPr lang="en-US" dirty="0" smtClean="0"/>
+              <a:t>Cross-over is Not very effective</a:t>
+            </a:r>
+            <a:endParaRPr lang="en-US" dirty="0"/>
+          </a:p>
+        </p:txBody>
+      </p:sp>
+      <p:pic>
+        <p:nvPicPr>
+          <p:cNvPr id="5" name="Content Placeholder 4"/>
+          <p:cNvPicPr>
+            <a:picLocks noGrp="1" noChangeAspect="1"/>
+          </p:cNvPicPr>
+          <p:nvPr>
+            <p:ph sz="half" idx="1"/>
+          </p:nvPr>
+        </p:nvPicPr>
+        <p:blipFill>
+          <a:blip r:embed="rId2">
+            <a:extLst>
+              <a:ext uri="{28A0092B-C50C-407E-A947-70E740481C1C}">
+                <a14:useLocalDpi xmlns:a14="http://schemas.microsoft.com/office/drawing/2010/main" val="0"/>
+              </a:ext>
+            </a:extLst>
+          </a:blip>
+          <a:stretch>
+            <a:fillRect/>
+          </a:stretch>
+        </p:blipFill>
+        <p:spPr>
+          <a:xfrm>
+            <a:off x="3075962" y="2253241"/>
+            <a:ext cx="6040077" cy="3878619"/>
+          </a:xfrm>
+        </p:spPr>
+      </p:pic>
+    </p:spTree>
+    <p:extLst>
+      <p:ext uri="{BB962C8B-B14F-4D97-AF65-F5344CB8AC3E}">
+        <p14:creationId xmlns:p14="http://schemas.microsoft.com/office/powerpoint/2010/main" val="245483932"/>
+      </p:ext>
+    </p:extLst>
+  </p:cSld>
+  <p:clrMapOvr>
+    <a:masterClrMapping/>
+  </p:clrMapOvr>
+</p:sld>
+</file>
+
+<file path=ppt/slides/slide11.xml><?xml version="1.0" encoding="utf-8"?>
+<p:sld xmlns:a="http://schemas.openxmlformats.org/drawingml/2006/main" xmlns:r="http://schemas.openxmlformats.org/officeDocument/2006/relationships" xmlns:p="http://schemas.openxmlformats.org/presentationml/2006/main">
+  <p:cSld>
+    <p:spTree>
+      <p:nvGrpSpPr>
+        <p:cNvPr id="1" name=""/>
+        <p:cNvGrpSpPr/>
+        <p:nvPr/>
+      </p:nvGrpSpPr>
+      <p:grpSpPr>
+        <a:xfrm>
+          <a:off x="0" y="0"/>
+          <a:ext cx="0" cy="0"/>
+          <a:chOff x="0" y="0"/>
+          <a:chExt cx="0" cy="0"/>
+        </a:xfrm>
+      </p:grpSpPr>
+      <p:sp>
+        <p:nvSpPr>
+          <p:cNvPr id="2" name="Title 1"/>
+          <p:cNvSpPr>
+            <a:spLocks noGrp="1"/>
+          </p:cNvSpPr>
+          <p:nvPr>
+            <p:ph type="title"/>
+          </p:nvPr>
+        </p:nvSpPr>
+        <p:spPr/>
+        <p:txBody>
+          <a:bodyPr/>
+          <a:lstStyle/>
+          <a:p>
+            <a:r>
+              <a:rPr lang="en-US" dirty="0"/>
+              <a:t>Method 2 - Linear Transformations</a:t>
+            </a:r>
+          </a:p>
+        </p:txBody>
+      </p:sp>
+      <p:graphicFrame>
+        <p:nvGraphicFramePr>
+          <p:cNvPr id="4" name="Content Placeholder 3"/>
+          <p:cNvGraphicFramePr>
+            <a:graphicFrameLocks noGrp="1"/>
+          </p:cNvGraphicFramePr>
+          <p:nvPr>
+            <p:ph idx="1"/>
+            <p:extLst>
+              <p:ext uri="{D42A27DB-BD31-4B8C-83A1-F6EECF244321}">
+                <p14:modId xmlns:p14="http://schemas.microsoft.com/office/powerpoint/2010/main" val="2238619301"/>
+              </p:ext>
+            </p:extLst>
+          </p:nvPr>
+        </p:nvGraphicFramePr>
+        <p:xfrm>
+          <a:off x="1141413" y="2249488"/>
+          <a:ext cx="9906000" cy="3541712"/>
+        </p:xfrm>
+        <a:graphic>
+          <a:graphicData uri="http://schemas.openxmlformats.org/drawingml/2006/diagram">
+            <dgm:relIds xmlns:dgm="http://schemas.openxmlformats.org/drawingml/2006/diagram" xmlns:r="http://schemas.openxmlformats.org/officeDocument/2006/relationships" r:dm="rId2" r:lo="rId3" r:qs="rId4" r:cs="rId5"/>
+          </a:graphicData>
+        </a:graphic>
+      </p:graphicFrame>
+    </p:spTree>
+    <p:extLst>
+      <p:ext uri="{BB962C8B-B14F-4D97-AF65-F5344CB8AC3E}">
+        <p14:creationId xmlns:p14="http://schemas.microsoft.com/office/powerpoint/2010/main" val="4228261841"/>
+      </p:ext>
+    </p:extLst>
+  </p:cSld>
+  <p:clrMapOvr>
+    <a:masterClrMapping/>
+  </p:clrMapOvr>
+</p:sld>
+</file>
+
+<file path=ppt/slides/slide12.xml><?xml version="1.0" encoding="utf-8"?>
+<p:sld xmlns:a="http://schemas.openxmlformats.org/drawingml/2006/main" xmlns:r="http://schemas.openxmlformats.org/officeDocument/2006/relationships" xmlns:p="http://schemas.openxmlformats.org/presentationml/2006/main">
+  <p:cSld>
+    <p:spTree>
+      <p:nvGrpSpPr>
+        <p:cNvPr id="1" name=""/>
+        <p:cNvGrpSpPr/>
+        <p:nvPr/>
+      </p:nvGrpSpPr>
+      <p:grpSpPr>
+        <a:xfrm>
+          <a:off x="0" y="0"/>
+          <a:ext cx="0" cy="0"/>
+          <a:chOff x="0" y="0"/>
+          <a:chExt cx="0" cy="0"/>
+        </a:xfrm>
+      </p:grpSpPr>
+      <p:sp>
+        <p:nvSpPr>
+          <p:cNvPr id="2" name="Title 1"/>
+          <p:cNvSpPr>
+            <a:spLocks noGrp="1"/>
+          </p:cNvSpPr>
+          <p:nvPr>
+            <p:ph type="title"/>
+          </p:nvPr>
+        </p:nvSpPr>
+        <p:spPr/>
+        <p:txBody>
+          <a:bodyPr/>
+          <a:lstStyle/>
+          <a:p>
+            <a:r>
+              <a:rPr lang="en-US" dirty="0" smtClean="0"/>
+              <a:t>Much finer state exploration</a:t>
+            </a:r>
+            <a:endParaRPr lang="en-US" dirty="0"/>
+          </a:p>
+        </p:txBody>
+      </p:sp>
+      <p:pic>
+        <p:nvPicPr>
+          <p:cNvPr id="4" name="Content Placeholder 3"/>
+          <p:cNvPicPr>
+            <a:picLocks noGrp="1" noChangeAspect="1"/>
+          </p:cNvPicPr>
+          <p:nvPr>
+            <p:ph idx="1"/>
+          </p:nvPr>
+        </p:nvPicPr>
+        <p:blipFill>
+          <a:blip r:embed="rId2">
+            <a:extLst>
+              <a:ext uri="{28A0092B-C50C-407E-A947-70E740481C1C}">
+                <a14:useLocalDpi xmlns:a14="http://schemas.microsoft.com/office/drawing/2010/main" val="0"/>
+              </a:ext>
+            </a:extLst>
+          </a:blip>
+          <a:stretch>
+            <a:fillRect/>
+          </a:stretch>
+        </p:blipFill>
+        <p:spPr>
+          <a:xfrm>
+            <a:off x="3292289" y="1944821"/>
+            <a:ext cx="5607423" cy="4310552"/>
+          </a:xfrm>
+        </p:spPr>
+      </p:pic>
+    </p:spTree>
+    <p:extLst>
+      <p:ext uri="{BB962C8B-B14F-4D97-AF65-F5344CB8AC3E}">
+        <p14:creationId xmlns:p14="http://schemas.microsoft.com/office/powerpoint/2010/main" val="3219730001"/>
+      </p:ext>
+    </p:extLst>
+  </p:cSld>
+  <p:clrMapOvr>
+    <a:masterClrMapping/>
+  </p:clrMapOvr>
+</p:sld>
+</file>
+
+<file path=ppt/slides/slide13.xml><?xml version="1.0" encoding="utf-8"?>
+<p:sld xmlns:a="http://schemas.openxmlformats.org/drawingml/2006/main" xmlns:r="http://schemas.openxmlformats.org/officeDocument/2006/relationships" xmlns:p="http://schemas.openxmlformats.org/presentationml/2006/main">
+  <p:cSld>
+    <p:spTree>
+      <p:nvGrpSpPr>
+        <p:cNvPr id="1" name=""/>
+        <p:cNvGrpSpPr/>
+        <p:nvPr/>
+      </p:nvGrpSpPr>
+      <p:grpSpPr>
+        <a:xfrm>
+          <a:off x="0" y="0"/>
+          <a:ext cx="0" cy="0"/>
+          <a:chOff x="0" y="0"/>
+          <a:chExt cx="0" cy="0"/>
+        </a:xfrm>
+      </p:grpSpPr>
+      <p:sp>
+        <p:nvSpPr>
+          <p:cNvPr id="2" name="Title 1"/>
+          <p:cNvSpPr>
+            <a:spLocks noGrp="1"/>
+          </p:cNvSpPr>
+          <p:nvPr>
+            <p:ph type="title"/>
+          </p:nvPr>
+        </p:nvSpPr>
+        <p:spPr/>
+        <p:txBody>
+          <a:bodyPr/>
+          <a:lstStyle/>
+          <a:p>
+            <a:r>
+              <a:rPr lang="en-US" dirty="0" smtClean="0"/>
               <a:t>Results</a:t>
             </a:r>
             <a:endParaRPr lang="en-US" dirty="0"/>
@@ -41124,7 +41410,7 @@
 </p:sld>
 </file>
 
-<file path=ppt/slides/slide11.xml><?xml version="1.0" encoding="utf-8"?>
+<file path=ppt/slides/slide14.xml><?xml version="1.0" encoding="utf-8"?>
 <p:sld xmlns:a="http://schemas.openxmlformats.org/drawingml/2006/main" xmlns:r="http://schemas.openxmlformats.org/officeDocument/2006/relationships" xmlns:p="http://schemas.openxmlformats.org/presentationml/2006/main">
   <p:cSld>
     <p:spTree>
@@ -41202,7 +41488,7 @@
 </p:sld>
 </file>
 
-<file path=ppt/slides/slide12.xml><?xml version="1.0" encoding="utf-8"?>
+<file path=ppt/slides/slide15.xml><?xml version="1.0" encoding="utf-8"?>
 <p:sld xmlns:a="http://schemas.openxmlformats.org/drawingml/2006/main" xmlns:r="http://schemas.openxmlformats.org/officeDocument/2006/relationships" xmlns:p="http://schemas.openxmlformats.org/presentationml/2006/main">
   <p:cSld>
     <p:spTree>
@@ -41280,7 +41566,7 @@
 </p:sld>
 </file>
 
-<file path=ppt/slides/slide13.xml><?xml version="1.0" encoding="utf-8"?>
+<file path=ppt/slides/slide16.xml><?xml version="1.0" encoding="utf-8"?>
 <p:sld xmlns:a="http://schemas.openxmlformats.org/drawingml/2006/main" xmlns:r="http://schemas.openxmlformats.org/officeDocument/2006/relationships" xmlns:p="http://schemas.openxmlformats.org/presentationml/2006/main">
   <p:cSld>
     <p:spTree>
@@ -41925,14 +42211,14 @@
             </a:outerShdw>
           </a:effectLst>
           <a:extLst>
-            <a:ext uri="{909E8E84-426E-40dd-AFC4-6F175D3DCCD1}">
+            <a:ext uri="{909E8E84-426E-40DD-AFC4-6F175D3DCCD1}">
               <a14:hiddenFill xmlns:a14="http://schemas.microsoft.com/office/drawing/2010/main">
                 <a:solidFill>
                   <a:schemeClr val="accent1"/>
                 </a:solidFill>
               </a14:hiddenFill>
             </a:ext>
-            <a:ext uri="{91240B29-F687-4f45-9708-019B960494DF}">
+            <a:ext uri="{91240B29-F687-4F45-9708-019B960494DF}">
               <a14:hiddenLine xmlns:a14="http://schemas.microsoft.com/office/drawing/2010/main" w="9525">
                 <a:solidFill>
                   <a:schemeClr val="tx1"/>
@@ -42100,7 +42386,7 @@
       </p:grpSpPr>
       <p:sp>
         <p:nvSpPr>
-          <p:cNvPr id="2" name="Title 1"/>
+          <p:cNvPr id="4" name="Title 3"/>
           <p:cNvSpPr>
             <a:spLocks noGrp="1"/>
           </p:cNvSpPr>
@@ -42114,41 +42400,75 @@
           <a:lstStyle/>
           <a:p>
             <a:r>
-              <a:rPr lang="en-US" dirty="0"/>
-              <a:t>Method 2 - Linear Transformations</a:t>
+              <a:rPr lang="en-US" dirty="0" smtClean="0"/>
+              <a:t>But does this actually make sense?</a:t>
             </a:r>
+            <a:endParaRPr lang="en-US" dirty="0"/>
           </a:p>
         </p:txBody>
       </p:sp>
-      <p:graphicFrame>
-        <p:nvGraphicFramePr>
-          <p:cNvPr id="4" name="Content Placeholder 3"/>
-          <p:cNvGraphicFramePr>
-            <a:graphicFrameLocks noGrp="1"/>
-          </p:cNvGraphicFramePr>
+      <p:pic>
+        <p:nvPicPr>
+          <p:cNvPr id="7" name="Content Placeholder 6"/>
+          <p:cNvPicPr>
+            <a:picLocks noGrp="1" noChangeAspect="1"/>
+          </p:cNvPicPr>
           <p:nvPr>
-            <p:ph idx="1"/>
-            <p:extLst>
-              <p:ext uri="{D42A27DB-BD31-4B8C-83A1-F6EECF244321}">
-                <p14:modId xmlns:p14="http://schemas.microsoft.com/office/powerpoint/2010/main" val="2238619301"/>
-              </p:ext>
-            </p:extLst>
+            <p:ph sz="half" idx="1"/>
           </p:nvPr>
-        </p:nvGraphicFramePr>
-        <p:xfrm>
-          <a:off x="1141413" y="2249488"/>
-          <a:ext cx="9906000" cy="3541712"/>
-        </p:xfrm>
-        <a:graphic>
-          <a:graphicData uri="http://schemas.openxmlformats.org/drawingml/2006/diagram">
-            <dgm:relIds xmlns:dgm="http://schemas.openxmlformats.org/drawingml/2006/diagram" xmlns:r="http://schemas.openxmlformats.org/officeDocument/2006/relationships" r:dm="rId2" r:lo="rId3" r:qs="rId4" r:cs="rId5"/>
-          </a:graphicData>
-        </a:graphic>
-      </p:graphicFrame>
+        </p:nvPicPr>
+        <p:blipFill>
+          <a:blip r:embed="rId2">
+            <a:extLst>
+              <a:ext uri="{28A0092B-C50C-407E-A947-70E740481C1C}">
+                <a14:useLocalDpi xmlns:a14="http://schemas.microsoft.com/office/drawing/2010/main" val="0"/>
+              </a:ext>
+            </a:extLst>
+          </a:blip>
+          <a:stretch>
+            <a:fillRect/>
+          </a:stretch>
+        </p:blipFill>
+        <p:spPr>
+          <a:xfrm>
+            <a:off x="684512" y="1936376"/>
+            <a:ext cx="4910594" cy="3854178"/>
+          </a:xfrm>
+        </p:spPr>
+      </p:pic>
+      <p:pic>
+        <p:nvPicPr>
+          <p:cNvPr id="8" name="Content Placeholder 7"/>
+          <p:cNvPicPr>
+            <a:picLocks noGrp="1" noChangeAspect="1"/>
+          </p:cNvPicPr>
+          <p:nvPr>
+            <p:ph sz="half" idx="2"/>
+          </p:nvPr>
+        </p:nvPicPr>
+        <p:blipFill>
+          <a:blip r:embed="rId3">
+            <a:extLst>
+              <a:ext uri="{28A0092B-C50C-407E-A947-70E740481C1C}">
+                <a14:useLocalDpi xmlns:a14="http://schemas.microsoft.com/office/drawing/2010/main" val="0"/>
+              </a:ext>
+            </a:extLst>
+          </a:blip>
+          <a:stretch>
+            <a:fillRect/>
+          </a:stretch>
+        </p:blipFill>
+        <p:spPr>
+          <a:xfrm>
+            <a:off x="6279618" y="1842247"/>
+            <a:ext cx="5227871" cy="4053327"/>
+          </a:xfrm>
+        </p:spPr>
+      </p:pic>
     </p:spTree>
     <p:extLst>
       <p:ext uri="{BB962C8B-B14F-4D97-AF65-F5344CB8AC3E}">
-        <p14:creationId xmlns:p14="http://schemas.microsoft.com/office/powerpoint/2010/main" val="4228261841"/>
+        <p14:creationId xmlns:p14="http://schemas.microsoft.com/office/powerpoint/2010/main" val="3907965190"/>
       </p:ext>
     </p:extLst>
   </p:cSld>
@@ -42403,7 +42723,7 @@
   <a:extraClrSchemeLst/>
   <a:extLst>
     <a:ext uri="{05A4C25C-085E-4340-85A3-A5531E510DB2}">
-      <thm15:themeFamily xmlns:thm15="http://schemas.microsoft.com/office/thememl/2012/main" xmlns="" name="Circuit" id="{0AC2F7E7-15F5-431C-B2A2-456FE929F56C}" vid="{142578CA-DEC9-49C3-80AF-C113973CC9A9}"/>
+      <thm15:themeFamily xmlns="" xmlns:thm15="http://schemas.microsoft.com/office/thememl/2012/main" name="Circuit" id="{0AC2F7E7-15F5-431C-B2A2-456FE929F56C}" vid="{142578CA-DEC9-49C3-80AF-C113973CC9A9}"/>
     </a:ext>
   </a:extLst>
 </a:theme>

--- a/presentation/Attribute Learning System Presentation.pptx
+++ b/presentation/Attribute Learning System Presentation.pptx
@@ -18,9 +18,11 @@
     <p:sldId id="272" r:id="rId12"/>
     <p:sldId id="277" r:id="rId13"/>
     <p:sldId id="264" r:id="rId14"/>
-    <p:sldId id="262" r:id="rId15"/>
-    <p:sldId id="274" r:id="rId16"/>
-    <p:sldId id="270" r:id="rId17"/>
+    <p:sldId id="279" r:id="rId15"/>
+    <p:sldId id="278" r:id="rId16"/>
+    <p:sldId id="262" r:id="rId17"/>
+    <p:sldId id="274" r:id="rId18"/>
+    <p:sldId id="270" r:id="rId19"/>
   </p:sldIdLst>
   <p:sldSz cx="12192000" cy="6858000"/>
   <p:notesSz cx="6858000" cy="9144000"/>
@@ -121,7 +123,7 @@
   </p:defaultTextStyle>
   <p:extLst>
     <p:ext uri="{EFAFB233-063F-42B5-8137-9DF3F51BA10A}">
-      <p15:sldGuideLst xmlns="" xmlns:p15="http://schemas.microsoft.com/office/powerpoint/2012/main">
+      <p15:sldGuideLst xmlns:p15="http://schemas.microsoft.com/office/powerpoint/2012/main" xmlns="">
         <p15:guide id="1" orient="horz" pos="2160">
           <p15:clr>
             <a:srgbClr val="A4A3A4"/>
@@ -9977,17 +9979,17 @@
     </dgm:pt>
   </dgm:ptLst>
   <dgm:cxnLst>
-    <dgm:cxn modelId="{AEF3B3B9-D627-6D4A-B214-406C9624D6CF}" srcId="{7E040981-7CE3-774D-8C6F-2BC906473FAB}" destId="{6783BD06-83D4-DB4E-9499-7C43E0AA64C7}" srcOrd="0" destOrd="0" parTransId="{134D0CC3-1D33-B64C-A21E-9AA946744840}" sibTransId="{B2C80D16-7558-B440-8ED6-DFBE7449FA42}"/>
-    <dgm:cxn modelId="{9CA9D8AF-64BE-E041-94C5-59282579C544}" srcId="{6783BD06-83D4-DB4E-9499-7C43E0AA64C7}" destId="{232535A5-43C3-7A4C-8182-5EE8E311AF2A}" srcOrd="0" destOrd="0" parTransId="{D7E2F479-3B62-C748-8407-A4526B702630}" sibTransId="{AA215D0C-6C5C-5C42-899F-8E61F52C0156}"/>
     <dgm:cxn modelId="{49609C54-9BFC-F045-AC5F-3B3A1D563C99}" type="presOf" srcId="{EFFA916E-4F76-8048-A184-2BBA466BB661}" destId="{828E74BE-A4CA-DA48-94AF-69667114393F}" srcOrd="0" destOrd="0" presId="urn:microsoft.com/office/officeart/2005/8/layout/vList2"/>
     <dgm:cxn modelId="{3290FC1D-15CD-314E-BE15-2FBF5BEAD6FD}" type="presOf" srcId="{232535A5-43C3-7A4C-8182-5EE8E311AF2A}" destId="{7F072C46-BF5C-E74A-BDBA-A2316FA1CE02}" srcOrd="0" destOrd="0" presId="urn:microsoft.com/office/officeart/2005/8/layout/vList2"/>
+    <dgm:cxn modelId="{878CBE81-C078-E64C-98BD-0336A78B9031}" type="presOf" srcId="{2F8811AE-3AB0-1648-A7CD-877961003617}" destId="{7F072C46-BF5C-E74A-BDBA-A2316FA1CE02}" srcOrd="0" destOrd="1" presId="urn:microsoft.com/office/officeart/2005/8/layout/vList2"/>
     <dgm:cxn modelId="{C8230DF7-9FAA-8145-954E-4DE18C6E5962}" srcId="{CFCF1C09-80B6-9D43-9C3D-1BC2C3E510C9}" destId="{EFFA916E-4F76-8048-A184-2BBA466BB661}" srcOrd="0" destOrd="0" parTransId="{F12842DE-315F-D443-AC85-990609EEC187}" sibTransId="{6436388D-8658-F147-8348-EA3DD289011D}"/>
-    <dgm:cxn modelId="{878CBE81-C078-E64C-98BD-0336A78B9031}" type="presOf" srcId="{2F8811AE-3AB0-1648-A7CD-877961003617}" destId="{7F072C46-BF5C-E74A-BDBA-A2316FA1CE02}" srcOrd="0" destOrd="1" presId="urn:microsoft.com/office/officeart/2005/8/layout/vList2"/>
+    <dgm:cxn modelId="{74FE3A4F-6393-3F40-869C-57BBD44AA112}" type="presOf" srcId="{7E040981-7CE3-774D-8C6F-2BC906473FAB}" destId="{636379C9-8B6B-A640-8821-6D45637590C2}" srcOrd="0" destOrd="0" presId="urn:microsoft.com/office/officeart/2005/8/layout/vList2"/>
+    <dgm:cxn modelId="{AEF3B3B9-D627-6D4A-B214-406C9624D6CF}" srcId="{7E040981-7CE3-774D-8C6F-2BC906473FAB}" destId="{6783BD06-83D4-DB4E-9499-7C43E0AA64C7}" srcOrd="0" destOrd="0" parTransId="{134D0CC3-1D33-B64C-A21E-9AA946744840}" sibTransId="{B2C80D16-7558-B440-8ED6-DFBE7449FA42}"/>
+    <dgm:cxn modelId="{F74B8BFB-6CB7-3144-8F7D-23014B4CF3D8}" type="presOf" srcId="{CFCF1C09-80B6-9D43-9C3D-1BC2C3E510C9}" destId="{2E506666-F2C7-594C-88A3-1989CAFB2CE9}" srcOrd="0" destOrd="0" presId="urn:microsoft.com/office/officeart/2005/8/layout/vList2"/>
+    <dgm:cxn modelId="{3C97EC6F-4544-624C-B51E-92D8D23E54F5}" srcId="{7E040981-7CE3-774D-8C6F-2BC906473FAB}" destId="{CFCF1C09-80B6-9D43-9C3D-1BC2C3E510C9}" srcOrd="1" destOrd="0" parTransId="{EBB1D5CB-3DDB-ED44-8722-1953E41A9E33}" sibTransId="{6FB62A41-4360-FA4C-B374-BB9ED8522367}"/>
     <dgm:cxn modelId="{93330E4C-0735-154C-B384-B86CC3BB6A40}" type="presOf" srcId="{6783BD06-83D4-DB4E-9499-7C43E0AA64C7}" destId="{F57962A2-0320-3D4F-B361-F11EAE206643}" srcOrd="0" destOrd="0" presId="urn:microsoft.com/office/officeart/2005/8/layout/vList2"/>
-    <dgm:cxn modelId="{F74B8BFB-6CB7-3144-8F7D-23014B4CF3D8}" type="presOf" srcId="{CFCF1C09-80B6-9D43-9C3D-1BC2C3E510C9}" destId="{2E506666-F2C7-594C-88A3-1989CAFB2CE9}" srcOrd="0" destOrd="0" presId="urn:microsoft.com/office/officeart/2005/8/layout/vList2"/>
     <dgm:cxn modelId="{53B1FC09-A894-454F-867A-510F9B7D2B89}" srcId="{6783BD06-83D4-DB4E-9499-7C43E0AA64C7}" destId="{2F8811AE-3AB0-1648-A7CD-877961003617}" srcOrd="1" destOrd="0" parTransId="{710D0221-55D0-6B40-BBFA-61AB8F210E01}" sibTransId="{7C95FB20-DBC0-2A47-8AB7-9BE78A187FDB}"/>
-    <dgm:cxn modelId="{74FE3A4F-6393-3F40-869C-57BBD44AA112}" type="presOf" srcId="{7E040981-7CE3-774D-8C6F-2BC906473FAB}" destId="{636379C9-8B6B-A640-8821-6D45637590C2}" srcOrd="0" destOrd="0" presId="urn:microsoft.com/office/officeart/2005/8/layout/vList2"/>
-    <dgm:cxn modelId="{3C97EC6F-4544-624C-B51E-92D8D23E54F5}" srcId="{7E040981-7CE3-774D-8C6F-2BC906473FAB}" destId="{CFCF1C09-80B6-9D43-9C3D-1BC2C3E510C9}" srcOrd="1" destOrd="0" parTransId="{EBB1D5CB-3DDB-ED44-8722-1953E41A9E33}" sibTransId="{6FB62A41-4360-FA4C-B374-BB9ED8522367}"/>
+    <dgm:cxn modelId="{9CA9D8AF-64BE-E041-94C5-59282579C544}" srcId="{6783BD06-83D4-DB4E-9499-7C43E0AA64C7}" destId="{232535A5-43C3-7A4C-8182-5EE8E311AF2A}" srcOrd="0" destOrd="0" parTransId="{D7E2F479-3B62-C748-8407-A4526B702630}" sibTransId="{AA215D0C-6C5C-5C42-899F-8E61F52C0156}"/>
     <dgm:cxn modelId="{8D47B376-508C-4D46-91F5-6FCD9F007555}" type="presParOf" srcId="{636379C9-8B6B-A640-8821-6D45637590C2}" destId="{F57962A2-0320-3D4F-B361-F11EAE206643}" srcOrd="0" destOrd="0" presId="urn:microsoft.com/office/officeart/2005/8/layout/vList2"/>
     <dgm:cxn modelId="{AD26FD55-9E0F-194E-B084-E5349676E33B}" type="presParOf" srcId="{636379C9-8B6B-A640-8821-6D45637590C2}" destId="{7F072C46-BF5C-E74A-BDBA-A2316FA1CE02}" srcOrd="1" destOrd="0" presId="urn:microsoft.com/office/officeart/2005/8/layout/vList2"/>
     <dgm:cxn modelId="{C54AD420-B180-744B-9FFC-0B2F9C3A27AF}" type="presParOf" srcId="{636379C9-8B6B-A640-8821-6D45637590C2}" destId="{2E506666-F2C7-594C-88A3-1989CAFB2CE9}" srcOrd="2" destOrd="0" presId="urn:microsoft.com/office/officeart/2005/8/layout/vList2"/>
@@ -41331,6 +41333,13 @@
   <p:clrMapOvr>
     <a:masterClrMapping/>
   </p:clrMapOvr>
+  <p:timing>
+    <p:tnLst>
+      <p:par>
+        <p:cTn id="1" dur="indefinite" restart="never" nodeType="tmRoot"/>
+      </p:par>
+    </p:tnLst>
+  </p:timing>
 </p:sld>
 </file>
 
@@ -41368,32 +41377,76 @@
           <a:p>
             <a:r>
               <a:rPr lang="en-US" dirty="0" smtClean="0"/>
+              <a:t>Preliminary</a:t>
+            </a:r>
+            <a:br>
+              <a:rPr lang="en-US" dirty="0" smtClean="0"/>
+            </a:br>
+            <a:r>
+              <a:rPr lang="en-US" dirty="0" smtClean="0"/>
               <a:t>Results</a:t>
             </a:r>
             <a:endParaRPr lang="en-US" dirty="0"/>
           </a:p>
         </p:txBody>
       </p:sp>
+      <p:pic>
+        <p:nvPicPr>
+          <p:cNvPr id="7" name="Picture 6"/>
+          <p:cNvPicPr>
+            <a:picLocks noChangeAspect="1"/>
+          </p:cNvPicPr>
+          <p:nvPr/>
+        </p:nvPicPr>
+        <p:blipFill>
+          <a:blip r:embed="rId2">
+            <a:extLst>
+              <a:ext uri="{28A0092B-C50C-407E-A947-70E740481C1C}">
+                <a14:useLocalDpi xmlns:a14="http://schemas.microsoft.com/office/drawing/2010/main" val="0"/>
+              </a:ext>
+            </a:extLst>
+          </a:blip>
+          <a:stretch>
+            <a:fillRect/>
+          </a:stretch>
+        </p:blipFill>
+        <p:spPr>
+          <a:xfrm>
+            <a:off x="3976861" y="928164"/>
+            <a:ext cx="6700102" cy="5001673"/>
+          </a:xfrm>
+          <a:prstGeom prst="rect">
+            <a:avLst/>
+          </a:prstGeom>
+        </p:spPr>
+      </p:pic>
       <p:sp>
         <p:nvSpPr>
-          <p:cNvPr id="3" name="Content Placeholder 2"/>
-          <p:cNvSpPr>
-            <a:spLocks noGrp="1"/>
-          </p:cNvSpPr>
-          <p:nvPr>
-            <p:ph idx="1"/>
-          </p:nvPr>
+          <p:cNvPr id="8" name="TextBox 7"/>
+          <p:cNvSpPr txBox="1"/>
+          <p:nvPr/>
         </p:nvSpPr>
-        <p:spPr/>
+        <p:spPr>
+          <a:xfrm>
+            <a:off x="1129553" y="3082917"/>
+            <a:ext cx="2407023" cy="1200329"/>
+          </a:xfrm>
+          <a:prstGeom prst="rect">
+            <a:avLst/>
+          </a:prstGeom>
+          <a:noFill/>
+        </p:spPr>
         <p:txBody>
-          <a:bodyPr/>
+          <a:bodyPr wrap="square" rtlCol="0">
+            <a:spAutoFit/>
+          </a:bodyPr>
           <a:lstStyle/>
           <a:p>
             <a:r>
-              <a:rPr lang="en-US" dirty="0" smtClean="0"/>
-              <a:t>Preliminary findings indicate that there seems to be some good results from these methods</a:t>
+              <a:rPr lang="en-US" sz="2400" dirty="0" smtClean="0"/>
+              <a:t>Vector outperformed Tree</a:t>
             </a:r>
-            <a:endParaRPr lang="en-US" dirty="0"/>
+            <a:endParaRPr lang="en-US" sz="2400" dirty="0"/>
           </a:p>
         </p:txBody>
       </p:sp>
@@ -41407,10 +41460,274 @@
   <p:clrMapOvr>
     <a:masterClrMapping/>
   </p:clrMapOvr>
+  <p:timing>
+    <p:tnLst>
+      <p:par>
+        <p:cTn id="1" dur="indefinite" restart="never" nodeType="tmRoot"/>
+      </p:par>
+    </p:tnLst>
+  </p:timing>
 </p:sld>
 </file>
 
 <file path=ppt/slides/slide14.xml><?xml version="1.0" encoding="utf-8"?>
+<p:sld xmlns:a="http://schemas.openxmlformats.org/drawingml/2006/main" xmlns:r="http://schemas.openxmlformats.org/officeDocument/2006/relationships" xmlns:p="http://schemas.openxmlformats.org/presentationml/2006/main">
+  <p:cSld>
+    <p:spTree>
+      <p:nvGrpSpPr>
+        <p:cNvPr id="1" name=""/>
+        <p:cNvGrpSpPr/>
+        <p:nvPr/>
+      </p:nvGrpSpPr>
+      <p:grpSpPr>
+        <a:xfrm>
+          <a:off x="0" y="0"/>
+          <a:ext cx="0" cy="0"/>
+          <a:chOff x="0" y="0"/>
+          <a:chExt cx="0" cy="0"/>
+        </a:xfrm>
+      </p:grpSpPr>
+      <p:sp>
+        <p:nvSpPr>
+          <p:cNvPr id="2" name="Title 1"/>
+          <p:cNvSpPr>
+            <a:spLocks noGrp="1"/>
+          </p:cNvSpPr>
+          <p:nvPr>
+            <p:ph type="title"/>
+          </p:nvPr>
+        </p:nvSpPr>
+        <p:spPr/>
+        <p:txBody>
+          <a:bodyPr/>
+          <a:lstStyle/>
+          <a:p>
+            <a:r>
+              <a:rPr lang="en-US" dirty="0"/>
+              <a:t>Preliminary</a:t>
+            </a:r>
+            <a:br>
+              <a:rPr lang="en-US" dirty="0"/>
+            </a:br>
+            <a:r>
+              <a:rPr lang="en-US" dirty="0"/>
+              <a:t>Results</a:t>
+            </a:r>
+            <a:endParaRPr lang="en-US" dirty="0"/>
+          </a:p>
+        </p:txBody>
+      </p:sp>
+      <p:pic>
+        <p:nvPicPr>
+          <p:cNvPr id="4" name="Picture 3"/>
+          <p:cNvPicPr>
+            <a:picLocks noChangeAspect="1"/>
+          </p:cNvPicPr>
+          <p:nvPr/>
+        </p:nvPicPr>
+        <p:blipFill>
+          <a:blip r:embed="rId2">
+            <a:extLst>
+              <a:ext uri="{28A0092B-C50C-407E-A947-70E740481C1C}">
+                <a14:useLocalDpi xmlns:a14="http://schemas.microsoft.com/office/drawing/2010/main" val="0"/>
+              </a:ext>
+            </a:extLst>
+          </a:blip>
+          <a:stretch>
+            <a:fillRect/>
+          </a:stretch>
+        </p:blipFill>
+        <p:spPr>
+          <a:xfrm>
+            <a:off x="3976861" y="928164"/>
+            <a:ext cx="6700102" cy="5001673"/>
+          </a:xfrm>
+          <a:prstGeom prst="rect">
+            <a:avLst/>
+          </a:prstGeom>
+        </p:spPr>
+      </p:pic>
+      <p:sp>
+        <p:nvSpPr>
+          <p:cNvPr id="9" name="TextBox 8"/>
+          <p:cNvSpPr txBox="1"/>
+          <p:nvPr/>
+        </p:nvSpPr>
+        <p:spPr>
+          <a:xfrm>
+            <a:off x="1129553" y="3082917"/>
+            <a:ext cx="2407023" cy="1200329"/>
+          </a:xfrm>
+          <a:prstGeom prst="rect">
+            <a:avLst/>
+          </a:prstGeom>
+          <a:noFill/>
+        </p:spPr>
+        <p:txBody>
+          <a:bodyPr wrap="square" rtlCol="0">
+            <a:spAutoFit/>
+          </a:bodyPr>
+          <a:lstStyle/>
+          <a:p>
+            <a:r>
+              <a:rPr lang="en-US" sz="2400" dirty="0" smtClean="0"/>
+              <a:t>Mutation had an important impact on trees</a:t>
+            </a:r>
+          </a:p>
+        </p:txBody>
+      </p:sp>
+    </p:spTree>
+    <p:extLst>
+      <p:ext uri="{BB962C8B-B14F-4D97-AF65-F5344CB8AC3E}">
+        <p14:creationId xmlns:p14="http://schemas.microsoft.com/office/powerpoint/2010/main" val="2748252250"/>
+      </p:ext>
+    </p:extLst>
+  </p:cSld>
+  <p:clrMapOvr>
+    <a:masterClrMapping/>
+  </p:clrMapOvr>
+  <p:timing>
+    <p:tnLst>
+      <p:par>
+        <p:cTn id="1" dur="indefinite" restart="never" nodeType="tmRoot"/>
+      </p:par>
+    </p:tnLst>
+  </p:timing>
+</p:sld>
+</file>
+
+<file path=ppt/slides/slide15.xml><?xml version="1.0" encoding="utf-8"?>
+<p:sld xmlns:a="http://schemas.openxmlformats.org/drawingml/2006/main" xmlns:r="http://schemas.openxmlformats.org/officeDocument/2006/relationships" xmlns:p="http://schemas.openxmlformats.org/presentationml/2006/main">
+  <p:cSld>
+    <p:spTree>
+      <p:nvGrpSpPr>
+        <p:cNvPr id="1" name=""/>
+        <p:cNvGrpSpPr/>
+        <p:nvPr/>
+      </p:nvGrpSpPr>
+      <p:grpSpPr>
+        <a:xfrm>
+          <a:off x="0" y="0"/>
+          <a:ext cx="0" cy="0"/>
+          <a:chOff x="0" y="0"/>
+          <a:chExt cx="0" cy="0"/>
+        </a:xfrm>
+      </p:grpSpPr>
+      <p:sp>
+        <p:nvSpPr>
+          <p:cNvPr id="2" name="Title 1"/>
+          <p:cNvSpPr>
+            <a:spLocks noGrp="1"/>
+          </p:cNvSpPr>
+          <p:nvPr>
+            <p:ph type="title"/>
+          </p:nvPr>
+        </p:nvSpPr>
+        <p:spPr/>
+        <p:txBody>
+          <a:bodyPr/>
+          <a:lstStyle/>
+          <a:p>
+            <a:r>
+              <a:rPr lang="en-US" dirty="0"/>
+              <a:t>Preliminary</a:t>
+            </a:r>
+            <a:br>
+              <a:rPr lang="en-US" dirty="0"/>
+            </a:br>
+            <a:r>
+              <a:rPr lang="en-US" dirty="0"/>
+              <a:t>Results</a:t>
+            </a:r>
+            <a:endParaRPr lang="en-US" dirty="0"/>
+          </a:p>
+        </p:txBody>
+      </p:sp>
+      <p:pic>
+        <p:nvPicPr>
+          <p:cNvPr id="6" name="Picture 5"/>
+          <p:cNvPicPr>
+            <a:picLocks noChangeAspect="1"/>
+          </p:cNvPicPr>
+          <p:nvPr/>
+        </p:nvPicPr>
+        <p:blipFill>
+          <a:blip r:embed="rId2">
+            <a:extLst>
+              <a:ext uri="{28A0092B-C50C-407E-A947-70E740481C1C}">
+                <a14:useLocalDpi xmlns:a14="http://schemas.microsoft.com/office/drawing/2010/main" val="0"/>
+              </a:ext>
+            </a:extLst>
+          </a:blip>
+          <a:stretch>
+            <a:fillRect/>
+          </a:stretch>
+        </p:blipFill>
+        <p:spPr>
+          <a:xfrm>
+            <a:off x="3976861" y="928164"/>
+            <a:ext cx="6700102" cy="5001673"/>
+          </a:xfrm>
+          <a:prstGeom prst="rect">
+            <a:avLst/>
+          </a:prstGeom>
+        </p:spPr>
+      </p:pic>
+      <p:sp>
+        <p:nvSpPr>
+          <p:cNvPr id="9" name="TextBox 8"/>
+          <p:cNvSpPr txBox="1"/>
+          <p:nvPr/>
+        </p:nvSpPr>
+        <p:spPr>
+          <a:xfrm>
+            <a:off x="1129553" y="3082917"/>
+            <a:ext cx="2407023" cy="1200329"/>
+          </a:xfrm>
+          <a:prstGeom prst="rect">
+            <a:avLst/>
+          </a:prstGeom>
+          <a:noFill/>
+        </p:spPr>
+        <p:txBody>
+          <a:bodyPr wrap="square" rtlCol="0">
+            <a:spAutoFit/>
+          </a:bodyPr>
+          <a:lstStyle/>
+          <a:p>
+            <a:r>
+              <a:rPr lang="en-US" sz="2400" dirty="0" smtClean="0"/>
+              <a:t>But cross-over was key to </a:t>
+            </a:r>
+            <a:r>
+              <a:rPr lang="en-US" sz="2400" smtClean="0"/>
+              <a:t>improving vectors</a:t>
+            </a:r>
+            <a:endParaRPr lang="en-US" sz="2400" dirty="0"/>
+          </a:p>
+        </p:txBody>
+      </p:sp>
+    </p:spTree>
+    <p:extLst>
+      <p:ext uri="{BB962C8B-B14F-4D97-AF65-F5344CB8AC3E}">
+        <p14:creationId xmlns:p14="http://schemas.microsoft.com/office/powerpoint/2010/main" val="1077901650"/>
+      </p:ext>
+    </p:extLst>
+  </p:cSld>
+  <p:clrMapOvr>
+    <a:masterClrMapping/>
+  </p:clrMapOvr>
+  <p:timing>
+    <p:tnLst>
+      <p:par>
+        <p:cTn id="1" dur="indefinite" restart="never" nodeType="tmRoot"/>
+      </p:par>
+    </p:tnLst>
+  </p:timing>
+</p:sld>
+</file>
+
+<file path=ppt/slides/slide16.xml><?xml version="1.0" encoding="utf-8"?>
 <p:sld xmlns:a="http://schemas.openxmlformats.org/drawingml/2006/main" xmlns:r="http://schemas.openxmlformats.org/officeDocument/2006/relationships" xmlns:p="http://schemas.openxmlformats.org/presentationml/2006/main">
   <p:cSld>
     <p:spTree>
@@ -41485,10 +41802,17 @@
   <p:clrMapOvr>
     <a:masterClrMapping/>
   </p:clrMapOvr>
+  <p:timing>
+    <p:tnLst>
+      <p:par>
+        <p:cTn id="1" dur="indefinite" restart="never" nodeType="tmRoot"/>
+      </p:par>
+    </p:tnLst>
+  </p:timing>
 </p:sld>
 </file>
 
-<file path=ppt/slides/slide15.xml><?xml version="1.0" encoding="utf-8"?>
+<file path=ppt/slides/slide17.xml><?xml version="1.0" encoding="utf-8"?>
 <p:sld xmlns:a="http://schemas.openxmlformats.org/drawingml/2006/main" xmlns:r="http://schemas.openxmlformats.org/officeDocument/2006/relationships" xmlns:p="http://schemas.openxmlformats.org/presentationml/2006/main">
   <p:cSld>
     <p:spTree>
@@ -41563,10 +41887,17 @@
   <p:clrMapOvr>
     <a:masterClrMapping/>
   </p:clrMapOvr>
+  <p:timing>
+    <p:tnLst>
+      <p:par>
+        <p:cTn id="1" dur="indefinite" restart="never" nodeType="tmRoot"/>
+      </p:par>
+    </p:tnLst>
+  </p:timing>
 </p:sld>
 </file>
 
-<file path=ppt/slides/slide16.xml><?xml version="1.0" encoding="utf-8"?>
+<file path=ppt/slides/slide18.xml><?xml version="1.0" encoding="utf-8"?>
 <p:sld xmlns:a="http://schemas.openxmlformats.org/drawingml/2006/main" xmlns:r="http://schemas.openxmlformats.org/officeDocument/2006/relationships" xmlns:p="http://schemas.openxmlformats.org/presentationml/2006/main">
   <p:cSld>
     <p:spTree>
@@ -42723,7 +43054,7 @@
   <a:extraClrSchemeLst/>
   <a:extLst>
     <a:ext uri="{05A4C25C-085E-4340-85A3-A5531E510DB2}">
-      <thm15:themeFamily xmlns="" xmlns:thm15="http://schemas.microsoft.com/office/thememl/2012/main" name="Circuit" id="{0AC2F7E7-15F5-431C-B2A2-456FE929F56C}" vid="{142578CA-DEC9-49C3-80AF-C113973CC9A9}"/>
+      <thm15:themeFamily xmlns:thm15="http://schemas.microsoft.com/office/thememl/2012/main" xmlns="" name="Circuit" id="{0AC2F7E7-15F5-431C-B2A2-456FE929F56C}" vid="{142578CA-DEC9-49C3-80AF-C113973CC9A9}"/>
     </a:ext>
   </a:extLst>
 </a:theme>

--- a/presentation/Attribute Learning System Presentation.pptx
+++ b/presentation/Attribute Learning System Presentation.pptx
@@ -20,9 +20,10 @@
     <p:sldId id="264" r:id="rId14"/>
     <p:sldId id="279" r:id="rId15"/>
     <p:sldId id="278" r:id="rId16"/>
-    <p:sldId id="262" r:id="rId17"/>
-    <p:sldId id="274" r:id="rId18"/>
-    <p:sldId id="270" r:id="rId19"/>
+    <p:sldId id="280" r:id="rId17"/>
+    <p:sldId id="262" r:id="rId18"/>
+    <p:sldId id="274" r:id="rId19"/>
+    <p:sldId id="270" r:id="rId20"/>
   </p:sldIdLst>
   <p:sldSz cx="12192000" cy="6858000"/>
   <p:notesSz cx="6858000" cy="9144000"/>
@@ -123,7 +124,7 @@
   </p:defaultTextStyle>
   <p:extLst>
     <p:ext uri="{EFAFB233-063F-42B5-8137-9DF3F51BA10A}">
-      <p15:sldGuideLst xmlns:p15="http://schemas.microsoft.com/office/powerpoint/2012/main" xmlns="">
+      <p15:sldGuideLst xmlns="" xmlns:p15="http://schemas.microsoft.com/office/powerpoint/2012/main">
         <p15:guide id="1" orient="horz" pos="2160">
           <p15:clr>
             <a:srgbClr val="A4A3A4"/>
@@ -9979,17 +9980,17 @@
     </dgm:pt>
   </dgm:ptLst>
   <dgm:cxnLst>
+    <dgm:cxn modelId="{AEF3B3B9-D627-6D4A-B214-406C9624D6CF}" srcId="{7E040981-7CE3-774D-8C6F-2BC906473FAB}" destId="{6783BD06-83D4-DB4E-9499-7C43E0AA64C7}" srcOrd="0" destOrd="0" parTransId="{134D0CC3-1D33-B64C-A21E-9AA946744840}" sibTransId="{B2C80D16-7558-B440-8ED6-DFBE7449FA42}"/>
+    <dgm:cxn modelId="{9CA9D8AF-64BE-E041-94C5-59282579C544}" srcId="{6783BD06-83D4-DB4E-9499-7C43E0AA64C7}" destId="{232535A5-43C3-7A4C-8182-5EE8E311AF2A}" srcOrd="0" destOrd="0" parTransId="{D7E2F479-3B62-C748-8407-A4526B702630}" sibTransId="{AA215D0C-6C5C-5C42-899F-8E61F52C0156}"/>
     <dgm:cxn modelId="{49609C54-9BFC-F045-AC5F-3B3A1D563C99}" type="presOf" srcId="{EFFA916E-4F76-8048-A184-2BBA466BB661}" destId="{828E74BE-A4CA-DA48-94AF-69667114393F}" srcOrd="0" destOrd="0" presId="urn:microsoft.com/office/officeart/2005/8/layout/vList2"/>
     <dgm:cxn modelId="{3290FC1D-15CD-314E-BE15-2FBF5BEAD6FD}" type="presOf" srcId="{232535A5-43C3-7A4C-8182-5EE8E311AF2A}" destId="{7F072C46-BF5C-E74A-BDBA-A2316FA1CE02}" srcOrd="0" destOrd="0" presId="urn:microsoft.com/office/officeart/2005/8/layout/vList2"/>
+    <dgm:cxn modelId="{C8230DF7-9FAA-8145-954E-4DE18C6E5962}" srcId="{CFCF1C09-80B6-9D43-9C3D-1BC2C3E510C9}" destId="{EFFA916E-4F76-8048-A184-2BBA466BB661}" srcOrd="0" destOrd="0" parTransId="{F12842DE-315F-D443-AC85-990609EEC187}" sibTransId="{6436388D-8658-F147-8348-EA3DD289011D}"/>
     <dgm:cxn modelId="{878CBE81-C078-E64C-98BD-0336A78B9031}" type="presOf" srcId="{2F8811AE-3AB0-1648-A7CD-877961003617}" destId="{7F072C46-BF5C-E74A-BDBA-A2316FA1CE02}" srcOrd="0" destOrd="1" presId="urn:microsoft.com/office/officeart/2005/8/layout/vList2"/>
-    <dgm:cxn modelId="{C8230DF7-9FAA-8145-954E-4DE18C6E5962}" srcId="{CFCF1C09-80B6-9D43-9C3D-1BC2C3E510C9}" destId="{EFFA916E-4F76-8048-A184-2BBA466BB661}" srcOrd="0" destOrd="0" parTransId="{F12842DE-315F-D443-AC85-990609EEC187}" sibTransId="{6436388D-8658-F147-8348-EA3DD289011D}"/>
+    <dgm:cxn modelId="{93330E4C-0735-154C-B384-B86CC3BB6A40}" type="presOf" srcId="{6783BD06-83D4-DB4E-9499-7C43E0AA64C7}" destId="{F57962A2-0320-3D4F-B361-F11EAE206643}" srcOrd="0" destOrd="0" presId="urn:microsoft.com/office/officeart/2005/8/layout/vList2"/>
+    <dgm:cxn modelId="{F74B8BFB-6CB7-3144-8F7D-23014B4CF3D8}" type="presOf" srcId="{CFCF1C09-80B6-9D43-9C3D-1BC2C3E510C9}" destId="{2E506666-F2C7-594C-88A3-1989CAFB2CE9}" srcOrd="0" destOrd="0" presId="urn:microsoft.com/office/officeart/2005/8/layout/vList2"/>
+    <dgm:cxn modelId="{53B1FC09-A894-454F-867A-510F9B7D2B89}" srcId="{6783BD06-83D4-DB4E-9499-7C43E0AA64C7}" destId="{2F8811AE-3AB0-1648-A7CD-877961003617}" srcOrd="1" destOrd="0" parTransId="{710D0221-55D0-6B40-BBFA-61AB8F210E01}" sibTransId="{7C95FB20-DBC0-2A47-8AB7-9BE78A187FDB}"/>
     <dgm:cxn modelId="{74FE3A4F-6393-3F40-869C-57BBD44AA112}" type="presOf" srcId="{7E040981-7CE3-774D-8C6F-2BC906473FAB}" destId="{636379C9-8B6B-A640-8821-6D45637590C2}" srcOrd="0" destOrd="0" presId="urn:microsoft.com/office/officeart/2005/8/layout/vList2"/>
-    <dgm:cxn modelId="{AEF3B3B9-D627-6D4A-B214-406C9624D6CF}" srcId="{7E040981-7CE3-774D-8C6F-2BC906473FAB}" destId="{6783BD06-83D4-DB4E-9499-7C43E0AA64C7}" srcOrd="0" destOrd="0" parTransId="{134D0CC3-1D33-B64C-A21E-9AA946744840}" sibTransId="{B2C80D16-7558-B440-8ED6-DFBE7449FA42}"/>
-    <dgm:cxn modelId="{F74B8BFB-6CB7-3144-8F7D-23014B4CF3D8}" type="presOf" srcId="{CFCF1C09-80B6-9D43-9C3D-1BC2C3E510C9}" destId="{2E506666-F2C7-594C-88A3-1989CAFB2CE9}" srcOrd="0" destOrd="0" presId="urn:microsoft.com/office/officeart/2005/8/layout/vList2"/>
     <dgm:cxn modelId="{3C97EC6F-4544-624C-B51E-92D8D23E54F5}" srcId="{7E040981-7CE3-774D-8C6F-2BC906473FAB}" destId="{CFCF1C09-80B6-9D43-9C3D-1BC2C3E510C9}" srcOrd="1" destOrd="0" parTransId="{EBB1D5CB-3DDB-ED44-8722-1953E41A9E33}" sibTransId="{6FB62A41-4360-FA4C-B374-BB9ED8522367}"/>
-    <dgm:cxn modelId="{93330E4C-0735-154C-B384-B86CC3BB6A40}" type="presOf" srcId="{6783BD06-83D4-DB4E-9499-7C43E0AA64C7}" destId="{F57962A2-0320-3D4F-B361-F11EAE206643}" srcOrd="0" destOrd="0" presId="urn:microsoft.com/office/officeart/2005/8/layout/vList2"/>
-    <dgm:cxn modelId="{53B1FC09-A894-454F-867A-510F9B7D2B89}" srcId="{6783BD06-83D4-DB4E-9499-7C43E0AA64C7}" destId="{2F8811AE-3AB0-1648-A7CD-877961003617}" srcOrd="1" destOrd="0" parTransId="{710D0221-55D0-6B40-BBFA-61AB8F210E01}" sibTransId="{7C95FB20-DBC0-2A47-8AB7-9BE78A187FDB}"/>
-    <dgm:cxn modelId="{9CA9D8AF-64BE-E041-94C5-59282579C544}" srcId="{6783BD06-83D4-DB4E-9499-7C43E0AA64C7}" destId="{232535A5-43C3-7A4C-8182-5EE8E311AF2A}" srcOrd="0" destOrd="0" parTransId="{D7E2F479-3B62-C748-8407-A4526B702630}" sibTransId="{AA215D0C-6C5C-5C42-899F-8E61F52C0156}"/>
     <dgm:cxn modelId="{8D47B376-508C-4D46-91F5-6FCD9F007555}" type="presParOf" srcId="{636379C9-8B6B-A640-8821-6D45637590C2}" destId="{F57962A2-0320-3D4F-B361-F11EAE206643}" srcOrd="0" destOrd="0" presId="urn:microsoft.com/office/officeart/2005/8/layout/vList2"/>
     <dgm:cxn modelId="{AD26FD55-9E0F-194E-B084-E5349676E33B}" type="presParOf" srcId="{636379C9-8B6B-A640-8821-6D45637590C2}" destId="{7F072C46-BF5C-E74A-BDBA-A2316FA1CE02}" srcOrd="1" destOrd="0" presId="urn:microsoft.com/office/officeart/2005/8/layout/vList2"/>
     <dgm:cxn modelId="{C54AD420-B180-744B-9FFC-0B2F9C3A27AF}" type="presParOf" srcId="{636379C9-8B6B-A640-8821-6D45637590C2}" destId="{2E506666-F2C7-594C-88A3-1989CAFB2CE9}" srcOrd="2" destOrd="0" presId="urn:microsoft.com/office/officeart/2005/8/layout/vList2"/>
@@ -41092,6 +41093,13 @@
   <p:clrMapOvr>
     <a:masterClrMapping/>
   </p:clrMapOvr>
+  <p:timing>
+    <p:tnLst>
+      <p:par>
+        <p:cTn id="1" dur="indefinite" restart="never" nodeType="tmRoot"/>
+      </p:par>
+    </p:tnLst>
+  </p:timing>
 </p:sld>
 </file>
 
@@ -41129,7 +41137,11 @@
           <a:p>
             <a:r>
               <a:rPr lang="en-US" dirty="0" smtClean="0"/>
-              <a:t>Cross-over is Not very effective</a:t>
+              <a:t>Cross-over is </a:t>
+            </a:r>
+            <a:r>
+              <a:rPr lang="en-US" dirty="0" smtClean="0"/>
+              <a:t>not an average</a:t>
             </a:r>
             <a:endParaRPr lang="en-US" dirty="0"/>
           </a:p>
@@ -41174,6 +41186,13 @@
   <p:clrMapOvr>
     <a:masterClrMapping/>
   </p:clrMapOvr>
+  <p:timing>
+    <p:tnLst>
+      <p:par>
+        <p:cTn id="1" dur="indefinite" restart="never" nodeType="tmRoot"/>
+      </p:par>
+    </p:tnLst>
+  </p:timing>
 </p:sld>
 </file>
 
@@ -41251,6 +41270,13 @@
   <p:clrMapOvr>
     <a:masterClrMapping/>
   </p:clrMapOvr>
+  <p:timing>
+    <p:tnLst>
+      <p:par>
+        <p:cTn id="1" dur="indefinite" restart="never" nodeType="tmRoot"/>
+      </p:par>
+    </p:tnLst>
+  </p:timing>
 </p:sld>
 </file>
 
@@ -41513,7 +41539,6 @@
               <a:rPr lang="en-US" dirty="0"/>
               <a:t>Results</a:t>
             </a:r>
-            <a:endParaRPr lang="en-US" dirty="0"/>
           </a:p>
         </p:txBody>
       </p:sp>
@@ -41639,7 +41664,6 @@
               <a:rPr lang="en-US" dirty="0"/>
               <a:t>Results</a:t>
             </a:r>
-            <a:endParaRPr lang="en-US" dirty="0"/>
           </a:p>
         </p:txBody>
       </p:sp>
@@ -41761,6 +41785,426 @@
           <a:p>
             <a:r>
               <a:rPr lang="en-US" dirty="0" smtClean="0"/>
+              <a:t>a 1000-utility vector move</a:t>
+            </a:r>
+            <a:endParaRPr lang="en-US" dirty="0"/>
+          </a:p>
+        </p:txBody>
+      </p:sp>
+      <p:sp>
+        <p:nvSpPr>
+          <p:cNvPr id="4" name="Content Placeholder 3"/>
+          <p:cNvSpPr>
+            <a:spLocks noGrp="1"/>
+          </p:cNvSpPr>
+          <p:nvPr>
+            <p:ph idx="1"/>
+          </p:nvPr>
+        </p:nvSpPr>
+        <p:spPr/>
+        <p:txBody>
+          <a:bodyPr>
+            <a:normAutofit fontScale="70000" lnSpcReduction="20000"/>
+          </a:bodyPr>
+          <a:lstStyle/>
+          <a:p>
+            <a:pPr marL="457200" indent="-457200">
+              <a:buFont typeface="+mj-lt"/>
+              <a:buAutoNum type="arabicPeriod"/>
+            </a:pPr>
+            <a:r>
+              <a:rPr lang="en-US" dirty="0" smtClean="0"/>
+              <a:t>other_health= </a:t>
+            </a:r>
+            <a:r>
+              <a:rPr lang="en-US" dirty="0"/>
+              <a:t>-.72 * </a:t>
+            </a:r>
+            <a:r>
+              <a:rPr lang="en-US" dirty="0" err="1" smtClean="0"/>
+              <a:t>other_attack</a:t>
+            </a:r>
+            <a:r>
+              <a:rPr lang="en-US" dirty="0" smtClean="0"/>
+              <a:t> + </a:t>
+            </a:r>
+            <a:r>
+              <a:rPr lang="en-US" dirty="0"/>
+              <a:t>.77 * </a:t>
+            </a:r>
+            <a:r>
+              <a:rPr lang="en-US" dirty="0" err="1" smtClean="0"/>
+              <a:t>self_attack</a:t>
+            </a:r>
+            <a:r>
+              <a:rPr lang="en-US" dirty="0" smtClean="0"/>
+              <a:t> - </a:t>
+            </a:r>
+            <a:r>
+              <a:rPr lang="en-US" dirty="0"/>
+              <a:t>.17 * </a:t>
+            </a:r>
+            <a:r>
+              <a:rPr lang="en-US" dirty="0" err="1" smtClean="0"/>
+              <a:t>self_defense</a:t>
+            </a:r>
+            <a:r>
+              <a:rPr lang="en-US" dirty="0" smtClean="0"/>
+              <a:t>+ </a:t>
+            </a:r>
+            <a:r>
+              <a:rPr lang="en-US" dirty="0"/>
+              <a:t>3.43 </a:t>
+            </a:r>
+            <a:r>
+              <a:rPr lang="en-US" dirty="0" smtClean="0"/>
+              <a:t>* 	</a:t>
+            </a:r>
+            <a:r>
+              <a:rPr lang="en-US" dirty="0" err="1" smtClean="0"/>
+              <a:t>other_defense</a:t>
+            </a:r>
+            <a:r>
+              <a:rPr lang="en-US" dirty="0" smtClean="0"/>
+              <a:t>+ 1.2</a:t>
+            </a:r>
+          </a:p>
+          <a:p>
+            <a:pPr marL="457200" indent="-457200">
+              <a:buFont typeface="+mj-lt"/>
+              <a:buAutoNum type="arabicPeriod"/>
+            </a:pPr>
+            <a:r>
+              <a:rPr lang="en-US" dirty="0" err="1" smtClean="0"/>
+              <a:t>other_attack</a:t>
+            </a:r>
+            <a:r>
+              <a:rPr lang="en-US" dirty="0" smtClean="0"/>
+              <a:t> = </a:t>
+            </a:r>
+            <a:r>
+              <a:rPr lang="en-US" dirty="0"/>
+              <a:t>-11 * </a:t>
+            </a:r>
+            <a:r>
+              <a:rPr lang="en-US" dirty="0" err="1" smtClean="0"/>
+              <a:t>other_attack</a:t>
+            </a:r>
+            <a:r>
+              <a:rPr lang="en-US" dirty="0" smtClean="0"/>
+              <a:t> – other_health - </a:t>
+            </a:r>
+            <a:r>
+              <a:rPr lang="en-US" dirty="0"/>
+              <a:t>13 * </a:t>
+            </a:r>
+            <a:r>
+              <a:rPr lang="en-US" dirty="0" err="1" smtClean="0"/>
+              <a:t>other_defense</a:t>
+            </a:r>
+            <a:r>
+              <a:rPr lang="en-US" dirty="0" smtClean="0"/>
+              <a:t> </a:t>
+            </a:r>
+            <a:r>
+              <a:rPr lang="en-US" dirty="0"/>
+              <a:t>- 2 * </a:t>
+            </a:r>
+            <a:r>
+              <a:rPr lang="en-US" dirty="0" err="1" smtClean="0"/>
+              <a:t>self_attack</a:t>
+            </a:r>
+            <a:r>
+              <a:rPr lang="en-US" dirty="0" smtClean="0"/>
+              <a:t>+ 	8 * </a:t>
+            </a:r>
+            <a:r>
+              <a:rPr lang="en-US" dirty="0" err="1" smtClean="0"/>
+              <a:t>self_defense</a:t>
+            </a:r>
+            <a:r>
+              <a:rPr lang="en-US" dirty="0" smtClean="0"/>
+              <a:t>+ </a:t>
+            </a:r>
+            <a:r>
+              <a:rPr lang="en-US" dirty="0" err="1" smtClean="0"/>
+              <a:t>self_health</a:t>
+            </a:r>
+            <a:r>
+              <a:rPr lang="en-US" dirty="0" smtClean="0"/>
+              <a:t>+ 1</a:t>
+            </a:r>
+          </a:p>
+          <a:p>
+            <a:pPr marL="457200" indent="-457200">
+              <a:buFont typeface="+mj-lt"/>
+              <a:buAutoNum type="arabicPeriod"/>
+            </a:pPr>
+            <a:r>
+              <a:rPr lang="en-US" dirty="0" err="1" smtClean="0"/>
+              <a:t>self_health</a:t>
+            </a:r>
+            <a:r>
+              <a:rPr lang="en-US" dirty="0" smtClean="0"/>
+              <a:t> = </a:t>
+            </a:r>
+            <a:r>
+              <a:rPr lang="en-US" dirty="0"/>
+              <a:t>-3.71 * </a:t>
+            </a:r>
+            <a:r>
+              <a:rPr lang="en-US" dirty="0" err="1" smtClean="0"/>
+              <a:t>self_attack</a:t>
+            </a:r>
+            <a:r>
+              <a:rPr lang="en-US" dirty="0" smtClean="0"/>
+              <a:t> - </a:t>
+            </a:r>
+            <a:r>
+              <a:rPr lang="en-US" dirty="0"/>
+              <a:t>1.97 * </a:t>
+            </a:r>
+            <a:r>
+              <a:rPr lang="en-US" dirty="0" err="1" smtClean="0"/>
+              <a:t>self_defense</a:t>
+            </a:r>
+            <a:r>
+              <a:rPr lang="en-US" dirty="0" smtClean="0"/>
+              <a:t> + 1.83</a:t>
+            </a:r>
+          </a:p>
+          <a:p>
+            <a:pPr marL="0" indent="0">
+              <a:buNone/>
+            </a:pPr>
+            <a:r>
+              <a:rPr lang="en-US" dirty="0" smtClean="0"/>
+              <a:t>----------------------------------------------------------------------------------------------------------------------------------------</a:t>
+            </a:r>
+            <a:endParaRPr lang="en-US" dirty="0"/>
+          </a:p>
+          <a:p>
+            <a:pPr marL="457200" indent="-457200">
+              <a:buFont typeface="+mj-lt"/>
+              <a:buAutoNum type="arabicPeriod"/>
+            </a:pPr>
+            <a:r>
+              <a:rPr lang="en-US" dirty="0" smtClean="0"/>
+              <a:t>other_health= -</a:t>
+            </a:r>
+            <a:r>
+              <a:rPr lang="en-US" dirty="0" err="1" smtClean="0"/>
+              <a:t>other_attack</a:t>
+            </a:r>
+            <a:r>
+              <a:rPr lang="en-US" dirty="0" smtClean="0"/>
+              <a:t>+ </a:t>
+            </a:r>
+            <a:r>
+              <a:rPr lang="en-US" dirty="0"/>
+              <a:t>4 * </a:t>
+            </a:r>
+            <a:r>
+              <a:rPr lang="en-US" dirty="0" err="1" smtClean="0"/>
+              <a:t>self_attack</a:t>
+            </a:r>
+            <a:r>
+              <a:rPr lang="en-US" dirty="0" smtClean="0"/>
+              <a:t> + </a:t>
+            </a:r>
+            <a:r>
+              <a:rPr lang="en-US" dirty="0"/>
+              <a:t>2 * </a:t>
+            </a:r>
+            <a:r>
+              <a:rPr lang="en-US" dirty="0" err="1" smtClean="0"/>
+              <a:t>self_defense</a:t>
+            </a:r>
+            <a:r>
+              <a:rPr lang="en-US" dirty="0" smtClean="0"/>
+              <a:t>+ </a:t>
+            </a:r>
+            <a:r>
+              <a:rPr lang="en-US" dirty="0" err="1" smtClean="0"/>
+              <a:t>other_defense</a:t>
+            </a:r>
+            <a:r>
+              <a:rPr lang="en-US" dirty="0" smtClean="0"/>
+              <a:t> + 2</a:t>
+            </a:r>
+          </a:p>
+          <a:p>
+            <a:pPr marL="457200" indent="-457200">
+              <a:buFont typeface="+mj-lt"/>
+              <a:buAutoNum type="arabicPeriod"/>
+            </a:pPr>
+            <a:r>
+              <a:rPr lang="en-US" dirty="0" err="1" smtClean="0"/>
+              <a:t>other_defense</a:t>
+            </a:r>
+            <a:r>
+              <a:rPr lang="en-US" dirty="0" smtClean="0"/>
+              <a:t> = </a:t>
+            </a:r>
+            <a:r>
+              <a:rPr lang="en-US" dirty="0"/>
+              <a:t>-.88 * </a:t>
+            </a:r>
+            <a:r>
+              <a:rPr lang="en-US" dirty="0" err="1" smtClean="0"/>
+              <a:t>other_attack</a:t>
+            </a:r>
+            <a:r>
+              <a:rPr lang="en-US" dirty="0" smtClean="0"/>
+              <a:t> - </a:t>
+            </a:r>
+            <a:r>
+              <a:rPr lang="en-US" dirty="0"/>
+              <a:t>3*.72 </a:t>
+            </a:r>
+            <a:r>
+              <a:rPr lang="en-US" dirty="0" smtClean="0"/>
+              <a:t>*other_health - </a:t>
+            </a:r>
+            <a:r>
+              <a:rPr lang="en-US" dirty="0"/>
+              <a:t>2.38 * </a:t>
+            </a:r>
+            <a:r>
+              <a:rPr lang="en-US" dirty="0" err="1" smtClean="0"/>
+              <a:t>other_defense</a:t>
+            </a:r>
+            <a:r>
+              <a:rPr lang="en-US" dirty="0" smtClean="0"/>
+              <a:t>+ 	3.31	* </a:t>
+            </a:r>
+            <a:r>
+              <a:rPr lang="en-US" dirty="0" err="1" smtClean="0"/>
+              <a:t>self_attack</a:t>
+            </a:r>
+            <a:r>
+              <a:rPr lang="en-US" dirty="0" smtClean="0"/>
+              <a:t> - </a:t>
+            </a:r>
+            <a:r>
+              <a:rPr lang="en-US" dirty="0"/>
+              <a:t>5.19 * </a:t>
+            </a:r>
+            <a:r>
+              <a:rPr lang="en-US" dirty="0" err="1" smtClean="0"/>
+              <a:t>self_defense</a:t>
+            </a:r>
+            <a:r>
+              <a:rPr lang="en-US" dirty="0" smtClean="0"/>
+              <a:t>+ </a:t>
+            </a:r>
+            <a:r>
+              <a:rPr lang="en-US" dirty="0"/>
+              <a:t>3.69 * </a:t>
+            </a:r>
+            <a:r>
+              <a:rPr lang="en-US" dirty="0" err="1" smtClean="0"/>
+              <a:t>self_health</a:t>
+            </a:r>
+            <a:r>
+              <a:rPr lang="en-US" dirty="0" smtClean="0"/>
+              <a:t>- 4.56</a:t>
+            </a:r>
+          </a:p>
+          <a:p>
+            <a:pPr marL="457200" indent="-457200">
+              <a:buFont typeface="+mj-lt"/>
+              <a:buAutoNum type="arabicPeriod"/>
+            </a:pPr>
+            <a:r>
+              <a:rPr lang="en-US" dirty="0" err="1" smtClean="0"/>
+              <a:t>self_health</a:t>
+            </a:r>
+            <a:r>
+              <a:rPr lang="en-US" dirty="0" smtClean="0"/>
+              <a:t>= -</a:t>
+            </a:r>
+            <a:r>
+              <a:rPr lang="en-US" dirty="0" err="1" smtClean="0"/>
+              <a:t>self_attack</a:t>
+            </a:r>
+            <a:r>
+              <a:rPr lang="en-US" dirty="0" smtClean="0"/>
+              <a:t>- </a:t>
+            </a:r>
+            <a:r>
+              <a:rPr lang="en-US" dirty="0"/>
+              <a:t>6 * </a:t>
+            </a:r>
+            <a:r>
+              <a:rPr lang="en-US" dirty="0" err="1" smtClean="0"/>
+              <a:t>self_defense</a:t>
+            </a:r>
+            <a:r>
+              <a:rPr lang="en-US" dirty="0" smtClean="0"/>
+              <a:t>+ </a:t>
+            </a:r>
+            <a:r>
+              <a:rPr lang="en-US" dirty="0"/>
+              <a:t>9</a:t>
+            </a:r>
+          </a:p>
+        </p:txBody>
+      </p:sp>
+    </p:spTree>
+    <p:extLst>
+      <p:ext uri="{BB962C8B-B14F-4D97-AF65-F5344CB8AC3E}">
+        <p14:creationId xmlns:p14="http://schemas.microsoft.com/office/powerpoint/2010/main" val="1260691232"/>
+      </p:ext>
+    </p:extLst>
+  </p:cSld>
+  <p:clrMapOvr>
+    <a:masterClrMapping/>
+  </p:clrMapOvr>
+  <p:timing>
+    <p:tnLst>
+      <p:par>
+        <p:cTn id="1" dur="indefinite" restart="never" nodeType="tmRoot"/>
+      </p:par>
+    </p:tnLst>
+  </p:timing>
+</p:sld>
+</file>
+
+<file path=ppt/slides/slide17.xml><?xml version="1.0" encoding="utf-8"?>
+<p:sld xmlns:a="http://schemas.openxmlformats.org/drawingml/2006/main" xmlns:r="http://schemas.openxmlformats.org/officeDocument/2006/relationships" xmlns:p="http://schemas.openxmlformats.org/presentationml/2006/main">
+  <p:cSld>
+    <p:spTree>
+      <p:nvGrpSpPr>
+        <p:cNvPr id="1" name=""/>
+        <p:cNvGrpSpPr/>
+        <p:nvPr/>
+      </p:nvGrpSpPr>
+      <p:grpSpPr>
+        <a:xfrm>
+          <a:off x="0" y="0"/>
+          <a:ext cx="0" cy="0"/>
+          <a:chOff x="0" y="0"/>
+          <a:chExt cx="0" cy="0"/>
+        </a:xfrm>
+      </p:grpSpPr>
+      <p:sp>
+        <p:nvSpPr>
+          <p:cNvPr id="2" name="Title 1"/>
+          <p:cNvSpPr>
+            <a:spLocks noGrp="1"/>
+          </p:cNvSpPr>
+          <p:nvPr>
+            <p:ph type="title"/>
+          </p:nvPr>
+        </p:nvSpPr>
+        <p:spPr/>
+        <p:txBody>
+          <a:bodyPr/>
+          <a:lstStyle/>
+          <a:p>
+            <a:r>
+              <a:rPr lang="en-US" dirty="0" smtClean="0"/>
               <a:t>Things That Did Not Work</a:t>
             </a:r>
             <a:endParaRPr lang="en-US" dirty="0"/>
@@ -41812,7 +42256,7 @@
 </p:sld>
 </file>
 
-<file path=ppt/slides/slide17.xml><?xml version="1.0" encoding="utf-8"?>
+<file path=ppt/slides/slide18.xml><?xml version="1.0" encoding="utf-8"?>
 <p:sld xmlns:a="http://schemas.openxmlformats.org/drawingml/2006/main" xmlns:r="http://schemas.openxmlformats.org/officeDocument/2006/relationships" xmlns:p="http://schemas.openxmlformats.org/presentationml/2006/main">
   <p:cSld>
     <p:spTree>
@@ -41897,7 +42341,7 @@
 </p:sld>
 </file>
 
-<file path=ppt/slides/slide18.xml><?xml version="1.0" encoding="utf-8"?>
+<file path=ppt/slides/slide19.xml><?xml version="1.0" encoding="utf-8"?>
 <p:sld xmlns:a="http://schemas.openxmlformats.org/drawingml/2006/main" xmlns:r="http://schemas.openxmlformats.org/officeDocument/2006/relationships" xmlns:p="http://schemas.openxmlformats.org/presentationml/2006/main">
   <p:cSld>
     <p:spTree>
@@ -41952,6 +42396,13 @@
   <p:clrMapOvr>
     <a:masterClrMapping/>
   </p:clrMapOvr>
+  <p:timing>
+    <p:tnLst>
+      <p:par>
+        <p:cTn id="1" dur="indefinite" restart="never" nodeType="tmRoot"/>
+      </p:par>
+    </p:tnLst>
+  </p:timing>
 </p:sld>
 </file>
 
@@ -42053,6 +42504,13 @@
   <p:clrMapOvr>
     <a:masterClrMapping/>
   </p:clrMapOvr>
+  <p:timing>
+    <p:tnLst>
+      <p:par>
+        <p:cTn id="1" dur="indefinite" restart="never" nodeType="tmRoot"/>
+      </p:par>
+    </p:tnLst>
+  </p:timing>
 </p:sld>
 </file>
 
@@ -42131,6 +42589,13 @@
   <p:clrMapOvr>
     <a:masterClrMapping/>
   </p:clrMapOvr>
+  <p:timing>
+    <p:tnLst>
+      <p:par>
+        <p:cTn id="1" dur="indefinite" restart="never" nodeType="tmRoot"/>
+      </p:par>
+    </p:tnLst>
+  </p:timing>
 </p:sld>
 </file>
 
@@ -42208,6 +42673,13 @@
   <p:clrMapOvr>
     <a:masterClrMapping/>
   </p:clrMapOvr>
+  <p:timing>
+    <p:tnLst>
+      <p:par>
+        <p:cTn id="1" dur="indefinite" restart="never" nodeType="tmRoot"/>
+      </p:par>
+    </p:tnLst>
+  </p:timing>
 </p:sld>
 </file>
 
@@ -42286,6 +42758,13 @@
   <p:clrMapOvr>
     <a:masterClrMapping/>
   </p:clrMapOvr>
+  <p:timing>
+    <p:tnLst>
+      <p:par>
+        <p:cTn id="1" dur="indefinite" restart="never" nodeType="tmRoot"/>
+      </p:par>
+    </p:tnLst>
+  </p:timing>
 </p:sld>
 </file>
 
@@ -42369,6 +42848,13 @@
   <p:clrMapOvr>
     <a:masterClrMapping/>
   </p:clrMapOvr>
+  <p:timing>
+    <p:tnLst>
+      <p:par>
+        <p:cTn id="1" dur="indefinite" restart="never" nodeType="tmRoot"/>
+      </p:par>
+    </p:tnLst>
+  </p:timing>
 </p:sld>
 </file>
 
@@ -42447,6 +42933,13 @@
   <p:clrMapOvr>
     <a:masterClrMapping/>
   </p:clrMapOvr>
+  <p:timing>
+    <p:tnLst>
+      <p:par>
+        <p:cTn id="1" dur="indefinite" restart="never" nodeType="tmRoot"/>
+      </p:par>
+    </p:tnLst>
+  </p:timing>
 </p:sld>
 </file>
 
@@ -42585,30 +43078,40 @@
           <a:lstStyle/>
           <a:p>
             <a:r>
-              <a:rPr lang="en-US" sz="2800" dirty="0" smtClean="0"/>
-              <a:t>TREE.CROSS_OVER</a:t>
-            </a:r>
-          </a:p>
-          <a:p>
-            <a:pPr lvl="1"/>
-            <a:r>
-              <a:rPr lang="en-US" dirty="0" smtClean="0"/>
-              <a:t>Swap corresponding interior node of one tree with that of another tree</a:t>
-            </a:r>
-          </a:p>
-          <a:p>
-            <a:r>
-              <a:rPr lang="en-US" sz="2800" dirty="0" smtClean="0"/>
+              <a:rPr lang="en-US" sz="2800" dirty="0"/>
               <a:t>TREE.MUTATION</a:t>
             </a:r>
           </a:p>
           <a:p>
             <a:pPr lvl="1"/>
             <a:r>
+              <a:rPr lang="en-US" dirty="0"/>
+              <a:t>Mutate leaf nodes and parents of leaf nodes of the tree, either by replacing a node with a child node or by replacing the node with a different </a:t>
+            </a:r>
+            <a:r>
               <a:rPr lang="en-US" dirty="0" smtClean="0"/>
-              <a:t>Mutate leaf nodes and parents of leaf nodes of the tree, either by replacing a node with a child node or by replacing the node with a different type</a:t>
+              <a:t>type</a:t>
             </a:r>
-            <a:endParaRPr lang="en-US" sz="1800" dirty="0"/>
+            <a:endParaRPr lang="en-US" sz="2800" dirty="0" smtClean="0"/>
+          </a:p>
+          <a:p>
+            <a:r>
+              <a:rPr lang="en-US" sz="2800" dirty="0" smtClean="0"/>
+              <a:t>TREE.CROSS_OVER</a:t>
+            </a:r>
+            <a:endParaRPr lang="en-US" sz="2800" dirty="0" smtClean="0"/>
+          </a:p>
+          <a:p>
+            <a:pPr lvl="1"/>
+            <a:r>
+              <a:rPr lang="en-US" dirty="0" smtClean="0"/>
+              <a:t>Swap corresponding interior node of one tree with that of another </a:t>
+            </a:r>
+            <a:r>
+              <a:rPr lang="en-US" dirty="0" smtClean="0"/>
+              <a:t>tree</a:t>
+            </a:r>
+            <a:endParaRPr lang="en-US" dirty="0" smtClean="0"/>
           </a:p>
         </p:txBody>
       </p:sp>
@@ -42695,6 +43198,13 @@
   <p:clrMapOvr>
     <a:masterClrMapping/>
   </p:clrMapOvr>
+  <p:timing>
+    <p:tnLst>
+      <p:par>
+        <p:cTn id="1" dur="indefinite" restart="never" nodeType="tmRoot"/>
+      </p:par>
+    </p:tnLst>
+  </p:timing>
 </p:sld>
 </file>
 
@@ -42732,7 +43242,7 @@
           <a:p>
             <a:r>
               <a:rPr lang="en-US" dirty="0" smtClean="0"/>
-              <a:t>But does this actually make sense?</a:t>
+              <a:t>But mutation affects the output too much</a:t>
             </a:r>
             <a:endParaRPr lang="en-US" dirty="0"/>
           </a:p>
@@ -42740,12 +43250,12 @@
       </p:sp>
       <p:pic>
         <p:nvPicPr>
-          <p:cNvPr id="7" name="Content Placeholder 6"/>
+          <p:cNvPr id="8" name="Content Placeholder 7"/>
           <p:cNvPicPr>
             <a:picLocks noGrp="1" noChangeAspect="1"/>
           </p:cNvPicPr>
           <p:nvPr>
-            <p:ph sz="half" idx="1"/>
+            <p:ph sz="half" idx="2"/>
           </p:nvPr>
         </p:nvPicPr>
         <p:blipFill>
@@ -42762,36 +43272,7 @@
         </p:blipFill>
         <p:spPr>
           <a:xfrm>
-            <a:off x="684512" y="1936376"/>
-            <a:ext cx="4910594" cy="3854178"/>
-          </a:xfrm>
-        </p:spPr>
-      </p:pic>
-      <p:pic>
-        <p:nvPicPr>
-          <p:cNvPr id="8" name="Content Placeholder 7"/>
-          <p:cNvPicPr>
-            <a:picLocks noGrp="1" noChangeAspect="1"/>
-          </p:cNvPicPr>
-          <p:nvPr>
-            <p:ph sz="half" idx="2"/>
-          </p:nvPr>
-        </p:nvPicPr>
-        <p:blipFill>
-          <a:blip r:embed="rId3">
-            <a:extLst>
-              <a:ext uri="{28A0092B-C50C-407E-A947-70E740481C1C}">
-                <a14:useLocalDpi xmlns:a14="http://schemas.microsoft.com/office/drawing/2010/main" val="0"/>
-              </a:ext>
-            </a:extLst>
-          </a:blip>
-          <a:stretch>
-            <a:fillRect/>
-          </a:stretch>
-        </p:blipFill>
-        <p:spPr>
-          <a:xfrm>
-            <a:off x="6279618" y="1842247"/>
+            <a:off x="3482065" y="1842247"/>
             <a:ext cx="5227871" cy="4053327"/>
           </a:xfrm>
         </p:spPr>
@@ -42806,6 +43287,13 @@
   <p:clrMapOvr>
     <a:masterClrMapping/>
   </p:clrMapOvr>
+  <p:timing>
+    <p:tnLst>
+      <p:par>
+        <p:cTn id="1" dur="indefinite" restart="never" nodeType="tmRoot"/>
+      </p:par>
+    </p:tnLst>
+  </p:timing>
 </p:sld>
 </file>
 
@@ -43054,7 +43542,7 @@
   <a:extraClrSchemeLst/>
   <a:extLst>
     <a:ext uri="{05A4C25C-085E-4340-85A3-A5531E510DB2}">
-      <thm15:themeFamily xmlns:thm15="http://schemas.microsoft.com/office/thememl/2012/main" xmlns="" name="Circuit" id="{0AC2F7E7-15F5-431C-B2A2-456FE929F56C}" vid="{142578CA-DEC9-49C3-80AF-C113973CC9A9}"/>
+      <thm15:themeFamily xmlns="" xmlns:thm15="http://schemas.microsoft.com/office/thememl/2012/main" name="Circuit" id="{0AC2F7E7-15F5-431C-B2A2-456FE929F56C}" vid="{142578CA-DEC9-49C3-80AF-C113973CC9A9}"/>
     </a:ext>
   </a:extLst>
 </a:theme>
